--- a/Кудрявцев Иван Владиславович/Презентация к диплому.pptx
+++ b/Кудрявцев Иван Владиславович/Презентация к диплому.pptx
@@ -6,19 +6,20 @@
   </p:sldMasterIdLst>
   <p:sldIdLst>
     <p:sldId id="257" r:id="rId2"/>
-    <p:sldId id="258" r:id="rId3"/>
-    <p:sldId id="266" r:id="rId4"/>
-    <p:sldId id="271" r:id="rId5"/>
+    <p:sldId id="266" r:id="rId3"/>
+    <p:sldId id="271" r:id="rId4"/>
+    <p:sldId id="268" r:id="rId5"/>
     <p:sldId id="267" r:id="rId6"/>
-    <p:sldId id="268" r:id="rId7"/>
+    <p:sldId id="258" r:id="rId7"/>
     <p:sldId id="270" r:id="rId8"/>
     <p:sldId id="273" r:id="rId9"/>
     <p:sldId id="269" r:id="rId10"/>
-    <p:sldId id="272" r:id="rId11"/>
-    <p:sldId id="274" r:id="rId12"/>
-    <p:sldId id="276" r:id="rId13"/>
-    <p:sldId id="277" r:id="rId14"/>
-    <p:sldId id="275" r:id="rId15"/>
+    <p:sldId id="276" r:id="rId11"/>
+    <p:sldId id="280" r:id="rId12"/>
+    <p:sldId id="277" r:id="rId13"/>
+    <p:sldId id="278" r:id="rId14"/>
+    <p:sldId id="279" r:id="rId15"/>
+    <p:sldId id="275" r:id="rId16"/>
   </p:sldIdLst>
   <p:sldSz cx="9144000" cy="6858000" type="screen4x3"/>
   <p:notesSz cx="6858000" cy="9144000"/>
@@ -302,7 +303,7 @@
             <a:fld id="{ECADDB99-61F7-42CA-9B6E-B80570B429D3}" type="datetimeFigureOut">
               <a:rPr lang="ru-RU" smtClean="0"/>
               <a:pPr/>
-              <a:t>14.02.2012</a:t>
+              <a:t>15.02.2012</a:t>
             </a:fld>
             <a:endParaRPr lang="ru-RU"/>
           </a:p>
@@ -469,7 +470,7 @@
             <a:fld id="{ECADDB99-61F7-42CA-9B6E-B80570B429D3}" type="datetimeFigureOut">
               <a:rPr lang="ru-RU" smtClean="0"/>
               <a:pPr/>
-              <a:t>14.02.2012</a:t>
+              <a:t>15.02.2012</a:t>
             </a:fld>
             <a:endParaRPr lang="ru-RU"/>
           </a:p>
@@ -646,7 +647,7 @@
             <a:fld id="{ECADDB99-61F7-42CA-9B6E-B80570B429D3}" type="datetimeFigureOut">
               <a:rPr lang="ru-RU" smtClean="0"/>
               <a:pPr/>
-              <a:t>14.02.2012</a:t>
+              <a:t>15.02.2012</a:t>
             </a:fld>
             <a:endParaRPr lang="ru-RU"/>
           </a:p>
@@ -813,7 +814,7 @@
             <a:fld id="{ECADDB99-61F7-42CA-9B6E-B80570B429D3}" type="datetimeFigureOut">
               <a:rPr lang="ru-RU" smtClean="0"/>
               <a:pPr/>
-              <a:t>14.02.2012</a:t>
+              <a:t>15.02.2012</a:t>
             </a:fld>
             <a:endParaRPr lang="ru-RU"/>
           </a:p>
@@ -1056,7 +1057,7 @@
             <a:fld id="{ECADDB99-61F7-42CA-9B6E-B80570B429D3}" type="datetimeFigureOut">
               <a:rPr lang="ru-RU" smtClean="0"/>
               <a:pPr/>
-              <a:t>14.02.2012</a:t>
+              <a:t>15.02.2012</a:t>
             </a:fld>
             <a:endParaRPr lang="ru-RU"/>
           </a:p>
@@ -1341,7 +1342,7 @@
             <a:fld id="{ECADDB99-61F7-42CA-9B6E-B80570B429D3}" type="datetimeFigureOut">
               <a:rPr lang="ru-RU" smtClean="0"/>
               <a:pPr/>
-              <a:t>14.02.2012</a:t>
+              <a:t>15.02.2012</a:t>
             </a:fld>
             <a:endParaRPr lang="ru-RU"/>
           </a:p>
@@ -1760,7 +1761,7 @@
             <a:fld id="{ECADDB99-61F7-42CA-9B6E-B80570B429D3}" type="datetimeFigureOut">
               <a:rPr lang="ru-RU" smtClean="0"/>
               <a:pPr/>
-              <a:t>14.02.2012</a:t>
+              <a:t>15.02.2012</a:t>
             </a:fld>
             <a:endParaRPr lang="ru-RU"/>
           </a:p>
@@ -1875,7 +1876,7 @@
             <a:fld id="{ECADDB99-61F7-42CA-9B6E-B80570B429D3}" type="datetimeFigureOut">
               <a:rPr lang="ru-RU" smtClean="0"/>
               <a:pPr/>
-              <a:t>14.02.2012</a:t>
+              <a:t>15.02.2012</a:t>
             </a:fld>
             <a:endParaRPr lang="ru-RU"/>
           </a:p>
@@ -1967,7 +1968,7 @@
             <a:fld id="{ECADDB99-61F7-42CA-9B6E-B80570B429D3}" type="datetimeFigureOut">
               <a:rPr lang="ru-RU" smtClean="0"/>
               <a:pPr/>
-              <a:t>14.02.2012</a:t>
+              <a:t>15.02.2012</a:t>
             </a:fld>
             <a:endParaRPr lang="ru-RU"/>
           </a:p>
@@ -2241,7 +2242,7 @@
             <a:fld id="{ECADDB99-61F7-42CA-9B6E-B80570B429D3}" type="datetimeFigureOut">
               <a:rPr lang="ru-RU" smtClean="0"/>
               <a:pPr/>
-              <a:t>14.02.2012</a:t>
+              <a:t>15.02.2012</a:t>
             </a:fld>
             <a:endParaRPr lang="ru-RU"/>
           </a:p>
@@ -2491,7 +2492,7 @@
             <a:fld id="{ECADDB99-61F7-42CA-9B6E-B80570B429D3}" type="datetimeFigureOut">
               <a:rPr lang="ru-RU" smtClean="0"/>
               <a:pPr/>
-              <a:t>14.02.2012</a:t>
+              <a:t>15.02.2012</a:t>
             </a:fld>
             <a:endParaRPr lang="ru-RU"/>
           </a:p>
@@ -2701,7 +2702,7 @@
             <a:fld id="{ECADDB99-61F7-42CA-9B6E-B80570B429D3}" type="datetimeFigureOut">
               <a:rPr lang="ru-RU" smtClean="0"/>
               <a:pPr/>
-              <a:t>14.02.2012</a:t>
+              <a:t>15.02.2012</a:t>
             </a:fld>
             <a:endParaRPr lang="ru-RU"/>
           </a:p>
@@ -3082,8 +3083,8 @@
         </p:nvSpPr>
         <p:spPr>
           <a:xfrm>
-            <a:off x="500034" y="1500174"/>
-            <a:ext cx="8072495" cy="2643206"/>
+            <a:off x="428596" y="1928802"/>
+            <a:ext cx="8072495" cy="2857520"/>
           </a:xfrm>
           <a:prstGeom prst="rect">
             <a:avLst/>
@@ -3091,7 +3092,7 @@
         </p:spPr>
         <p:txBody>
           <a:bodyPr vert="horz" lIns="91440" tIns="45720" rIns="91440" bIns="45720" rtlCol="0">
-            <a:normAutofit/>
+            <a:normAutofit lnSpcReduction="10000"/>
           </a:bodyPr>
           <a:lstStyle/>
           <a:p>
@@ -3112,7 +3113,7 @@
                 <a:ea typeface="Arial Unicode MS" pitchFamily="34" charset="-128"/>
                 <a:cs typeface="Arial Unicode MS" pitchFamily="34" charset="-128"/>
               </a:rPr>
-              <a:t>«Разработка автоматизированной системы хранения программного кода и документации </a:t>
+              <a:t>«Разработка автоматизированной системы хранения документации и программного кода </a:t>
             </a:r>
           </a:p>
           <a:p>
@@ -3133,7 +3134,7 @@
                 <a:ea typeface="Arial Unicode MS" pitchFamily="34" charset="-128"/>
                 <a:cs typeface="Arial Unicode MS" pitchFamily="34" charset="-128"/>
               </a:rPr>
-              <a:t>для станков с ЧПУ</a:t>
+              <a:t>для станков с Числовым Программным Управлением</a:t>
             </a:r>
             <a:r>
               <a:rPr kumimoji="0" lang="ru-RU" sz="3600" b="1" i="0" u="none" strike="noStrike" kern="1200" cap="none" spc="0" normalizeH="0" baseline="0" noProof="0" dirty="0" smtClean="0">
@@ -3183,7 +3184,7 @@
         </p:nvSpPr>
         <p:spPr>
           <a:xfrm>
-            <a:off x="285719" y="3857626"/>
+            <a:off x="285720" y="4500570"/>
             <a:ext cx="5286412" cy="1000132"/>
           </a:xfrm>
           <a:prstGeom prst="rect">
@@ -3214,7 +3215,7 @@
               <a:defRPr/>
             </a:pPr>
             <a:r>
-              <a:rPr kumimoji="0" lang="ru-RU" sz="4400" b="0" i="0" u="sng" strike="noStrike" kern="1200" cap="none" spc="0" normalizeH="0" baseline="0" noProof="0" dirty="0" smtClean="0">
+              <a:rPr kumimoji="0" lang="ru-RU" sz="4000" b="0" i="0" u="sng" strike="noStrike" kern="1200" cap="none" spc="0" normalizeH="0" baseline="0" noProof="0" dirty="0" smtClean="0">
                 <a:ln>
                   <a:noFill/>
                 </a:ln>
@@ -3231,7 +3232,7 @@
               <a:t>Цель</a:t>
             </a:r>
             <a:r>
-              <a:rPr kumimoji="0" lang="ru-RU" sz="4400" b="0" i="0" u="none" strike="noStrike" kern="1200" cap="none" spc="0" normalizeH="0" baseline="0" noProof="0" dirty="0" smtClean="0">
+              <a:rPr kumimoji="0" lang="ru-RU" sz="4000" b="0" i="0" u="none" strike="noStrike" kern="1200" cap="none" spc="0" normalizeH="0" baseline="0" noProof="0" dirty="0" smtClean="0">
                 <a:ln>
                   <a:noFill/>
                 </a:ln>
@@ -3247,7 +3248,7 @@
               </a:rPr>
               <a:t>:</a:t>
             </a:r>
-            <a:endParaRPr kumimoji="0" lang="ru-RU" sz="4400" b="0" i="0" u="none" strike="noStrike" kern="1200" cap="none" spc="0" normalizeH="0" baseline="0" noProof="0" dirty="0">
+            <a:endParaRPr kumimoji="0" lang="ru-RU" sz="4000" b="0" i="0" u="none" strike="noStrike" kern="1200" cap="none" spc="0" normalizeH="0" baseline="0" noProof="0" dirty="0">
               <a:ln>
                 <a:noFill/>
               </a:ln>
@@ -3272,7 +3273,7 @@
         </p:nvSpPr>
         <p:spPr>
           <a:xfrm>
-            <a:off x="785785" y="4714882"/>
+            <a:off x="785786" y="5288340"/>
             <a:ext cx="7858180" cy="1569660"/>
           </a:xfrm>
           <a:prstGeom prst="rect">
@@ -3289,7 +3290,7 @@
             <a:pPr lvl="0" algn="ctr"/>
             <a:r>
               <a:rPr lang="ru-RU" sz="3200" b="1" dirty="0" smtClean="0"/>
-              <a:t>Автоматизация хранения программ и документаций для станков с ЧПУ.</a:t>
+              <a:t>Автоматизация процесса наладки управляющей части станка с ЧПУ.</a:t>
             </a:r>
             <a:endParaRPr lang="ru-RU" sz="3200" b="1" dirty="0"/>
           </a:p>
@@ -3306,8 +3307,8 @@
         </p:nvSpPr>
         <p:spPr>
           <a:xfrm>
-            <a:off x="785786" y="214290"/>
-            <a:ext cx="4397166" cy="584775"/>
+            <a:off x="214282" y="0"/>
+            <a:ext cx="8501122" cy="954107"/>
           </a:xfrm>
           <a:prstGeom prst="rect">
             <a:avLst/>
@@ -3315,16 +3316,42 @@
           <a:noFill/>
         </p:spPr>
         <p:txBody>
-          <a:bodyPr wrap="none" rtlCol="0">
+          <a:bodyPr wrap="square" rtlCol="0">
             <a:spAutoFit/>
           </a:bodyPr>
           <a:lstStyle/>
           <a:p>
             <a:r>
-              <a:rPr lang="ru-RU" sz="3200" dirty="0" smtClean="0"/>
-              <a:t>Кудрявцев И.В., гр. 6331</a:t>
-            </a:r>
-            <a:endParaRPr lang="ru-RU" sz="3200" dirty="0"/>
+              <a:rPr lang="ru-RU" sz="2800" dirty="0" smtClean="0"/>
+              <a:t>Студент</a:t>
+            </a:r>
+            <a:r>
+              <a:rPr lang="en-US" sz="2800" dirty="0" smtClean="0"/>
+              <a:t>: </a:t>
+            </a:r>
+            <a:r>
+              <a:rPr lang="ru-RU" sz="2800" dirty="0" smtClean="0"/>
+              <a:t>Кудрявцев И. В. Гр. 6331</a:t>
+            </a:r>
+          </a:p>
+          <a:p>
+            <a:r>
+              <a:rPr lang="ru-RU" sz="2800" dirty="0" smtClean="0"/>
+              <a:t>Дипломный руководитель</a:t>
+            </a:r>
+            <a:r>
+              <a:rPr lang="en-US" sz="2800" dirty="0" smtClean="0"/>
+              <a:t>: </a:t>
+            </a:r>
+            <a:r>
+              <a:rPr lang="ru-RU" sz="2800" dirty="0" err="1" smtClean="0"/>
+              <a:t>Степулёнок</a:t>
+            </a:r>
+            <a:r>
+              <a:rPr lang="ru-RU" sz="2800" dirty="0" smtClean="0"/>
+              <a:t> Д. О.</a:t>
+            </a:r>
+            <a:endParaRPr lang="ru-RU" sz="2800" dirty="0"/>
           </a:p>
         </p:txBody>
       </p:sp>
@@ -3336,8 +3363,8 @@
         </p:nvSpPr>
         <p:spPr>
           <a:xfrm>
-            <a:off x="857224" y="785794"/>
-            <a:ext cx="5628720" cy="584775"/>
+            <a:off x="357158" y="1000108"/>
+            <a:ext cx="4286280" cy="984885"/>
           </a:xfrm>
           <a:prstGeom prst="rect">
             <a:avLst/>
@@ -3345,28 +3372,23 @@
           <a:noFill/>
         </p:spPr>
         <p:txBody>
-          <a:bodyPr wrap="none" rtlCol="0">
+          <a:bodyPr wrap="square" rtlCol="0">
             <a:spAutoFit/>
           </a:bodyPr>
           <a:lstStyle/>
           <a:p>
-            <a:r>
-              <a:rPr lang="ru-RU" sz="3200" dirty="0" smtClean="0"/>
-              <a:t>Руководитель</a:t>
-            </a:r>
-            <a:r>
-              <a:rPr lang="en-US" sz="3200" dirty="0" smtClean="0"/>
-              <a:t>: </a:t>
-            </a:r>
-            <a:r>
-              <a:rPr lang="ru-RU" sz="3200" dirty="0" err="1" smtClean="0"/>
-              <a:t>Степулёнок</a:t>
-            </a:r>
-            <a:r>
-              <a:rPr lang="ru-RU" sz="3200" dirty="0" smtClean="0"/>
-              <a:t> Д.О.</a:t>
-            </a:r>
-            <a:endParaRPr lang="ru-RU" sz="3200" dirty="0"/>
+            <a:pPr lvl="0"/>
+            <a:r>
+              <a:rPr lang="ru-RU" sz="4000" u="sng" dirty="0" smtClean="0"/>
+              <a:t>Тема</a:t>
+            </a:r>
+            <a:r>
+              <a:rPr lang="ru-RU" sz="4000" dirty="0" smtClean="0"/>
+              <a:t>:</a:t>
+            </a:r>
+          </a:p>
+          <a:p>
+            <a:endParaRPr lang="ru-RU" dirty="0"/>
           </a:p>
         </p:txBody>
       </p:sp>
@@ -3445,8 +3467,8 @@
         </p:blipFill>
         <p:spPr bwMode="auto">
           <a:xfrm>
-            <a:off x="714348" y="1214422"/>
-            <a:ext cx="7929618" cy="5214974"/>
+            <a:off x="395536" y="1052736"/>
+            <a:ext cx="8352928" cy="5460753"/>
           </a:xfrm>
           <a:prstGeom prst="rect">
             <a:avLst/>
@@ -3461,10 +3483,22 @@
         </p:spPr>
       </p:pic>
     </p:spTree>
+    <p:extLst>
+      <p:ext uri="{BB962C8B-B14F-4D97-AF65-F5344CB8AC3E}">
+        <p14:creationId xmlns:p14="http://schemas.microsoft.com/office/powerpoint/2010/main" val="2784725230"/>
+      </p:ext>
+    </p:extLst>
   </p:cSld>
   <p:clrMapOvr>
     <a:masterClrMapping/>
   </p:clrMapOvr>
+  <p:timing>
+    <p:tnLst>
+      <p:par>
+        <p:cTn id="1" dur="indefinite" restart="never" nodeType="tmRoot"/>
+      </p:par>
+    </p:tnLst>
+  </p:timing>
 </p:sld>
 </file>
 
@@ -3495,326 +3529,200 @@
             <p:ph type="title"/>
           </p:nvPr>
         </p:nvSpPr>
-        <p:spPr>
-          <a:xfrm>
-            <a:off x="428596" y="214290"/>
-            <a:ext cx="8229600" cy="1143000"/>
-          </a:xfrm>
-        </p:spPr>
+        <p:spPr/>
         <p:txBody>
           <a:bodyPr/>
           <a:lstStyle/>
           <a:p>
             <a:r>
+              <a:rPr lang="ru-RU" b="1" dirty="0"/>
+              <a:t>Таблица “</a:t>
+            </a:r>
+            <a:r>
+              <a:rPr lang="en-US" b="1" dirty="0"/>
+              <a:t>user</a:t>
+            </a:r>
+            <a:r>
+              <a:rPr lang="ru-RU" b="1" dirty="0"/>
+              <a:t>”</a:t>
+            </a:r>
+            <a:endParaRPr lang="ru-RU" dirty="0"/>
+          </a:p>
+        </p:txBody>
+      </p:sp>
+      <p:sp>
+        <p:nvSpPr>
+          <p:cNvPr id="3" name="Объект 2"/>
+          <p:cNvSpPr>
+            <a:spLocks noGrp="1"/>
+          </p:cNvSpPr>
+          <p:nvPr>
+            <p:ph idx="1"/>
+          </p:nvPr>
+        </p:nvSpPr>
+        <p:spPr>
+          <a:xfrm>
+            <a:off x="395536" y="1340768"/>
+            <a:ext cx="8229600" cy="4525963"/>
+          </a:xfrm>
+        </p:spPr>
+        <p:txBody>
+          <a:bodyPr>
+            <a:normAutofit fontScale="70000" lnSpcReduction="20000"/>
+          </a:bodyPr>
+          <a:lstStyle/>
+          <a:p>
+            <a:pPr marL="0" indent="0">
+              <a:buNone/>
+            </a:pPr>
+            <a:r>
+              <a:rPr lang="ru-RU" dirty="0"/>
+              <a:t>Х</a:t>
+            </a:r>
+            <a:r>
               <a:rPr lang="ru-RU" dirty="0" smtClean="0"/>
-              <a:t>Пользовательский интерфейс</a:t>
+              <a:t>ранение </a:t>
+            </a:r>
+            <a:r>
+              <a:rPr lang="ru-RU" dirty="0"/>
+              <a:t>информации о пользователях системы. Нужна для идентификации и авторизации пользователей в системе.</a:t>
+            </a:r>
+          </a:p>
+          <a:p>
+            <a:pPr lvl="0"/>
+            <a:r>
+              <a:rPr lang="en-US" b="1" dirty="0" smtClean="0"/>
+              <a:t>id</a:t>
+            </a:r>
+            <a:r>
+              <a:rPr lang="ru-RU" b="1" dirty="0" smtClean="0"/>
+              <a:t> </a:t>
+            </a:r>
+            <a:r>
+              <a:rPr lang="ru-RU" b="1" dirty="0"/>
+              <a:t>– </a:t>
+            </a:r>
+            <a:r>
+              <a:rPr lang="ru-RU" dirty="0"/>
+              <a:t>идентификатор (номер) пользователя в системе (присваивается автоматически);</a:t>
+            </a:r>
+          </a:p>
+          <a:p>
+            <a:pPr lvl="0"/>
+            <a:r>
+              <a:rPr lang="ru-RU" b="1" dirty="0" err="1"/>
+              <a:t>name</a:t>
+            </a:r>
+            <a:r>
+              <a:rPr lang="ru-RU" b="1" dirty="0"/>
+              <a:t> – </a:t>
+            </a:r>
+            <a:r>
+              <a:rPr lang="ru-RU" dirty="0"/>
+              <a:t>Фамилия имя отчество пользователя (не более 255 символов);</a:t>
+            </a:r>
+          </a:p>
+          <a:p>
+            <a:pPr lvl="0"/>
+            <a:r>
+              <a:rPr lang="ru-RU" b="1" dirty="0" err="1"/>
+              <a:t>email</a:t>
+            </a:r>
+            <a:r>
+              <a:rPr lang="ru-RU" b="1" dirty="0"/>
+              <a:t> – </a:t>
+            </a:r>
+            <a:r>
+              <a:rPr lang="ru-RU" dirty="0"/>
+              <a:t>электронная почта пользователя, используется как логин (не более 255 символов);</a:t>
+            </a:r>
+          </a:p>
+          <a:p>
+            <a:pPr lvl="0"/>
+            <a:r>
+              <a:rPr lang="en-US" b="1" dirty="0"/>
+              <a:t>password</a:t>
+            </a:r>
+            <a:r>
+              <a:rPr lang="ru-RU" b="1" dirty="0"/>
+              <a:t> – </a:t>
+            </a:r>
+            <a:r>
+              <a:rPr lang="en-US" dirty="0"/>
+              <a:t>md</a:t>
+            </a:r>
+            <a:r>
+              <a:rPr lang="ru-RU" dirty="0"/>
+              <a:t>5-хеш сумма пароля пользователя</a:t>
+            </a:r>
+            <a:r>
+              <a:rPr lang="ru-RU" dirty="0" smtClean="0"/>
+              <a:t>. </a:t>
+            </a:r>
+            <a:r>
+              <a:rPr lang="ru-RU" dirty="0"/>
+              <a:t>MD5 – 128-битный алгоритм </a:t>
+            </a:r>
+            <a:r>
+              <a:rPr lang="ru-RU" dirty="0" smtClean="0"/>
+              <a:t>хеширования. </a:t>
+            </a:r>
+            <a:r>
+              <a:rPr lang="en-US" dirty="0" smtClean="0"/>
+              <a:t>MD5-</a:t>
+            </a:r>
+            <a:r>
+              <a:rPr lang="ru-RU" dirty="0" err="1" smtClean="0"/>
+              <a:t>хеш</a:t>
+            </a:r>
+            <a:r>
+              <a:rPr lang="ru-RU" dirty="0" smtClean="0"/>
+              <a:t> </a:t>
+            </a:r>
+            <a:r>
+              <a:rPr lang="ru-RU" dirty="0"/>
+              <a:t>х</a:t>
+            </a:r>
+            <a:r>
+              <a:rPr lang="ru-RU" dirty="0" smtClean="0"/>
+              <a:t>ранится </a:t>
+            </a:r>
+            <a:r>
+              <a:rPr lang="ru-RU" dirty="0"/>
+              <a:t>вместо самого пароля на случай компрометации базы </a:t>
+            </a:r>
+            <a:r>
+              <a:rPr lang="ru-RU" dirty="0" smtClean="0"/>
+              <a:t>данных. </a:t>
             </a:r>
             <a:endParaRPr lang="ru-RU" dirty="0"/>
           </a:p>
-        </p:txBody>
-      </p:sp>
-      <p:pic>
-        <p:nvPicPr>
-          <p:cNvPr id="1026" name="Picture 2"/>
-          <p:cNvPicPr>
-            <a:picLocks noChangeAspect="1" noChangeArrowheads="1"/>
-          </p:cNvPicPr>
-          <p:nvPr/>
-        </p:nvPicPr>
-        <p:blipFill>
-          <a:blip r:embed="rId2"/>
-          <a:srcRect l="2929" t="10986" r="25000" b="35547"/>
-          <a:stretch>
-            <a:fillRect/>
-          </a:stretch>
-        </p:blipFill>
-        <p:spPr bwMode="auto">
-          <a:xfrm>
-            <a:off x="142844" y="1071546"/>
-            <a:ext cx="8643966" cy="5130177"/>
-          </a:xfrm>
-          <a:prstGeom prst="rect">
-            <a:avLst/>
-          </a:prstGeom>
-          <a:noFill/>
-          <a:ln w="9525">
-            <a:noFill/>
-            <a:miter lim="800000"/>
-            <a:headEnd/>
-            <a:tailEnd/>
-          </a:ln>
-          <a:effectLst/>
-        </p:spPr>
-      </p:pic>
-      <p:cxnSp>
-        <p:nvCxnSpPr>
-          <p:cNvPr id="6" name="Прямая со стрелкой 5"/>
-          <p:cNvCxnSpPr/>
-          <p:nvPr/>
-        </p:nvCxnSpPr>
-        <p:spPr>
-          <a:xfrm rot="5400000" flipH="1" flipV="1">
-            <a:off x="1857356" y="4500570"/>
-            <a:ext cx="642942" cy="500066"/>
-          </a:xfrm>
-          <a:prstGeom prst="straightConnector1">
-            <a:avLst/>
-          </a:prstGeom>
-          <a:ln w="34925">
-            <a:solidFill>
-              <a:schemeClr val="tx1"/>
-            </a:solidFill>
-            <a:tailEnd type="arrow"/>
-          </a:ln>
-        </p:spPr>
-        <p:style>
-          <a:lnRef idx="1">
-            <a:schemeClr val="accent1"/>
-          </a:lnRef>
-          <a:fillRef idx="0">
-            <a:schemeClr val="accent1"/>
-          </a:fillRef>
-          <a:effectRef idx="0">
-            <a:schemeClr val="accent1"/>
-          </a:effectRef>
-          <a:fontRef idx="minor">
-            <a:schemeClr val="tx1"/>
-          </a:fontRef>
-        </p:style>
-      </p:cxnSp>
-      <p:sp>
-        <p:nvSpPr>
-          <p:cNvPr id="7" name="TextBox 6"/>
-          <p:cNvSpPr txBox="1"/>
-          <p:nvPr/>
-        </p:nvSpPr>
-        <p:spPr>
-          <a:xfrm>
-            <a:off x="642910" y="5143512"/>
-            <a:ext cx="4595810" cy="523220"/>
-          </a:xfrm>
-          <a:prstGeom prst="rect">
-            <a:avLst/>
-          </a:prstGeom>
-          <a:noFill/>
-        </p:spPr>
-        <p:txBody>
-          <a:bodyPr wrap="none" rtlCol="0">
-            <a:spAutoFit/>
-          </a:bodyPr>
-          <a:lstStyle/>
-          <a:p>
-            <a:r>
-              <a:rPr lang="ru-RU" sz="2800" dirty="0" smtClean="0"/>
-              <a:t>Переход к тексту программы</a:t>
-            </a:r>
-            <a:endParaRPr lang="ru-RU" sz="2800" dirty="0"/>
-          </a:p>
-        </p:txBody>
-      </p:sp>
-      <p:sp>
-        <p:nvSpPr>
-          <p:cNvPr id="8" name="TextBox 7"/>
-          <p:cNvSpPr txBox="1"/>
-          <p:nvPr/>
-        </p:nvSpPr>
-        <p:spPr>
-          <a:xfrm>
-            <a:off x="4214810" y="2000240"/>
-            <a:ext cx="2932982" cy="523220"/>
-          </a:xfrm>
-          <a:prstGeom prst="rect">
-            <a:avLst/>
-          </a:prstGeom>
-          <a:noFill/>
-        </p:spPr>
-        <p:txBody>
-          <a:bodyPr wrap="none" rtlCol="0">
-            <a:spAutoFit/>
-          </a:bodyPr>
-          <a:lstStyle/>
-          <a:p>
-            <a:r>
-              <a:rPr lang="ru-RU" sz="2800" dirty="0" smtClean="0"/>
-              <a:t>Автор программы</a:t>
-            </a:r>
-            <a:endParaRPr lang="ru-RU" sz="2800" dirty="0"/>
-          </a:p>
-        </p:txBody>
-      </p:sp>
-      <p:cxnSp>
-        <p:nvCxnSpPr>
-          <p:cNvPr id="9" name="Прямая со стрелкой 8"/>
-          <p:cNvCxnSpPr>
-            <a:stCxn id="8" idx="2"/>
-          </p:cNvCxnSpPr>
-          <p:nvPr/>
-        </p:nvCxnSpPr>
-        <p:spPr>
-          <a:xfrm rot="5400000">
-            <a:off x="4245252" y="2350143"/>
-            <a:ext cx="1262732" cy="1609367"/>
-          </a:xfrm>
-          <a:prstGeom prst="straightConnector1">
-            <a:avLst/>
-          </a:prstGeom>
-          <a:ln w="34925">
-            <a:solidFill>
-              <a:schemeClr val="tx1"/>
-            </a:solidFill>
-            <a:tailEnd type="arrow"/>
-          </a:ln>
-        </p:spPr>
-        <p:style>
-          <a:lnRef idx="1">
-            <a:schemeClr val="accent1"/>
-          </a:lnRef>
-          <a:fillRef idx="0">
-            <a:schemeClr val="accent1"/>
-          </a:fillRef>
-          <a:effectRef idx="0">
-            <a:schemeClr val="accent1"/>
-          </a:effectRef>
-          <a:fontRef idx="minor">
-            <a:schemeClr val="tx1"/>
-          </a:fontRef>
-        </p:style>
-      </p:cxnSp>
-      <p:sp>
-        <p:nvSpPr>
-          <p:cNvPr id="13" name="TextBox 12"/>
-          <p:cNvSpPr txBox="1"/>
-          <p:nvPr/>
-        </p:nvSpPr>
-        <p:spPr>
-          <a:xfrm>
-            <a:off x="6072198" y="4929198"/>
-            <a:ext cx="2722477" cy="523220"/>
-          </a:xfrm>
-          <a:prstGeom prst="rect">
-            <a:avLst/>
-          </a:prstGeom>
-          <a:noFill/>
-        </p:spPr>
-        <p:txBody>
-          <a:bodyPr wrap="none" rtlCol="0">
-            <a:spAutoFit/>
-          </a:bodyPr>
-          <a:lstStyle/>
-          <a:p>
-            <a:r>
-              <a:rPr lang="ru-RU" sz="2800" dirty="0" smtClean="0"/>
-              <a:t>Фильтры (поиск)</a:t>
-            </a:r>
-            <a:endParaRPr lang="ru-RU" sz="2800" dirty="0"/>
-          </a:p>
-        </p:txBody>
-      </p:sp>
-      <p:cxnSp>
-        <p:nvCxnSpPr>
-          <p:cNvPr id="14" name="Прямая со стрелкой 13"/>
-          <p:cNvCxnSpPr/>
-          <p:nvPr/>
-        </p:nvCxnSpPr>
-        <p:spPr>
-          <a:xfrm rot="16200000" flipV="1">
-            <a:off x="5286381" y="4000506"/>
-            <a:ext cx="1500199" cy="500065"/>
-          </a:xfrm>
-          <a:prstGeom prst="straightConnector1">
-            <a:avLst/>
-          </a:prstGeom>
-          <a:ln w="34925">
-            <a:solidFill>
-              <a:schemeClr val="tx1"/>
-            </a:solidFill>
-            <a:tailEnd type="arrow"/>
-          </a:ln>
-        </p:spPr>
-        <p:style>
-          <a:lnRef idx="1">
-            <a:schemeClr val="accent1"/>
-          </a:lnRef>
-          <a:fillRef idx="0">
-            <a:schemeClr val="accent1"/>
-          </a:fillRef>
-          <a:effectRef idx="0">
-            <a:schemeClr val="accent1"/>
-          </a:effectRef>
-          <a:fontRef idx="minor">
-            <a:schemeClr val="tx1"/>
-          </a:fontRef>
-        </p:style>
-      </p:cxnSp>
-      <p:sp>
-        <p:nvSpPr>
-          <p:cNvPr id="17" name="TextBox 16"/>
-          <p:cNvSpPr txBox="1"/>
-          <p:nvPr/>
-        </p:nvSpPr>
-        <p:spPr>
-          <a:xfrm>
-            <a:off x="7215206" y="1571612"/>
-            <a:ext cx="1611723" cy="523220"/>
-          </a:xfrm>
-          <a:prstGeom prst="rect">
-            <a:avLst/>
-          </a:prstGeom>
-          <a:noFill/>
-        </p:spPr>
-        <p:txBody>
-          <a:bodyPr wrap="none" rtlCol="0">
-            <a:spAutoFit/>
-          </a:bodyPr>
-          <a:lstStyle/>
-          <a:p>
-            <a:r>
-              <a:rPr lang="ru-RU" sz="2800" dirty="0" smtClean="0"/>
-              <a:t>Действия</a:t>
-            </a:r>
-            <a:endParaRPr lang="ru-RU" sz="2800" dirty="0"/>
-          </a:p>
-        </p:txBody>
-      </p:sp>
-      <p:cxnSp>
-        <p:nvCxnSpPr>
-          <p:cNvPr id="18" name="Прямая со стрелкой 17"/>
-          <p:cNvCxnSpPr>
-            <a:stCxn id="17" idx="2"/>
-          </p:cNvCxnSpPr>
-          <p:nvPr/>
-        </p:nvCxnSpPr>
-        <p:spPr>
-          <a:xfrm rot="16200000" flipH="1">
-            <a:off x="7236804" y="2879096"/>
-            <a:ext cx="1762798" cy="194270"/>
-          </a:xfrm>
-          <a:prstGeom prst="straightConnector1">
-            <a:avLst/>
-          </a:prstGeom>
-          <a:ln w="34925">
-            <a:solidFill>
-              <a:schemeClr val="tx1"/>
-            </a:solidFill>
-            <a:tailEnd type="arrow"/>
-          </a:ln>
-        </p:spPr>
-        <p:style>
-          <a:lnRef idx="1">
-            <a:schemeClr val="accent1"/>
-          </a:lnRef>
-          <a:fillRef idx="0">
-            <a:schemeClr val="accent1"/>
-          </a:fillRef>
-          <a:effectRef idx="0">
-            <a:schemeClr val="accent1"/>
-          </a:effectRef>
-          <a:fontRef idx="minor">
-            <a:schemeClr val="tx1"/>
-          </a:fontRef>
-        </p:style>
-      </p:cxnSp>
+          <a:p>
+            <a:pPr lvl="0"/>
+            <a:r>
+              <a:rPr lang="ru-RU" b="1" dirty="0" err="1"/>
+              <a:t>is_admin</a:t>
+            </a:r>
+            <a:r>
+              <a:rPr lang="ru-RU" b="1" dirty="0"/>
+              <a:t> – </a:t>
+            </a:r>
+            <a:r>
+              <a:rPr lang="ru-RU" dirty="0"/>
+              <a:t>Является ли администратором? 0 – не является, 1 – является. Администратор может назначать новых администраторов, а также удалять права администратора у других администраторов. </a:t>
+            </a:r>
+          </a:p>
+          <a:p>
+            <a:endParaRPr lang="ru-RU" dirty="0"/>
+          </a:p>
+        </p:txBody>
+      </p:sp>
     </p:spTree>
+    <p:extLst>
+      <p:ext uri="{BB962C8B-B14F-4D97-AF65-F5344CB8AC3E}">
+        <p14:creationId xmlns:p14="http://schemas.microsoft.com/office/powerpoint/2010/main" val="3323674151"/>
+      </p:ext>
+    </p:extLst>
   </p:cSld>
   <p:clrMapOvr>
     <a:masterClrMapping/>
@@ -3849,14 +3757,19 @@
             <p:ph type="title"/>
           </p:nvPr>
         </p:nvSpPr>
-        <p:spPr/>
+        <p:spPr>
+          <a:xfrm>
+            <a:off x="428596" y="214290"/>
+            <a:ext cx="8229600" cy="1143000"/>
+          </a:xfrm>
+        </p:spPr>
         <p:txBody>
           <a:bodyPr/>
           <a:lstStyle/>
           <a:p>
             <a:r>
               <a:rPr lang="ru-RU" dirty="0" smtClean="0"/>
-              <a:t>Страница пользователя системы</a:t>
+              <a:t>Пользовательский интерфейс</a:t>
             </a:r>
             <a:endParaRPr lang="ru-RU" dirty="0"/>
           </a:p>
@@ -3864,21 +3777,23 @@
       </p:sp>
       <p:pic>
         <p:nvPicPr>
-          <p:cNvPr id="4" name="Рисунок 3"/>
-          <p:cNvPicPr/>
+          <p:cNvPr id="1026" name="Picture 2"/>
+          <p:cNvPicPr>
+            <a:picLocks noChangeAspect="1" noChangeArrowheads="1"/>
+          </p:cNvPicPr>
           <p:nvPr/>
         </p:nvPicPr>
         <p:blipFill>
           <a:blip r:embed="rId2"/>
-          <a:srcRect l="4169" t="6815" r="23356" b="51490"/>
+          <a:srcRect l="2929" t="10986" r="25000" b="35547"/>
           <a:stretch>
             <a:fillRect/>
           </a:stretch>
         </p:blipFill>
         <p:spPr bwMode="auto">
           <a:xfrm>
-            <a:off x="571472" y="1643050"/>
-            <a:ext cx="8072494" cy="4643470"/>
+            <a:off x="142844" y="1071546"/>
+            <a:ext cx="8643966" cy="5130177"/>
           </a:xfrm>
           <a:prstGeom prst="rect">
             <a:avLst/>
@@ -3890,13 +3805,294 @@
             <a:headEnd/>
             <a:tailEnd/>
           </a:ln>
+          <a:effectLst/>
         </p:spPr>
       </p:pic>
+      <p:cxnSp>
+        <p:nvCxnSpPr>
+          <p:cNvPr id="6" name="Прямая со стрелкой 5"/>
+          <p:cNvCxnSpPr/>
+          <p:nvPr/>
+        </p:nvCxnSpPr>
+        <p:spPr>
+          <a:xfrm rot="5400000" flipH="1" flipV="1">
+            <a:off x="1857356" y="4500570"/>
+            <a:ext cx="642942" cy="500066"/>
+          </a:xfrm>
+          <a:prstGeom prst="straightConnector1">
+            <a:avLst/>
+          </a:prstGeom>
+          <a:ln w="34925">
+            <a:solidFill>
+              <a:schemeClr val="tx1"/>
+            </a:solidFill>
+            <a:tailEnd type="arrow"/>
+          </a:ln>
+        </p:spPr>
+        <p:style>
+          <a:lnRef idx="1">
+            <a:schemeClr val="accent1"/>
+          </a:lnRef>
+          <a:fillRef idx="0">
+            <a:schemeClr val="accent1"/>
+          </a:fillRef>
+          <a:effectRef idx="0">
+            <a:schemeClr val="accent1"/>
+          </a:effectRef>
+          <a:fontRef idx="minor">
+            <a:schemeClr val="tx1"/>
+          </a:fontRef>
+        </p:style>
+      </p:cxnSp>
+      <p:sp>
+        <p:nvSpPr>
+          <p:cNvPr id="7" name="TextBox 6"/>
+          <p:cNvSpPr txBox="1"/>
+          <p:nvPr/>
+        </p:nvSpPr>
+        <p:spPr>
+          <a:xfrm>
+            <a:off x="642910" y="5143512"/>
+            <a:ext cx="4595810" cy="523220"/>
+          </a:xfrm>
+          <a:prstGeom prst="rect">
+            <a:avLst/>
+          </a:prstGeom>
+          <a:noFill/>
+        </p:spPr>
+        <p:txBody>
+          <a:bodyPr wrap="none" rtlCol="0">
+            <a:spAutoFit/>
+          </a:bodyPr>
+          <a:lstStyle/>
+          <a:p>
+            <a:r>
+              <a:rPr lang="ru-RU" sz="2800" dirty="0" smtClean="0"/>
+              <a:t>Переход к тексту программы</a:t>
+            </a:r>
+            <a:endParaRPr lang="ru-RU" sz="2800" dirty="0"/>
+          </a:p>
+        </p:txBody>
+      </p:sp>
+      <p:sp>
+        <p:nvSpPr>
+          <p:cNvPr id="8" name="TextBox 7"/>
+          <p:cNvSpPr txBox="1"/>
+          <p:nvPr/>
+        </p:nvSpPr>
+        <p:spPr>
+          <a:xfrm>
+            <a:off x="4214810" y="2000240"/>
+            <a:ext cx="2932982" cy="523220"/>
+          </a:xfrm>
+          <a:prstGeom prst="rect">
+            <a:avLst/>
+          </a:prstGeom>
+          <a:noFill/>
+        </p:spPr>
+        <p:txBody>
+          <a:bodyPr wrap="none" rtlCol="0">
+            <a:spAutoFit/>
+          </a:bodyPr>
+          <a:lstStyle/>
+          <a:p>
+            <a:r>
+              <a:rPr lang="ru-RU" sz="2800" dirty="0" smtClean="0"/>
+              <a:t>Автор программы</a:t>
+            </a:r>
+            <a:endParaRPr lang="ru-RU" sz="2800" dirty="0"/>
+          </a:p>
+        </p:txBody>
+      </p:sp>
+      <p:cxnSp>
+        <p:nvCxnSpPr>
+          <p:cNvPr id="9" name="Прямая со стрелкой 8"/>
+          <p:cNvCxnSpPr>
+            <a:stCxn id="8" idx="2"/>
+          </p:cNvCxnSpPr>
+          <p:nvPr/>
+        </p:nvCxnSpPr>
+        <p:spPr>
+          <a:xfrm rot="5400000">
+            <a:off x="4245252" y="2350143"/>
+            <a:ext cx="1262732" cy="1609367"/>
+          </a:xfrm>
+          <a:prstGeom prst="straightConnector1">
+            <a:avLst/>
+          </a:prstGeom>
+          <a:ln w="34925">
+            <a:solidFill>
+              <a:schemeClr val="tx1"/>
+            </a:solidFill>
+            <a:tailEnd type="arrow"/>
+          </a:ln>
+        </p:spPr>
+        <p:style>
+          <a:lnRef idx="1">
+            <a:schemeClr val="accent1"/>
+          </a:lnRef>
+          <a:fillRef idx="0">
+            <a:schemeClr val="accent1"/>
+          </a:fillRef>
+          <a:effectRef idx="0">
+            <a:schemeClr val="accent1"/>
+          </a:effectRef>
+          <a:fontRef idx="minor">
+            <a:schemeClr val="tx1"/>
+          </a:fontRef>
+        </p:style>
+      </p:cxnSp>
+      <p:sp>
+        <p:nvSpPr>
+          <p:cNvPr id="13" name="TextBox 12"/>
+          <p:cNvSpPr txBox="1"/>
+          <p:nvPr/>
+        </p:nvSpPr>
+        <p:spPr>
+          <a:xfrm>
+            <a:off x="6072198" y="4929198"/>
+            <a:ext cx="2722477" cy="523220"/>
+          </a:xfrm>
+          <a:prstGeom prst="rect">
+            <a:avLst/>
+          </a:prstGeom>
+          <a:noFill/>
+        </p:spPr>
+        <p:txBody>
+          <a:bodyPr wrap="none" rtlCol="0">
+            <a:spAutoFit/>
+          </a:bodyPr>
+          <a:lstStyle/>
+          <a:p>
+            <a:r>
+              <a:rPr lang="ru-RU" sz="2800" dirty="0" smtClean="0"/>
+              <a:t>Фильтры (поиск)</a:t>
+            </a:r>
+            <a:endParaRPr lang="ru-RU" sz="2800" dirty="0"/>
+          </a:p>
+        </p:txBody>
+      </p:sp>
+      <p:cxnSp>
+        <p:nvCxnSpPr>
+          <p:cNvPr id="14" name="Прямая со стрелкой 13"/>
+          <p:cNvCxnSpPr/>
+          <p:nvPr/>
+        </p:nvCxnSpPr>
+        <p:spPr>
+          <a:xfrm rot="16200000" flipV="1">
+            <a:off x="5286381" y="4000506"/>
+            <a:ext cx="1500199" cy="500065"/>
+          </a:xfrm>
+          <a:prstGeom prst="straightConnector1">
+            <a:avLst/>
+          </a:prstGeom>
+          <a:ln w="34925">
+            <a:solidFill>
+              <a:schemeClr val="tx1"/>
+            </a:solidFill>
+            <a:tailEnd type="arrow"/>
+          </a:ln>
+        </p:spPr>
+        <p:style>
+          <a:lnRef idx="1">
+            <a:schemeClr val="accent1"/>
+          </a:lnRef>
+          <a:fillRef idx="0">
+            <a:schemeClr val="accent1"/>
+          </a:fillRef>
+          <a:effectRef idx="0">
+            <a:schemeClr val="accent1"/>
+          </a:effectRef>
+          <a:fontRef idx="minor">
+            <a:schemeClr val="tx1"/>
+          </a:fontRef>
+        </p:style>
+      </p:cxnSp>
+      <p:sp>
+        <p:nvSpPr>
+          <p:cNvPr id="17" name="TextBox 16"/>
+          <p:cNvSpPr txBox="1"/>
+          <p:nvPr/>
+        </p:nvSpPr>
+        <p:spPr>
+          <a:xfrm>
+            <a:off x="7215206" y="1571612"/>
+            <a:ext cx="1611723" cy="523220"/>
+          </a:xfrm>
+          <a:prstGeom prst="rect">
+            <a:avLst/>
+          </a:prstGeom>
+          <a:noFill/>
+        </p:spPr>
+        <p:txBody>
+          <a:bodyPr wrap="none" rtlCol="0">
+            <a:spAutoFit/>
+          </a:bodyPr>
+          <a:lstStyle/>
+          <a:p>
+            <a:r>
+              <a:rPr lang="ru-RU" sz="2800" dirty="0" smtClean="0"/>
+              <a:t>Действия</a:t>
+            </a:r>
+            <a:endParaRPr lang="ru-RU" sz="2800" dirty="0"/>
+          </a:p>
+        </p:txBody>
+      </p:sp>
+      <p:cxnSp>
+        <p:nvCxnSpPr>
+          <p:cNvPr id="18" name="Прямая со стрелкой 17"/>
+          <p:cNvCxnSpPr>
+            <a:stCxn id="17" idx="2"/>
+          </p:cNvCxnSpPr>
+          <p:nvPr/>
+        </p:nvCxnSpPr>
+        <p:spPr>
+          <a:xfrm rot="16200000" flipH="1">
+            <a:off x="7236804" y="2879096"/>
+            <a:ext cx="1762798" cy="194270"/>
+          </a:xfrm>
+          <a:prstGeom prst="straightConnector1">
+            <a:avLst/>
+          </a:prstGeom>
+          <a:ln w="34925">
+            <a:solidFill>
+              <a:schemeClr val="tx1"/>
+            </a:solidFill>
+            <a:tailEnd type="arrow"/>
+          </a:ln>
+        </p:spPr>
+        <p:style>
+          <a:lnRef idx="1">
+            <a:schemeClr val="accent1"/>
+          </a:lnRef>
+          <a:fillRef idx="0">
+            <a:schemeClr val="accent1"/>
+          </a:fillRef>
+          <a:effectRef idx="0">
+            <a:schemeClr val="accent1"/>
+          </a:effectRef>
+          <a:fontRef idx="minor">
+            <a:schemeClr val="tx1"/>
+          </a:fontRef>
+        </p:style>
+      </p:cxnSp>
     </p:spTree>
+    <p:extLst>
+      <p:ext uri="{BB962C8B-B14F-4D97-AF65-F5344CB8AC3E}">
+        <p14:creationId xmlns:p14="http://schemas.microsoft.com/office/powerpoint/2010/main" val="589264530"/>
+      </p:ext>
+    </p:extLst>
   </p:cSld>
   <p:clrMapOvr>
     <a:masterClrMapping/>
   </p:clrMapOvr>
+  <p:timing>
+    <p:tnLst>
+      <p:par>
+        <p:cTn id="1" dur="indefinite" restart="never" nodeType="tmRoot"/>
+      </p:par>
+    </p:tnLst>
+  </p:timing>
 </p:sld>
 </file>
 
@@ -3927,6 +4123,89 @@
             <p:ph type="title"/>
           </p:nvPr>
         </p:nvSpPr>
+        <p:spPr/>
+        <p:txBody>
+          <a:bodyPr/>
+          <a:lstStyle/>
+          <a:p>
+            <a:r>
+              <a:rPr lang="ru-RU" dirty="0" smtClean="0"/>
+              <a:t>Страница пользователя системы</a:t>
+            </a:r>
+            <a:endParaRPr lang="ru-RU" dirty="0"/>
+          </a:p>
+        </p:txBody>
+      </p:sp>
+      <p:pic>
+        <p:nvPicPr>
+          <p:cNvPr id="4" name="Рисунок 3"/>
+          <p:cNvPicPr/>
+          <p:nvPr/>
+        </p:nvPicPr>
+        <p:blipFill>
+          <a:blip r:embed="rId2"/>
+          <a:srcRect l="4169" t="6815" r="23356" b="51490"/>
+          <a:stretch>
+            <a:fillRect/>
+          </a:stretch>
+        </p:blipFill>
+        <p:spPr bwMode="auto">
+          <a:xfrm>
+            <a:off x="571472" y="1643050"/>
+            <a:ext cx="8072494" cy="4643470"/>
+          </a:xfrm>
+          <a:prstGeom prst="rect">
+            <a:avLst/>
+          </a:prstGeom>
+          <a:noFill/>
+          <a:ln w="9525">
+            <a:noFill/>
+            <a:miter lim="800000"/>
+            <a:headEnd/>
+            <a:tailEnd/>
+          </a:ln>
+        </p:spPr>
+      </p:pic>
+    </p:spTree>
+    <p:extLst>
+      <p:ext uri="{BB962C8B-B14F-4D97-AF65-F5344CB8AC3E}">
+        <p14:creationId xmlns:p14="http://schemas.microsoft.com/office/powerpoint/2010/main" val="2254573380"/>
+      </p:ext>
+    </p:extLst>
+  </p:cSld>
+  <p:clrMapOvr>
+    <a:masterClrMapping/>
+  </p:clrMapOvr>
+</p:sld>
+</file>
+
+<file path=ppt/slides/slide14.xml><?xml version="1.0" encoding="utf-8"?>
+<p:sld xmlns:a="http://schemas.openxmlformats.org/drawingml/2006/main" xmlns:r="http://schemas.openxmlformats.org/officeDocument/2006/relationships" xmlns:p="http://schemas.openxmlformats.org/presentationml/2006/main">
+  <p:cSld>
+    <p:spTree>
+      <p:nvGrpSpPr>
+        <p:cNvPr id="1" name=""/>
+        <p:cNvGrpSpPr/>
+        <p:nvPr/>
+      </p:nvGrpSpPr>
+      <p:grpSpPr>
+        <a:xfrm>
+          <a:off x="0" y="0"/>
+          <a:ext cx="0" cy="0"/>
+          <a:chOff x="0" y="0"/>
+          <a:chExt cx="0" cy="0"/>
+        </a:xfrm>
+      </p:grpSpPr>
+      <p:sp>
+        <p:nvSpPr>
+          <p:cNvPr id="2" name="Заголовок 1"/>
+          <p:cNvSpPr>
+            <a:spLocks noGrp="1"/>
+          </p:cNvSpPr>
+          <p:nvPr>
+            <p:ph type="title"/>
+          </p:nvPr>
+        </p:nvSpPr>
         <p:spPr>
           <a:xfrm>
             <a:off x="457200" y="274638"/>
@@ -3976,6 +4255,11 @@
         </p:spPr>
       </p:pic>
     </p:spTree>
+    <p:extLst>
+      <p:ext uri="{BB962C8B-B14F-4D97-AF65-F5344CB8AC3E}">
+        <p14:creationId xmlns:p14="http://schemas.microsoft.com/office/powerpoint/2010/main" val="2595667534"/>
+      </p:ext>
+    </p:extLst>
   </p:cSld>
   <p:clrMapOvr>
     <a:masterClrMapping/>
@@ -3983,7 +4267,7 @@
 </p:sld>
 </file>
 
-<file path=ppt/slides/slide14.xml><?xml version="1.0" encoding="utf-8"?>
+<file path=ppt/slides/slide15.xml><?xml version="1.0" encoding="utf-8"?>
 <p:sld xmlns:a="http://schemas.openxmlformats.org/drawingml/2006/main" xmlns:r="http://schemas.openxmlformats.org/officeDocument/2006/relationships" xmlns:p="http://schemas.openxmlformats.org/presentationml/2006/main">
   <p:cSld>
     <p:spTree>
@@ -4143,7 +4427,7 @@
       </p:grpSpPr>
       <p:sp>
         <p:nvSpPr>
-          <p:cNvPr id="6" name="Заголовок 1"/>
+          <p:cNvPr id="2" name="Заголовок 1"/>
           <p:cNvSpPr>
             <a:spLocks noGrp="1"/>
           </p:cNvSpPr>
@@ -4153,7 +4437,7 @@
         </p:nvSpPr>
         <p:spPr>
           <a:xfrm>
-            <a:off x="500035" y="0"/>
+            <a:off x="428596" y="0"/>
             <a:ext cx="8229600" cy="1143000"/>
           </a:xfrm>
         </p:spPr>
@@ -4163,7 +4447,15 @@
           <a:p>
             <a:r>
               <a:rPr lang="ru-RU" dirty="0" smtClean="0"/>
-              <a:t>Задачи:</a:t>
+              <a:t>Станок с ЧПУ «</a:t>
+            </a:r>
+            <a:r>
+              <a:rPr lang="en-US" dirty="0" err="1" smtClean="0"/>
+              <a:t>Monforts</a:t>
+            </a:r>
+            <a:r>
+              <a:rPr lang="ru-RU" dirty="0" smtClean="0"/>
+              <a:t>»</a:t>
             </a:r>
             <a:endParaRPr lang="ru-RU" dirty="0"/>
           </a:p>
@@ -4171,89 +4463,232 @@
       </p:sp>
       <p:sp>
         <p:nvSpPr>
-          <p:cNvPr id="7" name="Содержимое 2"/>
-          <p:cNvSpPr>
-            <a:spLocks noGrp="1"/>
-          </p:cNvSpPr>
-          <p:nvPr>
-            <p:ph idx="1"/>
-          </p:nvPr>
-        </p:nvSpPr>
-        <p:spPr>
-          <a:xfrm>
-            <a:off x="428596" y="1000108"/>
-            <a:ext cx="8229600" cy="5357850"/>
-          </a:xfrm>
-        </p:spPr>
-        <p:txBody>
-          <a:bodyPr>
-            <a:normAutofit/>
+          <p:cNvPr id="9" name="TextBox 8"/>
+          <p:cNvSpPr txBox="1"/>
+          <p:nvPr/>
+        </p:nvSpPr>
+        <p:spPr>
+          <a:xfrm>
+            <a:off x="357158" y="1214422"/>
+            <a:ext cx="3325141" cy="1323439"/>
+          </a:xfrm>
+          <a:prstGeom prst="rect">
+            <a:avLst/>
+          </a:prstGeom>
+          <a:noFill/>
+        </p:spPr>
+        <p:txBody>
+          <a:bodyPr wrap="none" rtlCol="0">
+            <a:spAutoFit/>
           </a:bodyPr>
           <a:lstStyle/>
           <a:p>
             <a:r>
-              <a:rPr lang="ru-RU" dirty="0" smtClean="0"/>
-              <a:t>Описание процесса пуска-наладки станков с ЧПУ, выделение и описание процессов для автоматизации.</a:t>
-            </a:r>
-          </a:p>
-          <a:p>
-            <a:r>
-              <a:rPr lang="ru-RU" dirty="0" smtClean="0"/>
-              <a:t>Формализация объектов предметной области. Проектирование структуры базы данных</a:t>
-            </a:r>
-            <a:r>
-              <a:rPr lang="en-US" dirty="0" smtClean="0"/>
-              <a:t>,</a:t>
-            </a:r>
-            <a:r>
-              <a:rPr lang="ru-RU" dirty="0" smtClean="0"/>
-              <a:t> реализация средствами </a:t>
-            </a:r>
-            <a:r>
-              <a:rPr lang="en-US" dirty="0" err="1" smtClean="0"/>
-              <a:t>MySQL</a:t>
-            </a:r>
-            <a:r>
-              <a:rPr lang="en-US" dirty="0" smtClean="0"/>
-              <a:t>.</a:t>
-            </a:r>
-            <a:endParaRPr lang="ru-RU" dirty="0" smtClean="0"/>
-          </a:p>
-          <a:p>
-            <a:r>
-              <a:rPr lang="ru-RU" dirty="0" smtClean="0"/>
-              <a:t>Разработка и реализация </a:t>
-            </a:r>
-            <a:r>
-              <a:rPr lang="en-US" dirty="0" smtClean="0"/>
-              <a:t>web-</a:t>
-            </a:r>
-            <a:r>
-              <a:rPr lang="ru-RU" dirty="0" smtClean="0"/>
-              <a:t>интерфейса системы на языках </a:t>
-            </a:r>
-            <a:r>
-              <a:rPr lang="en-US" dirty="0" smtClean="0"/>
-              <a:t>PHP / HTML / CSS / JavaScript</a:t>
-            </a:r>
-            <a:r>
-              <a:rPr lang="ru-RU" dirty="0" smtClean="0"/>
-              <a:t> </a:t>
-            </a:r>
-            <a:endParaRPr lang="en-US" dirty="0" smtClean="0"/>
-          </a:p>
-          <a:p>
-            <a:r>
-              <a:rPr lang="ru-RU" dirty="0" smtClean="0"/>
-              <a:t>Тестирование и внедрение системы.</a:t>
-            </a:r>
-            <a:endParaRPr lang="en-US" dirty="0" smtClean="0"/>
-          </a:p>
-          <a:p>
-            <a:endParaRPr lang="ru-RU" dirty="0" smtClean="0"/>
-          </a:p>
-        </p:txBody>
-      </p:sp>
+              <a:rPr lang="ru-RU" sz="4000" dirty="0" smtClean="0">
+                <a:solidFill>
+                  <a:schemeClr val="bg1"/>
+                </a:solidFill>
+              </a:rPr>
+              <a:t>Управляющая </a:t>
+            </a:r>
+          </a:p>
+          <a:p>
+            <a:r>
+              <a:rPr lang="ru-RU" sz="4000" dirty="0" smtClean="0">
+                <a:solidFill>
+                  <a:schemeClr val="bg1"/>
+                </a:solidFill>
+              </a:rPr>
+              <a:t>                часть</a:t>
+            </a:r>
+            <a:endParaRPr lang="ru-RU" sz="4000" dirty="0">
+              <a:solidFill>
+                <a:schemeClr val="bg1"/>
+              </a:solidFill>
+            </a:endParaRPr>
+          </a:p>
+        </p:txBody>
+      </p:sp>
+      <p:sp>
+        <p:nvSpPr>
+          <p:cNvPr id="10" name="TextBox 9"/>
+          <p:cNvSpPr txBox="1"/>
+          <p:nvPr/>
+        </p:nvSpPr>
+        <p:spPr>
+          <a:xfrm>
+            <a:off x="5214942" y="1500174"/>
+            <a:ext cx="3339376" cy="707886"/>
+          </a:xfrm>
+          <a:prstGeom prst="rect">
+            <a:avLst/>
+          </a:prstGeom>
+          <a:noFill/>
+        </p:spPr>
+        <p:txBody>
+          <a:bodyPr wrap="none" rtlCol="0">
+            <a:spAutoFit/>
+          </a:bodyPr>
+          <a:lstStyle/>
+          <a:p>
+            <a:r>
+              <a:rPr lang="ru-RU" sz="4000" dirty="0" smtClean="0">
+                <a:solidFill>
+                  <a:schemeClr val="bg1"/>
+                </a:solidFill>
+              </a:rPr>
+              <a:t>Рабочая часть</a:t>
+            </a:r>
+            <a:endParaRPr lang="ru-RU" sz="4000" dirty="0">
+              <a:solidFill>
+                <a:schemeClr val="bg1"/>
+              </a:solidFill>
+            </a:endParaRPr>
+          </a:p>
+        </p:txBody>
+      </p:sp>
+      <p:pic>
+        <p:nvPicPr>
+          <p:cNvPr id="12" name="Рисунок 11" descr="Файл:Monforts UniCen 1000 MultiTurn.jpg"/>
+          <p:cNvPicPr/>
+          <p:nvPr/>
+        </p:nvPicPr>
+        <p:blipFill>
+          <a:blip r:embed="rId2"/>
+          <a:srcRect/>
+          <a:stretch>
+            <a:fillRect/>
+          </a:stretch>
+        </p:blipFill>
+        <p:spPr bwMode="auto">
+          <a:xfrm>
+            <a:off x="0" y="1000108"/>
+            <a:ext cx="9144000" cy="5857892"/>
+          </a:xfrm>
+          <a:prstGeom prst="rect">
+            <a:avLst/>
+          </a:prstGeom>
+          <a:noFill/>
+          <a:ln w="9525">
+            <a:noFill/>
+            <a:miter lim="800000"/>
+            <a:headEnd/>
+            <a:tailEnd/>
+          </a:ln>
+        </p:spPr>
+      </p:pic>
+      <p:sp>
+        <p:nvSpPr>
+          <p:cNvPr id="13" name="TextBox 12"/>
+          <p:cNvSpPr txBox="1"/>
+          <p:nvPr/>
+        </p:nvSpPr>
+        <p:spPr>
+          <a:xfrm>
+            <a:off x="2428860" y="2643182"/>
+            <a:ext cx="3786214" cy="646331"/>
+          </a:xfrm>
+          <a:prstGeom prst="rect">
+            <a:avLst/>
+          </a:prstGeom>
+          <a:noFill/>
+        </p:spPr>
+        <p:txBody>
+          <a:bodyPr wrap="square" rtlCol="0">
+            <a:spAutoFit/>
+          </a:bodyPr>
+          <a:lstStyle/>
+          <a:p>
+            <a:r>
+              <a:rPr lang="ru-RU" sz="3600" b="1" dirty="0" smtClean="0">
+                <a:solidFill>
+                  <a:schemeClr val="bg1"/>
+                </a:solidFill>
+              </a:rPr>
+              <a:t>Рабочая часть</a:t>
+            </a:r>
+            <a:endParaRPr lang="ru-RU" sz="3600" b="1" dirty="0">
+              <a:solidFill>
+                <a:schemeClr val="bg1"/>
+              </a:solidFill>
+            </a:endParaRPr>
+          </a:p>
+        </p:txBody>
+      </p:sp>
+      <p:sp>
+        <p:nvSpPr>
+          <p:cNvPr id="14" name="TextBox 13"/>
+          <p:cNvSpPr txBox="1"/>
+          <p:nvPr/>
+        </p:nvSpPr>
+        <p:spPr>
+          <a:xfrm>
+            <a:off x="500034" y="1071546"/>
+            <a:ext cx="3571868" cy="1077218"/>
+          </a:xfrm>
+          <a:prstGeom prst="rect">
+            <a:avLst/>
+          </a:prstGeom>
+          <a:noFill/>
+        </p:spPr>
+        <p:txBody>
+          <a:bodyPr wrap="square" rtlCol="0">
+            <a:spAutoFit/>
+          </a:bodyPr>
+          <a:lstStyle/>
+          <a:p>
+            <a:r>
+              <a:rPr lang="ru-RU" sz="3200" b="1" dirty="0" smtClean="0">
+                <a:solidFill>
+                  <a:srgbClr val="002060"/>
+                </a:solidFill>
+              </a:rPr>
+              <a:t>Управляющая часть</a:t>
+            </a:r>
+            <a:endParaRPr lang="ru-RU" sz="3200" b="1" dirty="0">
+              <a:solidFill>
+                <a:srgbClr val="002060"/>
+              </a:solidFill>
+            </a:endParaRPr>
+          </a:p>
+        </p:txBody>
+      </p:sp>
+      <p:cxnSp>
+        <p:nvCxnSpPr>
+          <p:cNvPr id="16" name="Прямая со стрелкой 15"/>
+          <p:cNvCxnSpPr/>
+          <p:nvPr/>
+        </p:nvCxnSpPr>
+        <p:spPr>
+          <a:xfrm rot="5400000">
+            <a:off x="1071538" y="2571744"/>
+            <a:ext cx="928694" cy="71438"/>
+          </a:xfrm>
+          <a:prstGeom prst="straightConnector1">
+            <a:avLst/>
+          </a:prstGeom>
+          <a:ln w="44450">
+            <a:solidFill>
+              <a:srgbClr val="002060"/>
+            </a:solidFill>
+            <a:tailEnd type="arrow"/>
+          </a:ln>
+        </p:spPr>
+        <p:style>
+          <a:lnRef idx="1">
+            <a:schemeClr val="accent1"/>
+          </a:lnRef>
+          <a:fillRef idx="0">
+            <a:schemeClr val="accent1"/>
+          </a:fillRef>
+          <a:effectRef idx="0">
+            <a:schemeClr val="accent1"/>
+          </a:effectRef>
+          <a:fontRef idx="minor">
+            <a:schemeClr val="tx1"/>
+          </a:fontRef>
+        </p:style>
+      </p:cxnSp>
     </p:spTree>
   </p:cSld>
   <p:clrMapOvr>
@@ -4298,33 +4733,27 @@
         </p:nvSpPr>
         <p:spPr>
           <a:xfrm>
-            <a:off x="428596" y="0"/>
-            <a:ext cx="8229600" cy="1143000"/>
-          </a:xfrm>
-        </p:spPr>
-        <p:txBody>
-          <a:bodyPr/>
-          <a:lstStyle/>
-          <a:p>
-            <a:r>
-              <a:rPr lang="ru-RU" dirty="0" smtClean="0"/>
-              <a:t>Станок с ЧПУ «</a:t>
-            </a:r>
-            <a:r>
-              <a:rPr lang="en-US" dirty="0" err="1" smtClean="0"/>
-              <a:t>Monforts</a:t>
-            </a:r>
-            <a:r>
-              <a:rPr lang="ru-RU" dirty="0" smtClean="0"/>
-              <a:t>»</a:t>
-            </a:r>
-            <a:endParaRPr lang="ru-RU" dirty="0"/>
+            <a:off x="357158" y="0"/>
+            <a:ext cx="8229600" cy="796908"/>
+          </a:xfrm>
+        </p:spPr>
+        <p:txBody>
+          <a:bodyPr>
+            <a:normAutofit/>
+          </a:bodyPr>
+          <a:lstStyle/>
+          <a:p>
+            <a:r>
+              <a:rPr lang="ru-RU" sz="3600" dirty="0" smtClean="0"/>
+              <a:t>Процесс наладки рабочей части станка</a:t>
+            </a:r>
+            <a:endParaRPr lang="ru-RU" sz="3600" dirty="0"/>
           </a:p>
         </p:txBody>
       </p:sp>
       <p:pic>
         <p:nvPicPr>
-          <p:cNvPr id="7" name="Рисунок 6" descr="P1030199.JPG"/>
+          <p:cNvPr id="4" name="Рисунок 3" descr="P1030204.JPG"/>
           <p:cNvPicPr>
             <a:picLocks noChangeAspect="1"/>
           </p:cNvPicPr>
@@ -4332,15 +4761,14 @@
         </p:nvPicPr>
         <p:blipFill>
           <a:blip r:embed="rId2" cstate="print"/>
-          <a:srcRect l="901" t="19520"/>
           <a:stretch>
             <a:fillRect/>
           </a:stretch>
         </p:blipFill>
         <p:spPr>
           <a:xfrm>
-            <a:off x="214282" y="1142984"/>
-            <a:ext cx="8643998" cy="5264954"/>
+            <a:off x="642910" y="803654"/>
+            <a:ext cx="8001024" cy="6000768"/>
           </a:xfrm>
           <a:prstGeom prst="rect">
             <a:avLst/>
@@ -4349,14 +4777,14 @@
       </p:pic>
       <p:sp>
         <p:nvSpPr>
-          <p:cNvPr id="8" name="TextBox 7"/>
+          <p:cNvPr id="5" name="TextBox 4"/>
           <p:cNvSpPr txBox="1"/>
           <p:nvPr/>
         </p:nvSpPr>
         <p:spPr>
           <a:xfrm>
-            <a:off x="6858016" y="3714752"/>
-            <a:ext cx="1760547" cy="707886"/>
+            <a:off x="2857488" y="1000108"/>
+            <a:ext cx="2790892" cy="1077218"/>
           </a:xfrm>
           <a:prstGeom prst="rect">
             <a:avLst/>
@@ -4365,6 +4793,54 @@
         </p:spPr>
         <p:txBody>
           <a:bodyPr wrap="none" rtlCol="0">
+            <a:spAutoFit/>
+          </a:bodyPr>
+          <a:lstStyle/>
+          <a:p>
+            <a:r>
+              <a:rPr lang="ru-RU" sz="3200" dirty="0" smtClean="0">
+                <a:solidFill>
+                  <a:schemeClr val="bg1"/>
+                </a:solidFill>
+              </a:rPr>
+              <a:t>Револьверная </a:t>
+            </a:r>
+          </a:p>
+          <a:p>
+            <a:r>
+              <a:rPr lang="ru-RU" sz="3200" dirty="0" smtClean="0">
+                <a:solidFill>
+                  <a:schemeClr val="bg1"/>
+                </a:solidFill>
+              </a:rPr>
+              <a:t>Головка</a:t>
+            </a:r>
+            <a:endParaRPr lang="ru-RU" sz="3200" dirty="0">
+              <a:solidFill>
+                <a:schemeClr val="bg1"/>
+              </a:solidFill>
+            </a:endParaRPr>
+          </a:p>
+        </p:txBody>
+      </p:sp>
+      <p:sp>
+        <p:nvSpPr>
+          <p:cNvPr id="6" name="TextBox 5"/>
+          <p:cNvSpPr txBox="1"/>
+          <p:nvPr/>
+        </p:nvSpPr>
+        <p:spPr>
+          <a:xfrm>
+            <a:off x="928662" y="3143248"/>
+            <a:ext cx="2428892" cy="707886"/>
+          </a:xfrm>
+          <a:prstGeom prst="rect">
+            <a:avLst/>
+          </a:prstGeom>
+          <a:noFill/>
+        </p:spPr>
+        <p:txBody>
+          <a:bodyPr wrap="square" rtlCol="0">
             <a:spAutoFit/>
           </a:bodyPr>
           <a:lstStyle/>
@@ -4385,16 +4861,88 @@
           </a:p>
         </p:txBody>
       </p:sp>
-      <p:sp>
-        <p:nvSpPr>
-          <p:cNvPr id="9" name="TextBox 8"/>
+      <p:cxnSp>
+        <p:nvCxnSpPr>
+          <p:cNvPr id="8" name="Прямая со стрелкой 7"/>
+          <p:cNvCxnSpPr/>
+          <p:nvPr/>
+        </p:nvCxnSpPr>
+        <p:spPr>
+          <a:xfrm rot="5400000">
+            <a:off x="1893869" y="4178305"/>
+            <a:ext cx="500066" cy="1588"/>
+          </a:xfrm>
+          <a:prstGeom prst="straightConnector1">
+            <a:avLst/>
+          </a:prstGeom>
+          <a:ln w="31750">
+            <a:solidFill>
+              <a:schemeClr val="bg1"/>
+            </a:solidFill>
+            <a:tailEnd type="arrow"/>
+          </a:ln>
+        </p:spPr>
+        <p:style>
+          <a:lnRef idx="1">
+            <a:schemeClr val="accent1"/>
+          </a:lnRef>
+          <a:fillRef idx="0">
+            <a:schemeClr val="accent1"/>
+          </a:fillRef>
+          <a:effectRef idx="0">
+            <a:schemeClr val="accent1"/>
+          </a:effectRef>
+          <a:fontRef idx="minor">
+            <a:schemeClr val="tx1"/>
+          </a:fontRef>
+        </p:style>
+      </p:cxnSp>
+      <p:cxnSp>
+        <p:nvCxnSpPr>
+          <p:cNvPr id="10" name="Прямая со стрелкой 9"/>
+          <p:cNvCxnSpPr/>
+          <p:nvPr/>
+        </p:nvCxnSpPr>
+        <p:spPr>
+          <a:xfrm>
+            <a:off x="4643438" y="1857364"/>
+            <a:ext cx="2143140" cy="1071570"/>
+          </a:xfrm>
+          <a:prstGeom prst="straightConnector1">
+            <a:avLst/>
+          </a:prstGeom>
+          <a:ln w="31750">
+            <a:solidFill>
+              <a:schemeClr val="bg1"/>
+            </a:solidFill>
+            <a:tailEnd type="arrow"/>
+          </a:ln>
+        </p:spPr>
+        <p:style>
+          <a:lnRef idx="1">
+            <a:schemeClr val="accent1"/>
+          </a:lnRef>
+          <a:fillRef idx="0">
+            <a:schemeClr val="accent1"/>
+          </a:fillRef>
+          <a:effectRef idx="0">
+            <a:schemeClr val="accent1"/>
+          </a:effectRef>
+          <a:fontRef idx="minor">
+            <a:schemeClr val="tx1"/>
+          </a:fontRef>
+        </p:style>
+      </p:cxnSp>
+      <p:sp>
+        <p:nvSpPr>
+          <p:cNvPr id="11" name="TextBox 10"/>
           <p:cNvSpPr txBox="1"/>
           <p:nvPr/>
         </p:nvSpPr>
         <p:spPr>
           <a:xfrm>
-            <a:off x="500034" y="1714488"/>
-            <a:ext cx="3325141" cy="1323439"/>
+            <a:off x="5286380" y="5286388"/>
+            <a:ext cx="2571768" cy="1384995"/>
           </a:xfrm>
           <a:prstGeom prst="rect">
             <a:avLst/>
@@ -4402,30 +4950,36 @@
           <a:noFill/>
         </p:spPr>
         <p:txBody>
-          <a:bodyPr wrap="none" rtlCol="0">
+          <a:bodyPr wrap="square" rtlCol="0">
             <a:spAutoFit/>
           </a:bodyPr>
           <a:lstStyle/>
           <a:p>
             <a:r>
-              <a:rPr lang="ru-RU" sz="4000" dirty="0" smtClean="0">
+              <a:rPr lang="ru-RU" sz="2800" dirty="0" smtClean="0">
                 <a:solidFill>
                   <a:schemeClr val="bg1"/>
                 </a:solidFill>
               </a:rPr>
-              <a:t>Управляющая </a:t>
-            </a:r>
-          </a:p>
-          <a:p>
-            <a:r>
-              <a:rPr lang="ru-RU" sz="4000" dirty="0" smtClean="0">
+              <a:t>Инструмент</a:t>
+            </a:r>
+            <a:r>
+              <a:rPr lang="en-US" sz="2800" dirty="0" smtClean="0">
                 <a:solidFill>
                   <a:schemeClr val="bg1"/>
                 </a:solidFill>
               </a:rPr>
-              <a:t>                часть</a:t>
-            </a:r>
-            <a:endParaRPr lang="ru-RU" sz="4000" dirty="0">
+              <a:t>: </a:t>
+            </a:r>
+            <a:r>
+              <a:rPr lang="ru-RU" sz="2800" dirty="0" smtClean="0">
+                <a:solidFill>
+                  <a:schemeClr val="bg1"/>
+                </a:solidFill>
+              </a:rPr>
+              <a:t>расточной резец</a:t>
+            </a:r>
+            <a:endParaRPr lang="ru-RU" sz="2800" dirty="0">
               <a:solidFill>
                 <a:schemeClr val="bg1"/>
               </a:solidFill>
@@ -4433,16 +4987,52 @@
           </a:p>
         </p:txBody>
       </p:sp>
-      <p:sp>
-        <p:nvSpPr>
-          <p:cNvPr id="10" name="TextBox 9"/>
+      <p:cxnSp>
+        <p:nvCxnSpPr>
+          <p:cNvPr id="13" name="Прямая со стрелкой 12"/>
+          <p:cNvCxnSpPr/>
+          <p:nvPr/>
+        </p:nvCxnSpPr>
+        <p:spPr>
+          <a:xfrm rot="16200000" flipV="1">
+            <a:off x="5000628" y="4500570"/>
+            <a:ext cx="1071570" cy="500066"/>
+          </a:xfrm>
+          <a:prstGeom prst="straightConnector1">
+            <a:avLst/>
+          </a:prstGeom>
+          <a:ln w="31750">
+            <a:solidFill>
+              <a:schemeClr val="bg1"/>
+            </a:solidFill>
+            <a:tailEnd type="arrow"/>
+          </a:ln>
+        </p:spPr>
+        <p:style>
+          <a:lnRef idx="1">
+            <a:schemeClr val="accent1"/>
+          </a:lnRef>
+          <a:fillRef idx="0">
+            <a:schemeClr val="accent1"/>
+          </a:fillRef>
+          <a:effectRef idx="0">
+            <a:schemeClr val="accent1"/>
+          </a:effectRef>
+          <a:fontRef idx="minor">
+            <a:schemeClr val="tx1"/>
+          </a:fontRef>
+        </p:style>
+      </p:cxnSp>
+      <p:sp>
+        <p:nvSpPr>
+          <p:cNvPr id="14" name="TextBox 13"/>
           <p:cNvSpPr txBox="1"/>
           <p:nvPr/>
         </p:nvSpPr>
         <p:spPr>
           <a:xfrm>
-            <a:off x="5143504" y="1357298"/>
-            <a:ext cx="3339376" cy="707886"/>
+            <a:off x="3643306" y="2857496"/>
+            <a:ext cx="1571636" cy="584775"/>
           </a:xfrm>
           <a:prstGeom prst="rect">
             <a:avLst/>
@@ -4450,20 +5040,96 @@
           <a:noFill/>
         </p:spPr>
         <p:txBody>
-          <a:bodyPr wrap="none" rtlCol="0">
+          <a:bodyPr wrap="square" rtlCol="0">
             <a:spAutoFit/>
           </a:bodyPr>
           <a:lstStyle/>
           <a:p>
             <a:r>
-              <a:rPr lang="ru-RU" sz="4000" dirty="0" smtClean="0">
+              <a:rPr lang="en-US" sz="3200" dirty="0" smtClean="0"/>
+              <a:t>“</a:t>
+            </a:r>
+            <a:r>
+              <a:rPr lang="ru-RU" sz="3200" dirty="0" smtClean="0"/>
+              <a:t>Рука</a:t>
+            </a:r>
+            <a:r>
+              <a:rPr lang="en-US" sz="3200" dirty="0" smtClean="0"/>
+              <a:t>”</a:t>
+            </a:r>
+            <a:endParaRPr lang="ru-RU" sz="3200" dirty="0"/>
+          </a:p>
+        </p:txBody>
+      </p:sp>
+      <p:cxnSp>
+        <p:nvCxnSpPr>
+          <p:cNvPr id="16" name="Прямая со стрелкой 15"/>
+          <p:cNvCxnSpPr>
+            <a:stCxn id="14" idx="2"/>
+          </p:cNvCxnSpPr>
+          <p:nvPr/>
+        </p:nvCxnSpPr>
+        <p:spPr>
+          <a:xfrm rot="16200000" flipH="1">
+            <a:off x="3721380" y="4150015"/>
+            <a:ext cx="1486927" cy="71438"/>
+          </a:xfrm>
+          <a:prstGeom prst="straightConnector1">
+            <a:avLst/>
+          </a:prstGeom>
+          <a:ln w="31750">
+            <a:solidFill>
+              <a:schemeClr val="tx1"/>
+            </a:solidFill>
+            <a:tailEnd type="arrow"/>
+          </a:ln>
+        </p:spPr>
+        <p:style>
+          <a:lnRef idx="1">
+            <a:schemeClr val="accent1"/>
+          </a:lnRef>
+          <a:fillRef idx="0">
+            <a:schemeClr val="accent1"/>
+          </a:fillRef>
+          <a:effectRef idx="0">
+            <a:schemeClr val="accent1"/>
+          </a:effectRef>
+          <a:fontRef idx="minor">
+            <a:schemeClr val="tx1"/>
+          </a:fontRef>
+        </p:style>
+      </p:cxnSp>
+      <p:sp>
+        <p:nvSpPr>
+          <p:cNvPr id="18" name="TextBox 17"/>
+          <p:cNvSpPr txBox="1"/>
+          <p:nvPr/>
+        </p:nvSpPr>
+        <p:spPr>
+          <a:xfrm>
+            <a:off x="1857356" y="2143116"/>
+            <a:ext cx="2143140" cy="584775"/>
+          </a:xfrm>
+          <a:prstGeom prst="rect">
+            <a:avLst/>
+          </a:prstGeom>
+          <a:noFill/>
+        </p:spPr>
+        <p:txBody>
+          <a:bodyPr wrap="square" rtlCol="0">
+            <a:spAutoFit/>
+          </a:bodyPr>
+          <a:lstStyle/>
+          <a:p>
+            <a:r>
+              <a:rPr lang="ru-RU" sz="3200" dirty="0" smtClean="0">
                 <a:solidFill>
                   <a:schemeClr val="bg1"/>
                 </a:solidFill>
               </a:rPr>
-              <a:t>Рабочая часть</a:t>
-            </a:r>
-            <a:endParaRPr lang="ru-RU" sz="4000" dirty="0">
+              <a:t>Деталь</a:t>
+            </a:r>
+            <a:endParaRPr lang="ru-RU" sz="3200" dirty="0">
               <a:solidFill>
                 <a:schemeClr val="bg1"/>
               </a:solidFill>
@@ -4471,44 +5137,42 @@
           </a:p>
         </p:txBody>
       </p:sp>
-      <p:sp>
-        <p:nvSpPr>
-          <p:cNvPr id="11" name="TextBox 10"/>
-          <p:cNvSpPr txBox="1"/>
+      <p:cxnSp>
+        <p:nvCxnSpPr>
+          <p:cNvPr id="20" name="Прямая со стрелкой 19"/>
+          <p:cNvCxnSpPr/>
           <p:nvPr/>
-        </p:nvSpPr>
-        <p:spPr>
-          <a:xfrm>
-            <a:off x="5857884" y="5643578"/>
-            <a:ext cx="1973617" cy="707886"/>
-          </a:xfrm>
-          <a:prstGeom prst="rect">
-            <a:avLst/>
-          </a:prstGeom>
-          <a:noFill/>
-        </p:spPr>
-        <p:txBody>
-          <a:bodyPr wrap="none" rtlCol="0">
-            <a:spAutoFit/>
-          </a:bodyPr>
-          <a:lstStyle/>
-          <a:p>
-            <a:r>
-              <a:rPr lang="ru-RU" sz="4000" dirty="0" smtClean="0">
-                <a:solidFill>
-                  <a:schemeClr val="bg1"/>
-                </a:solidFill>
-              </a:rPr>
-              <a:t>Станина</a:t>
-            </a:r>
-            <a:endParaRPr lang="ru-RU" sz="4000" dirty="0">
-              <a:solidFill>
-                <a:schemeClr val="bg1"/>
-              </a:solidFill>
-            </a:endParaRPr>
-          </a:p>
-        </p:txBody>
-      </p:sp>
+        </p:nvCxnSpPr>
+        <p:spPr>
+          <a:xfrm rot="16200000" flipH="1">
+            <a:off x="2143108" y="3571876"/>
+            <a:ext cx="2071702" cy="500066"/>
+          </a:xfrm>
+          <a:prstGeom prst="straightConnector1">
+            <a:avLst/>
+          </a:prstGeom>
+          <a:ln w="31750">
+            <a:solidFill>
+              <a:schemeClr val="bg1"/>
+            </a:solidFill>
+            <a:tailEnd type="arrow"/>
+          </a:ln>
+        </p:spPr>
+        <p:style>
+          <a:lnRef idx="1">
+            <a:schemeClr val="accent1"/>
+          </a:lnRef>
+          <a:fillRef idx="0">
+            <a:schemeClr val="accent1"/>
+          </a:fillRef>
+          <a:effectRef idx="0">
+            <a:schemeClr val="accent1"/>
+          </a:effectRef>
+          <a:fontRef idx="minor">
+            <a:schemeClr val="tx1"/>
+          </a:fontRef>
+        </p:style>
+      </p:cxnSp>
     </p:spTree>
   </p:cSld>
   <p:clrMapOvr>
@@ -4553,58 +5217,139 @@
         </p:nvSpPr>
         <p:spPr>
           <a:xfrm>
-            <a:off x="357158" y="0"/>
-            <a:ext cx="8229600" cy="796908"/>
+            <a:off x="428596" y="0"/>
+            <a:ext cx="8229600" cy="1143000"/>
           </a:xfrm>
         </p:spPr>
         <p:txBody>
           <a:bodyPr>
-            <a:normAutofit/>
+            <a:normAutofit fontScale="90000"/>
           </a:bodyPr>
           <a:lstStyle/>
           <a:p>
             <a:r>
               <a:rPr lang="ru-RU" dirty="0" smtClean="0"/>
-              <a:t>Процесс наладки станка</a:t>
+              <a:t>Программное обеспечение управляющей части станка</a:t>
             </a:r>
             <a:endParaRPr lang="ru-RU" dirty="0"/>
+          </a:p>
+        </p:txBody>
+      </p:sp>
+      <p:sp>
+        <p:nvSpPr>
+          <p:cNvPr id="5" name="TextBox 4"/>
+          <p:cNvSpPr txBox="1"/>
+          <p:nvPr/>
+        </p:nvSpPr>
+        <p:spPr>
+          <a:xfrm>
+            <a:off x="5072066" y="4357694"/>
+            <a:ext cx="4272132" cy="2308324"/>
+          </a:xfrm>
+          <a:prstGeom prst="rect">
+            <a:avLst/>
+          </a:prstGeom>
+          <a:noFill/>
+        </p:spPr>
+        <p:txBody>
+          <a:bodyPr wrap="none" rtlCol="0">
+            <a:spAutoFit/>
+          </a:bodyPr>
+          <a:lstStyle/>
+          <a:p>
+            <a:r>
+              <a:rPr lang="ru-RU" sz="3600" b="1" dirty="0" smtClean="0"/>
+              <a:t>Управляющая часть </a:t>
+            </a:r>
+          </a:p>
+          <a:p>
+            <a:r>
+              <a:rPr lang="en-US" sz="3600" b="1" dirty="0" smtClean="0"/>
+              <a:t>c</a:t>
+            </a:r>
+            <a:r>
+              <a:rPr lang="ru-RU" sz="3600" b="1" dirty="0" smtClean="0"/>
+              <a:t>танка, среда </a:t>
+            </a:r>
+            <a:endParaRPr lang="en-US" sz="3600" b="1" dirty="0" smtClean="0"/>
+          </a:p>
+          <a:p>
+            <a:r>
+              <a:rPr lang="en-US" sz="3600" b="1" dirty="0" smtClean="0"/>
+              <a:t>Siemens </a:t>
+            </a:r>
+          </a:p>
+          <a:p>
+            <a:r>
+              <a:rPr lang="en-US" sz="3600" b="1" dirty="0" err="1" smtClean="0"/>
+              <a:t>Sinumerik</a:t>
+            </a:r>
+            <a:r>
+              <a:rPr lang="en-US" sz="3600" b="1" dirty="0" smtClean="0"/>
+              <a:t> 840D</a:t>
+            </a:r>
+            <a:endParaRPr lang="ru-RU" sz="3600" b="1" dirty="0"/>
           </a:p>
         </p:txBody>
       </p:sp>
       <p:pic>
         <p:nvPicPr>
-          <p:cNvPr id="4" name="Рисунок 3" descr="P1030204.JPG"/>
+          <p:cNvPr id="7" name="Рисунок 6" descr="windows_XP.jpg"/>
           <p:cNvPicPr>
             <a:picLocks noChangeAspect="1"/>
           </p:cNvPicPr>
           <p:nvPr/>
         </p:nvPicPr>
         <p:blipFill>
-          <a:blip r:embed="rId2" cstate="print"/>
+          <a:blip r:embed="rId2"/>
           <a:stretch>
             <a:fillRect/>
           </a:stretch>
         </p:blipFill>
         <p:spPr>
           <a:xfrm>
-            <a:off x="642910" y="803654"/>
-            <a:ext cx="8001024" cy="6000768"/>
+            <a:off x="714348" y="1285860"/>
+            <a:ext cx="3143272" cy="2294589"/>
           </a:xfrm>
           <a:prstGeom prst="rect">
             <a:avLst/>
           </a:prstGeom>
         </p:spPr>
       </p:pic>
-      <p:sp>
-        <p:nvSpPr>
-          <p:cNvPr id="5" name="TextBox 4"/>
+      <p:pic>
+        <p:nvPicPr>
+          <p:cNvPr id="8" name="Рисунок 7" descr="sinumeric.jpg"/>
+          <p:cNvPicPr>
+            <a:picLocks noChangeAspect="1"/>
+          </p:cNvPicPr>
+          <p:nvPr/>
+        </p:nvPicPr>
+        <p:blipFill>
+          <a:blip r:embed="rId3"/>
+          <a:stretch>
+            <a:fillRect/>
+          </a:stretch>
+        </p:blipFill>
+        <p:spPr>
+          <a:xfrm>
+            <a:off x="4714876" y="1357298"/>
+            <a:ext cx="4114800" cy="2933700"/>
+          </a:xfrm>
+          <a:prstGeom prst="rect">
+            <a:avLst/>
+          </a:prstGeom>
+        </p:spPr>
+      </p:pic>
+      <p:sp>
+        <p:nvSpPr>
+          <p:cNvPr id="9" name="TextBox 8"/>
           <p:cNvSpPr txBox="1"/>
           <p:nvPr/>
         </p:nvSpPr>
         <p:spPr>
           <a:xfrm>
-            <a:off x="2000232" y="1643050"/>
-            <a:ext cx="2790892" cy="1077218"/>
+            <a:off x="500034" y="3286124"/>
+            <a:ext cx="2714644" cy="646331"/>
           </a:xfrm>
           <a:prstGeom prst="rect">
             <a:avLst/>
@@ -4612,37 +5357,128 @@
           <a:noFill/>
         </p:spPr>
         <p:txBody>
-          <a:bodyPr wrap="none" rtlCol="0">
+          <a:bodyPr wrap="square" rtlCol="0">
             <a:spAutoFit/>
           </a:bodyPr>
           <a:lstStyle/>
           <a:p>
-            <a:r>
-              <a:rPr lang="ru-RU" sz="3200" dirty="0" smtClean="0">
-                <a:solidFill>
-                  <a:schemeClr val="bg1"/>
-                </a:solidFill>
-              </a:rPr>
-              <a:t>Револьверная </a:t>
-            </a:r>
-          </a:p>
-          <a:p>
-            <a:r>
-              <a:rPr lang="ru-RU" sz="3200" dirty="0" smtClean="0">
-                <a:solidFill>
-                  <a:schemeClr val="bg1"/>
-                </a:solidFill>
-              </a:rPr>
-              <a:t>Головка</a:t>
-            </a:r>
-            <a:endParaRPr lang="ru-RU" sz="3200" dirty="0">
-              <a:solidFill>
-                <a:schemeClr val="bg1"/>
-              </a:solidFill>
-            </a:endParaRPr>
-          </a:p>
-        </p:txBody>
-      </p:sp>
+            <a:pPr algn="ctr"/>
+            <a:r>
+              <a:rPr lang="ru-RU" dirty="0" smtClean="0"/>
+              <a:t>Существует возможность подключения к серверу</a:t>
+            </a:r>
+            <a:endParaRPr lang="ru-RU" dirty="0"/>
+          </a:p>
+        </p:txBody>
+      </p:sp>
+      <p:pic>
+        <p:nvPicPr>
+          <p:cNvPr id="12" name="Рисунок 11" descr="P1030186.JPG"/>
+          <p:cNvPicPr>
+            <a:picLocks noChangeAspect="1"/>
+          </p:cNvPicPr>
+          <p:nvPr/>
+        </p:nvPicPr>
+        <p:blipFill>
+          <a:blip r:embed="rId4" cstate="print"/>
+          <a:stretch>
+            <a:fillRect/>
+          </a:stretch>
+        </p:blipFill>
+        <p:spPr>
+          <a:xfrm>
+            <a:off x="428596" y="4143380"/>
+            <a:ext cx="3286116" cy="2464587"/>
+          </a:xfrm>
+          <a:prstGeom prst="rect">
+            <a:avLst/>
+          </a:prstGeom>
+        </p:spPr>
+      </p:pic>
+      <p:sp>
+        <p:nvSpPr>
+          <p:cNvPr id="13" name="Овал 12"/>
+          <p:cNvSpPr/>
+          <p:nvPr/>
+        </p:nvSpPr>
+        <p:spPr>
+          <a:xfrm>
+            <a:off x="1285852" y="4643446"/>
+            <a:ext cx="785818" cy="642942"/>
+          </a:xfrm>
+          <a:prstGeom prst="ellipse">
+            <a:avLst/>
+          </a:prstGeom>
+          <a:noFill/>
+          <a:ln>
+            <a:solidFill>
+              <a:srgbClr val="C00000"/>
+            </a:solidFill>
+          </a:ln>
+        </p:spPr>
+        <p:style>
+          <a:lnRef idx="2">
+            <a:schemeClr val="accent1">
+              <a:shade val="50000"/>
+            </a:schemeClr>
+          </a:lnRef>
+          <a:fillRef idx="1">
+            <a:schemeClr val="accent1"/>
+          </a:fillRef>
+          <a:effectRef idx="0">
+            <a:schemeClr val="accent1"/>
+          </a:effectRef>
+          <a:fontRef idx="minor">
+            <a:schemeClr val="lt1"/>
+          </a:fontRef>
+        </p:style>
+        <p:txBody>
+          <a:bodyPr rtlCol="0" anchor="ctr"/>
+          <a:lstStyle/>
+          <a:p>
+            <a:pPr algn="ctr"/>
+            <a:endParaRPr lang="ru-RU"/>
+          </a:p>
+        </p:txBody>
+      </p:sp>
+      <p:cxnSp>
+        <p:nvCxnSpPr>
+          <p:cNvPr id="15" name="Прямая со стрелкой 14"/>
+          <p:cNvCxnSpPr>
+            <a:stCxn id="13" idx="0"/>
+          </p:cNvCxnSpPr>
+          <p:nvPr/>
+        </p:nvCxnSpPr>
+        <p:spPr>
+          <a:xfrm rot="5400000" flipH="1" flipV="1">
+            <a:off x="1339430" y="4268397"/>
+            <a:ext cx="714380" cy="35719"/>
+          </a:xfrm>
+          <a:prstGeom prst="straightConnector1">
+            <a:avLst/>
+          </a:prstGeom>
+          <a:ln w="31750">
+            <a:solidFill>
+              <a:srgbClr val="C00000"/>
+            </a:solidFill>
+            <a:tailEnd type="arrow"/>
+          </a:ln>
+        </p:spPr>
+        <p:style>
+          <a:lnRef idx="1">
+            <a:schemeClr val="accent1"/>
+          </a:lnRef>
+          <a:fillRef idx="0">
+            <a:schemeClr val="accent1"/>
+          </a:fillRef>
+          <a:effectRef idx="0">
+            <a:schemeClr val="accent1"/>
+          </a:effectRef>
+          <a:fontRef idx="minor">
+            <a:schemeClr val="tx1"/>
+          </a:fontRef>
+        </p:style>
+      </p:cxnSp>
     </p:spTree>
   </p:cSld>
   <p:clrMapOvr>
@@ -4697,7 +5533,15 @@
           <a:p>
             <a:r>
               <a:rPr lang="ru-RU" dirty="0" smtClean="0"/>
-              <a:t>Среда управления станком</a:t>
+              <a:t>Среда </a:t>
+            </a:r>
+            <a:r>
+              <a:rPr lang="en-US" dirty="0" err="1" smtClean="0"/>
+              <a:t>Sinumerik</a:t>
+            </a:r>
+            <a:r>
+              <a:rPr lang="en-US" dirty="0" smtClean="0"/>
+              <a:t> 840D</a:t>
             </a:r>
             <a:endParaRPr lang="ru-RU" dirty="0"/>
           </a:p>
@@ -4764,7 +5608,7 @@
       </p:grpSpPr>
       <p:sp>
         <p:nvSpPr>
-          <p:cNvPr id="2" name="Заголовок 1"/>
+          <p:cNvPr id="6" name="Заголовок 1"/>
           <p:cNvSpPr>
             <a:spLocks noGrp="1"/>
           </p:cNvSpPr>
@@ -4772,163 +5616,152 @@
             <p:ph type="title"/>
           </p:nvPr>
         </p:nvSpPr>
-        <p:spPr/>
+        <p:spPr>
+          <a:xfrm>
+            <a:off x="500035" y="0"/>
+            <a:ext cx="8229600" cy="1143000"/>
+          </a:xfrm>
+        </p:spPr>
+        <p:txBody>
+          <a:bodyPr/>
+          <a:lstStyle/>
+          <a:p>
+            <a:r>
+              <a:rPr lang="ru-RU" dirty="0" smtClean="0"/>
+              <a:t>Задачи:</a:t>
+            </a:r>
+            <a:endParaRPr lang="ru-RU" dirty="0"/>
+          </a:p>
+        </p:txBody>
+      </p:sp>
+      <p:sp>
+        <p:nvSpPr>
+          <p:cNvPr id="7" name="Содержимое 2"/>
+          <p:cNvSpPr>
+            <a:spLocks noGrp="1"/>
+          </p:cNvSpPr>
+          <p:nvPr>
+            <p:ph idx="1"/>
+          </p:nvPr>
+        </p:nvSpPr>
+        <p:spPr>
+          <a:xfrm>
+            <a:off x="428596" y="1000108"/>
+            <a:ext cx="8319868" cy="5453228"/>
+          </a:xfrm>
+        </p:spPr>
         <p:txBody>
           <a:bodyPr>
-            <a:normAutofit fontScale="90000"/>
+            <a:normAutofit fontScale="92500"/>
           </a:bodyPr>
           <a:lstStyle/>
           <a:p>
             <a:r>
               <a:rPr lang="ru-RU" dirty="0" smtClean="0"/>
-              <a:t>Программное обеспечение станка</a:t>
-            </a:r>
-            <a:endParaRPr lang="ru-RU" dirty="0"/>
-          </a:p>
-        </p:txBody>
-      </p:sp>
-      <p:sp>
-        <p:nvSpPr>
-          <p:cNvPr id="5" name="TextBox 4"/>
-          <p:cNvSpPr txBox="1"/>
-          <p:nvPr/>
-        </p:nvSpPr>
-        <p:spPr>
-          <a:xfrm>
-            <a:off x="5072066" y="4357694"/>
-            <a:ext cx="3438634" cy="646331"/>
-          </a:xfrm>
-          <a:prstGeom prst="rect">
-            <a:avLst/>
-          </a:prstGeom>
-          <a:noFill/>
-        </p:spPr>
-        <p:txBody>
-          <a:bodyPr wrap="none" rtlCol="0">
-            <a:spAutoFit/>
-          </a:bodyPr>
-          <a:lstStyle/>
-          <a:p>
-            <a:r>
-              <a:rPr lang="ru-RU" sz="3600" b="1" dirty="0" smtClean="0"/>
-              <a:t>Среда </a:t>
-            </a:r>
-            <a:r>
-              <a:rPr lang="en-US" sz="3600" b="1" dirty="0" err="1" smtClean="0"/>
-              <a:t>Sinumerik</a:t>
-            </a:r>
-            <a:endParaRPr lang="ru-RU" sz="3600" b="1" dirty="0"/>
-          </a:p>
-        </p:txBody>
-      </p:sp>
-      <p:pic>
-        <p:nvPicPr>
-          <p:cNvPr id="7" name="Рисунок 6" descr="windows_XP.jpg"/>
-          <p:cNvPicPr>
-            <a:picLocks noChangeAspect="1"/>
-          </p:cNvPicPr>
-          <p:nvPr/>
-        </p:nvPicPr>
-        <p:blipFill>
-          <a:blip r:embed="rId2"/>
-          <a:stretch>
-            <a:fillRect/>
-          </a:stretch>
-        </p:blipFill>
-        <p:spPr>
-          <a:xfrm>
-            <a:off x="714348" y="1285860"/>
-            <a:ext cx="3143272" cy="2294589"/>
-          </a:xfrm>
-          <a:prstGeom prst="rect">
-            <a:avLst/>
-          </a:prstGeom>
-        </p:spPr>
-      </p:pic>
-      <p:pic>
-        <p:nvPicPr>
-          <p:cNvPr id="8" name="Рисунок 7" descr="sinumeric.jpg"/>
-          <p:cNvPicPr>
-            <a:picLocks noChangeAspect="1"/>
-          </p:cNvPicPr>
-          <p:nvPr/>
-        </p:nvPicPr>
-        <p:blipFill>
-          <a:blip r:embed="rId3"/>
-          <a:stretch>
-            <a:fillRect/>
-          </a:stretch>
-        </p:blipFill>
-        <p:spPr>
-          <a:xfrm>
-            <a:off x="4714876" y="1357298"/>
-            <a:ext cx="4114800" cy="2933700"/>
-          </a:xfrm>
-          <a:prstGeom prst="rect">
-            <a:avLst/>
-          </a:prstGeom>
-        </p:spPr>
-      </p:pic>
-      <p:sp>
-        <p:nvSpPr>
-          <p:cNvPr id="9" name="TextBox 8"/>
-          <p:cNvSpPr txBox="1"/>
-          <p:nvPr/>
-        </p:nvSpPr>
-        <p:spPr>
-          <a:xfrm>
-            <a:off x="500034" y="3500438"/>
-            <a:ext cx="2714644" cy="646331"/>
-          </a:xfrm>
-          <a:prstGeom prst="rect">
-            <a:avLst/>
-          </a:prstGeom>
-          <a:noFill/>
-        </p:spPr>
-        <p:txBody>
-          <a:bodyPr wrap="square" rtlCol="0">
-            <a:spAutoFit/>
-          </a:bodyPr>
-          <a:lstStyle/>
-          <a:p>
-            <a:pPr algn="ctr"/>
+              <a:t>Описание процесса </a:t>
+            </a:r>
             <a:r>
               <a:rPr lang="ru-RU" dirty="0" smtClean="0"/>
-              <a:t>Существует возможность подключения к серверу</a:t>
-            </a:r>
-            <a:endParaRPr lang="ru-RU" dirty="0"/>
-          </a:p>
-        </p:txBody>
-      </p:sp>
-      <p:pic>
-        <p:nvPicPr>
-          <p:cNvPr id="12" name="Рисунок 11" descr="P1030186.JPG"/>
-          <p:cNvPicPr>
-            <a:picLocks noChangeAspect="1"/>
-          </p:cNvPicPr>
-          <p:nvPr/>
-        </p:nvPicPr>
-        <p:blipFill>
-          <a:blip r:embed="rId4" cstate="print"/>
-          <a:stretch>
-            <a:fillRect/>
-          </a:stretch>
-        </p:blipFill>
-        <p:spPr>
-          <a:xfrm>
-            <a:off x="428596" y="4143380"/>
-            <a:ext cx="3286116" cy="2464587"/>
-          </a:xfrm>
-          <a:prstGeom prst="rect">
-            <a:avLst/>
-          </a:prstGeom>
-        </p:spPr>
-      </p:pic>
+              <a:t>наладки управляющей и рабочей частей станков </a:t>
+            </a:r>
+            <a:r>
+              <a:rPr lang="ru-RU" dirty="0" smtClean="0"/>
+              <a:t>с </a:t>
+            </a:r>
+            <a:r>
+              <a:rPr lang="ru-RU" dirty="0" smtClean="0"/>
+              <a:t>ЧПУ.</a:t>
+            </a:r>
+          </a:p>
+          <a:p>
+            <a:r>
+              <a:rPr lang="ru-RU" dirty="0" smtClean="0"/>
+              <a:t>Объединение в единой базе данных программ и технологических процессов для станков с ЧПУ</a:t>
+            </a:r>
+            <a:endParaRPr lang="ru-RU" dirty="0" smtClean="0"/>
+          </a:p>
+          <a:p>
+            <a:r>
+              <a:rPr lang="ru-RU" dirty="0" smtClean="0"/>
+              <a:t>Формализация </a:t>
+            </a:r>
+            <a:r>
+              <a:rPr lang="ru-RU" dirty="0" smtClean="0"/>
+              <a:t>объектов предметной области. Проектирование структуры базы данных</a:t>
+            </a:r>
+            <a:r>
+              <a:rPr lang="en-US" dirty="0" smtClean="0"/>
+              <a:t>,</a:t>
+            </a:r>
+            <a:r>
+              <a:rPr lang="ru-RU" dirty="0" smtClean="0"/>
+              <a:t> </a:t>
+            </a:r>
+            <a:r>
+              <a:rPr lang="ru-RU" dirty="0" smtClean="0"/>
+              <a:t>её реализация </a:t>
+            </a:r>
+            <a:r>
+              <a:rPr lang="ru-RU" dirty="0" smtClean="0"/>
+              <a:t>средствами </a:t>
+            </a:r>
+            <a:r>
+              <a:rPr lang="en-US" dirty="0" err="1" smtClean="0"/>
+              <a:t>MySQL</a:t>
+            </a:r>
+            <a:r>
+              <a:rPr lang="en-US" dirty="0" smtClean="0"/>
+              <a:t>.</a:t>
+            </a:r>
+            <a:endParaRPr lang="ru-RU" dirty="0" smtClean="0"/>
+          </a:p>
+          <a:p>
+            <a:r>
+              <a:rPr lang="ru-RU" dirty="0" smtClean="0"/>
+              <a:t>Разработка и реализация </a:t>
+            </a:r>
+            <a:r>
+              <a:rPr lang="en-US" dirty="0" smtClean="0"/>
+              <a:t>web-</a:t>
+            </a:r>
+            <a:r>
+              <a:rPr lang="ru-RU" dirty="0" smtClean="0"/>
+              <a:t>интерфейса системы на языках </a:t>
+            </a:r>
+            <a:r>
+              <a:rPr lang="en-US" dirty="0" smtClean="0"/>
+              <a:t>PHP / HTML / CSS / JavaScript</a:t>
+            </a:r>
+            <a:r>
+              <a:rPr lang="ru-RU" dirty="0" smtClean="0"/>
+              <a:t> </a:t>
+            </a:r>
+            <a:endParaRPr lang="en-US" dirty="0" smtClean="0"/>
+          </a:p>
+          <a:p>
+            <a:r>
+              <a:rPr lang="ru-RU" dirty="0" smtClean="0"/>
+              <a:t>Тестирование и внедрение системы.</a:t>
+            </a:r>
+            <a:endParaRPr lang="en-US" dirty="0" smtClean="0"/>
+          </a:p>
+          <a:p>
+            <a:endParaRPr lang="ru-RU" dirty="0" smtClean="0"/>
+          </a:p>
+        </p:txBody>
+      </p:sp>
     </p:spTree>
   </p:cSld>
   <p:clrMapOvr>
     <a:masterClrMapping/>
   </p:clrMapOvr>
+  <p:timing>
+    <p:tnLst>
+      <p:par>
+        <p:cTn id="1" dur="indefinite" restart="never" nodeType="tmRoot"/>
+      </p:par>
+    </p:tnLst>
+  </p:timing>
 </p:sld>
 </file>
 
@@ -5143,51 +5976,18 @@
           </a:p>
         </p:txBody>
       </p:sp>
-      <p:sp>
-        <p:nvSpPr>
-          <p:cNvPr id="11" name="Стрелка вниз 10"/>
-          <p:cNvSpPr/>
-          <p:nvPr/>
-        </p:nvSpPr>
-        <p:spPr>
-          <a:xfrm>
-            <a:off x="3286116" y="2786058"/>
-            <a:ext cx="500066" cy="642942"/>
-          </a:xfrm>
-          <a:prstGeom prst="downArrow">
-            <a:avLst/>
-          </a:prstGeom>
-        </p:spPr>
-        <p:style>
-          <a:lnRef idx="2">
-            <a:schemeClr val="accent1">
-              <a:shade val="50000"/>
-            </a:schemeClr>
-          </a:lnRef>
-          <a:fillRef idx="1">
-            <a:schemeClr val="accent1"/>
-          </a:fillRef>
-          <a:effectRef idx="0">
-            <a:schemeClr val="accent1"/>
-          </a:effectRef>
-          <a:fontRef idx="minor">
-            <a:schemeClr val="lt1"/>
-          </a:fontRef>
-        </p:style>
-        <p:txBody>
-          <a:bodyPr rtlCol="0" anchor="ctr"/>
-          <a:lstStyle/>
-          <a:p>
-            <a:pPr algn="ctr"/>
-            <a:endParaRPr lang="ru-RU"/>
-          </a:p>
-        </p:txBody>
-      </p:sp>
     </p:spTree>
   </p:cSld>
   <p:clrMapOvr>
     <a:masterClrMapping/>
   </p:clrMapOvr>
+  <p:timing>
+    <p:tnLst>
+      <p:par>
+        <p:cTn id="1" dur="indefinite" restart="never" nodeType="tmRoot"/>
+      </p:par>
+    </p:tnLst>
+  </p:timing>
 </p:sld>
 </file>
 
@@ -5562,6 +6362,13 @@
   <p:clrMapOvr>
     <a:masterClrMapping/>
   </p:clrMapOvr>
+  <p:timing>
+    <p:tnLst>
+      <p:par>
+        <p:cTn id="1" dur="indefinite" restart="never" nodeType="tmRoot"/>
+      </p:par>
+    </p:tnLst>
+  </p:timing>
 </p:sld>
 </file>
 
@@ -6015,7 +6822,7 @@
         <p:spPr>
           <a:xfrm>
             <a:off x="5786446" y="2714621"/>
-            <a:ext cx="3357554" cy="4401205"/>
+            <a:ext cx="3357554" cy="4093428"/>
           </a:xfrm>
           <a:prstGeom prst="rect">
             <a:avLst/>
@@ -6034,7 +6841,15 @@
             </a:pPr>
             <a:r>
               <a:rPr lang="ru-RU" sz="2000" dirty="0" smtClean="0"/>
-              <a:t> Массивность</a:t>
+              <a:t> Для </a:t>
+            </a:r>
+            <a:r>
+              <a:rPr lang="ru-RU" sz="2000" dirty="0" smtClean="0"/>
+              <a:t>доступа к файлам, каждый раз необходимо будет устанавливать приложение туда, где оно будет использоваться (в данной работе этот недостаток является неприемлемым</a:t>
+            </a:r>
+            <a:r>
+              <a:rPr lang="ru-RU" sz="2000" dirty="0" smtClean="0"/>
+              <a:t>).</a:t>
             </a:r>
           </a:p>
           <a:p>
@@ -6043,9 +6858,14 @@
               <a:buChar char="•"/>
             </a:pPr>
             <a:r>
+              <a:rPr lang="ru-RU" sz="2000" dirty="0"/>
+              <a:t> </a:t>
+            </a:r>
+            <a:r>
               <a:rPr lang="ru-RU" sz="2000" dirty="0" smtClean="0"/>
-              <a:t> Низкая надежность хранения данных</a:t>
-            </a:r>
+              <a:t>Проблематично установить на станок </a:t>
+            </a:r>
+            <a:endParaRPr lang="ru-RU" sz="2000" dirty="0" smtClean="0"/>
           </a:p>
           <a:p>
             <a:pPr>
@@ -6054,29 +6874,126 @@
             </a:pPr>
             <a:r>
               <a:rPr lang="ru-RU" sz="2000" dirty="0" smtClean="0"/>
-              <a:t> Для доступа к файлам, каждый раз необходимо будет устанавливать приложение туда, где оно будет использоваться (в данной работе этот недостаток является неприемлемым).</a:t>
-            </a:r>
-          </a:p>
-          <a:p>
-            <a:pPr>
-              <a:buFont typeface="Arial" charset="0"/>
-              <a:buChar char="•"/>
-            </a:pPr>
+              <a:t> </a:t>
+            </a:r>
             <a:r>
               <a:rPr lang="ru-RU" sz="2000" dirty="0" smtClean="0"/>
-              <a:t> Низкая степень защиты информации.</a:t>
-            </a:r>
-          </a:p>
-          <a:p>
-            <a:endParaRPr lang="ru-RU" sz="2000" dirty="0"/>
-          </a:p>
-        </p:txBody>
-      </p:sp>
+              <a:t>Сложность в реализации нужного уровня </a:t>
+            </a:r>
+            <a:r>
+              <a:rPr lang="ru-RU" sz="2000" dirty="0" smtClean="0"/>
+              <a:t>защиты информации</a:t>
+            </a:r>
+            <a:r>
+              <a:rPr lang="ru-RU" sz="2000" dirty="0" smtClean="0"/>
+              <a:t>.</a:t>
+            </a:r>
+            <a:endParaRPr lang="ru-RU" sz="2000" dirty="0" smtClean="0"/>
+          </a:p>
+        </p:txBody>
+      </p:sp>
+      <p:cxnSp>
+        <p:nvCxnSpPr>
+          <p:cNvPr id="21" name="Прямая соединительная линия 20"/>
+          <p:cNvCxnSpPr/>
+          <p:nvPr/>
+        </p:nvCxnSpPr>
+        <p:spPr>
+          <a:xfrm rot="5400000">
+            <a:off x="142844" y="4500570"/>
+            <a:ext cx="4143404" cy="1588"/>
+          </a:xfrm>
+          <a:prstGeom prst="line">
+            <a:avLst/>
+          </a:prstGeom>
+        </p:spPr>
+        <p:style>
+          <a:lnRef idx="1">
+            <a:schemeClr val="accent1"/>
+          </a:lnRef>
+          <a:fillRef idx="0">
+            <a:schemeClr val="accent1"/>
+          </a:fillRef>
+          <a:effectRef idx="0">
+            <a:schemeClr val="accent1"/>
+          </a:effectRef>
+          <a:fontRef idx="minor">
+            <a:schemeClr val="tx1"/>
+          </a:fontRef>
+        </p:style>
+      </p:cxnSp>
+      <p:cxnSp>
+        <p:nvCxnSpPr>
+          <p:cNvPr id="23" name="Прямая соединительная линия 22"/>
+          <p:cNvCxnSpPr/>
+          <p:nvPr/>
+        </p:nvCxnSpPr>
+        <p:spPr>
+          <a:xfrm rot="5400000">
+            <a:off x="4857752" y="2714620"/>
+            <a:ext cx="428628" cy="1588"/>
+          </a:xfrm>
+          <a:prstGeom prst="line">
+            <a:avLst/>
+          </a:prstGeom>
+        </p:spPr>
+        <p:style>
+          <a:lnRef idx="1">
+            <a:schemeClr val="accent1"/>
+          </a:lnRef>
+          <a:fillRef idx="0">
+            <a:schemeClr val="accent1"/>
+          </a:fillRef>
+          <a:effectRef idx="0">
+            <a:schemeClr val="accent1"/>
+          </a:effectRef>
+          <a:fontRef idx="minor">
+            <a:schemeClr val="tx1"/>
+          </a:fontRef>
+        </p:style>
+      </p:cxnSp>
+      <p:cxnSp>
+        <p:nvCxnSpPr>
+          <p:cNvPr id="25" name="Прямая соединительная линия 24"/>
+          <p:cNvCxnSpPr/>
+          <p:nvPr/>
+        </p:nvCxnSpPr>
+        <p:spPr>
+          <a:xfrm rot="5400000">
+            <a:off x="4357686" y="5357826"/>
+            <a:ext cx="1428760" cy="1588"/>
+          </a:xfrm>
+          <a:prstGeom prst="line">
+            <a:avLst/>
+          </a:prstGeom>
+        </p:spPr>
+        <p:style>
+          <a:lnRef idx="1">
+            <a:schemeClr val="accent1"/>
+          </a:lnRef>
+          <a:fillRef idx="0">
+            <a:schemeClr val="accent1"/>
+          </a:fillRef>
+          <a:effectRef idx="0">
+            <a:schemeClr val="accent1"/>
+          </a:effectRef>
+          <a:fontRef idx="minor">
+            <a:schemeClr val="tx1"/>
+          </a:fontRef>
+        </p:style>
+      </p:cxnSp>
     </p:spTree>
   </p:cSld>
   <p:clrMapOvr>
     <a:masterClrMapping/>
   </p:clrMapOvr>
+  <p:timing>
+    <p:tnLst>
+      <p:par>
+        <p:cTn id="1" dur="indefinite" restart="never" nodeType="tmRoot"/>
+      </p:par>
+    </p:tnLst>
+  </p:timing>
 </p:sld>
 </file>
 

--- a/Кудрявцев Иван Владиславович/Презентация к диплому.pptx
+++ b/Кудрявцев Иван Владиславович/Презентация к диплому.pptx
@@ -14,12 +14,13 @@
     <p:sldId id="270" r:id="rId8"/>
     <p:sldId id="273" r:id="rId9"/>
     <p:sldId id="269" r:id="rId10"/>
-    <p:sldId id="276" r:id="rId11"/>
-    <p:sldId id="280" r:id="rId12"/>
-    <p:sldId id="277" r:id="rId13"/>
-    <p:sldId id="278" r:id="rId14"/>
-    <p:sldId id="279" r:id="rId15"/>
-    <p:sldId id="275" r:id="rId16"/>
+    <p:sldId id="281" r:id="rId11"/>
+    <p:sldId id="276" r:id="rId12"/>
+    <p:sldId id="280" r:id="rId13"/>
+    <p:sldId id="277" r:id="rId14"/>
+    <p:sldId id="278" r:id="rId15"/>
+    <p:sldId id="279" r:id="rId16"/>
+    <p:sldId id="275" r:id="rId17"/>
   </p:sldIdLst>
   <p:sldSz cx="9144000" cy="6858000" type="screen4x3"/>
   <p:notesSz cx="6858000" cy="9144000"/>
@@ -3434,19 +3435,16 @@
             <p:ph type="title"/>
           </p:nvPr>
         </p:nvSpPr>
-        <p:spPr>
-          <a:xfrm>
-            <a:off x="428596" y="142852"/>
-            <a:ext cx="8229600" cy="1143000"/>
-          </a:xfrm>
-        </p:spPr>
-        <p:txBody>
-          <a:bodyPr/>
+        <p:spPr/>
+        <p:txBody>
+          <a:bodyPr>
+            <a:normAutofit fontScale="90000"/>
+          </a:bodyPr>
           <a:lstStyle/>
           <a:p>
             <a:r>
               <a:rPr lang="ru-RU" dirty="0" smtClean="0"/>
-              <a:t>Разработка Базы Данных</a:t>
+              <a:t>Используемые средства разработки</a:t>
             </a:r>
             <a:endParaRPr lang="ru-RU" dirty="0"/>
           </a:p>
@@ -3454,38 +3452,266 @@
       </p:sp>
       <p:pic>
         <p:nvPicPr>
-          <p:cNvPr id="5" name="Рисунок 4"/>
-          <p:cNvPicPr/>
+          <p:cNvPr id="1026" name="Picture 2" descr="http://iitt.fvt.sfedu.ru/forum/files/dbforge_studio.png"/>
+          <p:cNvPicPr>
+            <a:picLocks noChangeAspect="1" noChangeArrowheads="1"/>
+          </p:cNvPicPr>
           <p:nvPr/>
         </p:nvPicPr>
         <p:blipFill>
-          <a:blip r:embed="rId2"/>
-          <a:srcRect l="20844" t="14629" r="3955" b="22645"/>
+          <a:blip r:embed="rId2">
+            <a:extLst>
+              <a:ext uri="{28A0092B-C50C-407E-A947-70E740481C1C}">
+                <a14:useLocalDpi xmlns:a14="http://schemas.microsoft.com/office/drawing/2010/main" val="0"/>
+              </a:ext>
+            </a:extLst>
+          </a:blip>
+          <a:srcRect/>
           <a:stretch>
             <a:fillRect/>
           </a:stretch>
         </p:blipFill>
         <p:spPr bwMode="auto">
           <a:xfrm>
-            <a:off x="395536" y="1052736"/>
-            <a:ext cx="8352928" cy="5460753"/>
+            <a:off x="323528" y="1484784"/>
+            <a:ext cx="4279167" cy="1584176"/>
           </a:xfrm>
           <a:prstGeom prst="rect">
             <a:avLst/>
           </a:prstGeom>
           <a:noFill/>
-          <a:ln w="9525">
-            <a:noFill/>
-            <a:miter lim="800000"/>
-            <a:headEnd/>
-            <a:tailEnd/>
-          </a:ln>
+          <a:extLst>
+            <a:ext uri="{909E8E84-426E-40DD-AFC4-6F175D3DCCD1}">
+              <a14:hiddenFill xmlns:a14="http://schemas.microsoft.com/office/drawing/2010/main">
+                <a:solidFill>
+                  <a:srgbClr val="FFFFFF"/>
+                </a:solidFill>
+              </a14:hiddenFill>
+            </a:ext>
+          </a:extLst>
         </p:spPr>
       </p:pic>
+      <p:sp>
+        <p:nvSpPr>
+          <p:cNvPr id="4" name="TextBox 3"/>
+          <p:cNvSpPr txBox="1"/>
+          <p:nvPr/>
+        </p:nvSpPr>
+        <p:spPr>
+          <a:xfrm>
+            <a:off x="1182279" y="3244334"/>
+            <a:ext cx="2561663" cy="369332"/>
+          </a:xfrm>
+          <a:prstGeom prst="rect">
+            <a:avLst/>
+          </a:prstGeom>
+          <a:noFill/>
+        </p:spPr>
+        <p:txBody>
+          <a:bodyPr wrap="none" rtlCol="0">
+            <a:spAutoFit/>
+          </a:bodyPr>
+          <a:lstStyle/>
+          <a:p>
+            <a:pPr algn="ctr"/>
+            <a:r>
+              <a:rPr lang="en-US" dirty="0" err="1" smtClean="0"/>
+              <a:t>db</a:t>
+            </a:r>
+            <a:r>
+              <a:rPr lang="en-US" dirty="0" err="1"/>
+              <a:t>F</a:t>
+            </a:r>
+            <a:r>
+              <a:rPr lang="en-US" dirty="0" err="1" smtClean="0"/>
+              <a:t>orge</a:t>
+            </a:r>
+            <a:r>
+              <a:rPr lang="en-US" dirty="0" smtClean="0"/>
+              <a:t> Studio </a:t>
+            </a:r>
+            <a:r>
+              <a:rPr lang="en-US" dirty="0"/>
+              <a:t>for </a:t>
+            </a:r>
+            <a:r>
+              <a:rPr lang="en-US" dirty="0" err="1" smtClean="0"/>
+              <a:t>MySql</a:t>
+            </a:r>
+            <a:endParaRPr lang="ru-RU" dirty="0"/>
+          </a:p>
+        </p:txBody>
+      </p:sp>
+      <p:pic>
+        <p:nvPicPr>
+          <p:cNvPr id="1028" name="Picture 4" descr="http://web-grand.ru/wp-content/uploads/2011/05/denwer-icon.png"/>
+          <p:cNvPicPr>
+            <a:picLocks noChangeAspect="1" noChangeArrowheads="1"/>
+          </p:cNvPicPr>
+          <p:nvPr/>
+        </p:nvPicPr>
+        <p:blipFill>
+          <a:blip r:embed="rId3">
+            <a:extLst>
+              <a:ext uri="{28A0092B-C50C-407E-A947-70E740481C1C}">
+                <a14:useLocalDpi xmlns:a14="http://schemas.microsoft.com/office/drawing/2010/main" val="0"/>
+              </a:ext>
+            </a:extLst>
+          </a:blip>
+          <a:srcRect/>
+          <a:stretch>
+            <a:fillRect/>
+          </a:stretch>
+        </p:blipFill>
+        <p:spPr bwMode="auto">
+          <a:xfrm>
+            <a:off x="5724128" y="1190004"/>
+            <a:ext cx="2238996" cy="2238996"/>
+          </a:xfrm>
+          <a:prstGeom prst="rect">
+            <a:avLst/>
+          </a:prstGeom>
+          <a:noFill/>
+          <a:extLst>
+            <a:ext uri="{909E8E84-426E-40DD-AFC4-6F175D3DCCD1}">
+              <a14:hiddenFill xmlns:a14="http://schemas.microsoft.com/office/drawing/2010/main">
+                <a:solidFill>
+                  <a:srgbClr val="FFFFFF"/>
+                </a:solidFill>
+              </a14:hiddenFill>
+            </a:ext>
+          </a:extLst>
+        </p:spPr>
+      </p:pic>
+      <p:sp>
+        <p:nvSpPr>
+          <p:cNvPr id="7" name="TextBox 6"/>
+          <p:cNvSpPr txBox="1"/>
+          <p:nvPr/>
+        </p:nvSpPr>
+        <p:spPr>
+          <a:xfrm>
+            <a:off x="6017502" y="3584637"/>
+            <a:ext cx="1652247" cy="2308324"/>
+          </a:xfrm>
+          <a:prstGeom prst="rect">
+            <a:avLst/>
+          </a:prstGeom>
+          <a:noFill/>
+        </p:spPr>
+        <p:txBody>
+          <a:bodyPr wrap="none" rtlCol="0">
+            <a:spAutoFit/>
+          </a:bodyPr>
+          <a:lstStyle/>
+          <a:p>
+            <a:pPr algn="ctr"/>
+            <a:r>
+              <a:rPr lang="en-US" sz="3600" dirty="0" err="1" smtClean="0"/>
+              <a:t>Denwer</a:t>
+            </a:r>
+            <a:endParaRPr lang="en-US" sz="3600" dirty="0" smtClean="0"/>
+          </a:p>
+          <a:p>
+            <a:pPr algn="ctr"/>
+            <a:r>
+              <a:rPr lang="en-US" sz="3600" dirty="0" smtClean="0"/>
+              <a:t>Apache</a:t>
+            </a:r>
+          </a:p>
+          <a:p>
+            <a:pPr algn="ctr"/>
+            <a:r>
+              <a:rPr lang="en-US" sz="3600" dirty="0" smtClean="0"/>
+              <a:t>PHP</a:t>
+            </a:r>
+          </a:p>
+          <a:p>
+            <a:pPr algn="ctr"/>
+            <a:r>
+              <a:rPr lang="en-US" sz="3600" dirty="0" smtClean="0"/>
+              <a:t>MySQL</a:t>
+            </a:r>
+            <a:endParaRPr lang="ru-RU" sz="3600" dirty="0"/>
+          </a:p>
+        </p:txBody>
+      </p:sp>
+      <p:pic>
+        <p:nvPicPr>
+          <p:cNvPr id="1030" name="Picture 6" descr="http://habrastorage.org/storage1/340320e8/e4e82fef/593346a1/a7220e0a.png"/>
+          <p:cNvPicPr>
+            <a:picLocks noChangeAspect="1" noChangeArrowheads="1"/>
+          </p:cNvPicPr>
+          <p:nvPr/>
+        </p:nvPicPr>
+        <p:blipFill>
+          <a:blip r:embed="rId4">
+            <a:extLst>
+              <a:ext uri="{28A0092B-C50C-407E-A947-70E740481C1C}">
+                <a14:useLocalDpi xmlns:a14="http://schemas.microsoft.com/office/drawing/2010/main" val="0"/>
+              </a:ext>
+            </a:extLst>
+          </a:blip>
+          <a:srcRect/>
+          <a:stretch>
+            <a:fillRect/>
+          </a:stretch>
+        </p:blipFill>
+        <p:spPr bwMode="auto">
+          <a:xfrm>
+            <a:off x="899592" y="3789040"/>
+            <a:ext cx="2016224" cy="2016224"/>
+          </a:xfrm>
+          <a:prstGeom prst="rect">
+            <a:avLst/>
+          </a:prstGeom>
+          <a:noFill/>
+          <a:extLst>
+            <a:ext uri="{909E8E84-426E-40DD-AFC4-6F175D3DCCD1}">
+              <a14:hiddenFill xmlns:a14="http://schemas.microsoft.com/office/drawing/2010/main">
+                <a:solidFill>
+                  <a:srgbClr val="FFFFFF"/>
+                </a:solidFill>
+              </a14:hiddenFill>
+            </a:ext>
+          </a:extLst>
+        </p:spPr>
+      </p:pic>
+      <p:sp>
+        <p:nvSpPr>
+          <p:cNvPr id="9" name="TextBox 8"/>
+          <p:cNvSpPr txBox="1"/>
+          <p:nvPr/>
+        </p:nvSpPr>
+        <p:spPr>
+          <a:xfrm>
+            <a:off x="832873" y="5804363"/>
+            <a:ext cx="2082943" cy="646331"/>
+          </a:xfrm>
+          <a:prstGeom prst="rect">
+            <a:avLst/>
+          </a:prstGeom>
+          <a:noFill/>
+        </p:spPr>
+        <p:txBody>
+          <a:bodyPr wrap="none" rtlCol="0">
+            <a:spAutoFit/>
+          </a:bodyPr>
+          <a:lstStyle/>
+          <a:p>
+            <a:pPr algn="ctr"/>
+            <a:r>
+              <a:rPr lang="en-US" sz="3600" dirty="0" err="1" smtClean="0"/>
+              <a:t>PHPStorm</a:t>
+            </a:r>
+            <a:endParaRPr lang="ru-RU" sz="3600" dirty="0"/>
+          </a:p>
+        </p:txBody>
+      </p:sp>
     </p:spTree>
     <p:extLst>
       <p:ext uri="{BB962C8B-B14F-4D97-AF65-F5344CB8AC3E}">
-        <p14:creationId xmlns:p14="http://schemas.microsoft.com/office/powerpoint/2010/main" val="2784725230"/>
+        <p14:creationId xmlns:p14="http://schemas.microsoft.com/office/powerpoint/2010/main" val="4078801544"/>
       </p:ext>
     </p:extLst>
   </p:cSld>
@@ -3529,6 +3755,133 @@
             <p:ph type="title"/>
           </p:nvPr>
         </p:nvSpPr>
+        <p:spPr>
+          <a:xfrm>
+            <a:off x="428596" y="142852"/>
+            <a:ext cx="8229600" cy="1143000"/>
+          </a:xfrm>
+        </p:spPr>
+        <p:txBody>
+          <a:bodyPr/>
+          <a:lstStyle/>
+          <a:p>
+            <a:r>
+              <a:rPr lang="ru-RU" dirty="0" smtClean="0"/>
+              <a:t>Разработка Базы Данных</a:t>
+            </a:r>
+            <a:endParaRPr lang="ru-RU" dirty="0"/>
+          </a:p>
+        </p:txBody>
+      </p:sp>
+      <p:pic>
+        <p:nvPicPr>
+          <p:cNvPr id="2050" name="Picture 2"/>
+          <p:cNvPicPr>
+            <a:picLocks noChangeAspect="1" noChangeArrowheads="1"/>
+          </p:cNvPicPr>
+          <p:nvPr/>
+        </p:nvPicPr>
+        <p:blipFill rotWithShape="1">
+          <a:blip r:embed="rId2">
+            <a:extLst>
+              <a:ext uri="{28A0092B-C50C-407E-A947-70E740481C1C}">
+                <a14:useLocalDpi xmlns:a14="http://schemas.microsoft.com/office/drawing/2010/main" val="0"/>
+              </a:ext>
+            </a:extLst>
+          </a:blip>
+          <a:srcRect l="8036" t="14286" r="52619" b="19346"/>
+          <a:stretch/>
+        </p:blipFill>
+        <p:spPr bwMode="auto">
+          <a:xfrm>
+            <a:off x="179512" y="937862"/>
+            <a:ext cx="8604447" cy="5805725"/>
+          </a:xfrm>
+          <a:prstGeom prst="rect">
+            <a:avLst/>
+          </a:prstGeom>
+          <a:noFill/>
+          <a:ln>
+            <a:noFill/>
+          </a:ln>
+          <a:effectLst/>
+          <a:extLst>
+            <a:ext uri="{909E8E84-426E-40DD-AFC4-6F175D3DCCD1}">
+              <a14:hiddenFill xmlns:a14="http://schemas.microsoft.com/office/drawing/2010/main">
+                <a:solidFill>
+                  <a:schemeClr val="accent1"/>
+                </a:solidFill>
+              </a14:hiddenFill>
+            </a:ext>
+            <a:ext uri="{91240B29-F687-4F45-9708-019B960494DF}">
+              <a14:hiddenLine xmlns:a14="http://schemas.microsoft.com/office/drawing/2010/main" w="9525">
+                <a:solidFill>
+                  <a:schemeClr val="tx1"/>
+                </a:solidFill>
+                <a:miter lim="800000"/>
+                <a:headEnd/>
+                <a:tailEnd/>
+              </a14:hiddenLine>
+            </a:ext>
+            <a:ext uri="{AF507438-7753-43E0-B8FC-AC1667EBCBE1}">
+              <a14:hiddenEffects xmlns:a14="http://schemas.microsoft.com/office/drawing/2010/main">
+                <a:effectLst>
+                  <a:outerShdw dist="35921" dir="2700000" algn="ctr" rotWithShape="0">
+                    <a:schemeClr val="bg2"/>
+                  </a:outerShdw>
+                </a:effectLst>
+              </a14:hiddenEffects>
+            </a:ext>
+          </a:extLst>
+        </p:spPr>
+      </p:pic>
+    </p:spTree>
+    <p:extLst>
+      <p:ext uri="{BB962C8B-B14F-4D97-AF65-F5344CB8AC3E}">
+        <p14:creationId xmlns:p14="http://schemas.microsoft.com/office/powerpoint/2010/main" val="2784725230"/>
+      </p:ext>
+    </p:extLst>
+  </p:cSld>
+  <p:clrMapOvr>
+    <a:masterClrMapping/>
+  </p:clrMapOvr>
+  <p:timing>
+    <p:tnLst>
+      <p:par>
+        <p:cTn id="1" dur="indefinite" restart="never" nodeType="tmRoot"/>
+      </p:par>
+    </p:tnLst>
+  </p:timing>
+</p:sld>
+</file>
+
+<file path=ppt/slides/slide12.xml><?xml version="1.0" encoding="utf-8"?>
+<p:sld xmlns:a="http://schemas.openxmlformats.org/drawingml/2006/main" xmlns:r="http://schemas.openxmlformats.org/officeDocument/2006/relationships" xmlns:p="http://schemas.openxmlformats.org/presentationml/2006/main">
+  <p:cSld>
+    <p:spTree>
+      <p:nvGrpSpPr>
+        <p:cNvPr id="1" name=""/>
+        <p:cNvGrpSpPr/>
+        <p:nvPr/>
+      </p:nvGrpSpPr>
+      <p:grpSpPr>
+        <a:xfrm>
+          <a:off x="0" y="0"/>
+          <a:ext cx="0" cy="0"/>
+          <a:chOff x="0" y="0"/>
+          <a:chExt cx="0" cy="0"/>
+        </a:xfrm>
+      </p:grpSpPr>
+      <p:sp>
+        <p:nvSpPr>
+          <p:cNvPr id="2" name="Заголовок 1"/>
+          <p:cNvSpPr>
+            <a:spLocks noGrp="1"/>
+          </p:cNvSpPr>
+          <p:nvPr>
+            <p:ph type="title"/>
+          </p:nvPr>
+        </p:nvSpPr>
         <p:spPr/>
         <p:txBody>
           <a:bodyPr/>
@@ -3730,7 +4083,7 @@
 </p:sld>
 </file>
 
-<file path=ppt/slides/slide12.xml><?xml version="1.0" encoding="utf-8"?>
+<file path=ppt/slides/slide13.xml><?xml version="1.0" encoding="utf-8"?>
 <p:sld xmlns:a="http://schemas.openxmlformats.org/drawingml/2006/main" xmlns:r="http://schemas.openxmlformats.org/officeDocument/2006/relationships" xmlns:p="http://schemas.openxmlformats.org/presentationml/2006/main">
   <p:cSld>
     <p:spTree>
@@ -4096,89 +4449,6 @@
 </p:sld>
 </file>
 
-<file path=ppt/slides/slide13.xml><?xml version="1.0" encoding="utf-8"?>
-<p:sld xmlns:a="http://schemas.openxmlformats.org/drawingml/2006/main" xmlns:r="http://schemas.openxmlformats.org/officeDocument/2006/relationships" xmlns:p="http://schemas.openxmlformats.org/presentationml/2006/main">
-  <p:cSld>
-    <p:spTree>
-      <p:nvGrpSpPr>
-        <p:cNvPr id="1" name=""/>
-        <p:cNvGrpSpPr/>
-        <p:nvPr/>
-      </p:nvGrpSpPr>
-      <p:grpSpPr>
-        <a:xfrm>
-          <a:off x="0" y="0"/>
-          <a:ext cx="0" cy="0"/>
-          <a:chOff x="0" y="0"/>
-          <a:chExt cx="0" cy="0"/>
-        </a:xfrm>
-      </p:grpSpPr>
-      <p:sp>
-        <p:nvSpPr>
-          <p:cNvPr id="2" name="Заголовок 1"/>
-          <p:cNvSpPr>
-            <a:spLocks noGrp="1"/>
-          </p:cNvSpPr>
-          <p:nvPr>
-            <p:ph type="title"/>
-          </p:nvPr>
-        </p:nvSpPr>
-        <p:spPr/>
-        <p:txBody>
-          <a:bodyPr/>
-          <a:lstStyle/>
-          <a:p>
-            <a:r>
-              <a:rPr lang="ru-RU" dirty="0" smtClean="0"/>
-              <a:t>Страница пользователя системы</a:t>
-            </a:r>
-            <a:endParaRPr lang="ru-RU" dirty="0"/>
-          </a:p>
-        </p:txBody>
-      </p:sp>
-      <p:pic>
-        <p:nvPicPr>
-          <p:cNvPr id="4" name="Рисунок 3"/>
-          <p:cNvPicPr/>
-          <p:nvPr/>
-        </p:nvPicPr>
-        <p:blipFill>
-          <a:blip r:embed="rId2"/>
-          <a:srcRect l="4169" t="6815" r="23356" b="51490"/>
-          <a:stretch>
-            <a:fillRect/>
-          </a:stretch>
-        </p:blipFill>
-        <p:spPr bwMode="auto">
-          <a:xfrm>
-            <a:off x="571472" y="1643050"/>
-            <a:ext cx="8072494" cy="4643470"/>
-          </a:xfrm>
-          <a:prstGeom prst="rect">
-            <a:avLst/>
-          </a:prstGeom>
-          <a:noFill/>
-          <a:ln w="9525">
-            <a:noFill/>
-            <a:miter lim="800000"/>
-            <a:headEnd/>
-            <a:tailEnd/>
-          </a:ln>
-        </p:spPr>
-      </p:pic>
-    </p:spTree>
-    <p:extLst>
-      <p:ext uri="{BB962C8B-B14F-4D97-AF65-F5344CB8AC3E}">
-        <p14:creationId xmlns:p14="http://schemas.microsoft.com/office/powerpoint/2010/main" val="2254573380"/>
-      </p:ext>
-    </p:extLst>
-  </p:cSld>
-  <p:clrMapOvr>
-    <a:masterClrMapping/>
-  </p:clrMapOvr>
-</p:sld>
-</file>
-
 <file path=ppt/slides/slide14.xml><?xml version="1.0" encoding="utf-8"?>
 <p:sld xmlns:a="http://schemas.openxmlformats.org/drawingml/2006/main" xmlns:r="http://schemas.openxmlformats.org/officeDocument/2006/relationships" xmlns:p="http://schemas.openxmlformats.org/presentationml/2006/main">
   <p:cSld>
@@ -4206,6 +4476,89 @@
             <p:ph type="title"/>
           </p:nvPr>
         </p:nvSpPr>
+        <p:spPr/>
+        <p:txBody>
+          <a:bodyPr/>
+          <a:lstStyle/>
+          <a:p>
+            <a:r>
+              <a:rPr lang="ru-RU" dirty="0" smtClean="0"/>
+              <a:t>Страница пользователя системы</a:t>
+            </a:r>
+            <a:endParaRPr lang="ru-RU" dirty="0"/>
+          </a:p>
+        </p:txBody>
+      </p:sp>
+      <p:pic>
+        <p:nvPicPr>
+          <p:cNvPr id="4" name="Рисунок 3"/>
+          <p:cNvPicPr/>
+          <p:nvPr/>
+        </p:nvPicPr>
+        <p:blipFill>
+          <a:blip r:embed="rId2"/>
+          <a:srcRect l="4169" t="6815" r="23356" b="51490"/>
+          <a:stretch>
+            <a:fillRect/>
+          </a:stretch>
+        </p:blipFill>
+        <p:spPr bwMode="auto">
+          <a:xfrm>
+            <a:off x="571472" y="1643050"/>
+            <a:ext cx="8072494" cy="4643470"/>
+          </a:xfrm>
+          <a:prstGeom prst="rect">
+            <a:avLst/>
+          </a:prstGeom>
+          <a:noFill/>
+          <a:ln w="9525">
+            <a:noFill/>
+            <a:miter lim="800000"/>
+            <a:headEnd/>
+            <a:tailEnd/>
+          </a:ln>
+        </p:spPr>
+      </p:pic>
+    </p:spTree>
+    <p:extLst>
+      <p:ext uri="{BB962C8B-B14F-4D97-AF65-F5344CB8AC3E}">
+        <p14:creationId xmlns:p14="http://schemas.microsoft.com/office/powerpoint/2010/main" val="2254573380"/>
+      </p:ext>
+    </p:extLst>
+  </p:cSld>
+  <p:clrMapOvr>
+    <a:masterClrMapping/>
+  </p:clrMapOvr>
+</p:sld>
+</file>
+
+<file path=ppt/slides/slide15.xml><?xml version="1.0" encoding="utf-8"?>
+<p:sld xmlns:a="http://schemas.openxmlformats.org/drawingml/2006/main" xmlns:r="http://schemas.openxmlformats.org/officeDocument/2006/relationships" xmlns:p="http://schemas.openxmlformats.org/presentationml/2006/main">
+  <p:cSld>
+    <p:spTree>
+      <p:nvGrpSpPr>
+        <p:cNvPr id="1" name=""/>
+        <p:cNvGrpSpPr/>
+        <p:nvPr/>
+      </p:nvGrpSpPr>
+      <p:grpSpPr>
+        <a:xfrm>
+          <a:off x="0" y="0"/>
+          <a:ext cx="0" cy="0"/>
+          <a:chOff x="0" y="0"/>
+          <a:chExt cx="0" cy="0"/>
+        </a:xfrm>
+      </p:grpSpPr>
+      <p:sp>
+        <p:nvSpPr>
+          <p:cNvPr id="2" name="Заголовок 1"/>
+          <p:cNvSpPr>
+            <a:spLocks noGrp="1"/>
+          </p:cNvSpPr>
+          <p:nvPr>
+            <p:ph type="title"/>
+          </p:nvPr>
+        </p:nvSpPr>
         <p:spPr>
           <a:xfrm>
             <a:off x="457200" y="274638"/>
@@ -4267,7 +4620,7 @@
 </p:sld>
 </file>
 
-<file path=ppt/slides/slide15.xml><?xml version="1.0" encoding="utf-8"?>
+<file path=ppt/slides/slide16.xml><?xml version="1.0" encoding="utf-8"?>
 <p:sld xmlns:a="http://schemas.openxmlformats.org/drawingml/2006/main" xmlns:r="http://schemas.openxmlformats.org/officeDocument/2006/relationships" xmlns:p="http://schemas.openxmlformats.org/presentationml/2006/main">
   <p:cSld>
     <p:spTree>
@@ -6127,7 +6480,15 @@
             <a:pPr algn="ctr"/>
             <a:r>
               <a:rPr lang="ru-RU" sz="2400" dirty="0" smtClean="0"/>
-              <a:t>Серверное приложение </a:t>
+              <a:t>Сервер</a:t>
+            </a:r>
+            <a:r>
+              <a:rPr lang="ru-RU" sz="2400" dirty="0" smtClean="0"/>
+              <a:t>ная часть</a:t>
+            </a:r>
+            <a:r>
+              <a:rPr lang="ru-RU" sz="2400" dirty="0" smtClean="0"/>
+              <a:t> </a:t>
             </a:r>
             <a:endParaRPr lang="ru-RU" sz="2400" dirty="0"/>
           </a:p>

--- a/Кудрявцев Иван Владиславович/Презентация к диплому.pptx
+++ b/Кудрявцев Иван Владиславович/Презентация к диплому.pptx
@@ -147,6 +147,9 @@
           </p:cNvSpPr>
           <p:nvPr>
             <p:ph type="ctrTitle"/>
+            <p:custDataLst>
+              <p:tags r:id="rId1"/>
+            </p:custDataLst>
           </p:nvPr>
         </p:nvSpPr>
         <p:spPr>
@@ -175,6 +178,9 @@
           </p:cNvSpPr>
           <p:nvPr>
             <p:ph type="subTitle" idx="1"/>
+            <p:custDataLst>
+              <p:tags r:id="rId2"/>
+            </p:custDataLst>
           </p:nvPr>
         </p:nvSpPr>
         <p:spPr>
@@ -294,6 +300,9 @@
           </p:cNvSpPr>
           <p:nvPr>
             <p:ph type="dt" sz="half" idx="10"/>
+            <p:custDataLst>
+              <p:tags r:id="rId3"/>
+            </p:custDataLst>
           </p:nvPr>
         </p:nvSpPr>
         <p:spPr/>
@@ -304,7 +313,7 @@
             <a:fld id="{ECADDB99-61F7-42CA-9B6E-B80570B429D3}" type="datetimeFigureOut">
               <a:rPr lang="ru-RU" smtClean="0"/>
               <a:pPr/>
-              <a:t>15.02.2012</a:t>
+              <a:t>16.02.2012</a:t>
             </a:fld>
             <a:endParaRPr lang="ru-RU"/>
           </a:p>
@@ -318,6 +327,9 @@
           </p:cNvSpPr>
           <p:nvPr>
             <p:ph type="ftr" sz="quarter" idx="11"/>
+            <p:custDataLst>
+              <p:tags r:id="rId4"/>
+            </p:custDataLst>
           </p:nvPr>
         </p:nvSpPr>
         <p:spPr/>
@@ -337,6 +349,9 @@
           </p:cNvSpPr>
           <p:nvPr>
             <p:ph type="sldNum" sz="quarter" idx="12"/>
+            <p:custDataLst>
+              <p:tags r:id="rId5"/>
+            </p:custDataLst>
           </p:nvPr>
         </p:nvSpPr>
         <p:spPr/>
@@ -386,6 +401,9 @@
           </p:cNvSpPr>
           <p:nvPr>
             <p:ph type="title"/>
+            <p:custDataLst>
+              <p:tags r:id="rId1"/>
+            </p:custDataLst>
           </p:nvPr>
         </p:nvSpPr>
         <p:spPr/>
@@ -409,6 +427,9 @@
           </p:cNvSpPr>
           <p:nvPr>
             <p:ph type="body" orient="vert" idx="1"/>
+            <p:custDataLst>
+              <p:tags r:id="rId2"/>
+            </p:custDataLst>
           </p:nvPr>
         </p:nvSpPr>
         <p:spPr/>
@@ -461,6 +482,9 @@
           </p:cNvSpPr>
           <p:nvPr>
             <p:ph type="dt" sz="half" idx="10"/>
+            <p:custDataLst>
+              <p:tags r:id="rId3"/>
+            </p:custDataLst>
           </p:nvPr>
         </p:nvSpPr>
         <p:spPr/>
@@ -471,7 +495,7 @@
             <a:fld id="{ECADDB99-61F7-42CA-9B6E-B80570B429D3}" type="datetimeFigureOut">
               <a:rPr lang="ru-RU" smtClean="0"/>
               <a:pPr/>
-              <a:t>15.02.2012</a:t>
+              <a:t>16.02.2012</a:t>
             </a:fld>
             <a:endParaRPr lang="ru-RU"/>
           </a:p>
@@ -485,6 +509,9 @@
           </p:cNvSpPr>
           <p:nvPr>
             <p:ph type="ftr" sz="quarter" idx="11"/>
+            <p:custDataLst>
+              <p:tags r:id="rId4"/>
+            </p:custDataLst>
           </p:nvPr>
         </p:nvSpPr>
         <p:spPr/>
@@ -504,6 +531,9 @@
           </p:cNvSpPr>
           <p:nvPr>
             <p:ph type="sldNum" sz="quarter" idx="12"/>
+            <p:custDataLst>
+              <p:tags r:id="rId5"/>
+            </p:custDataLst>
           </p:nvPr>
         </p:nvSpPr>
         <p:spPr/>
@@ -553,6 +583,9 @@
           </p:cNvSpPr>
           <p:nvPr>
             <p:ph type="title" orient="vert"/>
+            <p:custDataLst>
+              <p:tags r:id="rId1"/>
+            </p:custDataLst>
           </p:nvPr>
         </p:nvSpPr>
         <p:spPr>
@@ -581,6 +614,9 @@
           </p:cNvSpPr>
           <p:nvPr>
             <p:ph type="body" orient="vert" idx="1"/>
+            <p:custDataLst>
+              <p:tags r:id="rId2"/>
+            </p:custDataLst>
           </p:nvPr>
         </p:nvSpPr>
         <p:spPr>
@@ -638,6 +674,9 @@
           </p:cNvSpPr>
           <p:nvPr>
             <p:ph type="dt" sz="half" idx="10"/>
+            <p:custDataLst>
+              <p:tags r:id="rId3"/>
+            </p:custDataLst>
           </p:nvPr>
         </p:nvSpPr>
         <p:spPr/>
@@ -648,7 +687,7 @@
             <a:fld id="{ECADDB99-61F7-42CA-9B6E-B80570B429D3}" type="datetimeFigureOut">
               <a:rPr lang="ru-RU" smtClean="0"/>
               <a:pPr/>
-              <a:t>15.02.2012</a:t>
+              <a:t>16.02.2012</a:t>
             </a:fld>
             <a:endParaRPr lang="ru-RU"/>
           </a:p>
@@ -662,6 +701,9 @@
           </p:cNvSpPr>
           <p:nvPr>
             <p:ph type="ftr" sz="quarter" idx="11"/>
+            <p:custDataLst>
+              <p:tags r:id="rId4"/>
+            </p:custDataLst>
           </p:nvPr>
         </p:nvSpPr>
         <p:spPr/>
@@ -681,6 +723,9 @@
           </p:cNvSpPr>
           <p:nvPr>
             <p:ph type="sldNum" sz="quarter" idx="12"/>
+            <p:custDataLst>
+              <p:tags r:id="rId5"/>
+            </p:custDataLst>
           </p:nvPr>
         </p:nvSpPr>
         <p:spPr/>
@@ -730,6 +775,9 @@
           </p:cNvSpPr>
           <p:nvPr>
             <p:ph type="title"/>
+            <p:custDataLst>
+              <p:tags r:id="rId1"/>
+            </p:custDataLst>
           </p:nvPr>
         </p:nvSpPr>
         <p:spPr/>
@@ -753,6 +801,9 @@
           </p:cNvSpPr>
           <p:nvPr>
             <p:ph idx="1"/>
+            <p:custDataLst>
+              <p:tags r:id="rId2"/>
+            </p:custDataLst>
           </p:nvPr>
         </p:nvSpPr>
         <p:spPr/>
@@ -805,6 +856,9 @@
           </p:cNvSpPr>
           <p:nvPr>
             <p:ph type="dt" sz="half" idx="10"/>
+            <p:custDataLst>
+              <p:tags r:id="rId3"/>
+            </p:custDataLst>
           </p:nvPr>
         </p:nvSpPr>
         <p:spPr/>
@@ -815,7 +869,7 @@
             <a:fld id="{ECADDB99-61F7-42CA-9B6E-B80570B429D3}" type="datetimeFigureOut">
               <a:rPr lang="ru-RU" smtClean="0"/>
               <a:pPr/>
-              <a:t>15.02.2012</a:t>
+              <a:t>16.02.2012</a:t>
             </a:fld>
             <a:endParaRPr lang="ru-RU"/>
           </a:p>
@@ -829,6 +883,9 @@
           </p:cNvSpPr>
           <p:nvPr>
             <p:ph type="ftr" sz="quarter" idx="11"/>
+            <p:custDataLst>
+              <p:tags r:id="rId4"/>
+            </p:custDataLst>
           </p:nvPr>
         </p:nvSpPr>
         <p:spPr/>
@@ -848,6 +905,9 @@
           </p:cNvSpPr>
           <p:nvPr>
             <p:ph type="sldNum" sz="quarter" idx="12"/>
+            <p:custDataLst>
+              <p:tags r:id="rId5"/>
+            </p:custDataLst>
           </p:nvPr>
         </p:nvSpPr>
         <p:spPr/>
@@ -897,6 +957,9 @@
           </p:cNvSpPr>
           <p:nvPr>
             <p:ph type="title"/>
+            <p:custDataLst>
+              <p:tags r:id="rId1"/>
+            </p:custDataLst>
           </p:nvPr>
         </p:nvSpPr>
         <p:spPr>
@@ -929,6 +992,9 @@
           </p:cNvSpPr>
           <p:nvPr>
             <p:ph type="body" idx="1"/>
+            <p:custDataLst>
+              <p:tags r:id="rId2"/>
+            </p:custDataLst>
           </p:nvPr>
         </p:nvSpPr>
         <p:spPr>
@@ -1048,6 +1114,9 @@
           </p:cNvSpPr>
           <p:nvPr>
             <p:ph type="dt" sz="half" idx="10"/>
+            <p:custDataLst>
+              <p:tags r:id="rId3"/>
+            </p:custDataLst>
           </p:nvPr>
         </p:nvSpPr>
         <p:spPr/>
@@ -1058,7 +1127,7 @@
             <a:fld id="{ECADDB99-61F7-42CA-9B6E-B80570B429D3}" type="datetimeFigureOut">
               <a:rPr lang="ru-RU" smtClean="0"/>
               <a:pPr/>
-              <a:t>15.02.2012</a:t>
+              <a:t>16.02.2012</a:t>
             </a:fld>
             <a:endParaRPr lang="ru-RU"/>
           </a:p>
@@ -1072,6 +1141,9 @@
           </p:cNvSpPr>
           <p:nvPr>
             <p:ph type="ftr" sz="quarter" idx="11"/>
+            <p:custDataLst>
+              <p:tags r:id="rId4"/>
+            </p:custDataLst>
           </p:nvPr>
         </p:nvSpPr>
         <p:spPr/>
@@ -1091,6 +1163,9 @@
           </p:cNvSpPr>
           <p:nvPr>
             <p:ph type="sldNum" sz="quarter" idx="12"/>
+            <p:custDataLst>
+              <p:tags r:id="rId5"/>
+            </p:custDataLst>
           </p:nvPr>
         </p:nvSpPr>
         <p:spPr/>
@@ -1140,6 +1215,9 @@
           </p:cNvSpPr>
           <p:nvPr>
             <p:ph type="title"/>
+            <p:custDataLst>
+              <p:tags r:id="rId1"/>
+            </p:custDataLst>
           </p:nvPr>
         </p:nvSpPr>
         <p:spPr/>
@@ -1163,6 +1241,9 @@
           </p:cNvSpPr>
           <p:nvPr>
             <p:ph sz="half" idx="1"/>
+            <p:custDataLst>
+              <p:tags r:id="rId2"/>
+            </p:custDataLst>
           </p:nvPr>
         </p:nvSpPr>
         <p:spPr>
@@ -1248,6 +1329,9 @@
           </p:cNvSpPr>
           <p:nvPr>
             <p:ph sz="half" idx="2"/>
+            <p:custDataLst>
+              <p:tags r:id="rId3"/>
+            </p:custDataLst>
           </p:nvPr>
         </p:nvSpPr>
         <p:spPr>
@@ -1333,6 +1417,9 @@
           </p:cNvSpPr>
           <p:nvPr>
             <p:ph type="dt" sz="half" idx="10"/>
+            <p:custDataLst>
+              <p:tags r:id="rId4"/>
+            </p:custDataLst>
           </p:nvPr>
         </p:nvSpPr>
         <p:spPr/>
@@ -1343,7 +1430,7 @@
             <a:fld id="{ECADDB99-61F7-42CA-9B6E-B80570B429D3}" type="datetimeFigureOut">
               <a:rPr lang="ru-RU" smtClean="0"/>
               <a:pPr/>
-              <a:t>15.02.2012</a:t>
+              <a:t>16.02.2012</a:t>
             </a:fld>
             <a:endParaRPr lang="ru-RU"/>
           </a:p>
@@ -1357,6 +1444,9 @@
           </p:cNvSpPr>
           <p:nvPr>
             <p:ph type="ftr" sz="quarter" idx="11"/>
+            <p:custDataLst>
+              <p:tags r:id="rId5"/>
+            </p:custDataLst>
           </p:nvPr>
         </p:nvSpPr>
         <p:spPr/>
@@ -1376,6 +1466,9 @@
           </p:cNvSpPr>
           <p:nvPr>
             <p:ph type="sldNum" sz="quarter" idx="12"/>
+            <p:custDataLst>
+              <p:tags r:id="rId6"/>
+            </p:custDataLst>
           </p:nvPr>
         </p:nvSpPr>
         <p:spPr/>
@@ -1425,6 +1518,9 @@
           </p:cNvSpPr>
           <p:nvPr>
             <p:ph type="title"/>
+            <p:custDataLst>
+              <p:tags r:id="rId1"/>
+            </p:custDataLst>
           </p:nvPr>
         </p:nvSpPr>
         <p:spPr/>
@@ -1452,6 +1548,9 @@
           </p:cNvSpPr>
           <p:nvPr>
             <p:ph type="body" idx="1"/>
+            <p:custDataLst>
+              <p:tags r:id="rId2"/>
+            </p:custDataLst>
           </p:nvPr>
         </p:nvSpPr>
         <p:spPr>
@@ -1517,6 +1616,9 @@
           </p:cNvSpPr>
           <p:nvPr>
             <p:ph sz="half" idx="2"/>
+            <p:custDataLst>
+              <p:tags r:id="rId3"/>
+            </p:custDataLst>
           </p:nvPr>
         </p:nvSpPr>
         <p:spPr>
@@ -1602,6 +1704,9 @@
           </p:cNvSpPr>
           <p:nvPr>
             <p:ph type="body" sz="quarter" idx="3"/>
+            <p:custDataLst>
+              <p:tags r:id="rId4"/>
+            </p:custDataLst>
           </p:nvPr>
         </p:nvSpPr>
         <p:spPr>
@@ -1667,6 +1772,9 @@
           </p:cNvSpPr>
           <p:nvPr>
             <p:ph sz="quarter" idx="4"/>
+            <p:custDataLst>
+              <p:tags r:id="rId5"/>
+            </p:custDataLst>
           </p:nvPr>
         </p:nvSpPr>
         <p:spPr>
@@ -1752,6 +1860,9 @@
           </p:cNvSpPr>
           <p:nvPr>
             <p:ph type="dt" sz="half" idx="10"/>
+            <p:custDataLst>
+              <p:tags r:id="rId6"/>
+            </p:custDataLst>
           </p:nvPr>
         </p:nvSpPr>
         <p:spPr/>
@@ -1762,7 +1873,7 @@
             <a:fld id="{ECADDB99-61F7-42CA-9B6E-B80570B429D3}" type="datetimeFigureOut">
               <a:rPr lang="ru-RU" smtClean="0"/>
               <a:pPr/>
-              <a:t>15.02.2012</a:t>
+              <a:t>16.02.2012</a:t>
             </a:fld>
             <a:endParaRPr lang="ru-RU"/>
           </a:p>
@@ -1776,6 +1887,9 @@
           </p:cNvSpPr>
           <p:nvPr>
             <p:ph type="ftr" sz="quarter" idx="11"/>
+            <p:custDataLst>
+              <p:tags r:id="rId7"/>
+            </p:custDataLst>
           </p:nvPr>
         </p:nvSpPr>
         <p:spPr/>
@@ -1795,6 +1909,9 @@
           </p:cNvSpPr>
           <p:nvPr>
             <p:ph type="sldNum" sz="quarter" idx="12"/>
+            <p:custDataLst>
+              <p:tags r:id="rId8"/>
+            </p:custDataLst>
           </p:nvPr>
         </p:nvSpPr>
         <p:spPr/>
@@ -1844,6 +1961,9 @@
           </p:cNvSpPr>
           <p:nvPr>
             <p:ph type="title"/>
+            <p:custDataLst>
+              <p:tags r:id="rId1"/>
+            </p:custDataLst>
           </p:nvPr>
         </p:nvSpPr>
         <p:spPr/>
@@ -1867,6 +1987,9 @@
           </p:cNvSpPr>
           <p:nvPr>
             <p:ph type="dt" sz="half" idx="10"/>
+            <p:custDataLst>
+              <p:tags r:id="rId2"/>
+            </p:custDataLst>
           </p:nvPr>
         </p:nvSpPr>
         <p:spPr/>
@@ -1877,7 +2000,7 @@
             <a:fld id="{ECADDB99-61F7-42CA-9B6E-B80570B429D3}" type="datetimeFigureOut">
               <a:rPr lang="ru-RU" smtClean="0"/>
               <a:pPr/>
-              <a:t>15.02.2012</a:t>
+              <a:t>16.02.2012</a:t>
             </a:fld>
             <a:endParaRPr lang="ru-RU"/>
           </a:p>
@@ -1891,6 +2014,9 @@
           </p:cNvSpPr>
           <p:nvPr>
             <p:ph type="ftr" sz="quarter" idx="11"/>
+            <p:custDataLst>
+              <p:tags r:id="rId3"/>
+            </p:custDataLst>
           </p:nvPr>
         </p:nvSpPr>
         <p:spPr/>
@@ -1910,6 +2036,9 @@
           </p:cNvSpPr>
           <p:nvPr>
             <p:ph type="sldNum" sz="quarter" idx="12"/>
+            <p:custDataLst>
+              <p:tags r:id="rId4"/>
+            </p:custDataLst>
           </p:nvPr>
         </p:nvSpPr>
         <p:spPr/>
@@ -1959,6 +2088,9 @@
           </p:cNvSpPr>
           <p:nvPr>
             <p:ph type="dt" sz="half" idx="10"/>
+            <p:custDataLst>
+              <p:tags r:id="rId1"/>
+            </p:custDataLst>
           </p:nvPr>
         </p:nvSpPr>
         <p:spPr/>
@@ -1969,7 +2101,7 @@
             <a:fld id="{ECADDB99-61F7-42CA-9B6E-B80570B429D3}" type="datetimeFigureOut">
               <a:rPr lang="ru-RU" smtClean="0"/>
               <a:pPr/>
-              <a:t>15.02.2012</a:t>
+              <a:t>16.02.2012</a:t>
             </a:fld>
             <a:endParaRPr lang="ru-RU"/>
           </a:p>
@@ -1983,6 +2115,9 @@
           </p:cNvSpPr>
           <p:nvPr>
             <p:ph type="ftr" sz="quarter" idx="11"/>
+            <p:custDataLst>
+              <p:tags r:id="rId2"/>
+            </p:custDataLst>
           </p:nvPr>
         </p:nvSpPr>
         <p:spPr/>
@@ -2002,6 +2137,9 @@
           </p:cNvSpPr>
           <p:nvPr>
             <p:ph type="sldNum" sz="quarter" idx="12"/>
+            <p:custDataLst>
+              <p:tags r:id="rId3"/>
+            </p:custDataLst>
           </p:nvPr>
         </p:nvSpPr>
         <p:spPr/>
@@ -2051,6 +2189,9 @@
           </p:cNvSpPr>
           <p:nvPr>
             <p:ph type="title"/>
+            <p:custDataLst>
+              <p:tags r:id="rId1"/>
+            </p:custDataLst>
           </p:nvPr>
         </p:nvSpPr>
         <p:spPr>
@@ -2083,6 +2224,9 @@
           </p:cNvSpPr>
           <p:nvPr>
             <p:ph idx="1"/>
+            <p:custDataLst>
+              <p:tags r:id="rId2"/>
+            </p:custDataLst>
           </p:nvPr>
         </p:nvSpPr>
         <p:spPr>
@@ -2168,6 +2312,9 @@
           </p:cNvSpPr>
           <p:nvPr>
             <p:ph type="body" sz="half" idx="2"/>
+            <p:custDataLst>
+              <p:tags r:id="rId3"/>
+            </p:custDataLst>
           </p:nvPr>
         </p:nvSpPr>
         <p:spPr>
@@ -2233,6 +2380,9 @@
           </p:cNvSpPr>
           <p:nvPr>
             <p:ph type="dt" sz="half" idx="10"/>
+            <p:custDataLst>
+              <p:tags r:id="rId4"/>
+            </p:custDataLst>
           </p:nvPr>
         </p:nvSpPr>
         <p:spPr/>
@@ -2243,7 +2393,7 @@
             <a:fld id="{ECADDB99-61F7-42CA-9B6E-B80570B429D3}" type="datetimeFigureOut">
               <a:rPr lang="ru-RU" smtClean="0"/>
               <a:pPr/>
-              <a:t>15.02.2012</a:t>
+              <a:t>16.02.2012</a:t>
             </a:fld>
             <a:endParaRPr lang="ru-RU"/>
           </a:p>
@@ -2257,6 +2407,9 @@
           </p:cNvSpPr>
           <p:nvPr>
             <p:ph type="ftr" sz="quarter" idx="11"/>
+            <p:custDataLst>
+              <p:tags r:id="rId5"/>
+            </p:custDataLst>
           </p:nvPr>
         </p:nvSpPr>
         <p:spPr/>
@@ -2276,6 +2429,9 @@
           </p:cNvSpPr>
           <p:nvPr>
             <p:ph type="sldNum" sz="quarter" idx="12"/>
+            <p:custDataLst>
+              <p:tags r:id="rId6"/>
+            </p:custDataLst>
           </p:nvPr>
         </p:nvSpPr>
         <p:spPr/>
@@ -2325,6 +2481,9 @@
           </p:cNvSpPr>
           <p:nvPr>
             <p:ph type="title"/>
+            <p:custDataLst>
+              <p:tags r:id="rId1"/>
+            </p:custDataLst>
           </p:nvPr>
         </p:nvSpPr>
         <p:spPr>
@@ -2357,6 +2516,9 @@
           </p:cNvSpPr>
           <p:nvPr>
             <p:ph type="pic" idx="1"/>
+            <p:custDataLst>
+              <p:tags r:id="rId2"/>
+            </p:custDataLst>
           </p:nvPr>
         </p:nvSpPr>
         <p:spPr>
@@ -2418,6 +2580,9 @@
           </p:cNvSpPr>
           <p:nvPr>
             <p:ph type="body" sz="half" idx="2"/>
+            <p:custDataLst>
+              <p:tags r:id="rId3"/>
+            </p:custDataLst>
           </p:nvPr>
         </p:nvSpPr>
         <p:spPr>
@@ -2483,6 +2648,9 @@
           </p:cNvSpPr>
           <p:nvPr>
             <p:ph type="dt" sz="half" idx="10"/>
+            <p:custDataLst>
+              <p:tags r:id="rId4"/>
+            </p:custDataLst>
           </p:nvPr>
         </p:nvSpPr>
         <p:spPr/>
@@ -2493,7 +2661,7 @@
             <a:fld id="{ECADDB99-61F7-42CA-9B6E-B80570B429D3}" type="datetimeFigureOut">
               <a:rPr lang="ru-RU" smtClean="0"/>
               <a:pPr/>
-              <a:t>15.02.2012</a:t>
+              <a:t>16.02.2012</a:t>
             </a:fld>
             <a:endParaRPr lang="ru-RU"/>
           </a:p>
@@ -2507,6 +2675,9 @@
           </p:cNvSpPr>
           <p:nvPr>
             <p:ph type="ftr" sz="quarter" idx="11"/>
+            <p:custDataLst>
+              <p:tags r:id="rId5"/>
+            </p:custDataLst>
           </p:nvPr>
         </p:nvSpPr>
         <p:spPr/>
@@ -2526,6 +2697,9 @@
           </p:cNvSpPr>
           <p:nvPr>
             <p:ph type="sldNum" sz="quarter" idx="12"/>
+            <p:custDataLst>
+              <p:tags r:id="rId6"/>
+            </p:custDataLst>
           </p:nvPr>
         </p:nvSpPr>
         <p:spPr/>
@@ -2580,6 +2754,9 @@
           </p:cNvSpPr>
           <p:nvPr>
             <p:ph type="title"/>
+            <p:custDataLst>
+              <p:tags r:id="rId13"/>
+            </p:custDataLst>
           </p:nvPr>
         </p:nvSpPr>
         <p:spPr>
@@ -2613,6 +2790,9 @@
           </p:cNvSpPr>
           <p:nvPr>
             <p:ph type="body" idx="1"/>
+            <p:custDataLst>
+              <p:tags r:id="rId14"/>
+            </p:custDataLst>
           </p:nvPr>
         </p:nvSpPr>
         <p:spPr>
@@ -2675,6 +2855,9 @@
           </p:cNvSpPr>
           <p:nvPr>
             <p:ph type="dt" sz="half" idx="2"/>
+            <p:custDataLst>
+              <p:tags r:id="rId15"/>
+            </p:custDataLst>
           </p:nvPr>
         </p:nvSpPr>
         <p:spPr>
@@ -2703,7 +2886,7 @@
             <a:fld id="{ECADDB99-61F7-42CA-9B6E-B80570B429D3}" type="datetimeFigureOut">
               <a:rPr lang="ru-RU" smtClean="0"/>
               <a:pPr/>
-              <a:t>15.02.2012</a:t>
+              <a:t>16.02.2012</a:t>
             </a:fld>
             <a:endParaRPr lang="ru-RU"/>
           </a:p>
@@ -2717,6 +2900,9 @@
           </p:cNvSpPr>
           <p:nvPr>
             <p:ph type="ftr" sz="quarter" idx="3"/>
+            <p:custDataLst>
+              <p:tags r:id="rId16"/>
+            </p:custDataLst>
           </p:nvPr>
         </p:nvSpPr>
         <p:spPr>
@@ -2754,6 +2940,9 @@
           </p:cNvSpPr>
           <p:nvPr>
             <p:ph type="sldNum" sz="quarter" idx="4"/>
+            <p:custDataLst>
+              <p:tags r:id="rId17"/>
+            </p:custDataLst>
           </p:nvPr>
         </p:nvSpPr>
         <p:spPr>
@@ -3080,7 +3269,11 @@
           <p:cNvSpPr txBox="1">
             <a:spLocks/>
           </p:cNvSpPr>
-          <p:nvPr/>
+          <p:nvPr>
+            <p:custDataLst>
+              <p:tags r:id="rId2"/>
+            </p:custDataLst>
+          </p:nvPr>
         </p:nvSpPr>
         <p:spPr>
           <a:xfrm>
@@ -3181,7 +3374,11 @@
           <p:cNvSpPr txBox="1">
             <a:spLocks/>
           </p:cNvSpPr>
-          <p:nvPr/>
+          <p:nvPr>
+            <p:custDataLst>
+              <p:tags r:id="rId3"/>
+            </p:custDataLst>
+          </p:nvPr>
         </p:nvSpPr>
         <p:spPr>
           <a:xfrm>
@@ -3270,7 +3467,11 @@
         <p:nvSpPr>
           <p:cNvPr id="6" name="TextBox 5"/>
           <p:cNvSpPr txBox="1"/>
-          <p:nvPr/>
+          <p:nvPr>
+            <p:custDataLst>
+              <p:tags r:id="rId4"/>
+            </p:custDataLst>
+          </p:nvPr>
         </p:nvSpPr>
         <p:spPr>
           <a:xfrm>
@@ -3304,7 +3505,11 @@
         <p:nvSpPr>
           <p:cNvPr id="7" name="TextBox 6"/>
           <p:cNvSpPr txBox="1"/>
-          <p:nvPr/>
+          <p:nvPr>
+            <p:custDataLst>
+              <p:tags r:id="rId5"/>
+            </p:custDataLst>
+          </p:nvPr>
         </p:nvSpPr>
         <p:spPr>
           <a:xfrm>
@@ -3360,7 +3565,11 @@
         <p:nvSpPr>
           <p:cNvPr id="8" name="TextBox 7"/>
           <p:cNvSpPr txBox="1"/>
-          <p:nvPr/>
+          <p:nvPr>
+            <p:custDataLst>
+              <p:tags r:id="rId6"/>
+            </p:custDataLst>
+          </p:nvPr>
         </p:nvSpPr>
         <p:spPr>
           <a:xfrm>
@@ -3394,6 +3603,9 @@
         </p:txBody>
       </p:sp>
     </p:spTree>
+    <p:custDataLst>
+      <p:tags r:id="rId1"/>
+    </p:custDataLst>
   </p:cSld>
   <p:clrMapOvr>
     <a:masterClrMapping/>
@@ -3433,6 +3645,9 @@
           </p:cNvSpPr>
           <p:nvPr>
             <p:ph type="title"/>
+            <p:custDataLst>
+              <p:tags r:id="rId2"/>
+            </p:custDataLst>
           </p:nvPr>
         </p:nvSpPr>
         <p:spPr/>
@@ -3456,10 +3671,14 @@
           <p:cNvPicPr>
             <a:picLocks noChangeAspect="1" noChangeArrowheads="1"/>
           </p:cNvPicPr>
-          <p:nvPr/>
+          <p:nvPr>
+            <p:custDataLst>
+              <p:tags r:id="rId3"/>
+            </p:custDataLst>
+          </p:nvPr>
         </p:nvPicPr>
         <p:blipFill>
-          <a:blip r:embed="rId2">
+          <a:blip r:embed="rId10">
             <a:extLst>
               <a:ext uri="{28A0092B-C50C-407E-A947-70E740481C1C}">
                 <a14:useLocalDpi xmlns:a14="http://schemas.microsoft.com/office/drawing/2010/main" val="0"/>
@@ -3495,7 +3714,11 @@
         <p:nvSpPr>
           <p:cNvPr id="4" name="TextBox 3"/>
           <p:cNvSpPr txBox="1"/>
-          <p:nvPr/>
+          <p:nvPr>
+            <p:custDataLst>
+              <p:tags r:id="rId4"/>
+            </p:custDataLst>
+          </p:nvPr>
         </p:nvSpPr>
         <p:spPr>
           <a:xfrm>
@@ -3548,10 +3771,14 @@
           <p:cNvPicPr>
             <a:picLocks noChangeAspect="1" noChangeArrowheads="1"/>
           </p:cNvPicPr>
-          <p:nvPr/>
+          <p:nvPr>
+            <p:custDataLst>
+              <p:tags r:id="rId5"/>
+            </p:custDataLst>
+          </p:nvPr>
         </p:nvPicPr>
         <p:blipFill>
-          <a:blip r:embed="rId3">
+          <a:blip r:embed="rId11">
             <a:extLst>
               <a:ext uri="{28A0092B-C50C-407E-A947-70E740481C1C}">
                 <a14:useLocalDpi xmlns:a14="http://schemas.microsoft.com/office/drawing/2010/main" val="0"/>
@@ -3587,7 +3814,11 @@
         <p:nvSpPr>
           <p:cNvPr id="7" name="TextBox 6"/>
           <p:cNvSpPr txBox="1"/>
-          <p:nvPr/>
+          <p:nvPr>
+            <p:custDataLst>
+              <p:tags r:id="rId6"/>
+            </p:custDataLst>
+          </p:nvPr>
         </p:nvSpPr>
         <p:spPr>
           <a:xfrm>
@@ -3642,10 +3873,14 @@
           <p:cNvPicPr>
             <a:picLocks noChangeAspect="1" noChangeArrowheads="1"/>
           </p:cNvPicPr>
-          <p:nvPr/>
+          <p:nvPr>
+            <p:custDataLst>
+              <p:tags r:id="rId7"/>
+            </p:custDataLst>
+          </p:nvPr>
         </p:nvPicPr>
         <p:blipFill>
-          <a:blip r:embed="rId4">
+          <a:blip r:embed="rId12">
             <a:extLst>
               <a:ext uri="{28A0092B-C50C-407E-A947-70E740481C1C}">
                 <a14:useLocalDpi xmlns:a14="http://schemas.microsoft.com/office/drawing/2010/main" val="0"/>
@@ -3681,7 +3916,11 @@
         <p:nvSpPr>
           <p:cNvPr id="9" name="TextBox 8"/>
           <p:cNvSpPr txBox="1"/>
-          <p:nvPr/>
+          <p:nvPr>
+            <p:custDataLst>
+              <p:tags r:id="rId8"/>
+            </p:custDataLst>
+          </p:nvPr>
         </p:nvSpPr>
         <p:spPr>
           <a:xfrm>
@@ -3709,6 +3948,9 @@
         </p:txBody>
       </p:sp>
     </p:spTree>
+    <p:custDataLst>
+      <p:tags r:id="rId1"/>
+    </p:custDataLst>
     <p:extLst>
       <p:ext uri="{BB962C8B-B14F-4D97-AF65-F5344CB8AC3E}">
         <p14:creationId xmlns:p14="http://schemas.microsoft.com/office/powerpoint/2010/main" val="4078801544"/>
@@ -3753,6 +3995,9 @@
           </p:cNvSpPr>
           <p:nvPr>
             <p:ph type="title"/>
+            <p:custDataLst>
+              <p:tags r:id="rId2"/>
+            </p:custDataLst>
           </p:nvPr>
         </p:nvSpPr>
         <p:spPr>
@@ -3779,10 +4024,14 @@
           <p:cNvPicPr>
             <a:picLocks noChangeAspect="1" noChangeArrowheads="1"/>
           </p:cNvPicPr>
-          <p:nvPr/>
+          <p:nvPr>
+            <p:custDataLst>
+              <p:tags r:id="rId3"/>
+            </p:custDataLst>
+          </p:nvPr>
         </p:nvPicPr>
         <p:blipFill rotWithShape="1">
-          <a:blip r:embed="rId2">
+          <a:blip r:embed="rId5">
             <a:extLst>
               <a:ext uri="{28A0092B-C50C-407E-A947-70E740481C1C}">
                 <a14:useLocalDpi xmlns:a14="http://schemas.microsoft.com/office/drawing/2010/main" val="0"/>
@@ -3836,6 +4085,9 @@
         </p:spPr>
       </p:pic>
     </p:spTree>
+    <p:custDataLst>
+      <p:tags r:id="rId1"/>
+    </p:custDataLst>
     <p:extLst>
       <p:ext uri="{BB962C8B-B14F-4D97-AF65-F5344CB8AC3E}">
         <p14:creationId xmlns:p14="http://schemas.microsoft.com/office/powerpoint/2010/main" val="2784725230"/>
@@ -3880,6 +4132,9 @@
           </p:cNvSpPr>
           <p:nvPr>
             <p:ph type="title"/>
+            <p:custDataLst>
+              <p:tags r:id="rId2"/>
+            </p:custDataLst>
           </p:nvPr>
         </p:nvSpPr>
         <p:spPr/>
@@ -3911,6 +4166,9 @@
           </p:cNvSpPr>
           <p:nvPr>
             <p:ph idx="1"/>
+            <p:custDataLst>
+              <p:tags r:id="rId3"/>
+            </p:custDataLst>
           </p:nvPr>
         </p:nvSpPr>
         <p:spPr>
@@ -4071,6 +4329,9 @@
         </p:txBody>
       </p:sp>
     </p:spTree>
+    <p:custDataLst>
+      <p:tags r:id="rId1"/>
+    </p:custDataLst>
     <p:extLst>
       <p:ext uri="{BB962C8B-B14F-4D97-AF65-F5344CB8AC3E}">
         <p14:creationId xmlns:p14="http://schemas.microsoft.com/office/powerpoint/2010/main" val="3323674151"/>
@@ -4108,6 +4369,9 @@
           </p:cNvSpPr>
           <p:nvPr>
             <p:ph type="title"/>
+            <p:custDataLst>
+              <p:tags r:id="rId2"/>
+            </p:custDataLst>
           </p:nvPr>
         </p:nvSpPr>
         <p:spPr>
@@ -4134,10 +4398,14 @@
           <p:cNvPicPr>
             <a:picLocks noChangeAspect="1" noChangeArrowheads="1"/>
           </p:cNvPicPr>
-          <p:nvPr/>
+          <p:nvPr>
+            <p:custDataLst>
+              <p:tags r:id="rId3"/>
+            </p:custDataLst>
+          </p:nvPr>
         </p:nvPicPr>
         <p:blipFill>
-          <a:blip r:embed="rId2"/>
+          <a:blip r:embed="rId13"/>
           <a:srcRect l="2929" t="10986" r="25000" b="35547"/>
           <a:stretch>
             <a:fillRect/>
@@ -4165,7 +4433,11 @@
         <p:nvCxnSpPr>
           <p:cNvPr id="6" name="Прямая со стрелкой 5"/>
           <p:cNvCxnSpPr/>
-          <p:nvPr/>
+          <p:nvPr>
+            <p:custDataLst>
+              <p:tags r:id="rId4"/>
+            </p:custDataLst>
+          </p:nvPr>
         </p:nvCxnSpPr>
         <p:spPr>
           <a:xfrm rot="5400000" flipH="1" flipV="1">
@@ -4201,7 +4473,11 @@
         <p:nvSpPr>
           <p:cNvPr id="7" name="TextBox 6"/>
           <p:cNvSpPr txBox="1"/>
-          <p:nvPr/>
+          <p:nvPr>
+            <p:custDataLst>
+              <p:tags r:id="rId5"/>
+            </p:custDataLst>
+          </p:nvPr>
         </p:nvSpPr>
         <p:spPr>
           <a:xfrm>
@@ -4231,7 +4507,11 @@
         <p:nvSpPr>
           <p:cNvPr id="8" name="TextBox 7"/>
           <p:cNvSpPr txBox="1"/>
-          <p:nvPr/>
+          <p:nvPr>
+            <p:custDataLst>
+              <p:tags r:id="rId6"/>
+            </p:custDataLst>
+          </p:nvPr>
         </p:nvSpPr>
         <p:spPr>
           <a:xfrm>
@@ -4263,7 +4543,11 @@
           <p:cNvCxnSpPr>
             <a:stCxn id="8" idx="2"/>
           </p:cNvCxnSpPr>
-          <p:nvPr/>
+          <p:nvPr>
+            <p:custDataLst>
+              <p:tags r:id="rId7"/>
+            </p:custDataLst>
+          </p:nvPr>
         </p:nvCxnSpPr>
         <p:spPr>
           <a:xfrm rot="5400000">
@@ -4299,7 +4583,11 @@
         <p:nvSpPr>
           <p:cNvPr id="13" name="TextBox 12"/>
           <p:cNvSpPr txBox="1"/>
-          <p:nvPr/>
+          <p:nvPr>
+            <p:custDataLst>
+              <p:tags r:id="rId8"/>
+            </p:custDataLst>
+          </p:nvPr>
         </p:nvSpPr>
         <p:spPr>
           <a:xfrm>
@@ -4329,7 +4617,11 @@
         <p:nvCxnSpPr>
           <p:cNvPr id="14" name="Прямая со стрелкой 13"/>
           <p:cNvCxnSpPr/>
-          <p:nvPr/>
+          <p:nvPr>
+            <p:custDataLst>
+              <p:tags r:id="rId9"/>
+            </p:custDataLst>
+          </p:nvPr>
         </p:nvCxnSpPr>
         <p:spPr>
           <a:xfrm rot="16200000" flipV="1">
@@ -4365,7 +4657,11 @@
         <p:nvSpPr>
           <p:cNvPr id="17" name="TextBox 16"/>
           <p:cNvSpPr txBox="1"/>
-          <p:nvPr/>
+          <p:nvPr>
+            <p:custDataLst>
+              <p:tags r:id="rId10"/>
+            </p:custDataLst>
+          </p:nvPr>
         </p:nvSpPr>
         <p:spPr>
           <a:xfrm>
@@ -4397,7 +4693,11 @@
           <p:cNvCxnSpPr>
             <a:stCxn id="17" idx="2"/>
           </p:cNvCxnSpPr>
-          <p:nvPr/>
+          <p:nvPr>
+            <p:custDataLst>
+              <p:tags r:id="rId11"/>
+            </p:custDataLst>
+          </p:nvPr>
         </p:nvCxnSpPr>
         <p:spPr>
           <a:xfrm rot="16200000" flipH="1">
@@ -4430,6 +4730,9 @@
         </p:style>
       </p:cxnSp>
     </p:spTree>
+    <p:custDataLst>
+      <p:tags r:id="rId1"/>
+    </p:custDataLst>
     <p:extLst>
       <p:ext uri="{BB962C8B-B14F-4D97-AF65-F5344CB8AC3E}">
         <p14:creationId xmlns:p14="http://schemas.microsoft.com/office/powerpoint/2010/main" val="589264530"/>
@@ -4474,6 +4777,9 @@
           </p:cNvSpPr>
           <p:nvPr>
             <p:ph type="title"/>
+            <p:custDataLst>
+              <p:tags r:id="rId2"/>
+            </p:custDataLst>
           </p:nvPr>
         </p:nvSpPr>
         <p:spPr/>
@@ -4493,10 +4799,14 @@
         <p:nvPicPr>
           <p:cNvPr id="4" name="Рисунок 3"/>
           <p:cNvPicPr/>
-          <p:nvPr/>
+          <p:nvPr>
+            <p:custDataLst>
+              <p:tags r:id="rId3"/>
+            </p:custDataLst>
+          </p:nvPr>
         </p:nvPicPr>
         <p:blipFill>
-          <a:blip r:embed="rId2"/>
+          <a:blip r:embed="rId5"/>
           <a:srcRect l="4169" t="6815" r="23356" b="51490"/>
           <a:stretch>
             <a:fillRect/>
@@ -4520,6 +4830,9 @@
         </p:spPr>
       </p:pic>
     </p:spTree>
+    <p:custDataLst>
+      <p:tags r:id="rId1"/>
+    </p:custDataLst>
     <p:extLst>
       <p:ext uri="{BB962C8B-B14F-4D97-AF65-F5344CB8AC3E}">
         <p14:creationId xmlns:p14="http://schemas.microsoft.com/office/powerpoint/2010/main" val="2254573380"/>
@@ -4557,6 +4870,9 @@
           </p:cNvSpPr>
           <p:nvPr>
             <p:ph type="title"/>
+            <p:custDataLst>
+              <p:tags r:id="rId2"/>
+            </p:custDataLst>
           </p:nvPr>
         </p:nvSpPr>
         <p:spPr>
@@ -4581,10 +4897,14 @@
         <p:nvPicPr>
           <p:cNvPr id="4" name="Рисунок 3"/>
           <p:cNvPicPr/>
-          <p:nvPr/>
+          <p:nvPr>
+            <p:custDataLst>
+              <p:tags r:id="rId3"/>
+            </p:custDataLst>
+          </p:nvPr>
         </p:nvPicPr>
         <p:blipFill>
-          <a:blip r:embed="rId2"/>
+          <a:blip r:embed="rId5"/>
           <a:srcRect l="2875" t="6704" r="23332" b="40743"/>
           <a:stretch>
             <a:fillRect/>
@@ -4608,6 +4928,9 @@
         </p:spPr>
       </p:pic>
     </p:spTree>
+    <p:custDataLst>
+      <p:tags r:id="rId1"/>
+    </p:custDataLst>
     <p:extLst>
       <p:ext uri="{BB962C8B-B14F-4D97-AF65-F5344CB8AC3E}">
         <p14:creationId xmlns:p14="http://schemas.microsoft.com/office/powerpoint/2010/main" val="2595667534"/>
@@ -4645,6 +4968,9 @@
           </p:cNvSpPr>
           <p:nvPr>
             <p:ph type="title"/>
+            <p:custDataLst>
+              <p:tags r:id="rId2"/>
+            </p:custDataLst>
           </p:nvPr>
         </p:nvSpPr>
         <p:spPr>
@@ -4675,6 +5001,9 @@
           </p:cNvSpPr>
           <p:nvPr>
             <p:ph idx="1"/>
+            <p:custDataLst>
+              <p:tags r:id="rId3"/>
+            </p:custDataLst>
           </p:nvPr>
         </p:nvSpPr>
         <p:spPr>
@@ -4754,6 +5083,9 @@
         </p:txBody>
       </p:sp>
     </p:spTree>
+    <p:custDataLst>
+      <p:tags r:id="rId1"/>
+    </p:custDataLst>
   </p:cSld>
   <p:clrMapOvr>
     <a:masterClrMapping/>
@@ -4786,6 +5118,9 @@
           </p:cNvSpPr>
           <p:nvPr>
             <p:ph type="title"/>
+            <p:custDataLst>
+              <p:tags r:id="rId2"/>
+            </p:custDataLst>
           </p:nvPr>
         </p:nvSpPr>
         <p:spPr>
@@ -4818,7 +5153,11 @@
         <p:nvSpPr>
           <p:cNvPr id="9" name="TextBox 8"/>
           <p:cNvSpPr txBox="1"/>
-          <p:nvPr/>
+          <p:nvPr>
+            <p:custDataLst>
+              <p:tags r:id="rId3"/>
+            </p:custDataLst>
+          </p:nvPr>
         </p:nvSpPr>
         <p:spPr>
           <a:xfrm>
@@ -4866,7 +5205,11 @@
         <p:nvSpPr>
           <p:cNvPr id="10" name="TextBox 9"/>
           <p:cNvSpPr txBox="1"/>
-          <p:nvPr/>
+          <p:nvPr>
+            <p:custDataLst>
+              <p:tags r:id="rId4"/>
+            </p:custDataLst>
+          </p:nvPr>
         </p:nvSpPr>
         <p:spPr>
           <a:xfrm>
@@ -4904,10 +5247,14 @@
         <p:nvPicPr>
           <p:cNvPr id="12" name="Рисунок 11" descr="Файл:Monforts UniCen 1000 MultiTurn.jpg"/>
           <p:cNvPicPr/>
-          <p:nvPr/>
+          <p:nvPr>
+            <p:custDataLst>
+              <p:tags r:id="rId5"/>
+            </p:custDataLst>
+          </p:nvPr>
         </p:nvPicPr>
         <p:blipFill>
-          <a:blip r:embed="rId2"/>
+          <a:blip r:embed="rId10"/>
           <a:srcRect/>
           <a:stretch>
             <a:fillRect/>
@@ -4934,7 +5281,11 @@
         <p:nvSpPr>
           <p:cNvPr id="13" name="TextBox 12"/>
           <p:cNvSpPr txBox="1"/>
-          <p:nvPr/>
+          <p:nvPr>
+            <p:custDataLst>
+              <p:tags r:id="rId6"/>
+            </p:custDataLst>
+          </p:nvPr>
         </p:nvSpPr>
         <p:spPr>
           <a:xfrm>
@@ -4972,7 +5323,11 @@
         <p:nvSpPr>
           <p:cNvPr id="14" name="TextBox 13"/>
           <p:cNvSpPr txBox="1"/>
-          <p:nvPr/>
+          <p:nvPr>
+            <p:custDataLst>
+              <p:tags r:id="rId7"/>
+            </p:custDataLst>
+          </p:nvPr>
         </p:nvSpPr>
         <p:spPr>
           <a:xfrm>
@@ -5010,7 +5365,11 @@
         <p:nvCxnSpPr>
           <p:cNvPr id="16" name="Прямая со стрелкой 15"/>
           <p:cNvCxnSpPr/>
-          <p:nvPr/>
+          <p:nvPr>
+            <p:custDataLst>
+              <p:tags r:id="rId8"/>
+            </p:custDataLst>
+          </p:nvPr>
         </p:nvCxnSpPr>
         <p:spPr>
           <a:xfrm rot="5400000">
@@ -5043,6 +5402,9 @@
         </p:style>
       </p:cxnSp>
     </p:spTree>
+    <p:custDataLst>
+      <p:tags r:id="rId1"/>
+    </p:custDataLst>
   </p:cSld>
   <p:clrMapOvr>
     <a:masterClrMapping/>
@@ -5082,6 +5444,9 @@
           </p:cNvSpPr>
           <p:nvPr>
             <p:ph type="title"/>
+            <p:custDataLst>
+              <p:tags r:id="rId2"/>
+            </p:custDataLst>
           </p:nvPr>
         </p:nvSpPr>
         <p:spPr>
@@ -5110,10 +5475,14 @@
           <p:cNvPicPr>
             <a:picLocks noChangeAspect="1"/>
           </p:cNvPicPr>
-          <p:nvPr/>
+          <p:nvPr>
+            <p:custDataLst>
+              <p:tags r:id="rId3"/>
+            </p:custDataLst>
+          </p:nvPr>
         </p:nvPicPr>
         <p:blipFill>
-          <a:blip r:embed="rId2" cstate="print"/>
+          <a:blip r:embed="rId15" cstate="print"/>
           <a:stretch>
             <a:fillRect/>
           </a:stretch>
@@ -5132,7 +5501,11 @@
         <p:nvSpPr>
           <p:cNvPr id="5" name="TextBox 4"/>
           <p:cNvSpPr txBox="1"/>
-          <p:nvPr/>
+          <p:nvPr>
+            <p:custDataLst>
+              <p:tags r:id="rId4"/>
+            </p:custDataLst>
+          </p:nvPr>
         </p:nvSpPr>
         <p:spPr>
           <a:xfrm>
@@ -5180,7 +5553,11 @@
         <p:nvSpPr>
           <p:cNvPr id="6" name="TextBox 5"/>
           <p:cNvSpPr txBox="1"/>
-          <p:nvPr/>
+          <p:nvPr>
+            <p:custDataLst>
+              <p:tags r:id="rId5"/>
+            </p:custDataLst>
+          </p:nvPr>
         </p:nvSpPr>
         <p:spPr>
           <a:xfrm>
@@ -5218,7 +5595,11 @@
         <p:nvCxnSpPr>
           <p:cNvPr id="8" name="Прямая со стрелкой 7"/>
           <p:cNvCxnSpPr/>
-          <p:nvPr/>
+          <p:nvPr>
+            <p:custDataLst>
+              <p:tags r:id="rId6"/>
+            </p:custDataLst>
+          </p:nvPr>
         </p:nvCxnSpPr>
         <p:spPr>
           <a:xfrm rot="5400000">
@@ -5254,7 +5635,11 @@
         <p:nvCxnSpPr>
           <p:cNvPr id="10" name="Прямая со стрелкой 9"/>
           <p:cNvCxnSpPr/>
-          <p:nvPr/>
+          <p:nvPr>
+            <p:custDataLst>
+              <p:tags r:id="rId7"/>
+            </p:custDataLst>
+          </p:nvPr>
         </p:nvCxnSpPr>
         <p:spPr>
           <a:xfrm>
@@ -5290,7 +5675,11 @@
         <p:nvSpPr>
           <p:cNvPr id="11" name="TextBox 10"/>
           <p:cNvSpPr txBox="1"/>
-          <p:nvPr/>
+          <p:nvPr>
+            <p:custDataLst>
+              <p:tags r:id="rId8"/>
+            </p:custDataLst>
+          </p:nvPr>
         </p:nvSpPr>
         <p:spPr>
           <a:xfrm>
@@ -5344,7 +5733,11 @@
         <p:nvCxnSpPr>
           <p:cNvPr id="13" name="Прямая со стрелкой 12"/>
           <p:cNvCxnSpPr/>
-          <p:nvPr/>
+          <p:nvPr>
+            <p:custDataLst>
+              <p:tags r:id="rId9"/>
+            </p:custDataLst>
+          </p:nvPr>
         </p:nvCxnSpPr>
         <p:spPr>
           <a:xfrm rot="16200000" flipV="1">
@@ -5380,7 +5773,11 @@
         <p:nvSpPr>
           <p:cNvPr id="14" name="TextBox 13"/>
           <p:cNvSpPr txBox="1"/>
-          <p:nvPr/>
+          <p:nvPr>
+            <p:custDataLst>
+              <p:tags r:id="rId10"/>
+            </p:custDataLst>
+          </p:nvPr>
         </p:nvSpPr>
         <p:spPr>
           <a:xfrm>
@@ -5420,7 +5817,11 @@
           <p:cNvCxnSpPr>
             <a:stCxn id="14" idx="2"/>
           </p:cNvCxnSpPr>
-          <p:nvPr/>
+          <p:nvPr>
+            <p:custDataLst>
+              <p:tags r:id="rId11"/>
+            </p:custDataLst>
+          </p:nvPr>
         </p:nvCxnSpPr>
         <p:spPr>
           <a:xfrm rot="16200000" flipH="1">
@@ -5456,7 +5857,11 @@
         <p:nvSpPr>
           <p:cNvPr id="18" name="TextBox 17"/>
           <p:cNvSpPr txBox="1"/>
-          <p:nvPr/>
+          <p:nvPr>
+            <p:custDataLst>
+              <p:tags r:id="rId12"/>
+            </p:custDataLst>
+          </p:nvPr>
         </p:nvSpPr>
         <p:spPr>
           <a:xfrm>
@@ -5494,7 +5899,11 @@
         <p:nvCxnSpPr>
           <p:cNvPr id="20" name="Прямая со стрелкой 19"/>
           <p:cNvCxnSpPr/>
-          <p:nvPr/>
+          <p:nvPr>
+            <p:custDataLst>
+              <p:tags r:id="rId13"/>
+            </p:custDataLst>
+          </p:nvPr>
         </p:nvCxnSpPr>
         <p:spPr>
           <a:xfrm rot="16200000" flipH="1">
@@ -5527,6 +5936,9 @@
         </p:style>
       </p:cxnSp>
     </p:spTree>
+    <p:custDataLst>
+      <p:tags r:id="rId1"/>
+    </p:custDataLst>
   </p:cSld>
   <p:clrMapOvr>
     <a:masterClrMapping/>
@@ -5566,6 +5978,9 @@
           </p:cNvSpPr>
           <p:nvPr>
             <p:ph type="title"/>
+            <p:custDataLst>
+              <p:tags r:id="rId2"/>
+            </p:custDataLst>
           </p:nvPr>
         </p:nvSpPr>
         <p:spPr>
@@ -5592,7 +6007,11 @@
         <p:nvSpPr>
           <p:cNvPr id="5" name="TextBox 4"/>
           <p:cNvSpPr txBox="1"/>
-          <p:nvPr/>
+          <p:nvPr>
+            <p:custDataLst>
+              <p:tags r:id="rId3"/>
+            </p:custDataLst>
+          </p:nvPr>
         </p:nvSpPr>
         <p:spPr>
           <a:xfrm>
@@ -5651,10 +6070,14 @@
           <p:cNvPicPr>
             <a:picLocks noChangeAspect="1"/>
           </p:cNvPicPr>
-          <p:nvPr/>
+          <p:nvPr>
+            <p:custDataLst>
+              <p:tags r:id="rId4"/>
+            </p:custDataLst>
+          </p:nvPr>
         </p:nvPicPr>
         <p:blipFill>
-          <a:blip r:embed="rId2"/>
+          <a:blip r:embed="rId11"/>
           <a:stretch>
             <a:fillRect/>
           </a:stretch>
@@ -5675,10 +6098,14 @@
           <p:cNvPicPr>
             <a:picLocks noChangeAspect="1"/>
           </p:cNvPicPr>
-          <p:nvPr/>
+          <p:nvPr>
+            <p:custDataLst>
+              <p:tags r:id="rId5"/>
+            </p:custDataLst>
+          </p:nvPr>
         </p:nvPicPr>
         <p:blipFill>
-          <a:blip r:embed="rId3"/>
+          <a:blip r:embed="rId12"/>
           <a:stretch>
             <a:fillRect/>
           </a:stretch>
@@ -5697,7 +6124,11 @@
         <p:nvSpPr>
           <p:cNvPr id="9" name="TextBox 8"/>
           <p:cNvSpPr txBox="1"/>
-          <p:nvPr/>
+          <p:nvPr>
+            <p:custDataLst>
+              <p:tags r:id="rId6"/>
+            </p:custDataLst>
+          </p:nvPr>
         </p:nvSpPr>
         <p:spPr>
           <a:xfrm>
@@ -5730,10 +6161,14 @@
           <p:cNvPicPr>
             <a:picLocks noChangeAspect="1"/>
           </p:cNvPicPr>
-          <p:nvPr/>
+          <p:nvPr>
+            <p:custDataLst>
+              <p:tags r:id="rId7"/>
+            </p:custDataLst>
+          </p:nvPr>
         </p:nvPicPr>
         <p:blipFill>
-          <a:blip r:embed="rId4" cstate="print"/>
+          <a:blip r:embed="rId13" cstate="print"/>
           <a:stretch>
             <a:fillRect/>
           </a:stretch>
@@ -5752,7 +6187,11 @@
         <p:nvSpPr>
           <p:cNvPr id="13" name="Овал 12"/>
           <p:cNvSpPr/>
-          <p:nvPr/>
+          <p:nvPr>
+            <p:custDataLst>
+              <p:tags r:id="rId8"/>
+            </p:custDataLst>
+          </p:nvPr>
         </p:nvSpPr>
         <p:spPr>
           <a:xfrm>
@@ -5800,7 +6239,11 @@
           <p:cNvCxnSpPr>
             <a:stCxn id="13" idx="0"/>
           </p:cNvCxnSpPr>
-          <p:nvPr/>
+          <p:nvPr>
+            <p:custDataLst>
+              <p:tags r:id="rId9"/>
+            </p:custDataLst>
+          </p:nvPr>
         </p:nvCxnSpPr>
         <p:spPr>
           <a:xfrm rot="5400000" flipH="1" flipV="1">
@@ -5833,6 +6276,9 @@
         </p:style>
       </p:cxnSp>
     </p:spTree>
+    <p:custDataLst>
+      <p:tags r:id="rId1"/>
+    </p:custDataLst>
   </p:cSld>
   <p:clrMapOvr>
     <a:masterClrMapping/>
@@ -5872,6 +6318,9 @@
           </p:cNvSpPr>
           <p:nvPr>
             <p:ph type="title"/>
+            <p:custDataLst>
+              <p:tags r:id="rId2"/>
+            </p:custDataLst>
           </p:nvPr>
         </p:nvSpPr>
         <p:spPr>
@@ -5906,10 +6355,14 @@
           <p:cNvPicPr>
             <a:picLocks noChangeAspect="1"/>
           </p:cNvPicPr>
-          <p:nvPr/>
+          <p:nvPr>
+            <p:custDataLst>
+              <p:tags r:id="rId3"/>
+            </p:custDataLst>
+          </p:nvPr>
         </p:nvPicPr>
         <p:blipFill>
-          <a:blip r:embed="rId2" cstate="print">
+          <a:blip r:embed="rId5" cstate="print">
             <a:lum bright="10000" contrast="20000"/>
           </a:blip>
           <a:srcRect l="9649" b="7017"/>
@@ -5928,6 +6381,9 @@
         </p:spPr>
       </p:pic>
     </p:spTree>
+    <p:custDataLst>
+      <p:tags r:id="rId1"/>
+    </p:custDataLst>
   </p:cSld>
   <p:clrMapOvr>
     <a:masterClrMapping/>
@@ -5967,6 +6423,9 @@
           </p:cNvSpPr>
           <p:nvPr>
             <p:ph type="title"/>
+            <p:custDataLst>
+              <p:tags r:id="rId2"/>
+            </p:custDataLst>
           </p:nvPr>
         </p:nvSpPr>
         <p:spPr>
@@ -5995,6 +6454,9 @@
           </p:cNvSpPr>
           <p:nvPr>
             <p:ph idx="1"/>
+            <p:custDataLst>
+              <p:tags r:id="rId3"/>
+            </p:custDataLst>
           </p:nvPr>
         </p:nvSpPr>
         <p:spPr>
@@ -6011,19 +6473,7 @@
           <a:p>
             <a:r>
               <a:rPr lang="ru-RU" dirty="0" smtClean="0"/>
-              <a:t>Описание процесса </a:t>
-            </a:r>
-            <a:r>
-              <a:rPr lang="ru-RU" dirty="0" smtClean="0"/>
-              <a:t>наладки управляющей и рабочей частей станков </a:t>
-            </a:r>
-            <a:r>
-              <a:rPr lang="ru-RU" dirty="0" smtClean="0"/>
-              <a:t>с </a:t>
-            </a:r>
-            <a:r>
-              <a:rPr lang="ru-RU" dirty="0" smtClean="0"/>
-              <a:t>ЧПУ.</a:t>
+              <a:t>Описание процесса наладки управляющей и рабочей частей станков с ЧПУ.</a:t>
             </a:r>
           </a:p>
           <a:p>
@@ -6031,16 +6481,11 @@
               <a:rPr lang="ru-RU" dirty="0" smtClean="0"/>
               <a:t>Объединение в единой базе данных программ и технологических процессов для станков с ЧПУ</a:t>
             </a:r>
-            <a:endParaRPr lang="ru-RU" dirty="0" smtClean="0"/>
           </a:p>
           <a:p>
             <a:r>
               <a:rPr lang="ru-RU" dirty="0" smtClean="0"/>
-              <a:t>Формализация </a:t>
-            </a:r>
-            <a:r>
-              <a:rPr lang="ru-RU" dirty="0" smtClean="0"/>
-              <a:t>объектов предметной области. Проектирование структуры базы данных</a:t>
+              <a:t>Формализация объектов предметной области. Проектирование структуры базы данных</a:t>
             </a:r>
             <a:r>
               <a:rPr lang="en-US" dirty="0" smtClean="0"/>
@@ -6048,15 +6493,7 @@
             </a:r>
             <a:r>
               <a:rPr lang="ru-RU" dirty="0" smtClean="0"/>
-              <a:t> </a:t>
-            </a:r>
-            <a:r>
-              <a:rPr lang="ru-RU" dirty="0" smtClean="0"/>
-              <a:t>её реализация </a:t>
-            </a:r>
-            <a:r>
-              <a:rPr lang="ru-RU" dirty="0" smtClean="0"/>
-              <a:t>средствами </a:t>
+              <a:t> её реализация средствами </a:t>
             </a:r>
             <a:r>
               <a:rPr lang="en-US" dirty="0" err="1" smtClean="0"/>
@@ -6104,6 +6541,9 @@
         </p:txBody>
       </p:sp>
     </p:spTree>
+    <p:custDataLst>
+      <p:tags r:id="rId1"/>
+    </p:custDataLst>
   </p:cSld>
   <p:clrMapOvr>
     <a:masterClrMapping/>
@@ -6143,6 +6583,9 @@
           </p:cNvSpPr>
           <p:nvPr>
             <p:ph type="title"/>
+            <p:custDataLst>
+              <p:tags r:id="rId2"/>
+            </p:custDataLst>
           </p:nvPr>
         </p:nvSpPr>
         <p:spPr>
@@ -6171,10 +6614,14 @@
           <p:cNvPicPr>
             <a:picLocks noChangeAspect="1" noChangeArrowheads="1"/>
           </p:cNvPicPr>
-          <p:nvPr/>
+          <p:nvPr>
+            <p:custDataLst>
+              <p:tags r:id="rId3"/>
+            </p:custDataLst>
+          </p:nvPr>
         </p:nvPicPr>
         <p:blipFill>
-          <a:blip r:embed="rId2"/>
+          <a:blip r:embed="rId9"/>
           <a:srcRect/>
           <a:stretch>
             <a:fillRect/>
@@ -6203,10 +6650,14 @@
           <p:cNvPicPr>
             <a:picLocks noChangeAspect="1" noChangeArrowheads="1"/>
           </p:cNvPicPr>
-          <p:nvPr/>
+          <p:nvPr>
+            <p:custDataLst>
+              <p:tags r:id="rId4"/>
+            </p:custDataLst>
+          </p:nvPr>
         </p:nvPicPr>
         <p:blipFill>
-          <a:blip r:embed="rId3"/>
+          <a:blip r:embed="rId10"/>
           <a:srcRect/>
           <a:stretch>
             <a:fillRect/>
@@ -6233,7 +6684,11 @@
         <p:nvSpPr>
           <p:cNvPr id="6" name="Стрелка вверх 5"/>
           <p:cNvSpPr/>
-          <p:nvPr/>
+          <p:nvPr>
+            <p:custDataLst>
+              <p:tags r:id="rId5"/>
+            </p:custDataLst>
+          </p:nvPr>
         </p:nvSpPr>
         <p:spPr>
           <a:xfrm rot="7877492">
@@ -6273,7 +6728,11 @@
         <p:nvSpPr>
           <p:cNvPr id="7" name="TextBox 6"/>
           <p:cNvSpPr txBox="1"/>
-          <p:nvPr/>
+          <p:nvPr>
+            <p:custDataLst>
+              <p:tags r:id="rId6"/>
+            </p:custDataLst>
+          </p:nvPr>
         </p:nvSpPr>
         <p:spPr>
           <a:xfrm>
@@ -6303,7 +6762,11 @@
         <p:nvSpPr>
           <p:cNvPr id="10" name="TextBox 9"/>
           <p:cNvSpPr txBox="1"/>
-          <p:nvPr/>
+          <p:nvPr>
+            <p:custDataLst>
+              <p:tags r:id="rId7"/>
+            </p:custDataLst>
+          </p:nvPr>
         </p:nvSpPr>
         <p:spPr>
           <a:xfrm>
@@ -6330,6 +6793,9 @@
         </p:txBody>
       </p:sp>
     </p:spTree>
+    <p:custDataLst>
+      <p:tags r:id="rId1"/>
+    </p:custDataLst>
   </p:cSld>
   <p:clrMapOvr>
     <a:masterClrMapping/>
@@ -6369,6 +6835,9 @@
           </p:cNvSpPr>
           <p:nvPr>
             <p:ph type="title"/>
+            <p:custDataLst>
+              <p:tags r:id="rId2"/>
+            </p:custDataLst>
           </p:nvPr>
         </p:nvSpPr>
         <p:spPr>
@@ -6402,7 +6871,11 @@
         <p:nvSpPr>
           <p:cNvPr id="4" name="Прямоугольник 3"/>
           <p:cNvSpPr/>
-          <p:nvPr/>
+          <p:nvPr>
+            <p:custDataLst>
+              <p:tags r:id="rId3"/>
+            </p:custDataLst>
+          </p:nvPr>
         </p:nvSpPr>
         <p:spPr>
           <a:xfrm>
@@ -6446,7 +6919,11 @@
         <p:nvSpPr>
           <p:cNvPr id="5" name="Прямоугольник 4"/>
           <p:cNvSpPr/>
-          <p:nvPr/>
+          <p:nvPr>
+            <p:custDataLst>
+              <p:tags r:id="rId4"/>
+            </p:custDataLst>
+          </p:nvPr>
         </p:nvSpPr>
         <p:spPr>
           <a:xfrm>
@@ -6480,15 +6957,7 @@
             <a:pPr algn="ctr"/>
             <a:r>
               <a:rPr lang="ru-RU" sz="2400" dirty="0" smtClean="0"/>
-              <a:t>Сервер</a:t>
-            </a:r>
-            <a:r>
-              <a:rPr lang="ru-RU" sz="2400" dirty="0" smtClean="0"/>
-              <a:t>ная часть</a:t>
-            </a:r>
-            <a:r>
-              <a:rPr lang="ru-RU" sz="2400" dirty="0" smtClean="0"/>
-              <a:t> </a:t>
+              <a:t>Серверная часть </a:t>
             </a:r>
             <a:endParaRPr lang="ru-RU" sz="2400" dirty="0"/>
           </a:p>
@@ -6498,7 +6967,11 @@
         <p:nvSpPr>
           <p:cNvPr id="6" name="Прямоугольник 5"/>
           <p:cNvSpPr/>
-          <p:nvPr/>
+          <p:nvPr>
+            <p:custDataLst>
+              <p:tags r:id="rId5"/>
+            </p:custDataLst>
+          </p:nvPr>
         </p:nvSpPr>
         <p:spPr>
           <a:xfrm>
@@ -6542,7 +7015,11 @@
         <p:nvSpPr>
           <p:cNvPr id="7" name="Стрелка вниз 6"/>
           <p:cNvSpPr/>
-          <p:nvPr/>
+          <p:nvPr>
+            <p:custDataLst>
+              <p:tags r:id="rId6"/>
+            </p:custDataLst>
+          </p:nvPr>
         </p:nvSpPr>
         <p:spPr>
           <a:xfrm>
@@ -6585,7 +7062,11 @@
         <p:nvSpPr>
           <p:cNvPr id="8" name="Стрелка вниз 7"/>
           <p:cNvSpPr/>
-          <p:nvPr/>
+          <p:nvPr>
+            <p:custDataLst>
+              <p:tags r:id="rId7"/>
+            </p:custDataLst>
+          </p:nvPr>
         </p:nvSpPr>
         <p:spPr>
           <a:xfrm>
@@ -6628,7 +7109,11 @@
         <p:nvSpPr>
           <p:cNvPr id="9" name="TextBox 8"/>
           <p:cNvSpPr txBox="1"/>
-          <p:nvPr/>
+          <p:nvPr>
+            <p:custDataLst>
+              <p:tags r:id="rId8"/>
+            </p:custDataLst>
+          </p:nvPr>
         </p:nvSpPr>
         <p:spPr>
           <a:xfrm>
@@ -6658,7 +7143,11 @@
         <p:nvSpPr>
           <p:cNvPr id="10" name="Прямоугольник 9"/>
           <p:cNvSpPr/>
-          <p:nvPr/>
+          <p:nvPr>
+            <p:custDataLst>
+              <p:tags r:id="rId9"/>
+            </p:custDataLst>
+          </p:nvPr>
         </p:nvSpPr>
         <p:spPr>
           <a:xfrm>
@@ -6693,7 +7182,11 @@
         <p:nvSpPr>
           <p:cNvPr id="11" name="Прямоугольник 10"/>
           <p:cNvSpPr/>
-          <p:nvPr/>
+          <p:nvPr>
+            <p:custDataLst>
+              <p:tags r:id="rId10"/>
+            </p:custDataLst>
+          </p:nvPr>
         </p:nvSpPr>
         <p:spPr>
           <a:xfrm>
@@ -6719,6 +7212,9 @@
         </p:txBody>
       </p:sp>
     </p:spTree>
+    <p:custDataLst>
+      <p:tags r:id="rId1"/>
+    </p:custDataLst>
   </p:cSld>
   <p:clrMapOvr>
     <a:masterClrMapping/>
@@ -6758,6 +7254,9 @@
           </p:cNvSpPr>
           <p:nvPr>
             <p:ph type="title"/>
+            <p:custDataLst>
+              <p:tags r:id="rId2"/>
+            </p:custDataLst>
           </p:nvPr>
         </p:nvSpPr>
         <p:spPr>
@@ -6784,10 +7283,14 @@
           <p:cNvPicPr>
             <a:picLocks noChangeAspect="1"/>
           </p:cNvPicPr>
-          <p:nvPr/>
+          <p:nvPr>
+            <p:custDataLst>
+              <p:tags r:id="rId3"/>
+            </p:custDataLst>
+          </p:nvPr>
         </p:nvPicPr>
         <p:blipFill>
-          <a:blip r:embed="rId2"/>
+          <a:blip r:embed="rId21"/>
           <a:stretch>
             <a:fillRect/>
           </a:stretch>
@@ -6808,10 +7311,14 @@
           <p:cNvPicPr>
             <a:picLocks noChangeAspect="1"/>
           </p:cNvPicPr>
-          <p:nvPr/>
+          <p:nvPr>
+            <p:custDataLst>
+              <p:tags r:id="rId4"/>
+            </p:custDataLst>
+          </p:nvPr>
         </p:nvPicPr>
         <p:blipFill>
-          <a:blip r:embed="rId3"/>
+          <a:blip r:embed="rId22"/>
           <a:stretch>
             <a:fillRect/>
           </a:stretch>
@@ -6830,7 +7337,11 @@
         <p:nvSpPr>
           <p:cNvPr id="8" name="Прямоугольник 7"/>
           <p:cNvSpPr/>
-          <p:nvPr/>
+          <p:nvPr>
+            <p:custDataLst>
+              <p:tags r:id="rId5"/>
+            </p:custDataLst>
+          </p:nvPr>
         </p:nvSpPr>
         <p:spPr>
           <a:xfrm>
@@ -6870,7 +7381,11 @@
         <p:nvSpPr>
           <p:cNvPr id="9" name="TextBox 8"/>
           <p:cNvSpPr txBox="1"/>
-          <p:nvPr/>
+          <p:nvPr>
+            <p:custDataLst>
+              <p:tags r:id="rId6"/>
+            </p:custDataLst>
+          </p:nvPr>
         </p:nvSpPr>
         <p:spPr>
           <a:xfrm>
@@ -6904,7 +7419,11 @@
         <p:nvSpPr>
           <p:cNvPr id="10" name="TextBox 9"/>
           <p:cNvSpPr txBox="1"/>
-          <p:nvPr/>
+          <p:nvPr>
+            <p:custDataLst>
+              <p:tags r:id="rId7"/>
+            </p:custDataLst>
+          </p:nvPr>
         </p:nvSpPr>
         <p:spPr>
           <a:xfrm>
@@ -6942,7 +7461,11 @@
         <p:nvSpPr>
           <p:cNvPr id="11" name="Стрелка вправо 10"/>
           <p:cNvSpPr/>
-          <p:nvPr/>
+          <p:nvPr>
+            <p:custDataLst>
+              <p:tags r:id="rId8"/>
+            </p:custDataLst>
+          </p:nvPr>
         </p:nvSpPr>
         <p:spPr>
           <a:xfrm rot="1707334">
@@ -6982,7 +7505,11 @@
         <p:nvSpPr>
           <p:cNvPr id="12" name="Стрелка вправо 11"/>
           <p:cNvSpPr/>
-          <p:nvPr/>
+          <p:nvPr>
+            <p:custDataLst>
+              <p:tags r:id="rId9"/>
+            </p:custDataLst>
+          </p:nvPr>
         </p:nvSpPr>
         <p:spPr>
           <a:xfrm rot="8801647">
@@ -7024,10 +7551,14 @@
           <p:cNvPicPr>
             <a:picLocks noChangeAspect="1"/>
           </p:cNvPicPr>
-          <p:nvPr/>
+          <p:nvPr>
+            <p:custDataLst>
+              <p:tags r:id="rId10"/>
+            </p:custDataLst>
+          </p:nvPr>
         </p:nvPicPr>
         <p:blipFill>
-          <a:blip r:embed="rId4"/>
+          <a:blip r:embed="rId23"/>
           <a:stretch>
             <a:fillRect/>
           </a:stretch>
@@ -7046,7 +7577,11 @@
         <p:nvSpPr>
           <p:cNvPr id="14" name="TextBox 13"/>
           <p:cNvSpPr txBox="1"/>
-          <p:nvPr/>
+          <p:nvPr>
+            <p:custDataLst>
+              <p:tags r:id="rId11"/>
+            </p:custDataLst>
+          </p:nvPr>
         </p:nvSpPr>
         <p:spPr>
           <a:xfrm>
@@ -7076,7 +7611,11 @@
         <p:nvSpPr>
           <p:cNvPr id="15" name="TextBox 14"/>
           <p:cNvSpPr txBox="1"/>
-          <p:nvPr/>
+          <p:nvPr>
+            <p:custDataLst>
+              <p:tags r:id="rId12"/>
+            </p:custDataLst>
+          </p:nvPr>
         </p:nvSpPr>
         <p:spPr>
           <a:xfrm>
@@ -7108,10 +7647,14 @@
           <p:cNvPicPr>
             <a:picLocks noChangeAspect="1"/>
           </p:cNvPicPr>
-          <p:nvPr/>
+          <p:nvPr>
+            <p:custDataLst>
+              <p:tags r:id="rId13"/>
+            </p:custDataLst>
+          </p:nvPr>
         </p:nvPicPr>
         <p:blipFill>
-          <a:blip r:embed="rId5"/>
+          <a:blip r:embed="rId24"/>
           <a:stretch>
             <a:fillRect/>
           </a:stretch>
@@ -7132,10 +7675,14 @@
           <p:cNvPicPr>
             <a:picLocks noChangeAspect="1"/>
           </p:cNvPicPr>
-          <p:nvPr/>
+          <p:nvPr>
+            <p:custDataLst>
+              <p:tags r:id="rId14"/>
+            </p:custDataLst>
+          </p:nvPr>
         </p:nvPicPr>
         <p:blipFill>
-          <a:blip r:embed="rId6"/>
+          <a:blip r:embed="rId25"/>
           <a:stretch>
             <a:fillRect/>
           </a:stretch>
@@ -7156,10 +7703,14 @@
           <p:cNvPicPr>
             <a:picLocks noChangeAspect="1"/>
           </p:cNvPicPr>
-          <p:nvPr/>
+          <p:nvPr>
+            <p:custDataLst>
+              <p:tags r:id="rId15"/>
+            </p:custDataLst>
+          </p:nvPr>
         </p:nvPicPr>
         <p:blipFill>
-          <a:blip r:embed="rId7"/>
+          <a:blip r:embed="rId26"/>
           <a:stretch>
             <a:fillRect/>
           </a:stretch>
@@ -7178,7 +7729,11 @@
         <p:nvSpPr>
           <p:cNvPr id="20" name="TextBox 19"/>
           <p:cNvSpPr txBox="1"/>
-          <p:nvPr/>
+          <p:nvPr>
+            <p:custDataLst>
+              <p:tags r:id="rId16"/>
+            </p:custDataLst>
+          </p:nvPr>
         </p:nvSpPr>
         <p:spPr>
           <a:xfrm>
@@ -7202,15 +7757,7 @@
             </a:pPr>
             <a:r>
               <a:rPr lang="ru-RU" sz="2000" dirty="0" smtClean="0"/>
-              <a:t> Для </a:t>
-            </a:r>
-            <a:r>
-              <a:rPr lang="ru-RU" sz="2000" dirty="0" smtClean="0"/>
-              <a:t>доступа к файлам, каждый раз необходимо будет устанавливать приложение туда, где оно будет использоваться (в данной работе этот недостаток является неприемлемым</a:t>
-            </a:r>
-            <a:r>
-              <a:rPr lang="ru-RU" sz="2000" dirty="0" smtClean="0"/>
-              <a:t>).</a:t>
+              <a:t> Для доступа к файлам, каждый раз необходимо будет устанавливать приложение туда, где оно будет использоваться (в данной работе этот недостаток является неприемлемым).</a:t>
             </a:r>
           </a:p>
           <a:p>
@@ -7226,7 +7773,6 @@
               <a:rPr lang="ru-RU" sz="2000" dirty="0" smtClean="0"/>
               <a:t>Проблематично установить на станок </a:t>
             </a:r>
-            <a:endParaRPr lang="ru-RU" sz="2000" dirty="0" smtClean="0"/>
           </a:p>
           <a:p>
             <a:pPr>
@@ -7235,21 +7781,8 @@
             </a:pPr>
             <a:r>
               <a:rPr lang="ru-RU" sz="2000" dirty="0" smtClean="0"/>
-              <a:t> </a:t>
-            </a:r>
-            <a:r>
-              <a:rPr lang="ru-RU" sz="2000" dirty="0" smtClean="0"/>
-              <a:t>Сложность в реализации нужного уровня </a:t>
-            </a:r>
-            <a:r>
-              <a:rPr lang="ru-RU" sz="2000" dirty="0" smtClean="0"/>
-              <a:t>защиты информации</a:t>
-            </a:r>
-            <a:r>
-              <a:rPr lang="ru-RU" sz="2000" dirty="0" smtClean="0"/>
-              <a:t>.</a:t>
-            </a:r>
-            <a:endParaRPr lang="ru-RU" sz="2000" dirty="0" smtClean="0"/>
+              <a:t> Сложность в реализации нужного уровня защиты информации.</a:t>
+            </a:r>
           </a:p>
         </p:txBody>
       </p:sp>
@@ -7257,7 +7790,11 @@
         <p:nvCxnSpPr>
           <p:cNvPr id="21" name="Прямая соединительная линия 20"/>
           <p:cNvCxnSpPr/>
-          <p:nvPr/>
+          <p:nvPr>
+            <p:custDataLst>
+              <p:tags r:id="rId17"/>
+            </p:custDataLst>
+          </p:nvPr>
         </p:nvCxnSpPr>
         <p:spPr>
           <a:xfrm rot="5400000">
@@ -7287,7 +7824,11 @@
         <p:nvCxnSpPr>
           <p:cNvPr id="23" name="Прямая соединительная линия 22"/>
           <p:cNvCxnSpPr/>
-          <p:nvPr/>
+          <p:nvPr>
+            <p:custDataLst>
+              <p:tags r:id="rId18"/>
+            </p:custDataLst>
+          </p:nvPr>
         </p:nvCxnSpPr>
         <p:spPr>
           <a:xfrm rot="5400000">
@@ -7317,7 +7858,11 @@
         <p:nvCxnSpPr>
           <p:cNvPr id="25" name="Прямая соединительная линия 24"/>
           <p:cNvCxnSpPr/>
-          <p:nvPr/>
+          <p:nvPr>
+            <p:custDataLst>
+              <p:tags r:id="rId19"/>
+            </p:custDataLst>
+          </p:nvPr>
         </p:nvCxnSpPr>
         <p:spPr>
           <a:xfrm rot="5400000">
@@ -7344,6 +7889,9 @@
         </p:style>
       </p:cxnSp>
     </p:spTree>
+    <p:custDataLst>
+      <p:tags r:id="rId1"/>
+    </p:custDataLst>
   </p:cSld>
   <p:clrMapOvr>
     <a:masterClrMapping/>
@@ -7356,6 +7904,1056 @@
     </p:tnLst>
   </p:timing>
 </p:sld>
+</file>
+
+<file path=ppt/tags/tag1.xml><?xml version="1.0" encoding="utf-8"?>
+<p:tagLst xmlns:a="http://schemas.openxmlformats.org/drawingml/2006/main" xmlns:r="http://schemas.openxmlformats.org/officeDocument/2006/relationships" xmlns:p="http://schemas.openxmlformats.org/presentationml/2006/main">
+  <p:tag name="DVSHAPEID" val="TlcHnD15katchD2pD0FL04"/>
+</p:tagLst>
+</file>
+
+<file path=ppt/tags/tag10.xml><?xml version="1.0" encoding="utf-8"?>
+<p:tagLst xmlns:a="http://schemas.openxmlformats.org/drawingml/2006/main" xmlns:r="http://schemas.openxmlformats.org/officeDocument/2006/relationships" xmlns:p="http://schemas.openxmlformats.org/presentationml/2006/main">
+  <p:tag name="DVSHAPEID" val="cDU2261eGPExMhjOyxn8fK"/>
+</p:tagLst>
+</file>
+
+<file path=ppt/tags/tag100.xml><?xml version="1.0" encoding="utf-8"?>
+<p:tagLst xmlns:a="http://schemas.openxmlformats.org/drawingml/2006/main" xmlns:r="http://schemas.openxmlformats.org/officeDocument/2006/relationships" xmlns:p="http://schemas.openxmlformats.org/presentationml/2006/main">
+  <p:tag name="DVSECTIONID" val="mKo2Mi6eIpUPDFku7EBIRE"/>
+</p:tagLst>
+</file>
+
+<file path=ppt/tags/tag101.xml><?xml version="1.0" encoding="utf-8"?>
+<p:tagLst xmlns:a="http://schemas.openxmlformats.org/drawingml/2006/main" xmlns:r="http://schemas.openxmlformats.org/officeDocument/2006/relationships" xmlns:p="http://schemas.openxmlformats.org/presentationml/2006/main">
+  <p:tag name="DVSHAPEID" val="DJmZhIeSs9a7Uf7zKg5dyr"/>
+</p:tagLst>
+</file>
+
+<file path=ppt/tags/tag102.xml><?xml version="1.0" encoding="utf-8"?>
+<p:tagLst xmlns:a="http://schemas.openxmlformats.org/drawingml/2006/main" xmlns:r="http://schemas.openxmlformats.org/officeDocument/2006/relationships" xmlns:p="http://schemas.openxmlformats.org/presentationml/2006/main">
+  <p:tag name="DVSHAPEID" val="30cmzYzpCcyqlDtQbbGeU1"/>
+</p:tagLst>
+</file>
+
+<file path=ppt/tags/tag103.xml><?xml version="1.0" encoding="utf-8"?>
+<p:tagLst xmlns:a="http://schemas.openxmlformats.org/drawingml/2006/main" xmlns:r="http://schemas.openxmlformats.org/officeDocument/2006/relationships" xmlns:p="http://schemas.openxmlformats.org/presentationml/2006/main">
+  <p:tag name="DVSECTIONID" val="p8ufHOzZ1ox6VPgchLnhkV"/>
+</p:tagLst>
+</file>
+
+<file path=ppt/tags/tag104.xml><?xml version="1.0" encoding="utf-8"?>
+<p:tagLst xmlns:a="http://schemas.openxmlformats.org/drawingml/2006/main" xmlns:r="http://schemas.openxmlformats.org/officeDocument/2006/relationships" xmlns:p="http://schemas.openxmlformats.org/presentationml/2006/main">
+  <p:tag name="DVSHAPEID" val="bgls08Qs0MVbGlNV8fi2wX"/>
+</p:tagLst>
+</file>
+
+<file path=ppt/tags/tag105.xml><?xml version="1.0" encoding="utf-8"?>
+<p:tagLst xmlns:a="http://schemas.openxmlformats.org/drawingml/2006/main" xmlns:r="http://schemas.openxmlformats.org/officeDocument/2006/relationships" xmlns:p="http://schemas.openxmlformats.org/presentationml/2006/main">
+  <p:tag name="DVSHAPEID" val="ztUt6U5Uwkx2OV07YqyacM"/>
+</p:tagLst>
+</file>
+
+<file path=ppt/tags/tag106.xml><?xml version="1.0" encoding="utf-8"?>
+<p:tagLst xmlns:a="http://schemas.openxmlformats.org/drawingml/2006/main" xmlns:r="http://schemas.openxmlformats.org/officeDocument/2006/relationships" xmlns:p="http://schemas.openxmlformats.org/presentationml/2006/main">
+  <p:tag name="DVSECTIONID" val="I7Zal9bsBiOIlgyxAhEInw"/>
+</p:tagLst>
+</file>
+
+<file path=ppt/tags/tag107.xml><?xml version="1.0" encoding="utf-8"?>
+<p:tagLst xmlns:a="http://schemas.openxmlformats.org/drawingml/2006/main" xmlns:r="http://schemas.openxmlformats.org/officeDocument/2006/relationships" xmlns:p="http://schemas.openxmlformats.org/presentationml/2006/main">
+  <p:tag name="DVSHAPEID" val="v9X72f2qVRueHSxw2Vn6fB"/>
+</p:tagLst>
+</file>
+
+<file path=ppt/tags/tag108.xml><?xml version="1.0" encoding="utf-8"?>
+<p:tagLst xmlns:a="http://schemas.openxmlformats.org/drawingml/2006/main" xmlns:r="http://schemas.openxmlformats.org/officeDocument/2006/relationships" xmlns:p="http://schemas.openxmlformats.org/presentationml/2006/main">
+  <p:tag name="DVSHAPEID" val="EExSU0hSumLNXLwZSPS5pG"/>
+</p:tagLst>
+</file>
+
+<file path=ppt/tags/tag109.xml><?xml version="1.0" encoding="utf-8"?>
+<p:tagLst xmlns:a="http://schemas.openxmlformats.org/drawingml/2006/main" xmlns:r="http://schemas.openxmlformats.org/officeDocument/2006/relationships" xmlns:p="http://schemas.openxmlformats.org/presentationml/2006/main">
+  <p:tag name="DVSHAPEID" val="xzd8AsoCN6wUujzal192n8"/>
+</p:tagLst>
+</file>
+
+<file path=ppt/tags/tag11.xml><?xml version="1.0" encoding="utf-8"?>
+<p:tagLst xmlns:a="http://schemas.openxmlformats.org/drawingml/2006/main" xmlns:r="http://schemas.openxmlformats.org/officeDocument/2006/relationships" xmlns:p="http://schemas.openxmlformats.org/presentationml/2006/main">
+  <p:tag name="DVSHAPEID" val="miADonnePebzPeowoY0rBM"/>
+</p:tagLst>
+</file>
+
+<file path=ppt/tags/tag110.xml><?xml version="1.0" encoding="utf-8"?>
+<p:tagLst xmlns:a="http://schemas.openxmlformats.org/drawingml/2006/main" xmlns:r="http://schemas.openxmlformats.org/officeDocument/2006/relationships" xmlns:p="http://schemas.openxmlformats.org/presentationml/2006/main">
+  <p:tag name="DVSHAPEID" val="tUULZ33yd9bX6YEMqPtRzF"/>
+</p:tagLst>
+</file>
+
+<file path=ppt/tags/tag111.xml><?xml version="1.0" encoding="utf-8"?>
+<p:tagLst xmlns:a="http://schemas.openxmlformats.org/drawingml/2006/main" xmlns:r="http://schemas.openxmlformats.org/officeDocument/2006/relationships" xmlns:p="http://schemas.openxmlformats.org/presentationml/2006/main">
+  <p:tag name="DVSHAPEID" val="g3gdpHuQWmjp5jdOslzeSm"/>
+</p:tagLst>
+</file>
+
+<file path=ppt/tags/tag112.xml><?xml version="1.0" encoding="utf-8"?>
+<p:tagLst xmlns:a="http://schemas.openxmlformats.org/drawingml/2006/main" xmlns:r="http://schemas.openxmlformats.org/officeDocument/2006/relationships" xmlns:p="http://schemas.openxmlformats.org/presentationml/2006/main">
+  <p:tag name="DVSHAPEID" val="IxcBwyAkzwyODQuMDm4ndP"/>
+</p:tagLst>
+</file>
+
+<file path=ppt/tags/tag113.xml><?xml version="1.0" encoding="utf-8"?>
+<p:tagLst xmlns:a="http://schemas.openxmlformats.org/drawingml/2006/main" xmlns:r="http://schemas.openxmlformats.org/officeDocument/2006/relationships" xmlns:p="http://schemas.openxmlformats.org/presentationml/2006/main">
+  <p:tag name="DVSECTIONID" val="ixKueUnPkAjtpmfwtqNyNe"/>
+</p:tagLst>
+</file>
+
+<file path=ppt/tags/tag114.xml><?xml version="1.0" encoding="utf-8"?>
+<p:tagLst xmlns:a="http://schemas.openxmlformats.org/drawingml/2006/main" xmlns:r="http://schemas.openxmlformats.org/officeDocument/2006/relationships" xmlns:p="http://schemas.openxmlformats.org/presentationml/2006/main">
+  <p:tag name="DVSHAPEID" val="EGSkyCm8hkMTlJ0NbVfBNN"/>
+</p:tagLst>
+</file>
+
+<file path=ppt/tags/tag115.xml><?xml version="1.0" encoding="utf-8"?>
+<p:tagLst xmlns:a="http://schemas.openxmlformats.org/drawingml/2006/main" xmlns:r="http://schemas.openxmlformats.org/officeDocument/2006/relationships" xmlns:p="http://schemas.openxmlformats.org/presentationml/2006/main">
+  <p:tag name="DVSHAPEID" val="QgFmjFHdau9SSwJb0YXqee"/>
+</p:tagLst>
+</file>
+
+<file path=ppt/tags/tag116.xml><?xml version="1.0" encoding="utf-8"?>
+<p:tagLst xmlns:a="http://schemas.openxmlformats.org/drawingml/2006/main" xmlns:r="http://schemas.openxmlformats.org/officeDocument/2006/relationships" xmlns:p="http://schemas.openxmlformats.org/presentationml/2006/main">
+  <p:tag name="DVSHAPEID" val="1JvLMQa87C2RPBEbiGq49h"/>
+</p:tagLst>
+</file>
+
+<file path=ppt/tags/tag117.xml><?xml version="1.0" encoding="utf-8"?>
+<p:tagLst xmlns:a="http://schemas.openxmlformats.org/drawingml/2006/main" xmlns:r="http://schemas.openxmlformats.org/officeDocument/2006/relationships" xmlns:p="http://schemas.openxmlformats.org/presentationml/2006/main">
+  <p:tag name="DVSHAPEID" val="KsQu40UgDmzCfVRyTR22nw"/>
+</p:tagLst>
+</file>
+
+<file path=ppt/tags/tag118.xml><?xml version="1.0" encoding="utf-8"?>
+<p:tagLst xmlns:a="http://schemas.openxmlformats.org/drawingml/2006/main" xmlns:r="http://schemas.openxmlformats.org/officeDocument/2006/relationships" xmlns:p="http://schemas.openxmlformats.org/presentationml/2006/main">
+  <p:tag name="DVSHAPEID" val="Q1G7wPGg095KZ3UhMaeQYF"/>
+</p:tagLst>
+</file>
+
+<file path=ppt/tags/tag119.xml><?xml version="1.0" encoding="utf-8"?>
+<p:tagLst xmlns:a="http://schemas.openxmlformats.org/drawingml/2006/main" xmlns:r="http://schemas.openxmlformats.org/officeDocument/2006/relationships" xmlns:p="http://schemas.openxmlformats.org/presentationml/2006/main">
+  <p:tag name="DVSHAPEID" val="idmJkJNz27UdBONWt5Amlp"/>
+</p:tagLst>
+</file>
+
+<file path=ppt/tags/tag12.xml><?xml version="1.0" encoding="utf-8"?>
+<p:tagLst xmlns:a="http://schemas.openxmlformats.org/drawingml/2006/main" xmlns:r="http://schemas.openxmlformats.org/officeDocument/2006/relationships" xmlns:p="http://schemas.openxmlformats.org/presentationml/2006/main">
+  <p:tag name="DVSHAPEID" val="mjyL4oUdaxOrgCrpIERs0q"/>
+</p:tagLst>
+</file>
+
+<file path=ppt/tags/tag120.xml><?xml version="1.0" encoding="utf-8"?>
+<p:tagLst xmlns:a="http://schemas.openxmlformats.org/drawingml/2006/main" xmlns:r="http://schemas.openxmlformats.org/officeDocument/2006/relationships" xmlns:p="http://schemas.openxmlformats.org/presentationml/2006/main">
+  <p:tag name="DVSHAPEID" val="wuWNDB5SNwyaJtLNvWtq6X"/>
+</p:tagLst>
+</file>
+
+<file path=ppt/tags/tag121.xml><?xml version="1.0" encoding="utf-8"?>
+<p:tagLst xmlns:a="http://schemas.openxmlformats.org/drawingml/2006/main" xmlns:r="http://schemas.openxmlformats.org/officeDocument/2006/relationships" xmlns:p="http://schemas.openxmlformats.org/presentationml/2006/main">
+  <p:tag name="DVSHAPEID" val="PLs6uPG8gBjSGRMw6buajo"/>
+</p:tagLst>
+</file>
+
+<file path=ppt/tags/tag122.xml><?xml version="1.0" encoding="utf-8"?>
+<p:tagLst xmlns:a="http://schemas.openxmlformats.org/drawingml/2006/main" xmlns:r="http://schemas.openxmlformats.org/officeDocument/2006/relationships" xmlns:p="http://schemas.openxmlformats.org/presentationml/2006/main">
+  <p:tag name="DVSHAPEID" val="Fq4kaFADTVjzFbkx7fbEfW"/>
+</p:tagLst>
+</file>
+
+<file path=ppt/tags/tag123.xml><?xml version="1.0" encoding="utf-8"?>
+<p:tagLst xmlns:a="http://schemas.openxmlformats.org/drawingml/2006/main" xmlns:r="http://schemas.openxmlformats.org/officeDocument/2006/relationships" xmlns:p="http://schemas.openxmlformats.org/presentationml/2006/main">
+  <p:tag name="DVSECTIONID" val="hdt0DJa5DCxcOrqQVg5MYe"/>
+</p:tagLst>
+</file>
+
+<file path=ppt/tags/tag124.xml><?xml version="1.0" encoding="utf-8"?>
+<p:tagLst xmlns:a="http://schemas.openxmlformats.org/drawingml/2006/main" xmlns:r="http://schemas.openxmlformats.org/officeDocument/2006/relationships" xmlns:p="http://schemas.openxmlformats.org/presentationml/2006/main">
+  <p:tag name="DVSHAPEID" val="QRMU1YQiWWEq5219F1yCIo"/>
+</p:tagLst>
+</file>
+
+<file path=ppt/tags/tag125.xml><?xml version="1.0" encoding="utf-8"?>
+<p:tagLst xmlns:a="http://schemas.openxmlformats.org/drawingml/2006/main" xmlns:r="http://schemas.openxmlformats.org/officeDocument/2006/relationships" xmlns:p="http://schemas.openxmlformats.org/presentationml/2006/main">
+  <p:tag name="DVSHAPEID" val="z7bBcy3fYE8JzdygECNAYm"/>
+</p:tagLst>
+</file>
+
+<file path=ppt/tags/tag126.xml><?xml version="1.0" encoding="utf-8"?>
+<p:tagLst xmlns:a="http://schemas.openxmlformats.org/drawingml/2006/main" xmlns:r="http://schemas.openxmlformats.org/officeDocument/2006/relationships" xmlns:p="http://schemas.openxmlformats.org/presentationml/2006/main">
+  <p:tag name="DVSHAPEID" val="Ue5ivYza6CdriFIpLheHXZ"/>
+</p:tagLst>
+</file>
+
+<file path=ppt/tags/tag127.xml><?xml version="1.0" encoding="utf-8"?>
+<p:tagLst xmlns:a="http://schemas.openxmlformats.org/drawingml/2006/main" xmlns:r="http://schemas.openxmlformats.org/officeDocument/2006/relationships" xmlns:p="http://schemas.openxmlformats.org/presentationml/2006/main">
+  <p:tag name="DVSHAPEID" val="hmsOBomWP7qccWvT35FOyw"/>
+</p:tagLst>
+</file>
+
+<file path=ppt/tags/tag128.xml><?xml version="1.0" encoding="utf-8"?>
+<p:tagLst xmlns:a="http://schemas.openxmlformats.org/drawingml/2006/main" xmlns:r="http://schemas.openxmlformats.org/officeDocument/2006/relationships" xmlns:p="http://schemas.openxmlformats.org/presentationml/2006/main">
+  <p:tag name="DVSHAPEID" val="v7UTyeQvmgoUXJQHmbN9N5"/>
+</p:tagLst>
+</file>
+
+<file path=ppt/tags/tag129.xml><?xml version="1.0" encoding="utf-8"?>
+<p:tagLst xmlns:a="http://schemas.openxmlformats.org/drawingml/2006/main" xmlns:r="http://schemas.openxmlformats.org/officeDocument/2006/relationships" xmlns:p="http://schemas.openxmlformats.org/presentationml/2006/main">
+  <p:tag name="DVSHAPEID" val="15sLUSe929rLQkTIQ76jL9"/>
+</p:tagLst>
+</file>
+
+<file path=ppt/tags/tag13.xml><?xml version="1.0" encoding="utf-8"?>
+<p:tagLst xmlns:a="http://schemas.openxmlformats.org/drawingml/2006/main" xmlns:r="http://schemas.openxmlformats.org/officeDocument/2006/relationships" xmlns:p="http://schemas.openxmlformats.org/presentationml/2006/main">
+  <p:tag name="DVSHAPEID" val="lds4q19p7N9AVh4DiYjC4E"/>
+</p:tagLst>
+</file>
+
+<file path=ppt/tags/tag130.xml><?xml version="1.0" encoding="utf-8"?>
+<p:tagLst xmlns:a="http://schemas.openxmlformats.org/drawingml/2006/main" xmlns:r="http://schemas.openxmlformats.org/officeDocument/2006/relationships" xmlns:p="http://schemas.openxmlformats.org/presentationml/2006/main">
+  <p:tag name="DVSHAPEID" val="OhZL3lJu1oIp6OqMkXhdef"/>
+</p:tagLst>
+</file>
+
+<file path=ppt/tags/tag131.xml><?xml version="1.0" encoding="utf-8"?>
+<p:tagLst xmlns:a="http://schemas.openxmlformats.org/drawingml/2006/main" xmlns:r="http://schemas.openxmlformats.org/officeDocument/2006/relationships" xmlns:p="http://schemas.openxmlformats.org/presentationml/2006/main">
+  <p:tag name="DVSHAPEID" val="tbSvNEkF3tkRhaL8PSpy83"/>
+</p:tagLst>
+</file>
+
+<file path=ppt/tags/tag132.xml><?xml version="1.0" encoding="utf-8"?>
+<p:tagLst xmlns:a="http://schemas.openxmlformats.org/drawingml/2006/main" xmlns:r="http://schemas.openxmlformats.org/officeDocument/2006/relationships" xmlns:p="http://schemas.openxmlformats.org/presentationml/2006/main">
+  <p:tag name="DVSHAPEID" val="2qe4h4N81yVzOOTxy49lke"/>
+</p:tagLst>
+</file>
+
+<file path=ppt/tags/tag133.xml><?xml version="1.0" encoding="utf-8"?>
+<p:tagLst xmlns:a="http://schemas.openxmlformats.org/drawingml/2006/main" xmlns:r="http://schemas.openxmlformats.org/officeDocument/2006/relationships" xmlns:p="http://schemas.openxmlformats.org/presentationml/2006/main">
+  <p:tag name="DVSHAPEID" val="5exg0b8pNG7p8shImfSUsM"/>
+</p:tagLst>
+</file>
+
+<file path=ppt/tags/tag134.xml><?xml version="1.0" encoding="utf-8"?>
+<p:tagLst xmlns:a="http://schemas.openxmlformats.org/drawingml/2006/main" xmlns:r="http://schemas.openxmlformats.org/officeDocument/2006/relationships" xmlns:p="http://schemas.openxmlformats.org/presentationml/2006/main">
+  <p:tag name="DVSHAPEID" val="WHmXfhkkoMIOlZx13B0CLe"/>
+</p:tagLst>
+</file>
+
+<file path=ppt/tags/tag135.xml><?xml version="1.0" encoding="utf-8"?>
+<p:tagLst xmlns:a="http://schemas.openxmlformats.org/drawingml/2006/main" xmlns:r="http://schemas.openxmlformats.org/officeDocument/2006/relationships" xmlns:p="http://schemas.openxmlformats.org/presentationml/2006/main">
+  <p:tag name="DVSHAPEID" val="soGqgPIUsqMjiPT3WQ4sik"/>
+</p:tagLst>
+</file>
+
+<file path=ppt/tags/tag136.xml><?xml version="1.0" encoding="utf-8"?>
+<p:tagLst xmlns:a="http://schemas.openxmlformats.org/drawingml/2006/main" xmlns:r="http://schemas.openxmlformats.org/officeDocument/2006/relationships" xmlns:p="http://schemas.openxmlformats.org/presentationml/2006/main">
+  <p:tag name="DVSHAPEID" val="Hk6hbkcgUP0IfXhO1vCtkh"/>
+</p:tagLst>
+</file>
+
+<file path=ppt/tags/tag137.xml><?xml version="1.0" encoding="utf-8"?>
+<p:tagLst xmlns:a="http://schemas.openxmlformats.org/drawingml/2006/main" xmlns:r="http://schemas.openxmlformats.org/officeDocument/2006/relationships" xmlns:p="http://schemas.openxmlformats.org/presentationml/2006/main">
+  <p:tag name="DVSHAPEID" val="12HH70F9xiV8HlkYDnIbwX"/>
+</p:tagLst>
+</file>
+
+<file path=ppt/tags/tag138.xml><?xml version="1.0" encoding="utf-8"?>
+<p:tagLst xmlns:a="http://schemas.openxmlformats.org/drawingml/2006/main" xmlns:r="http://schemas.openxmlformats.org/officeDocument/2006/relationships" xmlns:p="http://schemas.openxmlformats.org/presentationml/2006/main">
+  <p:tag name="DVSHAPEID" val="iAAWL7PzPOZpj4AudbBKhI"/>
+</p:tagLst>
+</file>
+
+<file path=ppt/tags/tag139.xml><?xml version="1.0" encoding="utf-8"?>
+<p:tagLst xmlns:a="http://schemas.openxmlformats.org/drawingml/2006/main" xmlns:r="http://schemas.openxmlformats.org/officeDocument/2006/relationships" xmlns:p="http://schemas.openxmlformats.org/presentationml/2006/main">
+  <p:tag name="DVSHAPEID" val="M7fVu2RfL8L3J76aexkYt7"/>
+</p:tagLst>
+</file>
+
+<file path=ppt/tags/tag14.xml><?xml version="1.0" encoding="utf-8"?>
+<p:tagLst xmlns:a="http://schemas.openxmlformats.org/drawingml/2006/main" xmlns:r="http://schemas.openxmlformats.org/officeDocument/2006/relationships" xmlns:p="http://schemas.openxmlformats.org/presentationml/2006/main">
+  <p:tag name="DVSHAPEID" val="KnXL4ZgmA8MWXlj0YS4Kp0"/>
+</p:tagLst>
+</file>
+
+<file path=ppt/tags/tag140.xml><?xml version="1.0" encoding="utf-8"?>
+<p:tagLst xmlns:a="http://schemas.openxmlformats.org/drawingml/2006/main" xmlns:r="http://schemas.openxmlformats.org/officeDocument/2006/relationships" xmlns:p="http://schemas.openxmlformats.org/presentationml/2006/main">
+  <p:tag name="DVSHAPEID" val="8i2fo8awALFANsHQDNHA2R"/>
+</p:tagLst>
+</file>
+
+<file path=ppt/tags/tag141.xml><?xml version="1.0" encoding="utf-8"?>
+<p:tagLst xmlns:a="http://schemas.openxmlformats.org/drawingml/2006/main" xmlns:r="http://schemas.openxmlformats.org/officeDocument/2006/relationships" xmlns:p="http://schemas.openxmlformats.org/presentationml/2006/main">
+  <p:tag name="DVSHAPEID" val="Dflto2W4qjeFZXSeEJ5fyZ"/>
+</p:tagLst>
+</file>
+
+<file path=ppt/tags/tag142.xml><?xml version="1.0" encoding="utf-8"?>
+<p:tagLst xmlns:a="http://schemas.openxmlformats.org/drawingml/2006/main" xmlns:r="http://schemas.openxmlformats.org/officeDocument/2006/relationships" xmlns:p="http://schemas.openxmlformats.org/presentationml/2006/main">
+  <p:tag name="DVSECTIONID" val="oSQbi3NdUPJ4fw0dhDEfXH"/>
+</p:tagLst>
+</file>
+
+<file path=ppt/tags/tag143.xml><?xml version="1.0" encoding="utf-8"?>
+<p:tagLst xmlns:a="http://schemas.openxmlformats.org/drawingml/2006/main" xmlns:r="http://schemas.openxmlformats.org/officeDocument/2006/relationships" xmlns:p="http://schemas.openxmlformats.org/presentationml/2006/main">
+  <p:tag name="DVSHAPEID" val="o9jDtoTwgS4hENUUK7Avlm"/>
+</p:tagLst>
+</file>
+
+<file path=ppt/tags/tag144.xml><?xml version="1.0" encoding="utf-8"?>
+<p:tagLst xmlns:a="http://schemas.openxmlformats.org/drawingml/2006/main" xmlns:r="http://schemas.openxmlformats.org/officeDocument/2006/relationships" xmlns:p="http://schemas.openxmlformats.org/presentationml/2006/main">
+  <p:tag name="DVSHAPEID" val="l8tJXo9YvNiDRbaKyxaT2m"/>
+</p:tagLst>
+</file>
+
+<file path=ppt/tags/tag145.xml><?xml version="1.0" encoding="utf-8"?>
+<p:tagLst xmlns:a="http://schemas.openxmlformats.org/drawingml/2006/main" xmlns:r="http://schemas.openxmlformats.org/officeDocument/2006/relationships" xmlns:p="http://schemas.openxmlformats.org/presentationml/2006/main">
+  <p:tag name="DVSHAPEID" val="AHi5kJYXE2E1NaaKrvnhmg"/>
+</p:tagLst>
+</file>
+
+<file path=ppt/tags/tag146.xml><?xml version="1.0" encoding="utf-8"?>
+<p:tagLst xmlns:a="http://schemas.openxmlformats.org/drawingml/2006/main" xmlns:r="http://schemas.openxmlformats.org/officeDocument/2006/relationships" xmlns:p="http://schemas.openxmlformats.org/presentationml/2006/main">
+  <p:tag name="DVSHAPEID" val="Y0WIK0y2lrjZyLqR3p0y8g"/>
+</p:tagLst>
+</file>
+
+<file path=ppt/tags/tag147.xml><?xml version="1.0" encoding="utf-8"?>
+<p:tagLst xmlns:a="http://schemas.openxmlformats.org/drawingml/2006/main" xmlns:r="http://schemas.openxmlformats.org/officeDocument/2006/relationships" xmlns:p="http://schemas.openxmlformats.org/presentationml/2006/main">
+  <p:tag name="DVSHAPEID" val="ZPoZAO6EvKZjJh9CYYoCGc"/>
+</p:tagLst>
+</file>
+
+<file path=ppt/tags/tag148.xml><?xml version="1.0" encoding="utf-8"?>
+<p:tagLst xmlns:a="http://schemas.openxmlformats.org/drawingml/2006/main" xmlns:r="http://schemas.openxmlformats.org/officeDocument/2006/relationships" xmlns:p="http://schemas.openxmlformats.org/presentationml/2006/main">
+  <p:tag name="DVSHAPEID" val="HOCojzrXhO8I16kLqJVHVz"/>
+</p:tagLst>
+</file>
+
+<file path=ppt/tags/tag149.xml><?xml version="1.0" encoding="utf-8"?>
+<p:tagLst xmlns:a="http://schemas.openxmlformats.org/drawingml/2006/main" xmlns:r="http://schemas.openxmlformats.org/officeDocument/2006/relationships" xmlns:p="http://schemas.openxmlformats.org/presentationml/2006/main">
+  <p:tag name="DVSHAPEID" val="Ze29Irr29wzM8znbvxdyta"/>
+</p:tagLst>
+</file>
+
+<file path=ppt/tags/tag15.xml><?xml version="1.0" encoding="utf-8"?>
+<p:tagLst xmlns:a="http://schemas.openxmlformats.org/drawingml/2006/main" xmlns:r="http://schemas.openxmlformats.org/officeDocument/2006/relationships" xmlns:p="http://schemas.openxmlformats.org/presentationml/2006/main">
+  <p:tag name="DVSHAPEID" val="iGGak4lS9nmHs47EW99Ld0"/>
+</p:tagLst>
+</file>
+
+<file path=ppt/tags/tag150.xml><?xml version="1.0" encoding="utf-8"?>
+<p:tagLst xmlns:a="http://schemas.openxmlformats.org/drawingml/2006/main" xmlns:r="http://schemas.openxmlformats.org/officeDocument/2006/relationships" xmlns:p="http://schemas.openxmlformats.org/presentationml/2006/main">
+  <p:tag name="DVSECTIONID" val="WcyN6Dvxt0g3OB9sr6hpHI"/>
+</p:tagLst>
+</file>
+
+<file path=ppt/tags/tag151.xml><?xml version="1.0" encoding="utf-8"?>
+<p:tagLst xmlns:a="http://schemas.openxmlformats.org/drawingml/2006/main" xmlns:r="http://schemas.openxmlformats.org/officeDocument/2006/relationships" xmlns:p="http://schemas.openxmlformats.org/presentationml/2006/main">
+  <p:tag name="DVSHAPEID" val="b0g2icxEGZh8OnmaQZweFB"/>
+</p:tagLst>
+</file>
+
+<file path=ppt/tags/tag152.xml><?xml version="1.0" encoding="utf-8"?>
+<p:tagLst xmlns:a="http://schemas.openxmlformats.org/drawingml/2006/main" xmlns:r="http://schemas.openxmlformats.org/officeDocument/2006/relationships" xmlns:p="http://schemas.openxmlformats.org/presentationml/2006/main">
+  <p:tag name="DVSHAPEID" val="9fYKneeotn5P31SF9euuPz"/>
+</p:tagLst>
+</file>
+
+<file path=ppt/tags/tag153.xml><?xml version="1.0" encoding="utf-8"?>
+<p:tagLst xmlns:a="http://schemas.openxmlformats.org/drawingml/2006/main" xmlns:r="http://schemas.openxmlformats.org/officeDocument/2006/relationships" xmlns:p="http://schemas.openxmlformats.org/presentationml/2006/main">
+  <p:tag name="DVSECTIONID" val="tKcTPHZr8IhHWDDuXaInlI"/>
+</p:tagLst>
+</file>
+
+<file path=ppt/tags/tag154.xml><?xml version="1.0" encoding="utf-8"?>
+<p:tagLst xmlns:a="http://schemas.openxmlformats.org/drawingml/2006/main" xmlns:r="http://schemas.openxmlformats.org/officeDocument/2006/relationships" xmlns:p="http://schemas.openxmlformats.org/presentationml/2006/main">
+  <p:tag name="DVSHAPEID" val="vZLZPlGd1evzR04xOjqivT"/>
+</p:tagLst>
+</file>
+
+<file path=ppt/tags/tag155.xml><?xml version="1.0" encoding="utf-8"?>
+<p:tagLst xmlns:a="http://schemas.openxmlformats.org/drawingml/2006/main" xmlns:r="http://schemas.openxmlformats.org/officeDocument/2006/relationships" xmlns:p="http://schemas.openxmlformats.org/presentationml/2006/main">
+  <p:tag name="DVSHAPEID" val="2ZjkhaQhKbLzJYZooTHglQ"/>
+</p:tagLst>
+</file>
+
+<file path=ppt/tags/tag156.xml><?xml version="1.0" encoding="utf-8"?>
+<p:tagLst xmlns:a="http://schemas.openxmlformats.org/drawingml/2006/main" xmlns:r="http://schemas.openxmlformats.org/officeDocument/2006/relationships" xmlns:p="http://schemas.openxmlformats.org/presentationml/2006/main">
+  <p:tag name="DVSECTIONID" val="OcIp3OcxXx0dIOBcNNy1Sx"/>
+</p:tagLst>
+</file>
+
+<file path=ppt/tags/tag157.xml><?xml version="1.0" encoding="utf-8"?>
+<p:tagLst xmlns:a="http://schemas.openxmlformats.org/drawingml/2006/main" xmlns:r="http://schemas.openxmlformats.org/officeDocument/2006/relationships" xmlns:p="http://schemas.openxmlformats.org/presentationml/2006/main">
+  <p:tag name="DVSHAPEID" val="ku9RBBpa4x3CXLGu4wmKtk"/>
+</p:tagLst>
+</file>
+
+<file path=ppt/tags/tag158.xml><?xml version="1.0" encoding="utf-8"?>
+<p:tagLst xmlns:a="http://schemas.openxmlformats.org/drawingml/2006/main" xmlns:r="http://schemas.openxmlformats.org/officeDocument/2006/relationships" xmlns:p="http://schemas.openxmlformats.org/presentationml/2006/main">
+  <p:tag name="DVSHAPEID" val="Nih6yqVxAexbFPbpzeRA6e"/>
+</p:tagLst>
+</file>
+
+<file path=ppt/tags/tag159.xml><?xml version="1.0" encoding="utf-8"?>
+<p:tagLst xmlns:a="http://schemas.openxmlformats.org/drawingml/2006/main" xmlns:r="http://schemas.openxmlformats.org/officeDocument/2006/relationships" xmlns:p="http://schemas.openxmlformats.org/presentationml/2006/main">
+  <p:tag name="DVSHAPEID" val="v71dHTObUBn0GQAu3YfwXO"/>
+</p:tagLst>
+</file>
+
+<file path=ppt/tags/tag16.xml><?xml version="1.0" encoding="utf-8"?>
+<p:tagLst xmlns:a="http://schemas.openxmlformats.org/drawingml/2006/main" xmlns:r="http://schemas.openxmlformats.org/officeDocument/2006/relationships" xmlns:p="http://schemas.openxmlformats.org/presentationml/2006/main">
+  <p:tag name="DVSHAPEID" val="OZkIki0qyjeK5g5UFb1HZo"/>
+</p:tagLst>
+</file>
+
+<file path=ppt/tags/tag160.xml><?xml version="1.0" encoding="utf-8"?>
+<p:tagLst xmlns:a="http://schemas.openxmlformats.org/drawingml/2006/main" xmlns:r="http://schemas.openxmlformats.org/officeDocument/2006/relationships" xmlns:p="http://schemas.openxmlformats.org/presentationml/2006/main">
+  <p:tag name="DVSHAPEID" val="4L6QjEW7STdzN95kI1IokW"/>
+</p:tagLst>
+</file>
+
+<file path=ppt/tags/tag161.xml><?xml version="1.0" encoding="utf-8"?>
+<p:tagLst xmlns:a="http://schemas.openxmlformats.org/drawingml/2006/main" xmlns:r="http://schemas.openxmlformats.org/officeDocument/2006/relationships" xmlns:p="http://schemas.openxmlformats.org/presentationml/2006/main">
+  <p:tag name="DVSHAPEID" val="OF8kO5bSkAgG3g7RAaeMIt"/>
+</p:tagLst>
+</file>
+
+<file path=ppt/tags/tag162.xml><?xml version="1.0" encoding="utf-8"?>
+<p:tagLst xmlns:a="http://schemas.openxmlformats.org/drawingml/2006/main" xmlns:r="http://schemas.openxmlformats.org/officeDocument/2006/relationships" xmlns:p="http://schemas.openxmlformats.org/presentationml/2006/main">
+  <p:tag name="DVSHAPEID" val="N73roIgdOyu8WrHYPRW0zC"/>
+</p:tagLst>
+</file>
+
+<file path=ppt/tags/tag163.xml><?xml version="1.0" encoding="utf-8"?>
+<p:tagLst xmlns:a="http://schemas.openxmlformats.org/drawingml/2006/main" xmlns:r="http://schemas.openxmlformats.org/officeDocument/2006/relationships" xmlns:p="http://schemas.openxmlformats.org/presentationml/2006/main">
+  <p:tag name="DVSHAPEID" val="i65PdRryaydlR1gnGtC6MI"/>
+</p:tagLst>
+</file>
+
+<file path=ppt/tags/tag164.xml><?xml version="1.0" encoding="utf-8"?>
+<p:tagLst xmlns:a="http://schemas.openxmlformats.org/drawingml/2006/main" xmlns:r="http://schemas.openxmlformats.org/officeDocument/2006/relationships" xmlns:p="http://schemas.openxmlformats.org/presentationml/2006/main">
+  <p:tag name="DVSHAPEID" val="cVjGaBknPITaOXlzvoMgoV"/>
+</p:tagLst>
+</file>
+
+<file path=ppt/tags/tag165.xml><?xml version="1.0" encoding="utf-8"?>
+<p:tagLst xmlns:a="http://schemas.openxmlformats.org/drawingml/2006/main" xmlns:r="http://schemas.openxmlformats.org/officeDocument/2006/relationships" xmlns:p="http://schemas.openxmlformats.org/presentationml/2006/main">
+  <p:tag name="DVSHAPEID" val="UAzFHsatnsQAUavwGPdMIv"/>
+</p:tagLst>
+</file>
+
+<file path=ppt/tags/tag166.xml><?xml version="1.0" encoding="utf-8"?>
+<p:tagLst xmlns:a="http://schemas.openxmlformats.org/drawingml/2006/main" xmlns:r="http://schemas.openxmlformats.org/officeDocument/2006/relationships" xmlns:p="http://schemas.openxmlformats.org/presentationml/2006/main">
+  <p:tag name="DVSHAPEID" val="rHcj16Xdjvjg0J7uTRcmkr"/>
+</p:tagLst>
+</file>
+
+<file path=ppt/tags/tag167.xml><?xml version="1.0" encoding="utf-8"?>
+<p:tagLst xmlns:a="http://schemas.openxmlformats.org/drawingml/2006/main" xmlns:r="http://schemas.openxmlformats.org/officeDocument/2006/relationships" xmlns:p="http://schemas.openxmlformats.org/presentationml/2006/main">
+  <p:tag name="DVSECTIONID" val="L7FvOX97GjmLVZbqDaeALJ"/>
+</p:tagLst>
+</file>
+
+<file path=ppt/tags/tag168.xml><?xml version="1.0" encoding="utf-8"?>
+<p:tagLst xmlns:a="http://schemas.openxmlformats.org/drawingml/2006/main" xmlns:r="http://schemas.openxmlformats.org/officeDocument/2006/relationships" xmlns:p="http://schemas.openxmlformats.org/presentationml/2006/main">
+  <p:tag name="DVSHAPEID" val="je2a4YHW2Bcp8Rtnr4va8k"/>
+</p:tagLst>
+</file>
+
+<file path=ppt/tags/tag169.xml><?xml version="1.0" encoding="utf-8"?>
+<p:tagLst xmlns:a="http://schemas.openxmlformats.org/drawingml/2006/main" xmlns:r="http://schemas.openxmlformats.org/officeDocument/2006/relationships" xmlns:p="http://schemas.openxmlformats.org/presentationml/2006/main">
+  <p:tag name="DVSHAPEID" val="gDaLpcWlzma0nYhQ2ZvmtH"/>
+</p:tagLst>
+</file>
+
+<file path=ppt/tags/tag17.xml><?xml version="1.0" encoding="utf-8"?>
+<p:tagLst xmlns:a="http://schemas.openxmlformats.org/drawingml/2006/main" xmlns:r="http://schemas.openxmlformats.org/officeDocument/2006/relationships" xmlns:p="http://schemas.openxmlformats.org/presentationml/2006/main">
+  <p:tag name="DVSHAPEID" val="zfTfSjWUAENhSGQCK2SIP2"/>
+</p:tagLst>
+</file>
+
+<file path=ppt/tags/tag170.xml><?xml version="1.0" encoding="utf-8"?>
+<p:tagLst xmlns:a="http://schemas.openxmlformats.org/drawingml/2006/main" xmlns:r="http://schemas.openxmlformats.org/officeDocument/2006/relationships" xmlns:p="http://schemas.openxmlformats.org/presentationml/2006/main">
+  <p:tag name="DVSECTIONID" val="GIVPSLnUPkPgqBJx0fnQQG"/>
+</p:tagLst>
+</file>
+
+<file path=ppt/tags/tag171.xml><?xml version="1.0" encoding="utf-8"?>
+<p:tagLst xmlns:a="http://schemas.openxmlformats.org/drawingml/2006/main" xmlns:r="http://schemas.openxmlformats.org/officeDocument/2006/relationships" xmlns:p="http://schemas.openxmlformats.org/presentationml/2006/main">
+  <p:tag name="DVSHAPEID" val="4BAf1vq8RaiYXp0izv0G2Q"/>
+</p:tagLst>
+</file>
+
+<file path=ppt/tags/tag172.xml><?xml version="1.0" encoding="utf-8"?>
+<p:tagLst xmlns:a="http://schemas.openxmlformats.org/drawingml/2006/main" xmlns:r="http://schemas.openxmlformats.org/officeDocument/2006/relationships" xmlns:p="http://schemas.openxmlformats.org/presentationml/2006/main">
+  <p:tag name="DVSHAPEID" val="e7tu6A1wEMRzzzb9aqVrv0"/>
+</p:tagLst>
+</file>
+
+<file path=ppt/tags/tag173.xml><?xml version="1.0" encoding="utf-8"?>
+<p:tagLst xmlns:a="http://schemas.openxmlformats.org/drawingml/2006/main" xmlns:r="http://schemas.openxmlformats.org/officeDocument/2006/relationships" xmlns:p="http://schemas.openxmlformats.org/presentationml/2006/main">
+  <p:tag name="DVSECTIONID" val="RXSC1nanMhL1qXAZ4oJMu2"/>
+</p:tagLst>
+</file>
+
+<file path=ppt/tags/tag174.xml><?xml version="1.0" encoding="utf-8"?>
+<p:tagLst xmlns:a="http://schemas.openxmlformats.org/drawingml/2006/main" xmlns:r="http://schemas.openxmlformats.org/officeDocument/2006/relationships" xmlns:p="http://schemas.openxmlformats.org/presentationml/2006/main">
+  <p:tag name="DVSHAPEID" val="Io1SQKp0mMFdmtMxpP6kww"/>
+</p:tagLst>
+</file>
+
+<file path=ppt/tags/tag175.xml><?xml version="1.0" encoding="utf-8"?>
+<p:tagLst xmlns:a="http://schemas.openxmlformats.org/drawingml/2006/main" xmlns:r="http://schemas.openxmlformats.org/officeDocument/2006/relationships" xmlns:p="http://schemas.openxmlformats.org/presentationml/2006/main">
+  <p:tag name="DVSHAPEID" val="7nPq7pkALBleo4seKh6Ep5"/>
+</p:tagLst>
+</file>
+
+<file path=ppt/tags/tag18.xml><?xml version="1.0" encoding="utf-8"?>
+<p:tagLst xmlns:a="http://schemas.openxmlformats.org/drawingml/2006/main" xmlns:r="http://schemas.openxmlformats.org/officeDocument/2006/relationships" xmlns:p="http://schemas.openxmlformats.org/presentationml/2006/main">
+  <p:tag name="DVSHAPEID" val="tIYRz2uXKw1pp4P5qGuDIz"/>
+</p:tagLst>
+</file>
+
+<file path=ppt/tags/tag19.xml><?xml version="1.0" encoding="utf-8"?>
+<p:tagLst xmlns:a="http://schemas.openxmlformats.org/drawingml/2006/main" xmlns:r="http://schemas.openxmlformats.org/officeDocument/2006/relationships" xmlns:p="http://schemas.openxmlformats.org/presentationml/2006/main">
+  <p:tag name="DVSHAPEID" val="WOoo32rYPhzxLbg1KUqDUg"/>
+</p:tagLst>
+</file>
+
+<file path=ppt/tags/tag2.xml><?xml version="1.0" encoding="utf-8"?>
+<p:tagLst xmlns:a="http://schemas.openxmlformats.org/drawingml/2006/main" xmlns:r="http://schemas.openxmlformats.org/officeDocument/2006/relationships" xmlns:p="http://schemas.openxmlformats.org/presentationml/2006/main">
+  <p:tag name="DVSHAPEID" val="S84H4a4PeR62uudp1HyFga"/>
+</p:tagLst>
+</file>
+
+<file path=ppt/tags/tag20.xml><?xml version="1.0" encoding="utf-8"?>
+<p:tagLst xmlns:a="http://schemas.openxmlformats.org/drawingml/2006/main" xmlns:r="http://schemas.openxmlformats.org/officeDocument/2006/relationships" xmlns:p="http://schemas.openxmlformats.org/presentationml/2006/main">
+  <p:tag name="DVSHAPEID" val="gthMMFCbdbjTLasaYrwMHK"/>
+</p:tagLst>
+</file>
+
+<file path=ppt/tags/tag21.xml><?xml version="1.0" encoding="utf-8"?>
+<p:tagLst xmlns:a="http://schemas.openxmlformats.org/drawingml/2006/main" xmlns:r="http://schemas.openxmlformats.org/officeDocument/2006/relationships" xmlns:p="http://schemas.openxmlformats.org/presentationml/2006/main">
+  <p:tag name="DVSHAPEID" val="QSiEOoVAc5FFxU7hgLlD3n"/>
+</p:tagLst>
+</file>
+
+<file path=ppt/tags/tag22.xml><?xml version="1.0" encoding="utf-8"?>
+<p:tagLst xmlns:a="http://schemas.openxmlformats.org/drawingml/2006/main" xmlns:r="http://schemas.openxmlformats.org/officeDocument/2006/relationships" xmlns:p="http://schemas.openxmlformats.org/presentationml/2006/main">
+  <p:tag name="DVSHAPEID" val="dSp5yAVZ68zwCot8QefDZe"/>
+</p:tagLst>
+</file>
+
+<file path=ppt/tags/tag23.xml><?xml version="1.0" encoding="utf-8"?>
+<p:tagLst xmlns:a="http://schemas.openxmlformats.org/drawingml/2006/main" xmlns:r="http://schemas.openxmlformats.org/officeDocument/2006/relationships" xmlns:p="http://schemas.openxmlformats.org/presentationml/2006/main">
+  <p:tag name="DVSHAPEID" val="e5Cx3HbLq3HsFqeIQlEcZx"/>
+</p:tagLst>
+</file>
+
+<file path=ppt/tags/tag24.xml><?xml version="1.0" encoding="utf-8"?>
+<p:tagLst xmlns:a="http://schemas.openxmlformats.org/drawingml/2006/main" xmlns:r="http://schemas.openxmlformats.org/officeDocument/2006/relationships" xmlns:p="http://schemas.openxmlformats.org/presentationml/2006/main">
+  <p:tag name="DVSHAPEID" val="61iIO7U7npoZDkt0weOlHw"/>
+</p:tagLst>
+</file>
+
+<file path=ppt/tags/tag25.xml><?xml version="1.0" encoding="utf-8"?>
+<p:tagLst xmlns:a="http://schemas.openxmlformats.org/drawingml/2006/main" xmlns:r="http://schemas.openxmlformats.org/officeDocument/2006/relationships" xmlns:p="http://schemas.openxmlformats.org/presentationml/2006/main">
+  <p:tag name="DVSHAPEID" val="PaJ2U7nUYMeGZAfkS3QjFh"/>
+</p:tagLst>
+</file>
+
+<file path=ppt/tags/tag26.xml><?xml version="1.0" encoding="utf-8"?>
+<p:tagLst xmlns:a="http://schemas.openxmlformats.org/drawingml/2006/main" xmlns:r="http://schemas.openxmlformats.org/officeDocument/2006/relationships" xmlns:p="http://schemas.openxmlformats.org/presentationml/2006/main">
+  <p:tag name="DVSHAPEID" val="4GMTfPPqnDPAc7ZMcMJtqB"/>
+</p:tagLst>
+</file>
+
+<file path=ppt/tags/tag27.xml><?xml version="1.0" encoding="utf-8"?>
+<p:tagLst xmlns:a="http://schemas.openxmlformats.org/drawingml/2006/main" xmlns:r="http://schemas.openxmlformats.org/officeDocument/2006/relationships" xmlns:p="http://schemas.openxmlformats.org/presentationml/2006/main">
+  <p:tag name="DVSHAPEID" val="KWlSKblKvoQx53f0Sy4xoB"/>
+</p:tagLst>
+</file>
+
+<file path=ppt/tags/tag28.xml><?xml version="1.0" encoding="utf-8"?>
+<p:tagLst xmlns:a="http://schemas.openxmlformats.org/drawingml/2006/main" xmlns:r="http://schemas.openxmlformats.org/officeDocument/2006/relationships" xmlns:p="http://schemas.openxmlformats.org/presentationml/2006/main">
+  <p:tag name="DVSHAPEID" val="Rpn7l6R3AcQsVPym5D5C8r"/>
+</p:tagLst>
+</file>
+
+<file path=ppt/tags/tag29.xml><?xml version="1.0" encoding="utf-8"?>
+<p:tagLst xmlns:a="http://schemas.openxmlformats.org/drawingml/2006/main" xmlns:r="http://schemas.openxmlformats.org/officeDocument/2006/relationships" xmlns:p="http://schemas.openxmlformats.org/presentationml/2006/main">
+  <p:tag name="DVSHAPEID" val="JF2WwbUboSd95VuCQeTsNE"/>
+</p:tagLst>
+</file>
+
+<file path=ppt/tags/tag3.xml><?xml version="1.0" encoding="utf-8"?>
+<p:tagLst xmlns:a="http://schemas.openxmlformats.org/drawingml/2006/main" xmlns:r="http://schemas.openxmlformats.org/officeDocument/2006/relationships" xmlns:p="http://schemas.openxmlformats.org/presentationml/2006/main">
+  <p:tag name="DVSHAPEID" val="KcNPclE5ZE4Pt4DGzR0vWB"/>
+</p:tagLst>
+</file>
+
+<file path=ppt/tags/tag30.xml><?xml version="1.0" encoding="utf-8"?>
+<p:tagLst xmlns:a="http://schemas.openxmlformats.org/drawingml/2006/main" xmlns:r="http://schemas.openxmlformats.org/officeDocument/2006/relationships" xmlns:p="http://schemas.openxmlformats.org/presentationml/2006/main">
+  <p:tag name="DVSHAPEID" val="GD7prvtrsLspFI5ozF8pNX"/>
+</p:tagLst>
+</file>
+
+<file path=ppt/tags/tag31.xml><?xml version="1.0" encoding="utf-8"?>
+<p:tagLst xmlns:a="http://schemas.openxmlformats.org/drawingml/2006/main" xmlns:r="http://schemas.openxmlformats.org/officeDocument/2006/relationships" xmlns:p="http://schemas.openxmlformats.org/presentationml/2006/main">
+  <p:tag name="DVSHAPEID" val="fMKCSsMRJGD5YoO7JoHWqr"/>
+</p:tagLst>
+</file>
+
+<file path=ppt/tags/tag32.xml><?xml version="1.0" encoding="utf-8"?>
+<p:tagLst xmlns:a="http://schemas.openxmlformats.org/drawingml/2006/main" xmlns:r="http://schemas.openxmlformats.org/officeDocument/2006/relationships" xmlns:p="http://schemas.openxmlformats.org/presentationml/2006/main">
+  <p:tag name="DVSHAPEID" val="GFgLwsEejoQJnkEPD0FB2M"/>
+</p:tagLst>
+</file>
+
+<file path=ppt/tags/tag33.xml><?xml version="1.0" encoding="utf-8"?>
+<p:tagLst xmlns:a="http://schemas.openxmlformats.org/drawingml/2006/main" xmlns:r="http://schemas.openxmlformats.org/officeDocument/2006/relationships" xmlns:p="http://schemas.openxmlformats.org/presentationml/2006/main">
+  <p:tag name="DVSHAPEID" val="MAKHzrVJHQxO54m6Vjcvme"/>
+</p:tagLst>
+</file>
+
+<file path=ppt/tags/tag34.xml><?xml version="1.0" encoding="utf-8"?>
+<p:tagLst xmlns:a="http://schemas.openxmlformats.org/drawingml/2006/main" xmlns:r="http://schemas.openxmlformats.org/officeDocument/2006/relationships" xmlns:p="http://schemas.openxmlformats.org/presentationml/2006/main">
+  <p:tag name="DVSHAPEID" val="ef1tsULHhPpUTG1PScizH0"/>
+</p:tagLst>
+</file>
+
+<file path=ppt/tags/tag35.xml><?xml version="1.0" encoding="utf-8"?>
+<p:tagLst xmlns:a="http://schemas.openxmlformats.org/drawingml/2006/main" xmlns:r="http://schemas.openxmlformats.org/officeDocument/2006/relationships" xmlns:p="http://schemas.openxmlformats.org/presentationml/2006/main">
+  <p:tag name="DVSHAPEID" val="bzfAsw5lpxpxlvF5Z0Y0zH"/>
+</p:tagLst>
+</file>
+
+<file path=ppt/tags/tag36.xml><?xml version="1.0" encoding="utf-8"?>
+<p:tagLst xmlns:a="http://schemas.openxmlformats.org/drawingml/2006/main" xmlns:r="http://schemas.openxmlformats.org/officeDocument/2006/relationships" xmlns:p="http://schemas.openxmlformats.org/presentationml/2006/main">
+  <p:tag name="DVSHAPEID" val="pbbG56rZcMxe3reSseBVqR"/>
+</p:tagLst>
+</file>
+
+<file path=ppt/tags/tag37.xml><?xml version="1.0" encoding="utf-8"?>
+<p:tagLst xmlns:a="http://schemas.openxmlformats.org/drawingml/2006/main" xmlns:r="http://schemas.openxmlformats.org/officeDocument/2006/relationships" xmlns:p="http://schemas.openxmlformats.org/presentationml/2006/main">
+  <p:tag name="DVSHAPEID" val="vlkw9MdhBHqua3pLrYUpkC"/>
+</p:tagLst>
+</file>
+
+<file path=ppt/tags/tag38.xml><?xml version="1.0" encoding="utf-8"?>
+<p:tagLst xmlns:a="http://schemas.openxmlformats.org/drawingml/2006/main" xmlns:r="http://schemas.openxmlformats.org/officeDocument/2006/relationships" xmlns:p="http://schemas.openxmlformats.org/presentationml/2006/main">
+  <p:tag name="DVSHAPEID" val="07reQ7yJoEhxGPmyWELUaQ"/>
+</p:tagLst>
+</file>
+
+<file path=ppt/tags/tag39.xml><?xml version="1.0" encoding="utf-8"?>
+<p:tagLst xmlns:a="http://schemas.openxmlformats.org/drawingml/2006/main" xmlns:r="http://schemas.openxmlformats.org/officeDocument/2006/relationships" xmlns:p="http://schemas.openxmlformats.org/presentationml/2006/main">
+  <p:tag name="DVSHAPEID" val="NzhasGND00wSlc4VV6JSiM"/>
+</p:tagLst>
+</file>
+
+<file path=ppt/tags/tag4.xml><?xml version="1.0" encoding="utf-8"?>
+<p:tagLst xmlns:a="http://schemas.openxmlformats.org/drawingml/2006/main" xmlns:r="http://schemas.openxmlformats.org/officeDocument/2006/relationships" xmlns:p="http://schemas.openxmlformats.org/presentationml/2006/main">
+  <p:tag name="DVSHAPEID" val="6e9ybdYXclNHoSTeXJa8Sr"/>
+</p:tagLst>
+</file>
+
+<file path=ppt/tags/tag40.xml><?xml version="1.0" encoding="utf-8"?>
+<p:tagLst xmlns:a="http://schemas.openxmlformats.org/drawingml/2006/main" xmlns:r="http://schemas.openxmlformats.org/officeDocument/2006/relationships" xmlns:p="http://schemas.openxmlformats.org/presentationml/2006/main">
+  <p:tag name="DVSHAPEID" val="cDnApS2gEqr9kSXGERWLDh"/>
+</p:tagLst>
+</file>
+
+<file path=ppt/tags/tag41.xml><?xml version="1.0" encoding="utf-8"?>
+<p:tagLst xmlns:a="http://schemas.openxmlformats.org/drawingml/2006/main" xmlns:r="http://schemas.openxmlformats.org/officeDocument/2006/relationships" xmlns:p="http://schemas.openxmlformats.org/presentationml/2006/main">
+  <p:tag name="DVSHAPEID" val="0Nt9u1IEbix0mEMShUAKm6"/>
+</p:tagLst>
+</file>
+
+<file path=ppt/tags/tag42.xml><?xml version="1.0" encoding="utf-8"?>
+<p:tagLst xmlns:a="http://schemas.openxmlformats.org/drawingml/2006/main" xmlns:r="http://schemas.openxmlformats.org/officeDocument/2006/relationships" xmlns:p="http://schemas.openxmlformats.org/presentationml/2006/main">
+  <p:tag name="DVSHAPEID" val="qbSbYfsRWx9VCA6go1xZf9"/>
+</p:tagLst>
+</file>
+
+<file path=ppt/tags/tag43.xml><?xml version="1.0" encoding="utf-8"?>
+<p:tagLst xmlns:a="http://schemas.openxmlformats.org/drawingml/2006/main" xmlns:r="http://schemas.openxmlformats.org/officeDocument/2006/relationships" xmlns:p="http://schemas.openxmlformats.org/presentationml/2006/main">
+  <p:tag name="DVSHAPEID" val="CjvjTLA1aSUUnigi3scjm0"/>
+</p:tagLst>
+</file>
+
+<file path=ppt/tags/tag44.xml><?xml version="1.0" encoding="utf-8"?>
+<p:tagLst xmlns:a="http://schemas.openxmlformats.org/drawingml/2006/main" xmlns:r="http://schemas.openxmlformats.org/officeDocument/2006/relationships" xmlns:p="http://schemas.openxmlformats.org/presentationml/2006/main">
+  <p:tag name="DVSHAPEID" val="Rr1cM1wzcnQgzyFFmHhUmg"/>
+</p:tagLst>
+</file>
+
+<file path=ppt/tags/tag45.xml><?xml version="1.0" encoding="utf-8"?>
+<p:tagLst xmlns:a="http://schemas.openxmlformats.org/drawingml/2006/main" xmlns:r="http://schemas.openxmlformats.org/officeDocument/2006/relationships" xmlns:p="http://schemas.openxmlformats.org/presentationml/2006/main">
+  <p:tag name="DVSHAPEID" val="0IcOZ5Y4MWNBs4hGYzvBFx"/>
+</p:tagLst>
+</file>
+
+<file path=ppt/tags/tag46.xml><?xml version="1.0" encoding="utf-8"?>
+<p:tagLst xmlns:a="http://schemas.openxmlformats.org/drawingml/2006/main" xmlns:r="http://schemas.openxmlformats.org/officeDocument/2006/relationships" xmlns:p="http://schemas.openxmlformats.org/presentationml/2006/main">
+  <p:tag name="DVSHAPEID" val="36IHCn6v1rDAqjZY1rB8AU"/>
+</p:tagLst>
+</file>
+
+<file path=ppt/tags/tag47.xml><?xml version="1.0" encoding="utf-8"?>
+<p:tagLst xmlns:a="http://schemas.openxmlformats.org/drawingml/2006/main" xmlns:r="http://schemas.openxmlformats.org/officeDocument/2006/relationships" xmlns:p="http://schemas.openxmlformats.org/presentationml/2006/main">
+  <p:tag name="DVSHAPEID" val="tX6BnFIIpLAsE65hsAXhUl"/>
+</p:tagLst>
+</file>
+
+<file path=ppt/tags/tag48.xml><?xml version="1.0" encoding="utf-8"?>
+<p:tagLst xmlns:a="http://schemas.openxmlformats.org/drawingml/2006/main" xmlns:r="http://schemas.openxmlformats.org/officeDocument/2006/relationships" xmlns:p="http://schemas.openxmlformats.org/presentationml/2006/main">
+  <p:tag name="DVSHAPEID" val="XSEXG0x40xX8DKB10rMj2S"/>
+</p:tagLst>
+</file>
+
+<file path=ppt/tags/tag49.xml><?xml version="1.0" encoding="utf-8"?>
+<p:tagLst xmlns:a="http://schemas.openxmlformats.org/drawingml/2006/main" xmlns:r="http://schemas.openxmlformats.org/officeDocument/2006/relationships" xmlns:p="http://schemas.openxmlformats.org/presentationml/2006/main">
+  <p:tag name="DVSHAPEID" val="ZXFTSKY0ai070eWqYIakL3"/>
+</p:tagLst>
+</file>
+
+<file path=ppt/tags/tag5.xml><?xml version="1.0" encoding="utf-8"?>
+<p:tagLst xmlns:a="http://schemas.openxmlformats.org/drawingml/2006/main" xmlns:r="http://schemas.openxmlformats.org/officeDocument/2006/relationships" xmlns:p="http://schemas.openxmlformats.org/presentationml/2006/main">
+  <p:tag name="DVSHAPEID" val="YE09Ll7HELe85yFE9q71rJ"/>
+</p:tagLst>
+</file>
+
+<file path=ppt/tags/tag50.xml><?xml version="1.0" encoding="utf-8"?>
+<p:tagLst xmlns:a="http://schemas.openxmlformats.org/drawingml/2006/main" xmlns:r="http://schemas.openxmlformats.org/officeDocument/2006/relationships" xmlns:p="http://schemas.openxmlformats.org/presentationml/2006/main">
+  <p:tag name="DVSHAPEID" val="vvslFqAwuBi5SGiN7N5ZmE"/>
+</p:tagLst>
+</file>
+
+<file path=ppt/tags/tag51.xml><?xml version="1.0" encoding="utf-8"?>
+<p:tagLst xmlns:a="http://schemas.openxmlformats.org/drawingml/2006/main" xmlns:r="http://schemas.openxmlformats.org/officeDocument/2006/relationships" xmlns:p="http://schemas.openxmlformats.org/presentationml/2006/main">
+  <p:tag name="DVSHAPEID" val="8vKn4zs48I7Ws9qx4yqDOo"/>
+</p:tagLst>
+</file>
+
+<file path=ppt/tags/tag52.xml><?xml version="1.0" encoding="utf-8"?>
+<p:tagLst xmlns:a="http://schemas.openxmlformats.org/drawingml/2006/main" xmlns:r="http://schemas.openxmlformats.org/officeDocument/2006/relationships" xmlns:p="http://schemas.openxmlformats.org/presentationml/2006/main">
+  <p:tag name="DVSHAPEID" val="PVlg7bAnfLGQnXAil04psA"/>
+</p:tagLst>
+</file>
+
+<file path=ppt/tags/tag53.xml><?xml version="1.0" encoding="utf-8"?>
+<p:tagLst xmlns:a="http://schemas.openxmlformats.org/drawingml/2006/main" xmlns:r="http://schemas.openxmlformats.org/officeDocument/2006/relationships" xmlns:p="http://schemas.openxmlformats.org/presentationml/2006/main">
+  <p:tag name="DVSHAPEID" val="XWe9mzIxyJQJFP1OshtLtm"/>
+</p:tagLst>
+</file>
+
+<file path=ppt/tags/tag54.xml><?xml version="1.0" encoding="utf-8"?>
+<p:tagLst xmlns:a="http://schemas.openxmlformats.org/drawingml/2006/main" xmlns:r="http://schemas.openxmlformats.org/officeDocument/2006/relationships" xmlns:p="http://schemas.openxmlformats.org/presentationml/2006/main">
+  <p:tag name="DVSHAPEID" val="fBMsXMcqzoWeXp2XO1FHcX"/>
+</p:tagLst>
+</file>
+
+<file path=ppt/tags/tag55.xml><?xml version="1.0" encoding="utf-8"?>
+<p:tagLst xmlns:a="http://schemas.openxmlformats.org/drawingml/2006/main" xmlns:r="http://schemas.openxmlformats.org/officeDocument/2006/relationships" xmlns:p="http://schemas.openxmlformats.org/presentationml/2006/main">
+  <p:tag name="DVSHAPEID" val="0DhLgwxMVH7BGDnTCWk89r"/>
+</p:tagLst>
+</file>
+
+<file path=ppt/tags/tag56.xml><?xml version="1.0" encoding="utf-8"?>
+<p:tagLst xmlns:a="http://schemas.openxmlformats.org/drawingml/2006/main" xmlns:r="http://schemas.openxmlformats.org/officeDocument/2006/relationships" xmlns:p="http://schemas.openxmlformats.org/presentationml/2006/main">
+  <p:tag name="DVSHAPEID" val="NrRCMuss5L9iA8bbvFSMse"/>
+</p:tagLst>
+</file>
+
+<file path=ppt/tags/tag57.xml><?xml version="1.0" encoding="utf-8"?>
+<p:tagLst xmlns:a="http://schemas.openxmlformats.org/drawingml/2006/main" xmlns:r="http://schemas.openxmlformats.org/officeDocument/2006/relationships" xmlns:p="http://schemas.openxmlformats.org/presentationml/2006/main">
+  <p:tag name="DVSHAPEID" val="7mIoAUoJn3NzPQTEK3jtBm"/>
+</p:tagLst>
+</file>
+
+<file path=ppt/tags/tag58.xml><?xml version="1.0" encoding="utf-8"?>
+<p:tagLst xmlns:a="http://schemas.openxmlformats.org/drawingml/2006/main" xmlns:r="http://schemas.openxmlformats.org/officeDocument/2006/relationships" xmlns:p="http://schemas.openxmlformats.org/presentationml/2006/main">
+  <p:tag name="DVSHAPEID" val="so2eIqqEgmYykvTnTx3mn5"/>
+</p:tagLst>
+</file>
+
+<file path=ppt/tags/tag59.xml><?xml version="1.0" encoding="utf-8"?>
+<p:tagLst xmlns:a="http://schemas.openxmlformats.org/drawingml/2006/main" xmlns:r="http://schemas.openxmlformats.org/officeDocument/2006/relationships" xmlns:p="http://schemas.openxmlformats.org/presentationml/2006/main">
+  <p:tag name="DVSHAPEID" val="u1jkhRVOsZDKUkmmcYiINr"/>
+</p:tagLst>
+</file>
+
+<file path=ppt/tags/tag6.xml><?xml version="1.0" encoding="utf-8"?>
+<p:tagLst xmlns:a="http://schemas.openxmlformats.org/drawingml/2006/main" xmlns:r="http://schemas.openxmlformats.org/officeDocument/2006/relationships" xmlns:p="http://schemas.openxmlformats.org/presentationml/2006/main">
+  <p:tag name="DVSHAPEID" val="1MGLMkThkNJEgux2rDQvG2"/>
+</p:tagLst>
+</file>
+
+<file path=ppt/tags/tag60.xml><?xml version="1.0" encoding="utf-8"?>
+<p:tagLst xmlns:a="http://schemas.openxmlformats.org/drawingml/2006/main" xmlns:r="http://schemas.openxmlformats.org/officeDocument/2006/relationships" xmlns:p="http://schemas.openxmlformats.org/presentationml/2006/main">
+  <p:tag name="DVSHAPEID" val="AgwoKn9MpfYmT1Un8zJrTZ"/>
+</p:tagLst>
+</file>
+
+<file path=ppt/tags/tag61.xml><?xml version="1.0" encoding="utf-8"?>
+<p:tagLst xmlns:a="http://schemas.openxmlformats.org/drawingml/2006/main" xmlns:r="http://schemas.openxmlformats.org/officeDocument/2006/relationships" xmlns:p="http://schemas.openxmlformats.org/presentationml/2006/main">
+  <p:tag name="DVSHAPEID" val="VzBz1xl54Fh3q2OT6yFGAn"/>
+</p:tagLst>
+</file>
+
+<file path=ppt/tags/tag62.xml><?xml version="1.0" encoding="utf-8"?>
+<p:tagLst xmlns:a="http://schemas.openxmlformats.org/drawingml/2006/main" xmlns:r="http://schemas.openxmlformats.org/officeDocument/2006/relationships" xmlns:p="http://schemas.openxmlformats.org/presentationml/2006/main">
+  <p:tag name="DVSHAPEID" val="MxqkrOPJZlxAkWNblBqjaj"/>
+</p:tagLst>
+</file>
+
+<file path=ppt/tags/tag63.xml><?xml version="1.0" encoding="utf-8"?>
+<p:tagLst xmlns:a="http://schemas.openxmlformats.org/drawingml/2006/main" xmlns:r="http://schemas.openxmlformats.org/officeDocument/2006/relationships" xmlns:p="http://schemas.openxmlformats.org/presentationml/2006/main">
+  <p:tag name="DVSHAPEID" val="4QASyfsaMdpxM38G6wglFW"/>
+</p:tagLst>
+</file>
+
+<file path=ppt/tags/tag64.xml><?xml version="1.0" encoding="utf-8"?>
+<p:tagLst xmlns:a="http://schemas.openxmlformats.org/drawingml/2006/main" xmlns:r="http://schemas.openxmlformats.org/officeDocument/2006/relationships" xmlns:p="http://schemas.openxmlformats.org/presentationml/2006/main">
+  <p:tag name="DVSECTIONID" val="CWMWm51VYtKQl5PIJV4X2S"/>
+</p:tagLst>
+</file>
+
+<file path=ppt/tags/tag65.xml><?xml version="1.0" encoding="utf-8"?>
+<p:tagLst xmlns:a="http://schemas.openxmlformats.org/drawingml/2006/main" xmlns:r="http://schemas.openxmlformats.org/officeDocument/2006/relationships" xmlns:p="http://schemas.openxmlformats.org/presentationml/2006/main">
+  <p:tag name="DVSHAPEID" val="VFyAG59ZcVSZRXXgJ0Krxy"/>
+</p:tagLst>
+</file>
+
+<file path=ppt/tags/tag66.xml><?xml version="1.0" encoding="utf-8"?>
+<p:tagLst xmlns:a="http://schemas.openxmlformats.org/drawingml/2006/main" xmlns:r="http://schemas.openxmlformats.org/officeDocument/2006/relationships" xmlns:p="http://schemas.openxmlformats.org/presentationml/2006/main">
+  <p:tag name="DVSHAPEID" val="vpaMX1aZ64cO1d3qG4dN4Q"/>
+</p:tagLst>
+</file>
+
+<file path=ppt/tags/tag67.xml><?xml version="1.0" encoding="utf-8"?>
+<p:tagLst xmlns:a="http://schemas.openxmlformats.org/drawingml/2006/main" xmlns:r="http://schemas.openxmlformats.org/officeDocument/2006/relationships" xmlns:p="http://schemas.openxmlformats.org/presentationml/2006/main">
+  <p:tag name="DVSHAPEID" val="8q5D2OEJ22vna9pU88OdOO"/>
+</p:tagLst>
+</file>
+
+<file path=ppt/tags/tag68.xml><?xml version="1.0" encoding="utf-8"?>
+<p:tagLst xmlns:a="http://schemas.openxmlformats.org/drawingml/2006/main" xmlns:r="http://schemas.openxmlformats.org/officeDocument/2006/relationships" xmlns:p="http://schemas.openxmlformats.org/presentationml/2006/main">
+  <p:tag name="DVSHAPEID" val="M2VJdijGdJtEgJGkZmlm2a"/>
+</p:tagLst>
+</file>
+
+<file path=ppt/tags/tag69.xml><?xml version="1.0" encoding="utf-8"?>
+<p:tagLst xmlns:a="http://schemas.openxmlformats.org/drawingml/2006/main" xmlns:r="http://schemas.openxmlformats.org/officeDocument/2006/relationships" xmlns:p="http://schemas.openxmlformats.org/presentationml/2006/main">
+  <p:tag name="DVSHAPEID" val="jE3U1LV4YR1kD3HiBlplOL"/>
+</p:tagLst>
+</file>
+
+<file path=ppt/tags/tag7.xml><?xml version="1.0" encoding="utf-8"?>
+<p:tagLst xmlns:a="http://schemas.openxmlformats.org/drawingml/2006/main" xmlns:r="http://schemas.openxmlformats.org/officeDocument/2006/relationships" xmlns:p="http://schemas.openxmlformats.org/presentationml/2006/main">
+  <p:tag name="DVSHAPEID" val="sfMlyjAK1R0fCes0yNOnqr"/>
+</p:tagLst>
+</file>
+
+<file path=ppt/tags/tag70.xml><?xml version="1.0" encoding="utf-8"?>
+<p:tagLst xmlns:a="http://schemas.openxmlformats.org/drawingml/2006/main" xmlns:r="http://schemas.openxmlformats.org/officeDocument/2006/relationships" xmlns:p="http://schemas.openxmlformats.org/presentationml/2006/main">
+  <p:tag name="DVSECTIONID" val="al3NANEPSc33uauFQAsZyw"/>
+</p:tagLst>
+</file>
+
+<file path=ppt/tags/tag71.xml><?xml version="1.0" encoding="utf-8"?>
+<p:tagLst xmlns:a="http://schemas.openxmlformats.org/drawingml/2006/main" xmlns:r="http://schemas.openxmlformats.org/officeDocument/2006/relationships" xmlns:p="http://schemas.openxmlformats.org/presentationml/2006/main">
+  <p:tag name="DVSHAPEID" val="TvSFdO9rRsMCIhGihyK8KC"/>
+</p:tagLst>
+</file>
+
+<file path=ppt/tags/tag72.xml><?xml version="1.0" encoding="utf-8"?>
+<p:tagLst xmlns:a="http://schemas.openxmlformats.org/drawingml/2006/main" xmlns:r="http://schemas.openxmlformats.org/officeDocument/2006/relationships" xmlns:p="http://schemas.openxmlformats.org/presentationml/2006/main">
+  <p:tag name="DVSHAPEID" val="CW6DDHLZWGmyKx1ly7VxZz"/>
+</p:tagLst>
+</file>
+
+<file path=ppt/tags/tag73.xml><?xml version="1.0" encoding="utf-8"?>
+<p:tagLst xmlns:a="http://schemas.openxmlformats.org/drawingml/2006/main" xmlns:r="http://schemas.openxmlformats.org/officeDocument/2006/relationships" xmlns:p="http://schemas.openxmlformats.org/presentationml/2006/main">
+  <p:tag name="DVSHAPEID" val="y1kpBi3RBF0hSWzAbsFRv5"/>
+</p:tagLst>
+</file>
+
+<file path=ppt/tags/tag74.xml><?xml version="1.0" encoding="utf-8"?>
+<p:tagLst xmlns:a="http://schemas.openxmlformats.org/drawingml/2006/main" xmlns:r="http://schemas.openxmlformats.org/officeDocument/2006/relationships" xmlns:p="http://schemas.openxmlformats.org/presentationml/2006/main">
+  <p:tag name="DVSHAPEID" val="gax9hW0DddC3o5jd5tW45G"/>
+</p:tagLst>
+</file>
+
+<file path=ppt/tags/tag75.xml><?xml version="1.0" encoding="utf-8"?>
+<p:tagLst xmlns:a="http://schemas.openxmlformats.org/drawingml/2006/main" xmlns:r="http://schemas.openxmlformats.org/officeDocument/2006/relationships" xmlns:p="http://schemas.openxmlformats.org/presentationml/2006/main">
+  <p:tag name="DVSHAPEID" val="xsE4LYVsR73sK9Ss06RYrN"/>
+</p:tagLst>
+</file>
+
+<file path=ppt/tags/tag76.xml><?xml version="1.0" encoding="utf-8"?>
+<p:tagLst xmlns:a="http://schemas.openxmlformats.org/drawingml/2006/main" xmlns:r="http://schemas.openxmlformats.org/officeDocument/2006/relationships" xmlns:p="http://schemas.openxmlformats.org/presentationml/2006/main">
+  <p:tag name="DVSHAPEID" val="FOyugXmcVq0zD4udb1HKmv"/>
+</p:tagLst>
+</file>
+
+<file path=ppt/tags/tag77.xml><?xml version="1.0" encoding="utf-8"?>
+<p:tagLst xmlns:a="http://schemas.openxmlformats.org/drawingml/2006/main" xmlns:r="http://schemas.openxmlformats.org/officeDocument/2006/relationships" xmlns:p="http://schemas.openxmlformats.org/presentationml/2006/main">
+  <p:tag name="DVSHAPEID" val="0Vk9lDtQd6fKNQwgHY5EcC"/>
+</p:tagLst>
+</file>
+
+<file path=ppt/tags/tag78.xml><?xml version="1.0" encoding="utf-8"?>
+<p:tagLst xmlns:a="http://schemas.openxmlformats.org/drawingml/2006/main" xmlns:r="http://schemas.openxmlformats.org/officeDocument/2006/relationships" xmlns:p="http://schemas.openxmlformats.org/presentationml/2006/main">
+  <p:tag name="DVSECTIONID" val="oqXV9lIFbnHJMrSyudh8By"/>
+</p:tagLst>
+</file>
+
+<file path=ppt/tags/tag79.xml><?xml version="1.0" encoding="utf-8"?>
+<p:tagLst xmlns:a="http://schemas.openxmlformats.org/drawingml/2006/main" xmlns:r="http://schemas.openxmlformats.org/officeDocument/2006/relationships" xmlns:p="http://schemas.openxmlformats.org/presentationml/2006/main">
+  <p:tag name="DVSHAPEID" val="rbwNXNUPhHq9OCa7CJJ5dT"/>
+</p:tagLst>
+</file>
+
+<file path=ppt/tags/tag8.xml><?xml version="1.0" encoding="utf-8"?>
+<p:tagLst xmlns:a="http://schemas.openxmlformats.org/drawingml/2006/main" xmlns:r="http://schemas.openxmlformats.org/officeDocument/2006/relationships" xmlns:p="http://schemas.openxmlformats.org/presentationml/2006/main">
+  <p:tag name="DVSHAPEID" val="pqib77YtbW3ZjqYrLzGAMR"/>
+</p:tagLst>
+</file>
+
+<file path=ppt/tags/tag80.xml><?xml version="1.0" encoding="utf-8"?>
+<p:tagLst xmlns:a="http://schemas.openxmlformats.org/drawingml/2006/main" xmlns:r="http://schemas.openxmlformats.org/officeDocument/2006/relationships" xmlns:p="http://schemas.openxmlformats.org/presentationml/2006/main">
+  <p:tag name="DVSHAPEID" val="kThEGVkIEHjot8DyFFVnPy"/>
+</p:tagLst>
+</file>
+
+<file path=ppt/tags/tag81.xml><?xml version="1.0" encoding="utf-8"?>
+<p:tagLst xmlns:a="http://schemas.openxmlformats.org/drawingml/2006/main" xmlns:r="http://schemas.openxmlformats.org/officeDocument/2006/relationships" xmlns:p="http://schemas.openxmlformats.org/presentationml/2006/main">
+  <p:tag name="DVSHAPEID" val="jD1T5zmmV6oxRDvj6Zvy2J"/>
+</p:tagLst>
+</file>
+
+<file path=ppt/tags/tag82.xml><?xml version="1.0" encoding="utf-8"?>
+<p:tagLst xmlns:a="http://schemas.openxmlformats.org/drawingml/2006/main" xmlns:r="http://schemas.openxmlformats.org/officeDocument/2006/relationships" xmlns:p="http://schemas.openxmlformats.org/presentationml/2006/main">
+  <p:tag name="DVSHAPEID" val="Qq82u333aQ4MzECNPKmhLc"/>
+</p:tagLst>
+</file>
+
+<file path=ppt/tags/tag83.xml><?xml version="1.0" encoding="utf-8"?>
+<p:tagLst xmlns:a="http://schemas.openxmlformats.org/drawingml/2006/main" xmlns:r="http://schemas.openxmlformats.org/officeDocument/2006/relationships" xmlns:p="http://schemas.openxmlformats.org/presentationml/2006/main">
+  <p:tag name="DVSHAPEID" val="ZVh03mzVShvzMBK35ijSWy"/>
+</p:tagLst>
+</file>
+
+<file path=ppt/tags/tag84.xml><?xml version="1.0" encoding="utf-8"?>
+<p:tagLst xmlns:a="http://schemas.openxmlformats.org/drawingml/2006/main" xmlns:r="http://schemas.openxmlformats.org/officeDocument/2006/relationships" xmlns:p="http://schemas.openxmlformats.org/presentationml/2006/main">
+  <p:tag name="DVSHAPEID" val="t53RHiaKbKYEqcKt0HteXM"/>
+</p:tagLst>
+</file>
+
+<file path=ppt/tags/tag85.xml><?xml version="1.0" encoding="utf-8"?>
+<p:tagLst xmlns:a="http://schemas.openxmlformats.org/drawingml/2006/main" xmlns:r="http://schemas.openxmlformats.org/officeDocument/2006/relationships" xmlns:p="http://schemas.openxmlformats.org/presentationml/2006/main">
+  <p:tag name="DVSHAPEID" val="g0R02LE3YTgqscXcEgL75L"/>
+</p:tagLst>
+</file>
+
+<file path=ppt/tags/tag86.xml><?xml version="1.0" encoding="utf-8"?>
+<p:tagLst xmlns:a="http://schemas.openxmlformats.org/drawingml/2006/main" xmlns:r="http://schemas.openxmlformats.org/officeDocument/2006/relationships" xmlns:p="http://schemas.openxmlformats.org/presentationml/2006/main">
+  <p:tag name="DVSHAPEID" val="B8ayiCiCoHAGO3ZGgo58L4"/>
+</p:tagLst>
+</file>
+
+<file path=ppt/tags/tag87.xml><?xml version="1.0" encoding="utf-8"?>
+<p:tagLst xmlns:a="http://schemas.openxmlformats.org/drawingml/2006/main" xmlns:r="http://schemas.openxmlformats.org/officeDocument/2006/relationships" xmlns:p="http://schemas.openxmlformats.org/presentationml/2006/main">
+  <p:tag name="DVSHAPEID" val="nZKywO2dtQHvoJPut2Lmvy"/>
+</p:tagLst>
+</file>
+
+<file path=ppt/tags/tag88.xml><?xml version="1.0" encoding="utf-8"?>
+<p:tagLst xmlns:a="http://schemas.openxmlformats.org/drawingml/2006/main" xmlns:r="http://schemas.openxmlformats.org/officeDocument/2006/relationships" xmlns:p="http://schemas.openxmlformats.org/presentationml/2006/main">
+  <p:tag name="DVSHAPEID" val="QLnTcXZn1XZxKaNK5tzaeK"/>
+</p:tagLst>
+</file>
+
+<file path=ppt/tags/tag89.xml><?xml version="1.0" encoding="utf-8"?>
+<p:tagLst xmlns:a="http://schemas.openxmlformats.org/drawingml/2006/main" xmlns:r="http://schemas.openxmlformats.org/officeDocument/2006/relationships" xmlns:p="http://schemas.openxmlformats.org/presentationml/2006/main">
+  <p:tag name="DVSHAPEID" val="ZjEgRMU3mozP9YaCB4d5OJ"/>
+</p:tagLst>
+</file>
+
+<file path=ppt/tags/tag9.xml><?xml version="1.0" encoding="utf-8"?>
+<p:tagLst xmlns:a="http://schemas.openxmlformats.org/drawingml/2006/main" xmlns:r="http://schemas.openxmlformats.org/officeDocument/2006/relationships" xmlns:p="http://schemas.openxmlformats.org/presentationml/2006/main">
+  <p:tag name="DVSHAPEID" val="E1Sizr52GiC1Ql2ncsLyG4"/>
+</p:tagLst>
+</file>
+
+<file path=ppt/tags/tag90.xml><?xml version="1.0" encoding="utf-8"?>
+<p:tagLst xmlns:a="http://schemas.openxmlformats.org/drawingml/2006/main" xmlns:r="http://schemas.openxmlformats.org/officeDocument/2006/relationships" xmlns:p="http://schemas.openxmlformats.org/presentationml/2006/main">
+  <p:tag name="DVSHAPEID" val="vRYEGJXhNkj6M4eW6dsYAA"/>
+</p:tagLst>
+</file>
+
+<file path=ppt/tags/tag91.xml><?xml version="1.0" encoding="utf-8"?>
+<p:tagLst xmlns:a="http://schemas.openxmlformats.org/drawingml/2006/main" xmlns:r="http://schemas.openxmlformats.org/officeDocument/2006/relationships" xmlns:p="http://schemas.openxmlformats.org/presentationml/2006/main">
+  <p:tag name="DVSECTIONID" val="MhAEe44tv2kDXDQFDi7c0G"/>
+</p:tagLst>
+</file>
+
+<file path=ppt/tags/tag92.xml><?xml version="1.0" encoding="utf-8"?>
+<p:tagLst xmlns:a="http://schemas.openxmlformats.org/drawingml/2006/main" xmlns:r="http://schemas.openxmlformats.org/officeDocument/2006/relationships" xmlns:p="http://schemas.openxmlformats.org/presentationml/2006/main">
+  <p:tag name="DVSHAPEID" val="XV1PzsSuX8VfONhc5b55Bf"/>
+</p:tagLst>
+</file>
+
+<file path=ppt/tags/tag93.xml><?xml version="1.0" encoding="utf-8"?>
+<p:tagLst xmlns:a="http://schemas.openxmlformats.org/drawingml/2006/main" xmlns:r="http://schemas.openxmlformats.org/officeDocument/2006/relationships" xmlns:p="http://schemas.openxmlformats.org/presentationml/2006/main">
+  <p:tag name="DVSHAPEID" val="w3c6nFYZDP9UT3DRaupjma"/>
+</p:tagLst>
+</file>
+
+<file path=ppt/tags/tag94.xml><?xml version="1.0" encoding="utf-8"?>
+<p:tagLst xmlns:a="http://schemas.openxmlformats.org/drawingml/2006/main" xmlns:r="http://schemas.openxmlformats.org/officeDocument/2006/relationships" xmlns:p="http://schemas.openxmlformats.org/presentationml/2006/main">
+  <p:tag name="DVSHAPEID" val="awfrEU7gSvZIpXCs4cvXv6"/>
+</p:tagLst>
+</file>
+
+<file path=ppt/tags/tag95.xml><?xml version="1.0" encoding="utf-8"?>
+<p:tagLst xmlns:a="http://schemas.openxmlformats.org/drawingml/2006/main" xmlns:r="http://schemas.openxmlformats.org/officeDocument/2006/relationships" xmlns:p="http://schemas.openxmlformats.org/presentationml/2006/main">
+  <p:tag name="DVSHAPEID" val="6TTeye1BFiSlTFQW04SnWD"/>
+</p:tagLst>
+</file>
+
+<file path=ppt/tags/tag96.xml><?xml version="1.0" encoding="utf-8"?>
+<p:tagLst xmlns:a="http://schemas.openxmlformats.org/drawingml/2006/main" xmlns:r="http://schemas.openxmlformats.org/officeDocument/2006/relationships" xmlns:p="http://schemas.openxmlformats.org/presentationml/2006/main">
+  <p:tag name="DVSHAPEID" val="VbEFeHqcNpF4qmxqlTehPG"/>
+</p:tagLst>
+</file>
+
+<file path=ppt/tags/tag97.xml><?xml version="1.0" encoding="utf-8"?>
+<p:tagLst xmlns:a="http://schemas.openxmlformats.org/drawingml/2006/main" xmlns:r="http://schemas.openxmlformats.org/officeDocument/2006/relationships" xmlns:p="http://schemas.openxmlformats.org/presentationml/2006/main">
+  <p:tag name="DVSHAPEID" val="P34WB7br579sYIASZkatvt"/>
+</p:tagLst>
+</file>
+
+<file path=ppt/tags/tag98.xml><?xml version="1.0" encoding="utf-8"?>
+<p:tagLst xmlns:a="http://schemas.openxmlformats.org/drawingml/2006/main" xmlns:r="http://schemas.openxmlformats.org/officeDocument/2006/relationships" xmlns:p="http://schemas.openxmlformats.org/presentationml/2006/main">
+  <p:tag name="DVSHAPEID" val="FPeupAIY8FOemABh5i0ljx"/>
+</p:tagLst>
+</file>
+
+<file path=ppt/tags/tag99.xml><?xml version="1.0" encoding="utf-8"?>
+<p:tagLst xmlns:a="http://schemas.openxmlformats.org/drawingml/2006/main" xmlns:r="http://schemas.openxmlformats.org/officeDocument/2006/relationships" xmlns:p="http://schemas.openxmlformats.org/presentationml/2006/main">
+  <p:tag name="DVSHAPEID" val="UYnPPsTU6mblofI7IBI6Zu"/>
+</p:tagLst>
 </file>
 
 <file path=ppt/theme/theme1.xml><?xml version="1.0" encoding="utf-8"?>

--- a/Кудрявцев Иван Владиславович/Презентация к диплому.pptx
+++ b/Кудрявцев Иван Владиславович/Презентация к диплому.pptx
@@ -4,6 +4,9 @@
   <p:sldMasterIdLst>
     <p:sldMasterId id="2147483648" r:id="rId1"/>
   </p:sldMasterIdLst>
+  <p:notesMasterIdLst>
+    <p:notesMasterId r:id="rId21"/>
+  </p:notesMasterIdLst>
   <p:sldIdLst>
     <p:sldId id="257" r:id="rId2"/>
     <p:sldId id="266" r:id="rId3"/>
@@ -17,13 +20,16 @@
     <p:sldId id="281" r:id="rId11"/>
     <p:sldId id="276" r:id="rId12"/>
     <p:sldId id="280" r:id="rId13"/>
-    <p:sldId id="277" r:id="rId14"/>
-    <p:sldId id="278" r:id="rId15"/>
-    <p:sldId id="279" r:id="rId16"/>
-    <p:sldId id="275" r:id="rId17"/>
+    <p:sldId id="282" r:id="rId14"/>
+    <p:sldId id="283" r:id="rId15"/>
+    <p:sldId id="277" r:id="rId16"/>
+    <p:sldId id="278" r:id="rId17"/>
+    <p:sldId id="279" r:id="rId18"/>
+    <p:sldId id="284" r:id="rId19"/>
+    <p:sldId id="275" r:id="rId20"/>
   </p:sldIdLst>
   <p:sldSz cx="9144000" cy="6858000" type="screen4x3"/>
-  <p:notesSz cx="6858000" cy="9144000"/>
+  <p:notesSz cx="6797675" cy="9874250"/>
   <p:defaultTextStyle>
     <a:defPPr>
       <a:defRPr lang="ru-RU"/>
@@ -122,6 +128,1700 @@
 </p:presentation>
 </file>
 
+<file path=ppt/notesMasters/notesMaster1.xml><?xml version="1.0" encoding="utf-8"?>
+<p:notesMaster xmlns:a="http://schemas.openxmlformats.org/drawingml/2006/main" xmlns:r="http://schemas.openxmlformats.org/officeDocument/2006/relationships" xmlns:p="http://schemas.openxmlformats.org/presentationml/2006/main">
+  <p:cSld>
+    <p:bg>
+      <p:bgRef idx="1001">
+        <a:schemeClr val="bg1"/>
+      </p:bgRef>
+    </p:bg>
+    <p:spTree>
+      <p:nvGrpSpPr>
+        <p:cNvPr id="1" name=""/>
+        <p:cNvGrpSpPr/>
+        <p:nvPr/>
+      </p:nvGrpSpPr>
+      <p:grpSpPr>
+        <a:xfrm>
+          <a:off x="0" y="0"/>
+          <a:ext cx="0" cy="0"/>
+          <a:chOff x="0" y="0"/>
+          <a:chExt cx="0" cy="0"/>
+        </a:xfrm>
+      </p:grpSpPr>
+      <p:sp>
+        <p:nvSpPr>
+          <p:cNvPr id="2" name="Верхний колонтитул 1"/>
+          <p:cNvSpPr>
+            <a:spLocks noGrp="1"/>
+          </p:cNvSpPr>
+          <p:nvPr>
+            <p:ph type="hdr" sz="quarter"/>
+          </p:nvPr>
+        </p:nvSpPr>
+        <p:spPr>
+          <a:xfrm>
+            <a:off x="0" y="0"/>
+            <a:ext cx="2945659" cy="493713"/>
+          </a:xfrm>
+          <a:prstGeom prst="rect">
+            <a:avLst/>
+          </a:prstGeom>
+        </p:spPr>
+        <p:txBody>
+          <a:bodyPr vert="horz" lIns="91440" tIns="45720" rIns="91440" bIns="45720" rtlCol="0"/>
+          <a:lstStyle>
+            <a:lvl1pPr algn="l">
+              <a:defRPr sz="1200"/>
+            </a:lvl1pPr>
+          </a:lstStyle>
+          <a:p>
+            <a:endParaRPr lang="ru-RU"/>
+          </a:p>
+        </p:txBody>
+      </p:sp>
+      <p:sp>
+        <p:nvSpPr>
+          <p:cNvPr id="3" name="Дата 2"/>
+          <p:cNvSpPr>
+            <a:spLocks noGrp="1"/>
+          </p:cNvSpPr>
+          <p:nvPr>
+            <p:ph type="dt" idx="1"/>
+          </p:nvPr>
+        </p:nvSpPr>
+        <p:spPr>
+          <a:xfrm>
+            <a:off x="3850443" y="0"/>
+            <a:ext cx="2945659" cy="493713"/>
+          </a:xfrm>
+          <a:prstGeom prst="rect">
+            <a:avLst/>
+          </a:prstGeom>
+        </p:spPr>
+        <p:txBody>
+          <a:bodyPr vert="horz" lIns="91440" tIns="45720" rIns="91440" bIns="45720" rtlCol="0"/>
+          <a:lstStyle>
+            <a:lvl1pPr algn="r">
+              <a:defRPr sz="1200"/>
+            </a:lvl1pPr>
+          </a:lstStyle>
+          <a:p>
+            <a:fld id="{B3CCDB85-C3DB-45EB-97AA-1543525B3E70}" type="datetimeFigureOut">
+              <a:rPr lang="ru-RU" smtClean="0"/>
+              <a:t>16.02.2012</a:t>
+            </a:fld>
+            <a:endParaRPr lang="ru-RU"/>
+          </a:p>
+        </p:txBody>
+      </p:sp>
+      <p:sp>
+        <p:nvSpPr>
+          <p:cNvPr id="4" name="Образ слайда 3"/>
+          <p:cNvSpPr>
+            <a:spLocks noGrp="1" noRot="1" noChangeAspect="1"/>
+          </p:cNvSpPr>
+          <p:nvPr>
+            <p:ph type="sldImg" idx="2"/>
+          </p:nvPr>
+        </p:nvSpPr>
+        <p:spPr>
+          <a:xfrm>
+            <a:off x="931863" y="741363"/>
+            <a:ext cx="4933950" cy="3702050"/>
+          </a:xfrm>
+          <a:prstGeom prst="rect">
+            <a:avLst/>
+          </a:prstGeom>
+          <a:noFill/>
+          <a:ln w="12700">
+            <a:solidFill>
+              <a:prstClr val="black"/>
+            </a:solidFill>
+          </a:ln>
+        </p:spPr>
+        <p:txBody>
+          <a:bodyPr vert="horz" lIns="91440" tIns="45720" rIns="91440" bIns="45720" rtlCol="0" anchor="ctr"/>
+          <a:lstStyle/>
+          <a:p>
+            <a:endParaRPr lang="ru-RU"/>
+          </a:p>
+        </p:txBody>
+      </p:sp>
+      <p:sp>
+        <p:nvSpPr>
+          <p:cNvPr id="5" name="Заметки 4"/>
+          <p:cNvSpPr>
+            <a:spLocks noGrp="1"/>
+          </p:cNvSpPr>
+          <p:nvPr>
+            <p:ph type="body" sz="quarter" idx="3"/>
+          </p:nvPr>
+        </p:nvSpPr>
+        <p:spPr>
+          <a:xfrm>
+            <a:off x="679768" y="4690269"/>
+            <a:ext cx="5438140" cy="4443413"/>
+          </a:xfrm>
+          <a:prstGeom prst="rect">
+            <a:avLst/>
+          </a:prstGeom>
+        </p:spPr>
+        <p:txBody>
+          <a:bodyPr vert="horz" lIns="91440" tIns="45720" rIns="91440" bIns="45720" rtlCol="0"/>
+          <a:lstStyle/>
+          <a:p>
+            <a:pPr lvl="0"/>
+            <a:r>
+              <a:rPr lang="ru-RU" smtClean="0"/>
+              <a:t>Образец текста</a:t>
+            </a:r>
+          </a:p>
+          <a:p>
+            <a:pPr lvl="1"/>
+            <a:r>
+              <a:rPr lang="ru-RU" smtClean="0"/>
+              <a:t>Второй уровень</a:t>
+            </a:r>
+          </a:p>
+          <a:p>
+            <a:pPr lvl="2"/>
+            <a:r>
+              <a:rPr lang="ru-RU" smtClean="0"/>
+              <a:t>Третий уровень</a:t>
+            </a:r>
+          </a:p>
+          <a:p>
+            <a:pPr lvl="3"/>
+            <a:r>
+              <a:rPr lang="ru-RU" smtClean="0"/>
+              <a:t>Четвертый уровень</a:t>
+            </a:r>
+          </a:p>
+          <a:p>
+            <a:pPr lvl="4"/>
+            <a:r>
+              <a:rPr lang="ru-RU" smtClean="0"/>
+              <a:t>Пятый уровень</a:t>
+            </a:r>
+            <a:endParaRPr lang="ru-RU"/>
+          </a:p>
+        </p:txBody>
+      </p:sp>
+      <p:sp>
+        <p:nvSpPr>
+          <p:cNvPr id="6" name="Нижний колонтитул 5"/>
+          <p:cNvSpPr>
+            <a:spLocks noGrp="1"/>
+          </p:cNvSpPr>
+          <p:nvPr>
+            <p:ph type="ftr" sz="quarter" idx="4"/>
+          </p:nvPr>
+        </p:nvSpPr>
+        <p:spPr>
+          <a:xfrm>
+            <a:off x="0" y="9378824"/>
+            <a:ext cx="2945659" cy="493713"/>
+          </a:xfrm>
+          <a:prstGeom prst="rect">
+            <a:avLst/>
+          </a:prstGeom>
+        </p:spPr>
+        <p:txBody>
+          <a:bodyPr vert="horz" lIns="91440" tIns="45720" rIns="91440" bIns="45720" rtlCol="0" anchor="b"/>
+          <a:lstStyle>
+            <a:lvl1pPr algn="l">
+              <a:defRPr sz="1200"/>
+            </a:lvl1pPr>
+          </a:lstStyle>
+          <a:p>
+            <a:endParaRPr lang="ru-RU"/>
+          </a:p>
+        </p:txBody>
+      </p:sp>
+      <p:sp>
+        <p:nvSpPr>
+          <p:cNvPr id="7" name="Номер слайда 6"/>
+          <p:cNvSpPr>
+            <a:spLocks noGrp="1"/>
+          </p:cNvSpPr>
+          <p:nvPr>
+            <p:ph type="sldNum" sz="quarter" idx="5"/>
+          </p:nvPr>
+        </p:nvSpPr>
+        <p:spPr>
+          <a:xfrm>
+            <a:off x="3850443" y="9378824"/>
+            <a:ext cx="2945659" cy="493713"/>
+          </a:xfrm>
+          <a:prstGeom prst="rect">
+            <a:avLst/>
+          </a:prstGeom>
+        </p:spPr>
+        <p:txBody>
+          <a:bodyPr vert="horz" lIns="91440" tIns="45720" rIns="91440" bIns="45720" rtlCol="0" anchor="b"/>
+          <a:lstStyle>
+            <a:lvl1pPr algn="r">
+              <a:defRPr sz="1200"/>
+            </a:lvl1pPr>
+          </a:lstStyle>
+          <a:p>
+            <a:fld id="{195CE8A0-4945-4289-8AFB-FA6E871CEBCC}" type="slidenum">
+              <a:rPr lang="ru-RU" smtClean="0"/>
+              <a:t>‹#›</a:t>
+            </a:fld>
+            <a:endParaRPr lang="ru-RU"/>
+          </a:p>
+        </p:txBody>
+      </p:sp>
+    </p:spTree>
+    <p:extLst>
+      <p:ext uri="{BB962C8B-B14F-4D97-AF65-F5344CB8AC3E}">
+        <p14:creationId xmlns:p14="http://schemas.microsoft.com/office/powerpoint/2010/main" val="2635414776"/>
+      </p:ext>
+    </p:extLst>
+  </p:cSld>
+  <p:clrMap bg1="lt1" tx1="dk1" bg2="lt2" tx2="dk2" accent1="accent1" accent2="accent2" accent3="accent3" accent4="accent4" accent5="accent5" accent6="accent6" hlink="hlink" folHlink="folHlink"/>
+  <p:notesStyle>
+    <a:lvl1pPr marL="0" algn="l" defTabSz="914400" rtl="0" eaLnBrk="1" latinLnBrk="0" hangingPunct="1">
+      <a:defRPr sz="1200" kern="1200">
+        <a:solidFill>
+          <a:schemeClr val="tx1"/>
+        </a:solidFill>
+        <a:latin typeface="+mn-lt"/>
+        <a:ea typeface="+mn-ea"/>
+        <a:cs typeface="+mn-cs"/>
+      </a:defRPr>
+    </a:lvl1pPr>
+    <a:lvl2pPr marL="457200" algn="l" defTabSz="914400" rtl="0" eaLnBrk="1" latinLnBrk="0" hangingPunct="1">
+      <a:defRPr sz="1200" kern="1200">
+        <a:solidFill>
+          <a:schemeClr val="tx1"/>
+        </a:solidFill>
+        <a:latin typeface="+mn-lt"/>
+        <a:ea typeface="+mn-ea"/>
+        <a:cs typeface="+mn-cs"/>
+      </a:defRPr>
+    </a:lvl2pPr>
+    <a:lvl3pPr marL="914400" algn="l" defTabSz="914400" rtl="0" eaLnBrk="1" latinLnBrk="0" hangingPunct="1">
+      <a:defRPr sz="1200" kern="1200">
+        <a:solidFill>
+          <a:schemeClr val="tx1"/>
+        </a:solidFill>
+        <a:latin typeface="+mn-lt"/>
+        <a:ea typeface="+mn-ea"/>
+        <a:cs typeface="+mn-cs"/>
+      </a:defRPr>
+    </a:lvl3pPr>
+    <a:lvl4pPr marL="1371600" algn="l" defTabSz="914400" rtl="0" eaLnBrk="1" latinLnBrk="0" hangingPunct="1">
+      <a:defRPr sz="1200" kern="1200">
+        <a:solidFill>
+          <a:schemeClr val="tx1"/>
+        </a:solidFill>
+        <a:latin typeface="+mn-lt"/>
+        <a:ea typeface="+mn-ea"/>
+        <a:cs typeface="+mn-cs"/>
+      </a:defRPr>
+    </a:lvl4pPr>
+    <a:lvl5pPr marL="1828800" algn="l" defTabSz="914400" rtl="0" eaLnBrk="1" latinLnBrk="0" hangingPunct="1">
+      <a:defRPr sz="1200" kern="1200">
+        <a:solidFill>
+          <a:schemeClr val="tx1"/>
+        </a:solidFill>
+        <a:latin typeface="+mn-lt"/>
+        <a:ea typeface="+mn-ea"/>
+        <a:cs typeface="+mn-cs"/>
+      </a:defRPr>
+    </a:lvl5pPr>
+    <a:lvl6pPr marL="2286000" algn="l" defTabSz="914400" rtl="0" eaLnBrk="1" latinLnBrk="0" hangingPunct="1">
+      <a:defRPr sz="1200" kern="1200">
+        <a:solidFill>
+          <a:schemeClr val="tx1"/>
+        </a:solidFill>
+        <a:latin typeface="+mn-lt"/>
+        <a:ea typeface="+mn-ea"/>
+        <a:cs typeface="+mn-cs"/>
+      </a:defRPr>
+    </a:lvl6pPr>
+    <a:lvl7pPr marL="2743200" algn="l" defTabSz="914400" rtl="0" eaLnBrk="1" latinLnBrk="0" hangingPunct="1">
+      <a:defRPr sz="1200" kern="1200">
+        <a:solidFill>
+          <a:schemeClr val="tx1"/>
+        </a:solidFill>
+        <a:latin typeface="+mn-lt"/>
+        <a:ea typeface="+mn-ea"/>
+        <a:cs typeface="+mn-cs"/>
+      </a:defRPr>
+    </a:lvl7pPr>
+    <a:lvl8pPr marL="3200400" algn="l" defTabSz="914400" rtl="0" eaLnBrk="1" latinLnBrk="0" hangingPunct="1">
+      <a:defRPr sz="1200" kern="1200">
+        <a:solidFill>
+          <a:schemeClr val="tx1"/>
+        </a:solidFill>
+        <a:latin typeface="+mn-lt"/>
+        <a:ea typeface="+mn-ea"/>
+        <a:cs typeface="+mn-cs"/>
+      </a:defRPr>
+    </a:lvl8pPr>
+    <a:lvl9pPr marL="3657600" algn="l" defTabSz="914400" rtl="0" eaLnBrk="1" latinLnBrk="0" hangingPunct="1">
+      <a:defRPr sz="1200" kern="1200">
+        <a:solidFill>
+          <a:schemeClr val="tx1"/>
+        </a:solidFill>
+        <a:latin typeface="+mn-lt"/>
+        <a:ea typeface="+mn-ea"/>
+        <a:cs typeface="+mn-cs"/>
+      </a:defRPr>
+    </a:lvl9pPr>
+  </p:notesStyle>
+</p:notesMaster>
+</file>
+
+<file path=ppt/notesSlides/notesSlide1.xml><?xml version="1.0" encoding="utf-8"?>
+<p:notes xmlns:a="http://schemas.openxmlformats.org/drawingml/2006/main" xmlns:r="http://schemas.openxmlformats.org/officeDocument/2006/relationships" xmlns:p="http://schemas.openxmlformats.org/presentationml/2006/main">
+  <p:cSld>
+    <p:spTree>
+      <p:nvGrpSpPr>
+        <p:cNvPr id="1" name=""/>
+        <p:cNvGrpSpPr/>
+        <p:nvPr/>
+      </p:nvGrpSpPr>
+      <p:grpSpPr>
+        <a:xfrm>
+          <a:off x="0" y="0"/>
+          <a:ext cx="0" cy="0"/>
+          <a:chOff x="0" y="0"/>
+          <a:chExt cx="0" cy="0"/>
+        </a:xfrm>
+      </p:grpSpPr>
+      <p:sp>
+        <p:nvSpPr>
+          <p:cNvPr id="2" name="Образ слайда 1"/>
+          <p:cNvSpPr>
+            <a:spLocks noGrp="1" noRot="1" noChangeAspect="1"/>
+          </p:cNvSpPr>
+          <p:nvPr>
+            <p:ph type="sldImg"/>
+          </p:nvPr>
+        </p:nvSpPr>
+        <p:spPr/>
+      </p:sp>
+      <p:sp>
+        <p:nvSpPr>
+          <p:cNvPr id="3" name="Заметки 2"/>
+          <p:cNvSpPr>
+            <a:spLocks noGrp="1"/>
+          </p:cNvSpPr>
+          <p:nvPr>
+            <p:ph type="body" idx="1"/>
+          </p:nvPr>
+        </p:nvSpPr>
+        <p:spPr/>
+        <p:txBody>
+          <a:bodyPr/>
+          <a:lstStyle/>
+          <a:p>
+            <a:endParaRPr lang="ru-RU"/>
+          </a:p>
+        </p:txBody>
+      </p:sp>
+      <p:sp>
+        <p:nvSpPr>
+          <p:cNvPr id="4" name="Номер слайда 3"/>
+          <p:cNvSpPr>
+            <a:spLocks noGrp="1"/>
+          </p:cNvSpPr>
+          <p:nvPr>
+            <p:ph type="sldNum" sz="quarter" idx="10"/>
+          </p:nvPr>
+        </p:nvSpPr>
+        <p:spPr/>
+        <p:txBody>
+          <a:bodyPr/>
+          <a:lstStyle/>
+          <a:p>
+            <a:fld id="{195CE8A0-4945-4289-8AFB-FA6E871CEBCC}" type="slidenum">
+              <a:rPr lang="ru-RU" smtClean="0"/>
+              <a:t>1</a:t>
+            </a:fld>
+            <a:endParaRPr lang="ru-RU"/>
+          </a:p>
+        </p:txBody>
+      </p:sp>
+    </p:spTree>
+    <p:extLst>
+      <p:ext uri="{BB962C8B-B14F-4D97-AF65-F5344CB8AC3E}">
+        <p14:creationId xmlns:p14="http://schemas.microsoft.com/office/powerpoint/2010/main" val="2876485771"/>
+      </p:ext>
+    </p:extLst>
+  </p:cSld>
+  <p:clrMapOvr>
+    <a:masterClrMapping/>
+  </p:clrMapOvr>
+</p:notes>
+</file>
+
+<file path=ppt/notesSlides/notesSlide10.xml><?xml version="1.0" encoding="utf-8"?>
+<p:notes xmlns:a="http://schemas.openxmlformats.org/drawingml/2006/main" xmlns:r="http://schemas.openxmlformats.org/officeDocument/2006/relationships" xmlns:p="http://schemas.openxmlformats.org/presentationml/2006/main">
+  <p:cSld>
+    <p:spTree>
+      <p:nvGrpSpPr>
+        <p:cNvPr id="1" name=""/>
+        <p:cNvGrpSpPr/>
+        <p:nvPr/>
+      </p:nvGrpSpPr>
+      <p:grpSpPr>
+        <a:xfrm>
+          <a:off x="0" y="0"/>
+          <a:ext cx="0" cy="0"/>
+          <a:chOff x="0" y="0"/>
+          <a:chExt cx="0" cy="0"/>
+        </a:xfrm>
+      </p:grpSpPr>
+      <p:sp>
+        <p:nvSpPr>
+          <p:cNvPr id="2" name="Образ слайда 1"/>
+          <p:cNvSpPr>
+            <a:spLocks noGrp="1" noRot="1" noChangeAspect="1"/>
+          </p:cNvSpPr>
+          <p:nvPr>
+            <p:ph type="sldImg"/>
+          </p:nvPr>
+        </p:nvSpPr>
+        <p:spPr/>
+      </p:sp>
+      <p:sp>
+        <p:nvSpPr>
+          <p:cNvPr id="3" name="Заметки 2"/>
+          <p:cNvSpPr>
+            <a:spLocks noGrp="1"/>
+          </p:cNvSpPr>
+          <p:nvPr>
+            <p:ph type="body" idx="1"/>
+          </p:nvPr>
+        </p:nvSpPr>
+        <p:spPr/>
+        <p:txBody>
+          <a:bodyPr/>
+          <a:lstStyle/>
+          <a:p>
+            <a:endParaRPr lang="ru-RU"/>
+          </a:p>
+        </p:txBody>
+      </p:sp>
+      <p:sp>
+        <p:nvSpPr>
+          <p:cNvPr id="4" name="Номер слайда 3"/>
+          <p:cNvSpPr>
+            <a:spLocks noGrp="1"/>
+          </p:cNvSpPr>
+          <p:nvPr>
+            <p:ph type="sldNum" sz="quarter" idx="10"/>
+          </p:nvPr>
+        </p:nvSpPr>
+        <p:spPr/>
+        <p:txBody>
+          <a:bodyPr/>
+          <a:lstStyle/>
+          <a:p>
+            <a:fld id="{195CE8A0-4945-4289-8AFB-FA6E871CEBCC}" type="slidenum">
+              <a:rPr lang="ru-RU" smtClean="0"/>
+              <a:t>10</a:t>
+            </a:fld>
+            <a:endParaRPr lang="ru-RU"/>
+          </a:p>
+        </p:txBody>
+      </p:sp>
+    </p:spTree>
+    <p:extLst>
+      <p:ext uri="{BB962C8B-B14F-4D97-AF65-F5344CB8AC3E}">
+        <p14:creationId xmlns:p14="http://schemas.microsoft.com/office/powerpoint/2010/main" val="3653491515"/>
+      </p:ext>
+    </p:extLst>
+  </p:cSld>
+  <p:clrMapOvr>
+    <a:masterClrMapping/>
+  </p:clrMapOvr>
+</p:notes>
+</file>
+
+<file path=ppt/notesSlides/notesSlide11.xml><?xml version="1.0" encoding="utf-8"?>
+<p:notes xmlns:a="http://schemas.openxmlformats.org/drawingml/2006/main" xmlns:r="http://schemas.openxmlformats.org/officeDocument/2006/relationships" xmlns:p="http://schemas.openxmlformats.org/presentationml/2006/main">
+  <p:cSld>
+    <p:spTree>
+      <p:nvGrpSpPr>
+        <p:cNvPr id="1" name=""/>
+        <p:cNvGrpSpPr/>
+        <p:nvPr/>
+      </p:nvGrpSpPr>
+      <p:grpSpPr>
+        <a:xfrm>
+          <a:off x="0" y="0"/>
+          <a:ext cx="0" cy="0"/>
+          <a:chOff x="0" y="0"/>
+          <a:chExt cx="0" cy="0"/>
+        </a:xfrm>
+      </p:grpSpPr>
+      <p:sp>
+        <p:nvSpPr>
+          <p:cNvPr id="2" name="Образ слайда 1"/>
+          <p:cNvSpPr>
+            <a:spLocks noGrp="1" noRot="1" noChangeAspect="1"/>
+          </p:cNvSpPr>
+          <p:nvPr>
+            <p:ph type="sldImg"/>
+          </p:nvPr>
+        </p:nvSpPr>
+        <p:spPr/>
+      </p:sp>
+      <p:sp>
+        <p:nvSpPr>
+          <p:cNvPr id="3" name="Заметки 2"/>
+          <p:cNvSpPr>
+            <a:spLocks noGrp="1"/>
+          </p:cNvSpPr>
+          <p:nvPr>
+            <p:ph type="body" idx="1"/>
+          </p:nvPr>
+        </p:nvSpPr>
+        <p:spPr/>
+        <p:txBody>
+          <a:bodyPr/>
+          <a:lstStyle/>
+          <a:p>
+            <a:endParaRPr lang="ru-RU"/>
+          </a:p>
+        </p:txBody>
+      </p:sp>
+      <p:sp>
+        <p:nvSpPr>
+          <p:cNvPr id="4" name="Номер слайда 3"/>
+          <p:cNvSpPr>
+            <a:spLocks noGrp="1"/>
+          </p:cNvSpPr>
+          <p:nvPr>
+            <p:ph type="sldNum" sz="quarter" idx="10"/>
+          </p:nvPr>
+        </p:nvSpPr>
+        <p:spPr/>
+        <p:txBody>
+          <a:bodyPr/>
+          <a:lstStyle/>
+          <a:p>
+            <a:fld id="{195CE8A0-4945-4289-8AFB-FA6E871CEBCC}" type="slidenum">
+              <a:rPr lang="ru-RU" smtClean="0"/>
+              <a:t>11</a:t>
+            </a:fld>
+            <a:endParaRPr lang="ru-RU"/>
+          </a:p>
+        </p:txBody>
+      </p:sp>
+    </p:spTree>
+    <p:extLst>
+      <p:ext uri="{BB962C8B-B14F-4D97-AF65-F5344CB8AC3E}">
+        <p14:creationId xmlns:p14="http://schemas.microsoft.com/office/powerpoint/2010/main" val="4041510726"/>
+      </p:ext>
+    </p:extLst>
+  </p:cSld>
+  <p:clrMapOvr>
+    <a:masterClrMapping/>
+  </p:clrMapOvr>
+</p:notes>
+</file>
+
+<file path=ppt/notesSlides/notesSlide12.xml><?xml version="1.0" encoding="utf-8"?>
+<p:notes xmlns:a="http://schemas.openxmlformats.org/drawingml/2006/main" xmlns:r="http://schemas.openxmlformats.org/officeDocument/2006/relationships" xmlns:p="http://schemas.openxmlformats.org/presentationml/2006/main">
+  <p:cSld>
+    <p:spTree>
+      <p:nvGrpSpPr>
+        <p:cNvPr id="1" name=""/>
+        <p:cNvGrpSpPr/>
+        <p:nvPr/>
+      </p:nvGrpSpPr>
+      <p:grpSpPr>
+        <a:xfrm>
+          <a:off x="0" y="0"/>
+          <a:ext cx="0" cy="0"/>
+          <a:chOff x="0" y="0"/>
+          <a:chExt cx="0" cy="0"/>
+        </a:xfrm>
+      </p:grpSpPr>
+      <p:sp>
+        <p:nvSpPr>
+          <p:cNvPr id="2" name="Образ слайда 1"/>
+          <p:cNvSpPr>
+            <a:spLocks noGrp="1" noRot="1" noChangeAspect="1"/>
+          </p:cNvSpPr>
+          <p:nvPr>
+            <p:ph type="sldImg"/>
+          </p:nvPr>
+        </p:nvSpPr>
+        <p:spPr/>
+      </p:sp>
+      <p:sp>
+        <p:nvSpPr>
+          <p:cNvPr id="3" name="Заметки 2"/>
+          <p:cNvSpPr>
+            <a:spLocks noGrp="1"/>
+          </p:cNvSpPr>
+          <p:nvPr>
+            <p:ph type="body" idx="1"/>
+          </p:nvPr>
+        </p:nvSpPr>
+        <p:spPr/>
+        <p:txBody>
+          <a:bodyPr/>
+          <a:lstStyle/>
+          <a:p>
+            <a:endParaRPr lang="ru-RU"/>
+          </a:p>
+        </p:txBody>
+      </p:sp>
+      <p:sp>
+        <p:nvSpPr>
+          <p:cNvPr id="4" name="Номер слайда 3"/>
+          <p:cNvSpPr>
+            <a:spLocks noGrp="1"/>
+          </p:cNvSpPr>
+          <p:nvPr>
+            <p:ph type="sldNum" sz="quarter" idx="10"/>
+          </p:nvPr>
+        </p:nvSpPr>
+        <p:spPr/>
+        <p:txBody>
+          <a:bodyPr/>
+          <a:lstStyle/>
+          <a:p>
+            <a:fld id="{195CE8A0-4945-4289-8AFB-FA6E871CEBCC}" type="slidenum">
+              <a:rPr lang="ru-RU" smtClean="0"/>
+              <a:t>12</a:t>
+            </a:fld>
+            <a:endParaRPr lang="ru-RU"/>
+          </a:p>
+        </p:txBody>
+      </p:sp>
+    </p:spTree>
+    <p:extLst>
+      <p:ext uri="{BB962C8B-B14F-4D97-AF65-F5344CB8AC3E}">
+        <p14:creationId xmlns:p14="http://schemas.microsoft.com/office/powerpoint/2010/main" val="2956835094"/>
+      </p:ext>
+    </p:extLst>
+  </p:cSld>
+  <p:clrMapOvr>
+    <a:masterClrMapping/>
+  </p:clrMapOvr>
+</p:notes>
+</file>
+
+<file path=ppt/notesSlides/notesSlide13.xml><?xml version="1.0" encoding="utf-8"?>
+<p:notes xmlns:a="http://schemas.openxmlformats.org/drawingml/2006/main" xmlns:r="http://schemas.openxmlformats.org/officeDocument/2006/relationships" xmlns:p="http://schemas.openxmlformats.org/presentationml/2006/main">
+  <p:cSld>
+    <p:spTree>
+      <p:nvGrpSpPr>
+        <p:cNvPr id="1" name=""/>
+        <p:cNvGrpSpPr/>
+        <p:nvPr/>
+      </p:nvGrpSpPr>
+      <p:grpSpPr>
+        <a:xfrm>
+          <a:off x="0" y="0"/>
+          <a:ext cx="0" cy="0"/>
+          <a:chOff x="0" y="0"/>
+          <a:chExt cx="0" cy="0"/>
+        </a:xfrm>
+      </p:grpSpPr>
+      <p:sp>
+        <p:nvSpPr>
+          <p:cNvPr id="2" name="Образ слайда 1"/>
+          <p:cNvSpPr>
+            <a:spLocks noGrp="1" noRot="1" noChangeAspect="1"/>
+          </p:cNvSpPr>
+          <p:nvPr>
+            <p:ph type="sldImg"/>
+          </p:nvPr>
+        </p:nvSpPr>
+        <p:spPr/>
+      </p:sp>
+      <p:sp>
+        <p:nvSpPr>
+          <p:cNvPr id="3" name="Заметки 2"/>
+          <p:cNvSpPr>
+            <a:spLocks noGrp="1"/>
+          </p:cNvSpPr>
+          <p:nvPr>
+            <p:ph type="body" idx="1"/>
+          </p:nvPr>
+        </p:nvSpPr>
+        <p:spPr/>
+        <p:txBody>
+          <a:bodyPr/>
+          <a:lstStyle/>
+          <a:p>
+            <a:endParaRPr lang="ru-RU"/>
+          </a:p>
+        </p:txBody>
+      </p:sp>
+      <p:sp>
+        <p:nvSpPr>
+          <p:cNvPr id="4" name="Номер слайда 3"/>
+          <p:cNvSpPr>
+            <a:spLocks noGrp="1"/>
+          </p:cNvSpPr>
+          <p:nvPr>
+            <p:ph type="sldNum" sz="quarter" idx="10"/>
+          </p:nvPr>
+        </p:nvSpPr>
+        <p:spPr/>
+        <p:txBody>
+          <a:bodyPr/>
+          <a:lstStyle/>
+          <a:p>
+            <a:fld id="{195CE8A0-4945-4289-8AFB-FA6E871CEBCC}" type="slidenum">
+              <a:rPr lang="ru-RU" smtClean="0"/>
+              <a:t>15</a:t>
+            </a:fld>
+            <a:endParaRPr lang="ru-RU"/>
+          </a:p>
+        </p:txBody>
+      </p:sp>
+    </p:spTree>
+    <p:extLst>
+      <p:ext uri="{BB962C8B-B14F-4D97-AF65-F5344CB8AC3E}">
+        <p14:creationId xmlns:p14="http://schemas.microsoft.com/office/powerpoint/2010/main" val="2022791067"/>
+      </p:ext>
+    </p:extLst>
+  </p:cSld>
+  <p:clrMapOvr>
+    <a:masterClrMapping/>
+  </p:clrMapOvr>
+</p:notes>
+</file>
+
+<file path=ppt/notesSlides/notesSlide14.xml><?xml version="1.0" encoding="utf-8"?>
+<p:notes xmlns:a="http://schemas.openxmlformats.org/drawingml/2006/main" xmlns:r="http://schemas.openxmlformats.org/officeDocument/2006/relationships" xmlns:p="http://schemas.openxmlformats.org/presentationml/2006/main">
+  <p:cSld>
+    <p:spTree>
+      <p:nvGrpSpPr>
+        <p:cNvPr id="1" name=""/>
+        <p:cNvGrpSpPr/>
+        <p:nvPr/>
+      </p:nvGrpSpPr>
+      <p:grpSpPr>
+        <a:xfrm>
+          <a:off x="0" y="0"/>
+          <a:ext cx="0" cy="0"/>
+          <a:chOff x="0" y="0"/>
+          <a:chExt cx="0" cy="0"/>
+        </a:xfrm>
+      </p:grpSpPr>
+      <p:sp>
+        <p:nvSpPr>
+          <p:cNvPr id="2" name="Образ слайда 1"/>
+          <p:cNvSpPr>
+            <a:spLocks noGrp="1" noRot="1" noChangeAspect="1"/>
+          </p:cNvSpPr>
+          <p:nvPr>
+            <p:ph type="sldImg"/>
+          </p:nvPr>
+        </p:nvSpPr>
+        <p:spPr/>
+      </p:sp>
+      <p:sp>
+        <p:nvSpPr>
+          <p:cNvPr id="3" name="Заметки 2"/>
+          <p:cNvSpPr>
+            <a:spLocks noGrp="1"/>
+          </p:cNvSpPr>
+          <p:nvPr>
+            <p:ph type="body" idx="1"/>
+          </p:nvPr>
+        </p:nvSpPr>
+        <p:spPr/>
+        <p:txBody>
+          <a:bodyPr/>
+          <a:lstStyle/>
+          <a:p>
+            <a:endParaRPr lang="ru-RU"/>
+          </a:p>
+        </p:txBody>
+      </p:sp>
+      <p:sp>
+        <p:nvSpPr>
+          <p:cNvPr id="4" name="Номер слайда 3"/>
+          <p:cNvSpPr>
+            <a:spLocks noGrp="1"/>
+          </p:cNvSpPr>
+          <p:nvPr>
+            <p:ph type="sldNum" sz="quarter" idx="10"/>
+          </p:nvPr>
+        </p:nvSpPr>
+        <p:spPr/>
+        <p:txBody>
+          <a:bodyPr/>
+          <a:lstStyle/>
+          <a:p>
+            <a:fld id="{195CE8A0-4945-4289-8AFB-FA6E871CEBCC}" type="slidenum">
+              <a:rPr lang="ru-RU" smtClean="0"/>
+              <a:t>16</a:t>
+            </a:fld>
+            <a:endParaRPr lang="ru-RU"/>
+          </a:p>
+        </p:txBody>
+      </p:sp>
+    </p:spTree>
+    <p:extLst>
+      <p:ext uri="{BB962C8B-B14F-4D97-AF65-F5344CB8AC3E}">
+        <p14:creationId xmlns:p14="http://schemas.microsoft.com/office/powerpoint/2010/main" val="3985649047"/>
+      </p:ext>
+    </p:extLst>
+  </p:cSld>
+  <p:clrMapOvr>
+    <a:masterClrMapping/>
+  </p:clrMapOvr>
+</p:notes>
+</file>
+
+<file path=ppt/notesSlides/notesSlide15.xml><?xml version="1.0" encoding="utf-8"?>
+<p:notes xmlns:a="http://schemas.openxmlformats.org/drawingml/2006/main" xmlns:r="http://schemas.openxmlformats.org/officeDocument/2006/relationships" xmlns:p="http://schemas.openxmlformats.org/presentationml/2006/main">
+  <p:cSld>
+    <p:spTree>
+      <p:nvGrpSpPr>
+        <p:cNvPr id="1" name=""/>
+        <p:cNvGrpSpPr/>
+        <p:nvPr/>
+      </p:nvGrpSpPr>
+      <p:grpSpPr>
+        <a:xfrm>
+          <a:off x="0" y="0"/>
+          <a:ext cx="0" cy="0"/>
+          <a:chOff x="0" y="0"/>
+          <a:chExt cx="0" cy="0"/>
+        </a:xfrm>
+      </p:grpSpPr>
+      <p:sp>
+        <p:nvSpPr>
+          <p:cNvPr id="2" name="Образ слайда 1"/>
+          <p:cNvSpPr>
+            <a:spLocks noGrp="1" noRot="1" noChangeAspect="1"/>
+          </p:cNvSpPr>
+          <p:nvPr>
+            <p:ph type="sldImg"/>
+          </p:nvPr>
+        </p:nvSpPr>
+        <p:spPr/>
+      </p:sp>
+      <p:sp>
+        <p:nvSpPr>
+          <p:cNvPr id="3" name="Заметки 2"/>
+          <p:cNvSpPr>
+            <a:spLocks noGrp="1"/>
+          </p:cNvSpPr>
+          <p:nvPr>
+            <p:ph type="body" idx="1"/>
+          </p:nvPr>
+        </p:nvSpPr>
+        <p:spPr/>
+        <p:txBody>
+          <a:bodyPr/>
+          <a:lstStyle/>
+          <a:p>
+            <a:endParaRPr lang="ru-RU"/>
+          </a:p>
+        </p:txBody>
+      </p:sp>
+      <p:sp>
+        <p:nvSpPr>
+          <p:cNvPr id="4" name="Номер слайда 3"/>
+          <p:cNvSpPr>
+            <a:spLocks noGrp="1"/>
+          </p:cNvSpPr>
+          <p:nvPr>
+            <p:ph type="sldNum" sz="quarter" idx="10"/>
+          </p:nvPr>
+        </p:nvSpPr>
+        <p:spPr/>
+        <p:txBody>
+          <a:bodyPr/>
+          <a:lstStyle/>
+          <a:p>
+            <a:fld id="{195CE8A0-4945-4289-8AFB-FA6E871CEBCC}" type="slidenum">
+              <a:rPr lang="ru-RU" smtClean="0"/>
+              <a:t>17</a:t>
+            </a:fld>
+            <a:endParaRPr lang="ru-RU"/>
+          </a:p>
+        </p:txBody>
+      </p:sp>
+    </p:spTree>
+    <p:extLst>
+      <p:ext uri="{BB962C8B-B14F-4D97-AF65-F5344CB8AC3E}">
+        <p14:creationId xmlns:p14="http://schemas.microsoft.com/office/powerpoint/2010/main" val="161469570"/>
+      </p:ext>
+    </p:extLst>
+  </p:cSld>
+  <p:clrMapOvr>
+    <a:masterClrMapping/>
+  </p:clrMapOvr>
+</p:notes>
+</file>
+
+<file path=ppt/notesSlides/notesSlide16.xml><?xml version="1.0" encoding="utf-8"?>
+<p:notes xmlns:a="http://schemas.openxmlformats.org/drawingml/2006/main" xmlns:r="http://schemas.openxmlformats.org/officeDocument/2006/relationships" xmlns:p="http://schemas.openxmlformats.org/presentationml/2006/main">
+  <p:cSld>
+    <p:spTree>
+      <p:nvGrpSpPr>
+        <p:cNvPr id="1" name=""/>
+        <p:cNvGrpSpPr/>
+        <p:nvPr/>
+      </p:nvGrpSpPr>
+      <p:grpSpPr>
+        <a:xfrm>
+          <a:off x="0" y="0"/>
+          <a:ext cx="0" cy="0"/>
+          <a:chOff x="0" y="0"/>
+          <a:chExt cx="0" cy="0"/>
+        </a:xfrm>
+      </p:grpSpPr>
+      <p:sp>
+        <p:nvSpPr>
+          <p:cNvPr id="2" name="Образ слайда 1"/>
+          <p:cNvSpPr>
+            <a:spLocks noGrp="1" noRot="1" noChangeAspect="1"/>
+          </p:cNvSpPr>
+          <p:nvPr>
+            <p:ph type="sldImg"/>
+          </p:nvPr>
+        </p:nvSpPr>
+        <p:spPr/>
+      </p:sp>
+      <p:sp>
+        <p:nvSpPr>
+          <p:cNvPr id="3" name="Заметки 2"/>
+          <p:cNvSpPr>
+            <a:spLocks noGrp="1"/>
+          </p:cNvSpPr>
+          <p:nvPr>
+            <p:ph type="body" idx="1"/>
+          </p:nvPr>
+        </p:nvSpPr>
+        <p:spPr/>
+        <p:txBody>
+          <a:bodyPr/>
+          <a:lstStyle/>
+          <a:p>
+            <a:endParaRPr lang="ru-RU"/>
+          </a:p>
+        </p:txBody>
+      </p:sp>
+      <p:sp>
+        <p:nvSpPr>
+          <p:cNvPr id="4" name="Номер слайда 3"/>
+          <p:cNvSpPr>
+            <a:spLocks noGrp="1"/>
+          </p:cNvSpPr>
+          <p:nvPr>
+            <p:ph type="sldNum" sz="quarter" idx="10"/>
+          </p:nvPr>
+        </p:nvSpPr>
+        <p:spPr/>
+        <p:txBody>
+          <a:bodyPr/>
+          <a:lstStyle/>
+          <a:p>
+            <a:fld id="{195CE8A0-4945-4289-8AFB-FA6E871CEBCC}" type="slidenum">
+              <a:rPr lang="ru-RU" smtClean="0"/>
+              <a:t>19</a:t>
+            </a:fld>
+            <a:endParaRPr lang="ru-RU"/>
+          </a:p>
+        </p:txBody>
+      </p:sp>
+    </p:spTree>
+    <p:extLst>
+      <p:ext uri="{BB962C8B-B14F-4D97-AF65-F5344CB8AC3E}">
+        <p14:creationId xmlns:p14="http://schemas.microsoft.com/office/powerpoint/2010/main" val="2780969589"/>
+      </p:ext>
+    </p:extLst>
+  </p:cSld>
+  <p:clrMapOvr>
+    <a:masterClrMapping/>
+  </p:clrMapOvr>
+</p:notes>
+</file>
+
+<file path=ppt/notesSlides/notesSlide2.xml><?xml version="1.0" encoding="utf-8"?>
+<p:notes xmlns:a="http://schemas.openxmlformats.org/drawingml/2006/main" xmlns:r="http://schemas.openxmlformats.org/officeDocument/2006/relationships" xmlns:p="http://schemas.openxmlformats.org/presentationml/2006/main">
+  <p:cSld>
+    <p:spTree>
+      <p:nvGrpSpPr>
+        <p:cNvPr id="1" name=""/>
+        <p:cNvGrpSpPr/>
+        <p:nvPr/>
+      </p:nvGrpSpPr>
+      <p:grpSpPr>
+        <a:xfrm>
+          <a:off x="0" y="0"/>
+          <a:ext cx="0" cy="0"/>
+          <a:chOff x="0" y="0"/>
+          <a:chExt cx="0" cy="0"/>
+        </a:xfrm>
+      </p:grpSpPr>
+      <p:sp>
+        <p:nvSpPr>
+          <p:cNvPr id="2" name="Образ слайда 1"/>
+          <p:cNvSpPr>
+            <a:spLocks noGrp="1" noRot="1" noChangeAspect="1"/>
+          </p:cNvSpPr>
+          <p:nvPr>
+            <p:ph type="sldImg"/>
+          </p:nvPr>
+        </p:nvSpPr>
+        <p:spPr/>
+      </p:sp>
+      <p:sp>
+        <p:nvSpPr>
+          <p:cNvPr id="3" name="Заметки 2"/>
+          <p:cNvSpPr>
+            <a:spLocks noGrp="1"/>
+          </p:cNvSpPr>
+          <p:nvPr>
+            <p:ph type="body" idx="1"/>
+          </p:nvPr>
+        </p:nvSpPr>
+        <p:spPr/>
+        <p:txBody>
+          <a:bodyPr/>
+          <a:lstStyle/>
+          <a:p>
+            <a:endParaRPr lang="ru-RU"/>
+          </a:p>
+        </p:txBody>
+      </p:sp>
+      <p:sp>
+        <p:nvSpPr>
+          <p:cNvPr id="4" name="Номер слайда 3"/>
+          <p:cNvSpPr>
+            <a:spLocks noGrp="1"/>
+          </p:cNvSpPr>
+          <p:nvPr>
+            <p:ph type="sldNum" sz="quarter" idx="10"/>
+          </p:nvPr>
+        </p:nvSpPr>
+        <p:spPr/>
+        <p:txBody>
+          <a:bodyPr/>
+          <a:lstStyle/>
+          <a:p>
+            <a:fld id="{195CE8A0-4945-4289-8AFB-FA6E871CEBCC}" type="slidenum">
+              <a:rPr lang="ru-RU" smtClean="0"/>
+              <a:t>2</a:t>
+            </a:fld>
+            <a:endParaRPr lang="ru-RU"/>
+          </a:p>
+        </p:txBody>
+      </p:sp>
+    </p:spTree>
+    <p:extLst>
+      <p:ext uri="{BB962C8B-B14F-4D97-AF65-F5344CB8AC3E}">
+        <p14:creationId xmlns:p14="http://schemas.microsoft.com/office/powerpoint/2010/main" val="1759280626"/>
+      </p:ext>
+    </p:extLst>
+  </p:cSld>
+  <p:clrMapOvr>
+    <a:masterClrMapping/>
+  </p:clrMapOvr>
+</p:notes>
+</file>
+
+<file path=ppt/notesSlides/notesSlide3.xml><?xml version="1.0" encoding="utf-8"?>
+<p:notes xmlns:a="http://schemas.openxmlformats.org/drawingml/2006/main" xmlns:r="http://schemas.openxmlformats.org/officeDocument/2006/relationships" xmlns:p="http://schemas.openxmlformats.org/presentationml/2006/main">
+  <p:cSld>
+    <p:spTree>
+      <p:nvGrpSpPr>
+        <p:cNvPr id="1" name=""/>
+        <p:cNvGrpSpPr/>
+        <p:nvPr/>
+      </p:nvGrpSpPr>
+      <p:grpSpPr>
+        <a:xfrm>
+          <a:off x="0" y="0"/>
+          <a:ext cx="0" cy="0"/>
+          <a:chOff x="0" y="0"/>
+          <a:chExt cx="0" cy="0"/>
+        </a:xfrm>
+      </p:grpSpPr>
+      <p:sp>
+        <p:nvSpPr>
+          <p:cNvPr id="2" name="Образ слайда 1"/>
+          <p:cNvSpPr>
+            <a:spLocks noGrp="1" noRot="1" noChangeAspect="1"/>
+          </p:cNvSpPr>
+          <p:nvPr>
+            <p:ph type="sldImg"/>
+          </p:nvPr>
+        </p:nvSpPr>
+        <p:spPr/>
+      </p:sp>
+      <p:sp>
+        <p:nvSpPr>
+          <p:cNvPr id="3" name="Заметки 2"/>
+          <p:cNvSpPr>
+            <a:spLocks noGrp="1"/>
+          </p:cNvSpPr>
+          <p:nvPr>
+            <p:ph type="body" idx="1"/>
+          </p:nvPr>
+        </p:nvSpPr>
+        <p:spPr/>
+        <p:txBody>
+          <a:bodyPr/>
+          <a:lstStyle/>
+          <a:p>
+            <a:endParaRPr lang="ru-RU"/>
+          </a:p>
+        </p:txBody>
+      </p:sp>
+      <p:sp>
+        <p:nvSpPr>
+          <p:cNvPr id="4" name="Номер слайда 3"/>
+          <p:cNvSpPr>
+            <a:spLocks noGrp="1"/>
+          </p:cNvSpPr>
+          <p:nvPr>
+            <p:ph type="sldNum" sz="quarter" idx="10"/>
+          </p:nvPr>
+        </p:nvSpPr>
+        <p:spPr/>
+        <p:txBody>
+          <a:bodyPr/>
+          <a:lstStyle/>
+          <a:p>
+            <a:fld id="{195CE8A0-4945-4289-8AFB-FA6E871CEBCC}" type="slidenum">
+              <a:rPr lang="ru-RU" smtClean="0"/>
+              <a:t>3</a:t>
+            </a:fld>
+            <a:endParaRPr lang="ru-RU"/>
+          </a:p>
+        </p:txBody>
+      </p:sp>
+    </p:spTree>
+    <p:extLst>
+      <p:ext uri="{BB962C8B-B14F-4D97-AF65-F5344CB8AC3E}">
+        <p14:creationId xmlns:p14="http://schemas.microsoft.com/office/powerpoint/2010/main" val="2667280592"/>
+      </p:ext>
+    </p:extLst>
+  </p:cSld>
+  <p:clrMapOvr>
+    <a:masterClrMapping/>
+  </p:clrMapOvr>
+</p:notes>
+</file>
+
+<file path=ppt/notesSlides/notesSlide4.xml><?xml version="1.0" encoding="utf-8"?>
+<p:notes xmlns:a="http://schemas.openxmlformats.org/drawingml/2006/main" xmlns:r="http://schemas.openxmlformats.org/officeDocument/2006/relationships" xmlns:p="http://schemas.openxmlformats.org/presentationml/2006/main">
+  <p:cSld>
+    <p:spTree>
+      <p:nvGrpSpPr>
+        <p:cNvPr id="1" name=""/>
+        <p:cNvGrpSpPr/>
+        <p:nvPr/>
+      </p:nvGrpSpPr>
+      <p:grpSpPr>
+        <a:xfrm>
+          <a:off x="0" y="0"/>
+          <a:ext cx="0" cy="0"/>
+          <a:chOff x="0" y="0"/>
+          <a:chExt cx="0" cy="0"/>
+        </a:xfrm>
+      </p:grpSpPr>
+      <p:sp>
+        <p:nvSpPr>
+          <p:cNvPr id="2" name="Образ слайда 1"/>
+          <p:cNvSpPr>
+            <a:spLocks noGrp="1" noRot="1" noChangeAspect="1"/>
+          </p:cNvSpPr>
+          <p:nvPr>
+            <p:ph type="sldImg"/>
+          </p:nvPr>
+        </p:nvSpPr>
+        <p:spPr/>
+      </p:sp>
+      <p:sp>
+        <p:nvSpPr>
+          <p:cNvPr id="3" name="Заметки 2"/>
+          <p:cNvSpPr>
+            <a:spLocks noGrp="1"/>
+          </p:cNvSpPr>
+          <p:nvPr>
+            <p:ph type="body" idx="1"/>
+          </p:nvPr>
+        </p:nvSpPr>
+        <p:spPr/>
+        <p:txBody>
+          <a:bodyPr/>
+          <a:lstStyle/>
+          <a:p>
+            <a:endParaRPr lang="ru-RU"/>
+          </a:p>
+        </p:txBody>
+      </p:sp>
+      <p:sp>
+        <p:nvSpPr>
+          <p:cNvPr id="4" name="Номер слайда 3"/>
+          <p:cNvSpPr>
+            <a:spLocks noGrp="1"/>
+          </p:cNvSpPr>
+          <p:nvPr>
+            <p:ph type="sldNum" sz="quarter" idx="10"/>
+          </p:nvPr>
+        </p:nvSpPr>
+        <p:spPr/>
+        <p:txBody>
+          <a:bodyPr/>
+          <a:lstStyle/>
+          <a:p>
+            <a:fld id="{195CE8A0-4945-4289-8AFB-FA6E871CEBCC}" type="slidenum">
+              <a:rPr lang="ru-RU" smtClean="0"/>
+              <a:t>4</a:t>
+            </a:fld>
+            <a:endParaRPr lang="ru-RU"/>
+          </a:p>
+        </p:txBody>
+      </p:sp>
+    </p:spTree>
+    <p:extLst>
+      <p:ext uri="{BB962C8B-B14F-4D97-AF65-F5344CB8AC3E}">
+        <p14:creationId xmlns:p14="http://schemas.microsoft.com/office/powerpoint/2010/main" val="3180165000"/>
+      </p:ext>
+    </p:extLst>
+  </p:cSld>
+  <p:clrMapOvr>
+    <a:masterClrMapping/>
+  </p:clrMapOvr>
+</p:notes>
+</file>
+
+<file path=ppt/notesSlides/notesSlide5.xml><?xml version="1.0" encoding="utf-8"?>
+<p:notes xmlns:a="http://schemas.openxmlformats.org/drawingml/2006/main" xmlns:r="http://schemas.openxmlformats.org/officeDocument/2006/relationships" xmlns:p="http://schemas.openxmlformats.org/presentationml/2006/main">
+  <p:cSld>
+    <p:spTree>
+      <p:nvGrpSpPr>
+        <p:cNvPr id="1" name=""/>
+        <p:cNvGrpSpPr/>
+        <p:nvPr/>
+      </p:nvGrpSpPr>
+      <p:grpSpPr>
+        <a:xfrm>
+          <a:off x="0" y="0"/>
+          <a:ext cx="0" cy="0"/>
+          <a:chOff x="0" y="0"/>
+          <a:chExt cx="0" cy="0"/>
+        </a:xfrm>
+      </p:grpSpPr>
+      <p:sp>
+        <p:nvSpPr>
+          <p:cNvPr id="2" name="Образ слайда 1"/>
+          <p:cNvSpPr>
+            <a:spLocks noGrp="1" noRot="1" noChangeAspect="1"/>
+          </p:cNvSpPr>
+          <p:nvPr>
+            <p:ph type="sldImg"/>
+          </p:nvPr>
+        </p:nvSpPr>
+        <p:spPr/>
+      </p:sp>
+      <p:sp>
+        <p:nvSpPr>
+          <p:cNvPr id="3" name="Заметки 2"/>
+          <p:cNvSpPr>
+            <a:spLocks noGrp="1"/>
+          </p:cNvSpPr>
+          <p:nvPr>
+            <p:ph type="body" idx="1"/>
+          </p:nvPr>
+        </p:nvSpPr>
+        <p:spPr/>
+        <p:txBody>
+          <a:bodyPr/>
+          <a:lstStyle/>
+          <a:p>
+            <a:endParaRPr lang="ru-RU"/>
+          </a:p>
+        </p:txBody>
+      </p:sp>
+      <p:sp>
+        <p:nvSpPr>
+          <p:cNvPr id="4" name="Номер слайда 3"/>
+          <p:cNvSpPr>
+            <a:spLocks noGrp="1"/>
+          </p:cNvSpPr>
+          <p:nvPr>
+            <p:ph type="sldNum" sz="quarter" idx="10"/>
+          </p:nvPr>
+        </p:nvSpPr>
+        <p:spPr/>
+        <p:txBody>
+          <a:bodyPr/>
+          <a:lstStyle/>
+          <a:p>
+            <a:fld id="{195CE8A0-4945-4289-8AFB-FA6E871CEBCC}" type="slidenum">
+              <a:rPr lang="ru-RU" smtClean="0"/>
+              <a:t>5</a:t>
+            </a:fld>
+            <a:endParaRPr lang="ru-RU"/>
+          </a:p>
+        </p:txBody>
+      </p:sp>
+    </p:spTree>
+    <p:extLst>
+      <p:ext uri="{BB962C8B-B14F-4D97-AF65-F5344CB8AC3E}">
+        <p14:creationId xmlns:p14="http://schemas.microsoft.com/office/powerpoint/2010/main" val="4236163816"/>
+      </p:ext>
+    </p:extLst>
+  </p:cSld>
+  <p:clrMapOvr>
+    <a:masterClrMapping/>
+  </p:clrMapOvr>
+</p:notes>
+</file>
+
+<file path=ppt/notesSlides/notesSlide6.xml><?xml version="1.0" encoding="utf-8"?>
+<p:notes xmlns:a="http://schemas.openxmlformats.org/drawingml/2006/main" xmlns:r="http://schemas.openxmlformats.org/officeDocument/2006/relationships" xmlns:p="http://schemas.openxmlformats.org/presentationml/2006/main">
+  <p:cSld>
+    <p:spTree>
+      <p:nvGrpSpPr>
+        <p:cNvPr id="1" name=""/>
+        <p:cNvGrpSpPr/>
+        <p:nvPr/>
+      </p:nvGrpSpPr>
+      <p:grpSpPr>
+        <a:xfrm>
+          <a:off x="0" y="0"/>
+          <a:ext cx="0" cy="0"/>
+          <a:chOff x="0" y="0"/>
+          <a:chExt cx="0" cy="0"/>
+        </a:xfrm>
+      </p:grpSpPr>
+      <p:sp>
+        <p:nvSpPr>
+          <p:cNvPr id="2" name="Образ слайда 1"/>
+          <p:cNvSpPr>
+            <a:spLocks noGrp="1" noRot="1" noChangeAspect="1"/>
+          </p:cNvSpPr>
+          <p:nvPr>
+            <p:ph type="sldImg"/>
+          </p:nvPr>
+        </p:nvSpPr>
+        <p:spPr/>
+      </p:sp>
+      <p:sp>
+        <p:nvSpPr>
+          <p:cNvPr id="3" name="Заметки 2"/>
+          <p:cNvSpPr>
+            <a:spLocks noGrp="1"/>
+          </p:cNvSpPr>
+          <p:nvPr>
+            <p:ph type="body" idx="1"/>
+          </p:nvPr>
+        </p:nvSpPr>
+        <p:spPr/>
+        <p:txBody>
+          <a:bodyPr/>
+          <a:lstStyle/>
+          <a:p>
+            <a:endParaRPr lang="ru-RU"/>
+          </a:p>
+        </p:txBody>
+      </p:sp>
+      <p:sp>
+        <p:nvSpPr>
+          <p:cNvPr id="4" name="Номер слайда 3"/>
+          <p:cNvSpPr>
+            <a:spLocks noGrp="1"/>
+          </p:cNvSpPr>
+          <p:nvPr>
+            <p:ph type="sldNum" sz="quarter" idx="10"/>
+          </p:nvPr>
+        </p:nvSpPr>
+        <p:spPr/>
+        <p:txBody>
+          <a:bodyPr/>
+          <a:lstStyle/>
+          <a:p>
+            <a:fld id="{195CE8A0-4945-4289-8AFB-FA6E871CEBCC}" type="slidenum">
+              <a:rPr lang="ru-RU" smtClean="0"/>
+              <a:t>6</a:t>
+            </a:fld>
+            <a:endParaRPr lang="ru-RU"/>
+          </a:p>
+        </p:txBody>
+      </p:sp>
+    </p:spTree>
+    <p:extLst>
+      <p:ext uri="{BB962C8B-B14F-4D97-AF65-F5344CB8AC3E}">
+        <p14:creationId xmlns:p14="http://schemas.microsoft.com/office/powerpoint/2010/main" val="4068473183"/>
+      </p:ext>
+    </p:extLst>
+  </p:cSld>
+  <p:clrMapOvr>
+    <a:masterClrMapping/>
+  </p:clrMapOvr>
+</p:notes>
+</file>
+
+<file path=ppt/notesSlides/notesSlide7.xml><?xml version="1.0" encoding="utf-8"?>
+<p:notes xmlns:a="http://schemas.openxmlformats.org/drawingml/2006/main" xmlns:r="http://schemas.openxmlformats.org/officeDocument/2006/relationships" xmlns:p="http://schemas.openxmlformats.org/presentationml/2006/main">
+  <p:cSld>
+    <p:spTree>
+      <p:nvGrpSpPr>
+        <p:cNvPr id="1" name=""/>
+        <p:cNvGrpSpPr/>
+        <p:nvPr/>
+      </p:nvGrpSpPr>
+      <p:grpSpPr>
+        <a:xfrm>
+          <a:off x="0" y="0"/>
+          <a:ext cx="0" cy="0"/>
+          <a:chOff x="0" y="0"/>
+          <a:chExt cx="0" cy="0"/>
+        </a:xfrm>
+      </p:grpSpPr>
+      <p:sp>
+        <p:nvSpPr>
+          <p:cNvPr id="2" name="Образ слайда 1"/>
+          <p:cNvSpPr>
+            <a:spLocks noGrp="1" noRot="1" noChangeAspect="1"/>
+          </p:cNvSpPr>
+          <p:nvPr>
+            <p:ph type="sldImg"/>
+          </p:nvPr>
+        </p:nvSpPr>
+        <p:spPr/>
+      </p:sp>
+      <p:sp>
+        <p:nvSpPr>
+          <p:cNvPr id="3" name="Заметки 2"/>
+          <p:cNvSpPr>
+            <a:spLocks noGrp="1"/>
+          </p:cNvSpPr>
+          <p:nvPr>
+            <p:ph type="body" idx="1"/>
+          </p:nvPr>
+        </p:nvSpPr>
+        <p:spPr/>
+        <p:txBody>
+          <a:bodyPr/>
+          <a:lstStyle/>
+          <a:p>
+            <a:endParaRPr lang="ru-RU"/>
+          </a:p>
+        </p:txBody>
+      </p:sp>
+      <p:sp>
+        <p:nvSpPr>
+          <p:cNvPr id="4" name="Номер слайда 3"/>
+          <p:cNvSpPr>
+            <a:spLocks noGrp="1"/>
+          </p:cNvSpPr>
+          <p:nvPr>
+            <p:ph type="sldNum" sz="quarter" idx="10"/>
+          </p:nvPr>
+        </p:nvSpPr>
+        <p:spPr/>
+        <p:txBody>
+          <a:bodyPr/>
+          <a:lstStyle/>
+          <a:p>
+            <a:fld id="{195CE8A0-4945-4289-8AFB-FA6E871CEBCC}" type="slidenum">
+              <a:rPr lang="ru-RU" smtClean="0"/>
+              <a:t>7</a:t>
+            </a:fld>
+            <a:endParaRPr lang="ru-RU"/>
+          </a:p>
+        </p:txBody>
+      </p:sp>
+    </p:spTree>
+    <p:extLst>
+      <p:ext uri="{BB962C8B-B14F-4D97-AF65-F5344CB8AC3E}">
+        <p14:creationId xmlns:p14="http://schemas.microsoft.com/office/powerpoint/2010/main" val="2240665810"/>
+      </p:ext>
+    </p:extLst>
+  </p:cSld>
+  <p:clrMapOvr>
+    <a:masterClrMapping/>
+  </p:clrMapOvr>
+</p:notes>
+</file>
+
+<file path=ppt/notesSlides/notesSlide8.xml><?xml version="1.0" encoding="utf-8"?>
+<p:notes xmlns:a="http://schemas.openxmlformats.org/drawingml/2006/main" xmlns:r="http://schemas.openxmlformats.org/officeDocument/2006/relationships" xmlns:p="http://schemas.openxmlformats.org/presentationml/2006/main">
+  <p:cSld>
+    <p:spTree>
+      <p:nvGrpSpPr>
+        <p:cNvPr id="1" name=""/>
+        <p:cNvGrpSpPr/>
+        <p:nvPr/>
+      </p:nvGrpSpPr>
+      <p:grpSpPr>
+        <a:xfrm>
+          <a:off x="0" y="0"/>
+          <a:ext cx="0" cy="0"/>
+          <a:chOff x="0" y="0"/>
+          <a:chExt cx="0" cy="0"/>
+        </a:xfrm>
+      </p:grpSpPr>
+      <p:sp>
+        <p:nvSpPr>
+          <p:cNvPr id="2" name="Образ слайда 1"/>
+          <p:cNvSpPr>
+            <a:spLocks noGrp="1" noRot="1" noChangeAspect="1"/>
+          </p:cNvSpPr>
+          <p:nvPr>
+            <p:ph type="sldImg"/>
+          </p:nvPr>
+        </p:nvSpPr>
+        <p:spPr/>
+      </p:sp>
+      <p:sp>
+        <p:nvSpPr>
+          <p:cNvPr id="3" name="Заметки 2"/>
+          <p:cNvSpPr>
+            <a:spLocks noGrp="1"/>
+          </p:cNvSpPr>
+          <p:nvPr>
+            <p:ph type="body" idx="1"/>
+          </p:nvPr>
+        </p:nvSpPr>
+        <p:spPr/>
+        <p:txBody>
+          <a:bodyPr/>
+          <a:lstStyle/>
+          <a:p>
+            <a:endParaRPr lang="ru-RU"/>
+          </a:p>
+        </p:txBody>
+      </p:sp>
+      <p:sp>
+        <p:nvSpPr>
+          <p:cNvPr id="4" name="Номер слайда 3"/>
+          <p:cNvSpPr>
+            <a:spLocks noGrp="1"/>
+          </p:cNvSpPr>
+          <p:nvPr>
+            <p:ph type="sldNum" sz="quarter" idx="10"/>
+          </p:nvPr>
+        </p:nvSpPr>
+        <p:spPr/>
+        <p:txBody>
+          <a:bodyPr/>
+          <a:lstStyle/>
+          <a:p>
+            <a:fld id="{195CE8A0-4945-4289-8AFB-FA6E871CEBCC}" type="slidenum">
+              <a:rPr lang="ru-RU" smtClean="0"/>
+              <a:t>8</a:t>
+            </a:fld>
+            <a:endParaRPr lang="ru-RU"/>
+          </a:p>
+        </p:txBody>
+      </p:sp>
+    </p:spTree>
+    <p:extLst>
+      <p:ext uri="{BB962C8B-B14F-4D97-AF65-F5344CB8AC3E}">
+        <p14:creationId xmlns:p14="http://schemas.microsoft.com/office/powerpoint/2010/main" val="472328050"/>
+      </p:ext>
+    </p:extLst>
+  </p:cSld>
+  <p:clrMapOvr>
+    <a:masterClrMapping/>
+  </p:clrMapOvr>
+</p:notes>
+</file>
+
+<file path=ppt/notesSlides/notesSlide9.xml><?xml version="1.0" encoding="utf-8"?>
+<p:notes xmlns:a="http://schemas.openxmlformats.org/drawingml/2006/main" xmlns:r="http://schemas.openxmlformats.org/officeDocument/2006/relationships" xmlns:p="http://schemas.openxmlformats.org/presentationml/2006/main">
+  <p:cSld>
+    <p:spTree>
+      <p:nvGrpSpPr>
+        <p:cNvPr id="1" name=""/>
+        <p:cNvGrpSpPr/>
+        <p:nvPr/>
+      </p:nvGrpSpPr>
+      <p:grpSpPr>
+        <a:xfrm>
+          <a:off x="0" y="0"/>
+          <a:ext cx="0" cy="0"/>
+          <a:chOff x="0" y="0"/>
+          <a:chExt cx="0" cy="0"/>
+        </a:xfrm>
+      </p:grpSpPr>
+      <p:sp>
+        <p:nvSpPr>
+          <p:cNvPr id="2" name="Образ слайда 1"/>
+          <p:cNvSpPr>
+            <a:spLocks noGrp="1" noRot="1" noChangeAspect="1"/>
+          </p:cNvSpPr>
+          <p:nvPr>
+            <p:ph type="sldImg"/>
+          </p:nvPr>
+        </p:nvSpPr>
+        <p:spPr/>
+      </p:sp>
+      <p:sp>
+        <p:nvSpPr>
+          <p:cNvPr id="3" name="Заметки 2"/>
+          <p:cNvSpPr>
+            <a:spLocks noGrp="1"/>
+          </p:cNvSpPr>
+          <p:nvPr>
+            <p:ph type="body" idx="1"/>
+          </p:nvPr>
+        </p:nvSpPr>
+        <p:spPr/>
+        <p:txBody>
+          <a:bodyPr/>
+          <a:lstStyle/>
+          <a:p>
+            <a:endParaRPr lang="ru-RU"/>
+          </a:p>
+        </p:txBody>
+      </p:sp>
+      <p:sp>
+        <p:nvSpPr>
+          <p:cNvPr id="4" name="Номер слайда 3"/>
+          <p:cNvSpPr>
+            <a:spLocks noGrp="1"/>
+          </p:cNvSpPr>
+          <p:nvPr>
+            <p:ph type="sldNum" sz="quarter" idx="10"/>
+          </p:nvPr>
+        </p:nvSpPr>
+        <p:spPr/>
+        <p:txBody>
+          <a:bodyPr/>
+          <a:lstStyle/>
+          <a:p>
+            <a:fld id="{195CE8A0-4945-4289-8AFB-FA6E871CEBCC}" type="slidenum">
+              <a:rPr lang="ru-RU" smtClean="0"/>
+              <a:t>9</a:t>
+            </a:fld>
+            <a:endParaRPr lang="ru-RU"/>
+          </a:p>
+        </p:txBody>
+      </p:sp>
+    </p:spTree>
+    <p:extLst>
+      <p:ext uri="{BB962C8B-B14F-4D97-AF65-F5344CB8AC3E}">
+        <p14:creationId xmlns:p14="http://schemas.microsoft.com/office/powerpoint/2010/main" val="72567889"/>
+      </p:ext>
+    </p:extLst>
+  </p:cSld>
+  <p:clrMapOvr>
+    <a:masterClrMapping/>
+  </p:clrMapOvr>
+</p:notes>
+</file>
+
 <file path=ppt/slideLayouts/slideLayout1.xml><?xml version="1.0" encoding="utf-8"?>
 <p:sldLayout xmlns:a="http://schemas.openxmlformats.org/drawingml/2006/main" xmlns:r="http://schemas.openxmlformats.org/officeDocument/2006/relationships" xmlns:p="http://schemas.openxmlformats.org/presentationml/2006/main" type="title" preserve="1">
   <p:cSld name="Титульный слайд">
@@ -310,9 +2010,8 @@
           <a:bodyPr/>
           <a:lstStyle/>
           <a:p>
-            <a:fld id="{ECADDB99-61F7-42CA-9B6E-B80570B429D3}" type="datetimeFigureOut">
-              <a:rPr lang="ru-RU" smtClean="0"/>
-              <a:pPr/>
+            <a:fld id="{2348659E-81CC-4310-802E-64888CAC293B}" type="datetime1">
+              <a:rPr lang="ru-RU" smtClean="0"/>
               <a:t>16.02.2012</a:t>
             </a:fld>
             <a:endParaRPr lang="ru-RU"/>
@@ -492,9 +2191,8 @@
           <a:bodyPr/>
           <a:lstStyle/>
           <a:p>
-            <a:fld id="{ECADDB99-61F7-42CA-9B6E-B80570B429D3}" type="datetimeFigureOut">
-              <a:rPr lang="ru-RU" smtClean="0"/>
-              <a:pPr/>
+            <a:fld id="{2BA61086-23B0-4D2E-ACAA-D75B29EDD2DA}" type="datetime1">
+              <a:rPr lang="ru-RU" smtClean="0"/>
               <a:t>16.02.2012</a:t>
             </a:fld>
             <a:endParaRPr lang="ru-RU"/>
@@ -684,9 +2382,8 @@
           <a:bodyPr/>
           <a:lstStyle/>
           <a:p>
-            <a:fld id="{ECADDB99-61F7-42CA-9B6E-B80570B429D3}" type="datetimeFigureOut">
-              <a:rPr lang="ru-RU" smtClean="0"/>
-              <a:pPr/>
+            <a:fld id="{1B8DBD96-1EBD-4362-8F1D-530FE3DA55F7}" type="datetime1">
+              <a:rPr lang="ru-RU" smtClean="0"/>
               <a:t>16.02.2012</a:t>
             </a:fld>
             <a:endParaRPr lang="ru-RU"/>
@@ -866,9 +2563,8 @@
           <a:bodyPr/>
           <a:lstStyle/>
           <a:p>
-            <a:fld id="{ECADDB99-61F7-42CA-9B6E-B80570B429D3}" type="datetimeFigureOut">
-              <a:rPr lang="ru-RU" smtClean="0"/>
-              <a:pPr/>
+            <a:fld id="{9AB9A4AE-1628-4920-A318-05551CA04FDE}" type="datetime1">
+              <a:rPr lang="ru-RU" smtClean="0"/>
               <a:t>16.02.2012</a:t>
             </a:fld>
             <a:endParaRPr lang="ru-RU"/>
@@ -1124,9 +2820,8 @@
           <a:bodyPr/>
           <a:lstStyle/>
           <a:p>
-            <a:fld id="{ECADDB99-61F7-42CA-9B6E-B80570B429D3}" type="datetimeFigureOut">
-              <a:rPr lang="ru-RU" smtClean="0"/>
-              <a:pPr/>
+            <a:fld id="{D73D6CFB-27E5-4661-B5F1-59E4A210B2FC}" type="datetime1">
+              <a:rPr lang="ru-RU" smtClean="0"/>
               <a:t>16.02.2012</a:t>
             </a:fld>
             <a:endParaRPr lang="ru-RU"/>
@@ -1427,9 +3122,8 @@
           <a:bodyPr/>
           <a:lstStyle/>
           <a:p>
-            <a:fld id="{ECADDB99-61F7-42CA-9B6E-B80570B429D3}" type="datetimeFigureOut">
-              <a:rPr lang="ru-RU" smtClean="0"/>
-              <a:pPr/>
+            <a:fld id="{0D2566D6-D8B0-4822-AFDD-4734FE654BD8}" type="datetime1">
+              <a:rPr lang="ru-RU" smtClean="0"/>
               <a:t>16.02.2012</a:t>
             </a:fld>
             <a:endParaRPr lang="ru-RU"/>
@@ -1870,9 +3564,8 @@
           <a:bodyPr/>
           <a:lstStyle/>
           <a:p>
-            <a:fld id="{ECADDB99-61F7-42CA-9B6E-B80570B429D3}" type="datetimeFigureOut">
-              <a:rPr lang="ru-RU" smtClean="0"/>
-              <a:pPr/>
+            <a:fld id="{2E3E23CF-3A4C-4545-BA7D-04A4FD2D940F}" type="datetime1">
+              <a:rPr lang="ru-RU" smtClean="0"/>
               <a:t>16.02.2012</a:t>
             </a:fld>
             <a:endParaRPr lang="ru-RU"/>
@@ -1997,9 +3690,8 @@
           <a:bodyPr/>
           <a:lstStyle/>
           <a:p>
-            <a:fld id="{ECADDB99-61F7-42CA-9B6E-B80570B429D3}" type="datetimeFigureOut">
-              <a:rPr lang="ru-RU" smtClean="0"/>
-              <a:pPr/>
+            <a:fld id="{924FF00B-26BD-450D-9A22-003F07955F6A}" type="datetime1">
+              <a:rPr lang="ru-RU" smtClean="0"/>
               <a:t>16.02.2012</a:t>
             </a:fld>
             <a:endParaRPr lang="ru-RU"/>
@@ -2098,9 +3790,8 @@
           <a:bodyPr/>
           <a:lstStyle/>
           <a:p>
-            <a:fld id="{ECADDB99-61F7-42CA-9B6E-B80570B429D3}" type="datetimeFigureOut">
-              <a:rPr lang="ru-RU" smtClean="0"/>
-              <a:pPr/>
+            <a:fld id="{2D1870DA-74A3-458D-8C54-6EA91DC899D0}" type="datetime1">
+              <a:rPr lang="ru-RU" smtClean="0"/>
               <a:t>16.02.2012</a:t>
             </a:fld>
             <a:endParaRPr lang="ru-RU"/>
@@ -2390,9 +4081,8 @@
           <a:bodyPr/>
           <a:lstStyle/>
           <a:p>
-            <a:fld id="{ECADDB99-61F7-42CA-9B6E-B80570B429D3}" type="datetimeFigureOut">
-              <a:rPr lang="ru-RU" smtClean="0"/>
-              <a:pPr/>
+            <a:fld id="{0EFA1D4D-0E00-4141-92E1-F8D38C168698}" type="datetime1">
+              <a:rPr lang="ru-RU" smtClean="0"/>
               <a:t>16.02.2012</a:t>
             </a:fld>
             <a:endParaRPr lang="ru-RU"/>
@@ -2658,9 +4348,8 @@
           <a:bodyPr/>
           <a:lstStyle/>
           <a:p>
-            <a:fld id="{ECADDB99-61F7-42CA-9B6E-B80570B429D3}" type="datetimeFigureOut">
-              <a:rPr lang="ru-RU" smtClean="0"/>
-              <a:pPr/>
+            <a:fld id="{92B3D66D-A663-47FE-B0C5-D237CCD5C9B3}" type="datetime1">
+              <a:rPr lang="ru-RU" smtClean="0"/>
               <a:t>16.02.2012</a:t>
             </a:fld>
             <a:endParaRPr lang="ru-RU"/>
@@ -2883,9 +4572,8 @@
             </a:lvl1pPr>
           </a:lstStyle>
           <a:p>
-            <a:fld id="{ECADDB99-61F7-42CA-9B6E-B80570B429D3}" type="datetimeFigureOut">
-              <a:rPr lang="ru-RU" smtClean="0"/>
-              <a:pPr/>
+            <a:fld id="{E906DC5D-F127-4FC7-AA96-871C585F56E7}" type="datetime1">
+              <a:rPr lang="ru-RU" smtClean="0"/>
               <a:t>16.02.2012</a:t>
             </a:fld>
             <a:endParaRPr lang="ru-RU"/>
@@ -2993,6 +4681,7 @@
     <p:sldLayoutId id="2147483658" r:id="rId10"/>
     <p:sldLayoutId id="2147483659" r:id="rId11"/>
   </p:sldLayoutIdLst>
+  <p:hf hdr="0" ftr="0" dt="0"/>
   <p:txStyles>
     <p:titleStyle>
       <a:lvl1pPr algn="ctr" defTabSz="914400" rtl="0" eaLnBrk="1" latinLnBrk="0" hangingPunct="1">
@@ -3503,7 +5192,7 @@
       </p:sp>
       <p:sp>
         <p:nvSpPr>
-          <p:cNvPr id="7" name="TextBox 6"/>
+          <p:cNvPr id="9" name="TextBox 8"/>
           <p:cNvSpPr txBox="1"/>
           <p:nvPr>
             <p:custDataLst>
@@ -3537,7 +5226,7 @@
             </a:r>
             <a:r>
               <a:rPr lang="ru-RU" sz="2800" dirty="0" smtClean="0"/>
-              <a:t>Кудрявцев И. В. Гр. 6331</a:t>
+              <a:t>Кудрявцев И. В.,  Гр. 6331</a:t>
             </a:r>
           </a:p>
           <a:p>
@@ -3599,6 +5288,33 @@
           </a:p>
           <a:p>
             <a:endParaRPr lang="ru-RU" dirty="0"/>
+          </a:p>
+        </p:txBody>
+      </p:sp>
+      <p:sp>
+        <p:nvSpPr>
+          <p:cNvPr id="2" name="Номер слайда 1"/>
+          <p:cNvSpPr>
+            <a:spLocks noGrp="1"/>
+          </p:cNvSpPr>
+          <p:nvPr>
+            <p:ph type="sldNum" sz="quarter" idx="12"/>
+            <p:custDataLst>
+              <p:tags r:id="rId7"/>
+            </p:custDataLst>
+          </p:nvPr>
+        </p:nvSpPr>
+        <p:spPr/>
+        <p:txBody>
+          <a:bodyPr/>
+          <a:lstStyle/>
+          <a:p>
+            <a:fld id="{C8038D24-4BEF-41CF-A752-5DC4091D1712}" type="slidenum">
+              <a:rPr lang="ru-RU" sz="2400" smtClean="0"/>
+              <a:pPr/>
+              <a:t>1</a:t>
+            </a:fld>
+            <a:endParaRPr lang="ru-RU" sz="2400"/>
           </a:p>
         </p:txBody>
       </p:sp>
@@ -3678,7 +5394,7 @@
           </p:nvPr>
         </p:nvPicPr>
         <p:blipFill>
-          <a:blip r:embed="rId10">
+          <a:blip r:embed="rId12">
             <a:extLst>
               <a:ext uri="{28A0092B-C50C-407E-A947-70E740481C1C}">
                 <a14:useLocalDpi xmlns:a14="http://schemas.microsoft.com/office/drawing/2010/main" val="0"/>
@@ -3778,7 +5494,7 @@
           </p:nvPr>
         </p:nvPicPr>
         <p:blipFill>
-          <a:blip r:embed="rId11">
+          <a:blip r:embed="rId13">
             <a:extLst>
               <a:ext uri="{28A0092B-C50C-407E-A947-70E740481C1C}">
                 <a14:useLocalDpi xmlns:a14="http://schemas.microsoft.com/office/drawing/2010/main" val="0"/>
@@ -3880,7 +5596,7 @@
           </p:nvPr>
         </p:nvPicPr>
         <p:blipFill>
-          <a:blip r:embed="rId12">
+          <a:blip r:embed="rId14">
             <a:extLst>
               <a:ext uri="{28A0092B-C50C-407E-A947-70E740481C1C}">
                 <a14:useLocalDpi xmlns:a14="http://schemas.microsoft.com/office/drawing/2010/main" val="0"/>
@@ -3944,6 +5660,33 @@
               <a:t>PHPStorm</a:t>
             </a:r>
             <a:endParaRPr lang="ru-RU" sz="3600" dirty="0"/>
+          </a:p>
+        </p:txBody>
+      </p:sp>
+      <p:sp>
+        <p:nvSpPr>
+          <p:cNvPr id="3" name="Номер слайда 2"/>
+          <p:cNvSpPr>
+            <a:spLocks noGrp="1"/>
+          </p:cNvSpPr>
+          <p:nvPr>
+            <p:ph type="sldNum" sz="quarter" idx="12"/>
+            <p:custDataLst>
+              <p:tags r:id="rId9"/>
+            </p:custDataLst>
+          </p:nvPr>
+        </p:nvSpPr>
+        <p:spPr/>
+        <p:txBody>
+          <a:bodyPr/>
+          <a:lstStyle/>
+          <a:p>
+            <a:fld id="{C8038D24-4BEF-41CF-A752-5DC4091D1712}" type="slidenum">
+              <a:rPr lang="ru-RU" smtClean="0"/>
+              <a:pPr/>
+              <a:t>10</a:t>
+            </a:fld>
+            <a:endParaRPr lang="ru-RU"/>
           </a:p>
         </p:txBody>
       </p:sp>
@@ -4031,7 +5774,7 @@
           </p:nvPr>
         </p:nvPicPr>
         <p:blipFill rotWithShape="1">
-          <a:blip r:embed="rId5">
+          <a:blip r:embed="rId7">
             <a:extLst>
               <a:ext uri="{28A0092B-C50C-407E-A947-70E740481C1C}">
                 <a14:useLocalDpi xmlns:a14="http://schemas.microsoft.com/office/drawing/2010/main" val="0"/>
@@ -4084,6 +5827,33 @@
           </a:extLst>
         </p:spPr>
       </p:pic>
+      <p:sp>
+        <p:nvSpPr>
+          <p:cNvPr id="3" name="Номер слайда 2"/>
+          <p:cNvSpPr>
+            <a:spLocks noGrp="1"/>
+          </p:cNvSpPr>
+          <p:nvPr>
+            <p:ph type="sldNum" sz="quarter" idx="12"/>
+            <p:custDataLst>
+              <p:tags r:id="rId4"/>
+            </p:custDataLst>
+          </p:nvPr>
+        </p:nvSpPr>
+        <p:spPr/>
+        <p:txBody>
+          <a:bodyPr/>
+          <a:lstStyle/>
+          <a:p>
+            <a:fld id="{C8038D24-4BEF-41CF-A752-5DC4091D1712}" type="slidenum">
+              <a:rPr lang="ru-RU" smtClean="0"/>
+              <a:pPr/>
+              <a:t>11</a:t>
+            </a:fld>
+            <a:endParaRPr lang="ru-RU"/>
+          </a:p>
+        </p:txBody>
+      </p:sp>
     </p:spTree>
     <p:custDataLst>
       <p:tags r:id="rId1"/>
@@ -4328,6 +6098,33 @@
           </a:p>
         </p:txBody>
       </p:sp>
+      <p:sp>
+        <p:nvSpPr>
+          <p:cNvPr id="4" name="Номер слайда 3"/>
+          <p:cNvSpPr>
+            <a:spLocks noGrp="1"/>
+          </p:cNvSpPr>
+          <p:nvPr>
+            <p:ph type="sldNum" sz="quarter" idx="12"/>
+            <p:custDataLst>
+              <p:tags r:id="rId4"/>
+            </p:custDataLst>
+          </p:nvPr>
+        </p:nvSpPr>
+        <p:spPr/>
+        <p:txBody>
+          <a:bodyPr/>
+          <a:lstStyle/>
+          <a:p>
+            <a:fld id="{C8038D24-4BEF-41CF-A752-5DC4091D1712}" type="slidenum">
+              <a:rPr lang="ru-RU" smtClean="0"/>
+              <a:pPr/>
+              <a:t>12</a:t>
+            </a:fld>
+            <a:endParaRPr lang="ru-RU"/>
+          </a:p>
+        </p:txBody>
+      </p:sp>
     </p:spTree>
     <p:custDataLst>
       <p:tags r:id="rId1"/>
@@ -4341,6 +6138,13 @@
   <p:clrMapOvr>
     <a:masterClrMapping/>
   </p:clrMapOvr>
+  <p:timing>
+    <p:tnLst>
+      <p:par>
+        <p:cTn id="1" dur="indefinite" restart="never" nodeType="tmRoot"/>
+      </p:par>
+    </p:tnLst>
+  </p:timing>
 </p:sld>
 </file>
 
@@ -4374,19 +6178,14 @@
             </p:custDataLst>
           </p:nvPr>
         </p:nvSpPr>
-        <p:spPr>
-          <a:xfrm>
-            <a:off x="428596" y="214290"/>
-            <a:ext cx="8229600" cy="1143000"/>
-          </a:xfrm>
-        </p:spPr>
+        <p:spPr/>
         <p:txBody>
           <a:bodyPr/>
           <a:lstStyle/>
           <a:p>
             <a:r>
               <a:rPr lang="ru-RU" dirty="0" smtClean="0"/>
-              <a:t>Пользовательский интерфейс</a:t>
+              <a:t>Начальная страница системы</a:t>
             </a:r>
             <a:endParaRPr lang="ru-RU" dirty="0"/>
           </a:p>
@@ -4394,7 +6193,7 @@
       </p:sp>
       <p:pic>
         <p:nvPicPr>
-          <p:cNvPr id="1026" name="Picture 2"/>
+          <p:cNvPr id="1027" name="Picture 3"/>
           <p:cNvPicPr>
             <a:picLocks noChangeAspect="1" noChangeArrowheads="1"/>
           </p:cNvPicPr>
@@ -4404,34 +6203,220 @@
             </p:custDataLst>
           </p:nvPr>
         </p:nvPicPr>
-        <p:blipFill>
-          <a:blip r:embed="rId13"/>
-          <a:srcRect l="2929" t="10986" r="25000" b="35547"/>
-          <a:stretch>
-            <a:fillRect/>
-          </a:stretch>
+        <p:blipFill rotWithShape="1">
+          <a:blip r:embed="rId6">
+            <a:extLst>
+              <a:ext uri="{28A0092B-C50C-407E-A947-70E740481C1C}">
+                <a14:useLocalDpi xmlns:a14="http://schemas.microsoft.com/office/drawing/2010/main" val="0"/>
+              </a:ext>
+            </a:extLst>
+          </a:blip>
+          <a:srcRect l="13334" t="6510" r="16309" b="48252"/>
+          <a:stretch/>
         </p:blipFill>
         <p:spPr bwMode="auto">
           <a:xfrm>
-            <a:off x="142844" y="1071546"/>
-            <a:ext cx="8643966" cy="5130177"/>
+            <a:off x="251520" y="1412776"/>
+            <a:ext cx="8577943" cy="4412343"/>
           </a:xfrm>
           <a:prstGeom prst="rect">
             <a:avLst/>
           </a:prstGeom>
           <a:noFill/>
-          <a:ln w="9525">
+          <a:ln>
             <a:noFill/>
-            <a:miter lim="800000"/>
-            <a:headEnd/>
-            <a:tailEnd/>
           </a:ln>
           <a:effectLst/>
+          <a:extLst>
+            <a:ext uri="{909E8E84-426E-40DD-AFC4-6F175D3DCCD1}">
+              <a14:hiddenFill xmlns:a14="http://schemas.microsoft.com/office/drawing/2010/main">
+                <a:solidFill>
+                  <a:schemeClr val="accent1"/>
+                </a:solidFill>
+              </a14:hiddenFill>
+            </a:ext>
+            <a:ext uri="{91240B29-F687-4F45-9708-019B960494DF}">
+              <a14:hiddenLine xmlns:a14="http://schemas.microsoft.com/office/drawing/2010/main" w="9525">
+                <a:solidFill>
+                  <a:schemeClr val="tx1"/>
+                </a:solidFill>
+                <a:miter lim="800000"/>
+                <a:headEnd/>
+                <a:tailEnd/>
+              </a14:hiddenLine>
+            </a:ext>
+            <a:ext uri="{AF507438-7753-43E0-B8FC-AC1667EBCBE1}">
+              <a14:hiddenEffects xmlns:a14="http://schemas.microsoft.com/office/drawing/2010/main">
+                <a:effectLst>
+                  <a:outerShdw dist="35921" dir="2700000" algn="ctr" rotWithShape="0">
+                    <a:schemeClr val="bg2"/>
+                  </a:outerShdw>
+                </a:effectLst>
+              </a14:hiddenEffects>
+            </a:ext>
+          </a:extLst>
+        </p:spPr>
+      </p:pic>
+      <p:sp>
+        <p:nvSpPr>
+          <p:cNvPr id="4" name="Номер слайда 3"/>
+          <p:cNvSpPr>
+            <a:spLocks noGrp="1"/>
+          </p:cNvSpPr>
+          <p:nvPr>
+            <p:ph type="sldNum" sz="quarter" idx="12"/>
+            <p:custDataLst>
+              <p:tags r:id="rId4"/>
+            </p:custDataLst>
+          </p:nvPr>
+        </p:nvSpPr>
+        <p:spPr/>
+        <p:txBody>
+          <a:bodyPr/>
+          <a:lstStyle/>
+          <a:p>
+            <a:fld id="{C8038D24-4BEF-41CF-A752-5DC4091D1712}" type="slidenum">
+              <a:rPr lang="ru-RU" smtClean="0"/>
+              <a:pPr/>
+              <a:t>13</a:t>
+            </a:fld>
+            <a:endParaRPr lang="ru-RU"/>
+          </a:p>
+        </p:txBody>
+      </p:sp>
+    </p:spTree>
+    <p:custDataLst>
+      <p:tags r:id="rId1"/>
+    </p:custDataLst>
+    <p:extLst>
+      <p:ext uri="{BB962C8B-B14F-4D97-AF65-F5344CB8AC3E}">
+        <p14:creationId xmlns:p14="http://schemas.microsoft.com/office/powerpoint/2010/main" val="4245357296"/>
+      </p:ext>
+    </p:extLst>
+  </p:cSld>
+  <p:clrMapOvr>
+    <a:masterClrMapping/>
+  </p:clrMapOvr>
+</p:sld>
+</file>
+
+<file path=ppt/slides/slide14.xml><?xml version="1.0" encoding="utf-8"?>
+<p:sld xmlns:a="http://schemas.openxmlformats.org/drawingml/2006/main" xmlns:r="http://schemas.openxmlformats.org/officeDocument/2006/relationships" xmlns:p="http://schemas.openxmlformats.org/presentationml/2006/main">
+  <p:cSld>
+    <p:spTree>
+      <p:nvGrpSpPr>
+        <p:cNvPr id="1" name=""/>
+        <p:cNvGrpSpPr/>
+        <p:nvPr/>
+      </p:nvGrpSpPr>
+      <p:grpSpPr>
+        <a:xfrm>
+          <a:off x="0" y="0"/>
+          <a:ext cx="0" cy="0"/>
+          <a:chOff x="0" y="0"/>
+          <a:chExt cx="0" cy="0"/>
+        </a:xfrm>
+      </p:grpSpPr>
+      <p:sp>
+        <p:nvSpPr>
+          <p:cNvPr id="2" name="Заголовок 1"/>
+          <p:cNvSpPr>
+            <a:spLocks noGrp="1"/>
+          </p:cNvSpPr>
+          <p:nvPr>
+            <p:ph type="title"/>
+            <p:custDataLst>
+              <p:tags r:id="rId2"/>
+            </p:custDataLst>
+          </p:nvPr>
+        </p:nvSpPr>
+        <p:spPr>
+          <a:xfrm>
+            <a:off x="457200" y="274638"/>
+            <a:ext cx="8229600" cy="850106"/>
+          </a:xfrm>
+        </p:spPr>
+        <p:txBody>
+          <a:bodyPr/>
+          <a:lstStyle/>
+          <a:p>
+            <a:r>
+              <a:rPr lang="ru-RU" dirty="0" smtClean="0"/>
+              <a:t>Страница входа в систему</a:t>
+            </a:r>
+            <a:endParaRPr lang="ru-RU" dirty="0"/>
+          </a:p>
+        </p:txBody>
+      </p:sp>
+      <p:pic>
+        <p:nvPicPr>
+          <p:cNvPr id="2050" name="Picture 2"/>
+          <p:cNvPicPr>
+            <a:picLocks noChangeAspect="1" noChangeArrowheads="1"/>
+          </p:cNvPicPr>
+          <p:nvPr>
+            <p:custDataLst>
+              <p:tags r:id="rId3"/>
+            </p:custDataLst>
+          </p:nvPr>
+        </p:nvPicPr>
+        <p:blipFill rotWithShape="1">
+          <a:blip r:embed="rId8">
+            <a:extLst>
+              <a:ext uri="{28A0092B-C50C-407E-A947-70E740481C1C}">
+                <a14:useLocalDpi xmlns:a14="http://schemas.microsoft.com/office/drawing/2010/main" val="0"/>
+              </a:ext>
+            </a:extLst>
+          </a:blip>
+          <a:srcRect l="8929" t="7143" r="39881" b="45090"/>
+          <a:stretch/>
+        </p:blipFill>
+        <p:spPr bwMode="auto">
+          <a:xfrm>
+            <a:off x="1115616" y="1124744"/>
+            <a:ext cx="7056784" cy="5267970"/>
+          </a:xfrm>
+          <a:prstGeom prst="rect">
+            <a:avLst/>
+          </a:prstGeom>
+          <a:noFill/>
+          <a:ln>
+            <a:noFill/>
+          </a:ln>
+          <a:effectLst/>
+          <a:extLst>
+            <a:ext uri="{909E8E84-426E-40DD-AFC4-6F175D3DCCD1}">
+              <a14:hiddenFill xmlns:a14="http://schemas.microsoft.com/office/drawing/2010/main">
+                <a:solidFill>
+                  <a:schemeClr val="accent1"/>
+                </a:solidFill>
+              </a14:hiddenFill>
+            </a:ext>
+            <a:ext uri="{91240B29-F687-4F45-9708-019B960494DF}">
+              <a14:hiddenLine xmlns:a14="http://schemas.microsoft.com/office/drawing/2010/main" w="9525">
+                <a:solidFill>
+                  <a:schemeClr val="tx1"/>
+                </a:solidFill>
+                <a:miter lim="800000"/>
+                <a:headEnd/>
+                <a:tailEnd/>
+              </a14:hiddenLine>
+            </a:ext>
+            <a:ext uri="{AF507438-7753-43E0-B8FC-AC1667EBCBE1}">
+              <a14:hiddenEffects xmlns:a14="http://schemas.microsoft.com/office/drawing/2010/main">
+                <a:effectLst>
+                  <a:outerShdw dist="35921" dir="2700000" algn="ctr" rotWithShape="0">
+                    <a:schemeClr val="bg2"/>
+                  </a:outerShdw>
+                </a:effectLst>
+              </a14:hiddenEffects>
+            </a:ext>
+          </a:extLst>
         </p:spPr>
       </p:pic>
       <p:cxnSp>
         <p:nvCxnSpPr>
-          <p:cNvPr id="6" name="Прямая со стрелкой 5"/>
+          <p:cNvPr id="5" name="Прямая со стрелкой 4"/>
           <p:cNvCxnSpPr/>
           <p:nvPr>
             <p:custDataLst>
@@ -4440,17 +6425,14 @@
           </p:nvPr>
         </p:nvCxnSpPr>
         <p:spPr>
-          <a:xfrm rot="5400000" flipH="1" flipV="1">
-            <a:off x="1857356" y="4500570"/>
-            <a:ext cx="642942" cy="500066"/>
+          <a:xfrm flipH="1">
+            <a:off x="3419872" y="3933056"/>
+            <a:ext cx="864096" cy="288033"/>
           </a:xfrm>
           <a:prstGeom prst="straightConnector1">
             <a:avLst/>
           </a:prstGeom>
-          <a:ln w="34925">
-            <a:solidFill>
-              <a:schemeClr val="tx1"/>
-            </a:solidFill>
+          <a:ln w="63500">
             <a:tailEnd type="arrow"/>
           </a:ln>
         </p:spPr>
@@ -4471,7 +6453,7 @@
       </p:cxnSp>
       <p:sp>
         <p:nvSpPr>
-          <p:cNvPr id="7" name="TextBox 6"/>
+          <p:cNvPr id="8" name="TextBox 7"/>
           <p:cNvSpPr txBox="1"/>
           <p:nvPr>
             <p:custDataLst>
@@ -4481,8 +6463,8 @@
         </p:nvSpPr>
         <p:spPr>
           <a:xfrm>
-            <a:off x="642910" y="5143512"/>
-            <a:ext cx="4595810" cy="523220"/>
+            <a:off x="4283968" y="3588106"/>
+            <a:ext cx="3983976" cy="461665"/>
           </a:xfrm>
           <a:prstGeom prst="rect">
             <a:avLst/>
@@ -4496,63 +6478,184 @@
           <a:lstStyle/>
           <a:p>
             <a:r>
-              <a:rPr lang="ru-RU" sz="2800" dirty="0" smtClean="0"/>
-              <a:t>Переход к тексту программы</a:t>
-            </a:r>
-            <a:endParaRPr lang="ru-RU" sz="2800" dirty="0"/>
-          </a:p>
-        </p:txBody>
-      </p:sp>
-      <p:sp>
-        <p:nvSpPr>
-          <p:cNvPr id="8" name="TextBox 7"/>
-          <p:cNvSpPr txBox="1"/>
-          <p:nvPr>
+              <a:rPr lang="ru-RU" sz="2400" dirty="0" smtClean="0"/>
+              <a:t>При вводе неверного пароля</a:t>
+            </a:r>
+            <a:endParaRPr lang="ru-RU" sz="2400" dirty="0"/>
+          </a:p>
+        </p:txBody>
+      </p:sp>
+      <p:sp>
+        <p:nvSpPr>
+          <p:cNvPr id="9" name="Номер слайда 8"/>
+          <p:cNvSpPr>
+            <a:spLocks noGrp="1"/>
+          </p:cNvSpPr>
+          <p:nvPr>
+            <p:ph type="sldNum" sz="quarter" idx="12"/>
             <p:custDataLst>
               <p:tags r:id="rId6"/>
             </p:custDataLst>
           </p:nvPr>
         </p:nvSpPr>
-        <p:spPr>
+        <p:spPr/>
+        <p:txBody>
+          <a:bodyPr/>
+          <a:lstStyle/>
+          <a:p>
+            <a:fld id="{C8038D24-4BEF-41CF-A752-5DC4091D1712}" type="slidenum">
+              <a:rPr lang="ru-RU" smtClean="0"/>
+              <a:pPr/>
+              <a:t>14</a:t>
+            </a:fld>
+            <a:endParaRPr lang="ru-RU"/>
+          </a:p>
+        </p:txBody>
+      </p:sp>
+    </p:spTree>
+    <p:custDataLst>
+      <p:tags r:id="rId1"/>
+    </p:custDataLst>
+    <p:extLst>
+      <p:ext uri="{BB962C8B-B14F-4D97-AF65-F5344CB8AC3E}">
+        <p14:creationId xmlns:p14="http://schemas.microsoft.com/office/powerpoint/2010/main" val="1063453643"/>
+      </p:ext>
+    </p:extLst>
+  </p:cSld>
+  <p:clrMapOvr>
+    <a:masterClrMapping/>
+  </p:clrMapOvr>
+</p:sld>
+</file>
+
+<file path=ppt/slides/slide15.xml><?xml version="1.0" encoding="utf-8"?>
+<p:sld xmlns:a="http://schemas.openxmlformats.org/drawingml/2006/main" xmlns:r="http://schemas.openxmlformats.org/officeDocument/2006/relationships" xmlns:p="http://schemas.openxmlformats.org/presentationml/2006/main">
+  <p:cSld>
+    <p:spTree>
+      <p:nvGrpSpPr>
+        <p:cNvPr id="1" name=""/>
+        <p:cNvGrpSpPr/>
+        <p:nvPr/>
+      </p:nvGrpSpPr>
+      <p:grpSpPr>
+        <a:xfrm>
+          <a:off x="0" y="0"/>
+          <a:ext cx="0" cy="0"/>
+          <a:chOff x="0" y="0"/>
+          <a:chExt cx="0" cy="0"/>
+        </a:xfrm>
+      </p:grpSpPr>
+      <p:pic>
+        <p:nvPicPr>
+          <p:cNvPr id="4098" name="Picture 2"/>
+          <p:cNvPicPr>
+            <a:picLocks noChangeAspect="1" noChangeArrowheads="1"/>
+          </p:cNvPicPr>
+          <p:nvPr>
+            <p:custDataLst>
+              <p:tags r:id="rId2"/>
+            </p:custDataLst>
+          </p:nvPr>
+        </p:nvPicPr>
+        <p:blipFill rotWithShape="1">
+          <a:blip r:embed="rId15">
+            <a:extLst>
+              <a:ext uri="{28A0092B-C50C-407E-A947-70E740481C1C}">
+                <a14:useLocalDpi xmlns:a14="http://schemas.microsoft.com/office/drawing/2010/main" val="0"/>
+              </a:ext>
+            </a:extLst>
+          </a:blip>
+          <a:srcRect l="13864" t="10539" r="28894" b="48903"/>
+          <a:stretch/>
+        </p:blipFill>
+        <p:spPr bwMode="auto">
           <a:xfrm>
-            <a:off x="4214810" y="2000240"/>
-            <a:ext cx="2932982" cy="523220"/>
+            <a:off x="136646" y="1007633"/>
+            <a:ext cx="8795649" cy="4985609"/>
           </a:xfrm>
           <a:prstGeom prst="rect">
             <a:avLst/>
           </a:prstGeom>
           <a:noFill/>
-        </p:spPr>
-        <p:txBody>
-          <a:bodyPr wrap="none" rtlCol="0">
-            <a:spAutoFit/>
-          </a:bodyPr>
-          <a:lstStyle/>
-          <a:p>
-            <a:r>
-              <a:rPr lang="ru-RU" sz="2800" dirty="0" smtClean="0"/>
-              <a:t>Автор программы</a:t>
-            </a:r>
-            <a:endParaRPr lang="ru-RU" sz="2800" dirty="0"/>
+          <a:ln>
+            <a:noFill/>
+          </a:ln>
+          <a:effectLst/>
+          <a:extLst>
+            <a:ext uri="{909E8E84-426E-40DD-AFC4-6F175D3DCCD1}">
+              <a14:hiddenFill xmlns:a14="http://schemas.microsoft.com/office/drawing/2010/main">
+                <a:solidFill>
+                  <a:schemeClr val="accent1"/>
+                </a:solidFill>
+              </a14:hiddenFill>
+            </a:ext>
+            <a:ext uri="{91240B29-F687-4F45-9708-019B960494DF}">
+              <a14:hiddenLine xmlns:a14="http://schemas.microsoft.com/office/drawing/2010/main" w="9525">
+                <a:solidFill>
+                  <a:schemeClr val="tx1"/>
+                </a:solidFill>
+                <a:miter lim="800000"/>
+                <a:headEnd/>
+                <a:tailEnd/>
+              </a14:hiddenLine>
+            </a:ext>
+            <a:ext uri="{AF507438-7753-43E0-B8FC-AC1667EBCBE1}">
+              <a14:hiddenEffects xmlns:a14="http://schemas.microsoft.com/office/drawing/2010/main">
+                <a:effectLst>
+                  <a:outerShdw dist="35921" dir="2700000" algn="ctr" rotWithShape="0">
+                    <a:schemeClr val="bg2"/>
+                  </a:outerShdw>
+                </a:effectLst>
+              </a14:hiddenEffects>
+            </a:ext>
+          </a:extLst>
+        </p:spPr>
+      </p:pic>
+      <p:sp>
+        <p:nvSpPr>
+          <p:cNvPr id="2" name="Заголовок 1"/>
+          <p:cNvSpPr>
+            <a:spLocks noGrp="1"/>
+          </p:cNvSpPr>
+          <p:nvPr>
+            <p:ph type="title"/>
+            <p:custDataLst>
+              <p:tags r:id="rId3"/>
+            </p:custDataLst>
+          </p:nvPr>
+        </p:nvSpPr>
+        <p:spPr>
+          <a:xfrm>
+            <a:off x="419670" y="116632"/>
+            <a:ext cx="8229600" cy="891001"/>
+          </a:xfrm>
+        </p:spPr>
+        <p:txBody>
+          <a:bodyPr/>
+          <a:lstStyle/>
+          <a:p>
+            <a:r>
+              <a:rPr lang="ru-RU" dirty="0" smtClean="0"/>
+              <a:t>Пользовательский интерфейс</a:t>
+            </a:r>
+            <a:endParaRPr lang="ru-RU" dirty="0"/>
           </a:p>
         </p:txBody>
       </p:sp>
       <p:cxnSp>
         <p:nvCxnSpPr>
-          <p:cNvPr id="9" name="Прямая со стрелкой 8"/>
-          <p:cNvCxnSpPr>
-            <a:stCxn id="8" idx="2"/>
-          </p:cNvCxnSpPr>
-          <p:nvPr>
-            <p:custDataLst>
-              <p:tags r:id="rId7"/>
+          <p:cNvPr id="6" name="Прямая со стрелкой 5"/>
+          <p:cNvCxnSpPr/>
+          <p:nvPr>
+            <p:custDataLst>
+              <p:tags r:id="rId4"/>
             </p:custDataLst>
           </p:nvPr>
         </p:nvCxnSpPr>
         <p:spPr>
-          <a:xfrm rot="5400000">
-            <a:off x="4245252" y="2350143"/>
-            <a:ext cx="1262732" cy="1609367"/>
+          <a:xfrm rot="5400000" flipH="1" flipV="1">
+            <a:off x="1857356" y="4500570"/>
+            <a:ext cx="642942" cy="500066"/>
           </a:xfrm>
           <a:prstGeom prst="straightConnector1">
             <a:avLst/>
@@ -4581,18 +6684,18 @@
       </p:cxnSp>
       <p:sp>
         <p:nvSpPr>
-          <p:cNvPr id="13" name="TextBox 12"/>
+          <p:cNvPr id="7" name="TextBox 6"/>
           <p:cNvSpPr txBox="1"/>
           <p:nvPr>
             <p:custDataLst>
-              <p:tags r:id="rId8"/>
+              <p:tags r:id="rId5"/>
             </p:custDataLst>
           </p:nvPr>
         </p:nvSpPr>
         <p:spPr>
           <a:xfrm>
-            <a:off x="6072198" y="4929198"/>
-            <a:ext cx="2722477" cy="523220"/>
+            <a:off x="642910" y="5143512"/>
+            <a:ext cx="4595810" cy="523220"/>
           </a:xfrm>
           <a:prstGeom prst="rect">
             <a:avLst/>
@@ -4607,7 +6710,41 @@
           <a:p>
             <a:r>
               <a:rPr lang="ru-RU" sz="2800" dirty="0" smtClean="0"/>
-              <a:t>Фильтры (поиск)</a:t>
+              <a:t>Переход к тексту программы</a:t>
+            </a:r>
+            <a:endParaRPr lang="ru-RU" sz="2800" dirty="0"/>
+          </a:p>
+        </p:txBody>
+      </p:sp>
+      <p:sp>
+        <p:nvSpPr>
+          <p:cNvPr id="8" name="TextBox 7"/>
+          <p:cNvSpPr txBox="1"/>
+          <p:nvPr>
+            <p:custDataLst>
+              <p:tags r:id="rId6"/>
+            </p:custDataLst>
+          </p:nvPr>
+        </p:nvSpPr>
+        <p:spPr>
+          <a:xfrm>
+            <a:off x="4214810" y="2000240"/>
+            <a:ext cx="2932982" cy="523220"/>
+          </a:xfrm>
+          <a:prstGeom prst="rect">
+            <a:avLst/>
+          </a:prstGeom>
+          <a:noFill/>
+        </p:spPr>
+        <p:txBody>
+          <a:bodyPr wrap="none" rtlCol="0">
+            <a:spAutoFit/>
+          </a:bodyPr>
+          <a:lstStyle/>
+          <a:p>
+            <a:r>
+              <a:rPr lang="ru-RU" sz="2800" dirty="0" smtClean="0"/>
+              <a:t>Автор программы</a:t>
             </a:r>
             <a:endParaRPr lang="ru-RU" sz="2800" dirty="0"/>
           </a:p>
@@ -4615,18 +6752,20 @@
       </p:sp>
       <p:cxnSp>
         <p:nvCxnSpPr>
-          <p:cNvPr id="14" name="Прямая со стрелкой 13"/>
-          <p:cNvCxnSpPr/>
-          <p:nvPr>
-            <p:custDataLst>
-              <p:tags r:id="rId9"/>
+          <p:cNvPr id="9" name="Прямая со стрелкой 8"/>
+          <p:cNvCxnSpPr>
+            <a:stCxn id="8" idx="2"/>
+          </p:cNvCxnSpPr>
+          <p:nvPr>
+            <p:custDataLst>
+              <p:tags r:id="rId7"/>
             </p:custDataLst>
           </p:nvPr>
         </p:nvCxnSpPr>
         <p:spPr>
-          <a:xfrm rot="16200000" flipV="1">
-            <a:off x="5286381" y="4000506"/>
-            <a:ext cx="1500199" cy="500065"/>
+          <a:xfrm rot="5400000">
+            <a:off x="4245252" y="2350143"/>
+            <a:ext cx="1262732" cy="1609367"/>
           </a:xfrm>
           <a:prstGeom prst="straightConnector1">
             <a:avLst/>
@@ -4655,18 +6794,18 @@
       </p:cxnSp>
       <p:sp>
         <p:nvSpPr>
-          <p:cNvPr id="17" name="TextBox 16"/>
+          <p:cNvPr id="13" name="TextBox 12"/>
           <p:cNvSpPr txBox="1"/>
           <p:nvPr>
             <p:custDataLst>
-              <p:tags r:id="rId10"/>
+              <p:tags r:id="rId8"/>
             </p:custDataLst>
           </p:nvPr>
         </p:nvSpPr>
         <p:spPr>
           <a:xfrm>
-            <a:off x="7215206" y="1571612"/>
-            <a:ext cx="1611723" cy="523220"/>
+            <a:off x="6072198" y="4929198"/>
+            <a:ext cx="2722477" cy="523220"/>
           </a:xfrm>
           <a:prstGeom prst="rect">
             <a:avLst/>
@@ -4681,7 +6820,7 @@
           <a:p>
             <a:r>
               <a:rPr lang="ru-RU" sz="2800" dirty="0" smtClean="0"/>
-              <a:t>Действия</a:t>
+              <a:t>Фильтры (поиск)</a:t>
             </a:r>
             <a:endParaRPr lang="ru-RU" sz="2800" dirty="0"/>
           </a:p>
@@ -4689,20 +6828,18 @@
       </p:sp>
       <p:cxnSp>
         <p:nvCxnSpPr>
-          <p:cNvPr id="18" name="Прямая со стрелкой 17"/>
-          <p:cNvCxnSpPr>
-            <a:stCxn id="17" idx="2"/>
-          </p:cNvCxnSpPr>
-          <p:nvPr>
-            <p:custDataLst>
-              <p:tags r:id="rId11"/>
+          <p:cNvPr id="14" name="Прямая со стрелкой 13"/>
+          <p:cNvCxnSpPr/>
+          <p:nvPr>
+            <p:custDataLst>
+              <p:tags r:id="rId9"/>
             </p:custDataLst>
           </p:nvPr>
         </p:nvCxnSpPr>
         <p:spPr>
-          <a:xfrm rot="16200000" flipH="1">
-            <a:off x="7236804" y="2879096"/>
-            <a:ext cx="1762798" cy="194270"/>
+          <a:xfrm rot="16200000" flipV="1">
+            <a:off x="5286381" y="4000506"/>
+            <a:ext cx="1500199" cy="500065"/>
           </a:xfrm>
           <a:prstGeom prst="straightConnector1">
             <a:avLst/>
@@ -4729,6 +6866,109 @@
           </a:fontRef>
         </p:style>
       </p:cxnSp>
+      <p:sp>
+        <p:nvSpPr>
+          <p:cNvPr id="17" name="TextBox 16"/>
+          <p:cNvSpPr txBox="1"/>
+          <p:nvPr>
+            <p:custDataLst>
+              <p:tags r:id="rId10"/>
+            </p:custDataLst>
+          </p:nvPr>
+        </p:nvSpPr>
+        <p:spPr>
+          <a:xfrm>
+            <a:off x="7215206" y="1571612"/>
+            <a:ext cx="1611723" cy="523220"/>
+          </a:xfrm>
+          <a:prstGeom prst="rect">
+            <a:avLst/>
+          </a:prstGeom>
+          <a:noFill/>
+        </p:spPr>
+        <p:txBody>
+          <a:bodyPr wrap="none" rtlCol="0">
+            <a:spAutoFit/>
+          </a:bodyPr>
+          <a:lstStyle/>
+          <a:p>
+            <a:r>
+              <a:rPr lang="ru-RU" sz="2800" dirty="0" smtClean="0"/>
+              <a:t>Действия</a:t>
+            </a:r>
+            <a:endParaRPr lang="ru-RU" sz="2800" dirty="0"/>
+          </a:p>
+        </p:txBody>
+      </p:sp>
+      <p:cxnSp>
+        <p:nvCxnSpPr>
+          <p:cNvPr id="18" name="Прямая со стрелкой 17"/>
+          <p:cNvCxnSpPr>
+            <a:stCxn id="17" idx="2"/>
+          </p:cNvCxnSpPr>
+          <p:nvPr>
+            <p:custDataLst>
+              <p:tags r:id="rId11"/>
+            </p:custDataLst>
+          </p:nvPr>
+        </p:nvCxnSpPr>
+        <p:spPr>
+          <a:xfrm rot="16200000" flipH="1">
+            <a:off x="7236804" y="2879096"/>
+            <a:ext cx="1762798" cy="194270"/>
+          </a:xfrm>
+          <a:prstGeom prst="straightConnector1">
+            <a:avLst/>
+          </a:prstGeom>
+          <a:ln w="34925">
+            <a:solidFill>
+              <a:schemeClr val="tx1"/>
+            </a:solidFill>
+            <a:tailEnd type="arrow"/>
+          </a:ln>
+        </p:spPr>
+        <p:style>
+          <a:lnRef idx="1">
+            <a:schemeClr val="accent1"/>
+          </a:lnRef>
+          <a:fillRef idx="0">
+            <a:schemeClr val="accent1"/>
+          </a:fillRef>
+          <a:effectRef idx="0">
+            <a:schemeClr val="accent1"/>
+          </a:effectRef>
+          <a:fontRef idx="minor">
+            <a:schemeClr val="tx1"/>
+          </a:fontRef>
+        </p:style>
+      </p:cxnSp>
+      <p:sp>
+        <p:nvSpPr>
+          <p:cNvPr id="3" name="Номер слайда 2"/>
+          <p:cNvSpPr>
+            <a:spLocks noGrp="1"/>
+          </p:cNvSpPr>
+          <p:nvPr>
+            <p:ph type="sldNum" sz="quarter" idx="12"/>
+            <p:custDataLst>
+              <p:tags r:id="rId12"/>
+            </p:custDataLst>
+          </p:nvPr>
+        </p:nvSpPr>
+        <p:spPr/>
+        <p:txBody>
+          <a:bodyPr/>
+          <a:lstStyle/>
+          <a:p>
+            <a:fld id="{C8038D24-4BEF-41CF-A752-5DC4091D1712}" type="slidenum">
+              <a:rPr lang="ru-RU" smtClean="0"/>
+              <a:pPr/>
+              <a:t>15</a:t>
+            </a:fld>
+            <a:endParaRPr lang="ru-RU"/>
+          </a:p>
+        </p:txBody>
+      </p:sp>
     </p:spTree>
     <p:custDataLst>
       <p:tags r:id="rId1"/>
@@ -4752,197 +6992,6 @@
 </p:sld>
 </file>
 
-<file path=ppt/slides/slide14.xml><?xml version="1.0" encoding="utf-8"?>
-<p:sld xmlns:a="http://schemas.openxmlformats.org/drawingml/2006/main" xmlns:r="http://schemas.openxmlformats.org/officeDocument/2006/relationships" xmlns:p="http://schemas.openxmlformats.org/presentationml/2006/main">
-  <p:cSld>
-    <p:spTree>
-      <p:nvGrpSpPr>
-        <p:cNvPr id="1" name=""/>
-        <p:cNvGrpSpPr/>
-        <p:nvPr/>
-      </p:nvGrpSpPr>
-      <p:grpSpPr>
-        <a:xfrm>
-          <a:off x="0" y="0"/>
-          <a:ext cx="0" cy="0"/>
-          <a:chOff x="0" y="0"/>
-          <a:chExt cx="0" cy="0"/>
-        </a:xfrm>
-      </p:grpSpPr>
-      <p:sp>
-        <p:nvSpPr>
-          <p:cNvPr id="2" name="Заголовок 1"/>
-          <p:cNvSpPr>
-            <a:spLocks noGrp="1"/>
-          </p:cNvSpPr>
-          <p:nvPr>
-            <p:ph type="title"/>
-            <p:custDataLst>
-              <p:tags r:id="rId2"/>
-            </p:custDataLst>
-          </p:nvPr>
-        </p:nvSpPr>
-        <p:spPr/>
-        <p:txBody>
-          <a:bodyPr/>
-          <a:lstStyle/>
-          <a:p>
-            <a:r>
-              <a:rPr lang="ru-RU" dirty="0" smtClean="0"/>
-              <a:t>Страница пользователя системы</a:t>
-            </a:r>
-            <a:endParaRPr lang="ru-RU" dirty="0"/>
-          </a:p>
-        </p:txBody>
-      </p:sp>
-      <p:pic>
-        <p:nvPicPr>
-          <p:cNvPr id="4" name="Рисунок 3"/>
-          <p:cNvPicPr/>
-          <p:nvPr>
-            <p:custDataLst>
-              <p:tags r:id="rId3"/>
-            </p:custDataLst>
-          </p:nvPr>
-        </p:nvPicPr>
-        <p:blipFill>
-          <a:blip r:embed="rId5"/>
-          <a:srcRect l="4169" t="6815" r="23356" b="51490"/>
-          <a:stretch>
-            <a:fillRect/>
-          </a:stretch>
-        </p:blipFill>
-        <p:spPr bwMode="auto">
-          <a:xfrm>
-            <a:off x="571472" y="1643050"/>
-            <a:ext cx="8072494" cy="4643470"/>
-          </a:xfrm>
-          <a:prstGeom prst="rect">
-            <a:avLst/>
-          </a:prstGeom>
-          <a:noFill/>
-          <a:ln w="9525">
-            <a:noFill/>
-            <a:miter lim="800000"/>
-            <a:headEnd/>
-            <a:tailEnd/>
-          </a:ln>
-        </p:spPr>
-      </p:pic>
-    </p:spTree>
-    <p:custDataLst>
-      <p:tags r:id="rId1"/>
-    </p:custDataLst>
-    <p:extLst>
-      <p:ext uri="{BB962C8B-B14F-4D97-AF65-F5344CB8AC3E}">
-        <p14:creationId xmlns:p14="http://schemas.microsoft.com/office/powerpoint/2010/main" val="2254573380"/>
-      </p:ext>
-    </p:extLst>
-  </p:cSld>
-  <p:clrMapOvr>
-    <a:masterClrMapping/>
-  </p:clrMapOvr>
-</p:sld>
-</file>
-
-<file path=ppt/slides/slide15.xml><?xml version="1.0" encoding="utf-8"?>
-<p:sld xmlns:a="http://schemas.openxmlformats.org/drawingml/2006/main" xmlns:r="http://schemas.openxmlformats.org/officeDocument/2006/relationships" xmlns:p="http://schemas.openxmlformats.org/presentationml/2006/main">
-  <p:cSld>
-    <p:spTree>
-      <p:nvGrpSpPr>
-        <p:cNvPr id="1" name=""/>
-        <p:cNvGrpSpPr/>
-        <p:nvPr/>
-      </p:nvGrpSpPr>
-      <p:grpSpPr>
-        <a:xfrm>
-          <a:off x="0" y="0"/>
-          <a:ext cx="0" cy="0"/>
-          <a:chOff x="0" y="0"/>
-          <a:chExt cx="0" cy="0"/>
-        </a:xfrm>
-      </p:grpSpPr>
-      <p:sp>
-        <p:nvSpPr>
-          <p:cNvPr id="2" name="Заголовок 1"/>
-          <p:cNvSpPr>
-            <a:spLocks noGrp="1"/>
-          </p:cNvSpPr>
-          <p:nvPr>
-            <p:ph type="title"/>
-            <p:custDataLst>
-              <p:tags r:id="rId2"/>
-            </p:custDataLst>
-          </p:nvPr>
-        </p:nvSpPr>
-        <p:spPr>
-          <a:xfrm>
-            <a:off x="457200" y="274638"/>
-            <a:ext cx="8229600" cy="868346"/>
-          </a:xfrm>
-        </p:spPr>
-        <p:txBody>
-          <a:bodyPr/>
-          <a:lstStyle/>
-          <a:p>
-            <a:r>
-              <a:rPr lang="ru-RU" dirty="0" smtClean="0"/>
-              <a:t>Тип станка</a:t>
-            </a:r>
-            <a:endParaRPr lang="ru-RU" dirty="0"/>
-          </a:p>
-        </p:txBody>
-      </p:sp>
-      <p:pic>
-        <p:nvPicPr>
-          <p:cNvPr id="4" name="Рисунок 3"/>
-          <p:cNvPicPr/>
-          <p:nvPr>
-            <p:custDataLst>
-              <p:tags r:id="rId3"/>
-            </p:custDataLst>
-          </p:nvPr>
-        </p:nvPicPr>
-        <p:blipFill>
-          <a:blip r:embed="rId5"/>
-          <a:srcRect l="2875" t="6704" r="23332" b="40743"/>
-          <a:stretch>
-            <a:fillRect/>
-          </a:stretch>
-        </p:blipFill>
-        <p:spPr bwMode="auto">
-          <a:xfrm>
-            <a:off x="571472" y="1142984"/>
-            <a:ext cx="8143932" cy="4857784"/>
-          </a:xfrm>
-          <a:prstGeom prst="rect">
-            <a:avLst/>
-          </a:prstGeom>
-          <a:noFill/>
-          <a:ln w="9525">
-            <a:noFill/>
-            <a:miter lim="800000"/>
-            <a:headEnd/>
-            <a:tailEnd/>
-          </a:ln>
-        </p:spPr>
-      </p:pic>
-    </p:spTree>
-    <p:custDataLst>
-      <p:tags r:id="rId1"/>
-    </p:custDataLst>
-    <p:extLst>
-      <p:ext uri="{BB962C8B-B14F-4D97-AF65-F5344CB8AC3E}">
-        <p14:creationId xmlns:p14="http://schemas.microsoft.com/office/powerpoint/2010/main" val="2595667534"/>
-      </p:ext>
-    </p:extLst>
-  </p:cSld>
-  <p:clrMapOvr>
-    <a:masterClrMapping/>
-  </p:clrMapOvr>
-</p:sld>
-</file>
-
 <file path=ppt/slides/slide16.xml><?xml version="1.0" encoding="utf-8"?>
 <p:sld xmlns:a="http://schemas.openxmlformats.org/drawingml/2006/main" xmlns:r="http://schemas.openxmlformats.org/officeDocument/2006/relationships" xmlns:p="http://schemas.openxmlformats.org/presentationml/2006/main">
   <p:cSld>
@@ -4973,6 +7022,451 @@
             </p:custDataLst>
           </p:nvPr>
         </p:nvSpPr>
+        <p:spPr/>
+        <p:txBody>
+          <a:bodyPr/>
+          <a:lstStyle/>
+          <a:p>
+            <a:r>
+              <a:rPr lang="ru-RU" dirty="0" smtClean="0"/>
+              <a:t>Страница пользователя системы</a:t>
+            </a:r>
+            <a:endParaRPr lang="ru-RU" dirty="0"/>
+          </a:p>
+        </p:txBody>
+      </p:sp>
+      <p:pic>
+        <p:nvPicPr>
+          <p:cNvPr id="4" name="Рисунок 3"/>
+          <p:cNvPicPr/>
+          <p:nvPr>
+            <p:custDataLst>
+              <p:tags r:id="rId3"/>
+            </p:custDataLst>
+          </p:nvPr>
+        </p:nvPicPr>
+        <p:blipFill>
+          <a:blip r:embed="rId7"/>
+          <a:srcRect l="4169" t="6815" r="23356" b="51490"/>
+          <a:stretch>
+            <a:fillRect/>
+          </a:stretch>
+        </p:blipFill>
+        <p:spPr bwMode="auto">
+          <a:xfrm>
+            <a:off x="571472" y="1643050"/>
+            <a:ext cx="8072494" cy="4643470"/>
+          </a:xfrm>
+          <a:prstGeom prst="rect">
+            <a:avLst/>
+          </a:prstGeom>
+          <a:noFill/>
+          <a:ln w="9525">
+            <a:noFill/>
+            <a:miter lim="800000"/>
+            <a:headEnd/>
+            <a:tailEnd/>
+          </a:ln>
+        </p:spPr>
+      </p:pic>
+      <p:sp>
+        <p:nvSpPr>
+          <p:cNvPr id="3" name="Номер слайда 2"/>
+          <p:cNvSpPr>
+            <a:spLocks noGrp="1"/>
+          </p:cNvSpPr>
+          <p:nvPr>
+            <p:ph type="sldNum" sz="quarter" idx="12"/>
+            <p:custDataLst>
+              <p:tags r:id="rId4"/>
+            </p:custDataLst>
+          </p:nvPr>
+        </p:nvSpPr>
+        <p:spPr/>
+        <p:txBody>
+          <a:bodyPr/>
+          <a:lstStyle/>
+          <a:p>
+            <a:fld id="{C8038D24-4BEF-41CF-A752-5DC4091D1712}" type="slidenum">
+              <a:rPr lang="ru-RU" smtClean="0"/>
+              <a:pPr/>
+              <a:t>16</a:t>
+            </a:fld>
+            <a:endParaRPr lang="ru-RU"/>
+          </a:p>
+        </p:txBody>
+      </p:sp>
+    </p:spTree>
+    <p:custDataLst>
+      <p:tags r:id="rId1"/>
+    </p:custDataLst>
+    <p:extLst>
+      <p:ext uri="{BB962C8B-B14F-4D97-AF65-F5344CB8AC3E}">
+        <p14:creationId xmlns:p14="http://schemas.microsoft.com/office/powerpoint/2010/main" val="2254573380"/>
+      </p:ext>
+    </p:extLst>
+  </p:cSld>
+  <p:clrMapOvr>
+    <a:masterClrMapping/>
+  </p:clrMapOvr>
+  <p:timing>
+    <p:tnLst>
+      <p:par>
+        <p:cTn id="1" dur="indefinite" restart="never" nodeType="tmRoot"/>
+      </p:par>
+    </p:tnLst>
+  </p:timing>
+</p:sld>
+</file>
+
+<file path=ppt/slides/slide17.xml><?xml version="1.0" encoding="utf-8"?>
+<p:sld xmlns:a="http://schemas.openxmlformats.org/drawingml/2006/main" xmlns:r="http://schemas.openxmlformats.org/officeDocument/2006/relationships" xmlns:p="http://schemas.openxmlformats.org/presentationml/2006/main">
+  <p:cSld>
+    <p:spTree>
+      <p:nvGrpSpPr>
+        <p:cNvPr id="1" name=""/>
+        <p:cNvGrpSpPr/>
+        <p:nvPr/>
+      </p:nvGrpSpPr>
+      <p:grpSpPr>
+        <a:xfrm>
+          <a:off x="0" y="0"/>
+          <a:ext cx="0" cy="0"/>
+          <a:chOff x="0" y="0"/>
+          <a:chExt cx="0" cy="0"/>
+        </a:xfrm>
+      </p:grpSpPr>
+      <p:sp>
+        <p:nvSpPr>
+          <p:cNvPr id="2" name="Заголовок 1"/>
+          <p:cNvSpPr>
+            <a:spLocks noGrp="1"/>
+          </p:cNvSpPr>
+          <p:nvPr>
+            <p:ph type="title"/>
+            <p:custDataLst>
+              <p:tags r:id="rId2"/>
+            </p:custDataLst>
+          </p:nvPr>
+        </p:nvSpPr>
+        <p:spPr>
+          <a:xfrm>
+            <a:off x="457200" y="274638"/>
+            <a:ext cx="8229600" cy="853600"/>
+          </a:xfrm>
+        </p:spPr>
+        <p:txBody>
+          <a:bodyPr>
+            <a:normAutofit/>
+          </a:bodyPr>
+          <a:lstStyle/>
+          <a:p>
+            <a:r>
+              <a:rPr lang="ru-RU" dirty="0" smtClean="0"/>
+              <a:t>Тип станка</a:t>
+            </a:r>
+            <a:endParaRPr lang="ru-RU" dirty="0"/>
+          </a:p>
+        </p:txBody>
+      </p:sp>
+      <p:pic>
+        <p:nvPicPr>
+          <p:cNvPr id="3074" name="Picture 2"/>
+          <p:cNvPicPr>
+            <a:picLocks noChangeAspect="1" noChangeArrowheads="1"/>
+          </p:cNvPicPr>
+          <p:nvPr>
+            <p:custDataLst>
+              <p:tags r:id="rId3"/>
+            </p:custDataLst>
+          </p:nvPr>
+        </p:nvPicPr>
+        <p:blipFill rotWithShape="1">
+          <a:blip r:embed="rId7">
+            <a:extLst>
+              <a:ext uri="{28A0092B-C50C-407E-A947-70E740481C1C}">
+                <a14:useLocalDpi xmlns:a14="http://schemas.microsoft.com/office/drawing/2010/main" val="0"/>
+              </a:ext>
+            </a:extLst>
+          </a:blip>
+          <a:srcRect l="53869" t="5953" r="20663" b="42769"/>
+          <a:stretch/>
+        </p:blipFill>
+        <p:spPr bwMode="auto">
+          <a:xfrm>
+            <a:off x="1259632" y="1128238"/>
+            <a:ext cx="6840760" cy="5509426"/>
+          </a:xfrm>
+          <a:prstGeom prst="rect">
+            <a:avLst/>
+          </a:prstGeom>
+          <a:noFill/>
+          <a:ln>
+            <a:noFill/>
+          </a:ln>
+          <a:effectLst/>
+          <a:extLst>
+            <a:ext uri="{909E8E84-426E-40DD-AFC4-6F175D3DCCD1}">
+              <a14:hiddenFill xmlns:a14="http://schemas.microsoft.com/office/drawing/2010/main">
+                <a:solidFill>
+                  <a:schemeClr val="accent1"/>
+                </a:solidFill>
+              </a14:hiddenFill>
+            </a:ext>
+            <a:ext uri="{91240B29-F687-4F45-9708-019B960494DF}">
+              <a14:hiddenLine xmlns:a14="http://schemas.microsoft.com/office/drawing/2010/main" w="9525">
+                <a:solidFill>
+                  <a:schemeClr val="tx1"/>
+                </a:solidFill>
+                <a:miter lim="800000"/>
+                <a:headEnd/>
+                <a:tailEnd/>
+              </a14:hiddenLine>
+            </a:ext>
+            <a:ext uri="{AF507438-7753-43E0-B8FC-AC1667EBCBE1}">
+              <a14:hiddenEffects xmlns:a14="http://schemas.microsoft.com/office/drawing/2010/main">
+                <a:effectLst>
+                  <a:outerShdw dist="35921" dir="2700000" algn="ctr" rotWithShape="0">
+                    <a:schemeClr val="bg2"/>
+                  </a:outerShdw>
+                </a:effectLst>
+              </a14:hiddenEffects>
+            </a:ext>
+          </a:extLst>
+        </p:spPr>
+      </p:pic>
+      <p:sp>
+        <p:nvSpPr>
+          <p:cNvPr id="3" name="Номер слайда 2"/>
+          <p:cNvSpPr>
+            <a:spLocks noGrp="1"/>
+          </p:cNvSpPr>
+          <p:nvPr>
+            <p:ph type="sldNum" sz="quarter" idx="12"/>
+            <p:custDataLst>
+              <p:tags r:id="rId4"/>
+            </p:custDataLst>
+          </p:nvPr>
+        </p:nvSpPr>
+        <p:spPr/>
+        <p:txBody>
+          <a:bodyPr/>
+          <a:lstStyle/>
+          <a:p>
+            <a:fld id="{C8038D24-4BEF-41CF-A752-5DC4091D1712}" type="slidenum">
+              <a:rPr lang="ru-RU" smtClean="0"/>
+              <a:pPr/>
+              <a:t>17</a:t>
+            </a:fld>
+            <a:endParaRPr lang="ru-RU"/>
+          </a:p>
+        </p:txBody>
+      </p:sp>
+    </p:spTree>
+    <p:custDataLst>
+      <p:tags r:id="rId1"/>
+    </p:custDataLst>
+    <p:extLst>
+      <p:ext uri="{BB962C8B-B14F-4D97-AF65-F5344CB8AC3E}">
+        <p14:creationId xmlns:p14="http://schemas.microsoft.com/office/powerpoint/2010/main" val="2595667534"/>
+      </p:ext>
+    </p:extLst>
+  </p:cSld>
+  <p:clrMapOvr>
+    <a:masterClrMapping/>
+  </p:clrMapOvr>
+  <p:timing>
+    <p:tnLst>
+      <p:par>
+        <p:cTn id="1" dur="indefinite" restart="never" nodeType="tmRoot"/>
+      </p:par>
+    </p:tnLst>
+  </p:timing>
+</p:sld>
+</file>
+
+<file path=ppt/slides/slide18.xml><?xml version="1.0" encoding="utf-8"?>
+<p:sld xmlns:a="http://schemas.openxmlformats.org/drawingml/2006/main" xmlns:r="http://schemas.openxmlformats.org/officeDocument/2006/relationships" xmlns:p="http://schemas.openxmlformats.org/presentationml/2006/main">
+  <p:cSld>
+    <p:spTree>
+      <p:nvGrpSpPr>
+        <p:cNvPr id="1" name=""/>
+        <p:cNvGrpSpPr/>
+        <p:nvPr/>
+      </p:nvGrpSpPr>
+      <p:grpSpPr>
+        <a:xfrm>
+          <a:off x="0" y="0"/>
+          <a:ext cx="0" cy="0"/>
+          <a:chOff x="0" y="0"/>
+          <a:chExt cx="0" cy="0"/>
+        </a:xfrm>
+      </p:grpSpPr>
+      <p:sp>
+        <p:nvSpPr>
+          <p:cNvPr id="2" name="Заголовок 1"/>
+          <p:cNvSpPr>
+            <a:spLocks noGrp="1"/>
+          </p:cNvSpPr>
+          <p:nvPr>
+            <p:ph type="title"/>
+            <p:custDataLst>
+              <p:tags r:id="rId2"/>
+            </p:custDataLst>
+          </p:nvPr>
+        </p:nvSpPr>
+        <p:spPr/>
+        <p:txBody>
+          <a:bodyPr/>
+          <a:lstStyle/>
+          <a:p>
+            <a:r>
+              <a:rPr lang="ru-RU" dirty="0" smtClean="0"/>
+              <a:t>Версии программы</a:t>
+            </a:r>
+            <a:endParaRPr lang="ru-RU" dirty="0"/>
+          </a:p>
+        </p:txBody>
+      </p:sp>
+      <p:pic>
+        <p:nvPicPr>
+          <p:cNvPr id="5122" name="Picture 2"/>
+          <p:cNvPicPr>
+            <a:picLocks noChangeAspect="1" noChangeArrowheads="1"/>
+          </p:cNvPicPr>
+          <p:nvPr>
+            <p:custDataLst>
+              <p:tags r:id="rId3"/>
+            </p:custDataLst>
+          </p:nvPr>
+        </p:nvPicPr>
+        <p:blipFill rotWithShape="1">
+          <a:blip r:embed="rId6">
+            <a:extLst>
+              <a:ext uri="{28A0092B-C50C-407E-A947-70E740481C1C}">
+                <a14:useLocalDpi xmlns:a14="http://schemas.microsoft.com/office/drawing/2010/main" val="0"/>
+              </a:ext>
+            </a:extLst>
+          </a:blip>
+          <a:srcRect l="12738" t="6250" r="12976" b="42709"/>
+          <a:stretch/>
+        </p:blipFill>
+        <p:spPr bwMode="auto">
+          <a:xfrm>
+            <a:off x="295919" y="1340768"/>
+            <a:ext cx="8645999" cy="4752528"/>
+          </a:xfrm>
+          <a:prstGeom prst="rect">
+            <a:avLst/>
+          </a:prstGeom>
+          <a:noFill/>
+          <a:ln>
+            <a:noFill/>
+          </a:ln>
+          <a:effectLst/>
+          <a:extLst>
+            <a:ext uri="{909E8E84-426E-40DD-AFC4-6F175D3DCCD1}">
+              <a14:hiddenFill xmlns:a14="http://schemas.microsoft.com/office/drawing/2010/main">
+                <a:solidFill>
+                  <a:schemeClr val="accent1"/>
+                </a:solidFill>
+              </a14:hiddenFill>
+            </a:ext>
+            <a:ext uri="{91240B29-F687-4F45-9708-019B960494DF}">
+              <a14:hiddenLine xmlns:a14="http://schemas.microsoft.com/office/drawing/2010/main" w="9525">
+                <a:solidFill>
+                  <a:schemeClr val="tx1"/>
+                </a:solidFill>
+                <a:miter lim="800000"/>
+                <a:headEnd/>
+                <a:tailEnd/>
+              </a14:hiddenLine>
+            </a:ext>
+            <a:ext uri="{AF507438-7753-43E0-B8FC-AC1667EBCBE1}">
+              <a14:hiddenEffects xmlns:a14="http://schemas.microsoft.com/office/drawing/2010/main">
+                <a:effectLst>
+                  <a:outerShdw dist="35921" dir="2700000" algn="ctr" rotWithShape="0">
+                    <a:schemeClr val="bg2"/>
+                  </a:outerShdw>
+                </a:effectLst>
+              </a14:hiddenEffects>
+            </a:ext>
+          </a:extLst>
+        </p:spPr>
+      </p:pic>
+      <p:sp>
+        <p:nvSpPr>
+          <p:cNvPr id="4" name="Номер слайда 3"/>
+          <p:cNvSpPr>
+            <a:spLocks noGrp="1"/>
+          </p:cNvSpPr>
+          <p:nvPr>
+            <p:ph type="sldNum" sz="quarter" idx="12"/>
+            <p:custDataLst>
+              <p:tags r:id="rId4"/>
+            </p:custDataLst>
+          </p:nvPr>
+        </p:nvSpPr>
+        <p:spPr/>
+        <p:txBody>
+          <a:bodyPr/>
+          <a:lstStyle/>
+          <a:p>
+            <a:fld id="{C8038D24-4BEF-41CF-A752-5DC4091D1712}" type="slidenum">
+              <a:rPr lang="ru-RU" smtClean="0"/>
+              <a:pPr/>
+              <a:t>18</a:t>
+            </a:fld>
+            <a:endParaRPr lang="ru-RU"/>
+          </a:p>
+        </p:txBody>
+      </p:sp>
+    </p:spTree>
+    <p:custDataLst>
+      <p:tags r:id="rId1"/>
+    </p:custDataLst>
+    <p:extLst>
+      <p:ext uri="{BB962C8B-B14F-4D97-AF65-F5344CB8AC3E}">
+        <p14:creationId xmlns:p14="http://schemas.microsoft.com/office/powerpoint/2010/main" val="2912246012"/>
+      </p:ext>
+    </p:extLst>
+  </p:cSld>
+  <p:clrMapOvr>
+    <a:masterClrMapping/>
+  </p:clrMapOvr>
+</p:sld>
+</file>
+
+<file path=ppt/slides/slide19.xml><?xml version="1.0" encoding="utf-8"?>
+<p:sld xmlns:a="http://schemas.openxmlformats.org/drawingml/2006/main" xmlns:r="http://schemas.openxmlformats.org/officeDocument/2006/relationships" xmlns:p="http://schemas.openxmlformats.org/presentationml/2006/main">
+  <p:cSld>
+    <p:spTree>
+      <p:nvGrpSpPr>
+        <p:cNvPr id="1" name=""/>
+        <p:cNvGrpSpPr/>
+        <p:nvPr/>
+      </p:nvGrpSpPr>
+      <p:grpSpPr>
+        <a:xfrm>
+          <a:off x="0" y="0"/>
+          <a:ext cx="0" cy="0"/>
+          <a:chOff x="0" y="0"/>
+          <a:chExt cx="0" cy="0"/>
+        </a:xfrm>
+      </p:grpSpPr>
+      <p:sp>
+        <p:nvSpPr>
+          <p:cNvPr id="2" name="Заголовок 1"/>
+          <p:cNvSpPr>
+            <a:spLocks noGrp="1"/>
+          </p:cNvSpPr>
+          <p:nvPr>
+            <p:ph type="title"/>
+            <p:custDataLst>
+              <p:tags r:id="rId2"/>
+            </p:custDataLst>
+          </p:nvPr>
+        </p:nvSpPr>
         <p:spPr>
           <a:xfrm>
             <a:off x="428596" y="0"/>
@@ -5079,6 +7573,33 @@
           </a:p>
           <a:p>
             <a:endParaRPr lang="ru-RU" dirty="0"/>
+          </a:p>
+        </p:txBody>
+      </p:sp>
+      <p:sp>
+        <p:nvSpPr>
+          <p:cNvPr id="4" name="Номер слайда 3"/>
+          <p:cNvSpPr>
+            <a:spLocks noGrp="1"/>
+          </p:cNvSpPr>
+          <p:nvPr>
+            <p:ph type="sldNum" sz="quarter" idx="12"/>
+            <p:custDataLst>
+              <p:tags r:id="rId4"/>
+            </p:custDataLst>
+          </p:nvPr>
+        </p:nvSpPr>
+        <p:spPr/>
+        <p:txBody>
+          <a:bodyPr/>
+          <a:lstStyle/>
+          <a:p>
+            <a:fld id="{C8038D24-4BEF-41CF-A752-5DC4091D1712}" type="slidenum">
+              <a:rPr lang="ru-RU" smtClean="0"/>
+              <a:pPr/>
+              <a:t>19</a:t>
+            </a:fld>
+            <a:endParaRPr lang="ru-RU"/>
           </a:p>
         </p:txBody>
       </p:sp>
@@ -5090,6 +7611,13 @@
   <p:clrMapOvr>
     <a:masterClrMapping/>
   </p:clrMapOvr>
+  <p:timing>
+    <p:tnLst>
+      <p:par>
+        <p:cTn id="1" dur="indefinite" restart="never" nodeType="tmRoot"/>
+      </p:par>
+    </p:tnLst>
+  </p:timing>
 </p:sld>
 </file>
 
@@ -5254,7 +7782,7 @@
           </p:nvPr>
         </p:nvPicPr>
         <p:blipFill>
-          <a:blip r:embed="rId10"/>
+          <a:blip r:embed="rId12"/>
           <a:srcRect/>
           <a:stretch>
             <a:fillRect/>
@@ -5401,6 +7929,33 @@
           </a:fontRef>
         </p:style>
       </p:cxnSp>
+      <p:sp>
+        <p:nvSpPr>
+          <p:cNvPr id="3" name="Номер слайда 2"/>
+          <p:cNvSpPr>
+            <a:spLocks noGrp="1"/>
+          </p:cNvSpPr>
+          <p:nvPr>
+            <p:ph type="sldNum" sz="quarter" idx="12"/>
+            <p:custDataLst>
+              <p:tags r:id="rId9"/>
+            </p:custDataLst>
+          </p:nvPr>
+        </p:nvSpPr>
+        <p:spPr/>
+        <p:txBody>
+          <a:bodyPr/>
+          <a:lstStyle/>
+          <a:p>
+            <a:fld id="{C8038D24-4BEF-41CF-A752-5DC4091D1712}" type="slidenum">
+              <a:rPr lang="ru-RU" smtClean="0"/>
+              <a:pPr/>
+              <a:t>2</a:t>
+            </a:fld>
+            <a:endParaRPr lang="ru-RU"/>
+          </a:p>
+        </p:txBody>
+      </p:sp>
     </p:spTree>
     <p:custDataLst>
       <p:tags r:id="rId1"/>
@@ -5482,7 +8037,7 @@
           </p:nvPr>
         </p:nvPicPr>
         <p:blipFill>
-          <a:blip r:embed="rId15" cstate="print"/>
+          <a:blip r:embed="rId17" cstate="print"/>
           <a:stretch>
             <a:fillRect/>
           </a:stretch>
@@ -5935,6 +8490,33 @@
           </a:fontRef>
         </p:style>
       </p:cxnSp>
+      <p:sp>
+        <p:nvSpPr>
+          <p:cNvPr id="3" name="Номер слайда 2"/>
+          <p:cNvSpPr>
+            <a:spLocks noGrp="1"/>
+          </p:cNvSpPr>
+          <p:nvPr>
+            <p:ph type="sldNum" sz="quarter" idx="12"/>
+            <p:custDataLst>
+              <p:tags r:id="rId14"/>
+            </p:custDataLst>
+          </p:nvPr>
+        </p:nvSpPr>
+        <p:spPr/>
+        <p:txBody>
+          <a:bodyPr/>
+          <a:lstStyle/>
+          <a:p>
+            <a:fld id="{C8038D24-4BEF-41CF-A752-5DC4091D1712}" type="slidenum">
+              <a:rPr lang="ru-RU" smtClean="0"/>
+              <a:pPr/>
+              <a:t>3</a:t>
+            </a:fld>
+            <a:endParaRPr lang="ru-RU"/>
+          </a:p>
+        </p:txBody>
+      </p:sp>
     </p:spTree>
     <p:custDataLst>
       <p:tags r:id="rId1"/>
@@ -6077,7 +8659,7 @@
           </p:nvPr>
         </p:nvPicPr>
         <p:blipFill>
-          <a:blip r:embed="rId11"/>
+          <a:blip r:embed="rId13"/>
           <a:stretch>
             <a:fillRect/>
           </a:stretch>
@@ -6105,7 +8687,7 @@
           </p:nvPr>
         </p:nvPicPr>
         <p:blipFill>
-          <a:blip r:embed="rId12"/>
+          <a:blip r:embed="rId14"/>
           <a:stretch>
             <a:fillRect/>
           </a:stretch>
@@ -6168,7 +8750,7 @@
           </p:nvPr>
         </p:nvPicPr>
         <p:blipFill>
-          <a:blip r:embed="rId13" cstate="print"/>
+          <a:blip r:embed="rId15" cstate="print"/>
           <a:stretch>
             <a:fillRect/>
           </a:stretch>
@@ -6275,6 +8857,33 @@
           </a:fontRef>
         </p:style>
       </p:cxnSp>
+      <p:sp>
+        <p:nvSpPr>
+          <p:cNvPr id="3" name="Номер слайда 2"/>
+          <p:cNvSpPr>
+            <a:spLocks noGrp="1"/>
+          </p:cNvSpPr>
+          <p:nvPr>
+            <p:ph type="sldNum" sz="quarter" idx="12"/>
+            <p:custDataLst>
+              <p:tags r:id="rId10"/>
+            </p:custDataLst>
+          </p:nvPr>
+        </p:nvSpPr>
+        <p:spPr/>
+        <p:txBody>
+          <a:bodyPr/>
+          <a:lstStyle/>
+          <a:p>
+            <a:fld id="{C8038D24-4BEF-41CF-A752-5DC4091D1712}" type="slidenum">
+              <a:rPr lang="ru-RU" smtClean="0"/>
+              <a:pPr/>
+              <a:t>4</a:t>
+            </a:fld>
+            <a:endParaRPr lang="ru-RU"/>
+          </a:p>
+        </p:txBody>
+      </p:sp>
     </p:spTree>
     <p:custDataLst>
       <p:tags r:id="rId1"/>
@@ -6362,7 +8971,7 @@
           </p:nvPr>
         </p:nvPicPr>
         <p:blipFill>
-          <a:blip r:embed="rId5" cstate="print">
+          <a:blip r:embed="rId7" cstate="print">
             <a:lum bright="10000" contrast="20000"/>
           </a:blip>
           <a:srcRect l="9649" b="7017"/>
@@ -6380,6 +8989,33 @@
           </a:prstGeom>
         </p:spPr>
       </p:pic>
+      <p:sp>
+        <p:nvSpPr>
+          <p:cNvPr id="3" name="Номер слайда 2"/>
+          <p:cNvSpPr>
+            <a:spLocks noGrp="1"/>
+          </p:cNvSpPr>
+          <p:nvPr>
+            <p:ph type="sldNum" sz="quarter" idx="12"/>
+            <p:custDataLst>
+              <p:tags r:id="rId4"/>
+            </p:custDataLst>
+          </p:nvPr>
+        </p:nvSpPr>
+        <p:spPr/>
+        <p:txBody>
+          <a:bodyPr/>
+          <a:lstStyle/>
+          <a:p>
+            <a:fld id="{C8038D24-4BEF-41CF-A752-5DC4091D1712}" type="slidenum">
+              <a:rPr lang="ru-RU" smtClean="0"/>
+              <a:pPr/>
+              <a:t>5</a:t>
+            </a:fld>
+            <a:endParaRPr lang="ru-RU"/>
+          </a:p>
+        </p:txBody>
+      </p:sp>
     </p:spTree>
     <p:custDataLst>
       <p:tags r:id="rId1"/>
@@ -6540,6 +9176,33 @@
           </a:p>
         </p:txBody>
       </p:sp>
+      <p:sp>
+        <p:nvSpPr>
+          <p:cNvPr id="2" name="Номер слайда 1"/>
+          <p:cNvSpPr>
+            <a:spLocks noGrp="1"/>
+          </p:cNvSpPr>
+          <p:nvPr>
+            <p:ph type="sldNum" sz="quarter" idx="12"/>
+            <p:custDataLst>
+              <p:tags r:id="rId4"/>
+            </p:custDataLst>
+          </p:nvPr>
+        </p:nvSpPr>
+        <p:spPr/>
+        <p:txBody>
+          <a:bodyPr/>
+          <a:lstStyle/>
+          <a:p>
+            <a:fld id="{C8038D24-4BEF-41CF-A752-5DC4091D1712}" type="slidenum">
+              <a:rPr lang="ru-RU" smtClean="0"/>
+              <a:pPr/>
+              <a:t>6</a:t>
+            </a:fld>
+            <a:endParaRPr lang="ru-RU"/>
+          </a:p>
+        </p:txBody>
+      </p:sp>
     </p:spTree>
     <p:custDataLst>
       <p:tags r:id="rId1"/>
@@ -6621,7 +9284,7 @@
           </p:nvPr>
         </p:nvPicPr>
         <p:blipFill>
-          <a:blip r:embed="rId9"/>
+          <a:blip r:embed="rId11"/>
           <a:srcRect/>
           <a:stretch>
             <a:fillRect/>
@@ -6657,7 +9320,7 @@
           </p:nvPr>
         </p:nvPicPr>
         <p:blipFill>
-          <a:blip r:embed="rId10"/>
+          <a:blip r:embed="rId12"/>
           <a:srcRect/>
           <a:stretch>
             <a:fillRect/>
@@ -6789,6 +9452,33 @@
               <a:t>Документация и программный код хранится на центральном сервере</a:t>
             </a:r>
             <a:endParaRPr lang="ru-RU" sz="2000" dirty="0"/>
+          </a:p>
+        </p:txBody>
+      </p:sp>
+      <p:sp>
+        <p:nvSpPr>
+          <p:cNvPr id="3" name="Номер слайда 2"/>
+          <p:cNvSpPr>
+            <a:spLocks noGrp="1"/>
+          </p:cNvSpPr>
+          <p:nvPr>
+            <p:ph type="sldNum" sz="quarter" idx="12"/>
+            <p:custDataLst>
+              <p:tags r:id="rId8"/>
+            </p:custDataLst>
+          </p:nvPr>
+        </p:nvSpPr>
+        <p:spPr/>
+        <p:txBody>
+          <a:bodyPr/>
+          <a:lstStyle/>
+          <a:p>
+            <a:fld id="{C8038D24-4BEF-41CF-A752-5DC4091D1712}" type="slidenum">
+              <a:rPr lang="ru-RU" smtClean="0"/>
+              <a:pPr/>
+              <a:t>7</a:t>
+            </a:fld>
+            <a:endParaRPr lang="ru-RU"/>
           </a:p>
         </p:txBody>
       </p:sp>
@@ -7211,6 +9901,33 @@
           </a:p>
         </p:txBody>
       </p:sp>
+      <p:sp>
+        <p:nvSpPr>
+          <p:cNvPr id="3" name="Номер слайда 2"/>
+          <p:cNvSpPr>
+            <a:spLocks noGrp="1"/>
+          </p:cNvSpPr>
+          <p:nvPr>
+            <p:ph type="sldNum" sz="quarter" idx="12"/>
+            <p:custDataLst>
+              <p:tags r:id="rId11"/>
+            </p:custDataLst>
+          </p:nvPr>
+        </p:nvSpPr>
+        <p:spPr/>
+        <p:txBody>
+          <a:bodyPr/>
+          <a:lstStyle/>
+          <a:p>
+            <a:fld id="{C8038D24-4BEF-41CF-A752-5DC4091D1712}" type="slidenum">
+              <a:rPr lang="ru-RU" smtClean="0"/>
+              <a:pPr/>
+              <a:t>8</a:t>
+            </a:fld>
+            <a:endParaRPr lang="ru-RU"/>
+          </a:p>
+        </p:txBody>
+      </p:sp>
     </p:spTree>
     <p:custDataLst>
       <p:tags r:id="rId1"/>
@@ -7290,7 +10007,7 @@
           </p:nvPr>
         </p:nvPicPr>
         <p:blipFill>
-          <a:blip r:embed="rId21"/>
+          <a:blip r:embed="rId23"/>
           <a:stretch>
             <a:fillRect/>
           </a:stretch>
@@ -7318,7 +10035,7 @@
           </p:nvPr>
         </p:nvPicPr>
         <p:blipFill>
-          <a:blip r:embed="rId22"/>
+          <a:blip r:embed="rId24"/>
           <a:stretch>
             <a:fillRect/>
           </a:stretch>
@@ -7558,7 +10275,7 @@
           </p:nvPr>
         </p:nvPicPr>
         <p:blipFill>
-          <a:blip r:embed="rId23"/>
+          <a:blip r:embed="rId25"/>
           <a:stretch>
             <a:fillRect/>
           </a:stretch>
@@ -7654,7 +10371,7 @@
           </p:nvPr>
         </p:nvPicPr>
         <p:blipFill>
-          <a:blip r:embed="rId24"/>
+          <a:blip r:embed="rId26"/>
           <a:stretch>
             <a:fillRect/>
           </a:stretch>
@@ -7682,7 +10399,7 @@
           </p:nvPr>
         </p:nvPicPr>
         <p:blipFill>
-          <a:blip r:embed="rId25"/>
+          <a:blip r:embed="rId27"/>
           <a:stretch>
             <a:fillRect/>
           </a:stretch>
@@ -7710,7 +10427,7 @@
           </p:nvPr>
         </p:nvPicPr>
         <p:blipFill>
-          <a:blip r:embed="rId26"/>
+          <a:blip r:embed="rId28"/>
           <a:stretch>
             <a:fillRect/>
           </a:stretch>
@@ -7888,6 +10605,33 @@
           </a:fontRef>
         </p:style>
       </p:cxnSp>
+      <p:sp>
+        <p:nvSpPr>
+          <p:cNvPr id="3" name="Номер слайда 2"/>
+          <p:cNvSpPr>
+            <a:spLocks noGrp="1"/>
+          </p:cNvSpPr>
+          <p:nvPr>
+            <p:ph type="sldNum" sz="quarter" idx="12"/>
+            <p:custDataLst>
+              <p:tags r:id="rId20"/>
+            </p:custDataLst>
+          </p:nvPr>
+        </p:nvSpPr>
+        <p:spPr/>
+        <p:txBody>
+          <a:bodyPr/>
+          <a:lstStyle/>
+          <a:p>
+            <a:fld id="{C8038D24-4BEF-41CF-A752-5DC4091D1712}" type="slidenum">
+              <a:rPr lang="ru-RU" smtClean="0"/>
+              <a:pPr/>
+              <a:t>9</a:t>
+            </a:fld>
+            <a:endParaRPr lang="ru-RU"/>
+          </a:p>
+        </p:txBody>
+      </p:sp>
     </p:spTree>
     <p:custDataLst>
       <p:tags r:id="rId1"/>
@@ -7920,523 +10664,703 @@
 
 <file path=ppt/tags/tag100.xml><?xml version="1.0" encoding="utf-8"?>
 <p:tagLst xmlns:a="http://schemas.openxmlformats.org/drawingml/2006/main" xmlns:r="http://schemas.openxmlformats.org/officeDocument/2006/relationships" xmlns:p="http://schemas.openxmlformats.org/presentationml/2006/main">
+  <p:tag name="DVSHAPEID" val="P34WB7br579sYIASZkatvt"/>
+</p:tagLst>
+</file>
+
+<file path=ppt/tags/tag101.xml><?xml version="1.0" encoding="utf-8"?>
+<p:tagLst xmlns:a="http://schemas.openxmlformats.org/drawingml/2006/main" xmlns:r="http://schemas.openxmlformats.org/officeDocument/2006/relationships" xmlns:p="http://schemas.openxmlformats.org/presentationml/2006/main">
+  <p:tag name="DVSHAPEID" val="FPeupAIY8FOemABh5i0ljx"/>
+</p:tagLst>
+</file>
+
+<file path=ppt/tags/tag102.xml><?xml version="1.0" encoding="utf-8"?>
+<p:tagLst xmlns:a="http://schemas.openxmlformats.org/drawingml/2006/main" xmlns:r="http://schemas.openxmlformats.org/officeDocument/2006/relationships" xmlns:p="http://schemas.openxmlformats.org/presentationml/2006/main">
+  <p:tag name="DVSHAPEID" val="UYnPPsTU6mblofI7IBI6Zu"/>
+</p:tagLst>
+</file>
+
+<file path=ppt/tags/tag103.xml><?xml version="1.0" encoding="utf-8"?>
+<p:tagLst xmlns:a="http://schemas.openxmlformats.org/drawingml/2006/main" xmlns:r="http://schemas.openxmlformats.org/officeDocument/2006/relationships" xmlns:p="http://schemas.openxmlformats.org/presentationml/2006/main">
+  <p:tag name="DVSHAPEID" val="FM2wnF2DH1YPtoeBHBYi9W"/>
+</p:tagLst>
+</file>
+
+<file path=ppt/tags/tag104.xml><?xml version="1.0" encoding="utf-8"?>
+<p:tagLst xmlns:a="http://schemas.openxmlformats.org/drawingml/2006/main" xmlns:r="http://schemas.openxmlformats.org/officeDocument/2006/relationships" xmlns:p="http://schemas.openxmlformats.org/presentationml/2006/main">
   <p:tag name="DVSECTIONID" val="mKo2Mi6eIpUPDFku7EBIRE"/>
 </p:tagLst>
 </file>
 
-<file path=ppt/tags/tag101.xml><?xml version="1.0" encoding="utf-8"?>
+<file path=ppt/tags/tag105.xml><?xml version="1.0" encoding="utf-8"?>
 <p:tagLst xmlns:a="http://schemas.openxmlformats.org/drawingml/2006/main" xmlns:r="http://schemas.openxmlformats.org/officeDocument/2006/relationships" xmlns:p="http://schemas.openxmlformats.org/presentationml/2006/main">
   <p:tag name="DVSHAPEID" val="DJmZhIeSs9a7Uf7zKg5dyr"/>
 </p:tagLst>
 </file>
 
-<file path=ppt/tags/tag102.xml><?xml version="1.0" encoding="utf-8"?>
+<file path=ppt/tags/tag106.xml><?xml version="1.0" encoding="utf-8"?>
 <p:tagLst xmlns:a="http://schemas.openxmlformats.org/drawingml/2006/main" xmlns:r="http://schemas.openxmlformats.org/officeDocument/2006/relationships" xmlns:p="http://schemas.openxmlformats.org/presentationml/2006/main">
   <p:tag name="DVSHAPEID" val="30cmzYzpCcyqlDtQbbGeU1"/>
 </p:tagLst>
 </file>
 
-<file path=ppt/tags/tag103.xml><?xml version="1.0" encoding="utf-8"?>
+<file path=ppt/tags/tag107.xml><?xml version="1.0" encoding="utf-8"?>
+<p:tagLst xmlns:a="http://schemas.openxmlformats.org/drawingml/2006/main" xmlns:r="http://schemas.openxmlformats.org/officeDocument/2006/relationships" xmlns:p="http://schemas.openxmlformats.org/presentationml/2006/main">
+  <p:tag name="DVSHAPEID" val="zWv6TzwhG0ayhvdf3gzkCo"/>
+</p:tagLst>
+</file>
+
+<file path=ppt/tags/tag108.xml><?xml version="1.0" encoding="utf-8"?>
 <p:tagLst xmlns:a="http://schemas.openxmlformats.org/drawingml/2006/main" xmlns:r="http://schemas.openxmlformats.org/officeDocument/2006/relationships" xmlns:p="http://schemas.openxmlformats.org/presentationml/2006/main">
   <p:tag name="DVSECTIONID" val="p8ufHOzZ1ox6VPgchLnhkV"/>
 </p:tagLst>
 </file>
 
-<file path=ppt/tags/tag104.xml><?xml version="1.0" encoding="utf-8"?>
+<file path=ppt/tags/tag109.xml><?xml version="1.0" encoding="utf-8"?>
 <p:tagLst xmlns:a="http://schemas.openxmlformats.org/drawingml/2006/main" xmlns:r="http://schemas.openxmlformats.org/officeDocument/2006/relationships" xmlns:p="http://schemas.openxmlformats.org/presentationml/2006/main">
   <p:tag name="DVSHAPEID" val="bgls08Qs0MVbGlNV8fi2wX"/>
 </p:tagLst>
 </file>
 
-<file path=ppt/tags/tag105.xml><?xml version="1.0" encoding="utf-8"?>
+<file path=ppt/tags/tag11.xml><?xml version="1.0" encoding="utf-8"?>
+<p:tagLst xmlns:a="http://schemas.openxmlformats.org/drawingml/2006/main" xmlns:r="http://schemas.openxmlformats.org/officeDocument/2006/relationships" xmlns:p="http://schemas.openxmlformats.org/presentationml/2006/main">
+  <p:tag name="DVSHAPEID" val="miADonnePebzPeowoY0rBM"/>
+</p:tagLst>
+</file>
+
+<file path=ppt/tags/tag110.xml><?xml version="1.0" encoding="utf-8"?>
 <p:tagLst xmlns:a="http://schemas.openxmlformats.org/drawingml/2006/main" xmlns:r="http://schemas.openxmlformats.org/officeDocument/2006/relationships" xmlns:p="http://schemas.openxmlformats.org/presentationml/2006/main">
   <p:tag name="DVSHAPEID" val="ztUt6U5Uwkx2OV07YqyacM"/>
 </p:tagLst>
 </file>
 
-<file path=ppt/tags/tag106.xml><?xml version="1.0" encoding="utf-8"?>
+<file path=ppt/tags/tag111.xml><?xml version="1.0" encoding="utf-8"?>
+<p:tagLst xmlns:a="http://schemas.openxmlformats.org/drawingml/2006/main" xmlns:r="http://schemas.openxmlformats.org/officeDocument/2006/relationships" xmlns:p="http://schemas.openxmlformats.org/presentationml/2006/main">
+  <p:tag name="DVSHAPEID" val="dimWTpExgv6Jd61gMs6qlY"/>
+</p:tagLst>
+</file>
+
+<file path=ppt/tags/tag112.xml><?xml version="1.0" encoding="utf-8"?>
 <p:tagLst xmlns:a="http://schemas.openxmlformats.org/drawingml/2006/main" xmlns:r="http://schemas.openxmlformats.org/officeDocument/2006/relationships" xmlns:p="http://schemas.openxmlformats.org/presentationml/2006/main">
   <p:tag name="DVSECTIONID" val="I7Zal9bsBiOIlgyxAhEInw"/>
 </p:tagLst>
 </file>
 
-<file path=ppt/tags/tag107.xml><?xml version="1.0" encoding="utf-8"?>
+<file path=ppt/tags/tag113.xml><?xml version="1.0" encoding="utf-8"?>
 <p:tagLst xmlns:a="http://schemas.openxmlformats.org/drawingml/2006/main" xmlns:r="http://schemas.openxmlformats.org/officeDocument/2006/relationships" xmlns:p="http://schemas.openxmlformats.org/presentationml/2006/main">
   <p:tag name="DVSHAPEID" val="v9X72f2qVRueHSxw2Vn6fB"/>
 </p:tagLst>
 </file>
 
-<file path=ppt/tags/tag108.xml><?xml version="1.0" encoding="utf-8"?>
+<file path=ppt/tags/tag114.xml><?xml version="1.0" encoding="utf-8"?>
 <p:tagLst xmlns:a="http://schemas.openxmlformats.org/drawingml/2006/main" xmlns:r="http://schemas.openxmlformats.org/officeDocument/2006/relationships" xmlns:p="http://schemas.openxmlformats.org/presentationml/2006/main">
   <p:tag name="DVSHAPEID" val="EExSU0hSumLNXLwZSPS5pG"/>
 </p:tagLst>
 </file>
 
-<file path=ppt/tags/tag109.xml><?xml version="1.0" encoding="utf-8"?>
+<file path=ppt/tags/tag115.xml><?xml version="1.0" encoding="utf-8"?>
 <p:tagLst xmlns:a="http://schemas.openxmlformats.org/drawingml/2006/main" xmlns:r="http://schemas.openxmlformats.org/officeDocument/2006/relationships" xmlns:p="http://schemas.openxmlformats.org/presentationml/2006/main">
   <p:tag name="DVSHAPEID" val="xzd8AsoCN6wUujzal192n8"/>
 </p:tagLst>
 </file>
 
-<file path=ppt/tags/tag11.xml><?xml version="1.0" encoding="utf-8"?>
-<p:tagLst xmlns:a="http://schemas.openxmlformats.org/drawingml/2006/main" xmlns:r="http://schemas.openxmlformats.org/officeDocument/2006/relationships" xmlns:p="http://schemas.openxmlformats.org/presentationml/2006/main">
-  <p:tag name="DVSHAPEID" val="miADonnePebzPeowoY0rBM"/>
-</p:tagLst>
-</file>
-
-<file path=ppt/tags/tag110.xml><?xml version="1.0" encoding="utf-8"?>
+<file path=ppt/tags/tag116.xml><?xml version="1.0" encoding="utf-8"?>
 <p:tagLst xmlns:a="http://schemas.openxmlformats.org/drawingml/2006/main" xmlns:r="http://schemas.openxmlformats.org/officeDocument/2006/relationships" xmlns:p="http://schemas.openxmlformats.org/presentationml/2006/main">
   <p:tag name="DVSHAPEID" val="tUULZ33yd9bX6YEMqPtRzF"/>
 </p:tagLst>
 </file>
 
-<file path=ppt/tags/tag111.xml><?xml version="1.0" encoding="utf-8"?>
+<file path=ppt/tags/tag117.xml><?xml version="1.0" encoding="utf-8"?>
 <p:tagLst xmlns:a="http://schemas.openxmlformats.org/drawingml/2006/main" xmlns:r="http://schemas.openxmlformats.org/officeDocument/2006/relationships" xmlns:p="http://schemas.openxmlformats.org/presentationml/2006/main">
   <p:tag name="DVSHAPEID" val="g3gdpHuQWmjp5jdOslzeSm"/>
 </p:tagLst>
 </file>
 
-<file path=ppt/tags/tag112.xml><?xml version="1.0" encoding="utf-8"?>
+<file path=ppt/tags/tag118.xml><?xml version="1.0" encoding="utf-8"?>
 <p:tagLst xmlns:a="http://schemas.openxmlformats.org/drawingml/2006/main" xmlns:r="http://schemas.openxmlformats.org/officeDocument/2006/relationships" xmlns:p="http://schemas.openxmlformats.org/presentationml/2006/main">
   <p:tag name="DVSHAPEID" val="IxcBwyAkzwyODQuMDm4ndP"/>
 </p:tagLst>
 </file>
 
-<file path=ppt/tags/tag113.xml><?xml version="1.0" encoding="utf-8"?>
+<file path=ppt/tags/tag119.xml><?xml version="1.0" encoding="utf-8"?>
+<p:tagLst xmlns:a="http://schemas.openxmlformats.org/drawingml/2006/main" xmlns:r="http://schemas.openxmlformats.org/officeDocument/2006/relationships" xmlns:p="http://schemas.openxmlformats.org/presentationml/2006/main">
+  <p:tag name="DVSHAPEID" val="EU7JosxHJPjbIcJWF7D9JF"/>
+</p:tagLst>
+</file>
+
+<file path=ppt/tags/tag12.xml><?xml version="1.0" encoding="utf-8"?>
+<p:tagLst xmlns:a="http://schemas.openxmlformats.org/drawingml/2006/main" xmlns:r="http://schemas.openxmlformats.org/officeDocument/2006/relationships" xmlns:p="http://schemas.openxmlformats.org/presentationml/2006/main">
+  <p:tag name="DVSHAPEID" val="mjyL4oUdaxOrgCrpIERs0q"/>
+</p:tagLst>
+</file>
+
+<file path=ppt/tags/tag120.xml><?xml version="1.0" encoding="utf-8"?>
 <p:tagLst xmlns:a="http://schemas.openxmlformats.org/drawingml/2006/main" xmlns:r="http://schemas.openxmlformats.org/officeDocument/2006/relationships" xmlns:p="http://schemas.openxmlformats.org/presentationml/2006/main">
   <p:tag name="DVSECTIONID" val="ixKueUnPkAjtpmfwtqNyNe"/>
 </p:tagLst>
 </file>
 
-<file path=ppt/tags/tag114.xml><?xml version="1.0" encoding="utf-8"?>
+<file path=ppt/tags/tag121.xml><?xml version="1.0" encoding="utf-8"?>
 <p:tagLst xmlns:a="http://schemas.openxmlformats.org/drawingml/2006/main" xmlns:r="http://schemas.openxmlformats.org/officeDocument/2006/relationships" xmlns:p="http://schemas.openxmlformats.org/presentationml/2006/main">
   <p:tag name="DVSHAPEID" val="EGSkyCm8hkMTlJ0NbVfBNN"/>
 </p:tagLst>
 </file>
 
-<file path=ppt/tags/tag115.xml><?xml version="1.0" encoding="utf-8"?>
+<file path=ppt/tags/tag122.xml><?xml version="1.0" encoding="utf-8"?>
 <p:tagLst xmlns:a="http://schemas.openxmlformats.org/drawingml/2006/main" xmlns:r="http://schemas.openxmlformats.org/officeDocument/2006/relationships" xmlns:p="http://schemas.openxmlformats.org/presentationml/2006/main">
   <p:tag name="DVSHAPEID" val="QgFmjFHdau9SSwJb0YXqee"/>
 </p:tagLst>
 </file>
 
-<file path=ppt/tags/tag116.xml><?xml version="1.0" encoding="utf-8"?>
+<file path=ppt/tags/tag123.xml><?xml version="1.0" encoding="utf-8"?>
 <p:tagLst xmlns:a="http://schemas.openxmlformats.org/drawingml/2006/main" xmlns:r="http://schemas.openxmlformats.org/officeDocument/2006/relationships" xmlns:p="http://schemas.openxmlformats.org/presentationml/2006/main">
   <p:tag name="DVSHAPEID" val="1JvLMQa87C2RPBEbiGq49h"/>
 </p:tagLst>
 </file>
 
-<file path=ppt/tags/tag117.xml><?xml version="1.0" encoding="utf-8"?>
+<file path=ppt/tags/tag124.xml><?xml version="1.0" encoding="utf-8"?>
 <p:tagLst xmlns:a="http://schemas.openxmlformats.org/drawingml/2006/main" xmlns:r="http://schemas.openxmlformats.org/officeDocument/2006/relationships" xmlns:p="http://schemas.openxmlformats.org/presentationml/2006/main">
   <p:tag name="DVSHAPEID" val="KsQu40UgDmzCfVRyTR22nw"/>
 </p:tagLst>
 </file>
 
-<file path=ppt/tags/tag118.xml><?xml version="1.0" encoding="utf-8"?>
+<file path=ppt/tags/tag125.xml><?xml version="1.0" encoding="utf-8"?>
 <p:tagLst xmlns:a="http://schemas.openxmlformats.org/drawingml/2006/main" xmlns:r="http://schemas.openxmlformats.org/officeDocument/2006/relationships" xmlns:p="http://schemas.openxmlformats.org/presentationml/2006/main">
   <p:tag name="DVSHAPEID" val="Q1G7wPGg095KZ3UhMaeQYF"/>
 </p:tagLst>
 </file>
 
-<file path=ppt/tags/tag119.xml><?xml version="1.0" encoding="utf-8"?>
+<file path=ppt/tags/tag126.xml><?xml version="1.0" encoding="utf-8"?>
 <p:tagLst xmlns:a="http://schemas.openxmlformats.org/drawingml/2006/main" xmlns:r="http://schemas.openxmlformats.org/officeDocument/2006/relationships" xmlns:p="http://schemas.openxmlformats.org/presentationml/2006/main">
   <p:tag name="DVSHAPEID" val="idmJkJNz27UdBONWt5Amlp"/>
 </p:tagLst>
 </file>
 
-<file path=ppt/tags/tag12.xml><?xml version="1.0" encoding="utf-8"?>
-<p:tagLst xmlns:a="http://schemas.openxmlformats.org/drawingml/2006/main" xmlns:r="http://schemas.openxmlformats.org/officeDocument/2006/relationships" xmlns:p="http://schemas.openxmlformats.org/presentationml/2006/main">
-  <p:tag name="DVSHAPEID" val="mjyL4oUdaxOrgCrpIERs0q"/>
-</p:tagLst>
-</file>
-
-<file path=ppt/tags/tag120.xml><?xml version="1.0" encoding="utf-8"?>
+<file path=ppt/tags/tag127.xml><?xml version="1.0" encoding="utf-8"?>
 <p:tagLst xmlns:a="http://schemas.openxmlformats.org/drawingml/2006/main" xmlns:r="http://schemas.openxmlformats.org/officeDocument/2006/relationships" xmlns:p="http://schemas.openxmlformats.org/presentationml/2006/main">
   <p:tag name="DVSHAPEID" val="wuWNDB5SNwyaJtLNvWtq6X"/>
 </p:tagLst>
 </file>
 
-<file path=ppt/tags/tag121.xml><?xml version="1.0" encoding="utf-8"?>
+<file path=ppt/tags/tag128.xml><?xml version="1.0" encoding="utf-8"?>
 <p:tagLst xmlns:a="http://schemas.openxmlformats.org/drawingml/2006/main" xmlns:r="http://schemas.openxmlformats.org/officeDocument/2006/relationships" xmlns:p="http://schemas.openxmlformats.org/presentationml/2006/main">
   <p:tag name="DVSHAPEID" val="PLs6uPG8gBjSGRMw6buajo"/>
 </p:tagLst>
 </file>
 
-<file path=ppt/tags/tag122.xml><?xml version="1.0" encoding="utf-8"?>
+<file path=ppt/tags/tag129.xml><?xml version="1.0" encoding="utf-8"?>
 <p:tagLst xmlns:a="http://schemas.openxmlformats.org/drawingml/2006/main" xmlns:r="http://schemas.openxmlformats.org/officeDocument/2006/relationships" xmlns:p="http://schemas.openxmlformats.org/presentationml/2006/main">
   <p:tag name="DVSHAPEID" val="Fq4kaFADTVjzFbkx7fbEfW"/>
 </p:tagLst>
 </file>
 
-<file path=ppt/tags/tag123.xml><?xml version="1.0" encoding="utf-8"?>
+<file path=ppt/tags/tag13.xml><?xml version="1.0" encoding="utf-8"?>
+<p:tagLst xmlns:a="http://schemas.openxmlformats.org/drawingml/2006/main" xmlns:r="http://schemas.openxmlformats.org/officeDocument/2006/relationships" xmlns:p="http://schemas.openxmlformats.org/presentationml/2006/main">
+  <p:tag name="DVSHAPEID" val="lds4q19p7N9AVh4DiYjC4E"/>
+</p:tagLst>
+</file>
+
+<file path=ppt/tags/tag130.xml><?xml version="1.0" encoding="utf-8"?>
+<p:tagLst xmlns:a="http://schemas.openxmlformats.org/drawingml/2006/main" xmlns:r="http://schemas.openxmlformats.org/officeDocument/2006/relationships" xmlns:p="http://schemas.openxmlformats.org/presentationml/2006/main">
+  <p:tag name="DVSHAPEID" val="syi6dMu6ec3fEsPa1cZyMh"/>
+</p:tagLst>
+</file>
+
+<file path=ppt/tags/tag131.xml><?xml version="1.0" encoding="utf-8"?>
 <p:tagLst xmlns:a="http://schemas.openxmlformats.org/drawingml/2006/main" xmlns:r="http://schemas.openxmlformats.org/officeDocument/2006/relationships" xmlns:p="http://schemas.openxmlformats.org/presentationml/2006/main">
   <p:tag name="DVSECTIONID" val="hdt0DJa5DCxcOrqQVg5MYe"/>
 </p:tagLst>
 </file>
 
-<file path=ppt/tags/tag124.xml><?xml version="1.0" encoding="utf-8"?>
+<file path=ppt/tags/tag132.xml><?xml version="1.0" encoding="utf-8"?>
 <p:tagLst xmlns:a="http://schemas.openxmlformats.org/drawingml/2006/main" xmlns:r="http://schemas.openxmlformats.org/officeDocument/2006/relationships" xmlns:p="http://schemas.openxmlformats.org/presentationml/2006/main">
   <p:tag name="DVSHAPEID" val="QRMU1YQiWWEq5219F1yCIo"/>
 </p:tagLst>
 </file>
 
-<file path=ppt/tags/tag125.xml><?xml version="1.0" encoding="utf-8"?>
+<file path=ppt/tags/tag133.xml><?xml version="1.0" encoding="utf-8"?>
 <p:tagLst xmlns:a="http://schemas.openxmlformats.org/drawingml/2006/main" xmlns:r="http://schemas.openxmlformats.org/officeDocument/2006/relationships" xmlns:p="http://schemas.openxmlformats.org/presentationml/2006/main">
   <p:tag name="DVSHAPEID" val="z7bBcy3fYE8JzdygECNAYm"/>
 </p:tagLst>
 </file>
 
-<file path=ppt/tags/tag126.xml><?xml version="1.0" encoding="utf-8"?>
+<file path=ppt/tags/tag134.xml><?xml version="1.0" encoding="utf-8"?>
 <p:tagLst xmlns:a="http://schemas.openxmlformats.org/drawingml/2006/main" xmlns:r="http://schemas.openxmlformats.org/officeDocument/2006/relationships" xmlns:p="http://schemas.openxmlformats.org/presentationml/2006/main">
   <p:tag name="DVSHAPEID" val="Ue5ivYza6CdriFIpLheHXZ"/>
 </p:tagLst>
 </file>
 
-<file path=ppt/tags/tag127.xml><?xml version="1.0" encoding="utf-8"?>
+<file path=ppt/tags/tag135.xml><?xml version="1.0" encoding="utf-8"?>
 <p:tagLst xmlns:a="http://schemas.openxmlformats.org/drawingml/2006/main" xmlns:r="http://schemas.openxmlformats.org/officeDocument/2006/relationships" xmlns:p="http://schemas.openxmlformats.org/presentationml/2006/main">
   <p:tag name="DVSHAPEID" val="hmsOBomWP7qccWvT35FOyw"/>
 </p:tagLst>
 </file>
 
-<file path=ppt/tags/tag128.xml><?xml version="1.0" encoding="utf-8"?>
+<file path=ppt/tags/tag136.xml><?xml version="1.0" encoding="utf-8"?>
 <p:tagLst xmlns:a="http://schemas.openxmlformats.org/drawingml/2006/main" xmlns:r="http://schemas.openxmlformats.org/officeDocument/2006/relationships" xmlns:p="http://schemas.openxmlformats.org/presentationml/2006/main">
   <p:tag name="DVSHAPEID" val="v7UTyeQvmgoUXJQHmbN9N5"/>
 </p:tagLst>
 </file>
 
-<file path=ppt/tags/tag129.xml><?xml version="1.0" encoding="utf-8"?>
+<file path=ppt/tags/tag137.xml><?xml version="1.0" encoding="utf-8"?>
 <p:tagLst xmlns:a="http://schemas.openxmlformats.org/drawingml/2006/main" xmlns:r="http://schemas.openxmlformats.org/officeDocument/2006/relationships" xmlns:p="http://schemas.openxmlformats.org/presentationml/2006/main">
   <p:tag name="DVSHAPEID" val="15sLUSe929rLQkTIQ76jL9"/>
 </p:tagLst>
 </file>
 
-<file path=ppt/tags/tag13.xml><?xml version="1.0" encoding="utf-8"?>
-<p:tagLst xmlns:a="http://schemas.openxmlformats.org/drawingml/2006/main" xmlns:r="http://schemas.openxmlformats.org/officeDocument/2006/relationships" xmlns:p="http://schemas.openxmlformats.org/presentationml/2006/main">
-  <p:tag name="DVSHAPEID" val="lds4q19p7N9AVh4DiYjC4E"/>
-</p:tagLst>
-</file>
-
-<file path=ppt/tags/tag130.xml><?xml version="1.0" encoding="utf-8"?>
+<file path=ppt/tags/tag138.xml><?xml version="1.0" encoding="utf-8"?>
 <p:tagLst xmlns:a="http://schemas.openxmlformats.org/drawingml/2006/main" xmlns:r="http://schemas.openxmlformats.org/officeDocument/2006/relationships" xmlns:p="http://schemas.openxmlformats.org/presentationml/2006/main">
   <p:tag name="DVSHAPEID" val="OhZL3lJu1oIp6OqMkXhdef"/>
 </p:tagLst>
 </file>
 
-<file path=ppt/tags/tag131.xml><?xml version="1.0" encoding="utf-8"?>
+<file path=ppt/tags/tag139.xml><?xml version="1.0" encoding="utf-8"?>
 <p:tagLst xmlns:a="http://schemas.openxmlformats.org/drawingml/2006/main" xmlns:r="http://schemas.openxmlformats.org/officeDocument/2006/relationships" xmlns:p="http://schemas.openxmlformats.org/presentationml/2006/main">
   <p:tag name="DVSHAPEID" val="tbSvNEkF3tkRhaL8PSpy83"/>
 </p:tagLst>
 </file>
 
-<file path=ppt/tags/tag132.xml><?xml version="1.0" encoding="utf-8"?>
+<file path=ppt/tags/tag14.xml><?xml version="1.0" encoding="utf-8"?>
+<p:tagLst xmlns:a="http://schemas.openxmlformats.org/drawingml/2006/main" xmlns:r="http://schemas.openxmlformats.org/officeDocument/2006/relationships" xmlns:p="http://schemas.openxmlformats.org/presentationml/2006/main">
+  <p:tag name="DVSHAPEID" val="KnXL4ZgmA8MWXlj0YS4Kp0"/>
+</p:tagLst>
+</file>
+
+<file path=ppt/tags/tag140.xml><?xml version="1.0" encoding="utf-8"?>
 <p:tagLst xmlns:a="http://schemas.openxmlformats.org/drawingml/2006/main" xmlns:r="http://schemas.openxmlformats.org/officeDocument/2006/relationships" xmlns:p="http://schemas.openxmlformats.org/presentationml/2006/main">
   <p:tag name="DVSHAPEID" val="2qe4h4N81yVzOOTxy49lke"/>
 </p:tagLst>
 </file>
 
-<file path=ppt/tags/tag133.xml><?xml version="1.0" encoding="utf-8"?>
+<file path=ppt/tags/tag141.xml><?xml version="1.0" encoding="utf-8"?>
 <p:tagLst xmlns:a="http://schemas.openxmlformats.org/drawingml/2006/main" xmlns:r="http://schemas.openxmlformats.org/officeDocument/2006/relationships" xmlns:p="http://schemas.openxmlformats.org/presentationml/2006/main">
   <p:tag name="DVSHAPEID" val="5exg0b8pNG7p8shImfSUsM"/>
 </p:tagLst>
 </file>
 
-<file path=ppt/tags/tag134.xml><?xml version="1.0" encoding="utf-8"?>
+<file path=ppt/tags/tag142.xml><?xml version="1.0" encoding="utf-8"?>
 <p:tagLst xmlns:a="http://schemas.openxmlformats.org/drawingml/2006/main" xmlns:r="http://schemas.openxmlformats.org/officeDocument/2006/relationships" xmlns:p="http://schemas.openxmlformats.org/presentationml/2006/main">
   <p:tag name="DVSHAPEID" val="WHmXfhkkoMIOlZx13B0CLe"/>
 </p:tagLst>
 </file>
 
-<file path=ppt/tags/tag135.xml><?xml version="1.0" encoding="utf-8"?>
+<file path=ppt/tags/tag143.xml><?xml version="1.0" encoding="utf-8"?>
 <p:tagLst xmlns:a="http://schemas.openxmlformats.org/drawingml/2006/main" xmlns:r="http://schemas.openxmlformats.org/officeDocument/2006/relationships" xmlns:p="http://schemas.openxmlformats.org/presentationml/2006/main">
   <p:tag name="DVSHAPEID" val="soGqgPIUsqMjiPT3WQ4sik"/>
 </p:tagLst>
 </file>
 
-<file path=ppt/tags/tag136.xml><?xml version="1.0" encoding="utf-8"?>
+<file path=ppt/tags/tag144.xml><?xml version="1.0" encoding="utf-8"?>
 <p:tagLst xmlns:a="http://schemas.openxmlformats.org/drawingml/2006/main" xmlns:r="http://schemas.openxmlformats.org/officeDocument/2006/relationships" xmlns:p="http://schemas.openxmlformats.org/presentationml/2006/main">
   <p:tag name="DVSHAPEID" val="Hk6hbkcgUP0IfXhO1vCtkh"/>
 </p:tagLst>
 </file>
 
-<file path=ppt/tags/tag137.xml><?xml version="1.0" encoding="utf-8"?>
+<file path=ppt/tags/tag145.xml><?xml version="1.0" encoding="utf-8"?>
 <p:tagLst xmlns:a="http://schemas.openxmlformats.org/drawingml/2006/main" xmlns:r="http://schemas.openxmlformats.org/officeDocument/2006/relationships" xmlns:p="http://schemas.openxmlformats.org/presentationml/2006/main">
   <p:tag name="DVSHAPEID" val="12HH70F9xiV8HlkYDnIbwX"/>
 </p:tagLst>
 </file>
 
-<file path=ppt/tags/tag138.xml><?xml version="1.0" encoding="utf-8"?>
+<file path=ppt/tags/tag146.xml><?xml version="1.0" encoding="utf-8"?>
 <p:tagLst xmlns:a="http://schemas.openxmlformats.org/drawingml/2006/main" xmlns:r="http://schemas.openxmlformats.org/officeDocument/2006/relationships" xmlns:p="http://schemas.openxmlformats.org/presentationml/2006/main">
   <p:tag name="DVSHAPEID" val="iAAWL7PzPOZpj4AudbBKhI"/>
 </p:tagLst>
 </file>
 
-<file path=ppt/tags/tag139.xml><?xml version="1.0" encoding="utf-8"?>
+<file path=ppt/tags/tag147.xml><?xml version="1.0" encoding="utf-8"?>
 <p:tagLst xmlns:a="http://schemas.openxmlformats.org/drawingml/2006/main" xmlns:r="http://schemas.openxmlformats.org/officeDocument/2006/relationships" xmlns:p="http://schemas.openxmlformats.org/presentationml/2006/main">
   <p:tag name="DVSHAPEID" val="M7fVu2RfL8L3J76aexkYt7"/>
 </p:tagLst>
 </file>
 
-<file path=ppt/tags/tag14.xml><?xml version="1.0" encoding="utf-8"?>
-<p:tagLst xmlns:a="http://schemas.openxmlformats.org/drawingml/2006/main" xmlns:r="http://schemas.openxmlformats.org/officeDocument/2006/relationships" xmlns:p="http://schemas.openxmlformats.org/presentationml/2006/main">
-  <p:tag name="DVSHAPEID" val="KnXL4ZgmA8MWXlj0YS4Kp0"/>
-</p:tagLst>
-</file>
-
-<file path=ppt/tags/tag140.xml><?xml version="1.0" encoding="utf-8"?>
+<file path=ppt/tags/tag148.xml><?xml version="1.0" encoding="utf-8"?>
 <p:tagLst xmlns:a="http://schemas.openxmlformats.org/drawingml/2006/main" xmlns:r="http://schemas.openxmlformats.org/officeDocument/2006/relationships" xmlns:p="http://schemas.openxmlformats.org/presentationml/2006/main">
   <p:tag name="DVSHAPEID" val="8i2fo8awALFANsHQDNHA2R"/>
 </p:tagLst>
 </file>
 
-<file path=ppt/tags/tag141.xml><?xml version="1.0" encoding="utf-8"?>
+<file path=ppt/tags/tag149.xml><?xml version="1.0" encoding="utf-8"?>
 <p:tagLst xmlns:a="http://schemas.openxmlformats.org/drawingml/2006/main" xmlns:r="http://schemas.openxmlformats.org/officeDocument/2006/relationships" xmlns:p="http://schemas.openxmlformats.org/presentationml/2006/main">
   <p:tag name="DVSHAPEID" val="Dflto2W4qjeFZXSeEJ5fyZ"/>
 </p:tagLst>
 </file>
 
-<file path=ppt/tags/tag142.xml><?xml version="1.0" encoding="utf-8"?>
+<file path=ppt/tags/tag15.xml><?xml version="1.0" encoding="utf-8"?>
+<p:tagLst xmlns:a="http://schemas.openxmlformats.org/drawingml/2006/main" xmlns:r="http://schemas.openxmlformats.org/officeDocument/2006/relationships" xmlns:p="http://schemas.openxmlformats.org/presentationml/2006/main">
+  <p:tag name="DVSHAPEID" val="iGGak4lS9nmHs47EW99Ld0"/>
+</p:tagLst>
+</file>
+
+<file path=ppt/tags/tag150.xml><?xml version="1.0" encoding="utf-8"?>
+<p:tagLst xmlns:a="http://schemas.openxmlformats.org/drawingml/2006/main" xmlns:r="http://schemas.openxmlformats.org/officeDocument/2006/relationships" xmlns:p="http://schemas.openxmlformats.org/presentationml/2006/main">
+  <p:tag name="DVSHAPEID" val="p2oOxPMZMceYsyqheKdCA6"/>
+</p:tagLst>
+</file>
+
+<file path=ppt/tags/tag151.xml><?xml version="1.0" encoding="utf-8"?>
 <p:tagLst xmlns:a="http://schemas.openxmlformats.org/drawingml/2006/main" xmlns:r="http://schemas.openxmlformats.org/officeDocument/2006/relationships" xmlns:p="http://schemas.openxmlformats.org/presentationml/2006/main">
   <p:tag name="DVSECTIONID" val="oSQbi3NdUPJ4fw0dhDEfXH"/>
 </p:tagLst>
 </file>
 
-<file path=ppt/tags/tag143.xml><?xml version="1.0" encoding="utf-8"?>
+<file path=ppt/tags/tag152.xml><?xml version="1.0" encoding="utf-8"?>
 <p:tagLst xmlns:a="http://schemas.openxmlformats.org/drawingml/2006/main" xmlns:r="http://schemas.openxmlformats.org/officeDocument/2006/relationships" xmlns:p="http://schemas.openxmlformats.org/presentationml/2006/main">
   <p:tag name="DVSHAPEID" val="o9jDtoTwgS4hENUUK7Avlm"/>
 </p:tagLst>
 </file>
 
-<file path=ppt/tags/tag144.xml><?xml version="1.0" encoding="utf-8"?>
+<file path=ppt/tags/tag153.xml><?xml version="1.0" encoding="utf-8"?>
 <p:tagLst xmlns:a="http://schemas.openxmlformats.org/drawingml/2006/main" xmlns:r="http://schemas.openxmlformats.org/officeDocument/2006/relationships" xmlns:p="http://schemas.openxmlformats.org/presentationml/2006/main">
   <p:tag name="DVSHAPEID" val="l8tJXo9YvNiDRbaKyxaT2m"/>
 </p:tagLst>
 </file>
 
-<file path=ppt/tags/tag145.xml><?xml version="1.0" encoding="utf-8"?>
+<file path=ppt/tags/tag154.xml><?xml version="1.0" encoding="utf-8"?>
 <p:tagLst xmlns:a="http://schemas.openxmlformats.org/drawingml/2006/main" xmlns:r="http://schemas.openxmlformats.org/officeDocument/2006/relationships" xmlns:p="http://schemas.openxmlformats.org/presentationml/2006/main">
   <p:tag name="DVSHAPEID" val="AHi5kJYXE2E1NaaKrvnhmg"/>
 </p:tagLst>
 </file>
 
-<file path=ppt/tags/tag146.xml><?xml version="1.0" encoding="utf-8"?>
+<file path=ppt/tags/tag155.xml><?xml version="1.0" encoding="utf-8"?>
 <p:tagLst xmlns:a="http://schemas.openxmlformats.org/drawingml/2006/main" xmlns:r="http://schemas.openxmlformats.org/officeDocument/2006/relationships" xmlns:p="http://schemas.openxmlformats.org/presentationml/2006/main">
   <p:tag name="DVSHAPEID" val="Y0WIK0y2lrjZyLqR3p0y8g"/>
 </p:tagLst>
 </file>
 
-<file path=ppt/tags/tag147.xml><?xml version="1.0" encoding="utf-8"?>
+<file path=ppt/tags/tag156.xml><?xml version="1.0" encoding="utf-8"?>
 <p:tagLst xmlns:a="http://schemas.openxmlformats.org/drawingml/2006/main" xmlns:r="http://schemas.openxmlformats.org/officeDocument/2006/relationships" xmlns:p="http://schemas.openxmlformats.org/presentationml/2006/main">
   <p:tag name="DVSHAPEID" val="ZPoZAO6EvKZjJh9CYYoCGc"/>
 </p:tagLst>
 </file>
 
-<file path=ppt/tags/tag148.xml><?xml version="1.0" encoding="utf-8"?>
+<file path=ppt/tags/tag157.xml><?xml version="1.0" encoding="utf-8"?>
 <p:tagLst xmlns:a="http://schemas.openxmlformats.org/drawingml/2006/main" xmlns:r="http://schemas.openxmlformats.org/officeDocument/2006/relationships" xmlns:p="http://schemas.openxmlformats.org/presentationml/2006/main">
   <p:tag name="DVSHAPEID" val="HOCojzrXhO8I16kLqJVHVz"/>
 </p:tagLst>
 </file>
 
-<file path=ppt/tags/tag149.xml><?xml version="1.0" encoding="utf-8"?>
+<file path=ppt/tags/tag158.xml><?xml version="1.0" encoding="utf-8"?>
 <p:tagLst xmlns:a="http://schemas.openxmlformats.org/drawingml/2006/main" xmlns:r="http://schemas.openxmlformats.org/officeDocument/2006/relationships" xmlns:p="http://schemas.openxmlformats.org/presentationml/2006/main">
   <p:tag name="DVSHAPEID" val="Ze29Irr29wzM8znbvxdyta"/>
 </p:tagLst>
 </file>
 
-<file path=ppt/tags/tag15.xml><?xml version="1.0" encoding="utf-8"?>
-<p:tagLst xmlns:a="http://schemas.openxmlformats.org/drawingml/2006/main" xmlns:r="http://schemas.openxmlformats.org/officeDocument/2006/relationships" xmlns:p="http://schemas.openxmlformats.org/presentationml/2006/main">
-  <p:tag name="DVSHAPEID" val="iGGak4lS9nmHs47EW99Ld0"/>
-</p:tagLst>
-</file>
-
-<file path=ppt/tags/tag150.xml><?xml version="1.0" encoding="utf-8"?>
+<file path=ppt/tags/tag159.xml><?xml version="1.0" encoding="utf-8"?>
+<p:tagLst xmlns:a="http://schemas.openxmlformats.org/drawingml/2006/main" xmlns:r="http://schemas.openxmlformats.org/officeDocument/2006/relationships" xmlns:p="http://schemas.openxmlformats.org/presentationml/2006/main">
+  <p:tag name="DVSHAPEID" val="8syg7v5r9aSa8fHpfEkeqR"/>
+</p:tagLst>
+</file>
+
+<file path=ppt/tags/tag16.xml><?xml version="1.0" encoding="utf-8"?>
+<p:tagLst xmlns:a="http://schemas.openxmlformats.org/drawingml/2006/main" xmlns:r="http://schemas.openxmlformats.org/officeDocument/2006/relationships" xmlns:p="http://schemas.openxmlformats.org/presentationml/2006/main">
+  <p:tag name="DVSHAPEID" val="OZkIki0qyjeK5g5UFb1HZo"/>
+</p:tagLst>
+</file>
+
+<file path=ppt/tags/tag160.xml><?xml version="1.0" encoding="utf-8"?>
 <p:tagLst xmlns:a="http://schemas.openxmlformats.org/drawingml/2006/main" xmlns:r="http://schemas.openxmlformats.org/officeDocument/2006/relationships" xmlns:p="http://schemas.openxmlformats.org/presentationml/2006/main">
   <p:tag name="DVSECTIONID" val="WcyN6Dvxt0g3OB9sr6hpHI"/>
 </p:tagLst>
 </file>
 
-<file path=ppt/tags/tag151.xml><?xml version="1.0" encoding="utf-8"?>
+<file path=ppt/tags/tag161.xml><?xml version="1.0" encoding="utf-8"?>
 <p:tagLst xmlns:a="http://schemas.openxmlformats.org/drawingml/2006/main" xmlns:r="http://schemas.openxmlformats.org/officeDocument/2006/relationships" xmlns:p="http://schemas.openxmlformats.org/presentationml/2006/main">
   <p:tag name="DVSHAPEID" val="b0g2icxEGZh8OnmaQZweFB"/>
 </p:tagLst>
 </file>
 
-<file path=ppt/tags/tag152.xml><?xml version="1.0" encoding="utf-8"?>
+<file path=ppt/tags/tag162.xml><?xml version="1.0" encoding="utf-8"?>
 <p:tagLst xmlns:a="http://schemas.openxmlformats.org/drawingml/2006/main" xmlns:r="http://schemas.openxmlformats.org/officeDocument/2006/relationships" xmlns:p="http://schemas.openxmlformats.org/presentationml/2006/main">
   <p:tag name="DVSHAPEID" val="9fYKneeotn5P31SF9euuPz"/>
 </p:tagLst>
 </file>
 
-<file path=ppt/tags/tag153.xml><?xml version="1.0" encoding="utf-8"?>
+<file path=ppt/tags/tag163.xml><?xml version="1.0" encoding="utf-8"?>
+<p:tagLst xmlns:a="http://schemas.openxmlformats.org/drawingml/2006/main" xmlns:r="http://schemas.openxmlformats.org/officeDocument/2006/relationships" xmlns:p="http://schemas.openxmlformats.org/presentationml/2006/main">
+  <p:tag name="DVSHAPEID" val="0FZgJJXfl9GjUVggIhUl24"/>
+</p:tagLst>
+</file>
+
+<file path=ppt/tags/tag164.xml><?xml version="1.0" encoding="utf-8"?>
 <p:tagLst xmlns:a="http://schemas.openxmlformats.org/drawingml/2006/main" xmlns:r="http://schemas.openxmlformats.org/officeDocument/2006/relationships" xmlns:p="http://schemas.openxmlformats.org/presentationml/2006/main">
   <p:tag name="DVSECTIONID" val="tKcTPHZr8IhHWDDuXaInlI"/>
 </p:tagLst>
 </file>
 
-<file path=ppt/tags/tag154.xml><?xml version="1.0" encoding="utf-8"?>
+<file path=ppt/tags/tag165.xml><?xml version="1.0" encoding="utf-8"?>
 <p:tagLst xmlns:a="http://schemas.openxmlformats.org/drawingml/2006/main" xmlns:r="http://schemas.openxmlformats.org/officeDocument/2006/relationships" xmlns:p="http://schemas.openxmlformats.org/presentationml/2006/main">
   <p:tag name="DVSHAPEID" val="vZLZPlGd1evzR04xOjqivT"/>
 </p:tagLst>
 </file>
 
-<file path=ppt/tags/tag155.xml><?xml version="1.0" encoding="utf-8"?>
+<file path=ppt/tags/tag166.xml><?xml version="1.0" encoding="utf-8"?>
 <p:tagLst xmlns:a="http://schemas.openxmlformats.org/drawingml/2006/main" xmlns:r="http://schemas.openxmlformats.org/officeDocument/2006/relationships" xmlns:p="http://schemas.openxmlformats.org/presentationml/2006/main">
   <p:tag name="DVSHAPEID" val="2ZjkhaQhKbLzJYZooTHglQ"/>
 </p:tagLst>
 </file>
 
-<file path=ppt/tags/tag156.xml><?xml version="1.0" encoding="utf-8"?>
+<file path=ppt/tags/tag167.xml><?xml version="1.0" encoding="utf-8"?>
+<p:tagLst xmlns:a="http://schemas.openxmlformats.org/drawingml/2006/main" xmlns:r="http://schemas.openxmlformats.org/officeDocument/2006/relationships" xmlns:p="http://schemas.openxmlformats.org/presentationml/2006/main">
+  <p:tag name="DVSHAPEID" val="6iqbzPvzhmGhrShQLltTPJ"/>
+</p:tagLst>
+</file>
+
+<file path=ppt/tags/tag168.xml><?xml version="1.0" encoding="utf-8"?>
+<p:tagLst xmlns:a="http://schemas.openxmlformats.org/drawingml/2006/main" xmlns:r="http://schemas.openxmlformats.org/officeDocument/2006/relationships" xmlns:p="http://schemas.openxmlformats.org/presentationml/2006/main">
+  <p:tag name="DVSECTIONID" val="5Hp2pKMRrKl0tuFBv6RiQ4"/>
+</p:tagLst>
+</file>
+
+<file path=ppt/tags/tag169.xml><?xml version="1.0" encoding="utf-8"?>
+<p:tagLst xmlns:a="http://schemas.openxmlformats.org/drawingml/2006/main" xmlns:r="http://schemas.openxmlformats.org/officeDocument/2006/relationships" xmlns:p="http://schemas.openxmlformats.org/presentationml/2006/main">
+  <p:tag name="DVSHAPEID" val="tPlM9YW3k4OWzHQya8JMRk"/>
+</p:tagLst>
+</file>
+
+<file path=ppt/tags/tag17.xml><?xml version="1.0" encoding="utf-8"?>
+<p:tagLst xmlns:a="http://schemas.openxmlformats.org/drawingml/2006/main" xmlns:r="http://schemas.openxmlformats.org/officeDocument/2006/relationships" xmlns:p="http://schemas.openxmlformats.org/presentationml/2006/main">
+  <p:tag name="DVSHAPEID" val="zfTfSjWUAENhSGQCK2SIP2"/>
+</p:tagLst>
+</file>
+
+<file path=ppt/tags/tag170.xml><?xml version="1.0" encoding="utf-8"?>
+<p:tagLst xmlns:a="http://schemas.openxmlformats.org/drawingml/2006/main" xmlns:r="http://schemas.openxmlformats.org/officeDocument/2006/relationships" xmlns:p="http://schemas.openxmlformats.org/presentationml/2006/main">
+  <p:tag name="DVSHAPEID" val="DDunZSvyR9emPBPNFxCe2B"/>
+</p:tagLst>
+</file>
+
+<file path=ppt/tags/tag171.xml><?xml version="1.0" encoding="utf-8"?>
+<p:tagLst xmlns:a="http://schemas.openxmlformats.org/drawingml/2006/main" xmlns:r="http://schemas.openxmlformats.org/officeDocument/2006/relationships" xmlns:p="http://schemas.openxmlformats.org/presentationml/2006/main">
+  <p:tag name="DVSHAPEID" val="sujAZcbla3R8bHhMY3xLcF"/>
+</p:tagLst>
+</file>
+
+<file path=ppt/tags/tag172.xml><?xml version="1.0" encoding="utf-8"?>
+<p:tagLst xmlns:a="http://schemas.openxmlformats.org/drawingml/2006/main" xmlns:r="http://schemas.openxmlformats.org/officeDocument/2006/relationships" xmlns:p="http://schemas.openxmlformats.org/presentationml/2006/main">
+  <p:tag name="DVSECTIONID" val="XOZRQmDFsT4nGRcj7QnP6K"/>
+</p:tagLst>
+</file>
+
+<file path=ppt/tags/tag173.xml><?xml version="1.0" encoding="utf-8"?>
+<p:tagLst xmlns:a="http://schemas.openxmlformats.org/drawingml/2006/main" xmlns:r="http://schemas.openxmlformats.org/officeDocument/2006/relationships" xmlns:p="http://schemas.openxmlformats.org/presentationml/2006/main">
+  <p:tag name="DVSHAPEID" val="HcRfImsb9Di1aZ3pSimwYb"/>
+</p:tagLst>
+</file>
+
+<file path=ppt/tags/tag174.xml><?xml version="1.0" encoding="utf-8"?>
+<p:tagLst xmlns:a="http://schemas.openxmlformats.org/drawingml/2006/main" xmlns:r="http://schemas.openxmlformats.org/officeDocument/2006/relationships" xmlns:p="http://schemas.openxmlformats.org/presentationml/2006/main">
+  <p:tag name="DVSHAPEID" val="vGp8vTyzGgpNM6IJuPSYTe"/>
+</p:tagLst>
+</file>
+
+<file path=ppt/tags/tag175.xml><?xml version="1.0" encoding="utf-8"?>
+<p:tagLst xmlns:a="http://schemas.openxmlformats.org/drawingml/2006/main" xmlns:r="http://schemas.openxmlformats.org/officeDocument/2006/relationships" xmlns:p="http://schemas.openxmlformats.org/presentationml/2006/main">
+  <p:tag name="DVSHAPEID" val="QaxiIzafoGGwHbQAQzDzW1"/>
+</p:tagLst>
+</file>
+
+<file path=ppt/tags/tag176.xml><?xml version="1.0" encoding="utf-8"?>
+<p:tagLst xmlns:a="http://schemas.openxmlformats.org/drawingml/2006/main" xmlns:r="http://schemas.openxmlformats.org/officeDocument/2006/relationships" xmlns:p="http://schemas.openxmlformats.org/presentationml/2006/main">
+  <p:tag name="DVSHAPEID" val="CmcWG9OxD0ihPeAdaZorSI"/>
+</p:tagLst>
+</file>
+
+<file path=ppt/tags/tag177.xml><?xml version="1.0" encoding="utf-8"?>
+<p:tagLst xmlns:a="http://schemas.openxmlformats.org/drawingml/2006/main" xmlns:r="http://schemas.openxmlformats.org/officeDocument/2006/relationships" xmlns:p="http://schemas.openxmlformats.org/presentationml/2006/main">
+  <p:tag name="DVSHAPEID" val="7gpwTTYjljhPya6MS1qR2G"/>
+</p:tagLst>
+</file>
+
+<file path=ppt/tags/tag178.xml><?xml version="1.0" encoding="utf-8"?>
 <p:tagLst xmlns:a="http://schemas.openxmlformats.org/drawingml/2006/main" xmlns:r="http://schemas.openxmlformats.org/officeDocument/2006/relationships" xmlns:p="http://schemas.openxmlformats.org/presentationml/2006/main">
   <p:tag name="DVSECTIONID" val="OcIp3OcxXx0dIOBcNNy1Sx"/>
 </p:tagLst>
 </file>
 
-<file path=ppt/tags/tag157.xml><?xml version="1.0" encoding="utf-8"?>
+<file path=ppt/tags/tag179.xml><?xml version="1.0" encoding="utf-8"?>
+<p:tagLst xmlns:a="http://schemas.openxmlformats.org/drawingml/2006/main" xmlns:r="http://schemas.openxmlformats.org/officeDocument/2006/relationships" xmlns:p="http://schemas.openxmlformats.org/presentationml/2006/main">
+  <p:tag name="DVSHAPEID" val="epmBZDpEbu8TfVwagUykEY"/>
+</p:tagLst>
+</file>
+
+<file path=ppt/tags/tag18.xml><?xml version="1.0" encoding="utf-8"?>
+<p:tagLst xmlns:a="http://schemas.openxmlformats.org/drawingml/2006/main" xmlns:r="http://schemas.openxmlformats.org/officeDocument/2006/relationships" xmlns:p="http://schemas.openxmlformats.org/presentationml/2006/main">
+  <p:tag name="DVSHAPEID" val="tIYRz2uXKw1pp4P5qGuDIz"/>
+</p:tagLst>
+</file>
+
+<file path=ppt/tags/tag180.xml><?xml version="1.0" encoding="utf-8"?>
 <p:tagLst xmlns:a="http://schemas.openxmlformats.org/drawingml/2006/main" xmlns:r="http://schemas.openxmlformats.org/officeDocument/2006/relationships" xmlns:p="http://schemas.openxmlformats.org/presentationml/2006/main">
   <p:tag name="DVSHAPEID" val="ku9RBBpa4x3CXLGu4wmKtk"/>
 </p:tagLst>
 </file>
 
-<file path=ppt/tags/tag158.xml><?xml version="1.0" encoding="utf-8"?>
-<p:tagLst xmlns:a="http://schemas.openxmlformats.org/drawingml/2006/main" xmlns:r="http://schemas.openxmlformats.org/officeDocument/2006/relationships" xmlns:p="http://schemas.openxmlformats.org/presentationml/2006/main">
-  <p:tag name="DVSHAPEID" val="Nih6yqVxAexbFPbpzeRA6e"/>
-</p:tagLst>
-</file>
-
-<file path=ppt/tags/tag159.xml><?xml version="1.0" encoding="utf-8"?>
+<file path=ppt/tags/tag181.xml><?xml version="1.0" encoding="utf-8"?>
 <p:tagLst xmlns:a="http://schemas.openxmlformats.org/drawingml/2006/main" xmlns:r="http://schemas.openxmlformats.org/officeDocument/2006/relationships" xmlns:p="http://schemas.openxmlformats.org/presentationml/2006/main">
   <p:tag name="DVSHAPEID" val="v71dHTObUBn0GQAu3YfwXO"/>
 </p:tagLst>
 </file>
 
-<file path=ppt/tags/tag16.xml><?xml version="1.0" encoding="utf-8"?>
-<p:tagLst xmlns:a="http://schemas.openxmlformats.org/drawingml/2006/main" xmlns:r="http://schemas.openxmlformats.org/officeDocument/2006/relationships" xmlns:p="http://schemas.openxmlformats.org/presentationml/2006/main">
-  <p:tag name="DVSHAPEID" val="OZkIki0qyjeK5g5UFb1HZo"/>
-</p:tagLst>
-</file>
-
-<file path=ppt/tags/tag160.xml><?xml version="1.0" encoding="utf-8"?>
+<file path=ppt/tags/tag182.xml><?xml version="1.0" encoding="utf-8"?>
 <p:tagLst xmlns:a="http://schemas.openxmlformats.org/drawingml/2006/main" xmlns:r="http://schemas.openxmlformats.org/officeDocument/2006/relationships" xmlns:p="http://schemas.openxmlformats.org/presentationml/2006/main">
   <p:tag name="DVSHAPEID" val="4L6QjEW7STdzN95kI1IokW"/>
 </p:tagLst>
 </file>
 
-<file path=ppt/tags/tag161.xml><?xml version="1.0" encoding="utf-8"?>
+<file path=ppt/tags/tag183.xml><?xml version="1.0" encoding="utf-8"?>
 <p:tagLst xmlns:a="http://schemas.openxmlformats.org/drawingml/2006/main" xmlns:r="http://schemas.openxmlformats.org/officeDocument/2006/relationships" xmlns:p="http://schemas.openxmlformats.org/presentationml/2006/main">
   <p:tag name="DVSHAPEID" val="OF8kO5bSkAgG3g7RAaeMIt"/>
 </p:tagLst>
 </file>
 
-<file path=ppt/tags/tag162.xml><?xml version="1.0" encoding="utf-8"?>
+<file path=ppt/tags/tag184.xml><?xml version="1.0" encoding="utf-8"?>
 <p:tagLst xmlns:a="http://schemas.openxmlformats.org/drawingml/2006/main" xmlns:r="http://schemas.openxmlformats.org/officeDocument/2006/relationships" xmlns:p="http://schemas.openxmlformats.org/presentationml/2006/main">
   <p:tag name="DVSHAPEID" val="N73roIgdOyu8WrHYPRW0zC"/>
 </p:tagLst>
 </file>
 
-<file path=ppt/tags/tag163.xml><?xml version="1.0" encoding="utf-8"?>
+<file path=ppt/tags/tag185.xml><?xml version="1.0" encoding="utf-8"?>
 <p:tagLst xmlns:a="http://schemas.openxmlformats.org/drawingml/2006/main" xmlns:r="http://schemas.openxmlformats.org/officeDocument/2006/relationships" xmlns:p="http://schemas.openxmlformats.org/presentationml/2006/main">
   <p:tag name="DVSHAPEID" val="i65PdRryaydlR1gnGtC6MI"/>
 </p:tagLst>
 </file>
 
-<file path=ppt/tags/tag164.xml><?xml version="1.0" encoding="utf-8"?>
+<file path=ppt/tags/tag186.xml><?xml version="1.0" encoding="utf-8"?>
 <p:tagLst xmlns:a="http://schemas.openxmlformats.org/drawingml/2006/main" xmlns:r="http://schemas.openxmlformats.org/officeDocument/2006/relationships" xmlns:p="http://schemas.openxmlformats.org/presentationml/2006/main">
   <p:tag name="DVSHAPEID" val="cVjGaBknPITaOXlzvoMgoV"/>
 </p:tagLst>
 </file>
 
-<file path=ppt/tags/tag165.xml><?xml version="1.0" encoding="utf-8"?>
+<file path=ppt/tags/tag187.xml><?xml version="1.0" encoding="utf-8"?>
 <p:tagLst xmlns:a="http://schemas.openxmlformats.org/drawingml/2006/main" xmlns:r="http://schemas.openxmlformats.org/officeDocument/2006/relationships" xmlns:p="http://schemas.openxmlformats.org/presentationml/2006/main">
   <p:tag name="DVSHAPEID" val="UAzFHsatnsQAUavwGPdMIv"/>
 </p:tagLst>
 </file>
 
-<file path=ppt/tags/tag166.xml><?xml version="1.0" encoding="utf-8"?>
+<file path=ppt/tags/tag188.xml><?xml version="1.0" encoding="utf-8"?>
 <p:tagLst xmlns:a="http://schemas.openxmlformats.org/drawingml/2006/main" xmlns:r="http://schemas.openxmlformats.org/officeDocument/2006/relationships" xmlns:p="http://schemas.openxmlformats.org/presentationml/2006/main">
   <p:tag name="DVSHAPEID" val="rHcj16Xdjvjg0J7uTRcmkr"/>
 </p:tagLst>
 </file>
 
-<file path=ppt/tags/tag167.xml><?xml version="1.0" encoding="utf-8"?>
+<file path=ppt/tags/tag189.xml><?xml version="1.0" encoding="utf-8"?>
+<p:tagLst xmlns:a="http://schemas.openxmlformats.org/drawingml/2006/main" xmlns:r="http://schemas.openxmlformats.org/officeDocument/2006/relationships" xmlns:p="http://schemas.openxmlformats.org/presentationml/2006/main">
+  <p:tag name="DVSHAPEID" val="ZZGq6n6n11Gq2ZahTlUH8N"/>
+</p:tagLst>
+</file>
+
+<file path=ppt/tags/tag19.xml><?xml version="1.0" encoding="utf-8"?>
+<p:tagLst xmlns:a="http://schemas.openxmlformats.org/drawingml/2006/main" xmlns:r="http://schemas.openxmlformats.org/officeDocument/2006/relationships" xmlns:p="http://schemas.openxmlformats.org/presentationml/2006/main">
+  <p:tag name="DVSHAPEID" val="WOoo32rYPhzxLbg1KUqDUg"/>
+</p:tagLst>
+</file>
+
+<file path=ppt/tags/tag190.xml><?xml version="1.0" encoding="utf-8"?>
 <p:tagLst xmlns:a="http://schemas.openxmlformats.org/drawingml/2006/main" xmlns:r="http://schemas.openxmlformats.org/officeDocument/2006/relationships" xmlns:p="http://schemas.openxmlformats.org/presentationml/2006/main">
   <p:tag name="DVSECTIONID" val="L7FvOX97GjmLVZbqDaeALJ"/>
 </p:tagLst>
 </file>
 
-<file path=ppt/tags/tag168.xml><?xml version="1.0" encoding="utf-8"?>
+<file path=ppt/tags/tag191.xml><?xml version="1.0" encoding="utf-8"?>
 <p:tagLst xmlns:a="http://schemas.openxmlformats.org/drawingml/2006/main" xmlns:r="http://schemas.openxmlformats.org/officeDocument/2006/relationships" xmlns:p="http://schemas.openxmlformats.org/presentationml/2006/main">
   <p:tag name="DVSHAPEID" val="je2a4YHW2Bcp8Rtnr4va8k"/>
 </p:tagLst>
 </file>
 
-<file path=ppt/tags/tag169.xml><?xml version="1.0" encoding="utf-8"?>
+<file path=ppt/tags/tag192.xml><?xml version="1.0" encoding="utf-8"?>
 <p:tagLst xmlns:a="http://schemas.openxmlformats.org/drawingml/2006/main" xmlns:r="http://schemas.openxmlformats.org/officeDocument/2006/relationships" xmlns:p="http://schemas.openxmlformats.org/presentationml/2006/main">
   <p:tag name="DVSHAPEID" val="gDaLpcWlzma0nYhQ2ZvmtH"/>
 </p:tagLst>
 </file>
 
-<file path=ppt/tags/tag17.xml><?xml version="1.0" encoding="utf-8"?>
-<p:tagLst xmlns:a="http://schemas.openxmlformats.org/drawingml/2006/main" xmlns:r="http://schemas.openxmlformats.org/officeDocument/2006/relationships" xmlns:p="http://schemas.openxmlformats.org/presentationml/2006/main">
-  <p:tag name="DVSHAPEID" val="zfTfSjWUAENhSGQCK2SIP2"/>
-</p:tagLst>
-</file>
-
-<file path=ppt/tags/tag170.xml><?xml version="1.0" encoding="utf-8"?>
+<file path=ppt/tags/tag193.xml><?xml version="1.0" encoding="utf-8"?>
+<p:tagLst xmlns:a="http://schemas.openxmlformats.org/drawingml/2006/main" xmlns:r="http://schemas.openxmlformats.org/officeDocument/2006/relationships" xmlns:p="http://schemas.openxmlformats.org/presentationml/2006/main">
+  <p:tag name="DVSHAPEID" val="GEVafILwiI1fqmVzw1xNt7"/>
+</p:tagLst>
+</file>
+
+<file path=ppt/tags/tag194.xml><?xml version="1.0" encoding="utf-8"?>
 <p:tagLst xmlns:a="http://schemas.openxmlformats.org/drawingml/2006/main" xmlns:r="http://schemas.openxmlformats.org/officeDocument/2006/relationships" xmlns:p="http://schemas.openxmlformats.org/presentationml/2006/main">
   <p:tag name="DVSECTIONID" val="GIVPSLnUPkPgqBJx0fnQQG"/>
 </p:tagLst>
 </file>
 
-<file path=ppt/tags/tag171.xml><?xml version="1.0" encoding="utf-8"?>
+<file path=ppt/tags/tag195.xml><?xml version="1.0" encoding="utf-8"?>
 <p:tagLst xmlns:a="http://schemas.openxmlformats.org/drawingml/2006/main" xmlns:r="http://schemas.openxmlformats.org/officeDocument/2006/relationships" xmlns:p="http://schemas.openxmlformats.org/presentationml/2006/main">
   <p:tag name="DVSHAPEID" val="4BAf1vq8RaiYXp0izv0G2Q"/>
 </p:tagLst>
 </file>
 
-<file path=ppt/tags/tag172.xml><?xml version="1.0" encoding="utf-8"?>
-<p:tagLst xmlns:a="http://schemas.openxmlformats.org/drawingml/2006/main" xmlns:r="http://schemas.openxmlformats.org/officeDocument/2006/relationships" xmlns:p="http://schemas.openxmlformats.org/presentationml/2006/main">
-  <p:tag name="DVSHAPEID" val="e7tu6A1wEMRzzzb9aqVrv0"/>
-</p:tagLst>
-</file>
-
-<file path=ppt/tags/tag173.xml><?xml version="1.0" encoding="utf-8"?>
+<file path=ppt/tags/tag196.xml><?xml version="1.0" encoding="utf-8"?>
+<p:tagLst xmlns:a="http://schemas.openxmlformats.org/drawingml/2006/main" xmlns:r="http://schemas.openxmlformats.org/officeDocument/2006/relationships" xmlns:p="http://schemas.openxmlformats.org/presentationml/2006/main">
+  <p:tag name="DVSHAPEID" val="dOSw0Y0dqXPci1uV8oCuIY"/>
+</p:tagLst>
+</file>
+
+<file path=ppt/tags/tag197.xml><?xml version="1.0" encoding="utf-8"?>
+<p:tagLst xmlns:a="http://schemas.openxmlformats.org/drawingml/2006/main" xmlns:r="http://schemas.openxmlformats.org/officeDocument/2006/relationships" xmlns:p="http://schemas.openxmlformats.org/presentationml/2006/main">
+  <p:tag name="DVSHAPEID" val="pMzNljOS9kjzq6hIIMv4h3"/>
+</p:tagLst>
+</file>
+
+<file path=ppt/tags/tag198.xml><?xml version="1.0" encoding="utf-8"?>
+<p:tagLst xmlns:a="http://schemas.openxmlformats.org/drawingml/2006/main" xmlns:r="http://schemas.openxmlformats.org/officeDocument/2006/relationships" xmlns:p="http://schemas.openxmlformats.org/presentationml/2006/main">
+  <p:tag name="DVSECTIONID" val="rHyrdh4UWTY1KA2yUqeLir"/>
+</p:tagLst>
+</file>
+
+<file path=ppt/tags/tag199.xml><?xml version="1.0" encoding="utf-8"?>
+<p:tagLst xmlns:a="http://schemas.openxmlformats.org/drawingml/2006/main" xmlns:r="http://schemas.openxmlformats.org/officeDocument/2006/relationships" xmlns:p="http://schemas.openxmlformats.org/presentationml/2006/main">
+  <p:tag name="DVSHAPEID" val="qe4T5BS9bYofp5XcCGpxOu"/>
+</p:tagLst>
+</file>
+
+<file path=ppt/tags/tag2.xml><?xml version="1.0" encoding="utf-8"?>
+<p:tagLst xmlns:a="http://schemas.openxmlformats.org/drawingml/2006/main" xmlns:r="http://schemas.openxmlformats.org/officeDocument/2006/relationships" xmlns:p="http://schemas.openxmlformats.org/presentationml/2006/main">
+  <p:tag name="DVSHAPEID" val="S84H4a4PeR62uudp1HyFga"/>
+</p:tagLst>
+</file>
+
+<file path=ppt/tags/tag20.xml><?xml version="1.0" encoding="utf-8"?>
+<p:tagLst xmlns:a="http://schemas.openxmlformats.org/drawingml/2006/main" xmlns:r="http://schemas.openxmlformats.org/officeDocument/2006/relationships" xmlns:p="http://schemas.openxmlformats.org/presentationml/2006/main">
+  <p:tag name="DVSHAPEID" val="gthMMFCbdbjTLasaYrwMHK"/>
+</p:tagLst>
+</file>
+
+<file path=ppt/tags/tag200.xml><?xml version="1.0" encoding="utf-8"?>
+<p:tagLst xmlns:a="http://schemas.openxmlformats.org/drawingml/2006/main" xmlns:r="http://schemas.openxmlformats.org/officeDocument/2006/relationships" xmlns:p="http://schemas.openxmlformats.org/presentationml/2006/main">
+  <p:tag name="DVSHAPEID" val="SJBoDpGPZEGlmlJsec008k"/>
+</p:tagLst>
+</file>
+
+<file path=ppt/tags/tag201.xml><?xml version="1.0" encoding="utf-8"?>
+<p:tagLst xmlns:a="http://schemas.openxmlformats.org/drawingml/2006/main" xmlns:r="http://schemas.openxmlformats.org/officeDocument/2006/relationships" xmlns:p="http://schemas.openxmlformats.org/presentationml/2006/main">
+  <p:tag name="DVSHAPEID" val="abHcLv9OEJfVlkiGXstmYK"/>
+</p:tagLst>
+</file>
+
+<file path=ppt/tags/tag202.xml><?xml version="1.0" encoding="utf-8"?>
 <p:tagLst xmlns:a="http://schemas.openxmlformats.org/drawingml/2006/main" xmlns:r="http://schemas.openxmlformats.org/officeDocument/2006/relationships" xmlns:p="http://schemas.openxmlformats.org/presentationml/2006/main">
   <p:tag name="DVSECTIONID" val="RXSC1nanMhL1qXAZ4oJMu2"/>
 </p:tagLst>
 </file>
 
-<file path=ppt/tags/tag174.xml><?xml version="1.0" encoding="utf-8"?>
+<file path=ppt/tags/tag203.xml><?xml version="1.0" encoding="utf-8"?>
 <p:tagLst xmlns:a="http://schemas.openxmlformats.org/drawingml/2006/main" xmlns:r="http://schemas.openxmlformats.org/officeDocument/2006/relationships" xmlns:p="http://schemas.openxmlformats.org/presentationml/2006/main">
   <p:tag name="DVSHAPEID" val="Io1SQKp0mMFdmtMxpP6kww"/>
 </p:tagLst>
 </file>
 
-<file path=ppt/tags/tag175.xml><?xml version="1.0" encoding="utf-8"?>
+<file path=ppt/tags/tag204.xml><?xml version="1.0" encoding="utf-8"?>
 <p:tagLst xmlns:a="http://schemas.openxmlformats.org/drawingml/2006/main" xmlns:r="http://schemas.openxmlformats.org/officeDocument/2006/relationships" xmlns:p="http://schemas.openxmlformats.org/presentationml/2006/main">
   <p:tag name="DVSHAPEID" val="7nPq7pkALBleo4seKh6Ep5"/>
 </p:tagLst>
 </file>
 
-<file path=ppt/tags/tag18.xml><?xml version="1.0" encoding="utf-8"?>
-<p:tagLst xmlns:a="http://schemas.openxmlformats.org/drawingml/2006/main" xmlns:r="http://schemas.openxmlformats.org/officeDocument/2006/relationships" xmlns:p="http://schemas.openxmlformats.org/presentationml/2006/main">
-  <p:tag name="DVSHAPEID" val="tIYRz2uXKw1pp4P5qGuDIz"/>
-</p:tagLst>
-</file>
-
-<file path=ppt/tags/tag19.xml><?xml version="1.0" encoding="utf-8"?>
-<p:tagLst xmlns:a="http://schemas.openxmlformats.org/drawingml/2006/main" xmlns:r="http://schemas.openxmlformats.org/officeDocument/2006/relationships" xmlns:p="http://schemas.openxmlformats.org/presentationml/2006/main">
-  <p:tag name="DVSHAPEID" val="WOoo32rYPhzxLbg1KUqDUg"/>
-</p:tagLst>
-</file>
-
-<file path=ppt/tags/tag2.xml><?xml version="1.0" encoding="utf-8"?>
-<p:tagLst xmlns:a="http://schemas.openxmlformats.org/drawingml/2006/main" xmlns:r="http://schemas.openxmlformats.org/officeDocument/2006/relationships" xmlns:p="http://schemas.openxmlformats.org/presentationml/2006/main">
-  <p:tag name="DVSHAPEID" val="S84H4a4PeR62uudp1HyFga"/>
-</p:tagLst>
-</file>
-
-<file path=ppt/tags/tag20.xml><?xml version="1.0" encoding="utf-8"?>
-<p:tagLst xmlns:a="http://schemas.openxmlformats.org/drawingml/2006/main" xmlns:r="http://schemas.openxmlformats.org/officeDocument/2006/relationships" xmlns:p="http://schemas.openxmlformats.org/presentationml/2006/main">
-  <p:tag name="DVSHAPEID" val="gthMMFCbdbjTLasaYrwMHK"/>
+<file path=ppt/tags/tag205.xml><?xml version="1.0" encoding="utf-8"?>
+<p:tagLst xmlns:a="http://schemas.openxmlformats.org/drawingml/2006/main" xmlns:r="http://schemas.openxmlformats.org/officeDocument/2006/relationships" xmlns:p="http://schemas.openxmlformats.org/presentationml/2006/main">
+  <p:tag name="DVSHAPEID" val="y3IBtascxOlxypGrEaFbZW"/>
 </p:tagLst>
 </file>
 
@@ -8766,193 +11690,193 @@
 
 <file path=ppt/tags/tag70.xml><?xml version="1.0" encoding="utf-8"?>
 <p:tagLst xmlns:a="http://schemas.openxmlformats.org/drawingml/2006/main" xmlns:r="http://schemas.openxmlformats.org/officeDocument/2006/relationships" xmlns:p="http://schemas.openxmlformats.org/presentationml/2006/main">
+  <p:tag name="DVSHAPEID" val="pV9HGRPa8HpWLbajUKalQd"/>
+</p:tagLst>
+</file>
+
+<file path=ppt/tags/tag71.xml><?xml version="1.0" encoding="utf-8"?>
+<p:tagLst xmlns:a="http://schemas.openxmlformats.org/drawingml/2006/main" xmlns:r="http://schemas.openxmlformats.org/officeDocument/2006/relationships" xmlns:p="http://schemas.openxmlformats.org/presentationml/2006/main">
   <p:tag name="DVSECTIONID" val="al3NANEPSc33uauFQAsZyw"/>
 </p:tagLst>
 </file>
 
-<file path=ppt/tags/tag71.xml><?xml version="1.0" encoding="utf-8"?>
+<file path=ppt/tags/tag72.xml><?xml version="1.0" encoding="utf-8"?>
 <p:tagLst xmlns:a="http://schemas.openxmlformats.org/drawingml/2006/main" xmlns:r="http://schemas.openxmlformats.org/officeDocument/2006/relationships" xmlns:p="http://schemas.openxmlformats.org/presentationml/2006/main">
   <p:tag name="DVSHAPEID" val="TvSFdO9rRsMCIhGihyK8KC"/>
 </p:tagLst>
 </file>
 
-<file path=ppt/tags/tag72.xml><?xml version="1.0" encoding="utf-8"?>
+<file path=ppt/tags/tag73.xml><?xml version="1.0" encoding="utf-8"?>
 <p:tagLst xmlns:a="http://schemas.openxmlformats.org/drawingml/2006/main" xmlns:r="http://schemas.openxmlformats.org/officeDocument/2006/relationships" xmlns:p="http://schemas.openxmlformats.org/presentationml/2006/main">
   <p:tag name="DVSHAPEID" val="CW6DDHLZWGmyKx1ly7VxZz"/>
 </p:tagLst>
 </file>
 
-<file path=ppt/tags/tag73.xml><?xml version="1.0" encoding="utf-8"?>
+<file path=ppt/tags/tag74.xml><?xml version="1.0" encoding="utf-8"?>
 <p:tagLst xmlns:a="http://schemas.openxmlformats.org/drawingml/2006/main" xmlns:r="http://schemas.openxmlformats.org/officeDocument/2006/relationships" xmlns:p="http://schemas.openxmlformats.org/presentationml/2006/main">
   <p:tag name="DVSHAPEID" val="y1kpBi3RBF0hSWzAbsFRv5"/>
 </p:tagLst>
 </file>
 
-<file path=ppt/tags/tag74.xml><?xml version="1.0" encoding="utf-8"?>
+<file path=ppt/tags/tag75.xml><?xml version="1.0" encoding="utf-8"?>
 <p:tagLst xmlns:a="http://schemas.openxmlformats.org/drawingml/2006/main" xmlns:r="http://schemas.openxmlformats.org/officeDocument/2006/relationships" xmlns:p="http://schemas.openxmlformats.org/presentationml/2006/main">
   <p:tag name="DVSHAPEID" val="gax9hW0DddC3o5jd5tW45G"/>
 </p:tagLst>
 </file>
 
-<file path=ppt/tags/tag75.xml><?xml version="1.0" encoding="utf-8"?>
+<file path=ppt/tags/tag76.xml><?xml version="1.0" encoding="utf-8"?>
 <p:tagLst xmlns:a="http://schemas.openxmlformats.org/drawingml/2006/main" xmlns:r="http://schemas.openxmlformats.org/officeDocument/2006/relationships" xmlns:p="http://schemas.openxmlformats.org/presentationml/2006/main">
   <p:tag name="DVSHAPEID" val="xsE4LYVsR73sK9Ss06RYrN"/>
 </p:tagLst>
 </file>
 
-<file path=ppt/tags/tag76.xml><?xml version="1.0" encoding="utf-8"?>
+<file path=ppt/tags/tag77.xml><?xml version="1.0" encoding="utf-8"?>
 <p:tagLst xmlns:a="http://schemas.openxmlformats.org/drawingml/2006/main" xmlns:r="http://schemas.openxmlformats.org/officeDocument/2006/relationships" xmlns:p="http://schemas.openxmlformats.org/presentationml/2006/main">
   <p:tag name="DVSHAPEID" val="FOyugXmcVq0zD4udb1HKmv"/>
 </p:tagLst>
 </file>
 
-<file path=ppt/tags/tag77.xml><?xml version="1.0" encoding="utf-8"?>
+<file path=ppt/tags/tag78.xml><?xml version="1.0" encoding="utf-8"?>
 <p:tagLst xmlns:a="http://schemas.openxmlformats.org/drawingml/2006/main" xmlns:r="http://schemas.openxmlformats.org/officeDocument/2006/relationships" xmlns:p="http://schemas.openxmlformats.org/presentationml/2006/main">
   <p:tag name="DVSHAPEID" val="0Vk9lDtQd6fKNQwgHY5EcC"/>
 </p:tagLst>
 </file>
 
-<file path=ppt/tags/tag78.xml><?xml version="1.0" encoding="utf-8"?>
+<file path=ppt/tags/tag79.xml><?xml version="1.0" encoding="utf-8"?>
+<p:tagLst xmlns:a="http://schemas.openxmlformats.org/drawingml/2006/main" xmlns:r="http://schemas.openxmlformats.org/officeDocument/2006/relationships" xmlns:p="http://schemas.openxmlformats.org/presentationml/2006/main">
+  <p:tag name="DVSHAPEID" val="OjmxQt1TT8hY8DWeIxDPfY"/>
+</p:tagLst>
+</file>
+
+<file path=ppt/tags/tag8.xml><?xml version="1.0" encoding="utf-8"?>
+<p:tagLst xmlns:a="http://schemas.openxmlformats.org/drawingml/2006/main" xmlns:r="http://schemas.openxmlformats.org/officeDocument/2006/relationships" xmlns:p="http://schemas.openxmlformats.org/presentationml/2006/main">
+  <p:tag name="DVSHAPEID" val="pqib77YtbW3ZjqYrLzGAMR"/>
+</p:tagLst>
+</file>
+
+<file path=ppt/tags/tag80.xml><?xml version="1.0" encoding="utf-8"?>
 <p:tagLst xmlns:a="http://schemas.openxmlformats.org/drawingml/2006/main" xmlns:r="http://schemas.openxmlformats.org/officeDocument/2006/relationships" xmlns:p="http://schemas.openxmlformats.org/presentationml/2006/main">
   <p:tag name="DVSECTIONID" val="oqXV9lIFbnHJMrSyudh8By"/>
 </p:tagLst>
 </file>
 
-<file path=ppt/tags/tag79.xml><?xml version="1.0" encoding="utf-8"?>
+<file path=ppt/tags/tag81.xml><?xml version="1.0" encoding="utf-8"?>
 <p:tagLst xmlns:a="http://schemas.openxmlformats.org/drawingml/2006/main" xmlns:r="http://schemas.openxmlformats.org/officeDocument/2006/relationships" xmlns:p="http://schemas.openxmlformats.org/presentationml/2006/main">
   <p:tag name="DVSHAPEID" val="rbwNXNUPhHq9OCa7CJJ5dT"/>
 </p:tagLst>
 </file>
 
-<file path=ppt/tags/tag8.xml><?xml version="1.0" encoding="utf-8"?>
-<p:tagLst xmlns:a="http://schemas.openxmlformats.org/drawingml/2006/main" xmlns:r="http://schemas.openxmlformats.org/officeDocument/2006/relationships" xmlns:p="http://schemas.openxmlformats.org/presentationml/2006/main">
-  <p:tag name="DVSHAPEID" val="pqib77YtbW3ZjqYrLzGAMR"/>
-</p:tagLst>
-</file>
-
-<file path=ppt/tags/tag80.xml><?xml version="1.0" encoding="utf-8"?>
+<file path=ppt/tags/tag82.xml><?xml version="1.0" encoding="utf-8"?>
 <p:tagLst xmlns:a="http://schemas.openxmlformats.org/drawingml/2006/main" xmlns:r="http://schemas.openxmlformats.org/officeDocument/2006/relationships" xmlns:p="http://schemas.openxmlformats.org/presentationml/2006/main">
   <p:tag name="DVSHAPEID" val="kThEGVkIEHjot8DyFFVnPy"/>
 </p:tagLst>
 </file>
 
-<file path=ppt/tags/tag81.xml><?xml version="1.0" encoding="utf-8"?>
+<file path=ppt/tags/tag83.xml><?xml version="1.0" encoding="utf-8"?>
 <p:tagLst xmlns:a="http://schemas.openxmlformats.org/drawingml/2006/main" xmlns:r="http://schemas.openxmlformats.org/officeDocument/2006/relationships" xmlns:p="http://schemas.openxmlformats.org/presentationml/2006/main">
   <p:tag name="DVSHAPEID" val="jD1T5zmmV6oxRDvj6Zvy2J"/>
 </p:tagLst>
 </file>
 
-<file path=ppt/tags/tag82.xml><?xml version="1.0" encoding="utf-8"?>
+<file path=ppt/tags/tag84.xml><?xml version="1.0" encoding="utf-8"?>
 <p:tagLst xmlns:a="http://schemas.openxmlformats.org/drawingml/2006/main" xmlns:r="http://schemas.openxmlformats.org/officeDocument/2006/relationships" xmlns:p="http://schemas.openxmlformats.org/presentationml/2006/main">
   <p:tag name="DVSHAPEID" val="Qq82u333aQ4MzECNPKmhLc"/>
 </p:tagLst>
 </file>
 
-<file path=ppt/tags/tag83.xml><?xml version="1.0" encoding="utf-8"?>
+<file path=ppt/tags/tag85.xml><?xml version="1.0" encoding="utf-8"?>
 <p:tagLst xmlns:a="http://schemas.openxmlformats.org/drawingml/2006/main" xmlns:r="http://schemas.openxmlformats.org/officeDocument/2006/relationships" xmlns:p="http://schemas.openxmlformats.org/presentationml/2006/main">
   <p:tag name="DVSHAPEID" val="ZVh03mzVShvzMBK35ijSWy"/>
 </p:tagLst>
 </file>
 
-<file path=ppt/tags/tag84.xml><?xml version="1.0" encoding="utf-8"?>
+<file path=ppt/tags/tag86.xml><?xml version="1.0" encoding="utf-8"?>
 <p:tagLst xmlns:a="http://schemas.openxmlformats.org/drawingml/2006/main" xmlns:r="http://schemas.openxmlformats.org/officeDocument/2006/relationships" xmlns:p="http://schemas.openxmlformats.org/presentationml/2006/main">
   <p:tag name="DVSHAPEID" val="t53RHiaKbKYEqcKt0HteXM"/>
 </p:tagLst>
 </file>
 
-<file path=ppt/tags/tag85.xml><?xml version="1.0" encoding="utf-8"?>
+<file path=ppt/tags/tag87.xml><?xml version="1.0" encoding="utf-8"?>
 <p:tagLst xmlns:a="http://schemas.openxmlformats.org/drawingml/2006/main" xmlns:r="http://schemas.openxmlformats.org/officeDocument/2006/relationships" xmlns:p="http://schemas.openxmlformats.org/presentationml/2006/main">
   <p:tag name="DVSHAPEID" val="g0R02LE3YTgqscXcEgL75L"/>
 </p:tagLst>
 </file>
 
-<file path=ppt/tags/tag86.xml><?xml version="1.0" encoding="utf-8"?>
+<file path=ppt/tags/tag88.xml><?xml version="1.0" encoding="utf-8"?>
 <p:tagLst xmlns:a="http://schemas.openxmlformats.org/drawingml/2006/main" xmlns:r="http://schemas.openxmlformats.org/officeDocument/2006/relationships" xmlns:p="http://schemas.openxmlformats.org/presentationml/2006/main">
   <p:tag name="DVSHAPEID" val="B8ayiCiCoHAGO3ZGgo58L4"/>
 </p:tagLst>
 </file>
 
-<file path=ppt/tags/tag87.xml><?xml version="1.0" encoding="utf-8"?>
+<file path=ppt/tags/tag89.xml><?xml version="1.0" encoding="utf-8"?>
 <p:tagLst xmlns:a="http://schemas.openxmlformats.org/drawingml/2006/main" xmlns:r="http://schemas.openxmlformats.org/officeDocument/2006/relationships" xmlns:p="http://schemas.openxmlformats.org/presentationml/2006/main">
   <p:tag name="DVSHAPEID" val="nZKywO2dtQHvoJPut2Lmvy"/>
 </p:tagLst>
 </file>
 
-<file path=ppt/tags/tag88.xml><?xml version="1.0" encoding="utf-8"?>
+<file path=ppt/tags/tag9.xml><?xml version="1.0" encoding="utf-8"?>
+<p:tagLst xmlns:a="http://schemas.openxmlformats.org/drawingml/2006/main" xmlns:r="http://schemas.openxmlformats.org/officeDocument/2006/relationships" xmlns:p="http://schemas.openxmlformats.org/presentationml/2006/main">
+  <p:tag name="DVSHAPEID" val="E1Sizr52GiC1Ql2ncsLyG4"/>
+</p:tagLst>
+</file>
+
+<file path=ppt/tags/tag90.xml><?xml version="1.0" encoding="utf-8"?>
 <p:tagLst xmlns:a="http://schemas.openxmlformats.org/drawingml/2006/main" xmlns:r="http://schemas.openxmlformats.org/officeDocument/2006/relationships" xmlns:p="http://schemas.openxmlformats.org/presentationml/2006/main">
   <p:tag name="DVSHAPEID" val="QLnTcXZn1XZxKaNK5tzaeK"/>
 </p:tagLst>
 </file>
 
-<file path=ppt/tags/tag89.xml><?xml version="1.0" encoding="utf-8"?>
+<file path=ppt/tags/tag91.xml><?xml version="1.0" encoding="utf-8"?>
 <p:tagLst xmlns:a="http://schemas.openxmlformats.org/drawingml/2006/main" xmlns:r="http://schemas.openxmlformats.org/officeDocument/2006/relationships" xmlns:p="http://schemas.openxmlformats.org/presentationml/2006/main">
   <p:tag name="DVSHAPEID" val="ZjEgRMU3mozP9YaCB4d5OJ"/>
 </p:tagLst>
 </file>
 
-<file path=ppt/tags/tag9.xml><?xml version="1.0" encoding="utf-8"?>
-<p:tagLst xmlns:a="http://schemas.openxmlformats.org/drawingml/2006/main" xmlns:r="http://schemas.openxmlformats.org/officeDocument/2006/relationships" xmlns:p="http://schemas.openxmlformats.org/presentationml/2006/main">
-  <p:tag name="DVSHAPEID" val="E1Sizr52GiC1Ql2ncsLyG4"/>
-</p:tagLst>
-</file>
-
-<file path=ppt/tags/tag90.xml><?xml version="1.0" encoding="utf-8"?>
+<file path=ppt/tags/tag92.xml><?xml version="1.0" encoding="utf-8"?>
 <p:tagLst xmlns:a="http://schemas.openxmlformats.org/drawingml/2006/main" xmlns:r="http://schemas.openxmlformats.org/officeDocument/2006/relationships" xmlns:p="http://schemas.openxmlformats.org/presentationml/2006/main">
   <p:tag name="DVSHAPEID" val="vRYEGJXhNkj6M4eW6dsYAA"/>
 </p:tagLst>
 </file>
 
-<file path=ppt/tags/tag91.xml><?xml version="1.0" encoding="utf-8"?>
+<file path=ppt/tags/tag93.xml><?xml version="1.0" encoding="utf-8"?>
+<p:tagLst xmlns:a="http://schemas.openxmlformats.org/drawingml/2006/main" xmlns:r="http://schemas.openxmlformats.org/officeDocument/2006/relationships" xmlns:p="http://schemas.openxmlformats.org/presentationml/2006/main">
+  <p:tag name="DVSHAPEID" val="PXifMqVBYkpc7Ql80m8eOg"/>
+</p:tagLst>
+</file>
+
+<file path=ppt/tags/tag94.xml><?xml version="1.0" encoding="utf-8"?>
 <p:tagLst xmlns:a="http://schemas.openxmlformats.org/drawingml/2006/main" xmlns:r="http://schemas.openxmlformats.org/officeDocument/2006/relationships" xmlns:p="http://schemas.openxmlformats.org/presentationml/2006/main">
   <p:tag name="DVSECTIONID" val="MhAEe44tv2kDXDQFDi7c0G"/>
 </p:tagLst>
 </file>
 
-<file path=ppt/tags/tag92.xml><?xml version="1.0" encoding="utf-8"?>
+<file path=ppt/tags/tag95.xml><?xml version="1.0" encoding="utf-8"?>
 <p:tagLst xmlns:a="http://schemas.openxmlformats.org/drawingml/2006/main" xmlns:r="http://schemas.openxmlformats.org/officeDocument/2006/relationships" xmlns:p="http://schemas.openxmlformats.org/presentationml/2006/main">
   <p:tag name="DVSHAPEID" val="XV1PzsSuX8VfONhc5b55Bf"/>
 </p:tagLst>
 </file>
 
-<file path=ppt/tags/tag93.xml><?xml version="1.0" encoding="utf-8"?>
+<file path=ppt/tags/tag96.xml><?xml version="1.0" encoding="utf-8"?>
 <p:tagLst xmlns:a="http://schemas.openxmlformats.org/drawingml/2006/main" xmlns:r="http://schemas.openxmlformats.org/officeDocument/2006/relationships" xmlns:p="http://schemas.openxmlformats.org/presentationml/2006/main">
   <p:tag name="DVSHAPEID" val="w3c6nFYZDP9UT3DRaupjma"/>
 </p:tagLst>
 </file>
 
-<file path=ppt/tags/tag94.xml><?xml version="1.0" encoding="utf-8"?>
+<file path=ppt/tags/tag97.xml><?xml version="1.0" encoding="utf-8"?>
 <p:tagLst xmlns:a="http://schemas.openxmlformats.org/drawingml/2006/main" xmlns:r="http://schemas.openxmlformats.org/officeDocument/2006/relationships" xmlns:p="http://schemas.openxmlformats.org/presentationml/2006/main">
   <p:tag name="DVSHAPEID" val="awfrEU7gSvZIpXCs4cvXv6"/>
 </p:tagLst>
 </file>
 
-<file path=ppt/tags/tag95.xml><?xml version="1.0" encoding="utf-8"?>
+<file path=ppt/tags/tag98.xml><?xml version="1.0" encoding="utf-8"?>
 <p:tagLst xmlns:a="http://schemas.openxmlformats.org/drawingml/2006/main" xmlns:r="http://schemas.openxmlformats.org/officeDocument/2006/relationships" xmlns:p="http://schemas.openxmlformats.org/presentationml/2006/main">
   <p:tag name="DVSHAPEID" val="6TTeye1BFiSlTFQW04SnWD"/>
 </p:tagLst>
 </file>
 
-<file path=ppt/tags/tag96.xml><?xml version="1.0" encoding="utf-8"?>
+<file path=ppt/tags/tag99.xml><?xml version="1.0" encoding="utf-8"?>
 <p:tagLst xmlns:a="http://schemas.openxmlformats.org/drawingml/2006/main" xmlns:r="http://schemas.openxmlformats.org/officeDocument/2006/relationships" xmlns:p="http://schemas.openxmlformats.org/presentationml/2006/main">
   <p:tag name="DVSHAPEID" val="VbEFeHqcNpF4qmxqlTehPG"/>
-</p:tagLst>
-</file>
-
-<file path=ppt/tags/tag97.xml><?xml version="1.0" encoding="utf-8"?>
-<p:tagLst xmlns:a="http://schemas.openxmlformats.org/drawingml/2006/main" xmlns:r="http://schemas.openxmlformats.org/officeDocument/2006/relationships" xmlns:p="http://schemas.openxmlformats.org/presentationml/2006/main">
-  <p:tag name="DVSHAPEID" val="P34WB7br579sYIASZkatvt"/>
-</p:tagLst>
-</file>
-
-<file path=ppt/tags/tag98.xml><?xml version="1.0" encoding="utf-8"?>
-<p:tagLst xmlns:a="http://schemas.openxmlformats.org/drawingml/2006/main" xmlns:r="http://schemas.openxmlformats.org/officeDocument/2006/relationships" xmlns:p="http://schemas.openxmlformats.org/presentationml/2006/main">
-  <p:tag name="DVSHAPEID" val="FPeupAIY8FOemABh5i0ljx"/>
-</p:tagLst>
-</file>
-
-<file path=ppt/tags/tag99.xml><?xml version="1.0" encoding="utf-8"?>
-<p:tagLst xmlns:a="http://schemas.openxmlformats.org/drawingml/2006/main" xmlns:r="http://schemas.openxmlformats.org/officeDocument/2006/relationships" xmlns:p="http://schemas.openxmlformats.org/presentationml/2006/main">
-  <p:tag name="DVSHAPEID" val="UYnPPsTU6mblofI7IBI6Zu"/>
 </p:tagLst>
 </file>
 
@@ -9237,4 +12161,289 @@
   <a:objectDefaults/>
   <a:extraClrSchemeLst/>
 </a:theme>
+</file>
+
+<file path=ppt/theme/theme2.xml><?xml version="1.0" encoding="utf-8"?>
+<a:theme xmlns:a="http://schemas.openxmlformats.org/drawingml/2006/main" name="Тема Office">
+  <a:themeElements>
+    <a:clrScheme name="Стандартная">
+      <a:dk1>
+        <a:sysClr val="windowText" lastClr="000000"/>
+      </a:dk1>
+      <a:lt1>
+        <a:sysClr val="window" lastClr="FFFFFF"/>
+      </a:lt1>
+      <a:dk2>
+        <a:srgbClr val="1F497D"/>
+      </a:dk2>
+      <a:lt2>
+        <a:srgbClr val="EEECE1"/>
+      </a:lt2>
+      <a:accent1>
+        <a:srgbClr val="4F81BD"/>
+      </a:accent1>
+      <a:accent2>
+        <a:srgbClr val="C0504D"/>
+      </a:accent2>
+      <a:accent3>
+        <a:srgbClr val="9BBB59"/>
+      </a:accent3>
+      <a:accent4>
+        <a:srgbClr val="8064A2"/>
+      </a:accent4>
+      <a:accent5>
+        <a:srgbClr val="4BACC6"/>
+      </a:accent5>
+      <a:accent6>
+        <a:srgbClr val="F79646"/>
+      </a:accent6>
+      <a:hlink>
+        <a:srgbClr val="0000FF"/>
+      </a:hlink>
+      <a:folHlink>
+        <a:srgbClr val="800080"/>
+      </a:folHlink>
+    </a:clrScheme>
+    <a:fontScheme name="Стандартная">
+      <a:majorFont>
+        <a:latin typeface="Calibri"/>
+        <a:ea typeface=""/>
+        <a:cs typeface=""/>
+        <a:font script="Jpan" typeface="ＭＳ Ｐゴシック"/>
+        <a:font script="Hang" typeface="맑은 고딕"/>
+        <a:font script="Hans" typeface="宋体"/>
+        <a:font script="Hant" typeface="新細明體"/>
+        <a:font script="Arab" typeface="Times New Roman"/>
+        <a:font script="Hebr" typeface="Times New Roman"/>
+        <a:font script="Thai" typeface="Angsana New"/>
+        <a:font script="Ethi" typeface="Nyala"/>
+        <a:font script="Beng" typeface="Vrinda"/>
+        <a:font script="Gujr" typeface="Shruti"/>
+        <a:font script="Khmr" typeface="MoolBoran"/>
+        <a:font script="Knda" typeface="Tunga"/>
+        <a:font script="Guru" typeface="Raavi"/>
+        <a:font script="Cans" typeface="Euphemia"/>
+        <a:font script="Cher" typeface="Plantagenet Cherokee"/>
+        <a:font script="Yiii" typeface="Microsoft Yi Baiti"/>
+        <a:font script="Tibt" typeface="Microsoft Himalaya"/>
+        <a:font script="Thaa" typeface="MV Boli"/>
+        <a:font script="Deva" typeface="Mangal"/>
+        <a:font script="Telu" typeface="Gautami"/>
+        <a:font script="Taml" typeface="Latha"/>
+        <a:font script="Syrc" typeface="Estrangelo Edessa"/>
+        <a:font script="Orya" typeface="Kalinga"/>
+        <a:font script="Mlym" typeface="Kartika"/>
+        <a:font script="Laoo" typeface="DokChampa"/>
+        <a:font script="Sinh" typeface="Iskoola Pota"/>
+        <a:font script="Mong" typeface="Mongolian Baiti"/>
+        <a:font script="Viet" typeface="Times New Roman"/>
+        <a:font script="Uigh" typeface="Microsoft Uighur"/>
+        <a:font script="Geor" typeface="Sylfaen"/>
+      </a:majorFont>
+      <a:minorFont>
+        <a:latin typeface="Calibri"/>
+        <a:ea typeface=""/>
+        <a:cs typeface=""/>
+        <a:font script="Jpan" typeface="ＭＳ Ｐゴシック"/>
+        <a:font script="Hang" typeface="맑은 고딕"/>
+        <a:font script="Hans" typeface="宋体"/>
+        <a:font script="Hant" typeface="新細明體"/>
+        <a:font script="Arab" typeface="Arial"/>
+        <a:font script="Hebr" typeface="Arial"/>
+        <a:font script="Thai" typeface="Cordia New"/>
+        <a:font script="Ethi" typeface="Nyala"/>
+        <a:font script="Beng" typeface="Vrinda"/>
+        <a:font script="Gujr" typeface="Shruti"/>
+        <a:font script="Khmr" typeface="DaunPenh"/>
+        <a:font script="Knda" typeface="Tunga"/>
+        <a:font script="Guru" typeface="Raavi"/>
+        <a:font script="Cans" typeface="Euphemia"/>
+        <a:font script="Cher" typeface="Plantagenet Cherokee"/>
+        <a:font script="Yiii" typeface="Microsoft Yi Baiti"/>
+        <a:font script="Tibt" typeface="Microsoft Himalaya"/>
+        <a:font script="Thaa" typeface="MV Boli"/>
+        <a:font script="Deva" typeface="Mangal"/>
+        <a:font script="Telu" typeface="Gautami"/>
+        <a:font script="Taml" typeface="Latha"/>
+        <a:font script="Syrc" typeface="Estrangelo Edessa"/>
+        <a:font script="Orya" typeface="Kalinga"/>
+        <a:font script="Mlym" typeface="Kartika"/>
+        <a:font script="Laoo" typeface="DokChampa"/>
+        <a:font script="Sinh" typeface="Iskoola Pota"/>
+        <a:font script="Mong" typeface="Mongolian Baiti"/>
+        <a:font script="Viet" typeface="Arial"/>
+        <a:font script="Uigh" typeface="Microsoft Uighur"/>
+        <a:font script="Geor" typeface="Sylfaen"/>
+      </a:minorFont>
+    </a:fontScheme>
+    <a:fmtScheme name="Стандартная">
+      <a:fillStyleLst>
+        <a:solidFill>
+          <a:schemeClr val="phClr"/>
+        </a:solidFill>
+        <a:gradFill rotWithShape="1">
+          <a:gsLst>
+            <a:gs pos="0">
+              <a:schemeClr val="phClr">
+                <a:tint val="50000"/>
+                <a:satMod val="300000"/>
+              </a:schemeClr>
+            </a:gs>
+            <a:gs pos="35000">
+              <a:schemeClr val="phClr">
+                <a:tint val="37000"/>
+                <a:satMod val="300000"/>
+              </a:schemeClr>
+            </a:gs>
+            <a:gs pos="100000">
+              <a:schemeClr val="phClr">
+                <a:tint val="15000"/>
+                <a:satMod val="350000"/>
+              </a:schemeClr>
+            </a:gs>
+          </a:gsLst>
+          <a:lin ang="16200000" scaled="1"/>
+        </a:gradFill>
+        <a:gradFill rotWithShape="1">
+          <a:gsLst>
+            <a:gs pos="0">
+              <a:schemeClr val="phClr">
+                <a:shade val="51000"/>
+                <a:satMod val="130000"/>
+              </a:schemeClr>
+            </a:gs>
+            <a:gs pos="80000">
+              <a:schemeClr val="phClr">
+                <a:shade val="93000"/>
+                <a:satMod val="130000"/>
+              </a:schemeClr>
+            </a:gs>
+            <a:gs pos="100000">
+              <a:schemeClr val="phClr">
+                <a:shade val="94000"/>
+                <a:satMod val="135000"/>
+              </a:schemeClr>
+            </a:gs>
+          </a:gsLst>
+          <a:lin ang="16200000" scaled="0"/>
+        </a:gradFill>
+      </a:fillStyleLst>
+      <a:lnStyleLst>
+        <a:ln w="9525" cap="flat" cmpd="sng" algn="ctr">
+          <a:solidFill>
+            <a:schemeClr val="phClr">
+              <a:shade val="95000"/>
+              <a:satMod val="105000"/>
+            </a:schemeClr>
+          </a:solidFill>
+          <a:prstDash val="solid"/>
+        </a:ln>
+        <a:ln w="25400" cap="flat" cmpd="sng" algn="ctr">
+          <a:solidFill>
+            <a:schemeClr val="phClr"/>
+          </a:solidFill>
+          <a:prstDash val="solid"/>
+        </a:ln>
+        <a:ln w="38100" cap="flat" cmpd="sng" algn="ctr">
+          <a:solidFill>
+            <a:schemeClr val="phClr"/>
+          </a:solidFill>
+          <a:prstDash val="solid"/>
+        </a:ln>
+      </a:lnStyleLst>
+      <a:effectStyleLst>
+        <a:effectStyle>
+          <a:effectLst>
+            <a:outerShdw blurRad="40000" dist="20000" dir="5400000" rotWithShape="0">
+              <a:srgbClr val="000000">
+                <a:alpha val="38000"/>
+              </a:srgbClr>
+            </a:outerShdw>
+          </a:effectLst>
+        </a:effectStyle>
+        <a:effectStyle>
+          <a:effectLst>
+            <a:outerShdw blurRad="40000" dist="23000" dir="5400000" rotWithShape="0">
+              <a:srgbClr val="000000">
+                <a:alpha val="35000"/>
+              </a:srgbClr>
+            </a:outerShdw>
+          </a:effectLst>
+        </a:effectStyle>
+        <a:effectStyle>
+          <a:effectLst>
+            <a:outerShdw blurRad="40000" dist="23000" dir="5400000" rotWithShape="0">
+              <a:srgbClr val="000000">
+                <a:alpha val="35000"/>
+              </a:srgbClr>
+            </a:outerShdw>
+          </a:effectLst>
+          <a:scene3d>
+            <a:camera prst="orthographicFront">
+              <a:rot lat="0" lon="0" rev="0"/>
+            </a:camera>
+            <a:lightRig rig="threePt" dir="t">
+              <a:rot lat="0" lon="0" rev="1200000"/>
+            </a:lightRig>
+          </a:scene3d>
+          <a:sp3d>
+            <a:bevelT w="63500" h="25400"/>
+          </a:sp3d>
+        </a:effectStyle>
+      </a:effectStyleLst>
+      <a:bgFillStyleLst>
+        <a:solidFill>
+          <a:schemeClr val="phClr"/>
+        </a:solidFill>
+        <a:gradFill rotWithShape="1">
+          <a:gsLst>
+            <a:gs pos="0">
+              <a:schemeClr val="phClr">
+                <a:tint val="40000"/>
+                <a:satMod val="350000"/>
+              </a:schemeClr>
+            </a:gs>
+            <a:gs pos="40000">
+              <a:schemeClr val="phClr">
+                <a:tint val="45000"/>
+                <a:shade val="99000"/>
+                <a:satMod val="350000"/>
+              </a:schemeClr>
+            </a:gs>
+            <a:gs pos="100000">
+              <a:schemeClr val="phClr">
+                <a:shade val="20000"/>
+                <a:satMod val="255000"/>
+              </a:schemeClr>
+            </a:gs>
+          </a:gsLst>
+          <a:path path="circle">
+            <a:fillToRect l="50000" t="-80000" r="50000" b="180000"/>
+          </a:path>
+        </a:gradFill>
+        <a:gradFill rotWithShape="1">
+          <a:gsLst>
+            <a:gs pos="0">
+              <a:schemeClr val="phClr">
+                <a:tint val="80000"/>
+                <a:satMod val="300000"/>
+              </a:schemeClr>
+            </a:gs>
+            <a:gs pos="100000">
+              <a:schemeClr val="phClr">
+                <a:shade val="30000"/>
+                <a:satMod val="200000"/>
+              </a:schemeClr>
+            </a:gs>
+          </a:gsLst>
+          <a:path path="circle">
+            <a:fillToRect l="50000" t="50000" r="50000" b="50000"/>
+          </a:path>
+        </a:gradFill>
+      </a:bgFillStyleLst>
+    </a:fmtScheme>
+  </a:themeElements>
+  <a:objectDefaults/>
+  <a:extraClrSchemeLst/>
+</a:theme>
 </file>
--- a/Кудрявцев Иван Владиславович/Презентация к диплому.pptx
+++ b/Кудрявцев Иван Владиславович/Презентация к диплому.pptx
@@ -4,9 +4,6 @@
   <p:sldMasterIdLst>
     <p:sldMasterId id="2147483648" r:id="rId1"/>
   </p:sldMasterIdLst>
-  <p:notesMasterIdLst>
-    <p:notesMasterId r:id="rId21"/>
-  </p:notesMasterIdLst>
   <p:sldIdLst>
     <p:sldId id="257" r:id="rId2"/>
     <p:sldId id="266" r:id="rId3"/>
@@ -20,16 +17,13 @@
     <p:sldId id="281" r:id="rId11"/>
     <p:sldId id="276" r:id="rId12"/>
     <p:sldId id="280" r:id="rId13"/>
-    <p:sldId id="282" r:id="rId14"/>
-    <p:sldId id="283" r:id="rId15"/>
-    <p:sldId id="277" r:id="rId16"/>
-    <p:sldId id="278" r:id="rId17"/>
-    <p:sldId id="279" r:id="rId18"/>
-    <p:sldId id="284" r:id="rId19"/>
-    <p:sldId id="275" r:id="rId20"/>
+    <p:sldId id="277" r:id="rId14"/>
+    <p:sldId id="278" r:id="rId15"/>
+    <p:sldId id="279" r:id="rId16"/>
+    <p:sldId id="275" r:id="rId17"/>
   </p:sldIdLst>
   <p:sldSz cx="9144000" cy="6858000" type="screen4x3"/>
-  <p:notesSz cx="6797675" cy="9874250"/>
+  <p:notesSz cx="6858000" cy="9144000"/>
   <p:defaultTextStyle>
     <a:defPPr>
       <a:defRPr lang="ru-RU"/>
@@ -128,1700 +122,6 @@
 </p:presentation>
 </file>
 
-<file path=ppt/notesMasters/notesMaster1.xml><?xml version="1.0" encoding="utf-8"?>
-<p:notesMaster xmlns:a="http://schemas.openxmlformats.org/drawingml/2006/main" xmlns:r="http://schemas.openxmlformats.org/officeDocument/2006/relationships" xmlns:p="http://schemas.openxmlformats.org/presentationml/2006/main">
-  <p:cSld>
-    <p:bg>
-      <p:bgRef idx="1001">
-        <a:schemeClr val="bg1"/>
-      </p:bgRef>
-    </p:bg>
-    <p:spTree>
-      <p:nvGrpSpPr>
-        <p:cNvPr id="1" name=""/>
-        <p:cNvGrpSpPr/>
-        <p:nvPr/>
-      </p:nvGrpSpPr>
-      <p:grpSpPr>
-        <a:xfrm>
-          <a:off x="0" y="0"/>
-          <a:ext cx="0" cy="0"/>
-          <a:chOff x="0" y="0"/>
-          <a:chExt cx="0" cy="0"/>
-        </a:xfrm>
-      </p:grpSpPr>
-      <p:sp>
-        <p:nvSpPr>
-          <p:cNvPr id="2" name="Верхний колонтитул 1"/>
-          <p:cNvSpPr>
-            <a:spLocks noGrp="1"/>
-          </p:cNvSpPr>
-          <p:nvPr>
-            <p:ph type="hdr" sz="quarter"/>
-          </p:nvPr>
-        </p:nvSpPr>
-        <p:spPr>
-          <a:xfrm>
-            <a:off x="0" y="0"/>
-            <a:ext cx="2945659" cy="493713"/>
-          </a:xfrm>
-          <a:prstGeom prst="rect">
-            <a:avLst/>
-          </a:prstGeom>
-        </p:spPr>
-        <p:txBody>
-          <a:bodyPr vert="horz" lIns="91440" tIns="45720" rIns="91440" bIns="45720" rtlCol="0"/>
-          <a:lstStyle>
-            <a:lvl1pPr algn="l">
-              <a:defRPr sz="1200"/>
-            </a:lvl1pPr>
-          </a:lstStyle>
-          <a:p>
-            <a:endParaRPr lang="ru-RU"/>
-          </a:p>
-        </p:txBody>
-      </p:sp>
-      <p:sp>
-        <p:nvSpPr>
-          <p:cNvPr id="3" name="Дата 2"/>
-          <p:cNvSpPr>
-            <a:spLocks noGrp="1"/>
-          </p:cNvSpPr>
-          <p:nvPr>
-            <p:ph type="dt" idx="1"/>
-          </p:nvPr>
-        </p:nvSpPr>
-        <p:spPr>
-          <a:xfrm>
-            <a:off x="3850443" y="0"/>
-            <a:ext cx="2945659" cy="493713"/>
-          </a:xfrm>
-          <a:prstGeom prst="rect">
-            <a:avLst/>
-          </a:prstGeom>
-        </p:spPr>
-        <p:txBody>
-          <a:bodyPr vert="horz" lIns="91440" tIns="45720" rIns="91440" bIns="45720" rtlCol="0"/>
-          <a:lstStyle>
-            <a:lvl1pPr algn="r">
-              <a:defRPr sz="1200"/>
-            </a:lvl1pPr>
-          </a:lstStyle>
-          <a:p>
-            <a:fld id="{B3CCDB85-C3DB-45EB-97AA-1543525B3E70}" type="datetimeFigureOut">
-              <a:rPr lang="ru-RU" smtClean="0"/>
-              <a:t>16.02.2012</a:t>
-            </a:fld>
-            <a:endParaRPr lang="ru-RU"/>
-          </a:p>
-        </p:txBody>
-      </p:sp>
-      <p:sp>
-        <p:nvSpPr>
-          <p:cNvPr id="4" name="Образ слайда 3"/>
-          <p:cNvSpPr>
-            <a:spLocks noGrp="1" noRot="1" noChangeAspect="1"/>
-          </p:cNvSpPr>
-          <p:nvPr>
-            <p:ph type="sldImg" idx="2"/>
-          </p:nvPr>
-        </p:nvSpPr>
-        <p:spPr>
-          <a:xfrm>
-            <a:off x="931863" y="741363"/>
-            <a:ext cx="4933950" cy="3702050"/>
-          </a:xfrm>
-          <a:prstGeom prst="rect">
-            <a:avLst/>
-          </a:prstGeom>
-          <a:noFill/>
-          <a:ln w="12700">
-            <a:solidFill>
-              <a:prstClr val="black"/>
-            </a:solidFill>
-          </a:ln>
-        </p:spPr>
-        <p:txBody>
-          <a:bodyPr vert="horz" lIns="91440" tIns="45720" rIns="91440" bIns="45720" rtlCol="0" anchor="ctr"/>
-          <a:lstStyle/>
-          <a:p>
-            <a:endParaRPr lang="ru-RU"/>
-          </a:p>
-        </p:txBody>
-      </p:sp>
-      <p:sp>
-        <p:nvSpPr>
-          <p:cNvPr id="5" name="Заметки 4"/>
-          <p:cNvSpPr>
-            <a:spLocks noGrp="1"/>
-          </p:cNvSpPr>
-          <p:nvPr>
-            <p:ph type="body" sz="quarter" idx="3"/>
-          </p:nvPr>
-        </p:nvSpPr>
-        <p:spPr>
-          <a:xfrm>
-            <a:off x="679768" y="4690269"/>
-            <a:ext cx="5438140" cy="4443413"/>
-          </a:xfrm>
-          <a:prstGeom prst="rect">
-            <a:avLst/>
-          </a:prstGeom>
-        </p:spPr>
-        <p:txBody>
-          <a:bodyPr vert="horz" lIns="91440" tIns="45720" rIns="91440" bIns="45720" rtlCol="0"/>
-          <a:lstStyle/>
-          <a:p>
-            <a:pPr lvl="0"/>
-            <a:r>
-              <a:rPr lang="ru-RU" smtClean="0"/>
-              <a:t>Образец текста</a:t>
-            </a:r>
-          </a:p>
-          <a:p>
-            <a:pPr lvl="1"/>
-            <a:r>
-              <a:rPr lang="ru-RU" smtClean="0"/>
-              <a:t>Второй уровень</a:t>
-            </a:r>
-          </a:p>
-          <a:p>
-            <a:pPr lvl="2"/>
-            <a:r>
-              <a:rPr lang="ru-RU" smtClean="0"/>
-              <a:t>Третий уровень</a:t>
-            </a:r>
-          </a:p>
-          <a:p>
-            <a:pPr lvl="3"/>
-            <a:r>
-              <a:rPr lang="ru-RU" smtClean="0"/>
-              <a:t>Четвертый уровень</a:t>
-            </a:r>
-          </a:p>
-          <a:p>
-            <a:pPr lvl="4"/>
-            <a:r>
-              <a:rPr lang="ru-RU" smtClean="0"/>
-              <a:t>Пятый уровень</a:t>
-            </a:r>
-            <a:endParaRPr lang="ru-RU"/>
-          </a:p>
-        </p:txBody>
-      </p:sp>
-      <p:sp>
-        <p:nvSpPr>
-          <p:cNvPr id="6" name="Нижний колонтитул 5"/>
-          <p:cNvSpPr>
-            <a:spLocks noGrp="1"/>
-          </p:cNvSpPr>
-          <p:nvPr>
-            <p:ph type="ftr" sz="quarter" idx="4"/>
-          </p:nvPr>
-        </p:nvSpPr>
-        <p:spPr>
-          <a:xfrm>
-            <a:off x="0" y="9378824"/>
-            <a:ext cx="2945659" cy="493713"/>
-          </a:xfrm>
-          <a:prstGeom prst="rect">
-            <a:avLst/>
-          </a:prstGeom>
-        </p:spPr>
-        <p:txBody>
-          <a:bodyPr vert="horz" lIns="91440" tIns="45720" rIns="91440" bIns="45720" rtlCol="0" anchor="b"/>
-          <a:lstStyle>
-            <a:lvl1pPr algn="l">
-              <a:defRPr sz="1200"/>
-            </a:lvl1pPr>
-          </a:lstStyle>
-          <a:p>
-            <a:endParaRPr lang="ru-RU"/>
-          </a:p>
-        </p:txBody>
-      </p:sp>
-      <p:sp>
-        <p:nvSpPr>
-          <p:cNvPr id="7" name="Номер слайда 6"/>
-          <p:cNvSpPr>
-            <a:spLocks noGrp="1"/>
-          </p:cNvSpPr>
-          <p:nvPr>
-            <p:ph type="sldNum" sz="quarter" idx="5"/>
-          </p:nvPr>
-        </p:nvSpPr>
-        <p:spPr>
-          <a:xfrm>
-            <a:off x="3850443" y="9378824"/>
-            <a:ext cx="2945659" cy="493713"/>
-          </a:xfrm>
-          <a:prstGeom prst="rect">
-            <a:avLst/>
-          </a:prstGeom>
-        </p:spPr>
-        <p:txBody>
-          <a:bodyPr vert="horz" lIns="91440" tIns="45720" rIns="91440" bIns="45720" rtlCol="0" anchor="b"/>
-          <a:lstStyle>
-            <a:lvl1pPr algn="r">
-              <a:defRPr sz="1200"/>
-            </a:lvl1pPr>
-          </a:lstStyle>
-          <a:p>
-            <a:fld id="{195CE8A0-4945-4289-8AFB-FA6E871CEBCC}" type="slidenum">
-              <a:rPr lang="ru-RU" smtClean="0"/>
-              <a:t>‹#›</a:t>
-            </a:fld>
-            <a:endParaRPr lang="ru-RU"/>
-          </a:p>
-        </p:txBody>
-      </p:sp>
-    </p:spTree>
-    <p:extLst>
-      <p:ext uri="{BB962C8B-B14F-4D97-AF65-F5344CB8AC3E}">
-        <p14:creationId xmlns:p14="http://schemas.microsoft.com/office/powerpoint/2010/main" val="2635414776"/>
-      </p:ext>
-    </p:extLst>
-  </p:cSld>
-  <p:clrMap bg1="lt1" tx1="dk1" bg2="lt2" tx2="dk2" accent1="accent1" accent2="accent2" accent3="accent3" accent4="accent4" accent5="accent5" accent6="accent6" hlink="hlink" folHlink="folHlink"/>
-  <p:notesStyle>
-    <a:lvl1pPr marL="0" algn="l" defTabSz="914400" rtl="0" eaLnBrk="1" latinLnBrk="0" hangingPunct="1">
-      <a:defRPr sz="1200" kern="1200">
-        <a:solidFill>
-          <a:schemeClr val="tx1"/>
-        </a:solidFill>
-        <a:latin typeface="+mn-lt"/>
-        <a:ea typeface="+mn-ea"/>
-        <a:cs typeface="+mn-cs"/>
-      </a:defRPr>
-    </a:lvl1pPr>
-    <a:lvl2pPr marL="457200" algn="l" defTabSz="914400" rtl="0" eaLnBrk="1" latinLnBrk="0" hangingPunct="1">
-      <a:defRPr sz="1200" kern="1200">
-        <a:solidFill>
-          <a:schemeClr val="tx1"/>
-        </a:solidFill>
-        <a:latin typeface="+mn-lt"/>
-        <a:ea typeface="+mn-ea"/>
-        <a:cs typeface="+mn-cs"/>
-      </a:defRPr>
-    </a:lvl2pPr>
-    <a:lvl3pPr marL="914400" algn="l" defTabSz="914400" rtl="0" eaLnBrk="1" latinLnBrk="0" hangingPunct="1">
-      <a:defRPr sz="1200" kern="1200">
-        <a:solidFill>
-          <a:schemeClr val="tx1"/>
-        </a:solidFill>
-        <a:latin typeface="+mn-lt"/>
-        <a:ea typeface="+mn-ea"/>
-        <a:cs typeface="+mn-cs"/>
-      </a:defRPr>
-    </a:lvl3pPr>
-    <a:lvl4pPr marL="1371600" algn="l" defTabSz="914400" rtl="0" eaLnBrk="1" latinLnBrk="0" hangingPunct="1">
-      <a:defRPr sz="1200" kern="1200">
-        <a:solidFill>
-          <a:schemeClr val="tx1"/>
-        </a:solidFill>
-        <a:latin typeface="+mn-lt"/>
-        <a:ea typeface="+mn-ea"/>
-        <a:cs typeface="+mn-cs"/>
-      </a:defRPr>
-    </a:lvl4pPr>
-    <a:lvl5pPr marL="1828800" algn="l" defTabSz="914400" rtl="0" eaLnBrk="1" latinLnBrk="0" hangingPunct="1">
-      <a:defRPr sz="1200" kern="1200">
-        <a:solidFill>
-          <a:schemeClr val="tx1"/>
-        </a:solidFill>
-        <a:latin typeface="+mn-lt"/>
-        <a:ea typeface="+mn-ea"/>
-        <a:cs typeface="+mn-cs"/>
-      </a:defRPr>
-    </a:lvl5pPr>
-    <a:lvl6pPr marL="2286000" algn="l" defTabSz="914400" rtl="0" eaLnBrk="1" latinLnBrk="0" hangingPunct="1">
-      <a:defRPr sz="1200" kern="1200">
-        <a:solidFill>
-          <a:schemeClr val="tx1"/>
-        </a:solidFill>
-        <a:latin typeface="+mn-lt"/>
-        <a:ea typeface="+mn-ea"/>
-        <a:cs typeface="+mn-cs"/>
-      </a:defRPr>
-    </a:lvl6pPr>
-    <a:lvl7pPr marL="2743200" algn="l" defTabSz="914400" rtl="0" eaLnBrk="1" latinLnBrk="0" hangingPunct="1">
-      <a:defRPr sz="1200" kern="1200">
-        <a:solidFill>
-          <a:schemeClr val="tx1"/>
-        </a:solidFill>
-        <a:latin typeface="+mn-lt"/>
-        <a:ea typeface="+mn-ea"/>
-        <a:cs typeface="+mn-cs"/>
-      </a:defRPr>
-    </a:lvl7pPr>
-    <a:lvl8pPr marL="3200400" algn="l" defTabSz="914400" rtl="0" eaLnBrk="1" latinLnBrk="0" hangingPunct="1">
-      <a:defRPr sz="1200" kern="1200">
-        <a:solidFill>
-          <a:schemeClr val="tx1"/>
-        </a:solidFill>
-        <a:latin typeface="+mn-lt"/>
-        <a:ea typeface="+mn-ea"/>
-        <a:cs typeface="+mn-cs"/>
-      </a:defRPr>
-    </a:lvl8pPr>
-    <a:lvl9pPr marL="3657600" algn="l" defTabSz="914400" rtl="0" eaLnBrk="1" latinLnBrk="0" hangingPunct="1">
-      <a:defRPr sz="1200" kern="1200">
-        <a:solidFill>
-          <a:schemeClr val="tx1"/>
-        </a:solidFill>
-        <a:latin typeface="+mn-lt"/>
-        <a:ea typeface="+mn-ea"/>
-        <a:cs typeface="+mn-cs"/>
-      </a:defRPr>
-    </a:lvl9pPr>
-  </p:notesStyle>
-</p:notesMaster>
-</file>
-
-<file path=ppt/notesSlides/notesSlide1.xml><?xml version="1.0" encoding="utf-8"?>
-<p:notes xmlns:a="http://schemas.openxmlformats.org/drawingml/2006/main" xmlns:r="http://schemas.openxmlformats.org/officeDocument/2006/relationships" xmlns:p="http://schemas.openxmlformats.org/presentationml/2006/main">
-  <p:cSld>
-    <p:spTree>
-      <p:nvGrpSpPr>
-        <p:cNvPr id="1" name=""/>
-        <p:cNvGrpSpPr/>
-        <p:nvPr/>
-      </p:nvGrpSpPr>
-      <p:grpSpPr>
-        <a:xfrm>
-          <a:off x="0" y="0"/>
-          <a:ext cx="0" cy="0"/>
-          <a:chOff x="0" y="0"/>
-          <a:chExt cx="0" cy="0"/>
-        </a:xfrm>
-      </p:grpSpPr>
-      <p:sp>
-        <p:nvSpPr>
-          <p:cNvPr id="2" name="Образ слайда 1"/>
-          <p:cNvSpPr>
-            <a:spLocks noGrp="1" noRot="1" noChangeAspect="1"/>
-          </p:cNvSpPr>
-          <p:nvPr>
-            <p:ph type="sldImg"/>
-          </p:nvPr>
-        </p:nvSpPr>
-        <p:spPr/>
-      </p:sp>
-      <p:sp>
-        <p:nvSpPr>
-          <p:cNvPr id="3" name="Заметки 2"/>
-          <p:cNvSpPr>
-            <a:spLocks noGrp="1"/>
-          </p:cNvSpPr>
-          <p:nvPr>
-            <p:ph type="body" idx="1"/>
-          </p:nvPr>
-        </p:nvSpPr>
-        <p:spPr/>
-        <p:txBody>
-          <a:bodyPr/>
-          <a:lstStyle/>
-          <a:p>
-            <a:endParaRPr lang="ru-RU"/>
-          </a:p>
-        </p:txBody>
-      </p:sp>
-      <p:sp>
-        <p:nvSpPr>
-          <p:cNvPr id="4" name="Номер слайда 3"/>
-          <p:cNvSpPr>
-            <a:spLocks noGrp="1"/>
-          </p:cNvSpPr>
-          <p:nvPr>
-            <p:ph type="sldNum" sz="quarter" idx="10"/>
-          </p:nvPr>
-        </p:nvSpPr>
-        <p:spPr/>
-        <p:txBody>
-          <a:bodyPr/>
-          <a:lstStyle/>
-          <a:p>
-            <a:fld id="{195CE8A0-4945-4289-8AFB-FA6E871CEBCC}" type="slidenum">
-              <a:rPr lang="ru-RU" smtClean="0"/>
-              <a:t>1</a:t>
-            </a:fld>
-            <a:endParaRPr lang="ru-RU"/>
-          </a:p>
-        </p:txBody>
-      </p:sp>
-    </p:spTree>
-    <p:extLst>
-      <p:ext uri="{BB962C8B-B14F-4D97-AF65-F5344CB8AC3E}">
-        <p14:creationId xmlns:p14="http://schemas.microsoft.com/office/powerpoint/2010/main" val="2876485771"/>
-      </p:ext>
-    </p:extLst>
-  </p:cSld>
-  <p:clrMapOvr>
-    <a:masterClrMapping/>
-  </p:clrMapOvr>
-</p:notes>
-</file>
-
-<file path=ppt/notesSlides/notesSlide10.xml><?xml version="1.0" encoding="utf-8"?>
-<p:notes xmlns:a="http://schemas.openxmlformats.org/drawingml/2006/main" xmlns:r="http://schemas.openxmlformats.org/officeDocument/2006/relationships" xmlns:p="http://schemas.openxmlformats.org/presentationml/2006/main">
-  <p:cSld>
-    <p:spTree>
-      <p:nvGrpSpPr>
-        <p:cNvPr id="1" name=""/>
-        <p:cNvGrpSpPr/>
-        <p:nvPr/>
-      </p:nvGrpSpPr>
-      <p:grpSpPr>
-        <a:xfrm>
-          <a:off x="0" y="0"/>
-          <a:ext cx="0" cy="0"/>
-          <a:chOff x="0" y="0"/>
-          <a:chExt cx="0" cy="0"/>
-        </a:xfrm>
-      </p:grpSpPr>
-      <p:sp>
-        <p:nvSpPr>
-          <p:cNvPr id="2" name="Образ слайда 1"/>
-          <p:cNvSpPr>
-            <a:spLocks noGrp="1" noRot="1" noChangeAspect="1"/>
-          </p:cNvSpPr>
-          <p:nvPr>
-            <p:ph type="sldImg"/>
-          </p:nvPr>
-        </p:nvSpPr>
-        <p:spPr/>
-      </p:sp>
-      <p:sp>
-        <p:nvSpPr>
-          <p:cNvPr id="3" name="Заметки 2"/>
-          <p:cNvSpPr>
-            <a:spLocks noGrp="1"/>
-          </p:cNvSpPr>
-          <p:nvPr>
-            <p:ph type="body" idx="1"/>
-          </p:nvPr>
-        </p:nvSpPr>
-        <p:spPr/>
-        <p:txBody>
-          <a:bodyPr/>
-          <a:lstStyle/>
-          <a:p>
-            <a:endParaRPr lang="ru-RU"/>
-          </a:p>
-        </p:txBody>
-      </p:sp>
-      <p:sp>
-        <p:nvSpPr>
-          <p:cNvPr id="4" name="Номер слайда 3"/>
-          <p:cNvSpPr>
-            <a:spLocks noGrp="1"/>
-          </p:cNvSpPr>
-          <p:nvPr>
-            <p:ph type="sldNum" sz="quarter" idx="10"/>
-          </p:nvPr>
-        </p:nvSpPr>
-        <p:spPr/>
-        <p:txBody>
-          <a:bodyPr/>
-          <a:lstStyle/>
-          <a:p>
-            <a:fld id="{195CE8A0-4945-4289-8AFB-FA6E871CEBCC}" type="slidenum">
-              <a:rPr lang="ru-RU" smtClean="0"/>
-              <a:t>10</a:t>
-            </a:fld>
-            <a:endParaRPr lang="ru-RU"/>
-          </a:p>
-        </p:txBody>
-      </p:sp>
-    </p:spTree>
-    <p:extLst>
-      <p:ext uri="{BB962C8B-B14F-4D97-AF65-F5344CB8AC3E}">
-        <p14:creationId xmlns:p14="http://schemas.microsoft.com/office/powerpoint/2010/main" val="3653491515"/>
-      </p:ext>
-    </p:extLst>
-  </p:cSld>
-  <p:clrMapOvr>
-    <a:masterClrMapping/>
-  </p:clrMapOvr>
-</p:notes>
-</file>
-
-<file path=ppt/notesSlides/notesSlide11.xml><?xml version="1.0" encoding="utf-8"?>
-<p:notes xmlns:a="http://schemas.openxmlformats.org/drawingml/2006/main" xmlns:r="http://schemas.openxmlformats.org/officeDocument/2006/relationships" xmlns:p="http://schemas.openxmlformats.org/presentationml/2006/main">
-  <p:cSld>
-    <p:spTree>
-      <p:nvGrpSpPr>
-        <p:cNvPr id="1" name=""/>
-        <p:cNvGrpSpPr/>
-        <p:nvPr/>
-      </p:nvGrpSpPr>
-      <p:grpSpPr>
-        <a:xfrm>
-          <a:off x="0" y="0"/>
-          <a:ext cx="0" cy="0"/>
-          <a:chOff x="0" y="0"/>
-          <a:chExt cx="0" cy="0"/>
-        </a:xfrm>
-      </p:grpSpPr>
-      <p:sp>
-        <p:nvSpPr>
-          <p:cNvPr id="2" name="Образ слайда 1"/>
-          <p:cNvSpPr>
-            <a:spLocks noGrp="1" noRot="1" noChangeAspect="1"/>
-          </p:cNvSpPr>
-          <p:nvPr>
-            <p:ph type="sldImg"/>
-          </p:nvPr>
-        </p:nvSpPr>
-        <p:spPr/>
-      </p:sp>
-      <p:sp>
-        <p:nvSpPr>
-          <p:cNvPr id="3" name="Заметки 2"/>
-          <p:cNvSpPr>
-            <a:spLocks noGrp="1"/>
-          </p:cNvSpPr>
-          <p:nvPr>
-            <p:ph type="body" idx="1"/>
-          </p:nvPr>
-        </p:nvSpPr>
-        <p:spPr/>
-        <p:txBody>
-          <a:bodyPr/>
-          <a:lstStyle/>
-          <a:p>
-            <a:endParaRPr lang="ru-RU"/>
-          </a:p>
-        </p:txBody>
-      </p:sp>
-      <p:sp>
-        <p:nvSpPr>
-          <p:cNvPr id="4" name="Номер слайда 3"/>
-          <p:cNvSpPr>
-            <a:spLocks noGrp="1"/>
-          </p:cNvSpPr>
-          <p:nvPr>
-            <p:ph type="sldNum" sz="quarter" idx="10"/>
-          </p:nvPr>
-        </p:nvSpPr>
-        <p:spPr/>
-        <p:txBody>
-          <a:bodyPr/>
-          <a:lstStyle/>
-          <a:p>
-            <a:fld id="{195CE8A0-4945-4289-8AFB-FA6E871CEBCC}" type="slidenum">
-              <a:rPr lang="ru-RU" smtClean="0"/>
-              <a:t>11</a:t>
-            </a:fld>
-            <a:endParaRPr lang="ru-RU"/>
-          </a:p>
-        </p:txBody>
-      </p:sp>
-    </p:spTree>
-    <p:extLst>
-      <p:ext uri="{BB962C8B-B14F-4D97-AF65-F5344CB8AC3E}">
-        <p14:creationId xmlns:p14="http://schemas.microsoft.com/office/powerpoint/2010/main" val="4041510726"/>
-      </p:ext>
-    </p:extLst>
-  </p:cSld>
-  <p:clrMapOvr>
-    <a:masterClrMapping/>
-  </p:clrMapOvr>
-</p:notes>
-</file>
-
-<file path=ppt/notesSlides/notesSlide12.xml><?xml version="1.0" encoding="utf-8"?>
-<p:notes xmlns:a="http://schemas.openxmlformats.org/drawingml/2006/main" xmlns:r="http://schemas.openxmlformats.org/officeDocument/2006/relationships" xmlns:p="http://schemas.openxmlformats.org/presentationml/2006/main">
-  <p:cSld>
-    <p:spTree>
-      <p:nvGrpSpPr>
-        <p:cNvPr id="1" name=""/>
-        <p:cNvGrpSpPr/>
-        <p:nvPr/>
-      </p:nvGrpSpPr>
-      <p:grpSpPr>
-        <a:xfrm>
-          <a:off x="0" y="0"/>
-          <a:ext cx="0" cy="0"/>
-          <a:chOff x="0" y="0"/>
-          <a:chExt cx="0" cy="0"/>
-        </a:xfrm>
-      </p:grpSpPr>
-      <p:sp>
-        <p:nvSpPr>
-          <p:cNvPr id="2" name="Образ слайда 1"/>
-          <p:cNvSpPr>
-            <a:spLocks noGrp="1" noRot="1" noChangeAspect="1"/>
-          </p:cNvSpPr>
-          <p:nvPr>
-            <p:ph type="sldImg"/>
-          </p:nvPr>
-        </p:nvSpPr>
-        <p:spPr/>
-      </p:sp>
-      <p:sp>
-        <p:nvSpPr>
-          <p:cNvPr id="3" name="Заметки 2"/>
-          <p:cNvSpPr>
-            <a:spLocks noGrp="1"/>
-          </p:cNvSpPr>
-          <p:nvPr>
-            <p:ph type="body" idx="1"/>
-          </p:nvPr>
-        </p:nvSpPr>
-        <p:spPr/>
-        <p:txBody>
-          <a:bodyPr/>
-          <a:lstStyle/>
-          <a:p>
-            <a:endParaRPr lang="ru-RU"/>
-          </a:p>
-        </p:txBody>
-      </p:sp>
-      <p:sp>
-        <p:nvSpPr>
-          <p:cNvPr id="4" name="Номер слайда 3"/>
-          <p:cNvSpPr>
-            <a:spLocks noGrp="1"/>
-          </p:cNvSpPr>
-          <p:nvPr>
-            <p:ph type="sldNum" sz="quarter" idx="10"/>
-          </p:nvPr>
-        </p:nvSpPr>
-        <p:spPr/>
-        <p:txBody>
-          <a:bodyPr/>
-          <a:lstStyle/>
-          <a:p>
-            <a:fld id="{195CE8A0-4945-4289-8AFB-FA6E871CEBCC}" type="slidenum">
-              <a:rPr lang="ru-RU" smtClean="0"/>
-              <a:t>12</a:t>
-            </a:fld>
-            <a:endParaRPr lang="ru-RU"/>
-          </a:p>
-        </p:txBody>
-      </p:sp>
-    </p:spTree>
-    <p:extLst>
-      <p:ext uri="{BB962C8B-B14F-4D97-AF65-F5344CB8AC3E}">
-        <p14:creationId xmlns:p14="http://schemas.microsoft.com/office/powerpoint/2010/main" val="2956835094"/>
-      </p:ext>
-    </p:extLst>
-  </p:cSld>
-  <p:clrMapOvr>
-    <a:masterClrMapping/>
-  </p:clrMapOvr>
-</p:notes>
-</file>
-
-<file path=ppt/notesSlides/notesSlide13.xml><?xml version="1.0" encoding="utf-8"?>
-<p:notes xmlns:a="http://schemas.openxmlformats.org/drawingml/2006/main" xmlns:r="http://schemas.openxmlformats.org/officeDocument/2006/relationships" xmlns:p="http://schemas.openxmlformats.org/presentationml/2006/main">
-  <p:cSld>
-    <p:spTree>
-      <p:nvGrpSpPr>
-        <p:cNvPr id="1" name=""/>
-        <p:cNvGrpSpPr/>
-        <p:nvPr/>
-      </p:nvGrpSpPr>
-      <p:grpSpPr>
-        <a:xfrm>
-          <a:off x="0" y="0"/>
-          <a:ext cx="0" cy="0"/>
-          <a:chOff x="0" y="0"/>
-          <a:chExt cx="0" cy="0"/>
-        </a:xfrm>
-      </p:grpSpPr>
-      <p:sp>
-        <p:nvSpPr>
-          <p:cNvPr id="2" name="Образ слайда 1"/>
-          <p:cNvSpPr>
-            <a:spLocks noGrp="1" noRot="1" noChangeAspect="1"/>
-          </p:cNvSpPr>
-          <p:nvPr>
-            <p:ph type="sldImg"/>
-          </p:nvPr>
-        </p:nvSpPr>
-        <p:spPr/>
-      </p:sp>
-      <p:sp>
-        <p:nvSpPr>
-          <p:cNvPr id="3" name="Заметки 2"/>
-          <p:cNvSpPr>
-            <a:spLocks noGrp="1"/>
-          </p:cNvSpPr>
-          <p:nvPr>
-            <p:ph type="body" idx="1"/>
-          </p:nvPr>
-        </p:nvSpPr>
-        <p:spPr/>
-        <p:txBody>
-          <a:bodyPr/>
-          <a:lstStyle/>
-          <a:p>
-            <a:endParaRPr lang="ru-RU"/>
-          </a:p>
-        </p:txBody>
-      </p:sp>
-      <p:sp>
-        <p:nvSpPr>
-          <p:cNvPr id="4" name="Номер слайда 3"/>
-          <p:cNvSpPr>
-            <a:spLocks noGrp="1"/>
-          </p:cNvSpPr>
-          <p:nvPr>
-            <p:ph type="sldNum" sz="quarter" idx="10"/>
-          </p:nvPr>
-        </p:nvSpPr>
-        <p:spPr/>
-        <p:txBody>
-          <a:bodyPr/>
-          <a:lstStyle/>
-          <a:p>
-            <a:fld id="{195CE8A0-4945-4289-8AFB-FA6E871CEBCC}" type="slidenum">
-              <a:rPr lang="ru-RU" smtClean="0"/>
-              <a:t>15</a:t>
-            </a:fld>
-            <a:endParaRPr lang="ru-RU"/>
-          </a:p>
-        </p:txBody>
-      </p:sp>
-    </p:spTree>
-    <p:extLst>
-      <p:ext uri="{BB962C8B-B14F-4D97-AF65-F5344CB8AC3E}">
-        <p14:creationId xmlns:p14="http://schemas.microsoft.com/office/powerpoint/2010/main" val="2022791067"/>
-      </p:ext>
-    </p:extLst>
-  </p:cSld>
-  <p:clrMapOvr>
-    <a:masterClrMapping/>
-  </p:clrMapOvr>
-</p:notes>
-</file>
-
-<file path=ppt/notesSlides/notesSlide14.xml><?xml version="1.0" encoding="utf-8"?>
-<p:notes xmlns:a="http://schemas.openxmlformats.org/drawingml/2006/main" xmlns:r="http://schemas.openxmlformats.org/officeDocument/2006/relationships" xmlns:p="http://schemas.openxmlformats.org/presentationml/2006/main">
-  <p:cSld>
-    <p:spTree>
-      <p:nvGrpSpPr>
-        <p:cNvPr id="1" name=""/>
-        <p:cNvGrpSpPr/>
-        <p:nvPr/>
-      </p:nvGrpSpPr>
-      <p:grpSpPr>
-        <a:xfrm>
-          <a:off x="0" y="0"/>
-          <a:ext cx="0" cy="0"/>
-          <a:chOff x="0" y="0"/>
-          <a:chExt cx="0" cy="0"/>
-        </a:xfrm>
-      </p:grpSpPr>
-      <p:sp>
-        <p:nvSpPr>
-          <p:cNvPr id="2" name="Образ слайда 1"/>
-          <p:cNvSpPr>
-            <a:spLocks noGrp="1" noRot="1" noChangeAspect="1"/>
-          </p:cNvSpPr>
-          <p:nvPr>
-            <p:ph type="sldImg"/>
-          </p:nvPr>
-        </p:nvSpPr>
-        <p:spPr/>
-      </p:sp>
-      <p:sp>
-        <p:nvSpPr>
-          <p:cNvPr id="3" name="Заметки 2"/>
-          <p:cNvSpPr>
-            <a:spLocks noGrp="1"/>
-          </p:cNvSpPr>
-          <p:nvPr>
-            <p:ph type="body" idx="1"/>
-          </p:nvPr>
-        </p:nvSpPr>
-        <p:spPr/>
-        <p:txBody>
-          <a:bodyPr/>
-          <a:lstStyle/>
-          <a:p>
-            <a:endParaRPr lang="ru-RU"/>
-          </a:p>
-        </p:txBody>
-      </p:sp>
-      <p:sp>
-        <p:nvSpPr>
-          <p:cNvPr id="4" name="Номер слайда 3"/>
-          <p:cNvSpPr>
-            <a:spLocks noGrp="1"/>
-          </p:cNvSpPr>
-          <p:nvPr>
-            <p:ph type="sldNum" sz="quarter" idx="10"/>
-          </p:nvPr>
-        </p:nvSpPr>
-        <p:spPr/>
-        <p:txBody>
-          <a:bodyPr/>
-          <a:lstStyle/>
-          <a:p>
-            <a:fld id="{195CE8A0-4945-4289-8AFB-FA6E871CEBCC}" type="slidenum">
-              <a:rPr lang="ru-RU" smtClean="0"/>
-              <a:t>16</a:t>
-            </a:fld>
-            <a:endParaRPr lang="ru-RU"/>
-          </a:p>
-        </p:txBody>
-      </p:sp>
-    </p:spTree>
-    <p:extLst>
-      <p:ext uri="{BB962C8B-B14F-4D97-AF65-F5344CB8AC3E}">
-        <p14:creationId xmlns:p14="http://schemas.microsoft.com/office/powerpoint/2010/main" val="3985649047"/>
-      </p:ext>
-    </p:extLst>
-  </p:cSld>
-  <p:clrMapOvr>
-    <a:masterClrMapping/>
-  </p:clrMapOvr>
-</p:notes>
-</file>
-
-<file path=ppt/notesSlides/notesSlide15.xml><?xml version="1.0" encoding="utf-8"?>
-<p:notes xmlns:a="http://schemas.openxmlformats.org/drawingml/2006/main" xmlns:r="http://schemas.openxmlformats.org/officeDocument/2006/relationships" xmlns:p="http://schemas.openxmlformats.org/presentationml/2006/main">
-  <p:cSld>
-    <p:spTree>
-      <p:nvGrpSpPr>
-        <p:cNvPr id="1" name=""/>
-        <p:cNvGrpSpPr/>
-        <p:nvPr/>
-      </p:nvGrpSpPr>
-      <p:grpSpPr>
-        <a:xfrm>
-          <a:off x="0" y="0"/>
-          <a:ext cx="0" cy="0"/>
-          <a:chOff x="0" y="0"/>
-          <a:chExt cx="0" cy="0"/>
-        </a:xfrm>
-      </p:grpSpPr>
-      <p:sp>
-        <p:nvSpPr>
-          <p:cNvPr id="2" name="Образ слайда 1"/>
-          <p:cNvSpPr>
-            <a:spLocks noGrp="1" noRot="1" noChangeAspect="1"/>
-          </p:cNvSpPr>
-          <p:nvPr>
-            <p:ph type="sldImg"/>
-          </p:nvPr>
-        </p:nvSpPr>
-        <p:spPr/>
-      </p:sp>
-      <p:sp>
-        <p:nvSpPr>
-          <p:cNvPr id="3" name="Заметки 2"/>
-          <p:cNvSpPr>
-            <a:spLocks noGrp="1"/>
-          </p:cNvSpPr>
-          <p:nvPr>
-            <p:ph type="body" idx="1"/>
-          </p:nvPr>
-        </p:nvSpPr>
-        <p:spPr/>
-        <p:txBody>
-          <a:bodyPr/>
-          <a:lstStyle/>
-          <a:p>
-            <a:endParaRPr lang="ru-RU"/>
-          </a:p>
-        </p:txBody>
-      </p:sp>
-      <p:sp>
-        <p:nvSpPr>
-          <p:cNvPr id="4" name="Номер слайда 3"/>
-          <p:cNvSpPr>
-            <a:spLocks noGrp="1"/>
-          </p:cNvSpPr>
-          <p:nvPr>
-            <p:ph type="sldNum" sz="quarter" idx="10"/>
-          </p:nvPr>
-        </p:nvSpPr>
-        <p:spPr/>
-        <p:txBody>
-          <a:bodyPr/>
-          <a:lstStyle/>
-          <a:p>
-            <a:fld id="{195CE8A0-4945-4289-8AFB-FA6E871CEBCC}" type="slidenum">
-              <a:rPr lang="ru-RU" smtClean="0"/>
-              <a:t>17</a:t>
-            </a:fld>
-            <a:endParaRPr lang="ru-RU"/>
-          </a:p>
-        </p:txBody>
-      </p:sp>
-    </p:spTree>
-    <p:extLst>
-      <p:ext uri="{BB962C8B-B14F-4D97-AF65-F5344CB8AC3E}">
-        <p14:creationId xmlns:p14="http://schemas.microsoft.com/office/powerpoint/2010/main" val="161469570"/>
-      </p:ext>
-    </p:extLst>
-  </p:cSld>
-  <p:clrMapOvr>
-    <a:masterClrMapping/>
-  </p:clrMapOvr>
-</p:notes>
-</file>
-
-<file path=ppt/notesSlides/notesSlide16.xml><?xml version="1.0" encoding="utf-8"?>
-<p:notes xmlns:a="http://schemas.openxmlformats.org/drawingml/2006/main" xmlns:r="http://schemas.openxmlformats.org/officeDocument/2006/relationships" xmlns:p="http://schemas.openxmlformats.org/presentationml/2006/main">
-  <p:cSld>
-    <p:spTree>
-      <p:nvGrpSpPr>
-        <p:cNvPr id="1" name=""/>
-        <p:cNvGrpSpPr/>
-        <p:nvPr/>
-      </p:nvGrpSpPr>
-      <p:grpSpPr>
-        <a:xfrm>
-          <a:off x="0" y="0"/>
-          <a:ext cx="0" cy="0"/>
-          <a:chOff x="0" y="0"/>
-          <a:chExt cx="0" cy="0"/>
-        </a:xfrm>
-      </p:grpSpPr>
-      <p:sp>
-        <p:nvSpPr>
-          <p:cNvPr id="2" name="Образ слайда 1"/>
-          <p:cNvSpPr>
-            <a:spLocks noGrp="1" noRot="1" noChangeAspect="1"/>
-          </p:cNvSpPr>
-          <p:nvPr>
-            <p:ph type="sldImg"/>
-          </p:nvPr>
-        </p:nvSpPr>
-        <p:spPr/>
-      </p:sp>
-      <p:sp>
-        <p:nvSpPr>
-          <p:cNvPr id="3" name="Заметки 2"/>
-          <p:cNvSpPr>
-            <a:spLocks noGrp="1"/>
-          </p:cNvSpPr>
-          <p:nvPr>
-            <p:ph type="body" idx="1"/>
-          </p:nvPr>
-        </p:nvSpPr>
-        <p:spPr/>
-        <p:txBody>
-          <a:bodyPr/>
-          <a:lstStyle/>
-          <a:p>
-            <a:endParaRPr lang="ru-RU"/>
-          </a:p>
-        </p:txBody>
-      </p:sp>
-      <p:sp>
-        <p:nvSpPr>
-          <p:cNvPr id="4" name="Номер слайда 3"/>
-          <p:cNvSpPr>
-            <a:spLocks noGrp="1"/>
-          </p:cNvSpPr>
-          <p:nvPr>
-            <p:ph type="sldNum" sz="quarter" idx="10"/>
-          </p:nvPr>
-        </p:nvSpPr>
-        <p:spPr/>
-        <p:txBody>
-          <a:bodyPr/>
-          <a:lstStyle/>
-          <a:p>
-            <a:fld id="{195CE8A0-4945-4289-8AFB-FA6E871CEBCC}" type="slidenum">
-              <a:rPr lang="ru-RU" smtClean="0"/>
-              <a:t>19</a:t>
-            </a:fld>
-            <a:endParaRPr lang="ru-RU"/>
-          </a:p>
-        </p:txBody>
-      </p:sp>
-    </p:spTree>
-    <p:extLst>
-      <p:ext uri="{BB962C8B-B14F-4D97-AF65-F5344CB8AC3E}">
-        <p14:creationId xmlns:p14="http://schemas.microsoft.com/office/powerpoint/2010/main" val="2780969589"/>
-      </p:ext>
-    </p:extLst>
-  </p:cSld>
-  <p:clrMapOvr>
-    <a:masterClrMapping/>
-  </p:clrMapOvr>
-</p:notes>
-</file>
-
-<file path=ppt/notesSlides/notesSlide2.xml><?xml version="1.0" encoding="utf-8"?>
-<p:notes xmlns:a="http://schemas.openxmlformats.org/drawingml/2006/main" xmlns:r="http://schemas.openxmlformats.org/officeDocument/2006/relationships" xmlns:p="http://schemas.openxmlformats.org/presentationml/2006/main">
-  <p:cSld>
-    <p:spTree>
-      <p:nvGrpSpPr>
-        <p:cNvPr id="1" name=""/>
-        <p:cNvGrpSpPr/>
-        <p:nvPr/>
-      </p:nvGrpSpPr>
-      <p:grpSpPr>
-        <a:xfrm>
-          <a:off x="0" y="0"/>
-          <a:ext cx="0" cy="0"/>
-          <a:chOff x="0" y="0"/>
-          <a:chExt cx="0" cy="0"/>
-        </a:xfrm>
-      </p:grpSpPr>
-      <p:sp>
-        <p:nvSpPr>
-          <p:cNvPr id="2" name="Образ слайда 1"/>
-          <p:cNvSpPr>
-            <a:spLocks noGrp="1" noRot="1" noChangeAspect="1"/>
-          </p:cNvSpPr>
-          <p:nvPr>
-            <p:ph type="sldImg"/>
-          </p:nvPr>
-        </p:nvSpPr>
-        <p:spPr/>
-      </p:sp>
-      <p:sp>
-        <p:nvSpPr>
-          <p:cNvPr id="3" name="Заметки 2"/>
-          <p:cNvSpPr>
-            <a:spLocks noGrp="1"/>
-          </p:cNvSpPr>
-          <p:nvPr>
-            <p:ph type="body" idx="1"/>
-          </p:nvPr>
-        </p:nvSpPr>
-        <p:spPr/>
-        <p:txBody>
-          <a:bodyPr/>
-          <a:lstStyle/>
-          <a:p>
-            <a:endParaRPr lang="ru-RU"/>
-          </a:p>
-        </p:txBody>
-      </p:sp>
-      <p:sp>
-        <p:nvSpPr>
-          <p:cNvPr id="4" name="Номер слайда 3"/>
-          <p:cNvSpPr>
-            <a:spLocks noGrp="1"/>
-          </p:cNvSpPr>
-          <p:nvPr>
-            <p:ph type="sldNum" sz="quarter" idx="10"/>
-          </p:nvPr>
-        </p:nvSpPr>
-        <p:spPr/>
-        <p:txBody>
-          <a:bodyPr/>
-          <a:lstStyle/>
-          <a:p>
-            <a:fld id="{195CE8A0-4945-4289-8AFB-FA6E871CEBCC}" type="slidenum">
-              <a:rPr lang="ru-RU" smtClean="0"/>
-              <a:t>2</a:t>
-            </a:fld>
-            <a:endParaRPr lang="ru-RU"/>
-          </a:p>
-        </p:txBody>
-      </p:sp>
-    </p:spTree>
-    <p:extLst>
-      <p:ext uri="{BB962C8B-B14F-4D97-AF65-F5344CB8AC3E}">
-        <p14:creationId xmlns:p14="http://schemas.microsoft.com/office/powerpoint/2010/main" val="1759280626"/>
-      </p:ext>
-    </p:extLst>
-  </p:cSld>
-  <p:clrMapOvr>
-    <a:masterClrMapping/>
-  </p:clrMapOvr>
-</p:notes>
-</file>
-
-<file path=ppt/notesSlides/notesSlide3.xml><?xml version="1.0" encoding="utf-8"?>
-<p:notes xmlns:a="http://schemas.openxmlformats.org/drawingml/2006/main" xmlns:r="http://schemas.openxmlformats.org/officeDocument/2006/relationships" xmlns:p="http://schemas.openxmlformats.org/presentationml/2006/main">
-  <p:cSld>
-    <p:spTree>
-      <p:nvGrpSpPr>
-        <p:cNvPr id="1" name=""/>
-        <p:cNvGrpSpPr/>
-        <p:nvPr/>
-      </p:nvGrpSpPr>
-      <p:grpSpPr>
-        <a:xfrm>
-          <a:off x="0" y="0"/>
-          <a:ext cx="0" cy="0"/>
-          <a:chOff x="0" y="0"/>
-          <a:chExt cx="0" cy="0"/>
-        </a:xfrm>
-      </p:grpSpPr>
-      <p:sp>
-        <p:nvSpPr>
-          <p:cNvPr id="2" name="Образ слайда 1"/>
-          <p:cNvSpPr>
-            <a:spLocks noGrp="1" noRot="1" noChangeAspect="1"/>
-          </p:cNvSpPr>
-          <p:nvPr>
-            <p:ph type="sldImg"/>
-          </p:nvPr>
-        </p:nvSpPr>
-        <p:spPr/>
-      </p:sp>
-      <p:sp>
-        <p:nvSpPr>
-          <p:cNvPr id="3" name="Заметки 2"/>
-          <p:cNvSpPr>
-            <a:spLocks noGrp="1"/>
-          </p:cNvSpPr>
-          <p:nvPr>
-            <p:ph type="body" idx="1"/>
-          </p:nvPr>
-        </p:nvSpPr>
-        <p:spPr/>
-        <p:txBody>
-          <a:bodyPr/>
-          <a:lstStyle/>
-          <a:p>
-            <a:endParaRPr lang="ru-RU"/>
-          </a:p>
-        </p:txBody>
-      </p:sp>
-      <p:sp>
-        <p:nvSpPr>
-          <p:cNvPr id="4" name="Номер слайда 3"/>
-          <p:cNvSpPr>
-            <a:spLocks noGrp="1"/>
-          </p:cNvSpPr>
-          <p:nvPr>
-            <p:ph type="sldNum" sz="quarter" idx="10"/>
-          </p:nvPr>
-        </p:nvSpPr>
-        <p:spPr/>
-        <p:txBody>
-          <a:bodyPr/>
-          <a:lstStyle/>
-          <a:p>
-            <a:fld id="{195CE8A0-4945-4289-8AFB-FA6E871CEBCC}" type="slidenum">
-              <a:rPr lang="ru-RU" smtClean="0"/>
-              <a:t>3</a:t>
-            </a:fld>
-            <a:endParaRPr lang="ru-RU"/>
-          </a:p>
-        </p:txBody>
-      </p:sp>
-    </p:spTree>
-    <p:extLst>
-      <p:ext uri="{BB962C8B-B14F-4D97-AF65-F5344CB8AC3E}">
-        <p14:creationId xmlns:p14="http://schemas.microsoft.com/office/powerpoint/2010/main" val="2667280592"/>
-      </p:ext>
-    </p:extLst>
-  </p:cSld>
-  <p:clrMapOvr>
-    <a:masterClrMapping/>
-  </p:clrMapOvr>
-</p:notes>
-</file>
-
-<file path=ppt/notesSlides/notesSlide4.xml><?xml version="1.0" encoding="utf-8"?>
-<p:notes xmlns:a="http://schemas.openxmlformats.org/drawingml/2006/main" xmlns:r="http://schemas.openxmlformats.org/officeDocument/2006/relationships" xmlns:p="http://schemas.openxmlformats.org/presentationml/2006/main">
-  <p:cSld>
-    <p:spTree>
-      <p:nvGrpSpPr>
-        <p:cNvPr id="1" name=""/>
-        <p:cNvGrpSpPr/>
-        <p:nvPr/>
-      </p:nvGrpSpPr>
-      <p:grpSpPr>
-        <a:xfrm>
-          <a:off x="0" y="0"/>
-          <a:ext cx="0" cy="0"/>
-          <a:chOff x="0" y="0"/>
-          <a:chExt cx="0" cy="0"/>
-        </a:xfrm>
-      </p:grpSpPr>
-      <p:sp>
-        <p:nvSpPr>
-          <p:cNvPr id="2" name="Образ слайда 1"/>
-          <p:cNvSpPr>
-            <a:spLocks noGrp="1" noRot="1" noChangeAspect="1"/>
-          </p:cNvSpPr>
-          <p:nvPr>
-            <p:ph type="sldImg"/>
-          </p:nvPr>
-        </p:nvSpPr>
-        <p:spPr/>
-      </p:sp>
-      <p:sp>
-        <p:nvSpPr>
-          <p:cNvPr id="3" name="Заметки 2"/>
-          <p:cNvSpPr>
-            <a:spLocks noGrp="1"/>
-          </p:cNvSpPr>
-          <p:nvPr>
-            <p:ph type="body" idx="1"/>
-          </p:nvPr>
-        </p:nvSpPr>
-        <p:spPr/>
-        <p:txBody>
-          <a:bodyPr/>
-          <a:lstStyle/>
-          <a:p>
-            <a:endParaRPr lang="ru-RU"/>
-          </a:p>
-        </p:txBody>
-      </p:sp>
-      <p:sp>
-        <p:nvSpPr>
-          <p:cNvPr id="4" name="Номер слайда 3"/>
-          <p:cNvSpPr>
-            <a:spLocks noGrp="1"/>
-          </p:cNvSpPr>
-          <p:nvPr>
-            <p:ph type="sldNum" sz="quarter" idx="10"/>
-          </p:nvPr>
-        </p:nvSpPr>
-        <p:spPr/>
-        <p:txBody>
-          <a:bodyPr/>
-          <a:lstStyle/>
-          <a:p>
-            <a:fld id="{195CE8A0-4945-4289-8AFB-FA6E871CEBCC}" type="slidenum">
-              <a:rPr lang="ru-RU" smtClean="0"/>
-              <a:t>4</a:t>
-            </a:fld>
-            <a:endParaRPr lang="ru-RU"/>
-          </a:p>
-        </p:txBody>
-      </p:sp>
-    </p:spTree>
-    <p:extLst>
-      <p:ext uri="{BB962C8B-B14F-4D97-AF65-F5344CB8AC3E}">
-        <p14:creationId xmlns:p14="http://schemas.microsoft.com/office/powerpoint/2010/main" val="3180165000"/>
-      </p:ext>
-    </p:extLst>
-  </p:cSld>
-  <p:clrMapOvr>
-    <a:masterClrMapping/>
-  </p:clrMapOvr>
-</p:notes>
-</file>
-
-<file path=ppt/notesSlides/notesSlide5.xml><?xml version="1.0" encoding="utf-8"?>
-<p:notes xmlns:a="http://schemas.openxmlformats.org/drawingml/2006/main" xmlns:r="http://schemas.openxmlformats.org/officeDocument/2006/relationships" xmlns:p="http://schemas.openxmlformats.org/presentationml/2006/main">
-  <p:cSld>
-    <p:spTree>
-      <p:nvGrpSpPr>
-        <p:cNvPr id="1" name=""/>
-        <p:cNvGrpSpPr/>
-        <p:nvPr/>
-      </p:nvGrpSpPr>
-      <p:grpSpPr>
-        <a:xfrm>
-          <a:off x="0" y="0"/>
-          <a:ext cx="0" cy="0"/>
-          <a:chOff x="0" y="0"/>
-          <a:chExt cx="0" cy="0"/>
-        </a:xfrm>
-      </p:grpSpPr>
-      <p:sp>
-        <p:nvSpPr>
-          <p:cNvPr id="2" name="Образ слайда 1"/>
-          <p:cNvSpPr>
-            <a:spLocks noGrp="1" noRot="1" noChangeAspect="1"/>
-          </p:cNvSpPr>
-          <p:nvPr>
-            <p:ph type="sldImg"/>
-          </p:nvPr>
-        </p:nvSpPr>
-        <p:spPr/>
-      </p:sp>
-      <p:sp>
-        <p:nvSpPr>
-          <p:cNvPr id="3" name="Заметки 2"/>
-          <p:cNvSpPr>
-            <a:spLocks noGrp="1"/>
-          </p:cNvSpPr>
-          <p:nvPr>
-            <p:ph type="body" idx="1"/>
-          </p:nvPr>
-        </p:nvSpPr>
-        <p:spPr/>
-        <p:txBody>
-          <a:bodyPr/>
-          <a:lstStyle/>
-          <a:p>
-            <a:endParaRPr lang="ru-RU"/>
-          </a:p>
-        </p:txBody>
-      </p:sp>
-      <p:sp>
-        <p:nvSpPr>
-          <p:cNvPr id="4" name="Номер слайда 3"/>
-          <p:cNvSpPr>
-            <a:spLocks noGrp="1"/>
-          </p:cNvSpPr>
-          <p:nvPr>
-            <p:ph type="sldNum" sz="quarter" idx="10"/>
-          </p:nvPr>
-        </p:nvSpPr>
-        <p:spPr/>
-        <p:txBody>
-          <a:bodyPr/>
-          <a:lstStyle/>
-          <a:p>
-            <a:fld id="{195CE8A0-4945-4289-8AFB-FA6E871CEBCC}" type="slidenum">
-              <a:rPr lang="ru-RU" smtClean="0"/>
-              <a:t>5</a:t>
-            </a:fld>
-            <a:endParaRPr lang="ru-RU"/>
-          </a:p>
-        </p:txBody>
-      </p:sp>
-    </p:spTree>
-    <p:extLst>
-      <p:ext uri="{BB962C8B-B14F-4D97-AF65-F5344CB8AC3E}">
-        <p14:creationId xmlns:p14="http://schemas.microsoft.com/office/powerpoint/2010/main" val="4236163816"/>
-      </p:ext>
-    </p:extLst>
-  </p:cSld>
-  <p:clrMapOvr>
-    <a:masterClrMapping/>
-  </p:clrMapOvr>
-</p:notes>
-</file>
-
-<file path=ppt/notesSlides/notesSlide6.xml><?xml version="1.0" encoding="utf-8"?>
-<p:notes xmlns:a="http://schemas.openxmlformats.org/drawingml/2006/main" xmlns:r="http://schemas.openxmlformats.org/officeDocument/2006/relationships" xmlns:p="http://schemas.openxmlformats.org/presentationml/2006/main">
-  <p:cSld>
-    <p:spTree>
-      <p:nvGrpSpPr>
-        <p:cNvPr id="1" name=""/>
-        <p:cNvGrpSpPr/>
-        <p:nvPr/>
-      </p:nvGrpSpPr>
-      <p:grpSpPr>
-        <a:xfrm>
-          <a:off x="0" y="0"/>
-          <a:ext cx="0" cy="0"/>
-          <a:chOff x="0" y="0"/>
-          <a:chExt cx="0" cy="0"/>
-        </a:xfrm>
-      </p:grpSpPr>
-      <p:sp>
-        <p:nvSpPr>
-          <p:cNvPr id="2" name="Образ слайда 1"/>
-          <p:cNvSpPr>
-            <a:spLocks noGrp="1" noRot="1" noChangeAspect="1"/>
-          </p:cNvSpPr>
-          <p:nvPr>
-            <p:ph type="sldImg"/>
-          </p:nvPr>
-        </p:nvSpPr>
-        <p:spPr/>
-      </p:sp>
-      <p:sp>
-        <p:nvSpPr>
-          <p:cNvPr id="3" name="Заметки 2"/>
-          <p:cNvSpPr>
-            <a:spLocks noGrp="1"/>
-          </p:cNvSpPr>
-          <p:nvPr>
-            <p:ph type="body" idx="1"/>
-          </p:nvPr>
-        </p:nvSpPr>
-        <p:spPr/>
-        <p:txBody>
-          <a:bodyPr/>
-          <a:lstStyle/>
-          <a:p>
-            <a:endParaRPr lang="ru-RU"/>
-          </a:p>
-        </p:txBody>
-      </p:sp>
-      <p:sp>
-        <p:nvSpPr>
-          <p:cNvPr id="4" name="Номер слайда 3"/>
-          <p:cNvSpPr>
-            <a:spLocks noGrp="1"/>
-          </p:cNvSpPr>
-          <p:nvPr>
-            <p:ph type="sldNum" sz="quarter" idx="10"/>
-          </p:nvPr>
-        </p:nvSpPr>
-        <p:spPr/>
-        <p:txBody>
-          <a:bodyPr/>
-          <a:lstStyle/>
-          <a:p>
-            <a:fld id="{195CE8A0-4945-4289-8AFB-FA6E871CEBCC}" type="slidenum">
-              <a:rPr lang="ru-RU" smtClean="0"/>
-              <a:t>6</a:t>
-            </a:fld>
-            <a:endParaRPr lang="ru-RU"/>
-          </a:p>
-        </p:txBody>
-      </p:sp>
-    </p:spTree>
-    <p:extLst>
-      <p:ext uri="{BB962C8B-B14F-4D97-AF65-F5344CB8AC3E}">
-        <p14:creationId xmlns:p14="http://schemas.microsoft.com/office/powerpoint/2010/main" val="4068473183"/>
-      </p:ext>
-    </p:extLst>
-  </p:cSld>
-  <p:clrMapOvr>
-    <a:masterClrMapping/>
-  </p:clrMapOvr>
-</p:notes>
-</file>
-
-<file path=ppt/notesSlides/notesSlide7.xml><?xml version="1.0" encoding="utf-8"?>
-<p:notes xmlns:a="http://schemas.openxmlformats.org/drawingml/2006/main" xmlns:r="http://schemas.openxmlformats.org/officeDocument/2006/relationships" xmlns:p="http://schemas.openxmlformats.org/presentationml/2006/main">
-  <p:cSld>
-    <p:spTree>
-      <p:nvGrpSpPr>
-        <p:cNvPr id="1" name=""/>
-        <p:cNvGrpSpPr/>
-        <p:nvPr/>
-      </p:nvGrpSpPr>
-      <p:grpSpPr>
-        <a:xfrm>
-          <a:off x="0" y="0"/>
-          <a:ext cx="0" cy="0"/>
-          <a:chOff x="0" y="0"/>
-          <a:chExt cx="0" cy="0"/>
-        </a:xfrm>
-      </p:grpSpPr>
-      <p:sp>
-        <p:nvSpPr>
-          <p:cNvPr id="2" name="Образ слайда 1"/>
-          <p:cNvSpPr>
-            <a:spLocks noGrp="1" noRot="1" noChangeAspect="1"/>
-          </p:cNvSpPr>
-          <p:nvPr>
-            <p:ph type="sldImg"/>
-          </p:nvPr>
-        </p:nvSpPr>
-        <p:spPr/>
-      </p:sp>
-      <p:sp>
-        <p:nvSpPr>
-          <p:cNvPr id="3" name="Заметки 2"/>
-          <p:cNvSpPr>
-            <a:spLocks noGrp="1"/>
-          </p:cNvSpPr>
-          <p:nvPr>
-            <p:ph type="body" idx="1"/>
-          </p:nvPr>
-        </p:nvSpPr>
-        <p:spPr/>
-        <p:txBody>
-          <a:bodyPr/>
-          <a:lstStyle/>
-          <a:p>
-            <a:endParaRPr lang="ru-RU"/>
-          </a:p>
-        </p:txBody>
-      </p:sp>
-      <p:sp>
-        <p:nvSpPr>
-          <p:cNvPr id="4" name="Номер слайда 3"/>
-          <p:cNvSpPr>
-            <a:spLocks noGrp="1"/>
-          </p:cNvSpPr>
-          <p:nvPr>
-            <p:ph type="sldNum" sz="quarter" idx="10"/>
-          </p:nvPr>
-        </p:nvSpPr>
-        <p:spPr/>
-        <p:txBody>
-          <a:bodyPr/>
-          <a:lstStyle/>
-          <a:p>
-            <a:fld id="{195CE8A0-4945-4289-8AFB-FA6E871CEBCC}" type="slidenum">
-              <a:rPr lang="ru-RU" smtClean="0"/>
-              <a:t>7</a:t>
-            </a:fld>
-            <a:endParaRPr lang="ru-RU"/>
-          </a:p>
-        </p:txBody>
-      </p:sp>
-    </p:spTree>
-    <p:extLst>
-      <p:ext uri="{BB962C8B-B14F-4D97-AF65-F5344CB8AC3E}">
-        <p14:creationId xmlns:p14="http://schemas.microsoft.com/office/powerpoint/2010/main" val="2240665810"/>
-      </p:ext>
-    </p:extLst>
-  </p:cSld>
-  <p:clrMapOvr>
-    <a:masterClrMapping/>
-  </p:clrMapOvr>
-</p:notes>
-</file>
-
-<file path=ppt/notesSlides/notesSlide8.xml><?xml version="1.0" encoding="utf-8"?>
-<p:notes xmlns:a="http://schemas.openxmlformats.org/drawingml/2006/main" xmlns:r="http://schemas.openxmlformats.org/officeDocument/2006/relationships" xmlns:p="http://schemas.openxmlformats.org/presentationml/2006/main">
-  <p:cSld>
-    <p:spTree>
-      <p:nvGrpSpPr>
-        <p:cNvPr id="1" name=""/>
-        <p:cNvGrpSpPr/>
-        <p:nvPr/>
-      </p:nvGrpSpPr>
-      <p:grpSpPr>
-        <a:xfrm>
-          <a:off x="0" y="0"/>
-          <a:ext cx="0" cy="0"/>
-          <a:chOff x="0" y="0"/>
-          <a:chExt cx="0" cy="0"/>
-        </a:xfrm>
-      </p:grpSpPr>
-      <p:sp>
-        <p:nvSpPr>
-          <p:cNvPr id="2" name="Образ слайда 1"/>
-          <p:cNvSpPr>
-            <a:spLocks noGrp="1" noRot="1" noChangeAspect="1"/>
-          </p:cNvSpPr>
-          <p:nvPr>
-            <p:ph type="sldImg"/>
-          </p:nvPr>
-        </p:nvSpPr>
-        <p:spPr/>
-      </p:sp>
-      <p:sp>
-        <p:nvSpPr>
-          <p:cNvPr id="3" name="Заметки 2"/>
-          <p:cNvSpPr>
-            <a:spLocks noGrp="1"/>
-          </p:cNvSpPr>
-          <p:nvPr>
-            <p:ph type="body" idx="1"/>
-          </p:nvPr>
-        </p:nvSpPr>
-        <p:spPr/>
-        <p:txBody>
-          <a:bodyPr/>
-          <a:lstStyle/>
-          <a:p>
-            <a:endParaRPr lang="ru-RU"/>
-          </a:p>
-        </p:txBody>
-      </p:sp>
-      <p:sp>
-        <p:nvSpPr>
-          <p:cNvPr id="4" name="Номер слайда 3"/>
-          <p:cNvSpPr>
-            <a:spLocks noGrp="1"/>
-          </p:cNvSpPr>
-          <p:nvPr>
-            <p:ph type="sldNum" sz="quarter" idx="10"/>
-          </p:nvPr>
-        </p:nvSpPr>
-        <p:spPr/>
-        <p:txBody>
-          <a:bodyPr/>
-          <a:lstStyle/>
-          <a:p>
-            <a:fld id="{195CE8A0-4945-4289-8AFB-FA6E871CEBCC}" type="slidenum">
-              <a:rPr lang="ru-RU" smtClean="0"/>
-              <a:t>8</a:t>
-            </a:fld>
-            <a:endParaRPr lang="ru-RU"/>
-          </a:p>
-        </p:txBody>
-      </p:sp>
-    </p:spTree>
-    <p:extLst>
-      <p:ext uri="{BB962C8B-B14F-4D97-AF65-F5344CB8AC3E}">
-        <p14:creationId xmlns:p14="http://schemas.microsoft.com/office/powerpoint/2010/main" val="472328050"/>
-      </p:ext>
-    </p:extLst>
-  </p:cSld>
-  <p:clrMapOvr>
-    <a:masterClrMapping/>
-  </p:clrMapOvr>
-</p:notes>
-</file>
-
-<file path=ppt/notesSlides/notesSlide9.xml><?xml version="1.0" encoding="utf-8"?>
-<p:notes xmlns:a="http://schemas.openxmlformats.org/drawingml/2006/main" xmlns:r="http://schemas.openxmlformats.org/officeDocument/2006/relationships" xmlns:p="http://schemas.openxmlformats.org/presentationml/2006/main">
-  <p:cSld>
-    <p:spTree>
-      <p:nvGrpSpPr>
-        <p:cNvPr id="1" name=""/>
-        <p:cNvGrpSpPr/>
-        <p:nvPr/>
-      </p:nvGrpSpPr>
-      <p:grpSpPr>
-        <a:xfrm>
-          <a:off x="0" y="0"/>
-          <a:ext cx="0" cy="0"/>
-          <a:chOff x="0" y="0"/>
-          <a:chExt cx="0" cy="0"/>
-        </a:xfrm>
-      </p:grpSpPr>
-      <p:sp>
-        <p:nvSpPr>
-          <p:cNvPr id="2" name="Образ слайда 1"/>
-          <p:cNvSpPr>
-            <a:spLocks noGrp="1" noRot="1" noChangeAspect="1"/>
-          </p:cNvSpPr>
-          <p:nvPr>
-            <p:ph type="sldImg"/>
-          </p:nvPr>
-        </p:nvSpPr>
-        <p:spPr/>
-      </p:sp>
-      <p:sp>
-        <p:nvSpPr>
-          <p:cNvPr id="3" name="Заметки 2"/>
-          <p:cNvSpPr>
-            <a:spLocks noGrp="1"/>
-          </p:cNvSpPr>
-          <p:nvPr>
-            <p:ph type="body" idx="1"/>
-          </p:nvPr>
-        </p:nvSpPr>
-        <p:spPr/>
-        <p:txBody>
-          <a:bodyPr/>
-          <a:lstStyle/>
-          <a:p>
-            <a:endParaRPr lang="ru-RU"/>
-          </a:p>
-        </p:txBody>
-      </p:sp>
-      <p:sp>
-        <p:nvSpPr>
-          <p:cNvPr id="4" name="Номер слайда 3"/>
-          <p:cNvSpPr>
-            <a:spLocks noGrp="1"/>
-          </p:cNvSpPr>
-          <p:nvPr>
-            <p:ph type="sldNum" sz="quarter" idx="10"/>
-          </p:nvPr>
-        </p:nvSpPr>
-        <p:spPr/>
-        <p:txBody>
-          <a:bodyPr/>
-          <a:lstStyle/>
-          <a:p>
-            <a:fld id="{195CE8A0-4945-4289-8AFB-FA6E871CEBCC}" type="slidenum">
-              <a:rPr lang="ru-RU" smtClean="0"/>
-              <a:t>9</a:t>
-            </a:fld>
-            <a:endParaRPr lang="ru-RU"/>
-          </a:p>
-        </p:txBody>
-      </p:sp>
-    </p:spTree>
-    <p:extLst>
-      <p:ext uri="{BB962C8B-B14F-4D97-AF65-F5344CB8AC3E}">
-        <p14:creationId xmlns:p14="http://schemas.microsoft.com/office/powerpoint/2010/main" val="72567889"/>
-      </p:ext>
-    </p:extLst>
-  </p:cSld>
-  <p:clrMapOvr>
-    <a:masterClrMapping/>
-  </p:clrMapOvr>
-</p:notes>
-</file>
-
 <file path=ppt/slideLayouts/slideLayout1.xml><?xml version="1.0" encoding="utf-8"?>
 <p:sldLayout xmlns:a="http://schemas.openxmlformats.org/drawingml/2006/main" xmlns:r="http://schemas.openxmlformats.org/officeDocument/2006/relationships" xmlns:p="http://schemas.openxmlformats.org/presentationml/2006/main" type="title" preserve="1">
   <p:cSld name="Титульный слайд">
@@ -2010,8 +310,9 @@
           <a:bodyPr/>
           <a:lstStyle/>
           <a:p>
-            <a:fld id="{2348659E-81CC-4310-802E-64888CAC293B}" type="datetime1">
+            <a:fld id="{ECADDB99-61F7-42CA-9B6E-B80570B429D3}" type="datetimeFigureOut">
               <a:rPr lang="ru-RU" smtClean="0"/>
+              <a:pPr/>
               <a:t>16.02.2012</a:t>
             </a:fld>
             <a:endParaRPr lang="ru-RU"/>
@@ -2191,8 +492,9 @@
           <a:bodyPr/>
           <a:lstStyle/>
           <a:p>
-            <a:fld id="{2BA61086-23B0-4D2E-ACAA-D75B29EDD2DA}" type="datetime1">
+            <a:fld id="{ECADDB99-61F7-42CA-9B6E-B80570B429D3}" type="datetimeFigureOut">
               <a:rPr lang="ru-RU" smtClean="0"/>
+              <a:pPr/>
               <a:t>16.02.2012</a:t>
             </a:fld>
             <a:endParaRPr lang="ru-RU"/>
@@ -2382,8 +684,9 @@
           <a:bodyPr/>
           <a:lstStyle/>
           <a:p>
-            <a:fld id="{1B8DBD96-1EBD-4362-8F1D-530FE3DA55F7}" type="datetime1">
+            <a:fld id="{ECADDB99-61F7-42CA-9B6E-B80570B429D3}" type="datetimeFigureOut">
               <a:rPr lang="ru-RU" smtClean="0"/>
+              <a:pPr/>
               <a:t>16.02.2012</a:t>
             </a:fld>
             <a:endParaRPr lang="ru-RU"/>
@@ -2563,8 +866,9 @@
           <a:bodyPr/>
           <a:lstStyle/>
           <a:p>
-            <a:fld id="{9AB9A4AE-1628-4920-A318-05551CA04FDE}" type="datetime1">
+            <a:fld id="{ECADDB99-61F7-42CA-9B6E-B80570B429D3}" type="datetimeFigureOut">
               <a:rPr lang="ru-RU" smtClean="0"/>
+              <a:pPr/>
               <a:t>16.02.2012</a:t>
             </a:fld>
             <a:endParaRPr lang="ru-RU"/>
@@ -2820,8 +1124,9 @@
           <a:bodyPr/>
           <a:lstStyle/>
           <a:p>
-            <a:fld id="{D73D6CFB-27E5-4661-B5F1-59E4A210B2FC}" type="datetime1">
+            <a:fld id="{ECADDB99-61F7-42CA-9B6E-B80570B429D3}" type="datetimeFigureOut">
               <a:rPr lang="ru-RU" smtClean="0"/>
+              <a:pPr/>
               <a:t>16.02.2012</a:t>
             </a:fld>
             <a:endParaRPr lang="ru-RU"/>
@@ -3122,8 +1427,9 @@
           <a:bodyPr/>
           <a:lstStyle/>
           <a:p>
-            <a:fld id="{0D2566D6-D8B0-4822-AFDD-4734FE654BD8}" type="datetime1">
+            <a:fld id="{ECADDB99-61F7-42CA-9B6E-B80570B429D3}" type="datetimeFigureOut">
               <a:rPr lang="ru-RU" smtClean="0"/>
+              <a:pPr/>
               <a:t>16.02.2012</a:t>
             </a:fld>
             <a:endParaRPr lang="ru-RU"/>
@@ -3564,8 +1870,9 @@
           <a:bodyPr/>
           <a:lstStyle/>
           <a:p>
-            <a:fld id="{2E3E23CF-3A4C-4545-BA7D-04A4FD2D940F}" type="datetime1">
+            <a:fld id="{ECADDB99-61F7-42CA-9B6E-B80570B429D3}" type="datetimeFigureOut">
               <a:rPr lang="ru-RU" smtClean="0"/>
+              <a:pPr/>
               <a:t>16.02.2012</a:t>
             </a:fld>
             <a:endParaRPr lang="ru-RU"/>
@@ -3690,8 +1997,9 @@
           <a:bodyPr/>
           <a:lstStyle/>
           <a:p>
-            <a:fld id="{924FF00B-26BD-450D-9A22-003F07955F6A}" type="datetime1">
+            <a:fld id="{ECADDB99-61F7-42CA-9B6E-B80570B429D3}" type="datetimeFigureOut">
               <a:rPr lang="ru-RU" smtClean="0"/>
+              <a:pPr/>
               <a:t>16.02.2012</a:t>
             </a:fld>
             <a:endParaRPr lang="ru-RU"/>
@@ -3790,8 +2098,9 @@
           <a:bodyPr/>
           <a:lstStyle/>
           <a:p>
-            <a:fld id="{2D1870DA-74A3-458D-8C54-6EA91DC899D0}" type="datetime1">
+            <a:fld id="{ECADDB99-61F7-42CA-9B6E-B80570B429D3}" type="datetimeFigureOut">
               <a:rPr lang="ru-RU" smtClean="0"/>
+              <a:pPr/>
               <a:t>16.02.2012</a:t>
             </a:fld>
             <a:endParaRPr lang="ru-RU"/>
@@ -4081,8 +2390,9 @@
           <a:bodyPr/>
           <a:lstStyle/>
           <a:p>
-            <a:fld id="{0EFA1D4D-0E00-4141-92E1-F8D38C168698}" type="datetime1">
+            <a:fld id="{ECADDB99-61F7-42CA-9B6E-B80570B429D3}" type="datetimeFigureOut">
               <a:rPr lang="ru-RU" smtClean="0"/>
+              <a:pPr/>
               <a:t>16.02.2012</a:t>
             </a:fld>
             <a:endParaRPr lang="ru-RU"/>
@@ -4348,8 +2658,9 @@
           <a:bodyPr/>
           <a:lstStyle/>
           <a:p>
-            <a:fld id="{92B3D66D-A663-47FE-B0C5-D237CCD5C9B3}" type="datetime1">
+            <a:fld id="{ECADDB99-61F7-42CA-9B6E-B80570B429D3}" type="datetimeFigureOut">
               <a:rPr lang="ru-RU" smtClean="0"/>
+              <a:pPr/>
               <a:t>16.02.2012</a:t>
             </a:fld>
             <a:endParaRPr lang="ru-RU"/>
@@ -4572,8 +2883,9 @@
             </a:lvl1pPr>
           </a:lstStyle>
           <a:p>
-            <a:fld id="{E906DC5D-F127-4FC7-AA96-871C585F56E7}" type="datetime1">
+            <a:fld id="{ECADDB99-61F7-42CA-9B6E-B80570B429D3}" type="datetimeFigureOut">
               <a:rPr lang="ru-RU" smtClean="0"/>
+              <a:pPr/>
               <a:t>16.02.2012</a:t>
             </a:fld>
             <a:endParaRPr lang="ru-RU"/>
@@ -4681,7 +2993,6 @@
     <p:sldLayoutId id="2147483658" r:id="rId10"/>
     <p:sldLayoutId id="2147483659" r:id="rId11"/>
   </p:sldLayoutIdLst>
-  <p:hf hdr="0" ftr="0" dt="0"/>
   <p:txStyles>
     <p:titleStyle>
       <a:lvl1pPr algn="ctr" defTabSz="914400" rtl="0" eaLnBrk="1" latinLnBrk="0" hangingPunct="1">
@@ -5192,7 +3503,7 @@
       </p:sp>
       <p:sp>
         <p:nvSpPr>
-          <p:cNvPr id="9" name="TextBox 8"/>
+          <p:cNvPr id="7" name="TextBox 6"/>
           <p:cNvSpPr txBox="1"/>
           <p:nvPr>
             <p:custDataLst>
@@ -5226,7 +3537,15 @@
             </a:r>
             <a:r>
               <a:rPr lang="ru-RU" sz="2800" dirty="0" smtClean="0"/>
-              <a:t>Кудрявцев И. В.,  Гр. 6331</a:t>
+              <a:t>Кудрявцев И. В</a:t>
+            </a:r>
+            <a:r>
+              <a:rPr lang="ru-RU" sz="2800" dirty="0" smtClean="0"/>
+              <a:t>.,  Гр</a:t>
+            </a:r>
+            <a:r>
+              <a:rPr lang="ru-RU" sz="2800" dirty="0" smtClean="0"/>
+              <a:t>. 6331</a:t>
             </a:r>
           </a:p>
           <a:p>
@@ -5288,33 +3607,6 @@
           </a:p>
           <a:p>
             <a:endParaRPr lang="ru-RU" dirty="0"/>
-          </a:p>
-        </p:txBody>
-      </p:sp>
-      <p:sp>
-        <p:nvSpPr>
-          <p:cNvPr id="2" name="Номер слайда 1"/>
-          <p:cNvSpPr>
-            <a:spLocks noGrp="1"/>
-          </p:cNvSpPr>
-          <p:nvPr>
-            <p:ph type="sldNum" sz="quarter" idx="12"/>
-            <p:custDataLst>
-              <p:tags r:id="rId7"/>
-            </p:custDataLst>
-          </p:nvPr>
-        </p:nvSpPr>
-        <p:spPr/>
-        <p:txBody>
-          <a:bodyPr/>
-          <a:lstStyle/>
-          <a:p>
-            <a:fld id="{C8038D24-4BEF-41CF-A752-5DC4091D1712}" type="slidenum">
-              <a:rPr lang="ru-RU" sz="2400" smtClean="0"/>
-              <a:pPr/>
-              <a:t>1</a:t>
-            </a:fld>
-            <a:endParaRPr lang="ru-RU" sz="2400"/>
           </a:p>
         </p:txBody>
       </p:sp>
@@ -5394,6 +3686,208 @@
           </p:nvPr>
         </p:nvPicPr>
         <p:blipFill>
+          <a:blip r:embed="rId10">
+            <a:extLst>
+              <a:ext uri="{28A0092B-C50C-407E-A947-70E740481C1C}">
+                <a14:useLocalDpi xmlns:a14="http://schemas.microsoft.com/office/drawing/2010/main" val="0"/>
+              </a:ext>
+            </a:extLst>
+          </a:blip>
+          <a:srcRect/>
+          <a:stretch>
+            <a:fillRect/>
+          </a:stretch>
+        </p:blipFill>
+        <p:spPr bwMode="auto">
+          <a:xfrm>
+            <a:off x="323528" y="1484784"/>
+            <a:ext cx="4279167" cy="1584176"/>
+          </a:xfrm>
+          <a:prstGeom prst="rect">
+            <a:avLst/>
+          </a:prstGeom>
+          <a:noFill/>
+          <a:extLst>
+            <a:ext uri="{909E8E84-426E-40DD-AFC4-6F175D3DCCD1}">
+              <a14:hiddenFill xmlns:a14="http://schemas.microsoft.com/office/drawing/2010/main">
+                <a:solidFill>
+                  <a:srgbClr val="FFFFFF"/>
+                </a:solidFill>
+              </a14:hiddenFill>
+            </a:ext>
+          </a:extLst>
+        </p:spPr>
+      </p:pic>
+      <p:sp>
+        <p:nvSpPr>
+          <p:cNvPr id="4" name="TextBox 3"/>
+          <p:cNvSpPr txBox="1"/>
+          <p:nvPr>
+            <p:custDataLst>
+              <p:tags r:id="rId4"/>
+            </p:custDataLst>
+          </p:nvPr>
+        </p:nvSpPr>
+        <p:spPr>
+          <a:xfrm>
+            <a:off x="1182279" y="3244334"/>
+            <a:ext cx="2561663" cy="369332"/>
+          </a:xfrm>
+          <a:prstGeom prst="rect">
+            <a:avLst/>
+          </a:prstGeom>
+          <a:noFill/>
+        </p:spPr>
+        <p:txBody>
+          <a:bodyPr wrap="none" rtlCol="0">
+            <a:spAutoFit/>
+          </a:bodyPr>
+          <a:lstStyle/>
+          <a:p>
+            <a:pPr algn="ctr"/>
+            <a:r>
+              <a:rPr lang="en-US" dirty="0" err="1" smtClean="0"/>
+              <a:t>db</a:t>
+            </a:r>
+            <a:r>
+              <a:rPr lang="en-US" dirty="0" err="1"/>
+              <a:t>F</a:t>
+            </a:r>
+            <a:r>
+              <a:rPr lang="en-US" dirty="0" err="1" smtClean="0"/>
+              <a:t>orge</a:t>
+            </a:r>
+            <a:r>
+              <a:rPr lang="en-US" dirty="0" smtClean="0"/>
+              <a:t> Studio </a:t>
+            </a:r>
+            <a:r>
+              <a:rPr lang="en-US" dirty="0"/>
+              <a:t>for </a:t>
+            </a:r>
+            <a:r>
+              <a:rPr lang="en-US" dirty="0" err="1" smtClean="0"/>
+              <a:t>MySql</a:t>
+            </a:r>
+            <a:endParaRPr lang="ru-RU" dirty="0"/>
+          </a:p>
+        </p:txBody>
+      </p:sp>
+      <p:pic>
+        <p:nvPicPr>
+          <p:cNvPr id="1028" name="Picture 4" descr="http://web-grand.ru/wp-content/uploads/2011/05/denwer-icon.png"/>
+          <p:cNvPicPr>
+            <a:picLocks noChangeAspect="1" noChangeArrowheads="1"/>
+          </p:cNvPicPr>
+          <p:nvPr>
+            <p:custDataLst>
+              <p:tags r:id="rId5"/>
+            </p:custDataLst>
+          </p:nvPr>
+        </p:nvPicPr>
+        <p:blipFill>
+          <a:blip r:embed="rId11">
+            <a:extLst>
+              <a:ext uri="{28A0092B-C50C-407E-A947-70E740481C1C}">
+                <a14:useLocalDpi xmlns:a14="http://schemas.microsoft.com/office/drawing/2010/main" val="0"/>
+              </a:ext>
+            </a:extLst>
+          </a:blip>
+          <a:srcRect/>
+          <a:stretch>
+            <a:fillRect/>
+          </a:stretch>
+        </p:blipFill>
+        <p:spPr bwMode="auto">
+          <a:xfrm>
+            <a:off x="5724128" y="1190004"/>
+            <a:ext cx="2238996" cy="2238996"/>
+          </a:xfrm>
+          <a:prstGeom prst="rect">
+            <a:avLst/>
+          </a:prstGeom>
+          <a:noFill/>
+          <a:extLst>
+            <a:ext uri="{909E8E84-426E-40DD-AFC4-6F175D3DCCD1}">
+              <a14:hiddenFill xmlns:a14="http://schemas.microsoft.com/office/drawing/2010/main">
+                <a:solidFill>
+                  <a:srgbClr val="FFFFFF"/>
+                </a:solidFill>
+              </a14:hiddenFill>
+            </a:ext>
+          </a:extLst>
+        </p:spPr>
+      </p:pic>
+      <p:sp>
+        <p:nvSpPr>
+          <p:cNvPr id="7" name="TextBox 6"/>
+          <p:cNvSpPr txBox="1"/>
+          <p:nvPr>
+            <p:custDataLst>
+              <p:tags r:id="rId6"/>
+            </p:custDataLst>
+          </p:nvPr>
+        </p:nvSpPr>
+        <p:spPr>
+          <a:xfrm>
+            <a:off x="6017502" y="3584637"/>
+            <a:ext cx="1652247" cy="2308324"/>
+          </a:xfrm>
+          <a:prstGeom prst="rect">
+            <a:avLst/>
+          </a:prstGeom>
+          <a:noFill/>
+        </p:spPr>
+        <p:txBody>
+          <a:bodyPr wrap="none" rtlCol="0">
+            <a:spAutoFit/>
+          </a:bodyPr>
+          <a:lstStyle/>
+          <a:p>
+            <a:pPr algn="ctr"/>
+            <a:r>
+              <a:rPr lang="en-US" sz="3600" dirty="0" err="1" smtClean="0"/>
+              <a:t>Denwer</a:t>
+            </a:r>
+            <a:endParaRPr lang="en-US" sz="3600" dirty="0" smtClean="0"/>
+          </a:p>
+          <a:p>
+            <a:pPr algn="ctr"/>
+            <a:r>
+              <a:rPr lang="en-US" sz="3600" dirty="0" smtClean="0"/>
+              <a:t>Apache</a:t>
+            </a:r>
+          </a:p>
+          <a:p>
+            <a:pPr algn="ctr"/>
+            <a:r>
+              <a:rPr lang="en-US" sz="3600" dirty="0" smtClean="0"/>
+              <a:t>PHP</a:t>
+            </a:r>
+          </a:p>
+          <a:p>
+            <a:pPr algn="ctr"/>
+            <a:r>
+              <a:rPr lang="en-US" sz="3600" dirty="0" smtClean="0"/>
+              <a:t>MySQL</a:t>
+            </a:r>
+            <a:endParaRPr lang="ru-RU" sz="3600" dirty="0"/>
+          </a:p>
+        </p:txBody>
+      </p:sp>
+      <p:pic>
+        <p:nvPicPr>
+          <p:cNvPr id="1030" name="Picture 6" descr="http://habrastorage.org/storage1/340320e8/e4e82fef/593346a1/a7220e0a.png"/>
+          <p:cNvPicPr>
+            <a:picLocks noChangeAspect="1" noChangeArrowheads="1"/>
+          </p:cNvPicPr>
+          <p:nvPr>
+            <p:custDataLst>
+              <p:tags r:id="rId7"/>
+            </p:custDataLst>
+          </p:nvPr>
+        </p:nvPicPr>
+        <p:blipFill>
           <a:blip r:embed="rId12">
             <a:extLst>
               <a:ext uri="{28A0092B-C50C-407E-A947-70E740481C1C}">
@@ -5408,8 +3902,8 @@
         </p:blipFill>
         <p:spPr bwMode="auto">
           <a:xfrm>
-            <a:off x="323528" y="1484784"/>
-            <a:ext cx="4279167" cy="1584176"/>
+            <a:off x="899592" y="3789040"/>
+            <a:ext cx="2016224" cy="2016224"/>
           </a:xfrm>
           <a:prstGeom prst="rect">
             <a:avLst/>
@@ -5428,18 +3922,18 @@
       </p:pic>
       <p:sp>
         <p:nvSpPr>
-          <p:cNvPr id="4" name="TextBox 3"/>
+          <p:cNvPr id="9" name="TextBox 8"/>
           <p:cNvSpPr txBox="1"/>
           <p:nvPr>
             <p:custDataLst>
-              <p:tags r:id="rId4"/>
-            </p:custDataLst>
-          </p:nvPr>
-        </p:nvSpPr>
-        <p:spPr>
-          <a:xfrm>
-            <a:off x="1182279" y="3244334"/>
-            <a:ext cx="2561663" cy="369332"/>
+              <p:tags r:id="rId8"/>
+            </p:custDataLst>
+          </p:nvPr>
+        </p:nvSpPr>
+        <p:spPr>
+          <a:xfrm>
+            <a:off x="832873" y="5804363"/>
+            <a:ext cx="2082943" cy="646331"/>
           </a:xfrm>
           <a:prstGeom prst="rect">
             <a:avLst/>
@@ -5454,239 +3948,10 @@
           <a:p>
             <a:pPr algn="ctr"/>
             <a:r>
-              <a:rPr lang="en-US" dirty="0" err="1" smtClean="0"/>
-              <a:t>db</a:t>
-            </a:r>
-            <a:r>
-              <a:rPr lang="en-US" dirty="0" err="1"/>
-              <a:t>F</a:t>
-            </a:r>
-            <a:r>
-              <a:rPr lang="en-US" dirty="0" err="1" smtClean="0"/>
-              <a:t>orge</a:t>
-            </a:r>
-            <a:r>
-              <a:rPr lang="en-US" dirty="0" smtClean="0"/>
-              <a:t> Studio </a:t>
-            </a:r>
-            <a:r>
-              <a:rPr lang="en-US" dirty="0"/>
-              <a:t>for </a:t>
-            </a:r>
-            <a:r>
-              <a:rPr lang="en-US" dirty="0" err="1" smtClean="0"/>
-              <a:t>MySql</a:t>
-            </a:r>
-            <a:endParaRPr lang="ru-RU" dirty="0"/>
-          </a:p>
-        </p:txBody>
-      </p:sp>
-      <p:pic>
-        <p:nvPicPr>
-          <p:cNvPr id="1028" name="Picture 4" descr="http://web-grand.ru/wp-content/uploads/2011/05/denwer-icon.png"/>
-          <p:cNvPicPr>
-            <a:picLocks noChangeAspect="1" noChangeArrowheads="1"/>
-          </p:cNvPicPr>
-          <p:nvPr>
-            <p:custDataLst>
-              <p:tags r:id="rId5"/>
-            </p:custDataLst>
-          </p:nvPr>
-        </p:nvPicPr>
-        <p:blipFill>
-          <a:blip r:embed="rId13">
-            <a:extLst>
-              <a:ext uri="{28A0092B-C50C-407E-A947-70E740481C1C}">
-                <a14:useLocalDpi xmlns:a14="http://schemas.microsoft.com/office/drawing/2010/main" val="0"/>
-              </a:ext>
-            </a:extLst>
-          </a:blip>
-          <a:srcRect/>
-          <a:stretch>
-            <a:fillRect/>
-          </a:stretch>
-        </p:blipFill>
-        <p:spPr bwMode="auto">
-          <a:xfrm>
-            <a:off x="5724128" y="1190004"/>
-            <a:ext cx="2238996" cy="2238996"/>
-          </a:xfrm>
-          <a:prstGeom prst="rect">
-            <a:avLst/>
-          </a:prstGeom>
-          <a:noFill/>
-          <a:extLst>
-            <a:ext uri="{909E8E84-426E-40DD-AFC4-6F175D3DCCD1}">
-              <a14:hiddenFill xmlns:a14="http://schemas.microsoft.com/office/drawing/2010/main">
-                <a:solidFill>
-                  <a:srgbClr val="FFFFFF"/>
-                </a:solidFill>
-              </a14:hiddenFill>
-            </a:ext>
-          </a:extLst>
-        </p:spPr>
-      </p:pic>
-      <p:sp>
-        <p:nvSpPr>
-          <p:cNvPr id="7" name="TextBox 6"/>
-          <p:cNvSpPr txBox="1"/>
-          <p:nvPr>
-            <p:custDataLst>
-              <p:tags r:id="rId6"/>
-            </p:custDataLst>
-          </p:nvPr>
-        </p:nvSpPr>
-        <p:spPr>
-          <a:xfrm>
-            <a:off x="6017502" y="3584637"/>
-            <a:ext cx="1652247" cy="2308324"/>
-          </a:xfrm>
-          <a:prstGeom prst="rect">
-            <a:avLst/>
-          </a:prstGeom>
-          <a:noFill/>
-        </p:spPr>
-        <p:txBody>
-          <a:bodyPr wrap="none" rtlCol="0">
-            <a:spAutoFit/>
-          </a:bodyPr>
-          <a:lstStyle/>
-          <a:p>
-            <a:pPr algn="ctr"/>
-            <a:r>
-              <a:rPr lang="en-US" sz="3600" dirty="0" err="1" smtClean="0"/>
-              <a:t>Denwer</a:t>
-            </a:r>
-            <a:endParaRPr lang="en-US" sz="3600" dirty="0" smtClean="0"/>
-          </a:p>
-          <a:p>
-            <a:pPr algn="ctr"/>
-            <a:r>
-              <a:rPr lang="en-US" sz="3600" dirty="0" smtClean="0"/>
-              <a:t>Apache</a:t>
-            </a:r>
-          </a:p>
-          <a:p>
-            <a:pPr algn="ctr"/>
-            <a:r>
-              <a:rPr lang="en-US" sz="3600" dirty="0" smtClean="0"/>
-              <a:t>PHP</a:t>
-            </a:r>
-          </a:p>
-          <a:p>
-            <a:pPr algn="ctr"/>
-            <a:r>
-              <a:rPr lang="en-US" sz="3600" dirty="0" smtClean="0"/>
-              <a:t>MySQL</a:t>
-            </a:r>
-            <a:endParaRPr lang="ru-RU" sz="3600" dirty="0"/>
-          </a:p>
-        </p:txBody>
-      </p:sp>
-      <p:pic>
-        <p:nvPicPr>
-          <p:cNvPr id="1030" name="Picture 6" descr="http://habrastorage.org/storage1/340320e8/e4e82fef/593346a1/a7220e0a.png"/>
-          <p:cNvPicPr>
-            <a:picLocks noChangeAspect="1" noChangeArrowheads="1"/>
-          </p:cNvPicPr>
-          <p:nvPr>
-            <p:custDataLst>
-              <p:tags r:id="rId7"/>
-            </p:custDataLst>
-          </p:nvPr>
-        </p:nvPicPr>
-        <p:blipFill>
-          <a:blip r:embed="rId14">
-            <a:extLst>
-              <a:ext uri="{28A0092B-C50C-407E-A947-70E740481C1C}">
-                <a14:useLocalDpi xmlns:a14="http://schemas.microsoft.com/office/drawing/2010/main" val="0"/>
-              </a:ext>
-            </a:extLst>
-          </a:blip>
-          <a:srcRect/>
-          <a:stretch>
-            <a:fillRect/>
-          </a:stretch>
-        </p:blipFill>
-        <p:spPr bwMode="auto">
-          <a:xfrm>
-            <a:off x="899592" y="3789040"/>
-            <a:ext cx="2016224" cy="2016224"/>
-          </a:xfrm>
-          <a:prstGeom prst="rect">
-            <a:avLst/>
-          </a:prstGeom>
-          <a:noFill/>
-          <a:extLst>
-            <a:ext uri="{909E8E84-426E-40DD-AFC4-6F175D3DCCD1}">
-              <a14:hiddenFill xmlns:a14="http://schemas.microsoft.com/office/drawing/2010/main">
-                <a:solidFill>
-                  <a:srgbClr val="FFFFFF"/>
-                </a:solidFill>
-              </a14:hiddenFill>
-            </a:ext>
-          </a:extLst>
-        </p:spPr>
-      </p:pic>
-      <p:sp>
-        <p:nvSpPr>
-          <p:cNvPr id="9" name="TextBox 8"/>
-          <p:cNvSpPr txBox="1"/>
-          <p:nvPr>
-            <p:custDataLst>
-              <p:tags r:id="rId8"/>
-            </p:custDataLst>
-          </p:nvPr>
-        </p:nvSpPr>
-        <p:spPr>
-          <a:xfrm>
-            <a:off x="832873" y="5804363"/>
-            <a:ext cx="2082943" cy="646331"/>
-          </a:xfrm>
-          <a:prstGeom prst="rect">
-            <a:avLst/>
-          </a:prstGeom>
-          <a:noFill/>
-        </p:spPr>
-        <p:txBody>
-          <a:bodyPr wrap="none" rtlCol="0">
-            <a:spAutoFit/>
-          </a:bodyPr>
-          <a:lstStyle/>
-          <a:p>
-            <a:pPr algn="ctr"/>
-            <a:r>
               <a:rPr lang="en-US" sz="3600" dirty="0" err="1" smtClean="0"/>
               <a:t>PHPStorm</a:t>
             </a:r>
             <a:endParaRPr lang="ru-RU" sz="3600" dirty="0"/>
-          </a:p>
-        </p:txBody>
-      </p:sp>
-      <p:sp>
-        <p:nvSpPr>
-          <p:cNvPr id="3" name="Номер слайда 2"/>
-          <p:cNvSpPr>
-            <a:spLocks noGrp="1"/>
-          </p:cNvSpPr>
-          <p:nvPr>
-            <p:ph type="sldNum" sz="quarter" idx="12"/>
-            <p:custDataLst>
-              <p:tags r:id="rId9"/>
-            </p:custDataLst>
-          </p:nvPr>
-        </p:nvSpPr>
-        <p:spPr/>
-        <p:txBody>
-          <a:bodyPr/>
-          <a:lstStyle/>
-          <a:p>
-            <a:fld id="{C8038D24-4BEF-41CF-A752-5DC4091D1712}" type="slidenum">
-              <a:rPr lang="ru-RU" smtClean="0"/>
-              <a:pPr/>
-              <a:t>10</a:t>
-            </a:fld>
-            <a:endParaRPr lang="ru-RU"/>
           </a:p>
         </p:txBody>
       </p:sp>
@@ -5774,7 +4039,7 @@
           </p:nvPr>
         </p:nvPicPr>
         <p:blipFill rotWithShape="1">
-          <a:blip r:embed="rId7">
+          <a:blip r:embed="rId5">
             <a:extLst>
               <a:ext uri="{28A0092B-C50C-407E-A947-70E740481C1C}">
                 <a14:useLocalDpi xmlns:a14="http://schemas.microsoft.com/office/drawing/2010/main" val="0"/>
@@ -5827,33 +4092,6 @@
           </a:extLst>
         </p:spPr>
       </p:pic>
-      <p:sp>
-        <p:nvSpPr>
-          <p:cNvPr id="3" name="Номер слайда 2"/>
-          <p:cNvSpPr>
-            <a:spLocks noGrp="1"/>
-          </p:cNvSpPr>
-          <p:nvPr>
-            <p:ph type="sldNum" sz="quarter" idx="12"/>
-            <p:custDataLst>
-              <p:tags r:id="rId4"/>
-            </p:custDataLst>
-          </p:nvPr>
-        </p:nvSpPr>
-        <p:spPr/>
-        <p:txBody>
-          <a:bodyPr/>
-          <a:lstStyle/>
-          <a:p>
-            <a:fld id="{C8038D24-4BEF-41CF-A752-5DC4091D1712}" type="slidenum">
-              <a:rPr lang="ru-RU" smtClean="0"/>
-              <a:pPr/>
-              <a:t>11</a:t>
-            </a:fld>
-            <a:endParaRPr lang="ru-RU"/>
-          </a:p>
-        </p:txBody>
-      </p:sp>
     </p:spTree>
     <p:custDataLst>
       <p:tags r:id="rId1"/>
@@ -6098,33 +4336,6 @@
           </a:p>
         </p:txBody>
       </p:sp>
-      <p:sp>
-        <p:nvSpPr>
-          <p:cNvPr id="4" name="Номер слайда 3"/>
-          <p:cNvSpPr>
-            <a:spLocks noGrp="1"/>
-          </p:cNvSpPr>
-          <p:nvPr>
-            <p:ph type="sldNum" sz="quarter" idx="12"/>
-            <p:custDataLst>
-              <p:tags r:id="rId4"/>
-            </p:custDataLst>
-          </p:nvPr>
-        </p:nvSpPr>
-        <p:spPr/>
-        <p:txBody>
-          <a:bodyPr/>
-          <a:lstStyle/>
-          <a:p>
-            <a:fld id="{C8038D24-4BEF-41CF-A752-5DC4091D1712}" type="slidenum">
-              <a:rPr lang="ru-RU" smtClean="0"/>
-              <a:pPr/>
-              <a:t>12</a:t>
-            </a:fld>
-            <a:endParaRPr lang="ru-RU"/>
-          </a:p>
-        </p:txBody>
-      </p:sp>
     </p:spTree>
     <p:custDataLst>
       <p:tags r:id="rId1"/>
@@ -6138,13 +4349,6 @@
   <p:clrMapOvr>
     <a:masterClrMapping/>
   </p:clrMapOvr>
-  <p:timing>
-    <p:tnLst>
-      <p:par>
-        <p:cTn id="1" dur="indefinite" restart="never" nodeType="tmRoot"/>
-      </p:par>
-    </p:tnLst>
-  </p:timing>
 </p:sld>
 </file>
 
@@ -6178,14 +4382,19 @@
             </p:custDataLst>
           </p:nvPr>
         </p:nvSpPr>
-        <p:spPr/>
+        <p:spPr>
+          <a:xfrm>
+            <a:off x="428596" y="214290"/>
+            <a:ext cx="8229600" cy="1143000"/>
+          </a:xfrm>
+        </p:spPr>
         <p:txBody>
           <a:bodyPr/>
           <a:lstStyle/>
           <a:p>
             <a:r>
               <a:rPr lang="ru-RU" dirty="0" smtClean="0"/>
-              <a:t>Начальная страница системы</a:t>
+              <a:t>Пользовательский интерфейс</a:t>
             </a:r>
             <a:endParaRPr lang="ru-RU" dirty="0"/>
           </a:p>
@@ -6193,7 +4402,7 @@
       </p:sp>
       <p:pic>
         <p:nvPicPr>
-          <p:cNvPr id="1027" name="Picture 3"/>
+          <p:cNvPr id="1026" name="Picture 2"/>
           <p:cNvPicPr>
             <a:picLocks noChangeAspect="1" noChangeArrowheads="1"/>
           </p:cNvPicPr>
@@ -6203,220 +4412,34 @@
             </p:custDataLst>
           </p:nvPr>
         </p:nvPicPr>
-        <p:blipFill rotWithShape="1">
-          <a:blip r:embed="rId6">
-            <a:extLst>
-              <a:ext uri="{28A0092B-C50C-407E-A947-70E740481C1C}">
-                <a14:useLocalDpi xmlns:a14="http://schemas.microsoft.com/office/drawing/2010/main" val="0"/>
-              </a:ext>
-            </a:extLst>
-          </a:blip>
-          <a:srcRect l="13334" t="6510" r="16309" b="48252"/>
-          <a:stretch/>
+        <p:blipFill>
+          <a:blip r:embed="rId13"/>
+          <a:srcRect l="2929" t="10986" r="25000" b="35547"/>
+          <a:stretch>
+            <a:fillRect/>
+          </a:stretch>
         </p:blipFill>
         <p:spPr bwMode="auto">
           <a:xfrm>
-            <a:off x="251520" y="1412776"/>
-            <a:ext cx="8577943" cy="4412343"/>
+            <a:off x="142844" y="1071546"/>
+            <a:ext cx="8643966" cy="5130177"/>
           </a:xfrm>
           <a:prstGeom prst="rect">
             <a:avLst/>
           </a:prstGeom>
           <a:noFill/>
-          <a:ln>
+          <a:ln w="9525">
             <a:noFill/>
+            <a:miter lim="800000"/>
+            <a:headEnd/>
+            <a:tailEnd/>
           </a:ln>
           <a:effectLst/>
-          <a:extLst>
-            <a:ext uri="{909E8E84-426E-40DD-AFC4-6F175D3DCCD1}">
-              <a14:hiddenFill xmlns:a14="http://schemas.microsoft.com/office/drawing/2010/main">
-                <a:solidFill>
-                  <a:schemeClr val="accent1"/>
-                </a:solidFill>
-              </a14:hiddenFill>
-            </a:ext>
-            <a:ext uri="{91240B29-F687-4F45-9708-019B960494DF}">
-              <a14:hiddenLine xmlns:a14="http://schemas.microsoft.com/office/drawing/2010/main" w="9525">
-                <a:solidFill>
-                  <a:schemeClr val="tx1"/>
-                </a:solidFill>
-                <a:miter lim="800000"/>
-                <a:headEnd/>
-                <a:tailEnd/>
-              </a14:hiddenLine>
-            </a:ext>
-            <a:ext uri="{AF507438-7753-43E0-B8FC-AC1667EBCBE1}">
-              <a14:hiddenEffects xmlns:a14="http://schemas.microsoft.com/office/drawing/2010/main">
-                <a:effectLst>
-                  <a:outerShdw dist="35921" dir="2700000" algn="ctr" rotWithShape="0">
-                    <a:schemeClr val="bg2"/>
-                  </a:outerShdw>
-                </a:effectLst>
-              </a14:hiddenEffects>
-            </a:ext>
-          </a:extLst>
-        </p:spPr>
-      </p:pic>
-      <p:sp>
-        <p:nvSpPr>
-          <p:cNvPr id="4" name="Номер слайда 3"/>
-          <p:cNvSpPr>
-            <a:spLocks noGrp="1"/>
-          </p:cNvSpPr>
-          <p:nvPr>
-            <p:ph type="sldNum" sz="quarter" idx="12"/>
-            <p:custDataLst>
-              <p:tags r:id="rId4"/>
-            </p:custDataLst>
-          </p:nvPr>
-        </p:nvSpPr>
-        <p:spPr/>
-        <p:txBody>
-          <a:bodyPr/>
-          <a:lstStyle/>
-          <a:p>
-            <a:fld id="{C8038D24-4BEF-41CF-A752-5DC4091D1712}" type="slidenum">
-              <a:rPr lang="ru-RU" smtClean="0"/>
-              <a:pPr/>
-              <a:t>13</a:t>
-            </a:fld>
-            <a:endParaRPr lang="ru-RU"/>
-          </a:p>
-        </p:txBody>
-      </p:sp>
-    </p:spTree>
-    <p:custDataLst>
-      <p:tags r:id="rId1"/>
-    </p:custDataLst>
-    <p:extLst>
-      <p:ext uri="{BB962C8B-B14F-4D97-AF65-F5344CB8AC3E}">
-        <p14:creationId xmlns:p14="http://schemas.microsoft.com/office/powerpoint/2010/main" val="4245357296"/>
-      </p:ext>
-    </p:extLst>
-  </p:cSld>
-  <p:clrMapOvr>
-    <a:masterClrMapping/>
-  </p:clrMapOvr>
-</p:sld>
-</file>
-
-<file path=ppt/slides/slide14.xml><?xml version="1.0" encoding="utf-8"?>
-<p:sld xmlns:a="http://schemas.openxmlformats.org/drawingml/2006/main" xmlns:r="http://schemas.openxmlformats.org/officeDocument/2006/relationships" xmlns:p="http://schemas.openxmlformats.org/presentationml/2006/main">
-  <p:cSld>
-    <p:spTree>
-      <p:nvGrpSpPr>
-        <p:cNvPr id="1" name=""/>
-        <p:cNvGrpSpPr/>
-        <p:nvPr/>
-      </p:nvGrpSpPr>
-      <p:grpSpPr>
-        <a:xfrm>
-          <a:off x="0" y="0"/>
-          <a:ext cx="0" cy="0"/>
-          <a:chOff x="0" y="0"/>
-          <a:chExt cx="0" cy="0"/>
-        </a:xfrm>
-      </p:grpSpPr>
-      <p:sp>
-        <p:nvSpPr>
-          <p:cNvPr id="2" name="Заголовок 1"/>
-          <p:cNvSpPr>
-            <a:spLocks noGrp="1"/>
-          </p:cNvSpPr>
-          <p:nvPr>
-            <p:ph type="title"/>
-            <p:custDataLst>
-              <p:tags r:id="rId2"/>
-            </p:custDataLst>
-          </p:nvPr>
-        </p:nvSpPr>
-        <p:spPr>
-          <a:xfrm>
-            <a:off x="457200" y="274638"/>
-            <a:ext cx="8229600" cy="850106"/>
-          </a:xfrm>
-        </p:spPr>
-        <p:txBody>
-          <a:bodyPr/>
-          <a:lstStyle/>
-          <a:p>
-            <a:r>
-              <a:rPr lang="ru-RU" dirty="0" smtClean="0"/>
-              <a:t>Страница входа в систему</a:t>
-            </a:r>
-            <a:endParaRPr lang="ru-RU" dirty="0"/>
-          </a:p>
-        </p:txBody>
-      </p:sp>
-      <p:pic>
-        <p:nvPicPr>
-          <p:cNvPr id="2050" name="Picture 2"/>
-          <p:cNvPicPr>
-            <a:picLocks noChangeAspect="1" noChangeArrowheads="1"/>
-          </p:cNvPicPr>
-          <p:nvPr>
-            <p:custDataLst>
-              <p:tags r:id="rId3"/>
-            </p:custDataLst>
-          </p:nvPr>
-        </p:nvPicPr>
-        <p:blipFill rotWithShape="1">
-          <a:blip r:embed="rId8">
-            <a:extLst>
-              <a:ext uri="{28A0092B-C50C-407E-A947-70E740481C1C}">
-                <a14:useLocalDpi xmlns:a14="http://schemas.microsoft.com/office/drawing/2010/main" val="0"/>
-              </a:ext>
-            </a:extLst>
-          </a:blip>
-          <a:srcRect l="8929" t="7143" r="39881" b="45090"/>
-          <a:stretch/>
-        </p:blipFill>
-        <p:spPr bwMode="auto">
-          <a:xfrm>
-            <a:off x="1115616" y="1124744"/>
-            <a:ext cx="7056784" cy="5267970"/>
-          </a:xfrm>
-          <a:prstGeom prst="rect">
-            <a:avLst/>
-          </a:prstGeom>
-          <a:noFill/>
-          <a:ln>
-            <a:noFill/>
-          </a:ln>
-          <a:effectLst/>
-          <a:extLst>
-            <a:ext uri="{909E8E84-426E-40DD-AFC4-6F175D3DCCD1}">
-              <a14:hiddenFill xmlns:a14="http://schemas.microsoft.com/office/drawing/2010/main">
-                <a:solidFill>
-                  <a:schemeClr val="accent1"/>
-                </a:solidFill>
-              </a14:hiddenFill>
-            </a:ext>
-            <a:ext uri="{91240B29-F687-4F45-9708-019B960494DF}">
-              <a14:hiddenLine xmlns:a14="http://schemas.microsoft.com/office/drawing/2010/main" w="9525">
-                <a:solidFill>
-                  <a:schemeClr val="tx1"/>
-                </a:solidFill>
-                <a:miter lim="800000"/>
-                <a:headEnd/>
-                <a:tailEnd/>
-              </a14:hiddenLine>
-            </a:ext>
-            <a:ext uri="{AF507438-7753-43E0-B8FC-AC1667EBCBE1}">
-              <a14:hiddenEffects xmlns:a14="http://schemas.microsoft.com/office/drawing/2010/main">
-                <a:effectLst>
-                  <a:outerShdw dist="35921" dir="2700000" algn="ctr" rotWithShape="0">
-                    <a:schemeClr val="bg2"/>
-                  </a:outerShdw>
-                </a:effectLst>
-              </a14:hiddenEffects>
-            </a:ext>
-          </a:extLst>
         </p:spPr>
       </p:pic>
       <p:cxnSp>
         <p:nvCxnSpPr>
-          <p:cNvPr id="5" name="Прямая со стрелкой 4"/>
+          <p:cNvPr id="6" name="Прямая со стрелкой 5"/>
           <p:cNvCxnSpPr/>
           <p:nvPr>
             <p:custDataLst>
@@ -6425,14 +4448,17 @@
           </p:nvPr>
         </p:nvCxnSpPr>
         <p:spPr>
-          <a:xfrm flipH="1">
-            <a:off x="3419872" y="3933056"/>
-            <a:ext cx="864096" cy="288033"/>
+          <a:xfrm rot="5400000" flipH="1" flipV="1">
+            <a:off x="1857356" y="4500570"/>
+            <a:ext cx="642942" cy="500066"/>
           </a:xfrm>
           <a:prstGeom prst="straightConnector1">
             <a:avLst/>
           </a:prstGeom>
-          <a:ln w="63500">
+          <a:ln w="34925">
+            <a:solidFill>
+              <a:schemeClr val="tx1"/>
+            </a:solidFill>
             <a:tailEnd type="arrow"/>
           </a:ln>
         </p:spPr>
@@ -6453,7 +4479,7 @@
       </p:cxnSp>
       <p:sp>
         <p:nvSpPr>
-          <p:cNvPr id="8" name="TextBox 7"/>
+          <p:cNvPr id="7" name="TextBox 6"/>
           <p:cNvSpPr txBox="1"/>
           <p:nvPr>
             <p:custDataLst>
@@ -6463,8 +4489,8 @@
         </p:nvSpPr>
         <p:spPr>
           <a:xfrm>
-            <a:off x="4283968" y="3588106"/>
-            <a:ext cx="3983976" cy="461665"/>
+            <a:off x="642910" y="5143512"/>
+            <a:ext cx="4595810" cy="523220"/>
           </a:xfrm>
           <a:prstGeom prst="rect">
             <a:avLst/>
@@ -6478,184 +4504,63 @@
           <a:lstStyle/>
           <a:p>
             <a:r>
-              <a:rPr lang="ru-RU" sz="2400" dirty="0" smtClean="0"/>
-              <a:t>При вводе неверного пароля</a:t>
-            </a:r>
-            <a:endParaRPr lang="ru-RU" sz="2400" dirty="0"/>
-          </a:p>
-        </p:txBody>
-      </p:sp>
-      <p:sp>
-        <p:nvSpPr>
-          <p:cNvPr id="9" name="Номер слайда 8"/>
-          <p:cNvSpPr>
-            <a:spLocks noGrp="1"/>
-          </p:cNvSpPr>
-          <p:nvPr>
-            <p:ph type="sldNum" sz="quarter" idx="12"/>
+              <a:rPr lang="ru-RU" sz="2800" dirty="0" smtClean="0"/>
+              <a:t>Переход к тексту программы</a:t>
+            </a:r>
+            <a:endParaRPr lang="ru-RU" sz="2800" dirty="0"/>
+          </a:p>
+        </p:txBody>
+      </p:sp>
+      <p:sp>
+        <p:nvSpPr>
+          <p:cNvPr id="8" name="TextBox 7"/>
+          <p:cNvSpPr txBox="1"/>
+          <p:nvPr>
             <p:custDataLst>
               <p:tags r:id="rId6"/>
             </p:custDataLst>
           </p:nvPr>
         </p:nvSpPr>
-        <p:spPr/>
-        <p:txBody>
-          <a:bodyPr/>
-          <a:lstStyle/>
-          <a:p>
-            <a:fld id="{C8038D24-4BEF-41CF-A752-5DC4091D1712}" type="slidenum">
-              <a:rPr lang="ru-RU" smtClean="0"/>
-              <a:pPr/>
-              <a:t>14</a:t>
-            </a:fld>
-            <a:endParaRPr lang="ru-RU"/>
-          </a:p>
-        </p:txBody>
-      </p:sp>
-    </p:spTree>
-    <p:custDataLst>
-      <p:tags r:id="rId1"/>
-    </p:custDataLst>
-    <p:extLst>
-      <p:ext uri="{BB962C8B-B14F-4D97-AF65-F5344CB8AC3E}">
-        <p14:creationId xmlns:p14="http://schemas.microsoft.com/office/powerpoint/2010/main" val="1063453643"/>
-      </p:ext>
-    </p:extLst>
-  </p:cSld>
-  <p:clrMapOvr>
-    <a:masterClrMapping/>
-  </p:clrMapOvr>
-</p:sld>
-</file>
-
-<file path=ppt/slides/slide15.xml><?xml version="1.0" encoding="utf-8"?>
-<p:sld xmlns:a="http://schemas.openxmlformats.org/drawingml/2006/main" xmlns:r="http://schemas.openxmlformats.org/officeDocument/2006/relationships" xmlns:p="http://schemas.openxmlformats.org/presentationml/2006/main">
-  <p:cSld>
-    <p:spTree>
-      <p:nvGrpSpPr>
-        <p:cNvPr id="1" name=""/>
-        <p:cNvGrpSpPr/>
-        <p:nvPr/>
-      </p:nvGrpSpPr>
-      <p:grpSpPr>
-        <a:xfrm>
-          <a:off x="0" y="0"/>
-          <a:ext cx="0" cy="0"/>
-          <a:chOff x="0" y="0"/>
-          <a:chExt cx="0" cy="0"/>
-        </a:xfrm>
-      </p:grpSpPr>
-      <p:pic>
-        <p:nvPicPr>
-          <p:cNvPr id="4098" name="Picture 2"/>
-          <p:cNvPicPr>
-            <a:picLocks noChangeAspect="1" noChangeArrowheads="1"/>
-          </p:cNvPicPr>
-          <p:nvPr>
-            <p:custDataLst>
-              <p:tags r:id="rId2"/>
-            </p:custDataLst>
-          </p:nvPr>
-        </p:nvPicPr>
-        <p:blipFill rotWithShape="1">
-          <a:blip r:embed="rId15">
-            <a:extLst>
-              <a:ext uri="{28A0092B-C50C-407E-A947-70E740481C1C}">
-                <a14:useLocalDpi xmlns:a14="http://schemas.microsoft.com/office/drawing/2010/main" val="0"/>
-              </a:ext>
-            </a:extLst>
-          </a:blip>
-          <a:srcRect l="13864" t="10539" r="28894" b="48903"/>
-          <a:stretch/>
-        </p:blipFill>
-        <p:spPr bwMode="auto">
-          <a:xfrm>
-            <a:off x="136646" y="1007633"/>
-            <a:ext cx="8795649" cy="4985609"/>
+        <p:spPr>
+          <a:xfrm>
+            <a:off x="4214810" y="2000240"/>
+            <a:ext cx="2932982" cy="523220"/>
           </a:xfrm>
           <a:prstGeom prst="rect">
             <a:avLst/>
           </a:prstGeom>
           <a:noFill/>
-          <a:ln>
-            <a:noFill/>
-          </a:ln>
-          <a:effectLst/>
-          <a:extLst>
-            <a:ext uri="{909E8E84-426E-40DD-AFC4-6F175D3DCCD1}">
-              <a14:hiddenFill xmlns:a14="http://schemas.microsoft.com/office/drawing/2010/main">
-                <a:solidFill>
-                  <a:schemeClr val="accent1"/>
-                </a:solidFill>
-              </a14:hiddenFill>
-            </a:ext>
-            <a:ext uri="{91240B29-F687-4F45-9708-019B960494DF}">
-              <a14:hiddenLine xmlns:a14="http://schemas.microsoft.com/office/drawing/2010/main" w="9525">
-                <a:solidFill>
-                  <a:schemeClr val="tx1"/>
-                </a:solidFill>
-                <a:miter lim="800000"/>
-                <a:headEnd/>
-                <a:tailEnd/>
-              </a14:hiddenLine>
-            </a:ext>
-            <a:ext uri="{AF507438-7753-43E0-B8FC-AC1667EBCBE1}">
-              <a14:hiddenEffects xmlns:a14="http://schemas.microsoft.com/office/drawing/2010/main">
-                <a:effectLst>
-                  <a:outerShdw dist="35921" dir="2700000" algn="ctr" rotWithShape="0">
-                    <a:schemeClr val="bg2"/>
-                  </a:outerShdw>
-                </a:effectLst>
-              </a14:hiddenEffects>
-            </a:ext>
-          </a:extLst>
-        </p:spPr>
-      </p:pic>
-      <p:sp>
-        <p:nvSpPr>
-          <p:cNvPr id="2" name="Заголовок 1"/>
-          <p:cNvSpPr>
-            <a:spLocks noGrp="1"/>
-          </p:cNvSpPr>
-          <p:nvPr>
-            <p:ph type="title"/>
-            <p:custDataLst>
-              <p:tags r:id="rId3"/>
-            </p:custDataLst>
-          </p:nvPr>
-        </p:nvSpPr>
-        <p:spPr>
-          <a:xfrm>
-            <a:off x="419670" y="116632"/>
-            <a:ext cx="8229600" cy="891001"/>
-          </a:xfrm>
-        </p:spPr>
-        <p:txBody>
-          <a:bodyPr/>
-          <a:lstStyle/>
-          <a:p>
-            <a:r>
-              <a:rPr lang="ru-RU" dirty="0" smtClean="0"/>
-              <a:t>Пользовательский интерфейс</a:t>
-            </a:r>
-            <a:endParaRPr lang="ru-RU" dirty="0"/>
+        </p:spPr>
+        <p:txBody>
+          <a:bodyPr wrap="none" rtlCol="0">
+            <a:spAutoFit/>
+          </a:bodyPr>
+          <a:lstStyle/>
+          <a:p>
+            <a:r>
+              <a:rPr lang="ru-RU" sz="2800" dirty="0" smtClean="0"/>
+              <a:t>Автор программы</a:t>
+            </a:r>
+            <a:endParaRPr lang="ru-RU" sz="2800" dirty="0"/>
           </a:p>
         </p:txBody>
       </p:sp>
       <p:cxnSp>
         <p:nvCxnSpPr>
-          <p:cNvPr id="6" name="Прямая со стрелкой 5"/>
-          <p:cNvCxnSpPr/>
-          <p:nvPr>
-            <p:custDataLst>
-              <p:tags r:id="rId4"/>
+          <p:cNvPr id="9" name="Прямая со стрелкой 8"/>
+          <p:cNvCxnSpPr>
+            <a:stCxn id="8" idx="2"/>
+          </p:cNvCxnSpPr>
+          <p:nvPr>
+            <p:custDataLst>
+              <p:tags r:id="rId7"/>
             </p:custDataLst>
           </p:nvPr>
         </p:nvCxnSpPr>
         <p:spPr>
-          <a:xfrm rot="5400000" flipH="1" flipV="1">
-            <a:off x="1857356" y="4500570"/>
-            <a:ext cx="642942" cy="500066"/>
+          <a:xfrm rot="5400000">
+            <a:off x="4245252" y="2350143"/>
+            <a:ext cx="1262732" cy="1609367"/>
           </a:xfrm>
           <a:prstGeom prst="straightConnector1">
             <a:avLst/>
@@ -6684,18 +4589,18 @@
       </p:cxnSp>
       <p:sp>
         <p:nvSpPr>
-          <p:cNvPr id="7" name="TextBox 6"/>
+          <p:cNvPr id="13" name="TextBox 12"/>
           <p:cNvSpPr txBox="1"/>
           <p:nvPr>
             <p:custDataLst>
-              <p:tags r:id="rId5"/>
-            </p:custDataLst>
-          </p:nvPr>
-        </p:nvSpPr>
-        <p:spPr>
-          <a:xfrm>
-            <a:off x="642910" y="5143512"/>
-            <a:ext cx="4595810" cy="523220"/>
+              <p:tags r:id="rId8"/>
+            </p:custDataLst>
+          </p:nvPr>
+        </p:nvSpPr>
+        <p:spPr>
+          <a:xfrm>
+            <a:off x="6072198" y="4929198"/>
+            <a:ext cx="2722477" cy="523220"/>
           </a:xfrm>
           <a:prstGeom prst="rect">
             <a:avLst/>
@@ -6710,41 +4615,7 @@
           <a:p>
             <a:r>
               <a:rPr lang="ru-RU" sz="2800" dirty="0" smtClean="0"/>
-              <a:t>Переход к тексту программы</a:t>
-            </a:r>
-            <a:endParaRPr lang="ru-RU" sz="2800" dirty="0"/>
-          </a:p>
-        </p:txBody>
-      </p:sp>
-      <p:sp>
-        <p:nvSpPr>
-          <p:cNvPr id="8" name="TextBox 7"/>
-          <p:cNvSpPr txBox="1"/>
-          <p:nvPr>
-            <p:custDataLst>
-              <p:tags r:id="rId6"/>
-            </p:custDataLst>
-          </p:nvPr>
-        </p:nvSpPr>
-        <p:spPr>
-          <a:xfrm>
-            <a:off x="4214810" y="2000240"/>
-            <a:ext cx="2932982" cy="523220"/>
-          </a:xfrm>
-          <a:prstGeom prst="rect">
-            <a:avLst/>
-          </a:prstGeom>
-          <a:noFill/>
-        </p:spPr>
-        <p:txBody>
-          <a:bodyPr wrap="none" rtlCol="0">
-            <a:spAutoFit/>
-          </a:bodyPr>
-          <a:lstStyle/>
-          <a:p>
-            <a:r>
-              <a:rPr lang="ru-RU" sz="2800" dirty="0" smtClean="0"/>
-              <a:t>Автор программы</a:t>
+              <a:t>Фильтры (поиск)</a:t>
             </a:r>
             <a:endParaRPr lang="ru-RU" sz="2800" dirty="0"/>
           </a:p>
@@ -6752,20 +4623,18 @@
       </p:sp>
       <p:cxnSp>
         <p:nvCxnSpPr>
-          <p:cNvPr id="9" name="Прямая со стрелкой 8"/>
-          <p:cNvCxnSpPr>
-            <a:stCxn id="8" idx="2"/>
-          </p:cNvCxnSpPr>
-          <p:nvPr>
-            <p:custDataLst>
-              <p:tags r:id="rId7"/>
+          <p:cNvPr id="14" name="Прямая со стрелкой 13"/>
+          <p:cNvCxnSpPr/>
+          <p:nvPr>
+            <p:custDataLst>
+              <p:tags r:id="rId9"/>
             </p:custDataLst>
           </p:nvPr>
         </p:nvCxnSpPr>
         <p:spPr>
-          <a:xfrm rot="5400000">
-            <a:off x="4245252" y="2350143"/>
-            <a:ext cx="1262732" cy="1609367"/>
+          <a:xfrm rot="16200000" flipV="1">
+            <a:off x="5286381" y="4000506"/>
+            <a:ext cx="1500199" cy="500065"/>
           </a:xfrm>
           <a:prstGeom prst="straightConnector1">
             <a:avLst/>
@@ -6794,18 +4663,18 @@
       </p:cxnSp>
       <p:sp>
         <p:nvSpPr>
-          <p:cNvPr id="13" name="TextBox 12"/>
+          <p:cNvPr id="17" name="TextBox 16"/>
           <p:cNvSpPr txBox="1"/>
           <p:nvPr>
             <p:custDataLst>
-              <p:tags r:id="rId8"/>
-            </p:custDataLst>
-          </p:nvPr>
-        </p:nvSpPr>
-        <p:spPr>
-          <a:xfrm>
-            <a:off x="6072198" y="4929198"/>
-            <a:ext cx="2722477" cy="523220"/>
+              <p:tags r:id="rId10"/>
+            </p:custDataLst>
+          </p:nvPr>
+        </p:nvSpPr>
+        <p:spPr>
+          <a:xfrm>
+            <a:off x="7215206" y="1571612"/>
+            <a:ext cx="1611723" cy="523220"/>
           </a:xfrm>
           <a:prstGeom prst="rect">
             <a:avLst/>
@@ -6820,7 +4689,7 @@
           <a:p>
             <a:r>
               <a:rPr lang="ru-RU" sz="2800" dirty="0" smtClean="0"/>
-              <a:t>Фильтры (поиск)</a:t>
+              <a:t>Действия</a:t>
             </a:r>
             <a:endParaRPr lang="ru-RU" sz="2800" dirty="0"/>
           </a:p>
@@ -6828,18 +4697,20 @@
       </p:sp>
       <p:cxnSp>
         <p:nvCxnSpPr>
-          <p:cNvPr id="14" name="Прямая со стрелкой 13"/>
-          <p:cNvCxnSpPr/>
-          <p:nvPr>
-            <p:custDataLst>
-              <p:tags r:id="rId9"/>
+          <p:cNvPr id="18" name="Прямая со стрелкой 17"/>
+          <p:cNvCxnSpPr>
+            <a:stCxn id="17" idx="2"/>
+          </p:cNvCxnSpPr>
+          <p:nvPr>
+            <p:custDataLst>
+              <p:tags r:id="rId11"/>
             </p:custDataLst>
           </p:nvPr>
         </p:nvCxnSpPr>
         <p:spPr>
-          <a:xfrm rot="16200000" flipV="1">
-            <a:off x="5286381" y="4000506"/>
-            <a:ext cx="1500199" cy="500065"/>
+          <a:xfrm rot="16200000" flipH="1">
+            <a:off x="7236804" y="2879096"/>
+            <a:ext cx="1762798" cy="194270"/>
           </a:xfrm>
           <a:prstGeom prst="straightConnector1">
             <a:avLst/>
@@ -6866,109 +4737,6 @@
           </a:fontRef>
         </p:style>
       </p:cxnSp>
-      <p:sp>
-        <p:nvSpPr>
-          <p:cNvPr id="17" name="TextBox 16"/>
-          <p:cNvSpPr txBox="1"/>
-          <p:nvPr>
-            <p:custDataLst>
-              <p:tags r:id="rId10"/>
-            </p:custDataLst>
-          </p:nvPr>
-        </p:nvSpPr>
-        <p:spPr>
-          <a:xfrm>
-            <a:off x="7215206" y="1571612"/>
-            <a:ext cx="1611723" cy="523220"/>
-          </a:xfrm>
-          <a:prstGeom prst="rect">
-            <a:avLst/>
-          </a:prstGeom>
-          <a:noFill/>
-        </p:spPr>
-        <p:txBody>
-          <a:bodyPr wrap="none" rtlCol="0">
-            <a:spAutoFit/>
-          </a:bodyPr>
-          <a:lstStyle/>
-          <a:p>
-            <a:r>
-              <a:rPr lang="ru-RU" sz="2800" dirty="0" smtClean="0"/>
-              <a:t>Действия</a:t>
-            </a:r>
-            <a:endParaRPr lang="ru-RU" sz="2800" dirty="0"/>
-          </a:p>
-        </p:txBody>
-      </p:sp>
-      <p:cxnSp>
-        <p:nvCxnSpPr>
-          <p:cNvPr id="18" name="Прямая со стрелкой 17"/>
-          <p:cNvCxnSpPr>
-            <a:stCxn id="17" idx="2"/>
-          </p:cNvCxnSpPr>
-          <p:nvPr>
-            <p:custDataLst>
-              <p:tags r:id="rId11"/>
-            </p:custDataLst>
-          </p:nvPr>
-        </p:nvCxnSpPr>
-        <p:spPr>
-          <a:xfrm rot="16200000" flipH="1">
-            <a:off x="7236804" y="2879096"/>
-            <a:ext cx="1762798" cy="194270"/>
-          </a:xfrm>
-          <a:prstGeom prst="straightConnector1">
-            <a:avLst/>
-          </a:prstGeom>
-          <a:ln w="34925">
-            <a:solidFill>
-              <a:schemeClr val="tx1"/>
-            </a:solidFill>
-            <a:tailEnd type="arrow"/>
-          </a:ln>
-        </p:spPr>
-        <p:style>
-          <a:lnRef idx="1">
-            <a:schemeClr val="accent1"/>
-          </a:lnRef>
-          <a:fillRef idx="0">
-            <a:schemeClr val="accent1"/>
-          </a:fillRef>
-          <a:effectRef idx="0">
-            <a:schemeClr val="accent1"/>
-          </a:effectRef>
-          <a:fontRef idx="minor">
-            <a:schemeClr val="tx1"/>
-          </a:fontRef>
-        </p:style>
-      </p:cxnSp>
-      <p:sp>
-        <p:nvSpPr>
-          <p:cNvPr id="3" name="Номер слайда 2"/>
-          <p:cNvSpPr>
-            <a:spLocks noGrp="1"/>
-          </p:cNvSpPr>
-          <p:nvPr>
-            <p:ph type="sldNum" sz="quarter" idx="12"/>
-            <p:custDataLst>
-              <p:tags r:id="rId12"/>
-            </p:custDataLst>
-          </p:nvPr>
-        </p:nvSpPr>
-        <p:spPr/>
-        <p:txBody>
-          <a:bodyPr/>
-          <a:lstStyle/>
-          <a:p>
-            <a:fld id="{C8038D24-4BEF-41CF-A752-5DC4091D1712}" type="slidenum">
-              <a:rPr lang="ru-RU" smtClean="0"/>
-              <a:pPr/>
-              <a:t>15</a:t>
-            </a:fld>
-            <a:endParaRPr lang="ru-RU"/>
-          </a:p>
-        </p:txBody>
-      </p:sp>
     </p:spTree>
     <p:custDataLst>
       <p:tags r:id="rId1"/>
@@ -6992,6 +4760,197 @@
 </p:sld>
 </file>
 
+<file path=ppt/slides/slide14.xml><?xml version="1.0" encoding="utf-8"?>
+<p:sld xmlns:a="http://schemas.openxmlformats.org/drawingml/2006/main" xmlns:r="http://schemas.openxmlformats.org/officeDocument/2006/relationships" xmlns:p="http://schemas.openxmlformats.org/presentationml/2006/main">
+  <p:cSld>
+    <p:spTree>
+      <p:nvGrpSpPr>
+        <p:cNvPr id="1" name=""/>
+        <p:cNvGrpSpPr/>
+        <p:nvPr/>
+      </p:nvGrpSpPr>
+      <p:grpSpPr>
+        <a:xfrm>
+          <a:off x="0" y="0"/>
+          <a:ext cx="0" cy="0"/>
+          <a:chOff x="0" y="0"/>
+          <a:chExt cx="0" cy="0"/>
+        </a:xfrm>
+      </p:grpSpPr>
+      <p:sp>
+        <p:nvSpPr>
+          <p:cNvPr id="2" name="Заголовок 1"/>
+          <p:cNvSpPr>
+            <a:spLocks noGrp="1"/>
+          </p:cNvSpPr>
+          <p:nvPr>
+            <p:ph type="title"/>
+            <p:custDataLst>
+              <p:tags r:id="rId2"/>
+            </p:custDataLst>
+          </p:nvPr>
+        </p:nvSpPr>
+        <p:spPr/>
+        <p:txBody>
+          <a:bodyPr/>
+          <a:lstStyle/>
+          <a:p>
+            <a:r>
+              <a:rPr lang="ru-RU" dirty="0" smtClean="0"/>
+              <a:t>Страница пользователя системы</a:t>
+            </a:r>
+            <a:endParaRPr lang="ru-RU" dirty="0"/>
+          </a:p>
+        </p:txBody>
+      </p:sp>
+      <p:pic>
+        <p:nvPicPr>
+          <p:cNvPr id="4" name="Рисунок 3"/>
+          <p:cNvPicPr/>
+          <p:nvPr>
+            <p:custDataLst>
+              <p:tags r:id="rId3"/>
+            </p:custDataLst>
+          </p:nvPr>
+        </p:nvPicPr>
+        <p:blipFill>
+          <a:blip r:embed="rId5"/>
+          <a:srcRect l="4169" t="6815" r="23356" b="51490"/>
+          <a:stretch>
+            <a:fillRect/>
+          </a:stretch>
+        </p:blipFill>
+        <p:spPr bwMode="auto">
+          <a:xfrm>
+            <a:off x="571472" y="1643050"/>
+            <a:ext cx="8072494" cy="4643470"/>
+          </a:xfrm>
+          <a:prstGeom prst="rect">
+            <a:avLst/>
+          </a:prstGeom>
+          <a:noFill/>
+          <a:ln w="9525">
+            <a:noFill/>
+            <a:miter lim="800000"/>
+            <a:headEnd/>
+            <a:tailEnd/>
+          </a:ln>
+        </p:spPr>
+      </p:pic>
+    </p:spTree>
+    <p:custDataLst>
+      <p:tags r:id="rId1"/>
+    </p:custDataLst>
+    <p:extLst>
+      <p:ext uri="{BB962C8B-B14F-4D97-AF65-F5344CB8AC3E}">
+        <p14:creationId xmlns:p14="http://schemas.microsoft.com/office/powerpoint/2010/main" val="2254573380"/>
+      </p:ext>
+    </p:extLst>
+  </p:cSld>
+  <p:clrMapOvr>
+    <a:masterClrMapping/>
+  </p:clrMapOvr>
+</p:sld>
+</file>
+
+<file path=ppt/slides/slide15.xml><?xml version="1.0" encoding="utf-8"?>
+<p:sld xmlns:a="http://schemas.openxmlformats.org/drawingml/2006/main" xmlns:r="http://schemas.openxmlformats.org/officeDocument/2006/relationships" xmlns:p="http://schemas.openxmlformats.org/presentationml/2006/main">
+  <p:cSld>
+    <p:spTree>
+      <p:nvGrpSpPr>
+        <p:cNvPr id="1" name=""/>
+        <p:cNvGrpSpPr/>
+        <p:nvPr/>
+      </p:nvGrpSpPr>
+      <p:grpSpPr>
+        <a:xfrm>
+          <a:off x="0" y="0"/>
+          <a:ext cx="0" cy="0"/>
+          <a:chOff x="0" y="0"/>
+          <a:chExt cx="0" cy="0"/>
+        </a:xfrm>
+      </p:grpSpPr>
+      <p:sp>
+        <p:nvSpPr>
+          <p:cNvPr id="2" name="Заголовок 1"/>
+          <p:cNvSpPr>
+            <a:spLocks noGrp="1"/>
+          </p:cNvSpPr>
+          <p:nvPr>
+            <p:ph type="title"/>
+            <p:custDataLst>
+              <p:tags r:id="rId2"/>
+            </p:custDataLst>
+          </p:nvPr>
+        </p:nvSpPr>
+        <p:spPr>
+          <a:xfrm>
+            <a:off x="457200" y="274638"/>
+            <a:ext cx="8229600" cy="868346"/>
+          </a:xfrm>
+        </p:spPr>
+        <p:txBody>
+          <a:bodyPr/>
+          <a:lstStyle/>
+          <a:p>
+            <a:r>
+              <a:rPr lang="ru-RU" dirty="0" smtClean="0"/>
+              <a:t>Тип станка</a:t>
+            </a:r>
+            <a:endParaRPr lang="ru-RU" dirty="0"/>
+          </a:p>
+        </p:txBody>
+      </p:sp>
+      <p:pic>
+        <p:nvPicPr>
+          <p:cNvPr id="4" name="Рисунок 3"/>
+          <p:cNvPicPr/>
+          <p:nvPr>
+            <p:custDataLst>
+              <p:tags r:id="rId3"/>
+            </p:custDataLst>
+          </p:nvPr>
+        </p:nvPicPr>
+        <p:blipFill>
+          <a:blip r:embed="rId5"/>
+          <a:srcRect l="2875" t="6704" r="23332" b="40743"/>
+          <a:stretch>
+            <a:fillRect/>
+          </a:stretch>
+        </p:blipFill>
+        <p:spPr bwMode="auto">
+          <a:xfrm>
+            <a:off x="571472" y="1142984"/>
+            <a:ext cx="8143932" cy="4857784"/>
+          </a:xfrm>
+          <a:prstGeom prst="rect">
+            <a:avLst/>
+          </a:prstGeom>
+          <a:noFill/>
+          <a:ln w="9525">
+            <a:noFill/>
+            <a:miter lim="800000"/>
+            <a:headEnd/>
+            <a:tailEnd/>
+          </a:ln>
+        </p:spPr>
+      </p:pic>
+    </p:spTree>
+    <p:custDataLst>
+      <p:tags r:id="rId1"/>
+    </p:custDataLst>
+    <p:extLst>
+      <p:ext uri="{BB962C8B-B14F-4D97-AF65-F5344CB8AC3E}">
+        <p14:creationId xmlns:p14="http://schemas.microsoft.com/office/powerpoint/2010/main" val="2595667534"/>
+      </p:ext>
+    </p:extLst>
+  </p:cSld>
+  <p:clrMapOvr>
+    <a:masterClrMapping/>
+  </p:clrMapOvr>
+</p:sld>
+</file>
+
 <file path=ppt/slides/slide16.xml><?xml version="1.0" encoding="utf-8"?>
 <p:sld xmlns:a="http://schemas.openxmlformats.org/drawingml/2006/main" xmlns:r="http://schemas.openxmlformats.org/officeDocument/2006/relationships" xmlns:p="http://schemas.openxmlformats.org/presentationml/2006/main">
   <p:cSld>
@@ -7022,451 +4981,6 @@
             </p:custDataLst>
           </p:nvPr>
         </p:nvSpPr>
-        <p:spPr/>
-        <p:txBody>
-          <a:bodyPr/>
-          <a:lstStyle/>
-          <a:p>
-            <a:r>
-              <a:rPr lang="ru-RU" dirty="0" smtClean="0"/>
-              <a:t>Страница пользователя системы</a:t>
-            </a:r>
-            <a:endParaRPr lang="ru-RU" dirty="0"/>
-          </a:p>
-        </p:txBody>
-      </p:sp>
-      <p:pic>
-        <p:nvPicPr>
-          <p:cNvPr id="4" name="Рисунок 3"/>
-          <p:cNvPicPr/>
-          <p:nvPr>
-            <p:custDataLst>
-              <p:tags r:id="rId3"/>
-            </p:custDataLst>
-          </p:nvPr>
-        </p:nvPicPr>
-        <p:blipFill>
-          <a:blip r:embed="rId7"/>
-          <a:srcRect l="4169" t="6815" r="23356" b="51490"/>
-          <a:stretch>
-            <a:fillRect/>
-          </a:stretch>
-        </p:blipFill>
-        <p:spPr bwMode="auto">
-          <a:xfrm>
-            <a:off x="571472" y="1643050"/>
-            <a:ext cx="8072494" cy="4643470"/>
-          </a:xfrm>
-          <a:prstGeom prst="rect">
-            <a:avLst/>
-          </a:prstGeom>
-          <a:noFill/>
-          <a:ln w="9525">
-            <a:noFill/>
-            <a:miter lim="800000"/>
-            <a:headEnd/>
-            <a:tailEnd/>
-          </a:ln>
-        </p:spPr>
-      </p:pic>
-      <p:sp>
-        <p:nvSpPr>
-          <p:cNvPr id="3" name="Номер слайда 2"/>
-          <p:cNvSpPr>
-            <a:spLocks noGrp="1"/>
-          </p:cNvSpPr>
-          <p:nvPr>
-            <p:ph type="sldNum" sz="quarter" idx="12"/>
-            <p:custDataLst>
-              <p:tags r:id="rId4"/>
-            </p:custDataLst>
-          </p:nvPr>
-        </p:nvSpPr>
-        <p:spPr/>
-        <p:txBody>
-          <a:bodyPr/>
-          <a:lstStyle/>
-          <a:p>
-            <a:fld id="{C8038D24-4BEF-41CF-A752-5DC4091D1712}" type="slidenum">
-              <a:rPr lang="ru-RU" smtClean="0"/>
-              <a:pPr/>
-              <a:t>16</a:t>
-            </a:fld>
-            <a:endParaRPr lang="ru-RU"/>
-          </a:p>
-        </p:txBody>
-      </p:sp>
-    </p:spTree>
-    <p:custDataLst>
-      <p:tags r:id="rId1"/>
-    </p:custDataLst>
-    <p:extLst>
-      <p:ext uri="{BB962C8B-B14F-4D97-AF65-F5344CB8AC3E}">
-        <p14:creationId xmlns:p14="http://schemas.microsoft.com/office/powerpoint/2010/main" val="2254573380"/>
-      </p:ext>
-    </p:extLst>
-  </p:cSld>
-  <p:clrMapOvr>
-    <a:masterClrMapping/>
-  </p:clrMapOvr>
-  <p:timing>
-    <p:tnLst>
-      <p:par>
-        <p:cTn id="1" dur="indefinite" restart="never" nodeType="tmRoot"/>
-      </p:par>
-    </p:tnLst>
-  </p:timing>
-</p:sld>
-</file>
-
-<file path=ppt/slides/slide17.xml><?xml version="1.0" encoding="utf-8"?>
-<p:sld xmlns:a="http://schemas.openxmlformats.org/drawingml/2006/main" xmlns:r="http://schemas.openxmlformats.org/officeDocument/2006/relationships" xmlns:p="http://schemas.openxmlformats.org/presentationml/2006/main">
-  <p:cSld>
-    <p:spTree>
-      <p:nvGrpSpPr>
-        <p:cNvPr id="1" name=""/>
-        <p:cNvGrpSpPr/>
-        <p:nvPr/>
-      </p:nvGrpSpPr>
-      <p:grpSpPr>
-        <a:xfrm>
-          <a:off x="0" y="0"/>
-          <a:ext cx="0" cy="0"/>
-          <a:chOff x="0" y="0"/>
-          <a:chExt cx="0" cy="0"/>
-        </a:xfrm>
-      </p:grpSpPr>
-      <p:sp>
-        <p:nvSpPr>
-          <p:cNvPr id="2" name="Заголовок 1"/>
-          <p:cNvSpPr>
-            <a:spLocks noGrp="1"/>
-          </p:cNvSpPr>
-          <p:nvPr>
-            <p:ph type="title"/>
-            <p:custDataLst>
-              <p:tags r:id="rId2"/>
-            </p:custDataLst>
-          </p:nvPr>
-        </p:nvSpPr>
-        <p:spPr>
-          <a:xfrm>
-            <a:off x="457200" y="274638"/>
-            <a:ext cx="8229600" cy="853600"/>
-          </a:xfrm>
-        </p:spPr>
-        <p:txBody>
-          <a:bodyPr>
-            <a:normAutofit/>
-          </a:bodyPr>
-          <a:lstStyle/>
-          <a:p>
-            <a:r>
-              <a:rPr lang="ru-RU" dirty="0" smtClean="0"/>
-              <a:t>Тип станка</a:t>
-            </a:r>
-            <a:endParaRPr lang="ru-RU" dirty="0"/>
-          </a:p>
-        </p:txBody>
-      </p:sp>
-      <p:pic>
-        <p:nvPicPr>
-          <p:cNvPr id="3074" name="Picture 2"/>
-          <p:cNvPicPr>
-            <a:picLocks noChangeAspect="1" noChangeArrowheads="1"/>
-          </p:cNvPicPr>
-          <p:nvPr>
-            <p:custDataLst>
-              <p:tags r:id="rId3"/>
-            </p:custDataLst>
-          </p:nvPr>
-        </p:nvPicPr>
-        <p:blipFill rotWithShape="1">
-          <a:blip r:embed="rId7">
-            <a:extLst>
-              <a:ext uri="{28A0092B-C50C-407E-A947-70E740481C1C}">
-                <a14:useLocalDpi xmlns:a14="http://schemas.microsoft.com/office/drawing/2010/main" val="0"/>
-              </a:ext>
-            </a:extLst>
-          </a:blip>
-          <a:srcRect l="53869" t="5953" r="20663" b="42769"/>
-          <a:stretch/>
-        </p:blipFill>
-        <p:spPr bwMode="auto">
-          <a:xfrm>
-            <a:off x="1259632" y="1128238"/>
-            <a:ext cx="6840760" cy="5509426"/>
-          </a:xfrm>
-          <a:prstGeom prst="rect">
-            <a:avLst/>
-          </a:prstGeom>
-          <a:noFill/>
-          <a:ln>
-            <a:noFill/>
-          </a:ln>
-          <a:effectLst/>
-          <a:extLst>
-            <a:ext uri="{909E8E84-426E-40DD-AFC4-6F175D3DCCD1}">
-              <a14:hiddenFill xmlns:a14="http://schemas.microsoft.com/office/drawing/2010/main">
-                <a:solidFill>
-                  <a:schemeClr val="accent1"/>
-                </a:solidFill>
-              </a14:hiddenFill>
-            </a:ext>
-            <a:ext uri="{91240B29-F687-4F45-9708-019B960494DF}">
-              <a14:hiddenLine xmlns:a14="http://schemas.microsoft.com/office/drawing/2010/main" w="9525">
-                <a:solidFill>
-                  <a:schemeClr val="tx1"/>
-                </a:solidFill>
-                <a:miter lim="800000"/>
-                <a:headEnd/>
-                <a:tailEnd/>
-              </a14:hiddenLine>
-            </a:ext>
-            <a:ext uri="{AF507438-7753-43E0-B8FC-AC1667EBCBE1}">
-              <a14:hiddenEffects xmlns:a14="http://schemas.microsoft.com/office/drawing/2010/main">
-                <a:effectLst>
-                  <a:outerShdw dist="35921" dir="2700000" algn="ctr" rotWithShape="0">
-                    <a:schemeClr val="bg2"/>
-                  </a:outerShdw>
-                </a:effectLst>
-              </a14:hiddenEffects>
-            </a:ext>
-          </a:extLst>
-        </p:spPr>
-      </p:pic>
-      <p:sp>
-        <p:nvSpPr>
-          <p:cNvPr id="3" name="Номер слайда 2"/>
-          <p:cNvSpPr>
-            <a:spLocks noGrp="1"/>
-          </p:cNvSpPr>
-          <p:nvPr>
-            <p:ph type="sldNum" sz="quarter" idx="12"/>
-            <p:custDataLst>
-              <p:tags r:id="rId4"/>
-            </p:custDataLst>
-          </p:nvPr>
-        </p:nvSpPr>
-        <p:spPr/>
-        <p:txBody>
-          <a:bodyPr/>
-          <a:lstStyle/>
-          <a:p>
-            <a:fld id="{C8038D24-4BEF-41CF-A752-5DC4091D1712}" type="slidenum">
-              <a:rPr lang="ru-RU" smtClean="0"/>
-              <a:pPr/>
-              <a:t>17</a:t>
-            </a:fld>
-            <a:endParaRPr lang="ru-RU"/>
-          </a:p>
-        </p:txBody>
-      </p:sp>
-    </p:spTree>
-    <p:custDataLst>
-      <p:tags r:id="rId1"/>
-    </p:custDataLst>
-    <p:extLst>
-      <p:ext uri="{BB962C8B-B14F-4D97-AF65-F5344CB8AC3E}">
-        <p14:creationId xmlns:p14="http://schemas.microsoft.com/office/powerpoint/2010/main" val="2595667534"/>
-      </p:ext>
-    </p:extLst>
-  </p:cSld>
-  <p:clrMapOvr>
-    <a:masterClrMapping/>
-  </p:clrMapOvr>
-  <p:timing>
-    <p:tnLst>
-      <p:par>
-        <p:cTn id="1" dur="indefinite" restart="never" nodeType="tmRoot"/>
-      </p:par>
-    </p:tnLst>
-  </p:timing>
-</p:sld>
-</file>
-
-<file path=ppt/slides/slide18.xml><?xml version="1.0" encoding="utf-8"?>
-<p:sld xmlns:a="http://schemas.openxmlformats.org/drawingml/2006/main" xmlns:r="http://schemas.openxmlformats.org/officeDocument/2006/relationships" xmlns:p="http://schemas.openxmlformats.org/presentationml/2006/main">
-  <p:cSld>
-    <p:spTree>
-      <p:nvGrpSpPr>
-        <p:cNvPr id="1" name=""/>
-        <p:cNvGrpSpPr/>
-        <p:nvPr/>
-      </p:nvGrpSpPr>
-      <p:grpSpPr>
-        <a:xfrm>
-          <a:off x="0" y="0"/>
-          <a:ext cx="0" cy="0"/>
-          <a:chOff x="0" y="0"/>
-          <a:chExt cx="0" cy="0"/>
-        </a:xfrm>
-      </p:grpSpPr>
-      <p:sp>
-        <p:nvSpPr>
-          <p:cNvPr id="2" name="Заголовок 1"/>
-          <p:cNvSpPr>
-            <a:spLocks noGrp="1"/>
-          </p:cNvSpPr>
-          <p:nvPr>
-            <p:ph type="title"/>
-            <p:custDataLst>
-              <p:tags r:id="rId2"/>
-            </p:custDataLst>
-          </p:nvPr>
-        </p:nvSpPr>
-        <p:spPr/>
-        <p:txBody>
-          <a:bodyPr/>
-          <a:lstStyle/>
-          <a:p>
-            <a:r>
-              <a:rPr lang="ru-RU" dirty="0" smtClean="0"/>
-              <a:t>Версии программы</a:t>
-            </a:r>
-            <a:endParaRPr lang="ru-RU" dirty="0"/>
-          </a:p>
-        </p:txBody>
-      </p:sp>
-      <p:pic>
-        <p:nvPicPr>
-          <p:cNvPr id="5122" name="Picture 2"/>
-          <p:cNvPicPr>
-            <a:picLocks noChangeAspect="1" noChangeArrowheads="1"/>
-          </p:cNvPicPr>
-          <p:nvPr>
-            <p:custDataLst>
-              <p:tags r:id="rId3"/>
-            </p:custDataLst>
-          </p:nvPr>
-        </p:nvPicPr>
-        <p:blipFill rotWithShape="1">
-          <a:blip r:embed="rId6">
-            <a:extLst>
-              <a:ext uri="{28A0092B-C50C-407E-A947-70E740481C1C}">
-                <a14:useLocalDpi xmlns:a14="http://schemas.microsoft.com/office/drawing/2010/main" val="0"/>
-              </a:ext>
-            </a:extLst>
-          </a:blip>
-          <a:srcRect l="12738" t="6250" r="12976" b="42709"/>
-          <a:stretch/>
-        </p:blipFill>
-        <p:spPr bwMode="auto">
-          <a:xfrm>
-            <a:off x="295919" y="1340768"/>
-            <a:ext cx="8645999" cy="4752528"/>
-          </a:xfrm>
-          <a:prstGeom prst="rect">
-            <a:avLst/>
-          </a:prstGeom>
-          <a:noFill/>
-          <a:ln>
-            <a:noFill/>
-          </a:ln>
-          <a:effectLst/>
-          <a:extLst>
-            <a:ext uri="{909E8E84-426E-40DD-AFC4-6F175D3DCCD1}">
-              <a14:hiddenFill xmlns:a14="http://schemas.microsoft.com/office/drawing/2010/main">
-                <a:solidFill>
-                  <a:schemeClr val="accent1"/>
-                </a:solidFill>
-              </a14:hiddenFill>
-            </a:ext>
-            <a:ext uri="{91240B29-F687-4F45-9708-019B960494DF}">
-              <a14:hiddenLine xmlns:a14="http://schemas.microsoft.com/office/drawing/2010/main" w="9525">
-                <a:solidFill>
-                  <a:schemeClr val="tx1"/>
-                </a:solidFill>
-                <a:miter lim="800000"/>
-                <a:headEnd/>
-                <a:tailEnd/>
-              </a14:hiddenLine>
-            </a:ext>
-            <a:ext uri="{AF507438-7753-43E0-B8FC-AC1667EBCBE1}">
-              <a14:hiddenEffects xmlns:a14="http://schemas.microsoft.com/office/drawing/2010/main">
-                <a:effectLst>
-                  <a:outerShdw dist="35921" dir="2700000" algn="ctr" rotWithShape="0">
-                    <a:schemeClr val="bg2"/>
-                  </a:outerShdw>
-                </a:effectLst>
-              </a14:hiddenEffects>
-            </a:ext>
-          </a:extLst>
-        </p:spPr>
-      </p:pic>
-      <p:sp>
-        <p:nvSpPr>
-          <p:cNvPr id="4" name="Номер слайда 3"/>
-          <p:cNvSpPr>
-            <a:spLocks noGrp="1"/>
-          </p:cNvSpPr>
-          <p:nvPr>
-            <p:ph type="sldNum" sz="quarter" idx="12"/>
-            <p:custDataLst>
-              <p:tags r:id="rId4"/>
-            </p:custDataLst>
-          </p:nvPr>
-        </p:nvSpPr>
-        <p:spPr/>
-        <p:txBody>
-          <a:bodyPr/>
-          <a:lstStyle/>
-          <a:p>
-            <a:fld id="{C8038D24-4BEF-41CF-A752-5DC4091D1712}" type="slidenum">
-              <a:rPr lang="ru-RU" smtClean="0"/>
-              <a:pPr/>
-              <a:t>18</a:t>
-            </a:fld>
-            <a:endParaRPr lang="ru-RU"/>
-          </a:p>
-        </p:txBody>
-      </p:sp>
-    </p:spTree>
-    <p:custDataLst>
-      <p:tags r:id="rId1"/>
-    </p:custDataLst>
-    <p:extLst>
-      <p:ext uri="{BB962C8B-B14F-4D97-AF65-F5344CB8AC3E}">
-        <p14:creationId xmlns:p14="http://schemas.microsoft.com/office/powerpoint/2010/main" val="2912246012"/>
-      </p:ext>
-    </p:extLst>
-  </p:cSld>
-  <p:clrMapOvr>
-    <a:masterClrMapping/>
-  </p:clrMapOvr>
-</p:sld>
-</file>
-
-<file path=ppt/slides/slide19.xml><?xml version="1.0" encoding="utf-8"?>
-<p:sld xmlns:a="http://schemas.openxmlformats.org/drawingml/2006/main" xmlns:r="http://schemas.openxmlformats.org/officeDocument/2006/relationships" xmlns:p="http://schemas.openxmlformats.org/presentationml/2006/main">
-  <p:cSld>
-    <p:spTree>
-      <p:nvGrpSpPr>
-        <p:cNvPr id="1" name=""/>
-        <p:cNvGrpSpPr/>
-        <p:nvPr/>
-      </p:nvGrpSpPr>
-      <p:grpSpPr>
-        <a:xfrm>
-          <a:off x="0" y="0"/>
-          <a:ext cx="0" cy="0"/>
-          <a:chOff x="0" y="0"/>
-          <a:chExt cx="0" cy="0"/>
-        </a:xfrm>
-      </p:grpSpPr>
-      <p:sp>
-        <p:nvSpPr>
-          <p:cNvPr id="2" name="Заголовок 1"/>
-          <p:cNvSpPr>
-            <a:spLocks noGrp="1"/>
-          </p:cNvSpPr>
-          <p:nvPr>
-            <p:ph type="title"/>
-            <p:custDataLst>
-              <p:tags r:id="rId2"/>
-            </p:custDataLst>
-          </p:nvPr>
-        </p:nvSpPr>
         <p:spPr>
           <a:xfrm>
             <a:off x="428596" y="0"/>
@@ -7573,33 +5087,6 @@
           </a:p>
           <a:p>
             <a:endParaRPr lang="ru-RU" dirty="0"/>
-          </a:p>
-        </p:txBody>
-      </p:sp>
-      <p:sp>
-        <p:nvSpPr>
-          <p:cNvPr id="4" name="Номер слайда 3"/>
-          <p:cNvSpPr>
-            <a:spLocks noGrp="1"/>
-          </p:cNvSpPr>
-          <p:nvPr>
-            <p:ph type="sldNum" sz="quarter" idx="12"/>
-            <p:custDataLst>
-              <p:tags r:id="rId4"/>
-            </p:custDataLst>
-          </p:nvPr>
-        </p:nvSpPr>
-        <p:spPr/>
-        <p:txBody>
-          <a:bodyPr/>
-          <a:lstStyle/>
-          <a:p>
-            <a:fld id="{C8038D24-4BEF-41CF-A752-5DC4091D1712}" type="slidenum">
-              <a:rPr lang="ru-RU" smtClean="0"/>
-              <a:pPr/>
-              <a:t>19</a:t>
-            </a:fld>
-            <a:endParaRPr lang="ru-RU"/>
           </a:p>
         </p:txBody>
       </p:sp>
@@ -7611,13 +5098,6 @@
   <p:clrMapOvr>
     <a:masterClrMapping/>
   </p:clrMapOvr>
-  <p:timing>
-    <p:tnLst>
-      <p:par>
-        <p:cTn id="1" dur="indefinite" restart="never" nodeType="tmRoot"/>
-      </p:par>
-    </p:tnLst>
-  </p:timing>
 </p:sld>
 </file>
 
@@ -7782,7 +5262,7 @@
           </p:nvPr>
         </p:nvPicPr>
         <p:blipFill>
-          <a:blip r:embed="rId12"/>
+          <a:blip r:embed="rId10"/>
           <a:srcRect/>
           <a:stretch>
             <a:fillRect/>
@@ -7929,33 +5409,6 @@
           </a:fontRef>
         </p:style>
       </p:cxnSp>
-      <p:sp>
-        <p:nvSpPr>
-          <p:cNvPr id="3" name="Номер слайда 2"/>
-          <p:cNvSpPr>
-            <a:spLocks noGrp="1"/>
-          </p:cNvSpPr>
-          <p:nvPr>
-            <p:ph type="sldNum" sz="quarter" idx="12"/>
-            <p:custDataLst>
-              <p:tags r:id="rId9"/>
-            </p:custDataLst>
-          </p:nvPr>
-        </p:nvSpPr>
-        <p:spPr/>
-        <p:txBody>
-          <a:bodyPr/>
-          <a:lstStyle/>
-          <a:p>
-            <a:fld id="{C8038D24-4BEF-41CF-A752-5DC4091D1712}" type="slidenum">
-              <a:rPr lang="ru-RU" smtClean="0"/>
-              <a:pPr/>
-              <a:t>2</a:t>
-            </a:fld>
-            <a:endParaRPr lang="ru-RU"/>
-          </a:p>
-        </p:txBody>
-      </p:sp>
     </p:spTree>
     <p:custDataLst>
       <p:tags r:id="rId1"/>
@@ -8037,7 +5490,7 @@
           </p:nvPr>
         </p:nvPicPr>
         <p:blipFill>
-          <a:blip r:embed="rId17" cstate="print"/>
+          <a:blip r:embed="rId15" cstate="print"/>
           <a:stretch>
             <a:fillRect/>
           </a:stretch>
@@ -8490,33 +5943,6 @@
           </a:fontRef>
         </p:style>
       </p:cxnSp>
-      <p:sp>
-        <p:nvSpPr>
-          <p:cNvPr id="3" name="Номер слайда 2"/>
-          <p:cNvSpPr>
-            <a:spLocks noGrp="1"/>
-          </p:cNvSpPr>
-          <p:nvPr>
-            <p:ph type="sldNum" sz="quarter" idx="12"/>
-            <p:custDataLst>
-              <p:tags r:id="rId14"/>
-            </p:custDataLst>
-          </p:nvPr>
-        </p:nvSpPr>
-        <p:spPr/>
-        <p:txBody>
-          <a:bodyPr/>
-          <a:lstStyle/>
-          <a:p>
-            <a:fld id="{C8038D24-4BEF-41CF-A752-5DC4091D1712}" type="slidenum">
-              <a:rPr lang="ru-RU" smtClean="0"/>
-              <a:pPr/>
-              <a:t>3</a:t>
-            </a:fld>
-            <a:endParaRPr lang="ru-RU"/>
-          </a:p>
-        </p:txBody>
-      </p:sp>
     </p:spTree>
     <p:custDataLst>
       <p:tags r:id="rId1"/>
@@ -8659,7 +6085,7 @@
           </p:nvPr>
         </p:nvPicPr>
         <p:blipFill>
-          <a:blip r:embed="rId13"/>
+          <a:blip r:embed="rId11"/>
           <a:stretch>
             <a:fillRect/>
           </a:stretch>
@@ -8687,7 +6113,7 @@
           </p:nvPr>
         </p:nvPicPr>
         <p:blipFill>
-          <a:blip r:embed="rId14"/>
+          <a:blip r:embed="rId12"/>
           <a:stretch>
             <a:fillRect/>
           </a:stretch>
@@ -8750,7 +6176,7 @@
           </p:nvPr>
         </p:nvPicPr>
         <p:blipFill>
-          <a:blip r:embed="rId15" cstate="print"/>
+          <a:blip r:embed="rId13" cstate="print"/>
           <a:stretch>
             <a:fillRect/>
           </a:stretch>
@@ -8857,33 +6283,6 @@
           </a:fontRef>
         </p:style>
       </p:cxnSp>
-      <p:sp>
-        <p:nvSpPr>
-          <p:cNvPr id="3" name="Номер слайда 2"/>
-          <p:cNvSpPr>
-            <a:spLocks noGrp="1"/>
-          </p:cNvSpPr>
-          <p:nvPr>
-            <p:ph type="sldNum" sz="quarter" idx="12"/>
-            <p:custDataLst>
-              <p:tags r:id="rId10"/>
-            </p:custDataLst>
-          </p:nvPr>
-        </p:nvSpPr>
-        <p:spPr/>
-        <p:txBody>
-          <a:bodyPr/>
-          <a:lstStyle/>
-          <a:p>
-            <a:fld id="{C8038D24-4BEF-41CF-A752-5DC4091D1712}" type="slidenum">
-              <a:rPr lang="ru-RU" smtClean="0"/>
-              <a:pPr/>
-              <a:t>4</a:t>
-            </a:fld>
-            <a:endParaRPr lang="ru-RU"/>
-          </a:p>
-        </p:txBody>
-      </p:sp>
     </p:spTree>
     <p:custDataLst>
       <p:tags r:id="rId1"/>
@@ -8971,7 +6370,7 @@
           </p:nvPr>
         </p:nvPicPr>
         <p:blipFill>
-          <a:blip r:embed="rId7" cstate="print">
+          <a:blip r:embed="rId5" cstate="print">
             <a:lum bright="10000" contrast="20000"/>
           </a:blip>
           <a:srcRect l="9649" b="7017"/>
@@ -8989,33 +6388,6 @@
           </a:prstGeom>
         </p:spPr>
       </p:pic>
-      <p:sp>
-        <p:nvSpPr>
-          <p:cNvPr id="3" name="Номер слайда 2"/>
-          <p:cNvSpPr>
-            <a:spLocks noGrp="1"/>
-          </p:cNvSpPr>
-          <p:nvPr>
-            <p:ph type="sldNum" sz="quarter" idx="12"/>
-            <p:custDataLst>
-              <p:tags r:id="rId4"/>
-            </p:custDataLst>
-          </p:nvPr>
-        </p:nvSpPr>
-        <p:spPr/>
-        <p:txBody>
-          <a:bodyPr/>
-          <a:lstStyle/>
-          <a:p>
-            <a:fld id="{C8038D24-4BEF-41CF-A752-5DC4091D1712}" type="slidenum">
-              <a:rPr lang="ru-RU" smtClean="0"/>
-              <a:pPr/>
-              <a:t>5</a:t>
-            </a:fld>
-            <a:endParaRPr lang="ru-RU"/>
-          </a:p>
-        </p:txBody>
-      </p:sp>
     </p:spTree>
     <p:custDataLst>
       <p:tags r:id="rId1"/>
@@ -9176,33 +6548,6 @@
           </a:p>
         </p:txBody>
       </p:sp>
-      <p:sp>
-        <p:nvSpPr>
-          <p:cNvPr id="2" name="Номер слайда 1"/>
-          <p:cNvSpPr>
-            <a:spLocks noGrp="1"/>
-          </p:cNvSpPr>
-          <p:nvPr>
-            <p:ph type="sldNum" sz="quarter" idx="12"/>
-            <p:custDataLst>
-              <p:tags r:id="rId4"/>
-            </p:custDataLst>
-          </p:nvPr>
-        </p:nvSpPr>
-        <p:spPr/>
-        <p:txBody>
-          <a:bodyPr/>
-          <a:lstStyle/>
-          <a:p>
-            <a:fld id="{C8038D24-4BEF-41CF-A752-5DC4091D1712}" type="slidenum">
-              <a:rPr lang="ru-RU" smtClean="0"/>
-              <a:pPr/>
-              <a:t>6</a:t>
-            </a:fld>
-            <a:endParaRPr lang="ru-RU"/>
-          </a:p>
-        </p:txBody>
-      </p:sp>
     </p:spTree>
     <p:custDataLst>
       <p:tags r:id="rId1"/>
@@ -9284,7 +6629,7 @@
           </p:nvPr>
         </p:nvPicPr>
         <p:blipFill>
-          <a:blip r:embed="rId11"/>
+          <a:blip r:embed="rId9"/>
           <a:srcRect/>
           <a:stretch>
             <a:fillRect/>
@@ -9320,7 +6665,7 @@
           </p:nvPr>
         </p:nvPicPr>
         <p:blipFill>
-          <a:blip r:embed="rId12"/>
+          <a:blip r:embed="rId10"/>
           <a:srcRect/>
           <a:stretch>
             <a:fillRect/>
@@ -9452,33 +6797,6 @@
               <a:t>Документация и программный код хранится на центральном сервере</a:t>
             </a:r>
             <a:endParaRPr lang="ru-RU" sz="2000" dirty="0"/>
-          </a:p>
-        </p:txBody>
-      </p:sp>
-      <p:sp>
-        <p:nvSpPr>
-          <p:cNvPr id="3" name="Номер слайда 2"/>
-          <p:cNvSpPr>
-            <a:spLocks noGrp="1"/>
-          </p:cNvSpPr>
-          <p:nvPr>
-            <p:ph type="sldNum" sz="quarter" idx="12"/>
-            <p:custDataLst>
-              <p:tags r:id="rId8"/>
-            </p:custDataLst>
-          </p:nvPr>
-        </p:nvSpPr>
-        <p:spPr/>
-        <p:txBody>
-          <a:bodyPr/>
-          <a:lstStyle/>
-          <a:p>
-            <a:fld id="{C8038D24-4BEF-41CF-A752-5DC4091D1712}" type="slidenum">
-              <a:rPr lang="ru-RU" smtClean="0"/>
-              <a:pPr/>
-              <a:t>7</a:t>
-            </a:fld>
-            <a:endParaRPr lang="ru-RU"/>
           </a:p>
         </p:txBody>
       </p:sp>
@@ -9901,33 +7219,6 @@
           </a:p>
         </p:txBody>
       </p:sp>
-      <p:sp>
-        <p:nvSpPr>
-          <p:cNvPr id="3" name="Номер слайда 2"/>
-          <p:cNvSpPr>
-            <a:spLocks noGrp="1"/>
-          </p:cNvSpPr>
-          <p:nvPr>
-            <p:ph type="sldNum" sz="quarter" idx="12"/>
-            <p:custDataLst>
-              <p:tags r:id="rId11"/>
-            </p:custDataLst>
-          </p:nvPr>
-        </p:nvSpPr>
-        <p:spPr/>
-        <p:txBody>
-          <a:bodyPr/>
-          <a:lstStyle/>
-          <a:p>
-            <a:fld id="{C8038D24-4BEF-41CF-A752-5DC4091D1712}" type="slidenum">
-              <a:rPr lang="ru-RU" smtClean="0"/>
-              <a:pPr/>
-              <a:t>8</a:t>
-            </a:fld>
-            <a:endParaRPr lang="ru-RU"/>
-          </a:p>
-        </p:txBody>
-      </p:sp>
     </p:spTree>
     <p:custDataLst>
       <p:tags r:id="rId1"/>
@@ -10007,7 +7298,7 @@
           </p:nvPr>
         </p:nvPicPr>
         <p:blipFill>
-          <a:blip r:embed="rId23"/>
+          <a:blip r:embed="rId21"/>
           <a:stretch>
             <a:fillRect/>
           </a:stretch>
@@ -10035,7 +7326,7 @@
           </p:nvPr>
         </p:nvPicPr>
         <p:blipFill>
-          <a:blip r:embed="rId24"/>
+          <a:blip r:embed="rId22"/>
           <a:stretch>
             <a:fillRect/>
           </a:stretch>
@@ -10275,7 +7566,7 @@
           </p:nvPr>
         </p:nvPicPr>
         <p:blipFill>
-          <a:blip r:embed="rId25"/>
+          <a:blip r:embed="rId23"/>
           <a:stretch>
             <a:fillRect/>
           </a:stretch>
@@ -10371,7 +7662,7 @@
           </p:nvPr>
         </p:nvPicPr>
         <p:blipFill>
-          <a:blip r:embed="rId26"/>
+          <a:blip r:embed="rId24"/>
           <a:stretch>
             <a:fillRect/>
           </a:stretch>
@@ -10399,7 +7690,7 @@
           </p:nvPr>
         </p:nvPicPr>
         <p:blipFill>
-          <a:blip r:embed="rId27"/>
+          <a:blip r:embed="rId25"/>
           <a:stretch>
             <a:fillRect/>
           </a:stretch>
@@ -10427,7 +7718,7 @@
           </p:nvPr>
         </p:nvPicPr>
         <p:blipFill>
-          <a:blip r:embed="rId28"/>
+          <a:blip r:embed="rId26"/>
           <a:stretch>
             <a:fillRect/>
           </a:stretch>
@@ -10605,33 +7896,6 @@
           </a:fontRef>
         </p:style>
       </p:cxnSp>
-      <p:sp>
-        <p:nvSpPr>
-          <p:cNvPr id="3" name="Номер слайда 2"/>
-          <p:cNvSpPr>
-            <a:spLocks noGrp="1"/>
-          </p:cNvSpPr>
-          <p:nvPr>
-            <p:ph type="sldNum" sz="quarter" idx="12"/>
-            <p:custDataLst>
-              <p:tags r:id="rId20"/>
-            </p:custDataLst>
-          </p:nvPr>
-        </p:nvSpPr>
-        <p:spPr/>
-        <p:txBody>
-          <a:bodyPr/>
-          <a:lstStyle/>
-          <a:p>
-            <a:fld id="{C8038D24-4BEF-41CF-A752-5DC4091D1712}" type="slidenum">
-              <a:rPr lang="ru-RU" smtClean="0"/>
-              <a:pPr/>
-              <a:t>9</a:t>
-            </a:fld>
-            <a:endParaRPr lang="ru-RU"/>
-          </a:p>
-        </p:txBody>
-      </p:sp>
     </p:spTree>
     <p:custDataLst>
       <p:tags r:id="rId1"/>
@@ -10664,1219 +7928,1039 @@
 
 <file path=ppt/tags/tag100.xml><?xml version="1.0" encoding="utf-8"?>
 <p:tagLst xmlns:a="http://schemas.openxmlformats.org/drawingml/2006/main" xmlns:r="http://schemas.openxmlformats.org/officeDocument/2006/relationships" xmlns:p="http://schemas.openxmlformats.org/presentationml/2006/main">
+  <p:tag name="DVSECTIONID" val="mKo2Mi6eIpUPDFku7EBIRE"/>
+</p:tagLst>
+</file>
+
+<file path=ppt/tags/tag101.xml><?xml version="1.0" encoding="utf-8"?>
+<p:tagLst xmlns:a="http://schemas.openxmlformats.org/drawingml/2006/main" xmlns:r="http://schemas.openxmlformats.org/officeDocument/2006/relationships" xmlns:p="http://schemas.openxmlformats.org/presentationml/2006/main">
+  <p:tag name="DVSHAPEID" val="DJmZhIeSs9a7Uf7zKg5dyr"/>
+</p:tagLst>
+</file>
+
+<file path=ppt/tags/tag102.xml><?xml version="1.0" encoding="utf-8"?>
+<p:tagLst xmlns:a="http://schemas.openxmlformats.org/drawingml/2006/main" xmlns:r="http://schemas.openxmlformats.org/officeDocument/2006/relationships" xmlns:p="http://schemas.openxmlformats.org/presentationml/2006/main">
+  <p:tag name="DVSHAPEID" val="30cmzYzpCcyqlDtQbbGeU1"/>
+</p:tagLst>
+</file>
+
+<file path=ppt/tags/tag103.xml><?xml version="1.0" encoding="utf-8"?>
+<p:tagLst xmlns:a="http://schemas.openxmlformats.org/drawingml/2006/main" xmlns:r="http://schemas.openxmlformats.org/officeDocument/2006/relationships" xmlns:p="http://schemas.openxmlformats.org/presentationml/2006/main">
+  <p:tag name="DVSECTIONID" val="p8ufHOzZ1ox6VPgchLnhkV"/>
+</p:tagLst>
+</file>
+
+<file path=ppt/tags/tag104.xml><?xml version="1.0" encoding="utf-8"?>
+<p:tagLst xmlns:a="http://schemas.openxmlformats.org/drawingml/2006/main" xmlns:r="http://schemas.openxmlformats.org/officeDocument/2006/relationships" xmlns:p="http://schemas.openxmlformats.org/presentationml/2006/main">
+  <p:tag name="DVSHAPEID" val="bgls08Qs0MVbGlNV8fi2wX"/>
+</p:tagLst>
+</file>
+
+<file path=ppt/tags/tag105.xml><?xml version="1.0" encoding="utf-8"?>
+<p:tagLst xmlns:a="http://schemas.openxmlformats.org/drawingml/2006/main" xmlns:r="http://schemas.openxmlformats.org/officeDocument/2006/relationships" xmlns:p="http://schemas.openxmlformats.org/presentationml/2006/main">
+  <p:tag name="DVSHAPEID" val="ztUt6U5Uwkx2OV07YqyacM"/>
+</p:tagLst>
+</file>
+
+<file path=ppt/tags/tag106.xml><?xml version="1.0" encoding="utf-8"?>
+<p:tagLst xmlns:a="http://schemas.openxmlformats.org/drawingml/2006/main" xmlns:r="http://schemas.openxmlformats.org/officeDocument/2006/relationships" xmlns:p="http://schemas.openxmlformats.org/presentationml/2006/main">
+  <p:tag name="DVSECTIONID" val="I7Zal9bsBiOIlgyxAhEInw"/>
+</p:tagLst>
+</file>
+
+<file path=ppt/tags/tag107.xml><?xml version="1.0" encoding="utf-8"?>
+<p:tagLst xmlns:a="http://schemas.openxmlformats.org/drawingml/2006/main" xmlns:r="http://schemas.openxmlformats.org/officeDocument/2006/relationships" xmlns:p="http://schemas.openxmlformats.org/presentationml/2006/main">
+  <p:tag name="DVSHAPEID" val="v9X72f2qVRueHSxw2Vn6fB"/>
+</p:tagLst>
+</file>
+
+<file path=ppt/tags/tag108.xml><?xml version="1.0" encoding="utf-8"?>
+<p:tagLst xmlns:a="http://schemas.openxmlformats.org/drawingml/2006/main" xmlns:r="http://schemas.openxmlformats.org/officeDocument/2006/relationships" xmlns:p="http://schemas.openxmlformats.org/presentationml/2006/main">
+  <p:tag name="DVSHAPEID" val="EExSU0hSumLNXLwZSPS5pG"/>
+</p:tagLst>
+</file>
+
+<file path=ppt/tags/tag109.xml><?xml version="1.0" encoding="utf-8"?>
+<p:tagLst xmlns:a="http://schemas.openxmlformats.org/drawingml/2006/main" xmlns:r="http://schemas.openxmlformats.org/officeDocument/2006/relationships" xmlns:p="http://schemas.openxmlformats.org/presentationml/2006/main">
+  <p:tag name="DVSHAPEID" val="xzd8AsoCN6wUujzal192n8"/>
+</p:tagLst>
+</file>
+
+<file path=ppt/tags/tag11.xml><?xml version="1.0" encoding="utf-8"?>
+<p:tagLst xmlns:a="http://schemas.openxmlformats.org/drawingml/2006/main" xmlns:r="http://schemas.openxmlformats.org/officeDocument/2006/relationships" xmlns:p="http://schemas.openxmlformats.org/presentationml/2006/main">
+  <p:tag name="DVSHAPEID" val="miADonnePebzPeowoY0rBM"/>
+</p:tagLst>
+</file>
+
+<file path=ppt/tags/tag110.xml><?xml version="1.0" encoding="utf-8"?>
+<p:tagLst xmlns:a="http://schemas.openxmlformats.org/drawingml/2006/main" xmlns:r="http://schemas.openxmlformats.org/officeDocument/2006/relationships" xmlns:p="http://schemas.openxmlformats.org/presentationml/2006/main">
+  <p:tag name="DVSHAPEID" val="tUULZ33yd9bX6YEMqPtRzF"/>
+</p:tagLst>
+</file>
+
+<file path=ppt/tags/tag111.xml><?xml version="1.0" encoding="utf-8"?>
+<p:tagLst xmlns:a="http://schemas.openxmlformats.org/drawingml/2006/main" xmlns:r="http://schemas.openxmlformats.org/officeDocument/2006/relationships" xmlns:p="http://schemas.openxmlformats.org/presentationml/2006/main">
+  <p:tag name="DVSHAPEID" val="g3gdpHuQWmjp5jdOslzeSm"/>
+</p:tagLst>
+</file>
+
+<file path=ppt/tags/tag112.xml><?xml version="1.0" encoding="utf-8"?>
+<p:tagLst xmlns:a="http://schemas.openxmlformats.org/drawingml/2006/main" xmlns:r="http://schemas.openxmlformats.org/officeDocument/2006/relationships" xmlns:p="http://schemas.openxmlformats.org/presentationml/2006/main">
+  <p:tag name="DVSHAPEID" val="IxcBwyAkzwyODQuMDm4ndP"/>
+</p:tagLst>
+</file>
+
+<file path=ppt/tags/tag113.xml><?xml version="1.0" encoding="utf-8"?>
+<p:tagLst xmlns:a="http://schemas.openxmlformats.org/drawingml/2006/main" xmlns:r="http://schemas.openxmlformats.org/officeDocument/2006/relationships" xmlns:p="http://schemas.openxmlformats.org/presentationml/2006/main">
+  <p:tag name="DVSECTIONID" val="ixKueUnPkAjtpmfwtqNyNe"/>
+</p:tagLst>
+</file>
+
+<file path=ppt/tags/tag114.xml><?xml version="1.0" encoding="utf-8"?>
+<p:tagLst xmlns:a="http://schemas.openxmlformats.org/drawingml/2006/main" xmlns:r="http://schemas.openxmlformats.org/officeDocument/2006/relationships" xmlns:p="http://schemas.openxmlformats.org/presentationml/2006/main">
+  <p:tag name="DVSHAPEID" val="EGSkyCm8hkMTlJ0NbVfBNN"/>
+</p:tagLst>
+</file>
+
+<file path=ppt/tags/tag115.xml><?xml version="1.0" encoding="utf-8"?>
+<p:tagLst xmlns:a="http://schemas.openxmlformats.org/drawingml/2006/main" xmlns:r="http://schemas.openxmlformats.org/officeDocument/2006/relationships" xmlns:p="http://schemas.openxmlformats.org/presentationml/2006/main">
+  <p:tag name="DVSHAPEID" val="QgFmjFHdau9SSwJb0YXqee"/>
+</p:tagLst>
+</file>
+
+<file path=ppt/tags/tag116.xml><?xml version="1.0" encoding="utf-8"?>
+<p:tagLst xmlns:a="http://schemas.openxmlformats.org/drawingml/2006/main" xmlns:r="http://schemas.openxmlformats.org/officeDocument/2006/relationships" xmlns:p="http://schemas.openxmlformats.org/presentationml/2006/main">
+  <p:tag name="DVSHAPEID" val="1JvLMQa87C2RPBEbiGq49h"/>
+</p:tagLst>
+</file>
+
+<file path=ppt/tags/tag117.xml><?xml version="1.0" encoding="utf-8"?>
+<p:tagLst xmlns:a="http://schemas.openxmlformats.org/drawingml/2006/main" xmlns:r="http://schemas.openxmlformats.org/officeDocument/2006/relationships" xmlns:p="http://schemas.openxmlformats.org/presentationml/2006/main">
+  <p:tag name="DVSHAPEID" val="KsQu40UgDmzCfVRyTR22nw"/>
+</p:tagLst>
+</file>
+
+<file path=ppt/tags/tag118.xml><?xml version="1.0" encoding="utf-8"?>
+<p:tagLst xmlns:a="http://schemas.openxmlformats.org/drawingml/2006/main" xmlns:r="http://schemas.openxmlformats.org/officeDocument/2006/relationships" xmlns:p="http://schemas.openxmlformats.org/presentationml/2006/main">
+  <p:tag name="DVSHAPEID" val="Q1G7wPGg095KZ3UhMaeQYF"/>
+</p:tagLst>
+</file>
+
+<file path=ppt/tags/tag119.xml><?xml version="1.0" encoding="utf-8"?>
+<p:tagLst xmlns:a="http://schemas.openxmlformats.org/drawingml/2006/main" xmlns:r="http://schemas.openxmlformats.org/officeDocument/2006/relationships" xmlns:p="http://schemas.openxmlformats.org/presentationml/2006/main">
+  <p:tag name="DVSHAPEID" val="idmJkJNz27UdBONWt5Amlp"/>
+</p:tagLst>
+</file>
+
+<file path=ppt/tags/tag12.xml><?xml version="1.0" encoding="utf-8"?>
+<p:tagLst xmlns:a="http://schemas.openxmlformats.org/drawingml/2006/main" xmlns:r="http://schemas.openxmlformats.org/officeDocument/2006/relationships" xmlns:p="http://schemas.openxmlformats.org/presentationml/2006/main">
+  <p:tag name="DVSHAPEID" val="mjyL4oUdaxOrgCrpIERs0q"/>
+</p:tagLst>
+</file>
+
+<file path=ppt/tags/tag120.xml><?xml version="1.0" encoding="utf-8"?>
+<p:tagLst xmlns:a="http://schemas.openxmlformats.org/drawingml/2006/main" xmlns:r="http://schemas.openxmlformats.org/officeDocument/2006/relationships" xmlns:p="http://schemas.openxmlformats.org/presentationml/2006/main">
+  <p:tag name="DVSHAPEID" val="wuWNDB5SNwyaJtLNvWtq6X"/>
+</p:tagLst>
+</file>
+
+<file path=ppt/tags/tag121.xml><?xml version="1.0" encoding="utf-8"?>
+<p:tagLst xmlns:a="http://schemas.openxmlformats.org/drawingml/2006/main" xmlns:r="http://schemas.openxmlformats.org/officeDocument/2006/relationships" xmlns:p="http://schemas.openxmlformats.org/presentationml/2006/main">
+  <p:tag name="DVSHAPEID" val="PLs6uPG8gBjSGRMw6buajo"/>
+</p:tagLst>
+</file>
+
+<file path=ppt/tags/tag122.xml><?xml version="1.0" encoding="utf-8"?>
+<p:tagLst xmlns:a="http://schemas.openxmlformats.org/drawingml/2006/main" xmlns:r="http://schemas.openxmlformats.org/officeDocument/2006/relationships" xmlns:p="http://schemas.openxmlformats.org/presentationml/2006/main">
+  <p:tag name="DVSHAPEID" val="Fq4kaFADTVjzFbkx7fbEfW"/>
+</p:tagLst>
+</file>
+
+<file path=ppt/tags/tag123.xml><?xml version="1.0" encoding="utf-8"?>
+<p:tagLst xmlns:a="http://schemas.openxmlformats.org/drawingml/2006/main" xmlns:r="http://schemas.openxmlformats.org/officeDocument/2006/relationships" xmlns:p="http://schemas.openxmlformats.org/presentationml/2006/main">
+  <p:tag name="DVSECTIONID" val="hdt0DJa5DCxcOrqQVg5MYe"/>
+</p:tagLst>
+</file>
+
+<file path=ppt/tags/tag124.xml><?xml version="1.0" encoding="utf-8"?>
+<p:tagLst xmlns:a="http://schemas.openxmlformats.org/drawingml/2006/main" xmlns:r="http://schemas.openxmlformats.org/officeDocument/2006/relationships" xmlns:p="http://schemas.openxmlformats.org/presentationml/2006/main">
+  <p:tag name="DVSHAPEID" val="QRMU1YQiWWEq5219F1yCIo"/>
+</p:tagLst>
+</file>
+
+<file path=ppt/tags/tag125.xml><?xml version="1.0" encoding="utf-8"?>
+<p:tagLst xmlns:a="http://schemas.openxmlformats.org/drawingml/2006/main" xmlns:r="http://schemas.openxmlformats.org/officeDocument/2006/relationships" xmlns:p="http://schemas.openxmlformats.org/presentationml/2006/main">
+  <p:tag name="DVSHAPEID" val="z7bBcy3fYE8JzdygECNAYm"/>
+</p:tagLst>
+</file>
+
+<file path=ppt/tags/tag126.xml><?xml version="1.0" encoding="utf-8"?>
+<p:tagLst xmlns:a="http://schemas.openxmlformats.org/drawingml/2006/main" xmlns:r="http://schemas.openxmlformats.org/officeDocument/2006/relationships" xmlns:p="http://schemas.openxmlformats.org/presentationml/2006/main">
+  <p:tag name="DVSHAPEID" val="Ue5ivYza6CdriFIpLheHXZ"/>
+</p:tagLst>
+</file>
+
+<file path=ppt/tags/tag127.xml><?xml version="1.0" encoding="utf-8"?>
+<p:tagLst xmlns:a="http://schemas.openxmlformats.org/drawingml/2006/main" xmlns:r="http://schemas.openxmlformats.org/officeDocument/2006/relationships" xmlns:p="http://schemas.openxmlformats.org/presentationml/2006/main">
+  <p:tag name="DVSHAPEID" val="hmsOBomWP7qccWvT35FOyw"/>
+</p:tagLst>
+</file>
+
+<file path=ppt/tags/tag128.xml><?xml version="1.0" encoding="utf-8"?>
+<p:tagLst xmlns:a="http://schemas.openxmlformats.org/drawingml/2006/main" xmlns:r="http://schemas.openxmlformats.org/officeDocument/2006/relationships" xmlns:p="http://schemas.openxmlformats.org/presentationml/2006/main">
+  <p:tag name="DVSHAPEID" val="v7UTyeQvmgoUXJQHmbN9N5"/>
+</p:tagLst>
+</file>
+
+<file path=ppt/tags/tag129.xml><?xml version="1.0" encoding="utf-8"?>
+<p:tagLst xmlns:a="http://schemas.openxmlformats.org/drawingml/2006/main" xmlns:r="http://schemas.openxmlformats.org/officeDocument/2006/relationships" xmlns:p="http://schemas.openxmlformats.org/presentationml/2006/main">
+  <p:tag name="DVSHAPEID" val="15sLUSe929rLQkTIQ76jL9"/>
+</p:tagLst>
+</file>
+
+<file path=ppt/tags/tag13.xml><?xml version="1.0" encoding="utf-8"?>
+<p:tagLst xmlns:a="http://schemas.openxmlformats.org/drawingml/2006/main" xmlns:r="http://schemas.openxmlformats.org/officeDocument/2006/relationships" xmlns:p="http://schemas.openxmlformats.org/presentationml/2006/main">
+  <p:tag name="DVSHAPEID" val="lds4q19p7N9AVh4DiYjC4E"/>
+</p:tagLst>
+</file>
+
+<file path=ppt/tags/tag130.xml><?xml version="1.0" encoding="utf-8"?>
+<p:tagLst xmlns:a="http://schemas.openxmlformats.org/drawingml/2006/main" xmlns:r="http://schemas.openxmlformats.org/officeDocument/2006/relationships" xmlns:p="http://schemas.openxmlformats.org/presentationml/2006/main">
+  <p:tag name="DVSHAPEID" val="OhZL3lJu1oIp6OqMkXhdef"/>
+</p:tagLst>
+</file>
+
+<file path=ppt/tags/tag131.xml><?xml version="1.0" encoding="utf-8"?>
+<p:tagLst xmlns:a="http://schemas.openxmlformats.org/drawingml/2006/main" xmlns:r="http://schemas.openxmlformats.org/officeDocument/2006/relationships" xmlns:p="http://schemas.openxmlformats.org/presentationml/2006/main">
+  <p:tag name="DVSHAPEID" val="tbSvNEkF3tkRhaL8PSpy83"/>
+</p:tagLst>
+</file>
+
+<file path=ppt/tags/tag132.xml><?xml version="1.0" encoding="utf-8"?>
+<p:tagLst xmlns:a="http://schemas.openxmlformats.org/drawingml/2006/main" xmlns:r="http://schemas.openxmlformats.org/officeDocument/2006/relationships" xmlns:p="http://schemas.openxmlformats.org/presentationml/2006/main">
+  <p:tag name="DVSHAPEID" val="2qe4h4N81yVzOOTxy49lke"/>
+</p:tagLst>
+</file>
+
+<file path=ppt/tags/tag133.xml><?xml version="1.0" encoding="utf-8"?>
+<p:tagLst xmlns:a="http://schemas.openxmlformats.org/drawingml/2006/main" xmlns:r="http://schemas.openxmlformats.org/officeDocument/2006/relationships" xmlns:p="http://schemas.openxmlformats.org/presentationml/2006/main">
+  <p:tag name="DVSHAPEID" val="5exg0b8pNG7p8shImfSUsM"/>
+</p:tagLst>
+</file>
+
+<file path=ppt/tags/tag134.xml><?xml version="1.0" encoding="utf-8"?>
+<p:tagLst xmlns:a="http://schemas.openxmlformats.org/drawingml/2006/main" xmlns:r="http://schemas.openxmlformats.org/officeDocument/2006/relationships" xmlns:p="http://schemas.openxmlformats.org/presentationml/2006/main">
+  <p:tag name="DVSHAPEID" val="WHmXfhkkoMIOlZx13B0CLe"/>
+</p:tagLst>
+</file>
+
+<file path=ppt/tags/tag135.xml><?xml version="1.0" encoding="utf-8"?>
+<p:tagLst xmlns:a="http://schemas.openxmlformats.org/drawingml/2006/main" xmlns:r="http://schemas.openxmlformats.org/officeDocument/2006/relationships" xmlns:p="http://schemas.openxmlformats.org/presentationml/2006/main">
+  <p:tag name="DVSHAPEID" val="soGqgPIUsqMjiPT3WQ4sik"/>
+</p:tagLst>
+</file>
+
+<file path=ppt/tags/tag136.xml><?xml version="1.0" encoding="utf-8"?>
+<p:tagLst xmlns:a="http://schemas.openxmlformats.org/drawingml/2006/main" xmlns:r="http://schemas.openxmlformats.org/officeDocument/2006/relationships" xmlns:p="http://schemas.openxmlformats.org/presentationml/2006/main">
+  <p:tag name="DVSHAPEID" val="Hk6hbkcgUP0IfXhO1vCtkh"/>
+</p:tagLst>
+</file>
+
+<file path=ppt/tags/tag137.xml><?xml version="1.0" encoding="utf-8"?>
+<p:tagLst xmlns:a="http://schemas.openxmlformats.org/drawingml/2006/main" xmlns:r="http://schemas.openxmlformats.org/officeDocument/2006/relationships" xmlns:p="http://schemas.openxmlformats.org/presentationml/2006/main">
+  <p:tag name="DVSHAPEID" val="12HH70F9xiV8HlkYDnIbwX"/>
+</p:tagLst>
+</file>
+
+<file path=ppt/tags/tag138.xml><?xml version="1.0" encoding="utf-8"?>
+<p:tagLst xmlns:a="http://schemas.openxmlformats.org/drawingml/2006/main" xmlns:r="http://schemas.openxmlformats.org/officeDocument/2006/relationships" xmlns:p="http://schemas.openxmlformats.org/presentationml/2006/main">
+  <p:tag name="DVSHAPEID" val="iAAWL7PzPOZpj4AudbBKhI"/>
+</p:tagLst>
+</file>
+
+<file path=ppt/tags/tag139.xml><?xml version="1.0" encoding="utf-8"?>
+<p:tagLst xmlns:a="http://schemas.openxmlformats.org/drawingml/2006/main" xmlns:r="http://schemas.openxmlformats.org/officeDocument/2006/relationships" xmlns:p="http://schemas.openxmlformats.org/presentationml/2006/main">
+  <p:tag name="DVSHAPEID" val="M7fVu2RfL8L3J76aexkYt7"/>
+</p:tagLst>
+</file>
+
+<file path=ppt/tags/tag14.xml><?xml version="1.0" encoding="utf-8"?>
+<p:tagLst xmlns:a="http://schemas.openxmlformats.org/drawingml/2006/main" xmlns:r="http://schemas.openxmlformats.org/officeDocument/2006/relationships" xmlns:p="http://schemas.openxmlformats.org/presentationml/2006/main">
+  <p:tag name="DVSHAPEID" val="KnXL4ZgmA8MWXlj0YS4Kp0"/>
+</p:tagLst>
+</file>
+
+<file path=ppt/tags/tag140.xml><?xml version="1.0" encoding="utf-8"?>
+<p:tagLst xmlns:a="http://schemas.openxmlformats.org/drawingml/2006/main" xmlns:r="http://schemas.openxmlformats.org/officeDocument/2006/relationships" xmlns:p="http://schemas.openxmlformats.org/presentationml/2006/main">
+  <p:tag name="DVSHAPEID" val="8i2fo8awALFANsHQDNHA2R"/>
+</p:tagLst>
+</file>
+
+<file path=ppt/tags/tag141.xml><?xml version="1.0" encoding="utf-8"?>
+<p:tagLst xmlns:a="http://schemas.openxmlformats.org/drawingml/2006/main" xmlns:r="http://schemas.openxmlformats.org/officeDocument/2006/relationships" xmlns:p="http://schemas.openxmlformats.org/presentationml/2006/main">
+  <p:tag name="DVSHAPEID" val="Dflto2W4qjeFZXSeEJ5fyZ"/>
+</p:tagLst>
+</file>
+
+<file path=ppt/tags/tag142.xml><?xml version="1.0" encoding="utf-8"?>
+<p:tagLst xmlns:a="http://schemas.openxmlformats.org/drawingml/2006/main" xmlns:r="http://schemas.openxmlformats.org/officeDocument/2006/relationships" xmlns:p="http://schemas.openxmlformats.org/presentationml/2006/main">
+  <p:tag name="DVSECTIONID" val="oSQbi3NdUPJ4fw0dhDEfXH"/>
+</p:tagLst>
+</file>
+
+<file path=ppt/tags/tag143.xml><?xml version="1.0" encoding="utf-8"?>
+<p:tagLst xmlns:a="http://schemas.openxmlformats.org/drawingml/2006/main" xmlns:r="http://schemas.openxmlformats.org/officeDocument/2006/relationships" xmlns:p="http://schemas.openxmlformats.org/presentationml/2006/main">
+  <p:tag name="DVSHAPEID" val="o9jDtoTwgS4hENUUK7Avlm"/>
+</p:tagLst>
+</file>
+
+<file path=ppt/tags/tag144.xml><?xml version="1.0" encoding="utf-8"?>
+<p:tagLst xmlns:a="http://schemas.openxmlformats.org/drawingml/2006/main" xmlns:r="http://schemas.openxmlformats.org/officeDocument/2006/relationships" xmlns:p="http://schemas.openxmlformats.org/presentationml/2006/main">
+  <p:tag name="DVSHAPEID" val="l8tJXo9YvNiDRbaKyxaT2m"/>
+</p:tagLst>
+</file>
+
+<file path=ppt/tags/tag145.xml><?xml version="1.0" encoding="utf-8"?>
+<p:tagLst xmlns:a="http://schemas.openxmlformats.org/drawingml/2006/main" xmlns:r="http://schemas.openxmlformats.org/officeDocument/2006/relationships" xmlns:p="http://schemas.openxmlformats.org/presentationml/2006/main">
+  <p:tag name="DVSHAPEID" val="AHi5kJYXE2E1NaaKrvnhmg"/>
+</p:tagLst>
+</file>
+
+<file path=ppt/tags/tag146.xml><?xml version="1.0" encoding="utf-8"?>
+<p:tagLst xmlns:a="http://schemas.openxmlformats.org/drawingml/2006/main" xmlns:r="http://schemas.openxmlformats.org/officeDocument/2006/relationships" xmlns:p="http://schemas.openxmlformats.org/presentationml/2006/main">
+  <p:tag name="DVSHAPEID" val="Y0WIK0y2lrjZyLqR3p0y8g"/>
+</p:tagLst>
+</file>
+
+<file path=ppt/tags/tag147.xml><?xml version="1.0" encoding="utf-8"?>
+<p:tagLst xmlns:a="http://schemas.openxmlformats.org/drawingml/2006/main" xmlns:r="http://schemas.openxmlformats.org/officeDocument/2006/relationships" xmlns:p="http://schemas.openxmlformats.org/presentationml/2006/main">
+  <p:tag name="DVSHAPEID" val="ZPoZAO6EvKZjJh9CYYoCGc"/>
+</p:tagLst>
+</file>
+
+<file path=ppt/tags/tag148.xml><?xml version="1.0" encoding="utf-8"?>
+<p:tagLst xmlns:a="http://schemas.openxmlformats.org/drawingml/2006/main" xmlns:r="http://schemas.openxmlformats.org/officeDocument/2006/relationships" xmlns:p="http://schemas.openxmlformats.org/presentationml/2006/main">
+  <p:tag name="DVSHAPEID" val="HOCojzrXhO8I16kLqJVHVz"/>
+</p:tagLst>
+</file>
+
+<file path=ppt/tags/tag149.xml><?xml version="1.0" encoding="utf-8"?>
+<p:tagLst xmlns:a="http://schemas.openxmlformats.org/drawingml/2006/main" xmlns:r="http://schemas.openxmlformats.org/officeDocument/2006/relationships" xmlns:p="http://schemas.openxmlformats.org/presentationml/2006/main">
+  <p:tag name="DVSHAPEID" val="Ze29Irr29wzM8znbvxdyta"/>
+</p:tagLst>
+</file>
+
+<file path=ppt/tags/tag15.xml><?xml version="1.0" encoding="utf-8"?>
+<p:tagLst xmlns:a="http://schemas.openxmlformats.org/drawingml/2006/main" xmlns:r="http://schemas.openxmlformats.org/officeDocument/2006/relationships" xmlns:p="http://schemas.openxmlformats.org/presentationml/2006/main">
+  <p:tag name="DVSHAPEID" val="iGGak4lS9nmHs47EW99Ld0"/>
+</p:tagLst>
+</file>
+
+<file path=ppt/tags/tag150.xml><?xml version="1.0" encoding="utf-8"?>
+<p:tagLst xmlns:a="http://schemas.openxmlformats.org/drawingml/2006/main" xmlns:r="http://schemas.openxmlformats.org/officeDocument/2006/relationships" xmlns:p="http://schemas.openxmlformats.org/presentationml/2006/main">
+  <p:tag name="DVSECTIONID" val="WcyN6Dvxt0g3OB9sr6hpHI"/>
+</p:tagLst>
+</file>
+
+<file path=ppt/tags/tag151.xml><?xml version="1.0" encoding="utf-8"?>
+<p:tagLst xmlns:a="http://schemas.openxmlformats.org/drawingml/2006/main" xmlns:r="http://schemas.openxmlformats.org/officeDocument/2006/relationships" xmlns:p="http://schemas.openxmlformats.org/presentationml/2006/main">
+  <p:tag name="DVSHAPEID" val="b0g2icxEGZh8OnmaQZweFB"/>
+</p:tagLst>
+</file>
+
+<file path=ppt/tags/tag152.xml><?xml version="1.0" encoding="utf-8"?>
+<p:tagLst xmlns:a="http://schemas.openxmlformats.org/drawingml/2006/main" xmlns:r="http://schemas.openxmlformats.org/officeDocument/2006/relationships" xmlns:p="http://schemas.openxmlformats.org/presentationml/2006/main">
+  <p:tag name="DVSHAPEID" val="9fYKneeotn5P31SF9euuPz"/>
+</p:tagLst>
+</file>
+
+<file path=ppt/tags/tag153.xml><?xml version="1.0" encoding="utf-8"?>
+<p:tagLst xmlns:a="http://schemas.openxmlformats.org/drawingml/2006/main" xmlns:r="http://schemas.openxmlformats.org/officeDocument/2006/relationships" xmlns:p="http://schemas.openxmlformats.org/presentationml/2006/main">
+  <p:tag name="DVSECTIONID" val="tKcTPHZr8IhHWDDuXaInlI"/>
+</p:tagLst>
+</file>
+
+<file path=ppt/tags/tag154.xml><?xml version="1.0" encoding="utf-8"?>
+<p:tagLst xmlns:a="http://schemas.openxmlformats.org/drawingml/2006/main" xmlns:r="http://schemas.openxmlformats.org/officeDocument/2006/relationships" xmlns:p="http://schemas.openxmlformats.org/presentationml/2006/main">
+  <p:tag name="DVSHAPEID" val="vZLZPlGd1evzR04xOjqivT"/>
+</p:tagLst>
+</file>
+
+<file path=ppt/tags/tag155.xml><?xml version="1.0" encoding="utf-8"?>
+<p:tagLst xmlns:a="http://schemas.openxmlformats.org/drawingml/2006/main" xmlns:r="http://schemas.openxmlformats.org/officeDocument/2006/relationships" xmlns:p="http://schemas.openxmlformats.org/presentationml/2006/main">
+  <p:tag name="DVSHAPEID" val="2ZjkhaQhKbLzJYZooTHglQ"/>
+</p:tagLst>
+</file>
+
+<file path=ppt/tags/tag156.xml><?xml version="1.0" encoding="utf-8"?>
+<p:tagLst xmlns:a="http://schemas.openxmlformats.org/drawingml/2006/main" xmlns:r="http://schemas.openxmlformats.org/officeDocument/2006/relationships" xmlns:p="http://schemas.openxmlformats.org/presentationml/2006/main">
+  <p:tag name="DVSECTIONID" val="OcIp3OcxXx0dIOBcNNy1Sx"/>
+</p:tagLst>
+</file>
+
+<file path=ppt/tags/tag157.xml><?xml version="1.0" encoding="utf-8"?>
+<p:tagLst xmlns:a="http://schemas.openxmlformats.org/drawingml/2006/main" xmlns:r="http://schemas.openxmlformats.org/officeDocument/2006/relationships" xmlns:p="http://schemas.openxmlformats.org/presentationml/2006/main">
+  <p:tag name="DVSHAPEID" val="ku9RBBpa4x3CXLGu4wmKtk"/>
+</p:tagLst>
+</file>
+
+<file path=ppt/tags/tag158.xml><?xml version="1.0" encoding="utf-8"?>
+<p:tagLst xmlns:a="http://schemas.openxmlformats.org/drawingml/2006/main" xmlns:r="http://schemas.openxmlformats.org/officeDocument/2006/relationships" xmlns:p="http://schemas.openxmlformats.org/presentationml/2006/main">
+  <p:tag name="DVSHAPEID" val="Nih6yqVxAexbFPbpzeRA6e"/>
+</p:tagLst>
+</file>
+
+<file path=ppt/tags/tag159.xml><?xml version="1.0" encoding="utf-8"?>
+<p:tagLst xmlns:a="http://schemas.openxmlformats.org/drawingml/2006/main" xmlns:r="http://schemas.openxmlformats.org/officeDocument/2006/relationships" xmlns:p="http://schemas.openxmlformats.org/presentationml/2006/main">
+  <p:tag name="DVSHAPEID" val="v71dHTObUBn0GQAu3YfwXO"/>
+</p:tagLst>
+</file>
+
+<file path=ppt/tags/tag16.xml><?xml version="1.0" encoding="utf-8"?>
+<p:tagLst xmlns:a="http://schemas.openxmlformats.org/drawingml/2006/main" xmlns:r="http://schemas.openxmlformats.org/officeDocument/2006/relationships" xmlns:p="http://schemas.openxmlformats.org/presentationml/2006/main">
+  <p:tag name="DVSHAPEID" val="OZkIki0qyjeK5g5UFb1HZo"/>
+</p:tagLst>
+</file>
+
+<file path=ppt/tags/tag160.xml><?xml version="1.0" encoding="utf-8"?>
+<p:tagLst xmlns:a="http://schemas.openxmlformats.org/drawingml/2006/main" xmlns:r="http://schemas.openxmlformats.org/officeDocument/2006/relationships" xmlns:p="http://schemas.openxmlformats.org/presentationml/2006/main">
+  <p:tag name="DVSHAPEID" val="4L6QjEW7STdzN95kI1IokW"/>
+</p:tagLst>
+</file>
+
+<file path=ppt/tags/tag161.xml><?xml version="1.0" encoding="utf-8"?>
+<p:tagLst xmlns:a="http://schemas.openxmlformats.org/drawingml/2006/main" xmlns:r="http://schemas.openxmlformats.org/officeDocument/2006/relationships" xmlns:p="http://schemas.openxmlformats.org/presentationml/2006/main">
+  <p:tag name="DVSHAPEID" val="OF8kO5bSkAgG3g7RAaeMIt"/>
+</p:tagLst>
+</file>
+
+<file path=ppt/tags/tag162.xml><?xml version="1.0" encoding="utf-8"?>
+<p:tagLst xmlns:a="http://schemas.openxmlformats.org/drawingml/2006/main" xmlns:r="http://schemas.openxmlformats.org/officeDocument/2006/relationships" xmlns:p="http://schemas.openxmlformats.org/presentationml/2006/main">
+  <p:tag name="DVSHAPEID" val="N73roIgdOyu8WrHYPRW0zC"/>
+</p:tagLst>
+</file>
+
+<file path=ppt/tags/tag163.xml><?xml version="1.0" encoding="utf-8"?>
+<p:tagLst xmlns:a="http://schemas.openxmlformats.org/drawingml/2006/main" xmlns:r="http://schemas.openxmlformats.org/officeDocument/2006/relationships" xmlns:p="http://schemas.openxmlformats.org/presentationml/2006/main">
+  <p:tag name="DVSHAPEID" val="i65PdRryaydlR1gnGtC6MI"/>
+</p:tagLst>
+</file>
+
+<file path=ppt/tags/tag164.xml><?xml version="1.0" encoding="utf-8"?>
+<p:tagLst xmlns:a="http://schemas.openxmlformats.org/drawingml/2006/main" xmlns:r="http://schemas.openxmlformats.org/officeDocument/2006/relationships" xmlns:p="http://schemas.openxmlformats.org/presentationml/2006/main">
+  <p:tag name="DVSHAPEID" val="cVjGaBknPITaOXlzvoMgoV"/>
+</p:tagLst>
+</file>
+
+<file path=ppt/tags/tag165.xml><?xml version="1.0" encoding="utf-8"?>
+<p:tagLst xmlns:a="http://schemas.openxmlformats.org/drawingml/2006/main" xmlns:r="http://schemas.openxmlformats.org/officeDocument/2006/relationships" xmlns:p="http://schemas.openxmlformats.org/presentationml/2006/main">
+  <p:tag name="DVSHAPEID" val="UAzFHsatnsQAUavwGPdMIv"/>
+</p:tagLst>
+</file>
+
+<file path=ppt/tags/tag166.xml><?xml version="1.0" encoding="utf-8"?>
+<p:tagLst xmlns:a="http://schemas.openxmlformats.org/drawingml/2006/main" xmlns:r="http://schemas.openxmlformats.org/officeDocument/2006/relationships" xmlns:p="http://schemas.openxmlformats.org/presentationml/2006/main">
+  <p:tag name="DVSHAPEID" val="rHcj16Xdjvjg0J7uTRcmkr"/>
+</p:tagLst>
+</file>
+
+<file path=ppt/tags/tag167.xml><?xml version="1.0" encoding="utf-8"?>
+<p:tagLst xmlns:a="http://schemas.openxmlformats.org/drawingml/2006/main" xmlns:r="http://schemas.openxmlformats.org/officeDocument/2006/relationships" xmlns:p="http://schemas.openxmlformats.org/presentationml/2006/main">
+  <p:tag name="DVSECTIONID" val="L7FvOX97GjmLVZbqDaeALJ"/>
+</p:tagLst>
+</file>
+
+<file path=ppt/tags/tag168.xml><?xml version="1.0" encoding="utf-8"?>
+<p:tagLst xmlns:a="http://schemas.openxmlformats.org/drawingml/2006/main" xmlns:r="http://schemas.openxmlformats.org/officeDocument/2006/relationships" xmlns:p="http://schemas.openxmlformats.org/presentationml/2006/main">
+  <p:tag name="DVSHAPEID" val="je2a4YHW2Bcp8Rtnr4va8k"/>
+</p:tagLst>
+</file>
+
+<file path=ppt/tags/tag169.xml><?xml version="1.0" encoding="utf-8"?>
+<p:tagLst xmlns:a="http://schemas.openxmlformats.org/drawingml/2006/main" xmlns:r="http://schemas.openxmlformats.org/officeDocument/2006/relationships" xmlns:p="http://schemas.openxmlformats.org/presentationml/2006/main">
+  <p:tag name="DVSHAPEID" val="gDaLpcWlzma0nYhQ2ZvmtH"/>
+</p:tagLst>
+</file>
+
+<file path=ppt/tags/tag17.xml><?xml version="1.0" encoding="utf-8"?>
+<p:tagLst xmlns:a="http://schemas.openxmlformats.org/drawingml/2006/main" xmlns:r="http://schemas.openxmlformats.org/officeDocument/2006/relationships" xmlns:p="http://schemas.openxmlformats.org/presentationml/2006/main">
+  <p:tag name="DVSHAPEID" val="zfTfSjWUAENhSGQCK2SIP2"/>
+</p:tagLst>
+</file>
+
+<file path=ppt/tags/tag170.xml><?xml version="1.0" encoding="utf-8"?>
+<p:tagLst xmlns:a="http://schemas.openxmlformats.org/drawingml/2006/main" xmlns:r="http://schemas.openxmlformats.org/officeDocument/2006/relationships" xmlns:p="http://schemas.openxmlformats.org/presentationml/2006/main">
+  <p:tag name="DVSECTIONID" val="GIVPSLnUPkPgqBJx0fnQQG"/>
+</p:tagLst>
+</file>
+
+<file path=ppt/tags/tag171.xml><?xml version="1.0" encoding="utf-8"?>
+<p:tagLst xmlns:a="http://schemas.openxmlformats.org/drawingml/2006/main" xmlns:r="http://schemas.openxmlformats.org/officeDocument/2006/relationships" xmlns:p="http://schemas.openxmlformats.org/presentationml/2006/main">
+  <p:tag name="DVSHAPEID" val="4BAf1vq8RaiYXp0izv0G2Q"/>
+</p:tagLst>
+</file>
+
+<file path=ppt/tags/tag172.xml><?xml version="1.0" encoding="utf-8"?>
+<p:tagLst xmlns:a="http://schemas.openxmlformats.org/drawingml/2006/main" xmlns:r="http://schemas.openxmlformats.org/officeDocument/2006/relationships" xmlns:p="http://schemas.openxmlformats.org/presentationml/2006/main">
+  <p:tag name="DVSHAPEID" val="e7tu6A1wEMRzzzb9aqVrv0"/>
+</p:tagLst>
+</file>
+
+<file path=ppt/tags/tag173.xml><?xml version="1.0" encoding="utf-8"?>
+<p:tagLst xmlns:a="http://schemas.openxmlformats.org/drawingml/2006/main" xmlns:r="http://schemas.openxmlformats.org/officeDocument/2006/relationships" xmlns:p="http://schemas.openxmlformats.org/presentationml/2006/main">
+  <p:tag name="DVSECTIONID" val="RXSC1nanMhL1qXAZ4oJMu2"/>
+</p:tagLst>
+</file>
+
+<file path=ppt/tags/tag174.xml><?xml version="1.0" encoding="utf-8"?>
+<p:tagLst xmlns:a="http://schemas.openxmlformats.org/drawingml/2006/main" xmlns:r="http://schemas.openxmlformats.org/officeDocument/2006/relationships" xmlns:p="http://schemas.openxmlformats.org/presentationml/2006/main">
+  <p:tag name="DVSHAPEID" val="Io1SQKp0mMFdmtMxpP6kww"/>
+</p:tagLst>
+</file>
+
+<file path=ppt/tags/tag175.xml><?xml version="1.0" encoding="utf-8"?>
+<p:tagLst xmlns:a="http://schemas.openxmlformats.org/drawingml/2006/main" xmlns:r="http://schemas.openxmlformats.org/officeDocument/2006/relationships" xmlns:p="http://schemas.openxmlformats.org/presentationml/2006/main">
+  <p:tag name="DVSHAPEID" val="7nPq7pkALBleo4seKh6Ep5"/>
+</p:tagLst>
+</file>
+
+<file path=ppt/tags/tag18.xml><?xml version="1.0" encoding="utf-8"?>
+<p:tagLst xmlns:a="http://schemas.openxmlformats.org/drawingml/2006/main" xmlns:r="http://schemas.openxmlformats.org/officeDocument/2006/relationships" xmlns:p="http://schemas.openxmlformats.org/presentationml/2006/main">
+  <p:tag name="DVSHAPEID" val="tIYRz2uXKw1pp4P5qGuDIz"/>
+</p:tagLst>
+</file>
+
+<file path=ppt/tags/tag19.xml><?xml version="1.0" encoding="utf-8"?>
+<p:tagLst xmlns:a="http://schemas.openxmlformats.org/drawingml/2006/main" xmlns:r="http://schemas.openxmlformats.org/officeDocument/2006/relationships" xmlns:p="http://schemas.openxmlformats.org/presentationml/2006/main">
+  <p:tag name="DVSHAPEID" val="WOoo32rYPhzxLbg1KUqDUg"/>
+</p:tagLst>
+</file>
+
+<file path=ppt/tags/tag2.xml><?xml version="1.0" encoding="utf-8"?>
+<p:tagLst xmlns:a="http://schemas.openxmlformats.org/drawingml/2006/main" xmlns:r="http://schemas.openxmlformats.org/officeDocument/2006/relationships" xmlns:p="http://schemas.openxmlformats.org/presentationml/2006/main">
+  <p:tag name="DVSHAPEID" val="S84H4a4PeR62uudp1HyFga"/>
+</p:tagLst>
+</file>
+
+<file path=ppt/tags/tag20.xml><?xml version="1.0" encoding="utf-8"?>
+<p:tagLst xmlns:a="http://schemas.openxmlformats.org/drawingml/2006/main" xmlns:r="http://schemas.openxmlformats.org/officeDocument/2006/relationships" xmlns:p="http://schemas.openxmlformats.org/presentationml/2006/main">
+  <p:tag name="DVSHAPEID" val="gthMMFCbdbjTLasaYrwMHK"/>
+</p:tagLst>
+</file>
+
+<file path=ppt/tags/tag21.xml><?xml version="1.0" encoding="utf-8"?>
+<p:tagLst xmlns:a="http://schemas.openxmlformats.org/drawingml/2006/main" xmlns:r="http://schemas.openxmlformats.org/officeDocument/2006/relationships" xmlns:p="http://schemas.openxmlformats.org/presentationml/2006/main">
+  <p:tag name="DVSHAPEID" val="QSiEOoVAc5FFxU7hgLlD3n"/>
+</p:tagLst>
+</file>
+
+<file path=ppt/tags/tag22.xml><?xml version="1.0" encoding="utf-8"?>
+<p:tagLst xmlns:a="http://schemas.openxmlformats.org/drawingml/2006/main" xmlns:r="http://schemas.openxmlformats.org/officeDocument/2006/relationships" xmlns:p="http://schemas.openxmlformats.org/presentationml/2006/main">
+  <p:tag name="DVSHAPEID" val="dSp5yAVZ68zwCot8QefDZe"/>
+</p:tagLst>
+</file>
+
+<file path=ppt/tags/tag23.xml><?xml version="1.0" encoding="utf-8"?>
+<p:tagLst xmlns:a="http://schemas.openxmlformats.org/drawingml/2006/main" xmlns:r="http://schemas.openxmlformats.org/officeDocument/2006/relationships" xmlns:p="http://schemas.openxmlformats.org/presentationml/2006/main">
+  <p:tag name="DVSHAPEID" val="e5Cx3HbLq3HsFqeIQlEcZx"/>
+</p:tagLst>
+</file>
+
+<file path=ppt/tags/tag24.xml><?xml version="1.0" encoding="utf-8"?>
+<p:tagLst xmlns:a="http://schemas.openxmlformats.org/drawingml/2006/main" xmlns:r="http://schemas.openxmlformats.org/officeDocument/2006/relationships" xmlns:p="http://schemas.openxmlformats.org/presentationml/2006/main">
+  <p:tag name="DVSHAPEID" val="61iIO7U7npoZDkt0weOlHw"/>
+</p:tagLst>
+</file>
+
+<file path=ppt/tags/tag25.xml><?xml version="1.0" encoding="utf-8"?>
+<p:tagLst xmlns:a="http://schemas.openxmlformats.org/drawingml/2006/main" xmlns:r="http://schemas.openxmlformats.org/officeDocument/2006/relationships" xmlns:p="http://schemas.openxmlformats.org/presentationml/2006/main">
+  <p:tag name="DVSHAPEID" val="PaJ2U7nUYMeGZAfkS3QjFh"/>
+</p:tagLst>
+</file>
+
+<file path=ppt/tags/tag26.xml><?xml version="1.0" encoding="utf-8"?>
+<p:tagLst xmlns:a="http://schemas.openxmlformats.org/drawingml/2006/main" xmlns:r="http://schemas.openxmlformats.org/officeDocument/2006/relationships" xmlns:p="http://schemas.openxmlformats.org/presentationml/2006/main">
+  <p:tag name="DVSHAPEID" val="4GMTfPPqnDPAc7ZMcMJtqB"/>
+</p:tagLst>
+</file>
+
+<file path=ppt/tags/tag27.xml><?xml version="1.0" encoding="utf-8"?>
+<p:tagLst xmlns:a="http://schemas.openxmlformats.org/drawingml/2006/main" xmlns:r="http://schemas.openxmlformats.org/officeDocument/2006/relationships" xmlns:p="http://schemas.openxmlformats.org/presentationml/2006/main">
+  <p:tag name="DVSHAPEID" val="KWlSKblKvoQx53f0Sy4xoB"/>
+</p:tagLst>
+</file>
+
+<file path=ppt/tags/tag28.xml><?xml version="1.0" encoding="utf-8"?>
+<p:tagLst xmlns:a="http://schemas.openxmlformats.org/drawingml/2006/main" xmlns:r="http://schemas.openxmlformats.org/officeDocument/2006/relationships" xmlns:p="http://schemas.openxmlformats.org/presentationml/2006/main">
+  <p:tag name="DVSHAPEID" val="Rpn7l6R3AcQsVPym5D5C8r"/>
+</p:tagLst>
+</file>
+
+<file path=ppt/tags/tag29.xml><?xml version="1.0" encoding="utf-8"?>
+<p:tagLst xmlns:a="http://schemas.openxmlformats.org/drawingml/2006/main" xmlns:r="http://schemas.openxmlformats.org/officeDocument/2006/relationships" xmlns:p="http://schemas.openxmlformats.org/presentationml/2006/main">
+  <p:tag name="DVSHAPEID" val="JF2WwbUboSd95VuCQeTsNE"/>
+</p:tagLst>
+</file>
+
+<file path=ppt/tags/tag3.xml><?xml version="1.0" encoding="utf-8"?>
+<p:tagLst xmlns:a="http://schemas.openxmlformats.org/drawingml/2006/main" xmlns:r="http://schemas.openxmlformats.org/officeDocument/2006/relationships" xmlns:p="http://schemas.openxmlformats.org/presentationml/2006/main">
+  <p:tag name="DVSHAPEID" val="KcNPclE5ZE4Pt4DGzR0vWB"/>
+</p:tagLst>
+</file>
+
+<file path=ppt/tags/tag30.xml><?xml version="1.0" encoding="utf-8"?>
+<p:tagLst xmlns:a="http://schemas.openxmlformats.org/drawingml/2006/main" xmlns:r="http://schemas.openxmlformats.org/officeDocument/2006/relationships" xmlns:p="http://schemas.openxmlformats.org/presentationml/2006/main">
+  <p:tag name="DVSHAPEID" val="GD7prvtrsLspFI5ozF8pNX"/>
+</p:tagLst>
+</file>
+
+<file path=ppt/tags/tag31.xml><?xml version="1.0" encoding="utf-8"?>
+<p:tagLst xmlns:a="http://schemas.openxmlformats.org/drawingml/2006/main" xmlns:r="http://schemas.openxmlformats.org/officeDocument/2006/relationships" xmlns:p="http://schemas.openxmlformats.org/presentationml/2006/main">
+  <p:tag name="DVSHAPEID" val="fMKCSsMRJGD5YoO7JoHWqr"/>
+</p:tagLst>
+</file>
+
+<file path=ppt/tags/tag32.xml><?xml version="1.0" encoding="utf-8"?>
+<p:tagLst xmlns:a="http://schemas.openxmlformats.org/drawingml/2006/main" xmlns:r="http://schemas.openxmlformats.org/officeDocument/2006/relationships" xmlns:p="http://schemas.openxmlformats.org/presentationml/2006/main">
+  <p:tag name="DVSHAPEID" val="GFgLwsEejoQJnkEPD0FB2M"/>
+</p:tagLst>
+</file>
+
+<file path=ppt/tags/tag33.xml><?xml version="1.0" encoding="utf-8"?>
+<p:tagLst xmlns:a="http://schemas.openxmlformats.org/drawingml/2006/main" xmlns:r="http://schemas.openxmlformats.org/officeDocument/2006/relationships" xmlns:p="http://schemas.openxmlformats.org/presentationml/2006/main">
+  <p:tag name="DVSHAPEID" val="MAKHzrVJHQxO54m6Vjcvme"/>
+</p:tagLst>
+</file>
+
+<file path=ppt/tags/tag34.xml><?xml version="1.0" encoding="utf-8"?>
+<p:tagLst xmlns:a="http://schemas.openxmlformats.org/drawingml/2006/main" xmlns:r="http://schemas.openxmlformats.org/officeDocument/2006/relationships" xmlns:p="http://schemas.openxmlformats.org/presentationml/2006/main">
+  <p:tag name="DVSHAPEID" val="ef1tsULHhPpUTG1PScizH0"/>
+</p:tagLst>
+</file>
+
+<file path=ppt/tags/tag35.xml><?xml version="1.0" encoding="utf-8"?>
+<p:tagLst xmlns:a="http://schemas.openxmlformats.org/drawingml/2006/main" xmlns:r="http://schemas.openxmlformats.org/officeDocument/2006/relationships" xmlns:p="http://schemas.openxmlformats.org/presentationml/2006/main">
+  <p:tag name="DVSHAPEID" val="bzfAsw5lpxpxlvF5Z0Y0zH"/>
+</p:tagLst>
+</file>
+
+<file path=ppt/tags/tag36.xml><?xml version="1.0" encoding="utf-8"?>
+<p:tagLst xmlns:a="http://schemas.openxmlformats.org/drawingml/2006/main" xmlns:r="http://schemas.openxmlformats.org/officeDocument/2006/relationships" xmlns:p="http://schemas.openxmlformats.org/presentationml/2006/main">
+  <p:tag name="DVSHAPEID" val="pbbG56rZcMxe3reSseBVqR"/>
+</p:tagLst>
+</file>
+
+<file path=ppt/tags/tag37.xml><?xml version="1.0" encoding="utf-8"?>
+<p:tagLst xmlns:a="http://schemas.openxmlformats.org/drawingml/2006/main" xmlns:r="http://schemas.openxmlformats.org/officeDocument/2006/relationships" xmlns:p="http://schemas.openxmlformats.org/presentationml/2006/main">
+  <p:tag name="DVSHAPEID" val="vlkw9MdhBHqua3pLrYUpkC"/>
+</p:tagLst>
+</file>
+
+<file path=ppt/tags/tag38.xml><?xml version="1.0" encoding="utf-8"?>
+<p:tagLst xmlns:a="http://schemas.openxmlformats.org/drawingml/2006/main" xmlns:r="http://schemas.openxmlformats.org/officeDocument/2006/relationships" xmlns:p="http://schemas.openxmlformats.org/presentationml/2006/main">
+  <p:tag name="DVSHAPEID" val="07reQ7yJoEhxGPmyWELUaQ"/>
+</p:tagLst>
+</file>
+
+<file path=ppt/tags/tag39.xml><?xml version="1.0" encoding="utf-8"?>
+<p:tagLst xmlns:a="http://schemas.openxmlformats.org/drawingml/2006/main" xmlns:r="http://schemas.openxmlformats.org/officeDocument/2006/relationships" xmlns:p="http://schemas.openxmlformats.org/presentationml/2006/main">
+  <p:tag name="DVSHAPEID" val="NzhasGND00wSlc4VV6JSiM"/>
+</p:tagLst>
+</file>
+
+<file path=ppt/tags/tag4.xml><?xml version="1.0" encoding="utf-8"?>
+<p:tagLst xmlns:a="http://schemas.openxmlformats.org/drawingml/2006/main" xmlns:r="http://schemas.openxmlformats.org/officeDocument/2006/relationships" xmlns:p="http://schemas.openxmlformats.org/presentationml/2006/main">
+  <p:tag name="DVSHAPEID" val="6e9ybdYXclNHoSTeXJa8Sr"/>
+</p:tagLst>
+</file>
+
+<file path=ppt/tags/tag40.xml><?xml version="1.0" encoding="utf-8"?>
+<p:tagLst xmlns:a="http://schemas.openxmlformats.org/drawingml/2006/main" xmlns:r="http://schemas.openxmlformats.org/officeDocument/2006/relationships" xmlns:p="http://schemas.openxmlformats.org/presentationml/2006/main">
+  <p:tag name="DVSHAPEID" val="cDnApS2gEqr9kSXGERWLDh"/>
+</p:tagLst>
+</file>
+
+<file path=ppt/tags/tag41.xml><?xml version="1.0" encoding="utf-8"?>
+<p:tagLst xmlns:a="http://schemas.openxmlformats.org/drawingml/2006/main" xmlns:r="http://schemas.openxmlformats.org/officeDocument/2006/relationships" xmlns:p="http://schemas.openxmlformats.org/presentationml/2006/main">
+  <p:tag name="DVSHAPEID" val="0Nt9u1IEbix0mEMShUAKm6"/>
+</p:tagLst>
+</file>
+
+<file path=ppt/tags/tag42.xml><?xml version="1.0" encoding="utf-8"?>
+<p:tagLst xmlns:a="http://schemas.openxmlformats.org/drawingml/2006/main" xmlns:r="http://schemas.openxmlformats.org/officeDocument/2006/relationships" xmlns:p="http://schemas.openxmlformats.org/presentationml/2006/main">
+  <p:tag name="DVSHAPEID" val="qbSbYfsRWx9VCA6go1xZf9"/>
+</p:tagLst>
+</file>
+
+<file path=ppt/tags/tag43.xml><?xml version="1.0" encoding="utf-8"?>
+<p:tagLst xmlns:a="http://schemas.openxmlformats.org/drawingml/2006/main" xmlns:r="http://schemas.openxmlformats.org/officeDocument/2006/relationships" xmlns:p="http://schemas.openxmlformats.org/presentationml/2006/main">
+  <p:tag name="DVSHAPEID" val="CjvjTLA1aSUUnigi3scjm0"/>
+</p:tagLst>
+</file>
+
+<file path=ppt/tags/tag44.xml><?xml version="1.0" encoding="utf-8"?>
+<p:tagLst xmlns:a="http://schemas.openxmlformats.org/drawingml/2006/main" xmlns:r="http://schemas.openxmlformats.org/officeDocument/2006/relationships" xmlns:p="http://schemas.openxmlformats.org/presentationml/2006/main">
+  <p:tag name="DVSHAPEID" val="Rr1cM1wzcnQgzyFFmHhUmg"/>
+</p:tagLst>
+</file>
+
+<file path=ppt/tags/tag45.xml><?xml version="1.0" encoding="utf-8"?>
+<p:tagLst xmlns:a="http://schemas.openxmlformats.org/drawingml/2006/main" xmlns:r="http://schemas.openxmlformats.org/officeDocument/2006/relationships" xmlns:p="http://schemas.openxmlformats.org/presentationml/2006/main">
+  <p:tag name="DVSHAPEID" val="0IcOZ5Y4MWNBs4hGYzvBFx"/>
+</p:tagLst>
+</file>
+
+<file path=ppt/tags/tag46.xml><?xml version="1.0" encoding="utf-8"?>
+<p:tagLst xmlns:a="http://schemas.openxmlformats.org/drawingml/2006/main" xmlns:r="http://schemas.openxmlformats.org/officeDocument/2006/relationships" xmlns:p="http://schemas.openxmlformats.org/presentationml/2006/main">
+  <p:tag name="DVSHAPEID" val="36IHCn6v1rDAqjZY1rB8AU"/>
+</p:tagLst>
+</file>
+
+<file path=ppt/tags/tag47.xml><?xml version="1.0" encoding="utf-8"?>
+<p:tagLst xmlns:a="http://schemas.openxmlformats.org/drawingml/2006/main" xmlns:r="http://schemas.openxmlformats.org/officeDocument/2006/relationships" xmlns:p="http://schemas.openxmlformats.org/presentationml/2006/main">
+  <p:tag name="DVSHAPEID" val="tX6BnFIIpLAsE65hsAXhUl"/>
+</p:tagLst>
+</file>
+
+<file path=ppt/tags/tag48.xml><?xml version="1.0" encoding="utf-8"?>
+<p:tagLst xmlns:a="http://schemas.openxmlformats.org/drawingml/2006/main" xmlns:r="http://schemas.openxmlformats.org/officeDocument/2006/relationships" xmlns:p="http://schemas.openxmlformats.org/presentationml/2006/main">
+  <p:tag name="DVSHAPEID" val="XSEXG0x40xX8DKB10rMj2S"/>
+</p:tagLst>
+</file>
+
+<file path=ppt/tags/tag49.xml><?xml version="1.0" encoding="utf-8"?>
+<p:tagLst xmlns:a="http://schemas.openxmlformats.org/drawingml/2006/main" xmlns:r="http://schemas.openxmlformats.org/officeDocument/2006/relationships" xmlns:p="http://schemas.openxmlformats.org/presentationml/2006/main">
+  <p:tag name="DVSHAPEID" val="ZXFTSKY0ai070eWqYIakL3"/>
+</p:tagLst>
+</file>
+
+<file path=ppt/tags/tag5.xml><?xml version="1.0" encoding="utf-8"?>
+<p:tagLst xmlns:a="http://schemas.openxmlformats.org/drawingml/2006/main" xmlns:r="http://schemas.openxmlformats.org/officeDocument/2006/relationships" xmlns:p="http://schemas.openxmlformats.org/presentationml/2006/main">
+  <p:tag name="DVSHAPEID" val="YE09Ll7HELe85yFE9q71rJ"/>
+</p:tagLst>
+</file>
+
+<file path=ppt/tags/tag50.xml><?xml version="1.0" encoding="utf-8"?>
+<p:tagLst xmlns:a="http://schemas.openxmlformats.org/drawingml/2006/main" xmlns:r="http://schemas.openxmlformats.org/officeDocument/2006/relationships" xmlns:p="http://schemas.openxmlformats.org/presentationml/2006/main">
+  <p:tag name="DVSHAPEID" val="vvslFqAwuBi5SGiN7N5ZmE"/>
+</p:tagLst>
+</file>
+
+<file path=ppt/tags/tag51.xml><?xml version="1.0" encoding="utf-8"?>
+<p:tagLst xmlns:a="http://schemas.openxmlformats.org/drawingml/2006/main" xmlns:r="http://schemas.openxmlformats.org/officeDocument/2006/relationships" xmlns:p="http://schemas.openxmlformats.org/presentationml/2006/main">
+  <p:tag name="DVSHAPEID" val="8vKn4zs48I7Ws9qx4yqDOo"/>
+</p:tagLst>
+</file>
+
+<file path=ppt/tags/tag52.xml><?xml version="1.0" encoding="utf-8"?>
+<p:tagLst xmlns:a="http://schemas.openxmlformats.org/drawingml/2006/main" xmlns:r="http://schemas.openxmlformats.org/officeDocument/2006/relationships" xmlns:p="http://schemas.openxmlformats.org/presentationml/2006/main">
+  <p:tag name="DVSHAPEID" val="PVlg7bAnfLGQnXAil04psA"/>
+</p:tagLst>
+</file>
+
+<file path=ppt/tags/tag53.xml><?xml version="1.0" encoding="utf-8"?>
+<p:tagLst xmlns:a="http://schemas.openxmlformats.org/drawingml/2006/main" xmlns:r="http://schemas.openxmlformats.org/officeDocument/2006/relationships" xmlns:p="http://schemas.openxmlformats.org/presentationml/2006/main">
+  <p:tag name="DVSHAPEID" val="XWe9mzIxyJQJFP1OshtLtm"/>
+</p:tagLst>
+</file>
+
+<file path=ppt/tags/tag54.xml><?xml version="1.0" encoding="utf-8"?>
+<p:tagLst xmlns:a="http://schemas.openxmlformats.org/drawingml/2006/main" xmlns:r="http://schemas.openxmlformats.org/officeDocument/2006/relationships" xmlns:p="http://schemas.openxmlformats.org/presentationml/2006/main">
+  <p:tag name="DVSHAPEID" val="fBMsXMcqzoWeXp2XO1FHcX"/>
+</p:tagLst>
+</file>
+
+<file path=ppt/tags/tag55.xml><?xml version="1.0" encoding="utf-8"?>
+<p:tagLst xmlns:a="http://schemas.openxmlformats.org/drawingml/2006/main" xmlns:r="http://schemas.openxmlformats.org/officeDocument/2006/relationships" xmlns:p="http://schemas.openxmlformats.org/presentationml/2006/main">
+  <p:tag name="DVSHAPEID" val="0DhLgwxMVH7BGDnTCWk89r"/>
+</p:tagLst>
+</file>
+
+<file path=ppt/tags/tag56.xml><?xml version="1.0" encoding="utf-8"?>
+<p:tagLst xmlns:a="http://schemas.openxmlformats.org/drawingml/2006/main" xmlns:r="http://schemas.openxmlformats.org/officeDocument/2006/relationships" xmlns:p="http://schemas.openxmlformats.org/presentationml/2006/main">
+  <p:tag name="DVSHAPEID" val="NrRCMuss5L9iA8bbvFSMse"/>
+</p:tagLst>
+</file>
+
+<file path=ppt/tags/tag57.xml><?xml version="1.0" encoding="utf-8"?>
+<p:tagLst xmlns:a="http://schemas.openxmlformats.org/drawingml/2006/main" xmlns:r="http://schemas.openxmlformats.org/officeDocument/2006/relationships" xmlns:p="http://schemas.openxmlformats.org/presentationml/2006/main">
+  <p:tag name="DVSHAPEID" val="7mIoAUoJn3NzPQTEK3jtBm"/>
+</p:tagLst>
+</file>
+
+<file path=ppt/tags/tag58.xml><?xml version="1.0" encoding="utf-8"?>
+<p:tagLst xmlns:a="http://schemas.openxmlformats.org/drawingml/2006/main" xmlns:r="http://schemas.openxmlformats.org/officeDocument/2006/relationships" xmlns:p="http://schemas.openxmlformats.org/presentationml/2006/main">
+  <p:tag name="DVSHAPEID" val="so2eIqqEgmYykvTnTx3mn5"/>
+</p:tagLst>
+</file>
+
+<file path=ppt/tags/tag59.xml><?xml version="1.0" encoding="utf-8"?>
+<p:tagLst xmlns:a="http://schemas.openxmlformats.org/drawingml/2006/main" xmlns:r="http://schemas.openxmlformats.org/officeDocument/2006/relationships" xmlns:p="http://schemas.openxmlformats.org/presentationml/2006/main">
+  <p:tag name="DVSHAPEID" val="u1jkhRVOsZDKUkmmcYiINr"/>
+</p:tagLst>
+</file>
+
+<file path=ppt/tags/tag6.xml><?xml version="1.0" encoding="utf-8"?>
+<p:tagLst xmlns:a="http://schemas.openxmlformats.org/drawingml/2006/main" xmlns:r="http://schemas.openxmlformats.org/officeDocument/2006/relationships" xmlns:p="http://schemas.openxmlformats.org/presentationml/2006/main">
+  <p:tag name="DVSHAPEID" val="1MGLMkThkNJEgux2rDQvG2"/>
+</p:tagLst>
+</file>
+
+<file path=ppt/tags/tag60.xml><?xml version="1.0" encoding="utf-8"?>
+<p:tagLst xmlns:a="http://schemas.openxmlformats.org/drawingml/2006/main" xmlns:r="http://schemas.openxmlformats.org/officeDocument/2006/relationships" xmlns:p="http://schemas.openxmlformats.org/presentationml/2006/main">
+  <p:tag name="DVSHAPEID" val="AgwoKn9MpfYmT1Un8zJrTZ"/>
+</p:tagLst>
+</file>
+
+<file path=ppt/tags/tag61.xml><?xml version="1.0" encoding="utf-8"?>
+<p:tagLst xmlns:a="http://schemas.openxmlformats.org/drawingml/2006/main" xmlns:r="http://schemas.openxmlformats.org/officeDocument/2006/relationships" xmlns:p="http://schemas.openxmlformats.org/presentationml/2006/main">
+  <p:tag name="DVSHAPEID" val="VzBz1xl54Fh3q2OT6yFGAn"/>
+</p:tagLst>
+</file>
+
+<file path=ppt/tags/tag62.xml><?xml version="1.0" encoding="utf-8"?>
+<p:tagLst xmlns:a="http://schemas.openxmlformats.org/drawingml/2006/main" xmlns:r="http://schemas.openxmlformats.org/officeDocument/2006/relationships" xmlns:p="http://schemas.openxmlformats.org/presentationml/2006/main">
+  <p:tag name="DVSHAPEID" val="MxqkrOPJZlxAkWNblBqjaj"/>
+</p:tagLst>
+</file>
+
+<file path=ppt/tags/tag63.xml><?xml version="1.0" encoding="utf-8"?>
+<p:tagLst xmlns:a="http://schemas.openxmlformats.org/drawingml/2006/main" xmlns:r="http://schemas.openxmlformats.org/officeDocument/2006/relationships" xmlns:p="http://schemas.openxmlformats.org/presentationml/2006/main">
+  <p:tag name="DVSHAPEID" val="4QASyfsaMdpxM38G6wglFW"/>
+</p:tagLst>
+</file>
+
+<file path=ppt/tags/tag64.xml><?xml version="1.0" encoding="utf-8"?>
+<p:tagLst xmlns:a="http://schemas.openxmlformats.org/drawingml/2006/main" xmlns:r="http://schemas.openxmlformats.org/officeDocument/2006/relationships" xmlns:p="http://schemas.openxmlformats.org/presentationml/2006/main">
+  <p:tag name="DVSECTIONID" val="CWMWm51VYtKQl5PIJV4X2S"/>
+</p:tagLst>
+</file>
+
+<file path=ppt/tags/tag65.xml><?xml version="1.0" encoding="utf-8"?>
+<p:tagLst xmlns:a="http://schemas.openxmlformats.org/drawingml/2006/main" xmlns:r="http://schemas.openxmlformats.org/officeDocument/2006/relationships" xmlns:p="http://schemas.openxmlformats.org/presentationml/2006/main">
+  <p:tag name="DVSHAPEID" val="VFyAG59ZcVSZRXXgJ0Krxy"/>
+</p:tagLst>
+</file>
+
+<file path=ppt/tags/tag66.xml><?xml version="1.0" encoding="utf-8"?>
+<p:tagLst xmlns:a="http://schemas.openxmlformats.org/drawingml/2006/main" xmlns:r="http://schemas.openxmlformats.org/officeDocument/2006/relationships" xmlns:p="http://schemas.openxmlformats.org/presentationml/2006/main">
+  <p:tag name="DVSHAPEID" val="vpaMX1aZ64cO1d3qG4dN4Q"/>
+</p:tagLst>
+</file>
+
+<file path=ppt/tags/tag67.xml><?xml version="1.0" encoding="utf-8"?>
+<p:tagLst xmlns:a="http://schemas.openxmlformats.org/drawingml/2006/main" xmlns:r="http://schemas.openxmlformats.org/officeDocument/2006/relationships" xmlns:p="http://schemas.openxmlformats.org/presentationml/2006/main">
+  <p:tag name="DVSHAPEID" val="8q5D2OEJ22vna9pU88OdOO"/>
+</p:tagLst>
+</file>
+
+<file path=ppt/tags/tag68.xml><?xml version="1.0" encoding="utf-8"?>
+<p:tagLst xmlns:a="http://schemas.openxmlformats.org/drawingml/2006/main" xmlns:r="http://schemas.openxmlformats.org/officeDocument/2006/relationships" xmlns:p="http://schemas.openxmlformats.org/presentationml/2006/main">
+  <p:tag name="DVSHAPEID" val="M2VJdijGdJtEgJGkZmlm2a"/>
+</p:tagLst>
+</file>
+
+<file path=ppt/tags/tag69.xml><?xml version="1.0" encoding="utf-8"?>
+<p:tagLst xmlns:a="http://schemas.openxmlformats.org/drawingml/2006/main" xmlns:r="http://schemas.openxmlformats.org/officeDocument/2006/relationships" xmlns:p="http://schemas.openxmlformats.org/presentationml/2006/main">
+  <p:tag name="DVSHAPEID" val="jE3U1LV4YR1kD3HiBlplOL"/>
+</p:tagLst>
+</file>
+
+<file path=ppt/tags/tag7.xml><?xml version="1.0" encoding="utf-8"?>
+<p:tagLst xmlns:a="http://schemas.openxmlformats.org/drawingml/2006/main" xmlns:r="http://schemas.openxmlformats.org/officeDocument/2006/relationships" xmlns:p="http://schemas.openxmlformats.org/presentationml/2006/main">
+  <p:tag name="DVSHAPEID" val="sfMlyjAK1R0fCes0yNOnqr"/>
+</p:tagLst>
+</file>
+
+<file path=ppt/tags/tag70.xml><?xml version="1.0" encoding="utf-8"?>
+<p:tagLst xmlns:a="http://schemas.openxmlformats.org/drawingml/2006/main" xmlns:r="http://schemas.openxmlformats.org/officeDocument/2006/relationships" xmlns:p="http://schemas.openxmlformats.org/presentationml/2006/main">
+  <p:tag name="DVSECTIONID" val="al3NANEPSc33uauFQAsZyw"/>
+</p:tagLst>
+</file>
+
+<file path=ppt/tags/tag71.xml><?xml version="1.0" encoding="utf-8"?>
+<p:tagLst xmlns:a="http://schemas.openxmlformats.org/drawingml/2006/main" xmlns:r="http://schemas.openxmlformats.org/officeDocument/2006/relationships" xmlns:p="http://schemas.openxmlformats.org/presentationml/2006/main">
+  <p:tag name="DVSHAPEID" val="TvSFdO9rRsMCIhGihyK8KC"/>
+</p:tagLst>
+</file>
+
+<file path=ppt/tags/tag72.xml><?xml version="1.0" encoding="utf-8"?>
+<p:tagLst xmlns:a="http://schemas.openxmlformats.org/drawingml/2006/main" xmlns:r="http://schemas.openxmlformats.org/officeDocument/2006/relationships" xmlns:p="http://schemas.openxmlformats.org/presentationml/2006/main">
+  <p:tag name="DVSHAPEID" val="CW6DDHLZWGmyKx1ly7VxZz"/>
+</p:tagLst>
+</file>
+
+<file path=ppt/tags/tag73.xml><?xml version="1.0" encoding="utf-8"?>
+<p:tagLst xmlns:a="http://schemas.openxmlformats.org/drawingml/2006/main" xmlns:r="http://schemas.openxmlformats.org/officeDocument/2006/relationships" xmlns:p="http://schemas.openxmlformats.org/presentationml/2006/main">
+  <p:tag name="DVSHAPEID" val="y1kpBi3RBF0hSWzAbsFRv5"/>
+</p:tagLst>
+</file>
+
+<file path=ppt/tags/tag74.xml><?xml version="1.0" encoding="utf-8"?>
+<p:tagLst xmlns:a="http://schemas.openxmlformats.org/drawingml/2006/main" xmlns:r="http://schemas.openxmlformats.org/officeDocument/2006/relationships" xmlns:p="http://schemas.openxmlformats.org/presentationml/2006/main">
+  <p:tag name="DVSHAPEID" val="gax9hW0DddC3o5jd5tW45G"/>
+</p:tagLst>
+</file>
+
+<file path=ppt/tags/tag75.xml><?xml version="1.0" encoding="utf-8"?>
+<p:tagLst xmlns:a="http://schemas.openxmlformats.org/drawingml/2006/main" xmlns:r="http://schemas.openxmlformats.org/officeDocument/2006/relationships" xmlns:p="http://schemas.openxmlformats.org/presentationml/2006/main">
+  <p:tag name="DVSHAPEID" val="xsE4LYVsR73sK9Ss06RYrN"/>
+</p:tagLst>
+</file>
+
+<file path=ppt/tags/tag76.xml><?xml version="1.0" encoding="utf-8"?>
+<p:tagLst xmlns:a="http://schemas.openxmlformats.org/drawingml/2006/main" xmlns:r="http://schemas.openxmlformats.org/officeDocument/2006/relationships" xmlns:p="http://schemas.openxmlformats.org/presentationml/2006/main">
+  <p:tag name="DVSHAPEID" val="FOyugXmcVq0zD4udb1HKmv"/>
+</p:tagLst>
+</file>
+
+<file path=ppt/tags/tag77.xml><?xml version="1.0" encoding="utf-8"?>
+<p:tagLst xmlns:a="http://schemas.openxmlformats.org/drawingml/2006/main" xmlns:r="http://schemas.openxmlformats.org/officeDocument/2006/relationships" xmlns:p="http://schemas.openxmlformats.org/presentationml/2006/main">
+  <p:tag name="DVSHAPEID" val="0Vk9lDtQd6fKNQwgHY5EcC"/>
+</p:tagLst>
+</file>
+
+<file path=ppt/tags/tag78.xml><?xml version="1.0" encoding="utf-8"?>
+<p:tagLst xmlns:a="http://schemas.openxmlformats.org/drawingml/2006/main" xmlns:r="http://schemas.openxmlformats.org/officeDocument/2006/relationships" xmlns:p="http://schemas.openxmlformats.org/presentationml/2006/main">
+  <p:tag name="DVSECTIONID" val="oqXV9lIFbnHJMrSyudh8By"/>
+</p:tagLst>
+</file>
+
+<file path=ppt/tags/tag79.xml><?xml version="1.0" encoding="utf-8"?>
+<p:tagLst xmlns:a="http://schemas.openxmlformats.org/drawingml/2006/main" xmlns:r="http://schemas.openxmlformats.org/officeDocument/2006/relationships" xmlns:p="http://schemas.openxmlformats.org/presentationml/2006/main">
+  <p:tag name="DVSHAPEID" val="rbwNXNUPhHq9OCa7CJJ5dT"/>
+</p:tagLst>
+</file>
+
+<file path=ppt/tags/tag8.xml><?xml version="1.0" encoding="utf-8"?>
+<p:tagLst xmlns:a="http://schemas.openxmlformats.org/drawingml/2006/main" xmlns:r="http://schemas.openxmlformats.org/officeDocument/2006/relationships" xmlns:p="http://schemas.openxmlformats.org/presentationml/2006/main">
+  <p:tag name="DVSHAPEID" val="pqib77YtbW3ZjqYrLzGAMR"/>
+</p:tagLst>
+</file>
+
+<file path=ppt/tags/tag80.xml><?xml version="1.0" encoding="utf-8"?>
+<p:tagLst xmlns:a="http://schemas.openxmlformats.org/drawingml/2006/main" xmlns:r="http://schemas.openxmlformats.org/officeDocument/2006/relationships" xmlns:p="http://schemas.openxmlformats.org/presentationml/2006/main">
+  <p:tag name="DVSHAPEID" val="kThEGVkIEHjot8DyFFVnPy"/>
+</p:tagLst>
+</file>
+
+<file path=ppt/tags/tag81.xml><?xml version="1.0" encoding="utf-8"?>
+<p:tagLst xmlns:a="http://schemas.openxmlformats.org/drawingml/2006/main" xmlns:r="http://schemas.openxmlformats.org/officeDocument/2006/relationships" xmlns:p="http://schemas.openxmlformats.org/presentationml/2006/main">
+  <p:tag name="DVSHAPEID" val="jD1T5zmmV6oxRDvj6Zvy2J"/>
+</p:tagLst>
+</file>
+
+<file path=ppt/tags/tag82.xml><?xml version="1.0" encoding="utf-8"?>
+<p:tagLst xmlns:a="http://schemas.openxmlformats.org/drawingml/2006/main" xmlns:r="http://schemas.openxmlformats.org/officeDocument/2006/relationships" xmlns:p="http://schemas.openxmlformats.org/presentationml/2006/main">
+  <p:tag name="DVSHAPEID" val="Qq82u333aQ4MzECNPKmhLc"/>
+</p:tagLst>
+</file>
+
+<file path=ppt/tags/tag83.xml><?xml version="1.0" encoding="utf-8"?>
+<p:tagLst xmlns:a="http://schemas.openxmlformats.org/drawingml/2006/main" xmlns:r="http://schemas.openxmlformats.org/officeDocument/2006/relationships" xmlns:p="http://schemas.openxmlformats.org/presentationml/2006/main">
+  <p:tag name="DVSHAPEID" val="ZVh03mzVShvzMBK35ijSWy"/>
+</p:tagLst>
+</file>
+
+<file path=ppt/tags/tag84.xml><?xml version="1.0" encoding="utf-8"?>
+<p:tagLst xmlns:a="http://schemas.openxmlformats.org/drawingml/2006/main" xmlns:r="http://schemas.openxmlformats.org/officeDocument/2006/relationships" xmlns:p="http://schemas.openxmlformats.org/presentationml/2006/main">
+  <p:tag name="DVSHAPEID" val="t53RHiaKbKYEqcKt0HteXM"/>
+</p:tagLst>
+</file>
+
+<file path=ppt/tags/tag85.xml><?xml version="1.0" encoding="utf-8"?>
+<p:tagLst xmlns:a="http://schemas.openxmlformats.org/drawingml/2006/main" xmlns:r="http://schemas.openxmlformats.org/officeDocument/2006/relationships" xmlns:p="http://schemas.openxmlformats.org/presentationml/2006/main">
+  <p:tag name="DVSHAPEID" val="g0R02LE3YTgqscXcEgL75L"/>
+</p:tagLst>
+</file>
+
+<file path=ppt/tags/tag86.xml><?xml version="1.0" encoding="utf-8"?>
+<p:tagLst xmlns:a="http://schemas.openxmlformats.org/drawingml/2006/main" xmlns:r="http://schemas.openxmlformats.org/officeDocument/2006/relationships" xmlns:p="http://schemas.openxmlformats.org/presentationml/2006/main">
+  <p:tag name="DVSHAPEID" val="B8ayiCiCoHAGO3ZGgo58L4"/>
+</p:tagLst>
+</file>
+
+<file path=ppt/tags/tag87.xml><?xml version="1.0" encoding="utf-8"?>
+<p:tagLst xmlns:a="http://schemas.openxmlformats.org/drawingml/2006/main" xmlns:r="http://schemas.openxmlformats.org/officeDocument/2006/relationships" xmlns:p="http://schemas.openxmlformats.org/presentationml/2006/main">
+  <p:tag name="DVSHAPEID" val="nZKywO2dtQHvoJPut2Lmvy"/>
+</p:tagLst>
+</file>
+
+<file path=ppt/tags/tag88.xml><?xml version="1.0" encoding="utf-8"?>
+<p:tagLst xmlns:a="http://schemas.openxmlformats.org/drawingml/2006/main" xmlns:r="http://schemas.openxmlformats.org/officeDocument/2006/relationships" xmlns:p="http://schemas.openxmlformats.org/presentationml/2006/main">
+  <p:tag name="DVSHAPEID" val="QLnTcXZn1XZxKaNK5tzaeK"/>
+</p:tagLst>
+</file>
+
+<file path=ppt/tags/tag89.xml><?xml version="1.0" encoding="utf-8"?>
+<p:tagLst xmlns:a="http://schemas.openxmlformats.org/drawingml/2006/main" xmlns:r="http://schemas.openxmlformats.org/officeDocument/2006/relationships" xmlns:p="http://schemas.openxmlformats.org/presentationml/2006/main">
+  <p:tag name="DVSHAPEID" val="ZjEgRMU3mozP9YaCB4d5OJ"/>
+</p:tagLst>
+</file>
+
+<file path=ppt/tags/tag9.xml><?xml version="1.0" encoding="utf-8"?>
+<p:tagLst xmlns:a="http://schemas.openxmlformats.org/drawingml/2006/main" xmlns:r="http://schemas.openxmlformats.org/officeDocument/2006/relationships" xmlns:p="http://schemas.openxmlformats.org/presentationml/2006/main">
+  <p:tag name="DVSHAPEID" val="E1Sizr52GiC1Ql2ncsLyG4"/>
+</p:tagLst>
+</file>
+
+<file path=ppt/tags/tag90.xml><?xml version="1.0" encoding="utf-8"?>
+<p:tagLst xmlns:a="http://schemas.openxmlformats.org/drawingml/2006/main" xmlns:r="http://schemas.openxmlformats.org/officeDocument/2006/relationships" xmlns:p="http://schemas.openxmlformats.org/presentationml/2006/main">
+  <p:tag name="DVSHAPEID" val="vRYEGJXhNkj6M4eW6dsYAA"/>
+</p:tagLst>
+</file>
+
+<file path=ppt/tags/tag91.xml><?xml version="1.0" encoding="utf-8"?>
+<p:tagLst xmlns:a="http://schemas.openxmlformats.org/drawingml/2006/main" xmlns:r="http://schemas.openxmlformats.org/officeDocument/2006/relationships" xmlns:p="http://schemas.openxmlformats.org/presentationml/2006/main">
+  <p:tag name="DVSECTIONID" val="MhAEe44tv2kDXDQFDi7c0G"/>
+</p:tagLst>
+</file>
+
+<file path=ppt/tags/tag92.xml><?xml version="1.0" encoding="utf-8"?>
+<p:tagLst xmlns:a="http://schemas.openxmlformats.org/drawingml/2006/main" xmlns:r="http://schemas.openxmlformats.org/officeDocument/2006/relationships" xmlns:p="http://schemas.openxmlformats.org/presentationml/2006/main">
+  <p:tag name="DVSHAPEID" val="XV1PzsSuX8VfONhc5b55Bf"/>
+</p:tagLst>
+</file>
+
+<file path=ppt/tags/tag93.xml><?xml version="1.0" encoding="utf-8"?>
+<p:tagLst xmlns:a="http://schemas.openxmlformats.org/drawingml/2006/main" xmlns:r="http://schemas.openxmlformats.org/officeDocument/2006/relationships" xmlns:p="http://schemas.openxmlformats.org/presentationml/2006/main">
+  <p:tag name="DVSHAPEID" val="w3c6nFYZDP9UT3DRaupjma"/>
+</p:tagLst>
+</file>
+
+<file path=ppt/tags/tag94.xml><?xml version="1.0" encoding="utf-8"?>
+<p:tagLst xmlns:a="http://schemas.openxmlformats.org/drawingml/2006/main" xmlns:r="http://schemas.openxmlformats.org/officeDocument/2006/relationships" xmlns:p="http://schemas.openxmlformats.org/presentationml/2006/main">
+  <p:tag name="DVSHAPEID" val="awfrEU7gSvZIpXCs4cvXv6"/>
+</p:tagLst>
+</file>
+
+<file path=ppt/tags/tag95.xml><?xml version="1.0" encoding="utf-8"?>
+<p:tagLst xmlns:a="http://schemas.openxmlformats.org/drawingml/2006/main" xmlns:r="http://schemas.openxmlformats.org/officeDocument/2006/relationships" xmlns:p="http://schemas.openxmlformats.org/presentationml/2006/main">
+  <p:tag name="DVSHAPEID" val="6TTeye1BFiSlTFQW04SnWD"/>
+</p:tagLst>
+</file>
+
+<file path=ppt/tags/tag96.xml><?xml version="1.0" encoding="utf-8"?>
+<p:tagLst xmlns:a="http://schemas.openxmlformats.org/drawingml/2006/main" xmlns:r="http://schemas.openxmlformats.org/officeDocument/2006/relationships" xmlns:p="http://schemas.openxmlformats.org/presentationml/2006/main">
+  <p:tag name="DVSHAPEID" val="VbEFeHqcNpF4qmxqlTehPG"/>
+</p:tagLst>
+</file>
+
+<file path=ppt/tags/tag97.xml><?xml version="1.0" encoding="utf-8"?>
+<p:tagLst xmlns:a="http://schemas.openxmlformats.org/drawingml/2006/main" xmlns:r="http://schemas.openxmlformats.org/officeDocument/2006/relationships" xmlns:p="http://schemas.openxmlformats.org/presentationml/2006/main">
   <p:tag name="DVSHAPEID" val="P34WB7br579sYIASZkatvt"/>
 </p:tagLst>
 </file>
 
-<file path=ppt/tags/tag101.xml><?xml version="1.0" encoding="utf-8"?>
+<file path=ppt/tags/tag98.xml><?xml version="1.0" encoding="utf-8"?>
 <p:tagLst xmlns:a="http://schemas.openxmlformats.org/drawingml/2006/main" xmlns:r="http://schemas.openxmlformats.org/officeDocument/2006/relationships" xmlns:p="http://schemas.openxmlformats.org/presentationml/2006/main">
   <p:tag name="DVSHAPEID" val="FPeupAIY8FOemABh5i0ljx"/>
 </p:tagLst>
 </file>
 
-<file path=ppt/tags/tag102.xml><?xml version="1.0" encoding="utf-8"?>
+<file path=ppt/tags/tag99.xml><?xml version="1.0" encoding="utf-8"?>
 <p:tagLst xmlns:a="http://schemas.openxmlformats.org/drawingml/2006/main" xmlns:r="http://schemas.openxmlformats.org/officeDocument/2006/relationships" xmlns:p="http://schemas.openxmlformats.org/presentationml/2006/main">
   <p:tag name="DVSHAPEID" val="UYnPPsTU6mblofI7IBI6Zu"/>
-</p:tagLst>
-</file>
-
-<file path=ppt/tags/tag103.xml><?xml version="1.0" encoding="utf-8"?>
-<p:tagLst xmlns:a="http://schemas.openxmlformats.org/drawingml/2006/main" xmlns:r="http://schemas.openxmlformats.org/officeDocument/2006/relationships" xmlns:p="http://schemas.openxmlformats.org/presentationml/2006/main">
-  <p:tag name="DVSHAPEID" val="FM2wnF2DH1YPtoeBHBYi9W"/>
-</p:tagLst>
-</file>
-
-<file path=ppt/tags/tag104.xml><?xml version="1.0" encoding="utf-8"?>
-<p:tagLst xmlns:a="http://schemas.openxmlformats.org/drawingml/2006/main" xmlns:r="http://schemas.openxmlformats.org/officeDocument/2006/relationships" xmlns:p="http://schemas.openxmlformats.org/presentationml/2006/main">
-  <p:tag name="DVSECTIONID" val="mKo2Mi6eIpUPDFku7EBIRE"/>
-</p:tagLst>
-</file>
-
-<file path=ppt/tags/tag105.xml><?xml version="1.0" encoding="utf-8"?>
-<p:tagLst xmlns:a="http://schemas.openxmlformats.org/drawingml/2006/main" xmlns:r="http://schemas.openxmlformats.org/officeDocument/2006/relationships" xmlns:p="http://schemas.openxmlformats.org/presentationml/2006/main">
-  <p:tag name="DVSHAPEID" val="DJmZhIeSs9a7Uf7zKg5dyr"/>
-</p:tagLst>
-</file>
-
-<file path=ppt/tags/tag106.xml><?xml version="1.0" encoding="utf-8"?>
-<p:tagLst xmlns:a="http://schemas.openxmlformats.org/drawingml/2006/main" xmlns:r="http://schemas.openxmlformats.org/officeDocument/2006/relationships" xmlns:p="http://schemas.openxmlformats.org/presentationml/2006/main">
-  <p:tag name="DVSHAPEID" val="30cmzYzpCcyqlDtQbbGeU1"/>
-</p:tagLst>
-</file>
-
-<file path=ppt/tags/tag107.xml><?xml version="1.0" encoding="utf-8"?>
-<p:tagLst xmlns:a="http://schemas.openxmlformats.org/drawingml/2006/main" xmlns:r="http://schemas.openxmlformats.org/officeDocument/2006/relationships" xmlns:p="http://schemas.openxmlformats.org/presentationml/2006/main">
-  <p:tag name="DVSHAPEID" val="zWv6TzwhG0ayhvdf3gzkCo"/>
-</p:tagLst>
-</file>
-
-<file path=ppt/tags/tag108.xml><?xml version="1.0" encoding="utf-8"?>
-<p:tagLst xmlns:a="http://schemas.openxmlformats.org/drawingml/2006/main" xmlns:r="http://schemas.openxmlformats.org/officeDocument/2006/relationships" xmlns:p="http://schemas.openxmlformats.org/presentationml/2006/main">
-  <p:tag name="DVSECTIONID" val="p8ufHOzZ1ox6VPgchLnhkV"/>
-</p:tagLst>
-</file>
-
-<file path=ppt/tags/tag109.xml><?xml version="1.0" encoding="utf-8"?>
-<p:tagLst xmlns:a="http://schemas.openxmlformats.org/drawingml/2006/main" xmlns:r="http://schemas.openxmlformats.org/officeDocument/2006/relationships" xmlns:p="http://schemas.openxmlformats.org/presentationml/2006/main">
-  <p:tag name="DVSHAPEID" val="bgls08Qs0MVbGlNV8fi2wX"/>
-</p:tagLst>
-</file>
-
-<file path=ppt/tags/tag11.xml><?xml version="1.0" encoding="utf-8"?>
-<p:tagLst xmlns:a="http://schemas.openxmlformats.org/drawingml/2006/main" xmlns:r="http://schemas.openxmlformats.org/officeDocument/2006/relationships" xmlns:p="http://schemas.openxmlformats.org/presentationml/2006/main">
-  <p:tag name="DVSHAPEID" val="miADonnePebzPeowoY0rBM"/>
-</p:tagLst>
-</file>
-
-<file path=ppt/tags/tag110.xml><?xml version="1.0" encoding="utf-8"?>
-<p:tagLst xmlns:a="http://schemas.openxmlformats.org/drawingml/2006/main" xmlns:r="http://schemas.openxmlformats.org/officeDocument/2006/relationships" xmlns:p="http://schemas.openxmlformats.org/presentationml/2006/main">
-  <p:tag name="DVSHAPEID" val="ztUt6U5Uwkx2OV07YqyacM"/>
-</p:tagLst>
-</file>
-
-<file path=ppt/tags/tag111.xml><?xml version="1.0" encoding="utf-8"?>
-<p:tagLst xmlns:a="http://schemas.openxmlformats.org/drawingml/2006/main" xmlns:r="http://schemas.openxmlformats.org/officeDocument/2006/relationships" xmlns:p="http://schemas.openxmlformats.org/presentationml/2006/main">
-  <p:tag name="DVSHAPEID" val="dimWTpExgv6Jd61gMs6qlY"/>
-</p:tagLst>
-</file>
-
-<file path=ppt/tags/tag112.xml><?xml version="1.0" encoding="utf-8"?>
-<p:tagLst xmlns:a="http://schemas.openxmlformats.org/drawingml/2006/main" xmlns:r="http://schemas.openxmlformats.org/officeDocument/2006/relationships" xmlns:p="http://schemas.openxmlformats.org/presentationml/2006/main">
-  <p:tag name="DVSECTIONID" val="I7Zal9bsBiOIlgyxAhEInw"/>
-</p:tagLst>
-</file>
-
-<file path=ppt/tags/tag113.xml><?xml version="1.0" encoding="utf-8"?>
-<p:tagLst xmlns:a="http://schemas.openxmlformats.org/drawingml/2006/main" xmlns:r="http://schemas.openxmlformats.org/officeDocument/2006/relationships" xmlns:p="http://schemas.openxmlformats.org/presentationml/2006/main">
-  <p:tag name="DVSHAPEID" val="v9X72f2qVRueHSxw2Vn6fB"/>
-</p:tagLst>
-</file>
-
-<file path=ppt/tags/tag114.xml><?xml version="1.0" encoding="utf-8"?>
-<p:tagLst xmlns:a="http://schemas.openxmlformats.org/drawingml/2006/main" xmlns:r="http://schemas.openxmlformats.org/officeDocument/2006/relationships" xmlns:p="http://schemas.openxmlformats.org/presentationml/2006/main">
-  <p:tag name="DVSHAPEID" val="EExSU0hSumLNXLwZSPS5pG"/>
-</p:tagLst>
-</file>
-
-<file path=ppt/tags/tag115.xml><?xml version="1.0" encoding="utf-8"?>
-<p:tagLst xmlns:a="http://schemas.openxmlformats.org/drawingml/2006/main" xmlns:r="http://schemas.openxmlformats.org/officeDocument/2006/relationships" xmlns:p="http://schemas.openxmlformats.org/presentationml/2006/main">
-  <p:tag name="DVSHAPEID" val="xzd8AsoCN6wUujzal192n8"/>
-</p:tagLst>
-</file>
-
-<file path=ppt/tags/tag116.xml><?xml version="1.0" encoding="utf-8"?>
-<p:tagLst xmlns:a="http://schemas.openxmlformats.org/drawingml/2006/main" xmlns:r="http://schemas.openxmlformats.org/officeDocument/2006/relationships" xmlns:p="http://schemas.openxmlformats.org/presentationml/2006/main">
-  <p:tag name="DVSHAPEID" val="tUULZ33yd9bX6YEMqPtRzF"/>
-</p:tagLst>
-</file>
-
-<file path=ppt/tags/tag117.xml><?xml version="1.0" encoding="utf-8"?>
-<p:tagLst xmlns:a="http://schemas.openxmlformats.org/drawingml/2006/main" xmlns:r="http://schemas.openxmlformats.org/officeDocument/2006/relationships" xmlns:p="http://schemas.openxmlformats.org/presentationml/2006/main">
-  <p:tag name="DVSHAPEID" val="g3gdpHuQWmjp5jdOslzeSm"/>
-</p:tagLst>
-</file>
-
-<file path=ppt/tags/tag118.xml><?xml version="1.0" encoding="utf-8"?>
-<p:tagLst xmlns:a="http://schemas.openxmlformats.org/drawingml/2006/main" xmlns:r="http://schemas.openxmlformats.org/officeDocument/2006/relationships" xmlns:p="http://schemas.openxmlformats.org/presentationml/2006/main">
-  <p:tag name="DVSHAPEID" val="IxcBwyAkzwyODQuMDm4ndP"/>
-</p:tagLst>
-</file>
-
-<file path=ppt/tags/tag119.xml><?xml version="1.0" encoding="utf-8"?>
-<p:tagLst xmlns:a="http://schemas.openxmlformats.org/drawingml/2006/main" xmlns:r="http://schemas.openxmlformats.org/officeDocument/2006/relationships" xmlns:p="http://schemas.openxmlformats.org/presentationml/2006/main">
-  <p:tag name="DVSHAPEID" val="EU7JosxHJPjbIcJWF7D9JF"/>
-</p:tagLst>
-</file>
-
-<file path=ppt/tags/tag12.xml><?xml version="1.0" encoding="utf-8"?>
-<p:tagLst xmlns:a="http://schemas.openxmlformats.org/drawingml/2006/main" xmlns:r="http://schemas.openxmlformats.org/officeDocument/2006/relationships" xmlns:p="http://schemas.openxmlformats.org/presentationml/2006/main">
-  <p:tag name="DVSHAPEID" val="mjyL4oUdaxOrgCrpIERs0q"/>
-</p:tagLst>
-</file>
-
-<file path=ppt/tags/tag120.xml><?xml version="1.0" encoding="utf-8"?>
-<p:tagLst xmlns:a="http://schemas.openxmlformats.org/drawingml/2006/main" xmlns:r="http://schemas.openxmlformats.org/officeDocument/2006/relationships" xmlns:p="http://schemas.openxmlformats.org/presentationml/2006/main">
-  <p:tag name="DVSECTIONID" val="ixKueUnPkAjtpmfwtqNyNe"/>
-</p:tagLst>
-</file>
-
-<file path=ppt/tags/tag121.xml><?xml version="1.0" encoding="utf-8"?>
-<p:tagLst xmlns:a="http://schemas.openxmlformats.org/drawingml/2006/main" xmlns:r="http://schemas.openxmlformats.org/officeDocument/2006/relationships" xmlns:p="http://schemas.openxmlformats.org/presentationml/2006/main">
-  <p:tag name="DVSHAPEID" val="EGSkyCm8hkMTlJ0NbVfBNN"/>
-</p:tagLst>
-</file>
-
-<file path=ppt/tags/tag122.xml><?xml version="1.0" encoding="utf-8"?>
-<p:tagLst xmlns:a="http://schemas.openxmlformats.org/drawingml/2006/main" xmlns:r="http://schemas.openxmlformats.org/officeDocument/2006/relationships" xmlns:p="http://schemas.openxmlformats.org/presentationml/2006/main">
-  <p:tag name="DVSHAPEID" val="QgFmjFHdau9SSwJb0YXqee"/>
-</p:tagLst>
-</file>
-
-<file path=ppt/tags/tag123.xml><?xml version="1.0" encoding="utf-8"?>
-<p:tagLst xmlns:a="http://schemas.openxmlformats.org/drawingml/2006/main" xmlns:r="http://schemas.openxmlformats.org/officeDocument/2006/relationships" xmlns:p="http://schemas.openxmlformats.org/presentationml/2006/main">
-  <p:tag name="DVSHAPEID" val="1JvLMQa87C2RPBEbiGq49h"/>
-</p:tagLst>
-</file>
-
-<file path=ppt/tags/tag124.xml><?xml version="1.0" encoding="utf-8"?>
-<p:tagLst xmlns:a="http://schemas.openxmlformats.org/drawingml/2006/main" xmlns:r="http://schemas.openxmlformats.org/officeDocument/2006/relationships" xmlns:p="http://schemas.openxmlformats.org/presentationml/2006/main">
-  <p:tag name="DVSHAPEID" val="KsQu40UgDmzCfVRyTR22nw"/>
-</p:tagLst>
-</file>
-
-<file path=ppt/tags/tag125.xml><?xml version="1.0" encoding="utf-8"?>
-<p:tagLst xmlns:a="http://schemas.openxmlformats.org/drawingml/2006/main" xmlns:r="http://schemas.openxmlformats.org/officeDocument/2006/relationships" xmlns:p="http://schemas.openxmlformats.org/presentationml/2006/main">
-  <p:tag name="DVSHAPEID" val="Q1G7wPGg095KZ3UhMaeQYF"/>
-</p:tagLst>
-</file>
-
-<file path=ppt/tags/tag126.xml><?xml version="1.0" encoding="utf-8"?>
-<p:tagLst xmlns:a="http://schemas.openxmlformats.org/drawingml/2006/main" xmlns:r="http://schemas.openxmlformats.org/officeDocument/2006/relationships" xmlns:p="http://schemas.openxmlformats.org/presentationml/2006/main">
-  <p:tag name="DVSHAPEID" val="idmJkJNz27UdBONWt5Amlp"/>
-</p:tagLst>
-</file>
-
-<file path=ppt/tags/tag127.xml><?xml version="1.0" encoding="utf-8"?>
-<p:tagLst xmlns:a="http://schemas.openxmlformats.org/drawingml/2006/main" xmlns:r="http://schemas.openxmlformats.org/officeDocument/2006/relationships" xmlns:p="http://schemas.openxmlformats.org/presentationml/2006/main">
-  <p:tag name="DVSHAPEID" val="wuWNDB5SNwyaJtLNvWtq6X"/>
-</p:tagLst>
-</file>
-
-<file path=ppt/tags/tag128.xml><?xml version="1.0" encoding="utf-8"?>
-<p:tagLst xmlns:a="http://schemas.openxmlformats.org/drawingml/2006/main" xmlns:r="http://schemas.openxmlformats.org/officeDocument/2006/relationships" xmlns:p="http://schemas.openxmlformats.org/presentationml/2006/main">
-  <p:tag name="DVSHAPEID" val="PLs6uPG8gBjSGRMw6buajo"/>
-</p:tagLst>
-</file>
-
-<file path=ppt/tags/tag129.xml><?xml version="1.0" encoding="utf-8"?>
-<p:tagLst xmlns:a="http://schemas.openxmlformats.org/drawingml/2006/main" xmlns:r="http://schemas.openxmlformats.org/officeDocument/2006/relationships" xmlns:p="http://schemas.openxmlformats.org/presentationml/2006/main">
-  <p:tag name="DVSHAPEID" val="Fq4kaFADTVjzFbkx7fbEfW"/>
-</p:tagLst>
-</file>
-
-<file path=ppt/tags/tag13.xml><?xml version="1.0" encoding="utf-8"?>
-<p:tagLst xmlns:a="http://schemas.openxmlformats.org/drawingml/2006/main" xmlns:r="http://schemas.openxmlformats.org/officeDocument/2006/relationships" xmlns:p="http://schemas.openxmlformats.org/presentationml/2006/main">
-  <p:tag name="DVSHAPEID" val="lds4q19p7N9AVh4DiYjC4E"/>
-</p:tagLst>
-</file>
-
-<file path=ppt/tags/tag130.xml><?xml version="1.0" encoding="utf-8"?>
-<p:tagLst xmlns:a="http://schemas.openxmlformats.org/drawingml/2006/main" xmlns:r="http://schemas.openxmlformats.org/officeDocument/2006/relationships" xmlns:p="http://schemas.openxmlformats.org/presentationml/2006/main">
-  <p:tag name="DVSHAPEID" val="syi6dMu6ec3fEsPa1cZyMh"/>
-</p:tagLst>
-</file>
-
-<file path=ppt/tags/tag131.xml><?xml version="1.0" encoding="utf-8"?>
-<p:tagLst xmlns:a="http://schemas.openxmlformats.org/drawingml/2006/main" xmlns:r="http://schemas.openxmlformats.org/officeDocument/2006/relationships" xmlns:p="http://schemas.openxmlformats.org/presentationml/2006/main">
-  <p:tag name="DVSECTIONID" val="hdt0DJa5DCxcOrqQVg5MYe"/>
-</p:tagLst>
-</file>
-
-<file path=ppt/tags/tag132.xml><?xml version="1.0" encoding="utf-8"?>
-<p:tagLst xmlns:a="http://schemas.openxmlformats.org/drawingml/2006/main" xmlns:r="http://schemas.openxmlformats.org/officeDocument/2006/relationships" xmlns:p="http://schemas.openxmlformats.org/presentationml/2006/main">
-  <p:tag name="DVSHAPEID" val="QRMU1YQiWWEq5219F1yCIo"/>
-</p:tagLst>
-</file>
-
-<file path=ppt/tags/tag133.xml><?xml version="1.0" encoding="utf-8"?>
-<p:tagLst xmlns:a="http://schemas.openxmlformats.org/drawingml/2006/main" xmlns:r="http://schemas.openxmlformats.org/officeDocument/2006/relationships" xmlns:p="http://schemas.openxmlformats.org/presentationml/2006/main">
-  <p:tag name="DVSHAPEID" val="z7bBcy3fYE8JzdygECNAYm"/>
-</p:tagLst>
-</file>
-
-<file path=ppt/tags/tag134.xml><?xml version="1.0" encoding="utf-8"?>
-<p:tagLst xmlns:a="http://schemas.openxmlformats.org/drawingml/2006/main" xmlns:r="http://schemas.openxmlformats.org/officeDocument/2006/relationships" xmlns:p="http://schemas.openxmlformats.org/presentationml/2006/main">
-  <p:tag name="DVSHAPEID" val="Ue5ivYza6CdriFIpLheHXZ"/>
-</p:tagLst>
-</file>
-
-<file path=ppt/tags/tag135.xml><?xml version="1.0" encoding="utf-8"?>
-<p:tagLst xmlns:a="http://schemas.openxmlformats.org/drawingml/2006/main" xmlns:r="http://schemas.openxmlformats.org/officeDocument/2006/relationships" xmlns:p="http://schemas.openxmlformats.org/presentationml/2006/main">
-  <p:tag name="DVSHAPEID" val="hmsOBomWP7qccWvT35FOyw"/>
-</p:tagLst>
-</file>
-
-<file path=ppt/tags/tag136.xml><?xml version="1.0" encoding="utf-8"?>
-<p:tagLst xmlns:a="http://schemas.openxmlformats.org/drawingml/2006/main" xmlns:r="http://schemas.openxmlformats.org/officeDocument/2006/relationships" xmlns:p="http://schemas.openxmlformats.org/presentationml/2006/main">
-  <p:tag name="DVSHAPEID" val="v7UTyeQvmgoUXJQHmbN9N5"/>
-</p:tagLst>
-</file>
-
-<file path=ppt/tags/tag137.xml><?xml version="1.0" encoding="utf-8"?>
-<p:tagLst xmlns:a="http://schemas.openxmlformats.org/drawingml/2006/main" xmlns:r="http://schemas.openxmlformats.org/officeDocument/2006/relationships" xmlns:p="http://schemas.openxmlformats.org/presentationml/2006/main">
-  <p:tag name="DVSHAPEID" val="15sLUSe929rLQkTIQ76jL9"/>
-</p:tagLst>
-</file>
-
-<file path=ppt/tags/tag138.xml><?xml version="1.0" encoding="utf-8"?>
-<p:tagLst xmlns:a="http://schemas.openxmlformats.org/drawingml/2006/main" xmlns:r="http://schemas.openxmlformats.org/officeDocument/2006/relationships" xmlns:p="http://schemas.openxmlformats.org/presentationml/2006/main">
-  <p:tag name="DVSHAPEID" val="OhZL3lJu1oIp6OqMkXhdef"/>
-</p:tagLst>
-</file>
-
-<file path=ppt/tags/tag139.xml><?xml version="1.0" encoding="utf-8"?>
-<p:tagLst xmlns:a="http://schemas.openxmlformats.org/drawingml/2006/main" xmlns:r="http://schemas.openxmlformats.org/officeDocument/2006/relationships" xmlns:p="http://schemas.openxmlformats.org/presentationml/2006/main">
-  <p:tag name="DVSHAPEID" val="tbSvNEkF3tkRhaL8PSpy83"/>
-</p:tagLst>
-</file>
-
-<file path=ppt/tags/tag14.xml><?xml version="1.0" encoding="utf-8"?>
-<p:tagLst xmlns:a="http://schemas.openxmlformats.org/drawingml/2006/main" xmlns:r="http://schemas.openxmlformats.org/officeDocument/2006/relationships" xmlns:p="http://schemas.openxmlformats.org/presentationml/2006/main">
-  <p:tag name="DVSHAPEID" val="KnXL4ZgmA8MWXlj0YS4Kp0"/>
-</p:tagLst>
-</file>
-
-<file path=ppt/tags/tag140.xml><?xml version="1.0" encoding="utf-8"?>
-<p:tagLst xmlns:a="http://schemas.openxmlformats.org/drawingml/2006/main" xmlns:r="http://schemas.openxmlformats.org/officeDocument/2006/relationships" xmlns:p="http://schemas.openxmlformats.org/presentationml/2006/main">
-  <p:tag name="DVSHAPEID" val="2qe4h4N81yVzOOTxy49lke"/>
-</p:tagLst>
-</file>
-
-<file path=ppt/tags/tag141.xml><?xml version="1.0" encoding="utf-8"?>
-<p:tagLst xmlns:a="http://schemas.openxmlformats.org/drawingml/2006/main" xmlns:r="http://schemas.openxmlformats.org/officeDocument/2006/relationships" xmlns:p="http://schemas.openxmlformats.org/presentationml/2006/main">
-  <p:tag name="DVSHAPEID" val="5exg0b8pNG7p8shImfSUsM"/>
-</p:tagLst>
-</file>
-
-<file path=ppt/tags/tag142.xml><?xml version="1.0" encoding="utf-8"?>
-<p:tagLst xmlns:a="http://schemas.openxmlformats.org/drawingml/2006/main" xmlns:r="http://schemas.openxmlformats.org/officeDocument/2006/relationships" xmlns:p="http://schemas.openxmlformats.org/presentationml/2006/main">
-  <p:tag name="DVSHAPEID" val="WHmXfhkkoMIOlZx13B0CLe"/>
-</p:tagLst>
-</file>
-
-<file path=ppt/tags/tag143.xml><?xml version="1.0" encoding="utf-8"?>
-<p:tagLst xmlns:a="http://schemas.openxmlformats.org/drawingml/2006/main" xmlns:r="http://schemas.openxmlformats.org/officeDocument/2006/relationships" xmlns:p="http://schemas.openxmlformats.org/presentationml/2006/main">
-  <p:tag name="DVSHAPEID" val="soGqgPIUsqMjiPT3WQ4sik"/>
-</p:tagLst>
-</file>
-
-<file path=ppt/tags/tag144.xml><?xml version="1.0" encoding="utf-8"?>
-<p:tagLst xmlns:a="http://schemas.openxmlformats.org/drawingml/2006/main" xmlns:r="http://schemas.openxmlformats.org/officeDocument/2006/relationships" xmlns:p="http://schemas.openxmlformats.org/presentationml/2006/main">
-  <p:tag name="DVSHAPEID" val="Hk6hbkcgUP0IfXhO1vCtkh"/>
-</p:tagLst>
-</file>
-
-<file path=ppt/tags/tag145.xml><?xml version="1.0" encoding="utf-8"?>
-<p:tagLst xmlns:a="http://schemas.openxmlformats.org/drawingml/2006/main" xmlns:r="http://schemas.openxmlformats.org/officeDocument/2006/relationships" xmlns:p="http://schemas.openxmlformats.org/presentationml/2006/main">
-  <p:tag name="DVSHAPEID" val="12HH70F9xiV8HlkYDnIbwX"/>
-</p:tagLst>
-</file>
-
-<file path=ppt/tags/tag146.xml><?xml version="1.0" encoding="utf-8"?>
-<p:tagLst xmlns:a="http://schemas.openxmlformats.org/drawingml/2006/main" xmlns:r="http://schemas.openxmlformats.org/officeDocument/2006/relationships" xmlns:p="http://schemas.openxmlformats.org/presentationml/2006/main">
-  <p:tag name="DVSHAPEID" val="iAAWL7PzPOZpj4AudbBKhI"/>
-</p:tagLst>
-</file>
-
-<file path=ppt/tags/tag147.xml><?xml version="1.0" encoding="utf-8"?>
-<p:tagLst xmlns:a="http://schemas.openxmlformats.org/drawingml/2006/main" xmlns:r="http://schemas.openxmlformats.org/officeDocument/2006/relationships" xmlns:p="http://schemas.openxmlformats.org/presentationml/2006/main">
-  <p:tag name="DVSHAPEID" val="M7fVu2RfL8L3J76aexkYt7"/>
-</p:tagLst>
-</file>
-
-<file path=ppt/tags/tag148.xml><?xml version="1.0" encoding="utf-8"?>
-<p:tagLst xmlns:a="http://schemas.openxmlformats.org/drawingml/2006/main" xmlns:r="http://schemas.openxmlformats.org/officeDocument/2006/relationships" xmlns:p="http://schemas.openxmlformats.org/presentationml/2006/main">
-  <p:tag name="DVSHAPEID" val="8i2fo8awALFANsHQDNHA2R"/>
-</p:tagLst>
-</file>
-
-<file path=ppt/tags/tag149.xml><?xml version="1.0" encoding="utf-8"?>
-<p:tagLst xmlns:a="http://schemas.openxmlformats.org/drawingml/2006/main" xmlns:r="http://schemas.openxmlformats.org/officeDocument/2006/relationships" xmlns:p="http://schemas.openxmlformats.org/presentationml/2006/main">
-  <p:tag name="DVSHAPEID" val="Dflto2W4qjeFZXSeEJ5fyZ"/>
-</p:tagLst>
-</file>
-
-<file path=ppt/tags/tag15.xml><?xml version="1.0" encoding="utf-8"?>
-<p:tagLst xmlns:a="http://schemas.openxmlformats.org/drawingml/2006/main" xmlns:r="http://schemas.openxmlformats.org/officeDocument/2006/relationships" xmlns:p="http://schemas.openxmlformats.org/presentationml/2006/main">
-  <p:tag name="DVSHAPEID" val="iGGak4lS9nmHs47EW99Ld0"/>
-</p:tagLst>
-</file>
-
-<file path=ppt/tags/tag150.xml><?xml version="1.0" encoding="utf-8"?>
-<p:tagLst xmlns:a="http://schemas.openxmlformats.org/drawingml/2006/main" xmlns:r="http://schemas.openxmlformats.org/officeDocument/2006/relationships" xmlns:p="http://schemas.openxmlformats.org/presentationml/2006/main">
-  <p:tag name="DVSHAPEID" val="p2oOxPMZMceYsyqheKdCA6"/>
-</p:tagLst>
-</file>
-
-<file path=ppt/tags/tag151.xml><?xml version="1.0" encoding="utf-8"?>
-<p:tagLst xmlns:a="http://schemas.openxmlformats.org/drawingml/2006/main" xmlns:r="http://schemas.openxmlformats.org/officeDocument/2006/relationships" xmlns:p="http://schemas.openxmlformats.org/presentationml/2006/main">
-  <p:tag name="DVSECTIONID" val="oSQbi3NdUPJ4fw0dhDEfXH"/>
-</p:tagLst>
-</file>
-
-<file path=ppt/tags/tag152.xml><?xml version="1.0" encoding="utf-8"?>
-<p:tagLst xmlns:a="http://schemas.openxmlformats.org/drawingml/2006/main" xmlns:r="http://schemas.openxmlformats.org/officeDocument/2006/relationships" xmlns:p="http://schemas.openxmlformats.org/presentationml/2006/main">
-  <p:tag name="DVSHAPEID" val="o9jDtoTwgS4hENUUK7Avlm"/>
-</p:tagLst>
-</file>
-
-<file path=ppt/tags/tag153.xml><?xml version="1.0" encoding="utf-8"?>
-<p:tagLst xmlns:a="http://schemas.openxmlformats.org/drawingml/2006/main" xmlns:r="http://schemas.openxmlformats.org/officeDocument/2006/relationships" xmlns:p="http://schemas.openxmlformats.org/presentationml/2006/main">
-  <p:tag name="DVSHAPEID" val="l8tJXo9YvNiDRbaKyxaT2m"/>
-</p:tagLst>
-</file>
-
-<file path=ppt/tags/tag154.xml><?xml version="1.0" encoding="utf-8"?>
-<p:tagLst xmlns:a="http://schemas.openxmlformats.org/drawingml/2006/main" xmlns:r="http://schemas.openxmlformats.org/officeDocument/2006/relationships" xmlns:p="http://schemas.openxmlformats.org/presentationml/2006/main">
-  <p:tag name="DVSHAPEID" val="AHi5kJYXE2E1NaaKrvnhmg"/>
-</p:tagLst>
-</file>
-
-<file path=ppt/tags/tag155.xml><?xml version="1.0" encoding="utf-8"?>
-<p:tagLst xmlns:a="http://schemas.openxmlformats.org/drawingml/2006/main" xmlns:r="http://schemas.openxmlformats.org/officeDocument/2006/relationships" xmlns:p="http://schemas.openxmlformats.org/presentationml/2006/main">
-  <p:tag name="DVSHAPEID" val="Y0WIK0y2lrjZyLqR3p0y8g"/>
-</p:tagLst>
-</file>
-
-<file path=ppt/tags/tag156.xml><?xml version="1.0" encoding="utf-8"?>
-<p:tagLst xmlns:a="http://schemas.openxmlformats.org/drawingml/2006/main" xmlns:r="http://schemas.openxmlformats.org/officeDocument/2006/relationships" xmlns:p="http://schemas.openxmlformats.org/presentationml/2006/main">
-  <p:tag name="DVSHAPEID" val="ZPoZAO6EvKZjJh9CYYoCGc"/>
-</p:tagLst>
-</file>
-
-<file path=ppt/tags/tag157.xml><?xml version="1.0" encoding="utf-8"?>
-<p:tagLst xmlns:a="http://schemas.openxmlformats.org/drawingml/2006/main" xmlns:r="http://schemas.openxmlformats.org/officeDocument/2006/relationships" xmlns:p="http://schemas.openxmlformats.org/presentationml/2006/main">
-  <p:tag name="DVSHAPEID" val="HOCojzrXhO8I16kLqJVHVz"/>
-</p:tagLst>
-</file>
-
-<file path=ppt/tags/tag158.xml><?xml version="1.0" encoding="utf-8"?>
-<p:tagLst xmlns:a="http://schemas.openxmlformats.org/drawingml/2006/main" xmlns:r="http://schemas.openxmlformats.org/officeDocument/2006/relationships" xmlns:p="http://schemas.openxmlformats.org/presentationml/2006/main">
-  <p:tag name="DVSHAPEID" val="Ze29Irr29wzM8znbvxdyta"/>
-</p:tagLst>
-</file>
-
-<file path=ppt/tags/tag159.xml><?xml version="1.0" encoding="utf-8"?>
-<p:tagLst xmlns:a="http://schemas.openxmlformats.org/drawingml/2006/main" xmlns:r="http://schemas.openxmlformats.org/officeDocument/2006/relationships" xmlns:p="http://schemas.openxmlformats.org/presentationml/2006/main">
-  <p:tag name="DVSHAPEID" val="8syg7v5r9aSa8fHpfEkeqR"/>
-</p:tagLst>
-</file>
-
-<file path=ppt/tags/tag16.xml><?xml version="1.0" encoding="utf-8"?>
-<p:tagLst xmlns:a="http://schemas.openxmlformats.org/drawingml/2006/main" xmlns:r="http://schemas.openxmlformats.org/officeDocument/2006/relationships" xmlns:p="http://schemas.openxmlformats.org/presentationml/2006/main">
-  <p:tag name="DVSHAPEID" val="OZkIki0qyjeK5g5UFb1HZo"/>
-</p:tagLst>
-</file>
-
-<file path=ppt/tags/tag160.xml><?xml version="1.0" encoding="utf-8"?>
-<p:tagLst xmlns:a="http://schemas.openxmlformats.org/drawingml/2006/main" xmlns:r="http://schemas.openxmlformats.org/officeDocument/2006/relationships" xmlns:p="http://schemas.openxmlformats.org/presentationml/2006/main">
-  <p:tag name="DVSECTIONID" val="WcyN6Dvxt0g3OB9sr6hpHI"/>
-</p:tagLst>
-</file>
-
-<file path=ppt/tags/tag161.xml><?xml version="1.0" encoding="utf-8"?>
-<p:tagLst xmlns:a="http://schemas.openxmlformats.org/drawingml/2006/main" xmlns:r="http://schemas.openxmlformats.org/officeDocument/2006/relationships" xmlns:p="http://schemas.openxmlformats.org/presentationml/2006/main">
-  <p:tag name="DVSHAPEID" val="b0g2icxEGZh8OnmaQZweFB"/>
-</p:tagLst>
-</file>
-
-<file path=ppt/tags/tag162.xml><?xml version="1.0" encoding="utf-8"?>
-<p:tagLst xmlns:a="http://schemas.openxmlformats.org/drawingml/2006/main" xmlns:r="http://schemas.openxmlformats.org/officeDocument/2006/relationships" xmlns:p="http://schemas.openxmlformats.org/presentationml/2006/main">
-  <p:tag name="DVSHAPEID" val="9fYKneeotn5P31SF9euuPz"/>
-</p:tagLst>
-</file>
-
-<file path=ppt/tags/tag163.xml><?xml version="1.0" encoding="utf-8"?>
-<p:tagLst xmlns:a="http://schemas.openxmlformats.org/drawingml/2006/main" xmlns:r="http://schemas.openxmlformats.org/officeDocument/2006/relationships" xmlns:p="http://schemas.openxmlformats.org/presentationml/2006/main">
-  <p:tag name="DVSHAPEID" val="0FZgJJXfl9GjUVggIhUl24"/>
-</p:tagLst>
-</file>
-
-<file path=ppt/tags/tag164.xml><?xml version="1.0" encoding="utf-8"?>
-<p:tagLst xmlns:a="http://schemas.openxmlformats.org/drawingml/2006/main" xmlns:r="http://schemas.openxmlformats.org/officeDocument/2006/relationships" xmlns:p="http://schemas.openxmlformats.org/presentationml/2006/main">
-  <p:tag name="DVSECTIONID" val="tKcTPHZr8IhHWDDuXaInlI"/>
-</p:tagLst>
-</file>
-
-<file path=ppt/tags/tag165.xml><?xml version="1.0" encoding="utf-8"?>
-<p:tagLst xmlns:a="http://schemas.openxmlformats.org/drawingml/2006/main" xmlns:r="http://schemas.openxmlformats.org/officeDocument/2006/relationships" xmlns:p="http://schemas.openxmlformats.org/presentationml/2006/main">
-  <p:tag name="DVSHAPEID" val="vZLZPlGd1evzR04xOjqivT"/>
-</p:tagLst>
-</file>
-
-<file path=ppt/tags/tag166.xml><?xml version="1.0" encoding="utf-8"?>
-<p:tagLst xmlns:a="http://schemas.openxmlformats.org/drawingml/2006/main" xmlns:r="http://schemas.openxmlformats.org/officeDocument/2006/relationships" xmlns:p="http://schemas.openxmlformats.org/presentationml/2006/main">
-  <p:tag name="DVSHAPEID" val="2ZjkhaQhKbLzJYZooTHglQ"/>
-</p:tagLst>
-</file>
-
-<file path=ppt/tags/tag167.xml><?xml version="1.0" encoding="utf-8"?>
-<p:tagLst xmlns:a="http://schemas.openxmlformats.org/drawingml/2006/main" xmlns:r="http://schemas.openxmlformats.org/officeDocument/2006/relationships" xmlns:p="http://schemas.openxmlformats.org/presentationml/2006/main">
-  <p:tag name="DVSHAPEID" val="6iqbzPvzhmGhrShQLltTPJ"/>
-</p:tagLst>
-</file>
-
-<file path=ppt/tags/tag168.xml><?xml version="1.0" encoding="utf-8"?>
-<p:tagLst xmlns:a="http://schemas.openxmlformats.org/drawingml/2006/main" xmlns:r="http://schemas.openxmlformats.org/officeDocument/2006/relationships" xmlns:p="http://schemas.openxmlformats.org/presentationml/2006/main">
-  <p:tag name="DVSECTIONID" val="5Hp2pKMRrKl0tuFBv6RiQ4"/>
-</p:tagLst>
-</file>
-
-<file path=ppt/tags/tag169.xml><?xml version="1.0" encoding="utf-8"?>
-<p:tagLst xmlns:a="http://schemas.openxmlformats.org/drawingml/2006/main" xmlns:r="http://schemas.openxmlformats.org/officeDocument/2006/relationships" xmlns:p="http://schemas.openxmlformats.org/presentationml/2006/main">
-  <p:tag name="DVSHAPEID" val="tPlM9YW3k4OWzHQya8JMRk"/>
-</p:tagLst>
-</file>
-
-<file path=ppt/tags/tag17.xml><?xml version="1.0" encoding="utf-8"?>
-<p:tagLst xmlns:a="http://schemas.openxmlformats.org/drawingml/2006/main" xmlns:r="http://schemas.openxmlformats.org/officeDocument/2006/relationships" xmlns:p="http://schemas.openxmlformats.org/presentationml/2006/main">
-  <p:tag name="DVSHAPEID" val="zfTfSjWUAENhSGQCK2SIP2"/>
-</p:tagLst>
-</file>
-
-<file path=ppt/tags/tag170.xml><?xml version="1.0" encoding="utf-8"?>
-<p:tagLst xmlns:a="http://schemas.openxmlformats.org/drawingml/2006/main" xmlns:r="http://schemas.openxmlformats.org/officeDocument/2006/relationships" xmlns:p="http://schemas.openxmlformats.org/presentationml/2006/main">
-  <p:tag name="DVSHAPEID" val="DDunZSvyR9emPBPNFxCe2B"/>
-</p:tagLst>
-</file>
-
-<file path=ppt/tags/tag171.xml><?xml version="1.0" encoding="utf-8"?>
-<p:tagLst xmlns:a="http://schemas.openxmlformats.org/drawingml/2006/main" xmlns:r="http://schemas.openxmlformats.org/officeDocument/2006/relationships" xmlns:p="http://schemas.openxmlformats.org/presentationml/2006/main">
-  <p:tag name="DVSHAPEID" val="sujAZcbla3R8bHhMY3xLcF"/>
-</p:tagLst>
-</file>
-
-<file path=ppt/tags/tag172.xml><?xml version="1.0" encoding="utf-8"?>
-<p:tagLst xmlns:a="http://schemas.openxmlformats.org/drawingml/2006/main" xmlns:r="http://schemas.openxmlformats.org/officeDocument/2006/relationships" xmlns:p="http://schemas.openxmlformats.org/presentationml/2006/main">
-  <p:tag name="DVSECTIONID" val="XOZRQmDFsT4nGRcj7QnP6K"/>
-</p:tagLst>
-</file>
-
-<file path=ppt/tags/tag173.xml><?xml version="1.0" encoding="utf-8"?>
-<p:tagLst xmlns:a="http://schemas.openxmlformats.org/drawingml/2006/main" xmlns:r="http://schemas.openxmlformats.org/officeDocument/2006/relationships" xmlns:p="http://schemas.openxmlformats.org/presentationml/2006/main">
-  <p:tag name="DVSHAPEID" val="HcRfImsb9Di1aZ3pSimwYb"/>
-</p:tagLst>
-</file>
-
-<file path=ppt/tags/tag174.xml><?xml version="1.0" encoding="utf-8"?>
-<p:tagLst xmlns:a="http://schemas.openxmlformats.org/drawingml/2006/main" xmlns:r="http://schemas.openxmlformats.org/officeDocument/2006/relationships" xmlns:p="http://schemas.openxmlformats.org/presentationml/2006/main">
-  <p:tag name="DVSHAPEID" val="vGp8vTyzGgpNM6IJuPSYTe"/>
-</p:tagLst>
-</file>
-
-<file path=ppt/tags/tag175.xml><?xml version="1.0" encoding="utf-8"?>
-<p:tagLst xmlns:a="http://schemas.openxmlformats.org/drawingml/2006/main" xmlns:r="http://schemas.openxmlformats.org/officeDocument/2006/relationships" xmlns:p="http://schemas.openxmlformats.org/presentationml/2006/main">
-  <p:tag name="DVSHAPEID" val="QaxiIzafoGGwHbQAQzDzW1"/>
-</p:tagLst>
-</file>
-
-<file path=ppt/tags/tag176.xml><?xml version="1.0" encoding="utf-8"?>
-<p:tagLst xmlns:a="http://schemas.openxmlformats.org/drawingml/2006/main" xmlns:r="http://schemas.openxmlformats.org/officeDocument/2006/relationships" xmlns:p="http://schemas.openxmlformats.org/presentationml/2006/main">
-  <p:tag name="DVSHAPEID" val="CmcWG9OxD0ihPeAdaZorSI"/>
-</p:tagLst>
-</file>
-
-<file path=ppt/tags/tag177.xml><?xml version="1.0" encoding="utf-8"?>
-<p:tagLst xmlns:a="http://schemas.openxmlformats.org/drawingml/2006/main" xmlns:r="http://schemas.openxmlformats.org/officeDocument/2006/relationships" xmlns:p="http://schemas.openxmlformats.org/presentationml/2006/main">
-  <p:tag name="DVSHAPEID" val="7gpwTTYjljhPya6MS1qR2G"/>
-</p:tagLst>
-</file>
-
-<file path=ppt/tags/tag178.xml><?xml version="1.0" encoding="utf-8"?>
-<p:tagLst xmlns:a="http://schemas.openxmlformats.org/drawingml/2006/main" xmlns:r="http://schemas.openxmlformats.org/officeDocument/2006/relationships" xmlns:p="http://schemas.openxmlformats.org/presentationml/2006/main">
-  <p:tag name="DVSECTIONID" val="OcIp3OcxXx0dIOBcNNy1Sx"/>
-</p:tagLst>
-</file>
-
-<file path=ppt/tags/tag179.xml><?xml version="1.0" encoding="utf-8"?>
-<p:tagLst xmlns:a="http://schemas.openxmlformats.org/drawingml/2006/main" xmlns:r="http://schemas.openxmlformats.org/officeDocument/2006/relationships" xmlns:p="http://schemas.openxmlformats.org/presentationml/2006/main">
-  <p:tag name="DVSHAPEID" val="epmBZDpEbu8TfVwagUykEY"/>
-</p:tagLst>
-</file>
-
-<file path=ppt/tags/tag18.xml><?xml version="1.0" encoding="utf-8"?>
-<p:tagLst xmlns:a="http://schemas.openxmlformats.org/drawingml/2006/main" xmlns:r="http://schemas.openxmlformats.org/officeDocument/2006/relationships" xmlns:p="http://schemas.openxmlformats.org/presentationml/2006/main">
-  <p:tag name="DVSHAPEID" val="tIYRz2uXKw1pp4P5qGuDIz"/>
-</p:tagLst>
-</file>
-
-<file path=ppt/tags/tag180.xml><?xml version="1.0" encoding="utf-8"?>
-<p:tagLst xmlns:a="http://schemas.openxmlformats.org/drawingml/2006/main" xmlns:r="http://schemas.openxmlformats.org/officeDocument/2006/relationships" xmlns:p="http://schemas.openxmlformats.org/presentationml/2006/main">
-  <p:tag name="DVSHAPEID" val="ku9RBBpa4x3CXLGu4wmKtk"/>
-</p:tagLst>
-</file>
-
-<file path=ppt/tags/tag181.xml><?xml version="1.0" encoding="utf-8"?>
-<p:tagLst xmlns:a="http://schemas.openxmlformats.org/drawingml/2006/main" xmlns:r="http://schemas.openxmlformats.org/officeDocument/2006/relationships" xmlns:p="http://schemas.openxmlformats.org/presentationml/2006/main">
-  <p:tag name="DVSHAPEID" val="v71dHTObUBn0GQAu3YfwXO"/>
-</p:tagLst>
-</file>
-
-<file path=ppt/tags/tag182.xml><?xml version="1.0" encoding="utf-8"?>
-<p:tagLst xmlns:a="http://schemas.openxmlformats.org/drawingml/2006/main" xmlns:r="http://schemas.openxmlformats.org/officeDocument/2006/relationships" xmlns:p="http://schemas.openxmlformats.org/presentationml/2006/main">
-  <p:tag name="DVSHAPEID" val="4L6QjEW7STdzN95kI1IokW"/>
-</p:tagLst>
-</file>
-
-<file path=ppt/tags/tag183.xml><?xml version="1.0" encoding="utf-8"?>
-<p:tagLst xmlns:a="http://schemas.openxmlformats.org/drawingml/2006/main" xmlns:r="http://schemas.openxmlformats.org/officeDocument/2006/relationships" xmlns:p="http://schemas.openxmlformats.org/presentationml/2006/main">
-  <p:tag name="DVSHAPEID" val="OF8kO5bSkAgG3g7RAaeMIt"/>
-</p:tagLst>
-</file>
-
-<file path=ppt/tags/tag184.xml><?xml version="1.0" encoding="utf-8"?>
-<p:tagLst xmlns:a="http://schemas.openxmlformats.org/drawingml/2006/main" xmlns:r="http://schemas.openxmlformats.org/officeDocument/2006/relationships" xmlns:p="http://schemas.openxmlformats.org/presentationml/2006/main">
-  <p:tag name="DVSHAPEID" val="N73roIgdOyu8WrHYPRW0zC"/>
-</p:tagLst>
-</file>
-
-<file path=ppt/tags/tag185.xml><?xml version="1.0" encoding="utf-8"?>
-<p:tagLst xmlns:a="http://schemas.openxmlformats.org/drawingml/2006/main" xmlns:r="http://schemas.openxmlformats.org/officeDocument/2006/relationships" xmlns:p="http://schemas.openxmlformats.org/presentationml/2006/main">
-  <p:tag name="DVSHAPEID" val="i65PdRryaydlR1gnGtC6MI"/>
-</p:tagLst>
-</file>
-
-<file path=ppt/tags/tag186.xml><?xml version="1.0" encoding="utf-8"?>
-<p:tagLst xmlns:a="http://schemas.openxmlformats.org/drawingml/2006/main" xmlns:r="http://schemas.openxmlformats.org/officeDocument/2006/relationships" xmlns:p="http://schemas.openxmlformats.org/presentationml/2006/main">
-  <p:tag name="DVSHAPEID" val="cVjGaBknPITaOXlzvoMgoV"/>
-</p:tagLst>
-</file>
-
-<file path=ppt/tags/tag187.xml><?xml version="1.0" encoding="utf-8"?>
-<p:tagLst xmlns:a="http://schemas.openxmlformats.org/drawingml/2006/main" xmlns:r="http://schemas.openxmlformats.org/officeDocument/2006/relationships" xmlns:p="http://schemas.openxmlformats.org/presentationml/2006/main">
-  <p:tag name="DVSHAPEID" val="UAzFHsatnsQAUavwGPdMIv"/>
-</p:tagLst>
-</file>
-
-<file path=ppt/tags/tag188.xml><?xml version="1.0" encoding="utf-8"?>
-<p:tagLst xmlns:a="http://schemas.openxmlformats.org/drawingml/2006/main" xmlns:r="http://schemas.openxmlformats.org/officeDocument/2006/relationships" xmlns:p="http://schemas.openxmlformats.org/presentationml/2006/main">
-  <p:tag name="DVSHAPEID" val="rHcj16Xdjvjg0J7uTRcmkr"/>
-</p:tagLst>
-</file>
-
-<file path=ppt/tags/tag189.xml><?xml version="1.0" encoding="utf-8"?>
-<p:tagLst xmlns:a="http://schemas.openxmlformats.org/drawingml/2006/main" xmlns:r="http://schemas.openxmlformats.org/officeDocument/2006/relationships" xmlns:p="http://schemas.openxmlformats.org/presentationml/2006/main">
-  <p:tag name="DVSHAPEID" val="ZZGq6n6n11Gq2ZahTlUH8N"/>
-</p:tagLst>
-</file>
-
-<file path=ppt/tags/tag19.xml><?xml version="1.0" encoding="utf-8"?>
-<p:tagLst xmlns:a="http://schemas.openxmlformats.org/drawingml/2006/main" xmlns:r="http://schemas.openxmlformats.org/officeDocument/2006/relationships" xmlns:p="http://schemas.openxmlformats.org/presentationml/2006/main">
-  <p:tag name="DVSHAPEID" val="WOoo32rYPhzxLbg1KUqDUg"/>
-</p:tagLst>
-</file>
-
-<file path=ppt/tags/tag190.xml><?xml version="1.0" encoding="utf-8"?>
-<p:tagLst xmlns:a="http://schemas.openxmlformats.org/drawingml/2006/main" xmlns:r="http://schemas.openxmlformats.org/officeDocument/2006/relationships" xmlns:p="http://schemas.openxmlformats.org/presentationml/2006/main">
-  <p:tag name="DVSECTIONID" val="L7FvOX97GjmLVZbqDaeALJ"/>
-</p:tagLst>
-</file>
-
-<file path=ppt/tags/tag191.xml><?xml version="1.0" encoding="utf-8"?>
-<p:tagLst xmlns:a="http://schemas.openxmlformats.org/drawingml/2006/main" xmlns:r="http://schemas.openxmlformats.org/officeDocument/2006/relationships" xmlns:p="http://schemas.openxmlformats.org/presentationml/2006/main">
-  <p:tag name="DVSHAPEID" val="je2a4YHW2Bcp8Rtnr4va8k"/>
-</p:tagLst>
-</file>
-
-<file path=ppt/tags/tag192.xml><?xml version="1.0" encoding="utf-8"?>
-<p:tagLst xmlns:a="http://schemas.openxmlformats.org/drawingml/2006/main" xmlns:r="http://schemas.openxmlformats.org/officeDocument/2006/relationships" xmlns:p="http://schemas.openxmlformats.org/presentationml/2006/main">
-  <p:tag name="DVSHAPEID" val="gDaLpcWlzma0nYhQ2ZvmtH"/>
-</p:tagLst>
-</file>
-
-<file path=ppt/tags/tag193.xml><?xml version="1.0" encoding="utf-8"?>
-<p:tagLst xmlns:a="http://schemas.openxmlformats.org/drawingml/2006/main" xmlns:r="http://schemas.openxmlformats.org/officeDocument/2006/relationships" xmlns:p="http://schemas.openxmlformats.org/presentationml/2006/main">
-  <p:tag name="DVSHAPEID" val="GEVafILwiI1fqmVzw1xNt7"/>
-</p:tagLst>
-</file>
-
-<file path=ppt/tags/tag194.xml><?xml version="1.0" encoding="utf-8"?>
-<p:tagLst xmlns:a="http://schemas.openxmlformats.org/drawingml/2006/main" xmlns:r="http://schemas.openxmlformats.org/officeDocument/2006/relationships" xmlns:p="http://schemas.openxmlformats.org/presentationml/2006/main">
-  <p:tag name="DVSECTIONID" val="GIVPSLnUPkPgqBJx0fnQQG"/>
-</p:tagLst>
-</file>
-
-<file path=ppt/tags/tag195.xml><?xml version="1.0" encoding="utf-8"?>
-<p:tagLst xmlns:a="http://schemas.openxmlformats.org/drawingml/2006/main" xmlns:r="http://schemas.openxmlformats.org/officeDocument/2006/relationships" xmlns:p="http://schemas.openxmlformats.org/presentationml/2006/main">
-  <p:tag name="DVSHAPEID" val="4BAf1vq8RaiYXp0izv0G2Q"/>
-</p:tagLst>
-</file>
-
-<file path=ppt/tags/tag196.xml><?xml version="1.0" encoding="utf-8"?>
-<p:tagLst xmlns:a="http://schemas.openxmlformats.org/drawingml/2006/main" xmlns:r="http://schemas.openxmlformats.org/officeDocument/2006/relationships" xmlns:p="http://schemas.openxmlformats.org/presentationml/2006/main">
-  <p:tag name="DVSHAPEID" val="dOSw0Y0dqXPci1uV8oCuIY"/>
-</p:tagLst>
-</file>
-
-<file path=ppt/tags/tag197.xml><?xml version="1.0" encoding="utf-8"?>
-<p:tagLst xmlns:a="http://schemas.openxmlformats.org/drawingml/2006/main" xmlns:r="http://schemas.openxmlformats.org/officeDocument/2006/relationships" xmlns:p="http://schemas.openxmlformats.org/presentationml/2006/main">
-  <p:tag name="DVSHAPEID" val="pMzNljOS9kjzq6hIIMv4h3"/>
-</p:tagLst>
-</file>
-
-<file path=ppt/tags/tag198.xml><?xml version="1.0" encoding="utf-8"?>
-<p:tagLst xmlns:a="http://schemas.openxmlformats.org/drawingml/2006/main" xmlns:r="http://schemas.openxmlformats.org/officeDocument/2006/relationships" xmlns:p="http://schemas.openxmlformats.org/presentationml/2006/main">
-  <p:tag name="DVSECTIONID" val="rHyrdh4UWTY1KA2yUqeLir"/>
-</p:tagLst>
-</file>
-
-<file path=ppt/tags/tag199.xml><?xml version="1.0" encoding="utf-8"?>
-<p:tagLst xmlns:a="http://schemas.openxmlformats.org/drawingml/2006/main" xmlns:r="http://schemas.openxmlformats.org/officeDocument/2006/relationships" xmlns:p="http://schemas.openxmlformats.org/presentationml/2006/main">
-  <p:tag name="DVSHAPEID" val="qe4T5BS9bYofp5XcCGpxOu"/>
-</p:tagLst>
-</file>
-
-<file path=ppt/tags/tag2.xml><?xml version="1.0" encoding="utf-8"?>
-<p:tagLst xmlns:a="http://schemas.openxmlformats.org/drawingml/2006/main" xmlns:r="http://schemas.openxmlformats.org/officeDocument/2006/relationships" xmlns:p="http://schemas.openxmlformats.org/presentationml/2006/main">
-  <p:tag name="DVSHAPEID" val="S84H4a4PeR62uudp1HyFga"/>
-</p:tagLst>
-</file>
-
-<file path=ppt/tags/tag20.xml><?xml version="1.0" encoding="utf-8"?>
-<p:tagLst xmlns:a="http://schemas.openxmlformats.org/drawingml/2006/main" xmlns:r="http://schemas.openxmlformats.org/officeDocument/2006/relationships" xmlns:p="http://schemas.openxmlformats.org/presentationml/2006/main">
-  <p:tag name="DVSHAPEID" val="gthMMFCbdbjTLasaYrwMHK"/>
-</p:tagLst>
-</file>
-
-<file path=ppt/tags/tag200.xml><?xml version="1.0" encoding="utf-8"?>
-<p:tagLst xmlns:a="http://schemas.openxmlformats.org/drawingml/2006/main" xmlns:r="http://schemas.openxmlformats.org/officeDocument/2006/relationships" xmlns:p="http://schemas.openxmlformats.org/presentationml/2006/main">
-  <p:tag name="DVSHAPEID" val="SJBoDpGPZEGlmlJsec008k"/>
-</p:tagLst>
-</file>
-
-<file path=ppt/tags/tag201.xml><?xml version="1.0" encoding="utf-8"?>
-<p:tagLst xmlns:a="http://schemas.openxmlformats.org/drawingml/2006/main" xmlns:r="http://schemas.openxmlformats.org/officeDocument/2006/relationships" xmlns:p="http://schemas.openxmlformats.org/presentationml/2006/main">
-  <p:tag name="DVSHAPEID" val="abHcLv9OEJfVlkiGXstmYK"/>
-</p:tagLst>
-</file>
-
-<file path=ppt/tags/tag202.xml><?xml version="1.0" encoding="utf-8"?>
-<p:tagLst xmlns:a="http://schemas.openxmlformats.org/drawingml/2006/main" xmlns:r="http://schemas.openxmlformats.org/officeDocument/2006/relationships" xmlns:p="http://schemas.openxmlformats.org/presentationml/2006/main">
-  <p:tag name="DVSECTIONID" val="RXSC1nanMhL1qXAZ4oJMu2"/>
-</p:tagLst>
-</file>
-
-<file path=ppt/tags/tag203.xml><?xml version="1.0" encoding="utf-8"?>
-<p:tagLst xmlns:a="http://schemas.openxmlformats.org/drawingml/2006/main" xmlns:r="http://schemas.openxmlformats.org/officeDocument/2006/relationships" xmlns:p="http://schemas.openxmlformats.org/presentationml/2006/main">
-  <p:tag name="DVSHAPEID" val="Io1SQKp0mMFdmtMxpP6kww"/>
-</p:tagLst>
-</file>
-
-<file path=ppt/tags/tag204.xml><?xml version="1.0" encoding="utf-8"?>
-<p:tagLst xmlns:a="http://schemas.openxmlformats.org/drawingml/2006/main" xmlns:r="http://schemas.openxmlformats.org/officeDocument/2006/relationships" xmlns:p="http://schemas.openxmlformats.org/presentationml/2006/main">
-  <p:tag name="DVSHAPEID" val="7nPq7pkALBleo4seKh6Ep5"/>
-</p:tagLst>
-</file>
-
-<file path=ppt/tags/tag205.xml><?xml version="1.0" encoding="utf-8"?>
-<p:tagLst xmlns:a="http://schemas.openxmlformats.org/drawingml/2006/main" xmlns:r="http://schemas.openxmlformats.org/officeDocument/2006/relationships" xmlns:p="http://schemas.openxmlformats.org/presentationml/2006/main">
-  <p:tag name="DVSHAPEID" val="y3IBtascxOlxypGrEaFbZW"/>
-</p:tagLst>
-</file>
-
-<file path=ppt/tags/tag21.xml><?xml version="1.0" encoding="utf-8"?>
-<p:tagLst xmlns:a="http://schemas.openxmlformats.org/drawingml/2006/main" xmlns:r="http://schemas.openxmlformats.org/officeDocument/2006/relationships" xmlns:p="http://schemas.openxmlformats.org/presentationml/2006/main">
-  <p:tag name="DVSHAPEID" val="QSiEOoVAc5FFxU7hgLlD3n"/>
-</p:tagLst>
-</file>
-
-<file path=ppt/tags/tag22.xml><?xml version="1.0" encoding="utf-8"?>
-<p:tagLst xmlns:a="http://schemas.openxmlformats.org/drawingml/2006/main" xmlns:r="http://schemas.openxmlformats.org/officeDocument/2006/relationships" xmlns:p="http://schemas.openxmlformats.org/presentationml/2006/main">
-  <p:tag name="DVSHAPEID" val="dSp5yAVZ68zwCot8QefDZe"/>
-</p:tagLst>
-</file>
-
-<file path=ppt/tags/tag23.xml><?xml version="1.0" encoding="utf-8"?>
-<p:tagLst xmlns:a="http://schemas.openxmlformats.org/drawingml/2006/main" xmlns:r="http://schemas.openxmlformats.org/officeDocument/2006/relationships" xmlns:p="http://schemas.openxmlformats.org/presentationml/2006/main">
-  <p:tag name="DVSHAPEID" val="e5Cx3HbLq3HsFqeIQlEcZx"/>
-</p:tagLst>
-</file>
-
-<file path=ppt/tags/tag24.xml><?xml version="1.0" encoding="utf-8"?>
-<p:tagLst xmlns:a="http://schemas.openxmlformats.org/drawingml/2006/main" xmlns:r="http://schemas.openxmlformats.org/officeDocument/2006/relationships" xmlns:p="http://schemas.openxmlformats.org/presentationml/2006/main">
-  <p:tag name="DVSHAPEID" val="61iIO7U7npoZDkt0weOlHw"/>
-</p:tagLst>
-</file>
-
-<file path=ppt/tags/tag25.xml><?xml version="1.0" encoding="utf-8"?>
-<p:tagLst xmlns:a="http://schemas.openxmlformats.org/drawingml/2006/main" xmlns:r="http://schemas.openxmlformats.org/officeDocument/2006/relationships" xmlns:p="http://schemas.openxmlformats.org/presentationml/2006/main">
-  <p:tag name="DVSHAPEID" val="PaJ2U7nUYMeGZAfkS3QjFh"/>
-</p:tagLst>
-</file>
-
-<file path=ppt/tags/tag26.xml><?xml version="1.0" encoding="utf-8"?>
-<p:tagLst xmlns:a="http://schemas.openxmlformats.org/drawingml/2006/main" xmlns:r="http://schemas.openxmlformats.org/officeDocument/2006/relationships" xmlns:p="http://schemas.openxmlformats.org/presentationml/2006/main">
-  <p:tag name="DVSHAPEID" val="4GMTfPPqnDPAc7ZMcMJtqB"/>
-</p:tagLst>
-</file>
-
-<file path=ppt/tags/tag27.xml><?xml version="1.0" encoding="utf-8"?>
-<p:tagLst xmlns:a="http://schemas.openxmlformats.org/drawingml/2006/main" xmlns:r="http://schemas.openxmlformats.org/officeDocument/2006/relationships" xmlns:p="http://schemas.openxmlformats.org/presentationml/2006/main">
-  <p:tag name="DVSHAPEID" val="KWlSKblKvoQx53f0Sy4xoB"/>
-</p:tagLst>
-</file>
-
-<file path=ppt/tags/tag28.xml><?xml version="1.0" encoding="utf-8"?>
-<p:tagLst xmlns:a="http://schemas.openxmlformats.org/drawingml/2006/main" xmlns:r="http://schemas.openxmlformats.org/officeDocument/2006/relationships" xmlns:p="http://schemas.openxmlformats.org/presentationml/2006/main">
-  <p:tag name="DVSHAPEID" val="Rpn7l6R3AcQsVPym5D5C8r"/>
-</p:tagLst>
-</file>
-
-<file path=ppt/tags/tag29.xml><?xml version="1.0" encoding="utf-8"?>
-<p:tagLst xmlns:a="http://schemas.openxmlformats.org/drawingml/2006/main" xmlns:r="http://schemas.openxmlformats.org/officeDocument/2006/relationships" xmlns:p="http://schemas.openxmlformats.org/presentationml/2006/main">
-  <p:tag name="DVSHAPEID" val="JF2WwbUboSd95VuCQeTsNE"/>
-</p:tagLst>
-</file>
-
-<file path=ppt/tags/tag3.xml><?xml version="1.0" encoding="utf-8"?>
-<p:tagLst xmlns:a="http://schemas.openxmlformats.org/drawingml/2006/main" xmlns:r="http://schemas.openxmlformats.org/officeDocument/2006/relationships" xmlns:p="http://schemas.openxmlformats.org/presentationml/2006/main">
-  <p:tag name="DVSHAPEID" val="KcNPclE5ZE4Pt4DGzR0vWB"/>
-</p:tagLst>
-</file>
-
-<file path=ppt/tags/tag30.xml><?xml version="1.0" encoding="utf-8"?>
-<p:tagLst xmlns:a="http://schemas.openxmlformats.org/drawingml/2006/main" xmlns:r="http://schemas.openxmlformats.org/officeDocument/2006/relationships" xmlns:p="http://schemas.openxmlformats.org/presentationml/2006/main">
-  <p:tag name="DVSHAPEID" val="GD7prvtrsLspFI5ozF8pNX"/>
-</p:tagLst>
-</file>
-
-<file path=ppt/tags/tag31.xml><?xml version="1.0" encoding="utf-8"?>
-<p:tagLst xmlns:a="http://schemas.openxmlformats.org/drawingml/2006/main" xmlns:r="http://schemas.openxmlformats.org/officeDocument/2006/relationships" xmlns:p="http://schemas.openxmlformats.org/presentationml/2006/main">
-  <p:tag name="DVSHAPEID" val="fMKCSsMRJGD5YoO7JoHWqr"/>
-</p:tagLst>
-</file>
-
-<file path=ppt/tags/tag32.xml><?xml version="1.0" encoding="utf-8"?>
-<p:tagLst xmlns:a="http://schemas.openxmlformats.org/drawingml/2006/main" xmlns:r="http://schemas.openxmlformats.org/officeDocument/2006/relationships" xmlns:p="http://schemas.openxmlformats.org/presentationml/2006/main">
-  <p:tag name="DVSHAPEID" val="GFgLwsEejoQJnkEPD0FB2M"/>
-</p:tagLst>
-</file>
-
-<file path=ppt/tags/tag33.xml><?xml version="1.0" encoding="utf-8"?>
-<p:tagLst xmlns:a="http://schemas.openxmlformats.org/drawingml/2006/main" xmlns:r="http://schemas.openxmlformats.org/officeDocument/2006/relationships" xmlns:p="http://schemas.openxmlformats.org/presentationml/2006/main">
-  <p:tag name="DVSHAPEID" val="MAKHzrVJHQxO54m6Vjcvme"/>
-</p:tagLst>
-</file>
-
-<file path=ppt/tags/tag34.xml><?xml version="1.0" encoding="utf-8"?>
-<p:tagLst xmlns:a="http://schemas.openxmlformats.org/drawingml/2006/main" xmlns:r="http://schemas.openxmlformats.org/officeDocument/2006/relationships" xmlns:p="http://schemas.openxmlformats.org/presentationml/2006/main">
-  <p:tag name="DVSHAPEID" val="ef1tsULHhPpUTG1PScizH0"/>
-</p:tagLst>
-</file>
-
-<file path=ppt/tags/tag35.xml><?xml version="1.0" encoding="utf-8"?>
-<p:tagLst xmlns:a="http://schemas.openxmlformats.org/drawingml/2006/main" xmlns:r="http://schemas.openxmlformats.org/officeDocument/2006/relationships" xmlns:p="http://schemas.openxmlformats.org/presentationml/2006/main">
-  <p:tag name="DVSHAPEID" val="bzfAsw5lpxpxlvF5Z0Y0zH"/>
-</p:tagLst>
-</file>
-
-<file path=ppt/tags/tag36.xml><?xml version="1.0" encoding="utf-8"?>
-<p:tagLst xmlns:a="http://schemas.openxmlformats.org/drawingml/2006/main" xmlns:r="http://schemas.openxmlformats.org/officeDocument/2006/relationships" xmlns:p="http://schemas.openxmlformats.org/presentationml/2006/main">
-  <p:tag name="DVSHAPEID" val="pbbG56rZcMxe3reSseBVqR"/>
-</p:tagLst>
-</file>
-
-<file path=ppt/tags/tag37.xml><?xml version="1.0" encoding="utf-8"?>
-<p:tagLst xmlns:a="http://schemas.openxmlformats.org/drawingml/2006/main" xmlns:r="http://schemas.openxmlformats.org/officeDocument/2006/relationships" xmlns:p="http://schemas.openxmlformats.org/presentationml/2006/main">
-  <p:tag name="DVSHAPEID" val="vlkw9MdhBHqua3pLrYUpkC"/>
-</p:tagLst>
-</file>
-
-<file path=ppt/tags/tag38.xml><?xml version="1.0" encoding="utf-8"?>
-<p:tagLst xmlns:a="http://schemas.openxmlformats.org/drawingml/2006/main" xmlns:r="http://schemas.openxmlformats.org/officeDocument/2006/relationships" xmlns:p="http://schemas.openxmlformats.org/presentationml/2006/main">
-  <p:tag name="DVSHAPEID" val="07reQ7yJoEhxGPmyWELUaQ"/>
-</p:tagLst>
-</file>
-
-<file path=ppt/tags/tag39.xml><?xml version="1.0" encoding="utf-8"?>
-<p:tagLst xmlns:a="http://schemas.openxmlformats.org/drawingml/2006/main" xmlns:r="http://schemas.openxmlformats.org/officeDocument/2006/relationships" xmlns:p="http://schemas.openxmlformats.org/presentationml/2006/main">
-  <p:tag name="DVSHAPEID" val="NzhasGND00wSlc4VV6JSiM"/>
-</p:tagLst>
-</file>
-
-<file path=ppt/tags/tag4.xml><?xml version="1.0" encoding="utf-8"?>
-<p:tagLst xmlns:a="http://schemas.openxmlformats.org/drawingml/2006/main" xmlns:r="http://schemas.openxmlformats.org/officeDocument/2006/relationships" xmlns:p="http://schemas.openxmlformats.org/presentationml/2006/main">
-  <p:tag name="DVSHAPEID" val="6e9ybdYXclNHoSTeXJa8Sr"/>
-</p:tagLst>
-</file>
-
-<file path=ppt/tags/tag40.xml><?xml version="1.0" encoding="utf-8"?>
-<p:tagLst xmlns:a="http://schemas.openxmlformats.org/drawingml/2006/main" xmlns:r="http://schemas.openxmlformats.org/officeDocument/2006/relationships" xmlns:p="http://schemas.openxmlformats.org/presentationml/2006/main">
-  <p:tag name="DVSHAPEID" val="cDnApS2gEqr9kSXGERWLDh"/>
-</p:tagLst>
-</file>
-
-<file path=ppt/tags/tag41.xml><?xml version="1.0" encoding="utf-8"?>
-<p:tagLst xmlns:a="http://schemas.openxmlformats.org/drawingml/2006/main" xmlns:r="http://schemas.openxmlformats.org/officeDocument/2006/relationships" xmlns:p="http://schemas.openxmlformats.org/presentationml/2006/main">
-  <p:tag name="DVSHAPEID" val="0Nt9u1IEbix0mEMShUAKm6"/>
-</p:tagLst>
-</file>
-
-<file path=ppt/tags/tag42.xml><?xml version="1.0" encoding="utf-8"?>
-<p:tagLst xmlns:a="http://schemas.openxmlformats.org/drawingml/2006/main" xmlns:r="http://schemas.openxmlformats.org/officeDocument/2006/relationships" xmlns:p="http://schemas.openxmlformats.org/presentationml/2006/main">
-  <p:tag name="DVSHAPEID" val="qbSbYfsRWx9VCA6go1xZf9"/>
-</p:tagLst>
-</file>
-
-<file path=ppt/tags/tag43.xml><?xml version="1.0" encoding="utf-8"?>
-<p:tagLst xmlns:a="http://schemas.openxmlformats.org/drawingml/2006/main" xmlns:r="http://schemas.openxmlformats.org/officeDocument/2006/relationships" xmlns:p="http://schemas.openxmlformats.org/presentationml/2006/main">
-  <p:tag name="DVSHAPEID" val="CjvjTLA1aSUUnigi3scjm0"/>
-</p:tagLst>
-</file>
-
-<file path=ppt/tags/tag44.xml><?xml version="1.0" encoding="utf-8"?>
-<p:tagLst xmlns:a="http://schemas.openxmlformats.org/drawingml/2006/main" xmlns:r="http://schemas.openxmlformats.org/officeDocument/2006/relationships" xmlns:p="http://schemas.openxmlformats.org/presentationml/2006/main">
-  <p:tag name="DVSHAPEID" val="Rr1cM1wzcnQgzyFFmHhUmg"/>
-</p:tagLst>
-</file>
-
-<file path=ppt/tags/tag45.xml><?xml version="1.0" encoding="utf-8"?>
-<p:tagLst xmlns:a="http://schemas.openxmlformats.org/drawingml/2006/main" xmlns:r="http://schemas.openxmlformats.org/officeDocument/2006/relationships" xmlns:p="http://schemas.openxmlformats.org/presentationml/2006/main">
-  <p:tag name="DVSHAPEID" val="0IcOZ5Y4MWNBs4hGYzvBFx"/>
-</p:tagLst>
-</file>
-
-<file path=ppt/tags/tag46.xml><?xml version="1.0" encoding="utf-8"?>
-<p:tagLst xmlns:a="http://schemas.openxmlformats.org/drawingml/2006/main" xmlns:r="http://schemas.openxmlformats.org/officeDocument/2006/relationships" xmlns:p="http://schemas.openxmlformats.org/presentationml/2006/main">
-  <p:tag name="DVSHAPEID" val="36IHCn6v1rDAqjZY1rB8AU"/>
-</p:tagLst>
-</file>
-
-<file path=ppt/tags/tag47.xml><?xml version="1.0" encoding="utf-8"?>
-<p:tagLst xmlns:a="http://schemas.openxmlformats.org/drawingml/2006/main" xmlns:r="http://schemas.openxmlformats.org/officeDocument/2006/relationships" xmlns:p="http://schemas.openxmlformats.org/presentationml/2006/main">
-  <p:tag name="DVSHAPEID" val="tX6BnFIIpLAsE65hsAXhUl"/>
-</p:tagLst>
-</file>
-
-<file path=ppt/tags/tag48.xml><?xml version="1.0" encoding="utf-8"?>
-<p:tagLst xmlns:a="http://schemas.openxmlformats.org/drawingml/2006/main" xmlns:r="http://schemas.openxmlformats.org/officeDocument/2006/relationships" xmlns:p="http://schemas.openxmlformats.org/presentationml/2006/main">
-  <p:tag name="DVSHAPEID" val="XSEXG0x40xX8DKB10rMj2S"/>
-</p:tagLst>
-</file>
-
-<file path=ppt/tags/tag49.xml><?xml version="1.0" encoding="utf-8"?>
-<p:tagLst xmlns:a="http://schemas.openxmlformats.org/drawingml/2006/main" xmlns:r="http://schemas.openxmlformats.org/officeDocument/2006/relationships" xmlns:p="http://schemas.openxmlformats.org/presentationml/2006/main">
-  <p:tag name="DVSHAPEID" val="ZXFTSKY0ai070eWqYIakL3"/>
-</p:tagLst>
-</file>
-
-<file path=ppt/tags/tag5.xml><?xml version="1.0" encoding="utf-8"?>
-<p:tagLst xmlns:a="http://schemas.openxmlformats.org/drawingml/2006/main" xmlns:r="http://schemas.openxmlformats.org/officeDocument/2006/relationships" xmlns:p="http://schemas.openxmlformats.org/presentationml/2006/main">
-  <p:tag name="DVSHAPEID" val="YE09Ll7HELe85yFE9q71rJ"/>
-</p:tagLst>
-</file>
-
-<file path=ppt/tags/tag50.xml><?xml version="1.0" encoding="utf-8"?>
-<p:tagLst xmlns:a="http://schemas.openxmlformats.org/drawingml/2006/main" xmlns:r="http://schemas.openxmlformats.org/officeDocument/2006/relationships" xmlns:p="http://schemas.openxmlformats.org/presentationml/2006/main">
-  <p:tag name="DVSHAPEID" val="vvslFqAwuBi5SGiN7N5ZmE"/>
-</p:tagLst>
-</file>
-
-<file path=ppt/tags/tag51.xml><?xml version="1.0" encoding="utf-8"?>
-<p:tagLst xmlns:a="http://schemas.openxmlformats.org/drawingml/2006/main" xmlns:r="http://schemas.openxmlformats.org/officeDocument/2006/relationships" xmlns:p="http://schemas.openxmlformats.org/presentationml/2006/main">
-  <p:tag name="DVSHAPEID" val="8vKn4zs48I7Ws9qx4yqDOo"/>
-</p:tagLst>
-</file>
-
-<file path=ppt/tags/tag52.xml><?xml version="1.0" encoding="utf-8"?>
-<p:tagLst xmlns:a="http://schemas.openxmlformats.org/drawingml/2006/main" xmlns:r="http://schemas.openxmlformats.org/officeDocument/2006/relationships" xmlns:p="http://schemas.openxmlformats.org/presentationml/2006/main">
-  <p:tag name="DVSHAPEID" val="PVlg7bAnfLGQnXAil04psA"/>
-</p:tagLst>
-</file>
-
-<file path=ppt/tags/tag53.xml><?xml version="1.0" encoding="utf-8"?>
-<p:tagLst xmlns:a="http://schemas.openxmlformats.org/drawingml/2006/main" xmlns:r="http://schemas.openxmlformats.org/officeDocument/2006/relationships" xmlns:p="http://schemas.openxmlformats.org/presentationml/2006/main">
-  <p:tag name="DVSHAPEID" val="XWe9mzIxyJQJFP1OshtLtm"/>
-</p:tagLst>
-</file>
-
-<file path=ppt/tags/tag54.xml><?xml version="1.0" encoding="utf-8"?>
-<p:tagLst xmlns:a="http://schemas.openxmlformats.org/drawingml/2006/main" xmlns:r="http://schemas.openxmlformats.org/officeDocument/2006/relationships" xmlns:p="http://schemas.openxmlformats.org/presentationml/2006/main">
-  <p:tag name="DVSHAPEID" val="fBMsXMcqzoWeXp2XO1FHcX"/>
-</p:tagLst>
-</file>
-
-<file path=ppt/tags/tag55.xml><?xml version="1.0" encoding="utf-8"?>
-<p:tagLst xmlns:a="http://schemas.openxmlformats.org/drawingml/2006/main" xmlns:r="http://schemas.openxmlformats.org/officeDocument/2006/relationships" xmlns:p="http://schemas.openxmlformats.org/presentationml/2006/main">
-  <p:tag name="DVSHAPEID" val="0DhLgwxMVH7BGDnTCWk89r"/>
-</p:tagLst>
-</file>
-
-<file path=ppt/tags/tag56.xml><?xml version="1.0" encoding="utf-8"?>
-<p:tagLst xmlns:a="http://schemas.openxmlformats.org/drawingml/2006/main" xmlns:r="http://schemas.openxmlformats.org/officeDocument/2006/relationships" xmlns:p="http://schemas.openxmlformats.org/presentationml/2006/main">
-  <p:tag name="DVSHAPEID" val="NrRCMuss5L9iA8bbvFSMse"/>
-</p:tagLst>
-</file>
-
-<file path=ppt/tags/tag57.xml><?xml version="1.0" encoding="utf-8"?>
-<p:tagLst xmlns:a="http://schemas.openxmlformats.org/drawingml/2006/main" xmlns:r="http://schemas.openxmlformats.org/officeDocument/2006/relationships" xmlns:p="http://schemas.openxmlformats.org/presentationml/2006/main">
-  <p:tag name="DVSHAPEID" val="7mIoAUoJn3NzPQTEK3jtBm"/>
-</p:tagLst>
-</file>
-
-<file path=ppt/tags/tag58.xml><?xml version="1.0" encoding="utf-8"?>
-<p:tagLst xmlns:a="http://schemas.openxmlformats.org/drawingml/2006/main" xmlns:r="http://schemas.openxmlformats.org/officeDocument/2006/relationships" xmlns:p="http://schemas.openxmlformats.org/presentationml/2006/main">
-  <p:tag name="DVSHAPEID" val="so2eIqqEgmYykvTnTx3mn5"/>
-</p:tagLst>
-</file>
-
-<file path=ppt/tags/tag59.xml><?xml version="1.0" encoding="utf-8"?>
-<p:tagLst xmlns:a="http://schemas.openxmlformats.org/drawingml/2006/main" xmlns:r="http://schemas.openxmlformats.org/officeDocument/2006/relationships" xmlns:p="http://schemas.openxmlformats.org/presentationml/2006/main">
-  <p:tag name="DVSHAPEID" val="u1jkhRVOsZDKUkmmcYiINr"/>
-</p:tagLst>
-</file>
-
-<file path=ppt/tags/tag6.xml><?xml version="1.0" encoding="utf-8"?>
-<p:tagLst xmlns:a="http://schemas.openxmlformats.org/drawingml/2006/main" xmlns:r="http://schemas.openxmlformats.org/officeDocument/2006/relationships" xmlns:p="http://schemas.openxmlformats.org/presentationml/2006/main">
-  <p:tag name="DVSHAPEID" val="1MGLMkThkNJEgux2rDQvG2"/>
-</p:tagLst>
-</file>
-
-<file path=ppt/tags/tag60.xml><?xml version="1.0" encoding="utf-8"?>
-<p:tagLst xmlns:a="http://schemas.openxmlformats.org/drawingml/2006/main" xmlns:r="http://schemas.openxmlformats.org/officeDocument/2006/relationships" xmlns:p="http://schemas.openxmlformats.org/presentationml/2006/main">
-  <p:tag name="DVSHAPEID" val="AgwoKn9MpfYmT1Un8zJrTZ"/>
-</p:tagLst>
-</file>
-
-<file path=ppt/tags/tag61.xml><?xml version="1.0" encoding="utf-8"?>
-<p:tagLst xmlns:a="http://schemas.openxmlformats.org/drawingml/2006/main" xmlns:r="http://schemas.openxmlformats.org/officeDocument/2006/relationships" xmlns:p="http://schemas.openxmlformats.org/presentationml/2006/main">
-  <p:tag name="DVSHAPEID" val="VzBz1xl54Fh3q2OT6yFGAn"/>
-</p:tagLst>
-</file>
-
-<file path=ppt/tags/tag62.xml><?xml version="1.0" encoding="utf-8"?>
-<p:tagLst xmlns:a="http://schemas.openxmlformats.org/drawingml/2006/main" xmlns:r="http://schemas.openxmlformats.org/officeDocument/2006/relationships" xmlns:p="http://schemas.openxmlformats.org/presentationml/2006/main">
-  <p:tag name="DVSHAPEID" val="MxqkrOPJZlxAkWNblBqjaj"/>
-</p:tagLst>
-</file>
-
-<file path=ppt/tags/tag63.xml><?xml version="1.0" encoding="utf-8"?>
-<p:tagLst xmlns:a="http://schemas.openxmlformats.org/drawingml/2006/main" xmlns:r="http://schemas.openxmlformats.org/officeDocument/2006/relationships" xmlns:p="http://schemas.openxmlformats.org/presentationml/2006/main">
-  <p:tag name="DVSHAPEID" val="4QASyfsaMdpxM38G6wglFW"/>
-</p:tagLst>
-</file>
-
-<file path=ppt/tags/tag64.xml><?xml version="1.0" encoding="utf-8"?>
-<p:tagLst xmlns:a="http://schemas.openxmlformats.org/drawingml/2006/main" xmlns:r="http://schemas.openxmlformats.org/officeDocument/2006/relationships" xmlns:p="http://schemas.openxmlformats.org/presentationml/2006/main">
-  <p:tag name="DVSECTIONID" val="CWMWm51VYtKQl5PIJV4X2S"/>
-</p:tagLst>
-</file>
-
-<file path=ppt/tags/tag65.xml><?xml version="1.0" encoding="utf-8"?>
-<p:tagLst xmlns:a="http://schemas.openxmlformats.org/drawingml/2006/main" xmlns:r="http://schemas.openxmlformats.org/officeDocument/2006/relationships" xmlns:p="http://schemas.openxmlformats.org/presentationml/2006/main">
-  <p:tag name="DVSHAPEID" val="VFyAG59ZcVSZRXXgJ0Krxy"/>
-</p:tagLst>
-</file>
-
-<file path=ppt/tags/tag66.xml><?xml version="1.0" encoding="utf-8"?>
-<p:tagLst xmlns:a="http://schemas.openxmlformats.org/drawingml/2006/main" xmlns:r="http://schemas.openxmlformats.org/officeDocument/2006/relationships" xmlns:p="http://schemas.openxmlformats.org/presentationml/2006/main">
-  <p:tag name="DVSHAPEID" val="vpaMX1aZ64cO1d3qG4dN4Q"/>
-</p:tagLst>
-</file>
-
-<file path=ppt/tags/tag67.xml><?xml version="1.0" encoding="utf-8"?>
-<p:tagLst xmlns:a="http://schemas.openxmlformats.org/drawingml/2006/main" xmlns:r="http://schemas.openxmlformats.org/officeDocument/2006/relationships" xmlns:p="http://schemas.openxmlformats.org/presentationml/2006/main">
-  <p:tag name="DVSHAPEID" val="8q5D2OEJ22vna9pU88OdOO"/>
-</p:tagLst>
-</file>
-
-<file path=ppt/tags/tag68.xml><?xml version="1.0" encoding="utf-8"?>
-<p:tagLst xmlns:a="http://schemas.openxmlformats.org/drawingml/2006/main" xmlns:r="http://schemas.openxmlformats.org/officeDocument/2006/relationships" xmlns:p="http://schemas.openxmlformats.org/presentationml/2006/main">
-  <p:tag name="DVSHAPEID" val="M2VJdijGdJtEgJGkZmlm2a"/>
-</p:tagLst>
-</file>
-
-<file path=ppt/tags/tag69.xml><?xml version="1.0" encoding="utf-8"?>
-<p:tagLst xmlns:a="http://schemas.openxmlformats.org/drawingml/2006/main" xmlns:r="http://schemas.openxmlformats.org/officeDocument/2006/relationships" xmlns:p="http://schemas.openxmlformats.org/presentationml/2006/main">
-  <p:tag name="DVSHAPEID" val="jE3U1LV4YR1kD3HiBlplOL"/>
-</p:tagLst>
-</file>
-
-<file path=ppt/tags/tag7.xml><?xml version="1.0" encoding="utf-8"?>
-<p:tagLst xmlns:a="http://schemas.openxmlformats.org/drawingml/2006/main" xmlns:r="http://schemas.openxmlformats.org/officeDocument/2006/relationships" xmlns:p="http://schemas.openxmlformats.org/presentationml/2006/main">
-  <p:tag name="DVSHAPEID" val="sfMlyjAK1R0fCes0yNOnqr"/>
-</p:tagLst>
-</file>
-
-<file path=ppt/tags/tag70.xml><?xml version="1.0" encoding="utf-8"?>
-<p:tagLst xmlns:a="http://schemas.openxmlformats.org/drawingml/2006/main" xmlns:r="http://schemas.openxmlformats.org/officeDocument/2006/relationships" xmlns:p="http://schemas.openxmlformats.org/presentationml/2006/main">
-  <p:tag name="DVSHAPEID" val="pV9HGRPa8HpWLbajUKalQd"/>
-</p:tagLst>
-</file>
-
-<file path=ppt/tags/tag71.xml><?xml version="1.0" encoding="utf-8"?>
-<p:tagLst xmlns:a="http://schemas.openxmlformats.org/drawingml/2006/main" xmlns:r="http://schemas.openxmlformats.org/officeDocument/2006/relationships" xmlns:p="http://schemas.openxmlformats.org/presentationml/2006/main">
-  <p:tag name="DVSECTIONID" val="al3NANEPSc33uauFQAsZyw"/>
-</p:tagLst>
-</file>
-
-<file path=ppt/tags/tag72.xml><?xml version="1.0" encoding="utf-8"?>
-<p:tagLst xmlns:a="http://schemas.openxmlformats.org/drawingml/2006/main" xmlns:r="http://schemas.openxmlformats.org/officeDocument/2006/relationships" xmlns:p="http://schemas.openxmlformats.org/presentationml/2006/main">
-  <p:tag name="DVSHAPEID" val="TvSFdO9rRsMCIhGihyK8KC"/>
-</p:tagLst>
-</file>
-
-<file path=ppt/tags/tag73.xml><?xml version="1.0" encoding="utf-8"?>
-<p:tagLst xmlns:a="http://schemas.openxmlformats.org/drawingml/2006/main" xmlns:r="http://schemas.openxmlformats.org/officeDocument/2006/relationships" xmlns:p="http://schemas.openxmlformats.org/presentationml/2006/main">
-  <p:tag name="DVSHAPEID" val="CW6DDHLZWGmyKx1ly7VxZz"/>
-</p:tagLst>
-</file>
-
-<file path=ppt/tags/tag74.xml><?xml version="1.0" encoding="utf-8"?>
-<p:tagLst xmlns:a="http://schemas.openxmlformats.org/drawingml/2006/main" xmlns:r="http://schemas.openxmlformats.org/officeDocument/2006/relationships" xmlns:p="http://schemas.openxmlformats.org/presentationml/2006/main">
-  <p:tag name="DVSHAPEID" val="y1kpBi3RBF0hSWzAbsFRv5"/>
-</p:tagLst>
-</file>
-
-<file path=ppt/tags/tag75.xml><?xml version="1.0" encoding="utf-8"?>
-<p:tagLst xmlns:a="http://schemas.openxmlformats.org/drawingml/2006/main" xmlns:r="http://schemas.openxmlformats.org/officeDocument/2006/relationships" xmlns:p="http://schemas.openxmlformats.org/presentationml/2006/main">
-  <p:tag name="DVSHAPEID" val="gax9hW0DddC3o5jd5tW45G"/>
-</p:tagLst>
-</file>
-
-<file path=ppt/tags/tag76.xml><?xml version="1.0" encoding="utf-8"?>
-<p:tagLst xmlns:a="http://schemas.openxmlformats.org/drawingml/2006/main" xmlns:r="http://schemas.openxmlformats.org/officeDocument/2006/relationships" xmlns:p="http://schemas.openxmlformats.org/presentationml/2006/main">
-  <p:tag name="DVSHAPEID" val="xsE4LYVsR73sK9Ss06RYrN"/>
-</p:tagLst>
-</file>
-
-<file path=ppt/tags/tag77.xml><?xml version="1.0" encoding="utf-8"?>
-<p:tagLst xmlns:a="http://schemas.openxmlformats.org/drawingml/2006/main" xmlns:r="http://schemas.openxmlformats.org/officeDocument/2006/relationships" xmlns:p="http://schemas.openxmlformats.org/presentationml/2006/main">
-  <p:tag name="DVSHAPEID" val="FOyugXmcVq0zD4udb1HKmv"/>
-</p:tagLst>
-</file>
-
-<file path=ppt/tags/tag78.xml><?xml version="1.0" encoding="utf-8"?>
-<p:tagLst xmlns:a="http://schemas.openxmlformats.org/drawingml/2006/main" xmlns:r="http://schemas.openxmlformats.org/officeDocument/2006/relationships" xmlns:p="http://schemas.openxmlformats.org/presentationml/2006/main">
-  <p:tag name="DVSHAPEID" val="0Vk9lDtQd6fKNQwgHY5EcC"/>
-</p:tagLst>
-</file>
-
-<file path=ppt/tags/tag79.xml><?xml version="1.0" encoding="utf-8"?>
-<p:tagLst xmlns:a="http://schemas.openxmlformats.org/drawingml/2006/main" xmlns:r="http://schemas.openxmlformats.org/officeDocument/2006/relationships" xmlns:p="http://schemas.openxmlformats.org/presentationml/2006/main">
-  <p:tag name="DVSHAPEID" val="OjmxQt1TT8hY8DWeIxDPfY"/>
-</p:tagLst>
-</file>
-
-<file path=ppt/tags/tag8.xml><?xml version="1.0" encoding="utf-8"?>
-<p:tagLst xmlns:a="http://schemas.openxmlformats.org/drawingml/2006/main" xmlns:r="http://schemas.openxmlformats.org/officeDocument/2006/relationships" xmlns:p="http://schemas.openxmlformats.org/presentationml/2006/main">
-  <p:tag name="DVSHAPEID" val="pqib77YtbW3ZjqYrLzGAMR"/>
-</p:tagLst>
-</file>
-
-<file path=ppt/tags/tag80.xml><?xml version="1.0" encoding="utf-8"?>
-<p:tagLst xmlns:a="http://schemas.openxmlformats.org/drawingml/2006/main" xmlns:r="http://schemas.openxmlformats.org/officeDocument/2006/relationships" xmlns:p="http://schemas.openxmlformats.org/presentationml/2006/main">
-  <p:tag name="DVSECTIONID" val="oqXV9lIFbnHJMrSyudh8By"/>
-</p:tagLst>
-</file>
-
-<file path=ppt/tags/tag81.xml><?xml version="1.0" encoding="utf-8"?>
-<p:tagLst xmlns:a="http://schemas.openxmlformats.org/drawingml/2006/main" xmlns:r="http://schemas.openxmlformats.org/officeDocument/2006/relationships" xmlns:p="http://schemas.openxmlformats.org/presentationml/2006/main">
-  <p:tag name="DVSHAPEID" val="rbwNXNUPhHq9OCa7CJJ5dT"/>
-</p:tagLst>
-</file>
-
-<file path=ppt/tags/tag82.xml><?xml version="1.0" encoding="utf-8"?>
-<p:tagLst xmlns:a="http://schemas.openxmlformats.org/drawingml/2006/main" xmlns:r="http://schemas.openxmlformats.org/officeDocument/2006/relationships" xmlns:p="http://schemas.openxmlformats.org/presentationml/2006/main">
-  <p:tag name="DVSHAPEID" val="kThEGVkIEHjot8DyFFVnPy"/>
-</p:tagLst>
-</file>
-
-<file path=ppt/tags/tag83.xml><?xml version="1.0" encoding="utf-8"?>
-<p:tagLst xmlns:a="http://schemas.openxmlformats.org/drawingml/2006/main" xmlns:r="http://schemas.openxmlformats.org/officeDocument/2006/relationships" xmlns:p="http://schemas.openxmlformats.org/presentationml/2006/main">
-  <p:tag name="DVSHAPEID" val="jD1T5zmmV6oxRDvj6Zvy2J"/>
-</p:tagLst>
-</file>
-
-<file path=ppt/tags/tag84.xml><?xml version="1.0" encoding="utf-8"?>
-<p:tagLst xmlns:a="http://schemas.openxmlformats.org/drawingml/2006/main" xmlns:r="http://schemas.openxmlformats.org/officeDocument/2006/relationships" xmlns:p="http://schemas.openxmlformats.org/presentationml/2006/main">
-  <p:tag name="DVSHAPEID" val="Qq82u333aQ4MzECNPKmhLc"/>
-</p:tagLst>
-</file>
-
-<file path=ppt/tags/tag85.xml><?xml version="1.0" encoding="utf-8"?>
-<p:tagLst xmlns:a="http://schemas.openxmlformats.org/drawingml/2006/main" xmlns:r="http://schemas.openxmlformats.org/officeDocument/2006/relationships" xmlns:p="http://schemas.openxmlformats.org/presentationml/2006/main">
-  <p:tag name="DVSHAPEID" val="ZVh03mzVShvzMBK35ijSWy"/>
-</p:tagLst>
-</file>
-
-<file path=ppt/tags/tag86.xml><?xml version="1.0" encoding="utf-8"?>
-<p:tagLst xmlns:a="http://schemas.openxmlformats.org/drawingml/2006/main" xmlns:r="http://schemas.openxmlformats.org/officeDocument/2006/relationships" xmlns:p="http://schemas.openxmlformats.org/presentationml/2006/main">
-  <p:tag name="DVSHAPEID" val="t53RHiaKbKYEqcKt0HteXM"/>
-</p:tagLst>
-</file>
-
-<file path=ppt/tags/tag87.xml><?xml version="1.0" encoding="utf-8"?>
-<p:tagLst xmlns:a="http://schemas.openxmlformats.org/drawingml/2006/main" xmlns:r="http://schemas.openxmlformats.org/officeDocument/2006/relationships" xmlns:p="http://schemas.openxmlformats.org/presentationml/2006/main">
-  <p:tag name="DVSHAPEID" val="g0R02LE3YTgqscXcEgL75L"/>
-</p:tagLst>
-</file>
-
-<file path=ppt/tags/tag88.xml><?xml version="1.0" encoding="utf-8"?>
-<p:tagLst xmlns:a="http://schemas.openxmlformats.org/drawingml/2006/main" xmlns:r="http://schemas.openxmlformats.org/officeDocument/2006/relationships" xmlns:p="http://schemas.openxmlformats.org/presentationml/2006/main">
-  <p:tag name="DVSHAPEID" val="B8ayiCiCoHAGO3ZGgo58L4"/>
-</p:tagLst>
-</file>
-
-<file path=ppt/tags/tag89.xml><?xml version="1.0" encoding="utf-8"?>
-<p:tagLst xmlns:a="http://schemas.openxmlformats.org/drawingml/2006/main" xmlns:r="http://schemas.openxmlformats.org/officeDocument/2006/relationships" xmlns:p="http://schemas.openxmlformats.org/presentationml/2006/main">
-  <p:tag name="DVSHAPEID" val="nZKywO2dtQHvoJPut2Lmvy"/>
-</p:tagLst>
-</file>
-
-<file path=ppt/tags/tag9.xml><?xml version="1.0" encoding="utf-8"?>
-<p:tagLst xmlns:a="http://schemas.openxmlformats.org/drawingml/2006/main" xmlns:r="http://schemas.openxmlformats.org/officeDocument/2006/relationships" xmlns:p="http://schemas.openxmlformats.org/presentationml/2006/main">
-  <p:tag name="DVSHAPEID" val="E1Sizr52GiC1Ql2ncsLyG4"/>
-</p:tagLst>
-</file>
-
-<file path=ppt/tags/tag90.xml><?xml version="1.0" encoding="utf-8"?>
-<p:tagLst xmlns:a="http://schemas.openxmlformats.org/drawingml/2006/main" xmlns:r="http://schemas.openxmlformats.org/officeDocument/2006/relationships" xmlns:p="http://schemas.openxmlformats.org/presentationml/2006/main">
-  <p:tag name="DVSHAPEID" val="QLnTcXZn1XZxKaNK5tzaeK"/>
-</p:tagLst>
-</file>
-
-<file path=ppt/tags/tag91.xml><?xml version="1.0" encoding="utf-8"?>
-<p:tagLst xmlns:a="http://schemas.openxmlformats.org/drawingml/2006/main" xmlns:r="http://schemas.openxmlformats.org/officeDocument/2006/relationships" xmlns:p="http://schemas.openxmlformats.org/presentationml/2006/main">
-  <p:tag name="DVSHAPEID" val="ZjEgRMU3mozP9YaCB4d5OJ"/>
-</p:tagLst>
-</file>
-
-<file path=ppt/tags/tag92.xml><?xml version="1.0" encoding="utf-8"?>
-<p:tagLst xmlns:a="http://schemas.openxmlformats.org/drawingml/2006/main" xmlns:r="http://schemas.openxmlformats.org/officeDocument/2006/relationships" xmlns:p="http://schemas.openxmlformats.org/presentationml/2006/main">
-  <p:tag name="DVSHAPEID" val="vRYEGJXhNkj6M4eW6dsYAA"/>
-</p:tagLst>
-</file>
-
-<file path=ppt/tags/tag93.xml><?xml version="1.0" encoding="utf-8"?>
-<p:tagLst xmlns:a="http://schemas.openxmlformats.org/drawingml/2006/main" xmlns:r="http://schemas.openxmlformats.org/officeDocument/2006/relationships" xmlns:p="http://schemas.openxmlformats.org/presentationml/2006/main">
-  <p:tag name="DVSHAPEID" val="PXifMqVBYkpc7Ql80m8eOg"/>
-</p:tagLst>
-</file>
-
-<file path=ppt/tags/tag94.xml><?xml version="1.0" encoding="utf-8"?>
-<p:tagLst xmlns:a="http://schemas.openxmlformats.org/drawingml/2006/main" xmlns:r="http://schemas.openxmlformats.org/officeDocument/2006/relationships" xmlns:p="http://schemas.openxmlformats.org/presentationml/2006/main">
-  <p:tag name="DVSECTIONID" val="MhAEe44tv2kDXDQFDi7c0G"/>
-</p:tagLst>
-</file>
-
-<file path=ppt/tags/tag95.xml><?xml version="1.0" encoding="utf-8"?>
-<p:tagLst xmlns:a="http://schemas.openxmlformats.org/drawingml/2006/main" xmlns:r="http://schemas.openxmlformats.org/officeDocument/2006/relationships" xmlns:p="http://schemas.openxmlformats.org/presentationml/2006/main">
-  <p:tag name="DVSHAPEID" val="XV1PzsSuX8VfONhc5b55Bf"/>
-</p:tagLst>
-</file>
-
-<file path=ppt/tags/tag96.xml><?xml version="1.0" encoding="utf-8"?>
-<p:tagLst xmlns:a="http://schemas.openxmlformats.org/drawingml/2006/main" xmlns:r="http://schemas.openxmlformats.org/officeDocument/2006/relationships" xmlns:p="http://schemas.openxmlformats.org/presentationml/2006/main">
-  <p:tag name="DVSHAPEID" val="w3c6nFYZDP9UT3DRaupjma"/>
-</p:tagLst>
-</file>
-
-<file path=ppt/tags/tag97.xml><?xml version="1.0" encoding="utf-8"?>
-<p:tagLst xmlns:a="http://schemas.openxmlformats.org/drawingml/2006/main" xmlns:r="http://schemas.openxmlformats.org/officeDocument/2006/relationships" xmlns:p="http://schemas.openxmlformats.org/presentationml/2006/main">
-  <p:tag name="DVSHAPEID" val="awfrEU7gSvZIpXCs4cvXv6"/>
-</p:tagLst>
-</file>
-
-<file path=ppt/tags/tag98.xml><?xml version="1.0" encoding="utf-8"?>
-<p:tagLst xmlns:a="http://schemas.openxmlformats.org/drawingml/2006/main" xmlns:r="http://schemas.openxmlformats.org/officeDocument/2006/relationships" xmlns:p="http://schemas.openxmlformats.org/presentationml/2006/main">
-  <p:tag name="DVSHAPEID" val="6TTeye1BFiSlTFQW04SnWD"/>
-</p:tagLst>
-</file>
-
-<file path=ppt/tags/tag99.xml><?xml version="1.0" encoding="utf-8"?>
-<p:tagLst xmlns:a="http://schemas.openxmlformats.org/drawingml/2006/main" xmlns:r="http://schemas.openxmlformats.org/officeDocument/2006/relationships" xmlns:p="http://schemas.openxmlformats.org/presentationml/2006/main">
-  <p:tag name="DVSHAPEID" val="VbEFeHqcNpF4qmxqlTehPG"/>
 </p:tagLst>
 </file>
 
@@ -12161,289 +9245,4 @@
   <a:objectDefaults/>
   <a:extraClrSchemeLst/>
 </a:theme>
-</file>
-
-<file path=ppt/theme/theme2.xml><?xml version="1.0" encoding="utf-8"?>
-<a:theme xmlns:a="http://schemas.openxmlformats.org/drawingml/2006/main" name="Тема Office">
-  <a:themeElements>
-    <a:clrScheme name="Стандартная">
-      <a:dk1>
-        <a:sysClr val="windowText" lastClr="000000"/>
-      </a:dk1>
-      <a:lt1>
-        <a:sysClr val="window" lastClr="FFFFFF"/>
-      </a:lt1>
-      <a:dk2>
-        <a:srgbClr val="1F497D"/>
-      </a:dk2>
-      <a:lt2>
-        <a:srgbClr val="EEECE1"/>
-      </a:lt2>
-      <a:accent1>
-        <a:srgbClr val="4F81BD"/>
-      </a:accent1>
-      <a:accent2>
-        <a:srgbClr val="C0504D"/>
-      </a:accent2>
-      <a:accent3>
-        <a:srgbClr val="9BBB59"/>
-      </a:accent3>
-      <a:accent4>
-        <a:srgbClr val="8064A2"/>
-      </a:accent4>
-      <a:accent5>
-        <a:srgbClr val="4BACC6"/>
-      </a:accent5>
-      <a:accent6>
-        <a:srgbClr val="F79646"/>
-      </a:accent6>
-      <a:hlink>
-        <a:srgbClr val="0000FF"/>
-      </a:hlink>
-      <a:folHlink>
-        <a:srgbClr val="800080"/>
-      </a:folHlink>
-    </a:clrScheme>
-    <a:fontScheme name="Стандартная">
-      <a:majorFont>
-        <a:latin typeface="Calibri"/>
-        <a:ea typeface=""/>
-        <a:cs typeface=""/>
-        <a:font script="Jpan" typeface="ＭＳ Ｐゴシック"/>
-        <a:font script="Hang" typeface="맑은 고딕"/>
-        <a:font script="Hans" typeface="宋体"/>
-        <a:font script="Hant" typeface="新細明體"/>
-        <a:font script="Arab" typeface="Times New Roman"/>
-        <a:font script="Hebr" typeface="Times New Roman"/>
-        <a:font script="Thai" typeface="Angsana New"/>
-        <a:font script="Ethi" typeface="Nyala"/>
-        <a:font script="Beng" typeface="Vrinda"/>
-        <a:font script="Gujr" typeface="Shruti"/>
-        <a:font script="Khmr" typeface="MoolBoran"/>
-        <a:font script="Knda" typeface="Tunga"/>
-        <a:font script="Guru" typeface="Raavi"/>
-        <a:font script="Cans" typeface="Euphemia"/>
-        <a:font script="Cher" typeface="Plantagenet Cherokee"/>
-        <a:font script="Yiii" typeface="Microsoft Yi Baiti"/>
-        <a:font script="Tibt" typeface="Microsoft Himalaya"/>
-        <a:font script="Thaa" typeface="MV Boli"/>
-        <a:font script="Deva" typeface="Mangal"/>
-        <a:font script="Telu" typeface="Gautami"/>
-        <a:font script="Taml" typeface="Latha"/>
-        <a:font script="Syrc" typeface="Estrangelo Edessa"/>
-        <a:font script="Orya" typeface="Kalinga"/>
-        <a:font script="Mlym" typeface="Kartika"/>
-        <a:font script="Laoo" typeface="DokChampa"/>
-        <a:font script="Sinh" typeface="Iskoola Pota"/>
-        <a:font script="Mong" typeface="Mongolian Baiti"/>
-        <a:font script="Viet" typeface="Times New Roman"/>
-        <a:font script="Uigh" typeface="Microsoft Uighur"/>
-        <a:font script="Geor" typeface="Sylfaen"/>
-      </a:majorFont>
-      <a:minorFont>
-        <a:latin typeface="Calibri"/>
-        <a:ea typeface=""/>
-        <a:cs typeface=""/>
-        <a:font script="Jpan" typeface="ＭＳ Ｐゴシック"/>
-        <a:font script="Hang" typeface="맑은 고딕"/>
-        <a:font script="Hans" typeface="宋体"/>
-        <a:font script="Hant" typeface="新細明體"/>
-        <a:font script="Arab" typeface="Arial"/>
-        <a:font script="Hebr" typeface="Arial"/>
-        <a:font script="Thai" typeface="Cordia New"/>
-        <a:font script="Ethi" typeface="Nyala"/>
-        <a:font script="Beng" typeface="Vrinda"/>
-        <a:font script="Gujr" typeface="Shruti"/>
-        <a:font script="Khmr" typeface="DaunPenh"/>
-        <a:font script="Knda" typeface="Tunga"/>
-        <a:font script="Guru" typeface="Raavi"/>
-        <a:font script="Cans" typeface="Euphemia"/>
-        <a:font script="Cher" typeface="Plantagenet Cherokee"/>
-        <a:font script="Yiii" typeface="Microsoft Yi Baiti"/>
-        <a:font script="Tibt" typeface="Microsoft Himalaya"/>
-        <a:font script="Thaa" typeface="MV Boli"/>
-        <a:font script="Deva" typeface="Mangal"/>
-        <a:font script="Telu" typeface="Gautami"/>
-        <a:font script="Taml" typeface="Latha"/>
-        <a:font script="Syrc" typeface="Estrangelo Edessa"/>
-        <a:font script="Orya" typeface="Kalinga"/>
-        <a:font script="Mlym" typeface="Kartika"/>
-        <a:font script="Laoo" typeface="DokChampa"/>
-        <a:font script="Sinh" typeface="Iskoola Pota"/>
-        <a:font script="Mong" typeface="Mongolian Baiti"/>
-        <a:font script="Viet" typeface="Arial"/>
-        <a:font script="Uigh" typeface="Microsoft Uighur"/>
-        <a:font script="Geor" typeface="Sylfaen"/>
-      </a:minorFont>
-    </a:fontScheme>
-    <a:fmtScheme name="Стандартная">
-      <a:fillStyleLst>
-        <a:solidFill>
-          <a:schemeClr val="phClr"/>
-        </a:solidFill>
-        <a:gradFill rotWithShape="1">
-          <a:gsLst>
-            <a:gs pos="0">
-              <a:schemeClr val="phClr">
-                <a:tint val="50000"/>
-                <a:satMod val="300000"/>
-              </a:schemeClr>
-            </a:gs>
-            <a:gs pos="35000">
-              <a:schemeClr val="phClr">
-                <a:tint val="37000"/>
-                <a:satMod val="300000"/>
-              </a:schemeClr>
-            </a:gs>
-            <a:gs pos="100000">
-              <a:schemeClr val="phClr">
-                <a:tint val="15000"/>
-                <a:satMod val="350000"/>
-              </a:schemeClr>
-            </a:gs>
-          </a:gsLst>
-          <a:lin ang="16200000" scaled="1"/>
-        </a:gradFill>
-        <a:gradFill rotWithShape="1">
-          <a:gsLst>
-            <a:gs pos="0">
-              <a:schemeClr val="phClr">
-                <a:shade val="51000"/>
-                <a:satMod val="130000"/>
-              </a:schemeClr>
-            </a:gs>
-            <a:gs pos="80000">
-              <a:schemeClr val="phClr">
-                <a:shade val="93000"/>
-                <a:satMod val="130000"/>
-              </a:schemeClr>
-            </a:gs>
-            <a:gs pos="100000">
-              <a:schemeClr val="phClr">
-                <a:shade val="94000"/>
-                <a:satMod val="135000"/>
-              </a:schemeClr>
-            </a:gs>
-          </a:gsLst>
-          <a:lin ang="16200000" scaled="0"/>
-        </a:gradFill>
-      </a:fillStyleLst>
-      <a:lnStyleLst>
-        <a:ln w="9525" cap="flat" cmpd="sng" algn="ctr">
-          <a:solidFill>
-            <a:schemeClr val="phClr">
-              <a:shade val="95000"/>
-              <a:satMod val="105000"/>
-            </a:schemeClr>
-          </a:solidFill>
-          <a:prstDash val="solid"/>
-        </a:ln>
-        <a:ln w="25400" cap="flat" cmpd="sng" algn="ctr">
-          <a:solidFill>
-            <a:schemeClr val="phClr"/>
-          </a:solidFill>
-          <a:prstDash val="solid"/>
-        </a:ln>
-        <a:ln w="38100" cap="flat" cmpd="sng" algn="ctr">
-          <a:solidFill>
-            <a:schemeClr val="phClr"/>
-          </a:solidFill>
-          <a:prstDash val="solid"/>
-        </a:ln>
-      </a:lnStyleLst>
-      <a:effectStyleLst>
-        <a:effectStyle>
-          <a:effectLst>
-            <a:outerShdw blurRad="40000" dist="20000" dir="5400000" rotWithShape="0">
-              <a:srgbClr val="000000">
-                <a:alpha val="38000"/>
-              </a:srgbClr>
-            </a:outerShdw>
-          </a:effectLst>
-        </a:effectStyle>
-        <a:effectStyle>
-          <a:effectLst>
-            <a:outerShdw blurRad="40000" dist="23000" dir="5400000" rotWithShape="0">
-              <a:srgbClr val="000000">
-                <a:alpha val="35000"/>
-              </a:srgbClr>
-            </a:outerShdw>
-          </a:effectLst>
-        </a:effectStyle>
-        <a:effectStyle>
-          <a:effectLst>
-            <a:outerShdw blurRad="40000" dist="23000" dir="5400000" rotWithShape="0">
-              <a:srgbClr val="000000">
-                <a:alpha val="35000"/>
-              </a:srgbClr>
-            </a:outerShdw>
-          </a:effectLst>
-          <a:scene3d>
-            <a:camera prst="orthographicFront">
-              <a:rot lat="0" lon="0" rev="0"/>
-            </a:camera>
-            <a:lightRig rig="threePt" dir="t">
-              <a:rot lat="0" lon="0" rev="1200000"/>
-            </a:lightRig>
-          </a:scene3d>
-          <a:sp3d>
-            <a:bevelT w="63500" h="25400"/>
-          </a:sp3d>
-        </a:effectStyle>
-      </a:effectStyleLst>
-      <a:bgFillStyleLst>
-        <a:solidFill>
-          <a:schemeClr val="phClr"/>
-        </a:solidFill>
-        <a:gradFill rotWithShape="1">
-          <a:gsLst>
-            <a:gs pos="0">
-              <a:schemeClr val="phClr">
-                <a:tint val="40000"/>
-                <a:satMod val="350000"/>
-              </a:schemeClr>
-            </a:gs>
-            <a:gs pos="40000">
-              <a:schemeClr val="phClr">
-                <a:tint val="45000"/>
-                <a:shade val="99000"/>
-                <a:satMod val="350000"/>
-              </a:schemeClr>
-            </a:gs>
-            <a:gs pos="100000">
-              <a:schemeClr val="phClr">
-                <a:shade val="20000"/>
-                <a:satMod val="255000"/>
-              </a:schemeClr>
-            </a:gs>
-          </a:gsLst>
-          <a:path path="circle">
-            <a:fillToRect l="50000" t="-80000" r="50000" b="180000"/>
-          </a:path>
-        </a:gradFill>
-        <a:gradFill rotWithShape="1">
-          <a:gsLst>
-            <a:gs pos="0">
-              <a:schemeClr val="phClr">
-                <a:tint val="80000"/>
-                <a:satMod val="300000"/>
-              </a:schemeClr>
-            </a:gs>
-            <a:gs pos="100000">
-              <a:schemeClr val="phClr">
-                <a:shade val="30000"/>
-                <a:satMod val="200000"/>
-              </a:schemeClr>
-            </a:gs>
-          </a:gsLst>
-          <a:path path="circle">
-            <a:fillToRect l="50000" t="50000" r="50000" b="50000"/>
-          </a:path>
-        </a:gradFill>
-      </a:bgFillStyleLst>
-    </a:fmtScheme>
-  </a:themeElements>
-  <a:objectDefaults/>
-  <a:extraClrSchemeLst/>
-</a:theme>
 </file>